--- a/CYFI445/lectures/08_multiclass_classification_n_to_n_2hidden/0_ML_concepts_multiclass.pptx
+++ b/CYFI445/lectures/08_multiclass_classification_n_to_n_2hidden/0_ML_concepts_multiclass.pptx
@@ -5,7 +5,7 @@
     <p:sldMasterId id="2147483648" r:id="rId1"/>
   </p:sldMasterIdLst>
   <p:notesMasterIdLst>
-    <p:notesMasterId r:id="rId37"/>
+    <p:notesMasterId r:id="rId39"/>
   </p:notesMasterIdLst>
   <p:sldIdLst>
     <p:sldId id="256" r:id="rId2"/>
@@ -34,15 +34,17 @@
     <p:sldId id="274" r:id="rId25"/>
     <p:sldId id="269" r:id="rId26"/>
     <p:sldId id="272" r:id="rId27"/>
-    <p:sldId id="276" r:id="rId28"/>
-    <p:sldId id="277" r:id="rId29"/>
-    <p:sldId id="278" r:id="rId30"/>
-    <p:sldId id="280" r:id="rId31"/>
-    <p:sldId id="281" r:id="rId32"/>
-    <p:sldId id="282" r:id="rId33"/>
-    <p:sldId id="283" r:id="rId34"/>
-    <p:sldId id="284" r:id="rId35"/>
-    <p:sldId id="285" r:id="rId36"/>
+    <p:sldId id="293" r:id="rId28"/>
+    <p:sldId id="294" r:id="rId29"/>
+    <p:sldId id="276" r:id="rId30"/>
+    <p:sldId id="277" r:id="rId31"/>
+    <p:sldId id="278" r:id="rId32"/>
+    <p:sldId id="280" r:id="rId33"/>
+    <p:sldId id="281" r:id="rId34"/>
+    <p:sldId id="282" r:id="rId35"/>
+    <p:sldId id="283" r:id="rId36"/>
+    <p:sldId id="284" r:id="rId37"/>
+    <p:sldId id="285" r:id="rId38"/>
   </p:sldIdLst>
   <p:sldSz cx="12192000" cy="6858000"/>
   <p:notesSz cx="6858000" cy="9144000"/>
@@ -160,2683 +162,6 @@
 <file path=ppt/changesInfos/changesInfo1.xml><?xml version="1.0" encoding="utf-8"?>
 <pc:chgInfo xmlns:a="http://schemas.openxmlformats.org/drawingml/2006/main" xmlns:r="http://schemas.openxmlformats.org/officeDocument/2006/relationships" xmlns:ac="http://schemas.microsoft.com/office/drawing/2013/main/command" xmlns:pc="http://schemas.microsoft.com/office/powerpoint/2013/main/command">
   <pc:docChgLst>
-    <pc:chgData name="Weifeng Xu" userId="e7aed605-a3dd-4d5a-a692-a87037af107b" providerId="ADAL" clId="{69090D41-60B8-4636-A275-1996D027DEDB}"/>
-    <pc:docChg chg="undo redo custSel addSld delSld modSld sldOrd">
-      <pc:chgData name="Weifeng Xu" userId="e7aed605-a3dd-4d5a-a692-a87037af107b" providerId="ADAL" clId="{69090D41-60B8-4636-A275-1996D027DEDB}" dt="2025-06-03T00:23:32.734" v="6385" actId="1076"/>
-      <pc:docMkLst>
-        <pc:docMk/>
-      </pc:docMkLst>
-      <pc:sldChg chg="modSp mod">
-        <pc:chgData name="Weifeng Xu" userId="e7aed605-a3dd-4d5a-a692-a87037af107b" providerId="ADAL" clId="{69090D41-60B8-4636-A275-1996D027DEDB}" dt="2025-05-03T20:45:02.331" v="33"/>
-        <pc:sldMkLst>
-          <pc:docMk/>
-          <pc:sldMk cId="1325061211" sldId="256"/>
-        </pc:sldMkLst>
-        <pc:spChg chg="mod">
-          <ac:chgData name="Weifeng Xu" userId="e7aed605-a3dd-4d5a-a692-a87037af107b" providerId="ADAL" clId="{69090D41-60B8-4636-A275-1996D027DEDB}" dt="2025-05-03T20:44:45.203" v="32" actId="27636"/>
-          <ac:spMkLst>
-            <pc:docMk/>
-            <pc:sldMk cId="1325061211" sldId="256"/>
-            <ac:spMk id="2" creationId="{00000000-0000-0000-0000-000000000000}"/>
-          </ac:spMkLst>
-        </pc:spChg>
-        <pc:spChg chg="mod">
-          <ac:chgData name="Weifeng Xu" userId="e7aed605-a3dd-4d5a-a692-a87037af107b" providerId="ADAL" clId="{69090D41-60B8-4636-A275-1996D027DEDB}" dt="2025-05-03T20:45:02.331" v="33"/>
-          <ac:spMkLst>
-            <pc:docMk/>
-            <pc:sldMk cId="1325061211" sldId="256"/>
-            <ac:spMk id="3" creationId="{00000000-0000-0000-0000-000000000000}"/>
-          </ac:spMkLst>
-        </pc:spChg>
-      </pc:sldChg>
-      <pc:sldChg chg="del">
-        <pc:chgData name="Weifeng Xu" userId="e7aed605-a3dd-4d5a-a692-a87037af107b" providerId="ADAL" clId="{69090D41-60B8-4636-A275-1996D027DEDB}" dt="2025-05-03T02:29:18.938" v="0" actId="47"/>
-        <pc:sldMkLst>
-          <pc:docMk/>
-          <pc:sldMk cId="1640287784" sldId="257"/>
-        </pc:sldMkLst>
-      </pc:sldChg>
-      <pc:sldChg chg="modSp new mod">
-        <pc:chgData name="Weifeng Xu" userId="e7aed605-a3dd-4d5a-a692-a87037af107b" providerId="ADAL" clId="{69090D41-60B8-4636-A275-1996D027DEDB}" dt="2025-05-03T20:45:36.690" v="43"/>
-        <pc:sldMkLst>
-          <pc:docMk/>
-          <pc:sldMk cId="3637650244" sldId="257"/>
-        </pc:sldMkLst>
-        <pc:spChg chg="mod">
-          <ac:chgData name="Weifeng Xu" userId="e7aed605-a3dd-4d5a-a692-a87037af107b" providerId="ADAL" clId="{69090D41-60B8-4636-A275-1996D027DEDB}" dt="2025-05-03T20:45:28.055" v="42" actId="20577"/>
-          <ac:spMkLst>
-            <pc:docMk/>
-            <pc:sldMk cId="3637650244" sldId="257"/>
-            <ac:spMk id="2" creationId="{581B0BDA-EADA-7012-694F-60F1BFB9D6D9}"/>
-          </ac:spMkLst>
-        </pc:spChg>
-        <pc:spChg chg="mod">
-          <ac:chgData name="Weifeng Xu" userId="e7aed605-a3dd-4d5a-a692-a87037af107b" providerId="ADAL" clId="{69090D41-60B8-4636-A275-1996D027DEDB}" dt="2025-05-03T20:45:36.690" v="43"/>
-          <ac:spMkLst>
-            <pc:docMk/>
-            <pc:sldMk cId="3637650244" sldId="257"/>
-            <ac:spMk id="3" creationId="{06162081-A63F-B575-CA37-6004D51E7702}"/>
-          </ac:spMkLst>
-        </pc:spChg>
-      </pc:sldChg>
-      <pc:sldChg chg="del">
-        <pc:chgData name="Weifeng Xu" userId="e7aed605-a3dd-4d5a-a692-a87037af107b" providerId="ADAL" clId="{69090D41-60B8-4636-A275-1996D027DEDB}" dt="2025-05-03T02:29:19.445" v="1" actId="47"/>
-        <pc:sldMkLst>
-          <pc:docMk/>
-          <pc:sldMk cId="717681411" sldId="258"/>
-        </pc:sldMkLst>
-      </pc:sldChg>
-      <pc:sldChg chg="addSp delSp modSp new mod modNotesTx">
-        <pc:chgData name="Weifeng Xu" userId="e7aed605-a3dd-4d5a-a692-a87037af107b" providerId="ADAL" clId="{69090D41-60B8-4636-A275-1996D027DEDB}" dt="2025-06-02T16:20:42.745" v="4534" actId="20577"/>
-        <pc:sldMkLst>
-          <pc:docMk/>
-          <pc:sldMk cId="2182874950" sldId="258"/>
-        </pc:sldMkLst>
-        <pc:spChg chg="mod">
-          <ac:chgData name="Weifeng Xu" userId="e7aed605-a3dd-4d5a-a692-a87037af107b" providerId="ADAL" clId="{69090D41-60B8-4636-A275-1996D027DEDB}" dt="2025-05-03T20:52:53.910" v="71" actId="20577"/>
-          <ac:spMkLst>
-            <pc:docMk/>
-            <pc:sldMk cId="2182874950" sldId="258"/>
-            <ac:spMk id="2" creationId="{58FB2F5D-D11E-4BB1-12B5-F22A641968AE}"/>
-          </ac:spMkLst>
-        </pc:spChg>
-        <pc:spChg chg="mod">
-          <ac:chgData name="Weifeng Xu" userId="e7aed605-a3dd-4d5a-a692-a87037af107b" providerId="ADAL" clId="{69090D41-60B8-4636-A275-1996D027DEDB}" dt="2025-05-04T22:04:45.157" v="3868" actId="20577"/>
-          <ac:spMkLst>
-            <pc:docMk/>
-            <pc:sldMk cId="2182874950" sldId="258"/>
-            <ac:spMk id="3" creationId="{72B21226-2F4F-8E2C-6400-9187E1B9C480}"/>
-          </ac:spMkLst>
-        </pc:spChg>
-        <pc:spChg chg="add mod">
-          <ac:chgData name="Weifeng Xu" userId="e7aed605-a3dd-4d5a-a692-a87037af107b" providerId="ADAL" clId="{69090D41-60B8-4636-A275-1996D027DEDB}" dt="2025-05-03T23:38:51.494" v="821" actId="1076"/>
-          <ac:spMkLst>
-            <pc:docMk/>
-            <pc:sldMk cId="2182874950" sldId="258"/>
-            <ac:spMk id="44" creationId="{B266E7F1-F4D8-7E6D-0CFE-32221FD7B4B1}"/>
-          </ac:spMkLst>
-        </pc:spChg>
-        <pc:spChg chg="add mod">
-          <ac:chgData name="Weifeng Xu" userId="e7aed605-a3dd-4d5a-a692-a87037af107b" providerId="ADAL" clId="{69090D41-60B8-4636-A275-1996D027DEDB}" dt="2025-05-03T23:38:51.494" v="821" actId="1076"/>
-          <ac:spMkLst>
-            <pc:docMk/>
-            <pc:sldMk cId="2182874950" sldId="258"/>
-            <ac:spMk id="45" creationId="{E9BDCFF8-448A-B875-E61B-EC56F0CDEFAC}"/>
-          </ac:spMkLst>
-        </pc:spChg>
-        <pc:spChg chg="add mod">
-          <ac:chgData name="Weifeng Xu" userId="e7aed605-a3dd-4d5a-a692-a87037af107b" providerId="ADAL" clId="{69090D41-60B8-4636-A275-1996D027DEDB}" dt="2025-05-03T23:38:51.494" v="821" actId="1076"/>
-          <ac:spMkLst>
-            <pc:docMk/>
-            <pc:sldMk cId="2182874950" sldId="258"/>
-            <ac:spMk id="46" creationId="{21AF1321-FF22-500F-736A-4D5606EAB1E9}"/>
-          </ac:spMkLst>
-        </pc:spChg>
-        <pc:spChg chg="add mod">
-          <ac:chgData name="Weifeng Xu" userId="e7aed605-a3dd-4d5a-a692-a87037af107b" providerId="ADAL" clId="{69090D41-60B8-4636-A275-1996D027DEDB}" dt="2025-05-03T23:38:51.494" v="821" actId="1076"/>
-          <ac:spMkLst>
-            <pc:docMk/>
-            <pc:sldMk cId="2182874950" sldId="258"/>
-            <ac:spMk id="48" creationId="{260781FE-A755-F5A0-FA00-77EE815D6052}"/>
-          </ac:spMkLst>
-        </pc:spChg>
-        <pc:spChg chg="add mod">
-          <ac:chgData name="Weifeng Xu" userId="e7aed605-a3dd-4d5a-a692-a87037af107b" providerId="ADAL" clId="{69090D41-60B8-4636-A275-1996D027DEDB}" dt="2025-05-03T23:38:51.494" v="821" actId="1076"/>
-          <ac:spMkLst>
-            <pc:docMk/>
-            <pc:sldMk cId="2182874950" sldId="258"/>
-            <ac:spMk id="50" creationId="{0AAFB3D2-DEEA-C05A-4BC6-7261A4A84C72}"/>
-          </ac:spMkLst>
-        </pc:spChg>
-        <pc:spChg chg="add mod">
-          <ac:chgData name="Weifeng Xu" userId="e7aed605-a3dd-4d5a-a692-a87037af107b" providerId="ADAL" clId="{69090D41-60B8-4636-A275-1996D027DEDB}" dt="2025-05-03T23:38:51.494" v="821" actId="1076"/>
-          <ac:spMkLst>
-            <pc:docMk/>
-            <pc:sldMk cId="2182874950" sldId="258"/>
-            <ac:spMk id="51" creationId="{6255A4F5-CEA8-167D-E506-877FDECBABD4}"/>
-          </ac:spMkLst>
-        </pc:spChg>
-        <pc:spChg chg="add mod">
-          <ac:chgData name="Weifeng Xu" userId="e7aed605-a3dd-4d5a-a692-a87037af107b" providerId="ADAL" clId="{69090D41-60B8-4636-A275-1996D027DEDB}" dt="2025-05-04T20:10:58.275" v="2984" actId="14100"/>
-          <ac:spMkLst>
-            <pc:docMk/>
-            <pc:sldMk cId="2182874950" sldId="258"/>
-            <ac:spMk id="53" creationId="{17EF3740-A77C-AAA8-90D5-1535ADACD86A}"/>
-          </ac:spMkLst>
-        </pc:spChg>
-        <pc:spChg chg="add mod">
-          <ac:chgData name="Weifeng Xu" userId="e7aed605-a3dd-4d5a-a692-a87037af107b" providerId="ADAL" clId="{69090D41-60B8-4636-A275-1996D027DEDB}" dt="2025-05-03T21:23:32.060" v="314" actId="14100"/>
-          <ac:spMkLst>
-            <pc:docMk/>
-            <pc:sldMk cId="2182874950" sldId="258"/>
-            <ac:spMk id="54" creationId="{1D26E071-ED97-6F9F-32A4-4DD87008C49F}"/>
-          </ac:spMkLst>
-        </pc:spChg>
-        <pc:spChg chg="add mod">
-          <ac:chgData name="Weifeng Xu" userId="e7aed605-a3dd-4d5a-a692-a87037af107b" providerId="ADAL" clId="{69090D41-60B8-4636-A275-1996D027DEDB}" dt="2025-05-03T21:23:51.704" v="321" actId="14100"/>
-          <ac:spMkLst>
-            <pc:docMk/>
-            <pc:sldMk cId="2182874950" sldId="258"/>
-            <ac:spMk id="55" creationId="{1169EE98-CE70-A177-7378-8FF125637B87}"/>
-          </ac:spMkLst>
-        </pc:spChg>
-        <pc:spChg chg="add mod">
-          <ac:chgData name="Weifeng Xu" userId="e7aed605-a3dd-4d5a-a692-a87037af107b" providerId="ADAL" clId="{69090D41-60B8-4636-A275-1996D027DEDB}" dt="2025-05-03T23:07:33.269" v="652" actId="6549"/>
-          <ac:spMkLst>
-            <pc:docMk/>
-            <pc:sldMk cId="2182874950" sldId="258"/>
-            <ac:spMk id="57" creationId="{A3809CBF-78FE-55CF-0ADD-13BFA5A0D7F1}"/>
-          </ac:spMkLst>
-        </pc:spChg>
-        <pc:spChg chg="add mod">
-          <ac:chgData name="Weifeng Xu" userId="e7aed605-a3dd-4d5a-a692-a87037af107b" providerId="ADAL" clId="{69090D41-60B8-4636-A275-1996D027DEDB}" dt="2025-05-03T21:25:05.124" v="348" actId="14100"/>
-          <ac:spMkLst>
-            <pc:docMk/>
-            <pc:sldMk cId="2182874950" sldId="258"/>
-            <ac:spMk id="58" creationId="{B2327BD6-CEEB-828C-4982-5B6662368022}"/>
-          </ac:spMkLst>
-        </pc:spChg>
-        <pc:spChg chg="add mod">
-          <ac:chgData name="Weifeng Xu" userId="e7aed605-a3dd-4d5a-a692-a87037af107b" providerId="ADAL" clId="{69090D41-60B8-4636-A275-1996D027DEDB}" dt="2025-05-03T21:25:24.046" v="354" actId="1076"/>
-          <ac:spMkLst>
-            <pc:docMk/>
-            <pc:sldMk cId="2182874950" sldId="258"/>
-            <ac:spMk id="59" creationId="{50045047-9872-534B-BE7F-C8AFA0123FED}"/>
-          </ac:spMkLst>
-        </pc:spChg>
-        <pc:spChg chg="add mod">
-          <ac:chgData name="Weifeng Xu" userId="e7aed605-a3dd-4d5a-a692-a87037af107b" providerId="ADAL" clId="{69090D41-60B8-4636-A275-1996D027DEDB}" dt="2025-06-02T16:20:42.745" v="4534" actId="20577"/>
-          <ac:spMkLst>
-            <pc:docMk/>
-            <pc:sldMk cId="2182874950" sldId="258"/>
-            <ac:spMk id="62" creationId="{84BBC447-B6C0-625C-813B-9034065D3D4F}"/>
-          </ac:spMkLst>
-        </pc:spChg>
-        <pc:spChg chg="add mod">
-          <ac:chgData name="Weifeng Xu" userId="e7aed605-a3dd-4d5a-a692-a87037af107b" providerId="ADAL" clId="{69090D41-60B8-4636-A275-1996D027DEDB}" dt="2025-05-04T20:11:01.051" v="2985" actId="1076"/>
-          <ac:spMkLst>
-            <pc:docMk/>
-            <pc:sldMk cId="2182874950" sldId="258"/>
-            <ac:spMk id="1024" creationId="{973780E4-4805-1AA6-4A31-C29ECDF6497D}"/>
-          </ac:spMkLst>
-        </pc:spChg>
-        <pc:picChg chg="add mod">
-          <ac:chgData name="Weifeng Xu" userId="e7aed605-a3dd-4d5a-a692-a87037af107b" providerId="ADAL" clId="{69090D41-60B8-4636-A275-1996D027DEDB}" dt="2025-05-03T21:14:29.587" v="126" actId="1076"/>
-          <ac:picMkLst>
-            <pc:docMk/>
-            <pc:sldMk cId="2182874950" sldId="258"/>
-            <ac:picMk id="7" creationId="{2432AEAC-3265-9D9C-CBA9-6DC54679ED49}"/>
-          </ac:picMkLst>
-        </pc:picChg>
-        <pc:picChg chg="add mod">
-          <ac:chgData name="Weifeng Xu" userId="e7aed605-a3dd-4d5a-a692-a87037af107b" providerId="ADAL" clId="{69090D41-60B8-4636-A275-1996D027DEDB}" dt="2025-05-03T21:14:31.954" v="127" actId="1076"/>
-          <ac:picMkLst>
-            <pc:docMk/>
-            <pc:sldMk cId="2182874950" sldId="258"/>
-            <ac:picMk id="8" creationId="{4E17FF7E-1AD5-DEDB-BE4A-DD9FE626B212}"/>
-          </ac:picMkLst>
-        </pc:picChg>
-        <pc:picChg chg="add mod">
-          <ac:chgData name="Weifeng Xu" userId="e7aed605-a3dd-4d5a-a692-a87037af107b" providerId="ADAL" clId="{69090D41-60B8-4636-A275-1996D027DEDB}" dt="2025-05-03T21:15:21.106" v="143" actId="1076"/>
-          <ac:picMkLst>
-            <pc:docMk/>
-            <pc:sldMk cId="2182874950" sldId="258"/>
-            <ac:picMk id="9" creationId="{4D0C336A-C6B3-AB87-7811-BEBE0D248457}"/>
-          </ac:picMkLst>
-        </pc:picChg>
-        <pc:picChg chg="add mod">
-          <ac:chgData name="Weifeng Xu" userId="e7aed605-a3dd-4d5a-a692-a87037af107b" providerId="ADAL" clId="{69090D41-60B8-4636-A275-1996D027DEDB}" dt="2025-05-03T21:14:29.587" v="126" actId="1076"/>
-          <ac:picMkLst>
-            <pc:docMk/>
-            <pc:sldMk cId="2182874950" sldId="258"/>
-            <ac:picMk id="11" creationId="{3731379C-1505-25B6-F753-E2046ED52829}"/>
-          </ac:picMkLst>
-        </pc:picChg>
-        <pc:picChg chg="add mod">
-          <ac:chgData name="Weifeng Xu" userId="e7aed605-a3dd-4d5a-a692-a87037af107b" providerId="ADAL" clId="{69090D41-60B8-4636-A275-1996D027DEDB}" dt="2025-05-03T22:25:52.221" v="404" actId="1076"/>
-          <ac:picMkLst>
-            <pc:docMk/>
-            <pc:sldMk cId="2182874950" sldId="258"/>
-            <ac:picMk id="13" creationId="{9D39277F-C459-C10E-E841-2089DBF8AD3B}"/>
-          </ac:picMkLst>
-        </pc:picChg>
-        <pc:picChg chg="add mod">
-          <ac:chgData name="Weifeng Xu" userId="e7aed605-a3dd-4d5a-a692-a87037af107b" providerId="ADAL" clId="{69090D41-60B8-4636-A275-1996D027DEDB}" dt="2025-05-03T21:14:29.587" v="126" actId="1076"/>
-          <ac:picMkLst>
-            <pc:docMk/>
-            <pc:sldMk cId="2182874950" sldId="258"/>
-            <ac:picMk id="14" creationId="{68511C1D-2998-4811-D70E-761BB8AE28C1}"/>
-          </ac:picMkLst>
-        </pc:picChg>
-        <pc:picChg chg="add mod">
-          <ac:chgData name="Weifeng Xu" userId="e7aed605-a3dd-4d5a-a692-a87037af107b" providerId="ADAL" clId="{69090D41-60B8-4636-A275-1996D027DEDB}" dt="2025-05-03T21:17:32.569" v="182" actId="1076"/>
-          <ac:picMkLst>
-            <pc:docMk/>
-            <pc:sldMk cId="2182874950" sldId="258"/>
-            <ac:picMk id="15" creationId="{71BAAA97-6985-1395-A247-05E2560A631E}"/>
-          </ac:picMkLst>
-        </pc:picChg>
-        <pc:picChg chg="add mod">
-          <ac:chgData name="Weifeng Xu" userId="e7aed605-a3dd-4d5a-a692-a87037af107b" providerId="ADAL" clId="{69090D41-60B8-4636-A275-1996D027DEDB}" dt="2025-05-03T21:17:32.569" v="182" actId="1076"/>
-          <ac:picMkLst>
-            <pc:docMk/>
-            <pc:sldMk cId="2182874950" sldId="258"/>
-            <ac:picMk id="16" creationId="{350D6C63-E27C-0D49-48E4-EDC224246FFB}"/>
-          </ac:picMkLst>
-        </pc:picChg>
-        <pc:picChg chg="add mod">
-          <ac:chgData name="Weifeng Xu" userId="e7aed605-a3dd-4d5a-a692-a87037af107b" providerId="ADAL" clId="{69090D41-60B8-4636-A275-1996D027DEDB}" dt="2025-05-03T23:38:51.494" v="821" actId="1076"/>
-          <ac:picMkLst>
-            <pc:docMk/>
-            <pc:sldMk cId="2182874950" sldId="258"/>
-            <ac:picMk id="17" creationId="{1287C84B-11B6-B81D-BA03-93056DD05563}"/>
-          </ac:picMkLst>
-        </pc:picChg>
-        <pc:picChg chg="add mod">
-          <ac:chgData name="Weifeng Xu" userId="e7aed605-a3dd-4d5a-a692-a87037af107b" providerId="ADAL" clId="{69090D41-60B8-4636-A275-1996D027DEDB}" dt="2025-05-03T21:17:32.569" v="182" actId="1076"/>
-          <ac:picMkLst>
-            <pc:docMk/>
-            <pc:sldMk cId="2182874950" sldId="258"/>
-            <ac:picMk id="21" creationId="{AC2F595C-E1B8-842E-9BAC-1A53DAF70886}"/>
-          </ac:picMkLst>
-        </pc:picChg>
-        <pc:picChg chg="add mod">
-          <ac:chgData name="Weifeng Xu" userId="e7aed605-a3dd-4d5a-a692-a87037af107b" providerId="ADAL" clId="{69090D41-60B8-4636-A275-1996D027DEDB}" dt="2025-05-03T23:38:51.494" v="821" actId="1076"/>
-          <ac:picMkLst>
-            <pc:docMk/>
-            <pc:sldMk cId="2182874950" sldId="258"/>
-            <ac:picMk id="23" creationId="{82B260BC-5E18-4659-3B49-21F2687232AA}"/>
-          </ac:picMkLst>
-        </pc:picChg>
-        <pc:picChg chg="add mod">
-          <ac:chgData name="Weifeng Xu" userId="e7aed605-a3dd-4d5a-a692-a87037af107b" providerId="ADAL" clId="{69090D41-60B8-4636-A275-1996D027DEDB}" dt="2025-05-03T23:38:51.494" v="821" actId="1076"/>
-          <ac:picMkLst>
-            <pc:docMk/>
-            <pc:sldMk cId="2182874950" sldId="258"/>
-            <ac:picMk id="24" creationId="{670D1443-8099-33B3-0630-61AEC8CE26F3}"/>
-          </ac:picMkLst>
-        </pc:picChg>
-        <pc:picChg chg="add mod">
-          <ac:chgData name="Weifeng Xu" userId="e7aed605-a3dd-4d5a-a692-a87037af107b" providerId="ADAL" clId="{69090D41-60B8-4636-A275-1996D027DEDB}" dt="2025-05-03T21:18:08.009" v="183" actId="1076"/>
-          <ac:picMkLst>
-            <pc:docMk/>
-            <pc:sldMk cId="2182874950" sldId="258"/>
-            <ac:picMk id="25" creationId="{99CFDB46-DE9C-6914-655B-534E6E45D86E}"/>
-          </ac:picMkLst>
-        </pc:picChg>
-        <pc:picChg chg="add mod">
-          <ac:chgData name="Weifeng Xu" userId="e7aed605-a3dd-4d5a-a692-a87037af107b" providerId="ADAL" clId="{69090D41-60B8-4636-A275-1996D027DEDB}" dt="2025-05-03T21:17:32.569" v="182" actId="1076"/>
-          <ac:picMkLst>
-            <pc:docMk/>
-            <pc:sldMk cId="2182874950" sldId="258"/>
-            <ac:picMk id="26" creationId="{7EFD2237-C7C1-20A2-5BB9-F07E18923E92}"/>
-          </ac:picMkLst>
-        </pc:picChg>
-        <pc:picChg chg="add mod">
-          <ac:chgData name="Weifeng Xu" userId="e7aed605-a3dd-4d5a-a692-a87037af107b" providerId="ADAL" clId="{69090D41-60B8-4636-A275-1996D027DEDB}" dt="2025-05-03T23:38:51.494" v="821" actId="1076"/>
-          <ac:picMkLst>
-            <pc:docMk/>
-            <pc:sldMk cId="2182874950" sldId="258"/>
-            <ac:picMk id="30" creationId="{5E947939-444C-3C75-DF82-A792C0642BF8}"/>
-          </ac:picMkLst>
-        </pc:picChg>
-        <pc:picChg chg="add mod">
-          <ac:chgData name="Weifeng Xu" userId="e7aed605-a3dd-4d5a-a692-a87037af107b" providerId="ADAL" clId="{69090D41-60B8-4636-A275-1996D027DEDB}" dt="2025-05-03T21:15:55.720" v="155" actId="1076"/>
-          <ac:picMkLst>
-            <pc:docMk/>
-            <pc:sldMk cId="2182874950" sldId="258"/>
-            <ac:picMk id="32" creationId="{C70B6245-88E7-4657-CC43-F31266D7D481}"/>
-          </ac:picMkLst>
-        </pc:picChg>
-        <pc:picChg chg="add mod">
-          <ac:chgData name="Weifeng Xu" userId="e7aed605-a3dd-4d5a-a692-a87037af107b" providerId="ADAL" clId="{69090D41-60B8-4636-A275-1996D027DEDB}" dt="2025-05-03T21:15:55.720" v="155" actId="1076"/>
-          <ac:picMkLst>
-            <pc:docMk/>
-            <pc:sldMk cId="2182874950" sldId="258"/>
-            <ac:picMk id="36" creationId="{82D0B5BA-1109-EB83-4191-CDCA817C8C84}"/>
-          </ac:picMkLst>
-        </pc:picChg>
-        <pc:picChg chg="add mod">
-          <ac:chgData name="Weifeng Xu" userId="e7aed605-a3dd-4d5a-a692-a87037af107b" providerId="ADAL" clId="{69090D41-60B8-4636-A275-1996D027DEDB}" dt="2025-05-03T21:15:55.720" v="155" actId="1076"/>
-          <ac:picMkLst>
-            <pc:docMk/>
-            <pc:sldMk cId="2182874950" sldId="258"/>
-            <ac:picMk id="37" creationId="{065ADF33-FCBB-646E-E27D-49CAF58C9367}"/>
-          </ac:picMkLst>
-        </pc:picChg>
-        <pc:picChg chg="add mod">
-          <ac:chgData name="Weifeng Xu" userId="e7aed605-a3dd-4d5a-a692-a87037af107b" providerId="ADAL" clId="{69090D41-60B8-4636-A275-1996D027DEDB}" dt="2025-05-03T21:16:38.518" v="173" actId="1076"/>
-          <ac:picMkLst>
-            <pc:docMk/>
-            <pc:sldMk cId="2182874950" sldId="258"/>
-            <ac:picMk id="38" creationId="{21AD432F-8EFA-A8EA-4541-629D90124D23}"/>
-          </ac:picMkLst>
-        </pc:picChg>
-        <pc:picChg chg="add mod">
-          <ac:chgData name="Weifeng Xu" userId="e7aed605-a3dd-4d5a-a692-a87037af107b" providerId="ADAL" clId="{69090D41-60B8-4636-A275-1996D027DEDB}" dt="2025-05-03T21:16:33.164" v="169" actId="1076"/>
-          <ac:picMkLst>
-            <pc:docMk/>
-            <pc:sldMk cId="2182874950" sldId="258"/>
-            <ac:picMk id="39" creationId="{C791B776-3AA1-22F7-C4BB-D66AA5555DD6}"/>
-          </ac:picMkLst>
-        </pc:picChg>
-        <pc:picChg chg="add mod">
-          <ac:chgData name="Weifeng Xu" userId="e7aed605-a3dd-4d5a-a692-a87037af107b" providerId="ADAL" clId="{69090D41-60B8-4636-A275-1996D027DEDB}" dt="2025-05-03T21:16:29.915" v="167" actId="1076"/>
-          <ac:picMkLst>
-            <pc:docMk/>
-            <pc:sldMk cId="2182874950" sldId="258"/>
-            <ac:picMk id="41" creationId="{243B7601-6716-16B6-4B69-1FD86579BB92}"/>
-          </ac:picMkLst>
-        </pc:picChg>
-        <pc:picChg chg="add mod">
-          <ac:chgData name="Weifeng Xu" userId="e7aed605-a3dd-4d5a-a692-a87037af107b" providerId="ADAL" clId="{69090D41-60B8-4636-A275-1996D027DEDB}" dt="2025-05-03T21:16:34.396" v="170" actId="1076"/>
-          <ac:picMkLst>
-            <pc:docMk/>
-            <pc:sldMk cId="2182874950" sldId="258"/>
-            <ac:picMk id="42" creationId="{781953B7-586A-6B87-07CB-DE8BC34E0778}"/>
-          </ac:picMkLst>
-        </pc:picChg>
-        <pc:picChg chg="add mod">
-          <ac:chgData name="Weifeng Xu" userId="e7aed605-a3dd-4d5a-a692-a87037af107b" providerId="ADAL" clId="{69090D41-60B8-4636-A275-1996D027DEDB}" dt="2025-05-03T21:15:26.531" v="146" actId="1076"/>
-          <ac:picMkLst>
-            <pc:docMk/>
-            <pc:sldMk cId="2182874950" sldId="258"/>
-            <ac:picMk id="1028" creationId="{D3D4DB63-9139-48B6-FDCC-C6F9AC89D6C9}"/>
-          </ac:picMkLst>
-        </pc:picChg>
-        <pc:picChg chg="add mod">
-          <ac:chgData name="Weifeng Xu" userId="e7aed605-a3dd-4d5a-a692-a87037af107b" providerId="ADAL" clId="{69090D41-60B8-4636-A275-1996D027DEDB}" dt="2025-05-03T21:18:08.009" v="183" actId="1076"/>
-          <ac:picMkLst>
-            <pc:docMk/>
-            <pc:sldMk cId="2182874950" sldId="258"/>
-            <ac:picMk id="1030" creationId="{D41D1971-EDA6-9942-6556-F1EC284D1138}"/>
-          </ac:picMkLst>
-        </pc:picChg>
-      </pc:sldChg>
-      <pc:sldChg chg="del">
-        <pc:chgData name="Weifeng Xu" userId="e7aed605-a3dd-4d5a-a692-a87037af107b" providerId="ADAL" clId="{69090D41-60B8-4636-A275-1996D027DEDB}" dt="2025-05-03T02:29:19.479" v="2" actId="47"/>
-        <pc:sldMkLst>
-          <pc:docMk/>
-          <pc:sldMk cId="3856045583" sldId="259"/>
-        </pc:sldMkLst>
-      </pc:sldChg>
-      <pc:sldChg chg="addSp delSp modSp new mod modClrScheme chgLayout">
-        <pc:chgData name="Weifeng Xu" userId="e7aed605-a3dd-4d5a-a692-a87037af107b" providerId="ADAL" clId="{69090D41-60B8-4636-A275-1996D027DEDB}" dt="2025-05-04T22:45:41.404" v="4018" actId="20577"/>
-        <pc:sldMkLst>
-          <pc:docMk/>
-          <pc:sldMk cId="3948614833" sldId="259"/>
-        </pc:sldMkLst>
-        <pc:spChg chg="add mod ord">
-          <ac:chgData name="Weifeng Xu" userId="e7aed605-a3dd-4d5a-a692-a87037af107b" providerId="ADAL" clId="{69090D41-60B8-4636-A275-1996D027DEDB}" dt="2025-05-03T23:35:59.481" v="778" actId="114"/>
-          <ac:spMkLst>
-            <pc:docMk/>
-            <pc:sldMk cId="3948614833" sldId="259"/>
-            <ac:spMk id="4" creationId="{681B880A-6974-E42D-7C33-5E1D16997E96}"/>
-          </ac:spMkLst>
-        </pc:spChg>
-        <pc:spChg chg="add mod">
-          <ac:chgData name="Weifeng Xu" userId="e7aed605-a3dd-4d5a-a692-a87037af107b" providerId="ADAL" clId="{69090D41-60B8-4636-A275-1996D027DEDB}" dt="2025-05-03T23:12:33.329" v="658" actId="1076"/>
-          <ac:spMkLst>
-            <pc:docMk/>
-            <pc:sldMk cId="3948614833" sldId="259"/>
-            <ac:spMk id="59" creationId="{785BDD0C-D8FD-1327-519D-85C5ED2419FC}"/>
-          </ac:spMkLst>
-        </pc:spChg>
-        <pc:spChg chg="add mod">
-          <ac:chgData name="Weifeng Xu" userId="e7aed605-a3dd-4d5a-a692-a87037af107b" providerId="ADAL" clId="{69090D41-60B8-4636-A275-1996D027DEDB}" dt="2025-05-03T23:26:39.827" v="688" actId="1076"/>
-          <ac:spMkLst>
-            <pc:docMk/>
-            <pc:sldMk cId="3948614833" sldId="259"/>
-            <ac:spMk id="60" creationId="{55595E3C-9A5D-AFD1-E356-130DAAED86D2}"/>
-          </ac:spMkLst>
-        </pc:spChg>
-        <pc:spChg chg="add mod">
-          <ac:chgData name="Weifeng Xu" userId="e7aed605-a3dd-4d5a-a692-a87037af107b" providerId="ADAL" clId="{69090D41-60B8-4636-A275-1996D027DEDB}" dt="2025-05-03T23:26:44.822" v="689" actId="1076"/>
-          <ac:spMkLst>
-            <pc:docMk/>
-            <pc:sldMk cId="3948614833" sldId="259"/>
-            <ac:spMk id="61" creationId="{FC028F51-2FB9-DA15-5DF1-2BB1FA61A2BA}"/>
-          </ac:spMkLst>
-        </pc:spChg>
-        <pc:spChg chg="add mod">
-          <ac:chgData name="Weifeng Xu" userId="e7aed605-a3dd-4d5a-a692-a87037af107b" providerId="ADAL" clId="{69090D41-60B8-4636-A275-1996D027DEDB}" dt="2025-05-03T23:12:33.329" v="658" actId="1076"/>
-          <ac:spMkLst>
-            <pc:docMk/>
-            <pc:sldMk cId="3948614833" sldId="259"/>
-            <ac:spMk id="62" creationId="{E94A8DCB-D8CA-2D2A-7B79-D65B70553532}"/>
-          </ac:spMkLst>
-        </pc:spChg>
-        <pc:spChg chg="add mod">
-          <ac:chgData name="Weifeng Xu" userId="e7aed605-a3dd-4d5a-a692-a87037af107b" providerId="ADAL" clId="{69090D41-60B8-4636-A275-1996D027DEDB}" dt="2025-05-03T23:26:39.827" v="688" actId="1076"/>
-          <ac:spMkLst>
-            <pc:docMk/>
-            <pc:sldMk cId="3948614833" sldId="259"/>
-            <ac:spMk id="63" creationId="{9F334477-B508-C426-6D8C-39CAD562CF3B}"/>
-          </ac:spMkLst>
-        </pc:spChg>
-        <pc:spChg chg="add mod">
-          <ac:chgData name="Weifeng Xu" userId="e7aed605-a3dd-4d5a-a692-a87037af107b" providerId="ADAL" clId="{69090D41-60B8-4636-A275-1996D027DEDB}" dt="2025-05-03T23:26:44.822" v="689" actId="1076"/>
-          <ac:spMkLst>
-            <pc:docMk/>
-            <pc:sldMk cId="3948614833" sldId="259"/>
-            <ac:spMk id="64" creationId="{20ACEDFF-28FF-18BE-E928-5DAD29749F15}"/>
-          </ac:spMkLst>
-        </pc:spChg>
-        <pc:spChg chg="add mod">
-          <ac:chgData name="Weifeng Xu" userId="e7aed605-a3dd-4d5a-a692-a87037af107b" providerId="ADAL" clId="{69090D41-60B8-4636-A275-1996D027DEDB}" dt="2025-05-03T23:29:30.328" v="728" actId="1076"/>
-          <ac:spMkLst>
-            <pc:docMk/>
-            <pc:sldMk cId="3948614833" sldId="259"/>
-            <ac:spMk id="66" creationId="{B1FE05BE-383A-F4B4-6733-EE3DB7455CB4}"/>
-          </ac:spMkLst>
-        </pc:spChg>
-        <pc:spChg chg="add mod">
-          <ac:chgData name="Weifeng Xu" userId="e7aed605-a3dd-4d5a-a692-a87037af107b" providerId="ADAL" clId="{69090D41-60B8-4636-A275-1996D027DEDB}" dt="2025-05-03T23:27:08.416" v="694" actId="14100"/>
-          <ac:spMkLst>
-            <pc:docMk/>
-            <pc:sldMk cId="3948614833" sldId="259"/>
-            <ac:spMk id="72" creationId="{A1B05672-1327-0DA7-9829-437CAAE16F58}"/>
-          </ac:spMkLst>
-        </pc:spChg>
-        <pc:spChg chg="add mod">
-          <ac:chgData name="Weifeng Xu" userId="e7aed605-a3dd-4d5a-a692-a87037af107b" providerId="ADAL" clId="{69090D41-60B8-4636-A275-1996D027DEDB}" dt="2025-05-03T23:30:19.546" v="729" actId="1076"/>
-          <ac:spMkLst>
-            <pc:docMk/>
-            <pc:sldMk cId="3948614833" sldId="259"/>
-            <ac:spMk id="73" creationId="{F92B2A17-75E1-A842-5131-9E3D6CCC3898}"/>
-          </ac:spMkLst>
-        </pc:spChg>
-        <pc:spChg chg="add mod">
-          <ac:chgData name="Weifeng Xu" userId="e7aed605-a3dd-4d5a-a692-a87037af107b" providerId="ADAL" clId="{69090D41-60B8-4636-A275-1996D027DEDB}" dt="2025-05-03T23:30:21.778" v="730" actId="1076"/>
-          <ac:spMkLst>
-            <pc:docMk/>
-            <pc:sldMk cId="3948614833" sldId="259"/>
-            <ac:spMk id="74" creationId="{54C0B764-07AA-6B81-ABF5-88D9DFF161EC}"/>
-          </ac:spMkLst>
-        </pc:spChg>
-        <pc:spChg chg="add mod">
-          <ac:chgData name="Weifeng Xu" userId="e7aed605-a3dd-4d5a-a692-a87037af107b" providerId="ADAL" clId="{69090D41-60B8-4636-A275-1996D027DEDB}" dt="2025-05-04T22:45:41.404" v="4018" actId="20577"/>
-          <ac:spMkLst>
-            <pc:docMk/>
-            <pc:sldMk cId="3948614833" sldId="259"/>
-            <ac:spMk id="83" creationId="{91436C37-66B8-655D-F483-4CEC6357AB32}"/>
-          </ac:spMkLst>
-        </pc:spChg>
-        <pc:spChg chg="add mod">
-          <ac:chgData name="Weifeng Xu" userId="e7aed605-a3dd-4d5a-a692-a87037af107b" providerId="ADAL" clId="{69090D41-60B8-4636-A275-1996D027DEDB}" dt="2025-05-04T22:45:06.036" v="4011" actId="20577"/>
-          <ac:spMkLst>
-            <pc:docMk/>
-            <pc:sldMk cId="3948614833" sldId="259"/>
-            <ac:spMk id="85" creationId="{8C9F2A46-77C2-B4F3-9E4A-19DB161F6F54}"/>
-          </ac:spMkLst>
-        </pc:spChg>
-        <pc:picChg chg="add mod">
-          <ac:chgData name="Weifeng Xu" userId="e7aed605-a3dd-4d5a-a692-a87037af107b" providerId="ADAL" clId="{69090D41-60B8-4636-A275-1996D027DEDB}" dt="2025-05-03T22:28:45.694" v="477" actId="1076"/>
-          <ac:picMkLst>
-            <pc:docMk/>
-            <pc:sldMk cId="3948614833" sldId="259"/>
-            <ac:picMk id="35" creationId="{78243982-6615-46A9-EF73-DF1FB97424A8}"/>
-          </ac:picMkLst>
-        </pc:picChg>
-        <pc:picChg chg="add mod">
-          <ac:chgData name="Weifeng Xu" userId="e7aed605-a3dd-4d5a-a692-a87037af107b" providerId="ADAL" clId="{69090D41-60B8-4636-A275-1996D027DEDB}" dt="2025-05-03T23:12:33.329" v="658" actId="1076"/>
-          <ac:picMkLst>
-            <pc:docMk/>
-            <pc:sldMk cId="3948614833" sldId="259"/>
-            <ac:picMk id="37" creationId="{3D667607-0440-88C9-F445-3491D44E34B1}"/>
-          </ac:picMkLst>
-        </pc:picChg>
-        <pc:picChg chg="mod">
-          <ac:chgData name="Weifeng Xu" userId="e7aed605-a3dd-4d5a-a692-a87037af107b" providerId="ADAL" clId="{69090D41-60B8-4636-A275-1996D027DEDB}" dt="2025-05-03T23:26:39.827" v="688" actId="1076"/>
-          <ac:picMkLst>
-            <pc:docMk/>
-            <pc:sldMk cId="3948614833" sldId="259"/>
-            <ac:picMk id="43" creationId="{9D0FA324-28A9-E90E-D511-B8DD6AC1D8DF}"/>
-          </ac:picMkLst>
-        </pc:picChg>
-        <pc:picChg chg="mod">
-          <ac:chgData name="Weifeng Xu" userId="e7aed605-a3dd-4d5a-a692-a87037af107b" providerId="ADAL" clId="{69090D41-60B8-4636-A275-1996D027DEDB}" dt="2025-05-03T23:26:39.827" v="688" actId="1076"/>
-          <ac:picMkLst>
-            <pc:docMk/>
-            <pc:sldMk cId="3948614833" sldId="259"/>
-            <ac:picMk id="48" creationId="{FF0BB1AC-43AA-1CD1-B913-C205482EB5E5}"/>
-          </ac:picMkLst>
-        </pc:picChg>
-        <pc:picChg chg="mod">
-          <ac:chgData name="Weifeng Xu" userId="e7aed605-a3dd-4d5a-a692-a87037af107b" providerId="ADAL" clId="{69090D41-60B8-4636-A275-1996D027DEDB}" dt="2025-05-03T23:26:39.827" v="688" actId="1076"/>
-          <ac:picMkLst>
-            <pc:docMk/>
-            <pc:sldMk cId="3948614833" sldId="259"/>
-            <ac:picMk id="50" creationId="{E497FE01-DE24-ABFD-9B7F-FD8FD6579047}"/>
-          </ac:picMkLst>
-        </pc:picChg>
-        <pc:picChg chg="mod">
-          <ac:chgData name="Weifeng Xu" userId="e7aed605-a3dd-4d5a-a692-a87037af107b" providerId="ADAL" clId="{69090D41-60B8-4636-A275-1996D027DEDB}" dt="2025-05-03T23:26:44.822" v="689" actId="1076"/>
-          <ac:picMkLst>
-            <pc:docMk/>
-            <pc:sldMk cId="3948614833" sldId="259"/>
-            <ac:picMk id="51" creationId="{B6718374-BC3E-F92D-AE49-59E3FA2602E9}"/>
-          </ac:picMkLst>
-        </pc:picChg>
-        <pc:picChg chg="add mod">
-          <ac:chgData name="Weifeng Xu" userId="e7aed605-a3dd-4d5a-a692-a87037af107b" providerId="ADAL" clId="{69090D41-60B8-4636-A275-1996D027DEDB}" dt="2025-05-03T23:26:44.822" v="689" actId="1076"/>
-          <ac:picMkLst>
-            <pc:docMk/>
-            <pc:sldMk cId="3948614833" sldId="259"/>
-            <ac:picMk id="52" creationId="{C81BD384-D30E-5FFC-829B-851478164FAF}"/>
-          </ac:picMkLst>
-        </pc:picChg>
-        <pc:picChg chg="add mod">
-          <ac:chgData name="Weifeng Xu" userId="e7aed605-a3dd-4d5a-a692-a87037af107b" providerId="ADAL" clId="{69090D41-60B8-4636-A275-1996D027DEDB}" dt="2025-05-03T23:26:44.822" v="689" actId="1076"/>
-          <ac:picMkLst>
-            <pc:docMk/>
-            <pc:sldMk cId="3948614833" sldId="259"/>
-            <ac:picMk id="53" creationId="{6AE5FABB-ED16-11DE-C4E2-597148AC192D}"/>
-          </ac:picMkLst>
-        </pc:picChg>
-        <pc:picChg chg="mod">
-          <ac:chgData name="Weifeng Xu" userId="e7aed605-a3dd-4d5a-a692-a87037af107b" providerId="ADAL" clId="{69090D41-60B8-4636-A275-1996D027DEDB}" dt="2025-05-03T23:26:44.822" v="689" actId="1076"/>
-          <ac:picMkLst>
-            <pc:docMk/>
-            <pc:sldMk cId="3948614833" sldId="259"/>
-            <ac:picMk id="54" creationId="{BF9D28A2-1A54-CA5A-12D4-68ECF4EE8C84}"/>
-          </ac:picMkLst>
-        </pc:picChg>
-        <pc:picChg chg="mod">
-          <ac:chgData name="Weifeng Xu" userId="e7aed605-a3dd-4d5a-a692-a87037af107b" providerId="ADAL" clId="{69090D41-60B8-4636-A275-1996D027DEDB}" dt="2025-05-03T23:26:44.822" v="689" actId="1076"/>
-          <ac:picMkLst>
-            <pc:docMk/>
-            <pc:sldMk cId="3948614833" sldId="259"/>
-            <ac:picMk id="55" creationId="{87625B15-F713-3199-B583-A3ABB6CE0856}"/>
-          </ac:picMkLst>
-        </pc:picChg>
-        <pc:picChg chg="mod">
-          <ac:chgData name="Weifeng Xu" userId="e7aed605-a3dd-4d5a-a692-a87037af107b" providerId="ADAL" clId="{69090D41-60B8-4636-A275-1996D027DEDB}" dt="2025-05-03T23:26:44.822" v="689" actId="1076"/>
-          <ac:picMkLst>
-            <pc:docMk/>
-            <pc:sldMk cId="3948614833" sldId="259"/>
-            <ac:picMk id="56" creationId="{F8BEE8F9-0442-AEAC-23C1-2DAFDEBC0568}"/>
-          </ac:picMkLst>
-        </pc:picChg>
-        <pc:picChg chg="mod">
-          <ac:chgData name="Weifeng Xu" userId="e7aed605-a3dd-4d5a-a692-a87037af107b" providerId="ADAL" clId="{69090D41-60B8-4636-A275-1996D027DEDB}" dt="2025-05-03T23:26:44.822" v="689" actId="1076"/>
-          <ac:picMkLst>
-            <pc:docMk/>
-            <pc:sldMk cId="3948614833" sldId="259"/>
-            <ac:picMk id="57" creationId="{4BE05F4F-35A2-77AC-5B3C-811F3F5F9753}"/>
-          </ac:picMkLst>
-        </pc:picChg>
-        <pc:picChg chg="mod">
-          <ac:chgData name="Weifeng Xu" userId="e7aed605-a3dd-4d5a-a692-a87037af107b" providerId="ADAL" clId="{69090D41-60B8-4636-A275-1996D027DEDB}" dt="2025-05-03T23:26:44.822" v="689" actId="1076"/>
-          <ac:picMkLst>
-            <pc:docMk/>
-            <pc:sldMk cId="3948614833" sldId="259"/>
-            <ac:picMk id="58" creationId="{159DA06A-0C6E-7188-0A0E-21881E254200}"/>
-          </ac:picMkLst>
-        </pc:picChg>
-        <pc:picChg chg="add mod">
-          <ac:chgData name="Weifeng Xu" userId="e7aed605-a3dd-4d5a-a692-a87037af107b" providerId="ADAL" clId="{69090D41-60B8-4636-A275-1996D027DEDB}" dt="2025-05-03T23:26:28.893" v="687" actId="14100"/>
-          <ac:picMkLst>
-            <pc:docMk/>
-            <pc:sldMk cId="3948614833" sldId="259"/>
-            <ac:picMk id="82" creationId="{7240F875-6DF8-8BD6-8C92-7200687D1FA5}"/>
-          </ac:picMkLst>
-        </pc:picChg>
-      </pc:sldChg>
-      <pc:sldChg chg="del">
-        <pc:chgData name="Weifeng Xu" userId="e7aed605-a3dd-4d5a-a692-a87037af107b" providerId="ADAL" clId="{69090D41-60B8-4636-A275-1996D027DEDB}" dt="2025-05-03T02:29:19.512" v="3" actId="47"/>
-        <pc:sldMkLst>
-          <pc:docMk/>
-          <pc:sldMk cId="1123301564" sldId="260"/>
-        </pc:sldMkLst>
-      </pc:sldChg>
-      <pc:sldChg chg="addSp delSp modSp new mod modClrScheme chgLayout">
-        <pc:chgData name="Weifeng Xu" userId="e7aed605-a3dd-4d5a-a692-a87037af107b" providerId="ADAL" clId="{69090D41-60B8-4636-A275-1996D027DEDB}" dt="2025-06-02T21:10:56.749" v="6028" actId="478"/>
-        <pc:sldMkLst>
-          <pc:docMk/>
-          <pc:sldMk cId="2232272763" sldId="260"/>
-        </pc:sldMkLst>
-        <pc:spChg chg="add mod">
-          <ac:chgData name="Weifeng Xu" userId="e7aed605-a3dd-4d5a-a692-a87037af107b" providerId="ADAL" clId="{69090D41-60B8-4636-A275-1996D027DEDB}" dt="2025-05-04T20:28:44.832" v="3373" actId="1582"/>
-          <ac:spMkLst>
-            <pc:docMk/>
-            <pc:sldMk cId="2232272763" sldId="260"/>
-            <ac:spMk id="5" creationId="{5BF9A4BD-F70E-7752-8E5D-EE29B4646DE2}"/>
-          </ac:spMkLst>
-        </pc:spChg>
-        <pc:spChg chg="add del mod">
-          <ac:chgData name="Weifeng Xu" userId="e7aed605-a3dd-4d5a-a692-a87037af107b" providerId="ADAL" clId="{69090D41-60B8-4636-A275-1996D027DEDB}" dt="2025-06-02T21:10:56.749" v="6028" actId="478"/>
-          <ac:spMkLst>
-            <pc:docMk/>
-            <pc:sldMk cId="2232272763" sldId="260"/>
-            <ac:spMk id="6" creationId="{BAC4C909-379D-E413-F902-9934EDCB4209}"/>
-          </ac:spMkLst>
-        </pc:spChg>
-        <pc:picChg chg="add mod">
-          <ac:chgData name="Weifeng Xu" userId="e7aed605-a3dd-4d5a-a692-a87037af107b" providerId="ADAL" clId="{69090D41-60B8-4636-A275-1996D027DEDB}" dt="2025-05-03T23:33:57.865" v="777" actId="1076"/>
-          <ac:picMkLst>
-            <pc:docMk/>
-            <pc:sldMk cId="2232272763" sldId="260"/>
-            <ac:picMk id="4" creationId="{E142F594-6505-D471-551C-90690E0F8B54}"/>
-          </ac:picMkLst>
-        </pc:picChg>
-      </pc:sldChg>
-      <pc:sldChg chg="del">
-        <pc:chgData name="Weifeng Xu" userId="e7aed605-a3dd-4d5a-a692-a87037af107b" providerId="ADAL" clId="{69090D41-60B8-4636-A275-1996D027DEDB}" dt="2025-05-03T02:29:19.545" v="4" actId="47"/>
-        <pc:sldMkLst>
-          <pc:docMk/>
-          <pc:sldMk cId="805984163" sldId="261"/>
-        </pc:sldMkLst>
-      </pc:sldChg>
-      <pc:sldChg chg="addSp delSp modSp new mod modClrScheme chgLayout">
-        <pc:chgData name="Weifeng Xu" userId="e7aed605-a3dd-4d5a-a692-a87037af107b" providerId="ADAL" clId="{69090D41-60B8-4636-A275-1996D027DEDB}" dt="2025-05-04T20:34:48.379" v="3499" actId="6549"/>
-        <pc:sldMkLst>
-          <pc:docMk/>
-          <pc:sldMk cId="2892488957" sldId="261"/>
-        </pc:sldMkLst>
-        <pc:spChg chg="add mod">
-          <ac:chgData name="Weifeng Xu" userId="e7aed605-a3dd-4d5a-a692-a87037af107b" providerId="ADAL" clId="{69090D41-60B8-4636-A275-1996D027DEDB}" dt="2025-05-04T01:11:14.693" v="1512" actId="20577"/>
-          <ac:spMkLst>
-            <pc:docMk/>
-            <pc:sldMk cId="2892488957" sldId="261"/>
-            <ac:spMk id="2" creationId="{5D05AC78-3659-1447-38FB-BA2D92EAAA35}"/>
-          </ac:spMkLst>
-        </pc:spChg>
-        <pc:spChg chg="add mod">
-          <ac:chgData name="Weifeng Xu" userId="e7aed605-a3dd-4d5a-a692-a87037af107b" providerId="ADAL" clId="{69090D41-60B8-4636-A275-1996D027DEDB}" dt="2025-05-03T23:58:00.959" v="1036" actId="404"/>
-          <ac:spMkLst>
-            <pc:docMk/>
-            <pc:sldMk cId="2892488957" sldId="261"/>
-            <ac:spMk id="33" creationId="{8617306A-48F6-7B7A-991D-003A11EE9C92}"/>
-          </ac:spMkLst>
-        </pc:spChg>
-        <pc:spChg chg="add mod">
-          <ac:chgData name="Weifeng Xu" userId="e7aed605-a3dd-4d5a-a692-a87037af107b" providerId="ADAL" clId="{69090D41-60B8-4636-A275-1996D027DEDB}" dt="2025-05-04T20:16:10.846" v="3180" actId="20577"/>
-          <ac:spMkLst>
-            <pc:docMk/>
-            <pc:sldMk cId="2892488957" sldId="261"/>
-            <ac:spMk id="34" creationId="{57C67789-9F7C-6A41-75FF-398BE39E49FF}"/>
-          </ac:spMkLst>
-        </pc:spChg>
-        <pc:spChg chg="add mod">
-          <ac:chgData name="Weifeng Xu" userId="e7aed605-a3dd-4d5a-a692-a87037af107b" providerId="ADAL" clId="{69090D41-60B8-4636-A275-1996D027DEDB}" dt="2025-05-04T01:12:29.821" v="1525" actId="208"/>
-          <ac:spMkLst>
-            <pc:docMk/>
-            <pc:sldMk cId="2892488957" sldId="261"/>
-            <ac:spMk id="37" creationId="{CB18D541-D4D6-6E03-7BF7-084D8BC7CAFA}"/>
-          </ac:spMkLst>
-        </pc:spChg>
-        <pc:spChg chg="add mod">
-          <ac:chgData name="Weifeng Xu" userId="e7aed605-a3dd-4d5a-a692-a87037af107b" providerId="ADAL" clId="{69090D41-60B8-4636-A275-1996D027DEDB}" dt="2025-05-04T01:51:12.618" v="1869" actId="1076"/>
-          <ac:spMkLst>
-            <pc:docMk/>
-            <pc:sldMk cId="2892488957" sldId="261"/>
-            <ac:spMk id="39" creationId="{CD0C8A8D-901E-41B0-EC04-76E87CA49CC5}"/>
-          </ac:spMkLst>
-        </pc:spChg>
-        <pc:spChg chg="add mod">
-          <ac:chgData name="Weifeng Xu" userId="e7aed605-a3dd-4d5a-a692-a87037af107b" providerId="ADAL" clId="{69090D41-60B8-4636-A275-1996D027DEDB}" dt="2025-05-04T20:34:48.379" v="3499" actId="6549"/>
-          <ac:spMkLst>
-            <pc:docMk/>
-            <pc:sldMk cId="2892488957" sldId="261"/>
-            <ac:spMk id="40" creationId="{1D2601CF-AABB-8B3C-0DCC-D1558C3E0581}"/>
-          </ac:spMkLst>
-        </pc:spChg>
-      </pc:sldChg>
-      <pc:sldChg chg="addSp delSp modSp new mod modClrScheme chgLayout">
-        <pc:chgData name="Weifeng Xu" userId="e7aed605-a3dd-4d5a-a692-a87037af107b" providerId="ADAL" clId="{69090D41-60B8-4636-A275-1996D027DEDB}" dt="2025-05-04T22:12:00.114" v="3933" actId="404"/>
-        <pc:sldMkLst>
-          <pc:docMk/>
-          <pc:sldMk cId="151526665" sldId="262"/>
-        </pc:sldMkLst>
-        <pc:spChg chg="add mod">
-          <ac:chgData name="Weifeng Xu" userId="e7aed605-a3dd-4d5a-a692-a87037af107b" providerId="ADAL" clId="{69090D41-60B8-4636-A275-1996D027DEDB}" dt="2025-05-04T22:12:00.114" v="3933" actId="404"/>
-          <ac:spMkLst>
-            <pc:docMk/>
-            <pc:sldMk cId="151526665" sldId="262"/>
-            <ac:spMk id="4" creationId="{091D643B-7178-EDB7-8844-3651AA8580F2}"/>
-          </ac:spMkLst>
-        </pc:spChg>
-        <pc:picChg chg="add mod">
-          <ac:chgData name="Weifeng Xu" userId="e7aed605-a3dd-4d5a-a692-a87037af107b" providerId="ADAL" clId="{69090D41-60B8-4636-A275-1996D027DEDB}" dt="2025-05-04T22:09:40.830" v="3871" actId="1076"/>
-          <ac:picMkLst>
-            <pc:docMk/>
-            <pc:sldMk cId="151526665" sldId="262"/>
-            <ac:picMk id="6" creationId="{0C96BD9F-5BB2-1CA8-6C93-0D390074EAB4}"/>
-          </ac:picMkLst>
-        </pc:picChg>
-      </pc:sldChg>
-      <pc:sldChg chg="del">
-        <pc:chgData name="Weifeng Xu" userId="e7aed605-a3dd-4d5a-a692-a87037af107b" providerId="ADAL" clId="{69090D41-60B8-4636-A275-1996D027DEDB}" dt="2025-05-03T02:29:19.586" v="5" actId="47"/>
-        <pc:sldMkLst>
-          <pc:docMk/>
-          <pc:sldMk cId="914522820" sldId="262"/>
-        </pc:sldMkLst>
-      </pc:sldChg>
-      <pc:sldChg chg="addSp delSp modSp new mod">
-        <pc:chgData name="Weifeng Xu" userId="e7aed605-a3dd-4d5a-a692-a87037af107b" providerId="ADAL" clId="{69090D41-60B8-4636-A275-1996D027DEDB}" dt="2025-05-04T20:22:41.257" v="3369"/>
-        <pc:sldMkLst>
-          <pc:docMk/>
-          <pc:sldMk cId="1683674305" sldId="263"/>
-        </pc:sldMkLst>
-        <pc:spChg chg="mod">
-          <ac:chgData name="Weifeng Xu" userId="e7aed605-a3dd-4d5a-a692-a87037af107b" providerId="ADAL" clId="{69090D41-60B8-4636-A275-1996D027DEDB}" dt="2025-05-04T01:13:53.369" v="1565" actId="20577"/>
-          <ac:spMkLst>
-            <pc:docMk/>
-            <pc:sldMk cId="1683674305" sldId="263"/>
-            <ac:spMk id="2" creationId="{791E5214-9A77-82DC-52C6-967B5B2A876A}"/>
-          </ac:spMkLst>
-        </pc:spChg>
-        <pc:spChg chg="add mod">
-          <ac:chgData name="Weifeng Xu" userId="e7aed605-a3dd-4d5a-a692-a87037af107b" providerId="ADAL" clId="{69090D41-60B8-4636-A275-1996D027DEDB}" dt="2025-05-04T00:13:22.180" v="1222" actId="1076"/>
-          <ac:spMkLst>
-            <pc:docMk/>
-            <pc:sldMk cId="1683674305" sldId="263"/>
-            <ac:spMk id="27" creationId="{C431DB20-6DA2-3069-7375-6BAD82BA5FA6}"/>
-          </ac:spMkLst>
-        </pc:spChg>
-        <pc:spChg chg="add mod">
-          <ac:chgData name="Weifeng Xu" userId="e7aed605-a3dd-4d5a-a692-a87037af107b" providerId="ADAL" clId="{69090D41-60B8-4636-A275-1996D027DEDB}" dt="2025-05-04T00:13:22.180" v="1222" actId="1076"/>
-          <ac:spMkLst>
-            <pc:docMk/>
-            <pc:sldMk cId="1683674305" sldId="263"/>
-            <ac:spMk id="28" creationId="{6528E419-30CB-1554-B7A9-2AA7BF4342F8}"/>
-          </ac:spMkLst>
-        </pc:spChg>
-        <pc:spChg chg="add mod">
-          <ac:chgData name="Weifeng Xu" userId="e7aed605-a3dd-4d5a-a692-a87037af107b" providerId="ADAL" clId="{69090D41-60B8-4636-A275-1996D027DEDB}" dt="2025-05-04T00:13:22.180" v="1222" actId="1076"/>
-          <ac:spMkLst>
-            <pc:docMk/>
-            <pc:sldMk cId="1683674305" sldId="263"/>
-            <ac:spMk id="29" creationId="{18C1A562-A9DC-8514-525F-990CB8B7D218}"/>
-          </ac:spMkLst>
-        </pc:spChg>
-        <pc:spChg chg="add mod">
-          <ac:chgData name="Weifeng Xu" userId="e7aed605-a3dd-4d5a-a692-a87037af107b" providerId="ADAL" clId="{69090D41-60B8-4636-A275-1996D027DEDB}" dt="2025-05-04T00:13:22.180" v="1222" actId="1076"/>
-          <ac:spMkLst>
-            <pc:docMk/>
-            <pc:sldMk cId="1683674305" sldId="263"/>
-            <ac:spMk id="30" creationId="{80A13389-2EED-CEBC-90EE-E45AADC8DF8B}"/>
-          </ac:spMkLst>
-        </pc:spChg>
-        <pc:spChg chg="add mod">
-          <ac:chgData name="Weifeng Xu" userId="e7aed605-a3dd-4d5a-a692-a87037af107b" providerId="ADAL" clId="{69090D41-60B8-4636-A275-1996D027DEDB}" dt="2025-05-04T00:13:22.180" v="1222" actId="1076"/>
-          <ac:spMkLst>
-            <pc:docMk/>
-            <pc:sldMk cId="1683674305" sldId="263"/>
-            <ac:spMk id="31" creationId="{B93B1220-1359-85B4-CBEE-0E95613C9AB3}"/>
-          </ac:spMkLst>
-        </pc:spChg>
-        <pc:spChg chg="add mod">
-          <ac:chgData name="Weifeng Xu" userId="e7aed605-a3dd-4d5a-a692-a87037af107b" providerId="ADAL" clId="{69090D41-60B8-4636-A275-1996D027DEDB}" dt="2025-05-04T00:13:22.180" v="1222" actId="1076"/>
-          <ac:spMkLst>
-            <pc:docMk/>
-            <pc:sldMk cId="1683674305" sldId="263"/>
-            <ac:spMk id="32" creationId="{8948D90B-8039-3281-386D-DAE19B5E152E}"/>
-          </ac:spMkLst>
-        </pc:spChg>
-        <pc:spChg chg="add mod">
-          <ac:chgData name="Weifeng Xu" userId="e7aed605-a3dd-4d5a-a692-a87037af107b" providerId="ADAL" clId="{69090D41-60B8-4636-A275-1996D027DEDB}" dt="2025-05-04T00:05:22.816" v="1109" actId="1076"/>
-          <ac:spMkLst>
-            <pc:docMk/>
-            <pc:sldMk cId="1683674305" sldId="263"/>
-            <ac:spMk id="34" creationId="{463CC634-3F08-3F8F-C23B-606C709D9BE7}"/>
-          </ac:spMkLst>
-        </pc:spChg>
-        <pc:spChg chg="add mod">
-          <ac:chgData name="Weifeng Xu" userId="e7aed605-a3dd-4d5a-a692-a87037af107b" providerId="ADAL" clId="{69090D41-60B8-4636-A275-1996D027DEDB}" dt="2025-05-04T00:14:45.447" v="1244" actId="1076"/>
-          <ac:spMkLst>
-            <pc:docMk/>
-            <pc:sldMk cId="1683674305" sldId="263"/>
-            <ac:spMk id="36" creationId="{5476EC30-5956-BC32-849B-89CFFF37C0D6}"/>
-          </ac:spMkLst>
-        </pc:spChg>
-        <pc:spChg chg="add mod">
-          <ac:chgData name="Weifeng Xu" userId="e7aed605-a3dd-4d5a-a692-a87037af107b" providerId="ADAL" clId="{69090D41-60B8-4636-A275-1996D027DEDB}" dt="2025-05-04T20:17:20.148" v="3187" actId="6549"/>
-          <ac:spMkLst>
-            <pc:docMk/>
-            <pc:sldMk cId="1683674305" sldId="263"/>
-            <ac:spMk id="37" creationId="{17E999BA-7496-E2AC-7648-DDEFDECFD86F}"/>
-          </ac:spMkLst>
-        </pc:spChg>
-        <pc:spChg chg="add mod">
-          <ac:chgData name="Weifeng Xu" userId="e7aed605-a3dd-4d5a-a692-a87037af107b" providerId="ADAL" clId="{69090D41-60B8-4636-A275-1996D027DEDB}" dt="2025-05-04T00:14:35.027" v="1242" actId="404"/>
-          <ac:spMkLst>
-            <pc:docMk/>
-            <pc:sldMk cId="1683674305" sldId="263"/>
-            <ac:spMk id="38" creationId="{AE746770-F905-3E9A-1CEE-46213405BD36}"/>
-          </ac:spMkLst>
-        </pc:spChg>
-        <pc:spChg chg="add mod">
-          <ac:chgData name="Weifeng Xu" userId="e7aed605-a3dd-4d5a-a692-a87037af107b" providerId="ADAL" clId="{69090D41-60B8-4636-A275-1996D027DEDB}" dt="2025-05-04T20:20:00.100" v="3335" actId="1076"/>
-          <ac:spMkLst>
-            <pc:docMk/>
-            <pc:sldMk cId="1683674305" sldId="263"/>
-            <ac:spMk id="45" creationId="{88CFA14A-817A-FEC7-559F-F6B076F4F2D9}"/>
-          </ac:spMkLst>
-        </pc:spChg>
-        <pc:grpChg chg="mod">
-          <ac:chgData name="Weifeng Xu" userId="e7aed605-a3dd-4d5a-a692-a87037af107b" providerId="ADAL" clId="{69090D41-60B8-4636-A275-1996D027DEDB}" dt="2025-05-04T20:22:41.257" v="3369"/>
-          <ac:grpSpMkLst>
-            <pc:docMk/>
-            <pc:sldMk cId="1683674305" sldId="263"/>
-            <ac:grpSpMk id="69" creationId="{F7CB56F6-090F-2EE3-DEF7-AA7127CFC058}"/>
-          </ac:grpSpMkLst>
-        </pc:grpChg>
-        <pc:picChg chg="add mod">
-          <ac:chgData name="Weifeng Xu" userId="e7aed605-a3dd-4d5a-a692-a87037af107b" providerId="ADAL" clId="{69090D41-60B8-4636-A275-1996D027DEDB}" dt="2025-05-04T00:13:22.180" v="1222" actId="1076"/>
-          <ac:picMkLst>
-            <pc:docMk/>
-            <pc:sldMk cId="1683674305" sldId="263"/>
-            <ac:picMk id="9" creationId="{AFC803E0-EB74-6E7A-7CE1-16DDB19C052A}"/>
-          </ac:picMkLst>
-        </pc:picChg>
-        <pc:picChg chg="add mod">
-          <ac:chgData name="Weifeng Xu" userId="e7aed605-a3dd-4d5a-a692-a87037af107b" providerId="ADAL" clId="{69090D41-60B8-4636-A275-1996D027DEDB}" dt="2025-05-04T00:13:22.180" v="1222" actId="1076"/>
-          <ac:picMkLst>
-            <pc:docMk/>
-            <pc:sldMk cId="1683674305" sldId="263"/>
-            <ac:picMk id="14" creationId="{6CB4D72E-AD0A-1475-5E86-79C3134D36AE}"/>
-          </ac:picMkLst>
-        </pc:picChg>
-        <pc:picChg chg="mod">
-          <ac:chgData name="Weifeng Xu" userId="e7aed605-a3dd-4d5a-a692-a87037af107b" providerId="ADAL" clId="{69090D41-60B8-4636-A275-1996D027DEDB}" dt="2025-05-04T00:13:15.932" v="1221" actId="1076"/>
-          <ac:picMkLst>
-            <pc:docMk/>
-            <pc:sldMk cId="1683674305" sldId="263"/>
-            <ac:picMk id="15" creationId="{DB2E53BB-6D73-DA35-91B1-8C8F4BA7EB88}"/>
-          </ac:picMkLst>
-        </pc:picChg>
-        <pc:picChg chg="mod">
-          <ac:chgData name="Weifeng Xu" userId="e7aed605-a3dd-4d5a-a692-a87037af107b" providerId="ADAL" clId="{69090D41-60B8-4636-A275-1996D027DEDB}" dt="2025-05-04T00:13:15.932" v="1221" actId="1076"/>
-          <ac:picMkLst>
-            <pc:docMk/>
-            <pc:sldMk cId="1683674305" sldId="263"/>
-            <ac:picMk id="16" creationId="{A8244A2A-A706-5BC2-9358-3A2FCC88BFDE}"/>
-          </ac:picMkLst>
-        </pc:picChg>
-        <pc:picChg chg="add mod">
-          <ac:chgData name="Weifeng Xu" userId="e7aed605-a3dd-4d5a-a692-a87037af107b" providerId="ADAL" clId="{69090D41-60B8-4636-A275-1996D027DEDB}" dt="2025-05-04T00:13:22.180" v="1222" actId="1076"/>
-          <ac:picMkLst>
-            <pc:docMk/>
-            <pc:sldMk cId="1683674305" sldId="263"/>
-            <ac:picMk id="18" creationId="{820FF709-032A-5150-3559-2AE9412AD53D}"/>
-          </ac:picMkLst>
-        </pc:picChg>
-        <pc:picChg chg="add mod">
-          <ac:chgData name="Weifeng Xu" userId="e7aed605-a3dd-4d5a-a692-a87037af107b" providerId="ADAL" clId="{69090D41-60B8-4636-A275-1996D027DEDB}" dt="2025-05-04T00:13:22.180" v="1222" actId="1076"/>
-          <ac:picMkLst>
-            <pc:docMk/>
-            <pc:sldMk cId="1683674305" sldId="263"/>
-            <ac:picMk id="19" creationId="{32577ABE-AA43-4D1C-345A-A491A516D838}"/>
-          </ac:picMkLst>
-        </pc:picChg>
-        <pc:picChg chg="mod">
-          <ac:chgData name="Weifeng Xu" userId="e7aed605-a3dd-4d5a-a692-a87037af107b" providerId="ADAL" clId="{69090D41-60B8-4636-A275-1996D027DEDB}" dt="2025-05-04T00:13:15.932" v="1221" actId="1076"/>
-          <ac:picMkLst>
-            <pc:docMk/>
-            <pc:sldMk cId="1683674305" sldId="263"/>
-            <ac:picMk id="20" creationId="{ECA6470C-4428-C40A-3576-7E0A3454A8FB}"/>
-          </ac:picMkLst>
-        </pc:picChg>
-        <pc:picChg chg="mod">
-          <ac:chgData name="Weifeng Xu" userId="e7aed605-a3dd-4d5a-a692-a87037af107b" providerId="ADAL" clId="{69090D41-60B8-4636-A275-1996D027DEDB}" dt="2025-05-04T00:13:08.379" v="1218" actId="1076"/>
-          <ac:picMkLst>
-            <pc:docMk/>
-            <pc:sldMk cId="1683674305" sldId="263"/>
-            <ac:picMk id="21" creationId="{4F0D2A1C-CD52-DACA-C49B-BC7E5B55AAD1}"/>
-          </ac:picMkLst>
-        </pc:picChg>
-        <pc:picChg chg="mod">
-          <ac:chgData name="Weifeng Xu" userId="e7aed605-a3dd-4d5a-a692-a87037af107b" providerId="ADAL" clId="{69090D41-60B8-4636-A275-1996D027DEDB}" dt="2025-05-04T00:13:15.932" v="1221" actId="1076"/>
-          <ac:picMkLst>
-            <pc:docMk/>
-            <pc:sldMk cId="1683674305" sldId="263"/>
-            <ac:picMk id="22" creationId="{940E7E79-94B6-A431-CF46-D836055FD675}"/>
-          </ac:picMkLst>
-        </pc:picChg>
-        <pc:picChg chg="mod">
-          <ac:chgData name="Weifeng Xu" userId="e7aed605-a3dd-4d5a-a692-a87037af107b" providerId="ADAL" clId="{69090D41-60B8-4636-A275-1996D027DEDB}" dt="2025-05-04T00:13:08.379" v="1218" actId="1076"/>
-          <ac:picMkLst>
-            <pc:docMk/>
-            <pc:sldMk cId="1683674305" sldId="263"/>
-            <ac:picMk id="23" creationId="{AE91607E-7D78-E712-DDD4-384115096FFF}"/>
-          </ac:picMkLst>
-        </pc:picChg>
-        <pc:picChg chg="mod">
-          <ac:chgData name="Weifeng Xu" userId="e7aed605-a3dd-4d5a-a692-a87037af107b" providerId="ADAL" clId="{69090D41-60B8-4636-A275-1996D027DEDB}" dt="2025-05-04T00:13:08.379" v="1218" actId="1076"/>
-          <ac:picMkLst>
-            <pc:docMk/>
-            <pc:sldMk cId="1683674305" sldId="263"/>
-            <ac:picMk id="24" creationId="{7B256B69-4638-BCB9-E525-2F7816446D49}"/>
-          </ac:picMkLst>
-        </pc:picChg>
-        <pc:picChg chg="mod">
-          <ac:chgData name="Weifeng Xu" userId="e7aed605-a3dd-4d5a-a692-a87037af107b" providerId="ADAL" clId="{69090D41-60B8-4636-A275-1996D027DEDB}" dt="2025-05-04T00:13:08.379" v="1218" actId="1076"/>
-          <ac:picMkLst>
-            <pc:docMk/>
-            <pc:sldMk cId="1683674305" sldId="263"/>
-            <ac:picMk id="25" creationId="{BBE1BA66-FE29-DD88-E6AD-C88347BCA8BE}"/>
-          </ac:picMkLst>
-        </pc:picChg>
-        <pc:picChg chg="mod">
-          <ac:chgData name="Weifeng Xu" userId="e7aed605-a3dd-4d5a-a692-a87037af107b" providerId="ADAL" clId="{69090D41-60B8-4636-A275-1996D027DEDB}" dt="2025-05-04T00:13:08.379" v="1218" actId="1076"/>
-          <ac:picMkLst>
-            <pc:docMk/>
-            <pc:sldMk cId="1683674305" sldId="263"/>
-            <ac:picMk id="26" creationId="{F4B28C0F-EF42-5FE0-478E-9DCCB7DD523D}"/>
-          </ac:picMkLst>
-        </pc:picChg>
-        <pc:picChg chg="add mod">
-          <ac:chgData name="Weifeng Xu" userId="e7aed605-a3dd-4d5a-a692-a87037af107b" providerId="ADAL" clId="{69090D41-60B8-4636-A275-1996D027DEDB}" dt="2025-05-04T00:14:51.298" v="1247" actId="1076"/>
-          <ac:picMkLst>
-            <pc:docMk/>
-            <pc:sldMk cId="1683674305" sldId="263"/>
-            <ac:picMk id="40" creationId="{F578043D-1039-A408-0351-BA0455401D3A}"/>
-          </ac:picMkLst>
-        </pc:picChg>
-        <pc:inkChg chg="add">
-          <ac:chgData name="Weifeng Xu" userId="e7aed605-a3dd-4d5a-a692-a87037af107b" providerId="ADAL" clId="{69090D41-60B8-4636-A275-1996D027DEDB}" dt="2025-05-04T20:22:01.594" v="3353" actId="9405"/>
-          <ac:inkMkLst>
-            <pc:docMk/>
-            <pc:sldMk cId="1683674305" sldId="263"/>
-            <ac:inkMk id="54" creationId="{A615AEB3-CD51-F49B-D5E4-C5BD23A2DE72}"/>
-          </ac:inkMkLst>
-        </pc:inkChg>
-        <pc:inkChg chg="add mod">
-          <ac:chgData name="Weifeng Xu" userId="e7aed605-a3dd-4d5a-a692-a87037af107b" providerId="ADAL" clId="{69090D41-60B8-4636-A275-1996D027DEDB}" dt="2025-05-04T20:22:41.257" v="3369"/>
-          <ac:inkMkLst>
-            <pc:docMk/>
-            <pc:sldMk cId="1683674305" sldId="263"/>
-            <ac:inkMk id="56" creationId="{33E44ACD-7934-9AA8-A9B6-17AE96C527FB}"/>
-          </ac:inkMkLst>
-        </pc:inkChg>
-        <pc:inkChg chg="add mod">
-          <ac:chgData name="Weifeng Xu" userId="e7aed605-a3dd-4d5a-a692-a87037af107b" providerId="ADAL" clId="{69090D41-60B8-4636-A275-1996D027DEDB}" dt="2025-05-04T20:22:41.257" v="3369"/>
-          <ac:inkMkLst>
-            <pc:docMk/>
-            <pc:sldMk cId="1683674305" sldId="263"/>
-            <ac:inkMk id="57" creationId="{7D60B1BF-3B7B-A90F-0F9E-CDA38C0B8445}"/>
-          </ac:inkMkLst>
-        </pc:inkChg>
-        <pc:inkChg chg="add mod">
-          <ac:chgData name="Weifeng Xu" userId="e7aed605-a3dd-4d5a-a692-a87037af107b" providerId="ADAL" clId="{69090D41-60B8-4636-A275-1996D027DEDB}" dt="2025-05-04T20:22:41.257" v="3369"/>
-          <ac:inkMkLst>
-            <pc:docMk/>
-            <pc:sldMk cId="1683674305" sldId="263"/>
-            <ac:inkMk id="59" creationId="{5286D017-ABAC-74AF-CC16-5844A877EB7B}"/>
-          </ac:inkMkLst>
-        </pc:inkChg>
-        <pc:inkChg chg="add mod">
-          <ac:chgData name="Weifeng Xu" userId="e7aed605-a3dd-4d5a-a692-a87037af107b" providerId="ADAL" clId="{69090D41-60B8-4636-A275-1996D027DEDB}" dt="2025-05-04T20:22:41.257" v="3369"/>
-          <ac:inkMkLst>
-            <pc:docMk/>
-            <pc:sldMk cId="1683674305" sldId="263"/>
-            <ac:inkMk id="61" creationId="{290B0302-57FA-4A88-7A3B-40FB470410DE}"/>
-          </ac:inkMkLst>
-        </pc:inkChg>
-        <pc:inkChg chg="add mod">
-          <ac:chgData name="Weifeng Xu" userId="e7aed605-a3dd-4d5a-a692-a87037af107b" providerId="ADAL" clId="{69090D41-60B8-4636-A275-1996D027DEDB}" dt="2025-05-04T20:22:41.257" v="3369"/>
-          <ac:inkMkLst>
-            <pc:docMk/>
-            <pc:sldMk cId="1683674305" sldId="263"/>
-            <ac:inkMk id="63" creationId="{DC1EECAF-A246-FADC-35A6-6E24AB27AD10}"/>
-          </ac:inkMkLst>
-        </pc:inkChg>
-        <pc:inkChg chg="add mod">
-          <ac:chgData name="Weifeng Xu" userId="e7aed605-a3dd-4d5a-a692-a87037af107b" providerId="ADAL" clId="{69090D41-60B8-4636-A275-1996D027DEDB}" dt="2025-05-04T20:22:41.257" v="3369"/>
-          <ac:inkMkLst>
-            <pc:docMk/>
-            <pc:sldMk cId="1683674305" sldId="263"/>
-            <ac:inkMk id="64" creationId="{30E5AF5B-DB3D-0843-A79E-277D8187D2EA}"/>
-          </ac:inkMkLst>
-        </pc:inkChg>
-        <pc:inkChg chg="add mod">
-          <ac:chgData name="Weifeng Xu" userId="e7aed605-a3dd-4d5a-a692-a87037af107b" providerId="ADAL" clId="{69090D41-60B8-4636-A275-1996D027DEDB}" dt="2025-05-04T20:22:41.257" v="3369"/>
-          <ac:inkMkLst>
-            <pc:docMk/>
-            <pc:sldMk cId="1683674305" sldId="263"/>
-            <ac:inkMk id="66" creationId="{183A9CC4-D58D-C1A9-528B-7F415D669344}"/>
-          </ac:inkMkLst>
-        </pc:inkChg>
-        <pc:inkChg chg="add mod">
-          <ac:chgData name="Weifeng Xu" userId="e7aed605-a3dd-4d5a-a692-a87037af107b" providerId="ADAL" clId="{69090D41-60B8-4636-A275-1996D027DEDB}" dt="2025-05-04T20:22:41.257" v="3369"/>
-          <ac:inkMkLst>
-            <pc:docMk/>
-            <pc:sldMk cId="1683674305" sldId="263"/>
-            <ac:inkMk id="68" creationId="{2B66463E-3E09-0069-D758-2D054C88F8A8}"/>
-          </ac:inkMkLst>
-        </pc:inkChg>
-        <pc:cxnChg chg="add mod">
-          <ac:chgData name="Weifeng Xu" userId="e7aed605-a3dd-4d5a-a692-a87037af107b" providerId="ADAL" clId="{69090D41-60B8-4636-A275-1996D027DEDB}" dt="2025-05-04T20:21:24.874" v="3345" actId="208"/>
-          <ac:cxnSpMkLst>
-            <pc:docMk/>
-            <pc:sldMk cId="1683674305" sldId="263"/>
-            <ac:cxnSpMk id="47" creationId="{4EEB96FB-C4E9-9CC1-3D83-67C82A654F4B}"/>
-          </ac:cxnSpMkLst>
-        </pc:cxnChg>
-        <pc:cxnChg chg="add mod">
-          <ac:chgData name="Weifeng Xu" userId="e7aed605-a3dd-4d5a-a692-a87037af107b" providerId="ADAL" clId="{69090D41-60B8-4636-A275-1996D027DEDB}" dt="2025-05-04T20:21:42.033" v="3348" actId="1076"/>
-          <ac:cxnSpMkLst>
-            <pc:docMk/>
-            <pc:sldMk cId="1683674305" sldId="263"/>
-            <ac:cxnSpMk id="51" creationId="{4E535E3E-C27F-DAB6-17C3-E1EC984996B0}"/>
-          </ac:cxnSpMkLst>
-        </pc:cxnChg>
-        <pc:cxnChg chg="add mod">
-          <ac:chgData name="Weifeng Xu" userId="e7aed605-a3dd-4d5a-a692-a87037af107b" providerId="ADAL" clId="{69090D41-60B8-4636-A275-1996D027DEDB}" dt="2025-05-04T20:21:51.569" v="3352" actId="14100"/>
-          <ac:cxnSpMkLst>
-            <pc:docMk/>
-            <pc:sldMk cId="1683674305" sldId="263"/>
-            <ac:cxnSpMk id="52" creationId="{86374D30-CC9F-AA55-1731-9845F7968BAB}"/>
-          </ac:cxnSpMkLst>
-        </pc:cxnChg>
-      </pc:sldChg>
-      <pc:sldChg chg="del">
-        <pc:chgData name="Weifeng Xu" userId="e7aed605-a3dd-4d5a-a692-a87037af107b" providerId="ADAL" clId="{69090D41-60B8-4636-A275-1996D027DEDB}" dt="2025-05-03T02:29:19.623" v="6" actId="47"/>
-        <pc:sldMkLst>
-          <pc:docMk/>
-          <pc:sldMk cId="3784490461" sldId="263"/>
-        </pc:sldMkLst>
-      </pc:sldChg>
-      <pc:sldChg chg="addSp delSp modSp new mod modClrScheme chgLayout modNotesTx">
-        <pc:chgData name="Weifeng Xu" userId="e7aed605-a3dd-4d5a-a692-a87037af107b" providerId="ADAL" clId="{69090D41-60B8-4636-A275-1996D027DEDB}" dt="2025-05-04T19:49:37.200" v="2941" actId="6549"/>
-        <pc:sldMkLst>
-          <pc:docMk/>
-          <pc:sldMk cId="14529535" sldId="264"/>
-        </pc:sldMkLst>
-        <pc:spChg chg="add mod">
-          <ac:chgData name="Weifeng Xu" userId="e7aed605-a3dd-4d5a-a692-a87037af107b" providerId="ADAL" clId="{69090D41-60B8-4636-A275-1996D027DEDB}" dt="2025-05-04T16:16:22.437" v="2628" actId="20577"/>
-          <ac:spMkLst>
-            <pc:docMk/>
-            <pc:sldMk cId="14529535" sldId="264"/>
-            <ac:spMk id="2" creationId="{618AD4ED-DC94-C0AF-6A84-DDFC5879D74A}"/>
-          </ac:spMkLst>
-        </pc:spChg>
-        <pc:spChg chg="add mod">
-          <ac:chgData name="Weifeng Xu" userId="e7aed605-a3dd-4d5a-a692-a87037af107b" providerId="ADAL" clId="{69090D41-60B8-4636-A275-1996D027DEDB}" dt="2025-05-04T19:49:13.804" v="2933" actId="6549"/>
-          <ac:spMkLst>
-            <pc:docMk/>
-            <pc:sldMk cId="14529535" sldId="264"/>
-            <ac:spMk id="3" creationId="{D29E05CE-0409-6D8A-C49E-C9BE2E2F0CF5}"/>
-          </ac:spMkLst>
-        </pc:spChg>
-        <pc:spChg chg="add mod">
-          <ac:chgData name="Weifeng Xu" userId="e7aed605-a3dd-4d5a-a692-a87037af107b" providerId="ADAL" clId="{69090D41-60B8-4636-A275-1996D027DEDB}" dt="2025-05-04T19:49:37.200" v="2941" actId="6549"/>
-          <ac:spMkLst>
-            <pc:docMk/>
-            <pc:sldMk cId="14529535" sldId="264"/>
-            <ac:spMk id="14" creationId="{0464041F-218E-B264-B824-B359DE191889}"/>
-          </ac:spMkLst>
-        </pc:spChg>
-        <pc:spChg chg="add mod">
-          <ac:chgData name="Weifeng Xu" userId="e7aed605-a3dd-4d5a-a692-a87037af107b" providerId="ADAL" clId="{69090D41-60B8-4636-A275-1996D027DEDB}" dt="2025-05-04T19:49:28.544" v="2938" actId="20577"/>
-          <ac:spMkLst>
-            <pc:docMk/>
-            <pc:sldMk cId="14529535" sldId="264"/>
-            <ac:spMk id="16" creationId="{0A81282A-53A6-183B-EA77-1F958018F632}"/>
-          </ac:spMkLst>
-        </pc:spChg>
-        <pc:spChg chg="add mod">
-          <ac:chgData name="Weifeng Xu" userId="e7aed605-a3dd-4d5a-a692-a87037af107b" providerId="ADAL" clId="{69090D41-60B8-4636-A275-1996D027DEDB}" dt="2025-05-04T13:12:30.217" v="2120" actId="208"/>
-          <ac:spMkLst>
-            <pc:docMk/>
-            <pc:sldMk cId="14529535" sldId="264"/>
-            <ac:spMk id="17" creationId="{F36257D6-57AB-A3EC-ED72-1A31E8F98B36}"/>
-          </ac:spMkLst>
-        </pc:spChg>
-        <pc:picChg chg="add mod">
-          <ac:chgData name="Weifeng Xu" userId="e7aed605-a3dd-4d5a-a692-a87037af107b" providerId="ADAL" clId="{69090D41-60B8-4636-A275-1996D027DEDB}" dt="2025-05-04T13:10:29.426" v="2108" actId="1076"/>
-          <ac:picMkLst>
-            <pc:docMk/>
-            <pc:sldMk cId="14529535" sldId="264"/>
-            <ac:picMk id="4" creationId="{A5A18B8E-196F-4DB7-406C-5BD0CAADA528}"/>
-          </ac:picMkLst>
-        </pc:picChg>
-        <pc:picChg chg="add mod">
-          <ac:chgData name="Weifeng Xu" userId="e7aed605-a3dd-4d5a-a692-a87037af107b" providerId="ADAL" clId="{69090D41-60B8-4636-A275-1996D027DEDB}" dt="2025-05-04T13:10:29.426" v="2108" actId="1076"/>
-          <ac:picMkLst>
-            <pc:docMk/>
-            <pc:sldMk cId="14529535" sldId="264"/>
-            <ac:picMk id="4098" creationId="{5EB3E601-AABF-BAEA-EC0E-758A2EBC16B1}"/>
-          </ac:picMkLst>
-        </pc:picChg>
-        <pc:cxnChg chg="add mod">
-          <ac:chgData name="Weifeng Xu" userId="e7aed605-a3dd-4d5a-a692-a87037af107b" providerId="ADAL" clId="{69090D41-60B8-4636-A275-1996D027DEDB}" dt="2025-05-04T13:10:29.426" v="2108" actId="1076"/>
-          <ac:cxnSpMkLst>
-            <pc:docMk/>
-            <pc:sldMk cId="14529535" sldId="264"/>
-            <ac:cxnSpMk id="8" creationId="{71B1AAE0-F1CE-5A76-72E2-C8C7B74CFEB3}"/>
-          </ac:cxnSpMkLst>
-        </pc:cxnChg>
-        <pc:cxnChg chg="add mod">
-          <ac:chgData name="Weifeng Xu" userId="e7aed605-a3dd-4d5a-a692-a87037af107b" providerId="ADAL" clId="{69090D41-60B8-4636-A275-1996D027DEDB}" dt="2025-05-04T13:10:29.426" v="2108" actId="1076"/>
-          <ac:cxnSpMkLst>
-            <pc:docMk/>
-            <pc:sldMk cId="14529535" sldId="264"/>
-            <ac:cxnSpMk id="10" creationId="{BF05EFE3-4D0C-0E84-52A7-16EBC36D3905}"/>
-          </ac:cxnSpMkLst>
-        </pc:cxnChg>
-        <pc:cxnChg chg="add mod">
-          <ac:chgData name="Weifeng Xu" userId="e7aed605-a3dd-4d5a-a692-a87037af107b" providerId="ADAL" clId="{69090D41-60B8-4636-A275-1996D027DEDB}" dt="2025-05-04T13:10:29.426" v="2108" actId="1076"/>
-          <ac:cxnSpMkLst>
-            <pc:docMk/>
-            <pc:sldMk cId="14529535" sldId="264"/>
-            <ac:cxnSpMk id="12" creationId="{155677C2-BDB7-D360-9C93-0DFD19FA96D0}"/>
-          </ac:cxnSpMkLst>
-        </pc:cxnChg>
-      </pc:sldChg>
-      <pc:sldChg chg="del">
-        <pc:chgData name="Weifeng Xu" userId="e7aed605-a3dd-4d5a-a692-a87037af107b" providerId="ADAL" clId="{69090D41-60B8-4636-A275-1996D027DEDB}" dt="2025-05-03T02:29:19.652" v="7" actId="47"/>
-        <pc:sldMkLst>
-          <pc:docMk/>
-          <pc:sldMk cId="1859847628" sldId="264"/>
-        </pc:sldMkLst>
-      </pc:sldChg>
-      <pc:sldChg chg="addSp delSp modSp new mod modClrScheme chgLayout">
-        <pc:chgData name="Weifeng Xu" userId="e7aed605-a3dd-4d5a-a692-a87037af107b" providerId="ADAL" clId="{69090D41-60B8-4636-A275-1996D027DEDB}" dt="2025-05-04T02:10:58.399" v="2040"/>
-        <pc:sldMkLst>
-          <pc:docMk/>
-          <pc:sldMk cId="2513134488" sldId="265"/>
-        </pc:sldMkLst>
-        <pc:spChg chg="add mod ord">
-          <ac:chgData name="Weifeng Xu" userId="e7aed605-a3dd-4d5a-a692-a87037af107b" providerId="ADAL" clId="{69090D41-60B8-4636-A275-1996D027DEDB}" dt="2025-05-04T02:10:58.399" v="2040"/>
-          <ac:spMkLst>
-            <pc:docMk/>
-            <pc:sldMk cId="2513134488" sldId="265"/>
-            <ac:spMk id="4" creationId="{5BD99D44-85CE-1418-D272-8ACDD0AAE54A}"/>
-          </ac:spMkLst>
-        </pc:spChg>
-        <pc:spChg chg="add mod ord">
-          <ac:chgData name="Weifeng Xu" userId="e7aed605-a3dd-4d5a-a692-a87037af107b" providerId="ADAL" clId="{69090D41-60B8-4636-A275-1996D027DEDB}" dt="2025-05-04T02:10:55.341" v="2039" actId="700"/>
-          <ac:spMkLst>
-            <pc:docMk/>
-            <pc:sldMk cId="2513134488" sldId="265"/>
-            <ac:spMk id="5" creationId="{9CC22AFD-52E6-F29C-827F-E36EDD1B0723}"/>
-          </ac:spMkLst>
-        </pc:spChg>
-      </pc:sldChg>
-      <pc:sldChg chg="del">
-        <pc:chgData name="Weifeng Xu" userId="e7aed605-a3dd-4d5a-a692-a87037af107b" providerId="ADAL" clId="{69090D41-60B8-4636-A275-1996D027DEDB}" dt="2025-05-03T02:29:19.700" v="8" actId="47"/>
-        <pc:sldMkLst>
-          <pc:docMk/>
-          <pc:sldMk cId="2875748899" sldId="265"/>
-        </pc:sldMkLst>
-      </pc:sldChg>
-      <pc:sldChg chg="addSp delSp modSp new mod modClrScheme chgLayout">
-        <pc:chgData name="Weifeng Xu" userId="e7aed605-a3dd-4d5a-a692-a87037af107b" providerId="ADAL" clId="{69090D41-60B8-4636-A275-1996D027DEDB}" dt="2025-05-04T23:50:40.716" v="4038" actId="6549"/>
-        <pc:sldMkLst>
-          <pc:docMk/>
-          <pc:sldMk cId="2697101003" sldId="266"/>
-        </pc:sldMkLst>
-        <pc:spChg chg="add mod ord">
-          <ac:chgData name="Weifeng Xu" userId="e7aed605-a3dd-4d5a-a692-a87037af107b" providerId="ADAL" clId="{69090D41-60B8-4636-A275-1996D027DEDB}" dt="2025-05-04T23:50:40.716" v="4038" actId="6549"/>
-          <ac:spMkLst>
-            <pc:docMk/>
-            <pc:sldMk cId="2697101003" sldId="266"/>
-            <ac:spMk id="4" creationId="{F4D2EDDD-6CF6-7823-71D4-7B15EC00EA84}"/>
-          </ac:spMkLst>
-        </pc:spChg>
-        <pc:spChg chg="add mod ord">
-          <ac:chgData name="Weifeng Xu" userId="e7aed605-a3dd-4d5a-a692-a87037af107b" providerId="ADAL" clId="{69090D41-60B8-4636-A275-1996D027DEDB}" dt="2025-05-04T02:11:21.528" v="2042" actId="700"/>
-          <ac:spMkLst>
-            <pc:docMk/>
-            <pc:sldMk cId="2697101003" sldId="266"/>
-            <ac:spMk id="5" creationId="{A3E660DF-CD40-C33F-FD5A-42DE7909862F}"/>
-          </ac:spMkLst>
-        </pc:spChg>
-      </pc:sldChg>
-      <pc:sldChg chg="del">
-        <pc:chgData name="Weifeng Xu" userId="e7aed605-a3dd-4d5a-a692-a87037af107b" providerId="ADAL" clId="{69090D41-60B8-4636-A275-1996D027DEDB}" dt="2025-05-03T02:29:19.736" v="9" actId="47"/>
-        <pc:sldMkLst>
-          <pc:docMk/>
-          <pc:sldMk cId="3455260336" sldId="266"/>
-        </pc:sldMkLst>
-      </pc:sldChg>
-      <pc:sldChg chg="del">
-        <pc:chgData name="Weifeng Xu" userId="e7aed605-a3dd-4d5a-a692-a87037af107b" providerId="ADAL" clId="{69090D41-60B8-4636-A275-1996D027DEDB}" dt="2025-05-03T02:29:19.771" v="10" actId="47"/>
-        <pc:sldMkLst>
-          <pc:docMk/>
-          <pc:sldMk cId="2341961951" sldId="267"/>
-        </pc:sldMkLst>
-      </pc:sldChg>
-      <pc:sldChg chg="addSp delSp modSp new mod modClrScheme modAnim chgLayout">
-        <pc:chgData name="Weifeng Xu" userId="e7aed605-a3dd-4d5a-a692-a87037af107b" providerId="ADAL" clId="{69090D41-60B8-4636-A275-1996D027DEDB}" dt="2025-05-04T11:48:14.823" v="2052"/>
-        <pc:sldMkLst>
-          <pc:docMk/>
-          <pc:sldMk cId="2718594992" sldId="267"/>
-        </pc:sldMkLst>
-        <pc:picChg chg="add mod">
-          <ac:chgData name="Weifeng Xu" userId="e7aed605-a3dd-4d5a-a692-a87037af107b" providerId="ADAL" clId="{69090D41-60B8-4636-A275-1996D027DEDB}" dt="2025-05-04T11:48:14.823" v="2052"/>
-          <ac:picMkLst>
-            <pc:docMk/>
-            <pc:sldMk cId="2718594992" sldId="267"/>
-            <ac:picMk id="4" creationId="{04B84CE3-2B78-300E-1E48-F7A3072B0AF5}"/>
-          </ac:picMkLst>
-        </pc:picChg>
-      </pc:sldChg>
-      <pc:sldChg chg="del">
-        <pc:chgData name="Weifeng Xu" userId="e7aed605-a3dd-4d5a-a692-a87037af107b" providerId="ADAL" clId="{69090D41-60B8-4636-A275-1996D027DEDB}" dt="2025-05-03T02:29:19.798" v="11" actId="47"/>
-        <pc:sldMkLst>
-          <pc:docMk/>
-          <pc:sldMk cId="1430309032" sldId="268"/>
-        </pc:sldMkLst>
-      </pc:sldChg>
-      <pc:sldChg chg="addSp delSp modSp new mod modClrScheme chgLayout modNotesTx">
-        <pc:chgData name="Weifeng Xu" userId="e7aed605-a3dd-4d5a-a692-a87037af107b" providerId="ADAL" clId="{69090D41-60B8-4636-A275-1996D027DEDB}" dt="2025-06-03T00:22:29.936" v="6379" actId="20577"/>
-        <pc:sldMkLst>
-          <pc:docMk/>
-          <pc:sldMk cId="2848934703" sldId="268"/>
-        </pc:sldMkLst>
-        <pc:spChg chg="add mod ord">
-          <ac:chgData name="Weifeng Xu" userId="e7aed605-a3dd-4d5a-a692-a87037af107b" providerId="ADAL" clId="{69090D41-60B8-4636-A275-1996D027DEDB}" dt="2025-06-03T00:22:29.936" v="6379" actId="20577"/>
-          <ac:spMkLst>
-            <pc:docMk/>
-            <pc:sldMk cId="2848934703" sldId="268"/>
-            <ac:spMk id="4" creationId="{0A7F98A5-B30D-C5FB-1FE4-564EC72041D5}"/>
-          </ac:spMkLst>
-        </pc:spChg>
-        <pc:spChg chg="add mod ord">
-          <ac:chgData name="Weifeng Xu" userId="e7aed605-a3dd-4d5a-a692-a87037af107b" providerId="ADAL" clId="{69090D41-60B8-4636-A275-1996D027DEDB}" dt="2025-05-04T20:42:16.037" v="3526" actId="1076"/>
-          <ac:spMkLst>
-            <pc:docMk/>
-            <pc:sldMk cId="2848934703" sldId="268"/>
-            <ac:spMk id="5" creationId="{57D78A49-277A-AEC4-A987-7D2B9AACC547}"/>
-          </ac:spMkLst>
-        </pc:spChg>
-        <pc:spChg chg="add mod">
-          <ac:chgData name="Weifeng Xu" userId="e7aed605-a3dd-4d5a-a692-a87037af107b" providerId="ADAL" clId="{69090D41-60B8-4636-A275-1996D027DEDB}" dt="2025-05-04T20:43:04.291" v="3531" actId="1076"/>
-          <ac:spMkLst>
-            <pc:docMk/>
-            <pc:sldMk cId="2848934703" sldId="268"/>
-            <ac:spMk id="16" creationId="{E9D4EE5A-E068-BD05-E1FB-CBE73BA857C4}"/>
-          </ac:spMkLst>
-        </pc:spChg>
-        <pc:spChg chg="add mod">
-          <ac:chgData name="Weifeng Xu" userId="e7aed605-a3dd-4d5a-a692-a87037af107b" providerId="ADAL" clId="{69090D41-60B8-4636-A275-1996D027DEDB}" dt="2025-05-04T20:43:04.291" v="3531" actId="1076"/>
-          <ac:spMkLst>
-            <pc:docMk/>
-            <pc:sldMk cId="2848934703" sldId="268"/>
-            <ac:spMk id="18" creationId="{07F59B44-BFCC-B32D-A232-240B62F299B1}"/>
-          </ac:spMkLst>
-        </pc:spChg>
-        <pc:spChg chg="add mod">
-          <ac:chgData name="Weifeng Xu" userId="e7aed605-a3dd-4d5a-a692-a87037af107b" providerId="ADAL" clId="{69090D41-60B8-4636-A275-1996D027DEDB}" dt="2025-05-04T20:43:11.938" v="3534" actId="1076"/>
-          <ac:spMkLst>
-            <pc:docMk/>
-            <pc:sldMk cId="2848934703" sldId="268"/>
-            <ac:spMk id="26" creationId="{D5579FA1-0185-FE0B-1936-BCF4DB07529B}"/>
-          </ac:spMkLst>
-        </pc:spChg>
-        <pc:spChg chg="add mod">
-          <ac:chgData name="Weifeng Xu" userId="e7aed605-a3dd-4d5a-a692-a87037af107b" providerId="ADAL" clId="{69090D41-60B8-4636-A275-1996D027DEDB}" dt="2025-05-04T20:43:04.291" v="3531" actId="1076"/>
-          <ac:spMkLst>
-            <pc:docMk/>
-            <pc:sldMk cId="2848934703" sldId="268"/>
-            <ac:spMk id="27" creationId="{79B9BCFF-B71F-1368-DAF9-506FE23A5A24}"/>
-          </ac:spMkLst>
-        </pc:spChg>
-        <pc:graphicFrameChg chg="add mod modGraphic">
-          <ac:chgData name="Weifeng Xu" userId="e7aed605-a3dd-4d5a-a692-a87037af107b" providerId="ADAL" clId="{69090D41-60B8-4636-A275-1996D027DEDB}" dt="2025-05-04T20:43:04.291" v="3531" actId="1076"/>
-          <ac:graphicFrameMkLst>
-            <pc:docMk/>
-            <pc:sldMk cId="2848934703" sldId="268"/>
-            <ac:graphicFrameMk id="12" creationId="{2C04A240-80DA-0C9B-9428-009C1A88BC1F}"/>
-          </ac:graphicFrameMkLst>
-        </pc:graphicFrameChg>
-        <pc:graphicFrameChg chg="add mod modGraphic">
-          <ac:chgData name="Weifeng Xu" userId="e7aed605-a3dd-4d5a-a692-a87037af107b" providerId="ADAL" clId="{69090D41-60B8-4636-A275-1996D027DEDB}" dt="2025-05-04T23:44:52.473" v="4020" actId="207"/>
-          <ac:graphicFrameMkLst>
-            <pc:docMk/>
-            <pc:sldMk cId="2848934703" sldId="268"/>
-            <ac:graphicFrameMk id="13" creationId="{2144A6B0-7ACA-D006-DB4B-25FD65F11577}"/>
-          </ac:graphicFrameMkLst>
-        </pc:graphicFrameChg>
-        <pc:graphicFrameChg chg="add mod modGraphic">
-          <ac:chgData name="Weifeng Xu" userId="e7aed605-a3dd-4d5a-a692-a87037af107b" providerId="ADAL" clId="{69090D41-60B8-4636-A275-1996D027DEDB}" dt="2025-05-04T23:45:25.262" v="4024" actId="207"/>
-          <ac:graphicFrameMkLst>
-            <pc:docMk/>
-            <pc:sldMk cId="2848934703" sldId="268"/>
-            <ac:graphicFrameMk id="14" creationId="{B1F80447-D85E-EF74-E83A-E888CB052341}"/>
-          </ac:graphicFrameMkLst>
-        </pc:graphicFrameChg>
-        <pc:picChg chg="add mod">
-          <ac:chgData name="Weifeng Xu" userId="e7aed605-a3dd-4d5a-a692-a87037af107b" providerId="ADAL" clId="{69090D41-60B8-4636-A275-1996D027DEDB}" dt="2025-05-04T23:45:07.823" v="4022" actId="207"/>
-          <ac:picMkLst>
-            <pc:docMk/>
-            <pc:sldMk cId="2848934703" sldId="268"/>
-            <ac:picMk id="25" creationId="{631C9E67-99D9-587F-1231-8D2BEB6D8075}"/>
-          </ac:picMkLst>
-        </pc:picChg>
-      </pc:sldChg>
-      <pc:sldChg chg="del">
-        <pc:chgData name="Weifeng Xu" userId="e7aed605-a3dd-4d5a-a692-a87037af107b" providerId="ADAL" clId="{69090D41-60B8-4636-A275-1996D027DEDB}" dt="2025-05-03T02:29:19.855" v="12" actId="47"/>
-        <pc:sldMkLst>
-          <pc:docMk/>
-          <pc:sldMk cId="2476079575" sldId="269"/>
-        </pc:sldMkLst>
-      </pc:sldChg>
-      <pc:sldChg chg="addSp delSp modSp new mod modClrScheme chgLayout">
-        <pc:chgData name="Weifeng Xu" userId="e7aed605-a3dd-4d5a-a692-a87037af107b" providerId="ADAL" clId="{69090D41-60B8-4636-A275-1996D027DEDB}" dt="2025-05-04T21:25:16.347" v="3795" actId="1076"/>
-        <pc:sldMkLst>
-          <pc:docMk/>
-          <pc:sldMk cId="2627592652" sldId="269"/>
-        </pc:sldMkLst>
-        <pc:spChg chg="add mod ord">
-          <ac:chgData name="Weifeng Xu" userId="e7aed605-a3dd-4d5a-a692-a87037af107b" providerId="ADAL" clId="{69090D41-60B8-4636-A275-1996D027DEDB}" dt="2025-05-04T21:24:53.987" v="3788"/>
-          <ac:spMkLst>
-            <pc:docMk/>
-            <pc:sldMk cId="2627592652" sldId="269"/>
-            <ac:spMk id="10" creationId="{23F8E198-2135-FFCE-4518-E662194F7371}"/>
-          </ac:spMkLst>
-        </pc:spChg>
-        <pc:picChg chg="add mod">
-          <ac:chgData name="Weifeng Xu" userId="e7aed605-a3dd-4d5a-a692-a87037af107b" providerId="ADAL" clId="{69090D41-60B8-4636-A275-1996D027DEDB}" dt="2025-05-04T21:25:16.347" v="3795" actId="1076"/>
-          <ac:picMkLst>
-            <pc:docMk/>
-            <pc:sldMk cId="2627592652" sldId="269"/>
-            <ac:picMk id="6" creationId="{60DAD60B-E017-0118-5479-5A356A025112}"/>
-          </ac:picMkLst>
-        </pc:picChg>
-        <pc:picChg chg="add mod">
-          <ac:chgData name="Weifeng Xu" userId="e7aed605-a3dd-4d5a-a692-a87037af107b" providerId="ADAL" clId="{69090D41-60B8-4636-A275-1996D027DEDB}" dt="2025-05-04T21:25:15.043" v="3794" actId="1076"/>
-          <ac:picMkLst>
-            <pc:docMk/>
-            <pc:sldMk cId="2627592652" sldId="269"/>
-            <ac:picMk id="7" creationId="{707C7825-A10D-4556-1543-B63A09E0B317}"/>
-          </ac:picMkLst>
-        </pc:picChg>
-      </pc:sldChg>
-      <pc:sldChg chg="del">
-        <pc:chgData name="Weifeng Xu" userId="e7aed605-a3dd-4d5a-a692-a87037af107b" providerId="ADAL" clId="{69090D41-60B8-4636-A275-1996D027DEDB}" dt="2025-05-03T02:29:19.881" v="13" actId="47"/>
-        <pc:sldMkLst>
-          <pc:docMk/>
-          <pc:sldMk cId="2069138016" sldId="270"/>
-        </pc:sldMkLst>
-      </pc:sldChg>
-      <pc:sldChg chg="addSp modSp new del mod modClrScheme chgLayout">
-        <pc:chgData name="Weifeng Xu" userId="e7aed605-a3dd-4d5a-a692-a87037af107b" providerId="ADAL" clId="{69090D41-60B8-4636-A275-1996D027DEDB}" dt="2025-05-04T16:17:30.394" v="2661" actId="47"/>
-        <pc:sldMkLst>
-          <pc:docMk/>
-          <pc:sldMk cId="3686103974" sldId="270"/>
-        </pc:sldMkLst>
-      </pc:sldChg>
-      <pc:sldChg chg="addSp delSp modSp new mod ord modClrScheme chgLayout">
-        <pc:chgData name="Weifeng Xu" userId="e7aed605-a3dd-4d5a-a692-a87037af107b" providerId="ADAL" clId="{69090D41-60B8-4636-A275-1996D027DEDB}" dt="2025-05-05T01:21:44.476" v="4316" actId="1076"/>
-        <pc:sldMkLst>
-          <pc:docMk/>
-          <pc:sldMk cId="2150245760" sldId="271"/>
-        </pc:sldMkLst>
-        <pc:spChg chg="add mod">
-          <ac:chgData name="Weifeng Xu" userId="e7aed605-a3dd-4d5a-a692-a87037af107b" providerId="ADAL" clId="{69090D41-60B8-4636-A275-1996D027DEDB}" dt="2025-05-04T19:58:11.960" v="2966" actId="6549"/>
-          <ac:spMkLst>
-            <pc:docMk/>
-            <pc:sldMk cId="2150245760" sldId="271"/>
-            <ac:spMk id="12" creationId="{A61B0243-4A3E-742F-1F2F-3BBE083F16C8}"/>
-          </ac:spMkLst>
-        </pc:spChg>
-        <pc:spChg chg="add mod">
-          <ac:chgData name="Weifeng Xu" userId="e7aed605-a3dd-4d5a-a692-a87037af107b" providerId="ADAL" clId="{69090D41-60B8-4636-A275-1996D027DEDB}" dt="2025-05-04T15:45:19.735" v="2270" actId="1076"/>
-          <ac:spMkLst>
-            <pc:docMk/>
-            <pc:sldMk cId="2150245760" sldId="271"/>
-            <ac:spMk id="13" creationId="{F12B9F95-4040-C4B4-2D08-341471D152E1}"/>
-          </ac:spMkLst>
-        </pc:spChg>
-        <pc:spChg chg="add mod">
-          <ac:chgData name="Weifeng Xu" userId="e7aed605-a3dd-4d5a-a692-a87037af107b" providerId="ADAL" clId="{69090D41-60B8-4636-A275-1996D027DEDB}" dt="2025-05-04T19:57:29.063" v="2961" actId="20577"/>
-          <ac:spMkLst>
-            <pc:docMk/>
-            <pc:sldMk cId="2150245760" sldId="271"/>
-            <ac:spMk id="21" creationId="{F524A50E-B6B1-4564-FC4A-D0F0AF9DEAE1}"/>
-          </ac:spMkLst>
-        </pc:spChg>
-        <pc:spChg chg="add mod">
-          <ac:chgData name="Weifeng Xu" userId="e7aed605-a3dd-4d5a-a692-a87037af107b" providerId="ADAL" clId="{69090D41-60B8-4636-A275-1996D027DEDB}" dt="2025-05-04T15:52:04.681" v="2343" actId="14100"/>
-          <ac:spMkLst>
-            <pc:docMk/>
-            <pc:sldMk cId="2150245760" sldId="271"/>
-            <ac:spMk id="22" creationId="{409C95CB-251D-8040-932B-CB0E369B0E52}"/>
-          </ac:spMkLst>
-        </pc:spChg>
-        <pc:spChg chg="add mod">
-          <ac:chgData name="Weifeng Xu" userId="e7aed605-a3dd-4d5a-a692-a87037af107b" providerId="ADAL" clId="{69090D41-60B8-4636-A275-1996D027DEDB}" dt="2025-05-04T15:51:40.834" v="2338" actId="1076"/>
-          <ac:spMkLst>
-            <pc:docMk/>
-            <pc:sldMk cId="2150245760" sldId="271"/>
-            <ac:spMk id="27" creationId="{335FBF8C-EC4C-2B92-7B7D-4877108259FF}"/>
-          </ac:spMkLst>
-        </pc:spChg>
-        <pc:spChg chg="add mod">
-          <ac:chgData name="Weifeng Xu" userId="e7aed605-a3dd-4d5a-a692-a87037af107b" providerId="ADAL" clId="{69090D41-60B8-4636-A275-1996D027DEDB}" dt="2025-05-04T19:57:34.772" v="2963" actId="20577"/>
-          <ac:spMkLst>
-            <pc:docMk/>
-            <pc:sldMk cId="2150245760" sldId="271"/>
-            <ac:spMk id="45" creationId="{712EFEA0-18DC-3627-2566-6CE26FBA94FD}"/>
-          </ac:spMkLst>
-        </pc:spChg>
-        <pc:spChg chg="add mod">
-          <ac:chgData name="Weifeng Xu" userId="e7aed605-a3dd-4d5a-a692-a87037af107b" providerId="ADAL" clId="{69090D41-60B8-4636-A275-1996D027DEDB}" dt="2025-05-05T01:21:44.476" v="4316" actId="1076"/>
-          <ac:spMkLst>
-            <pc:docMk/>
-            <pc:sldMk cId="2150245760" sldId="271"/>
-            <ac:spMk id="47" creationId="{72C750AF-5FAF-11F4-0E2A-AFADF2F17AD1}"/>
-          </ac:spMkLst>
-        </pc:spChg>
-        <pc:picChg chg="add mod">
-          <ac:chgData name="Weifeng Xu" userId="e7aed605-a3dd-4d5a-a692-a87037af107b" providerId="ADAL" clId="{69090D41-60B8-4636-A275-1996D027DEDB}" dt="2025-05-04T15:45:19.735" v="2270" actId="1076"/>
-          <ac:picMkLst>
-            <pc:docMk/>
-            <pc:sldMk cId="2150245760" sldId="271"/>
-            <ac:picMk id="7" creationId="{0CECFEC2-D559-CD8A-FE7A-3EE394DB4640}"/>
-          </ac:picMkLst>
-        </pc:picChg>
-        <pc:picChg chg="add mod">
-          <ac:chgData name="Weifeng Xu" userId="e7aed605-a3dd-4d5a-a692-a87037af107b" providerId="ADAL" clId="{69090D41-60B8-4636-A275-1996D027DEDB}" dt="2025-05-04T15:47:53.100" v="2280" actId="1076"/>
-          <ac:picMkLst>
-            <pc:docMk/>
-            <pc:sldMk cId="2150245760" sldId="271"/>
-            <ac:picMk id="8" creationId="{F87158B2-B60C-8829-F52D-F9D9F89A765C}"/>
-          </ac:picMkLst>
-        </pc:picChg>
-        <pc:picChg chg="add mod modCrop">
-          <ac:chgData name="Weifeng Xu" userId="e7aed605-a3dd-4d5a-a692-a87037af107b" providerId="ADAL" clId="{69090D41-60B8-4636-A275-1996D027DEDB}" dt="2025-05-04T15:51:40.834" v="2338" actId="1076"/>
-          <ac:picMkLst>
-            <pc:docMk/>
-            <pc:sldMk cId="2150245760" sldId="271"/>
-            <ac:picMk id="26" creationId="{9322C54D-BF5F-7B63-ED43-EB37CF2D47F7}"/>
-          </ac:picMkLst>
-        </pc:picChg>
-        <pc:cxnChg chg="add mod">
-          <ac:chgData name="Weifeng Xu" userId="e7aed605-a3dd-4d5a-a692-a87037af107b" providerId="ADAL" clId="{69090D41-60B8-4636-A275-1996D027DEDB}" dt="2025-05-04T15:51:44.136" v="2339" actId="14100"/>
-          <ac:cxnSpMkLst>
-            <pc:docMk/>
-            <pc:sldMk cId="2150245760" sldId="271"/>
-            <ac:cxnSpMk id="9" creationId="{79E005F0-6537-ED18-91C5-FC357B37BA26}"/>
-          </ac:cxnSpMkLst>
-        </pc:cxnChg>
-        <pc:cxnChg chg="add mod">
-          <ac:chgData name="Weifeng Xu" userId="e7aed605-a3dd-4d5a-a692-a87037af107b" providerId="ADAL" clId="{69090D41-60B8-4636-A275-1996D027DEDB}" dt="2025-05-04T15:51:47.032" v="2340" actId="14100"/>
-          <ac:cxnSpMkLst>
-            <pc:docMk/>
-            <pc:sldMk cId="2150245760" sldId="271"/>
-            <ac:cxnSpMk id="10" creationId="{45AFC310-57FF-E92E-7125-C3285FEA0A94}"/>
-          </ac:cxnSpMkLst>
-        </pc:cxnChg>
-        <pc:cxnChg chg="add mod">
-          <ac:chgData name="Weifeng Xu" userId="e7aed605-a3dd-4d5a-a692-a87037af107b" providerId="ADAL" clId="{69090D41-60B8-4636-A275-1996D027DEDB}" dt="2025-05-04T15:51:51.052" v="2341" actId="14100"/>
-          <ac:cxnSpMkLst>
-            <pc:docMk/>
-            <pc:sldMk cId="2150245760" sldId="271"/>
-            <ac:cxnSpMk id="11" creationId="{97C57C21-7913-8FD2-0D5D-EAC18C68769F}"/>
-          </ac:cxnSpMkLst>
-        </pc:cxnChg>
-        <pc:cxnChg chg="add mod">
-          <ac:chgData name="Weifeng Xu" userId="e7aed605-a3dd-4d5a-a692-a87037af107b" providerId="ADAL" clId="{69090D41-60B8-4636-A275-1996D027DEDB}" dt="2025-05-04T15:52:04.681" v="2343" actId="14100"/>
-          <ac:cxnSpMkLst>
-            <pc:docMk/>
-            <pc:sldMk cId="2150245760" sldId="271"/>
-            <ac:cxnSpMk id="29" creationId="{DB4E9E19-E7E9-BF01-8FF4-4EDB5DFD818B}"/>
-          </ac:cxnSpMkLst>
-        </pc:cxnChg>
-        <pc:cxnChg chg="add mod">
-          <ac:chgData name="Weifeng Xu" userId="e7aed605-a3dd-4d5a-a692-a87037af107b" providerId="ADAL" clId="{69090D41-60B8-4636-A275-1996D027DEDB}" dt="2025-05-04T15:52:16.079" v="2345" actId="13822"/>
-          <ac:cxnSpMkLst>
-            <pc:docMk/>
-            <pc:sldMk cId="2150245760" sldId="271"/>
-            <ac:cxnSpMk id="39" creationId="{8E0BA480-B8B6-C17F-E3EE-CBA604574F8E}"/>
-          </ac:cxnSpMkLst>
-        </pc:cxnChg>
-        <pc:cxnChg chg="add mod">
-          <ac:chgData name="Weifeng Xu" userId="e7aed605-a3dd-4d5a-a692-a87037af107b" providerId="ADAL" clId="{69090D41-60B8-4636-A275-1996D027DEDB}" dt="2025-05-04T15:52:21.024" v="2347" actId="13822"/>
-          <ac:cxnSpMkLst>
-            <pc:docMk/>
-            <pc:sldMk cId="2150245760" sldId="271"/>
-            <ac:cxnSpMk id="41" creationId="{E3DCAA2C-574E-5C52-5A13-E9DFC4C502A1}"/>
-          </ac:cxnSpMkLst>
-        </pc:cxnChg>
-        <pc:cxnChg chg="add mod">
-          <ac:chgData name="Weifeng Xu" userId="e7aed605-a3dd-4d5a-a692-a87037af107b" providerId="ADAL" clId="{69090D41-60B8-4636-A275-1996D027DEDB}" dt="2025-05-04T15:52:34.561" v="2349" actId="13822"/>
-          <ac:cxnSpMkLst>
-            <pc:docMk/>
-            <pc:sldMk cId="2150245760" sldId="271"/>
-            <ac:cxnSpMk id="43" creationId="{076973D4-4F8C-A223-2012-C6C2854FB8D3}"/>
-          </ac:cxnSpMkLst>
-        </pc:cxnChg>
-      </pc:sldChg>
-      <pc:sldChg chg="addSp modSp new modAnim">
-        <pc:chgData name="Weifeng Xu" userId="e7aed605-a3dd-4d5a-a692-a87037af107b" providerId="ADAL" clId="{69090D41-60B8-4636-A275-1996D027DEDB}" dt="2025-05-04T16:50:45.261" v="2663"/>
-        <pc:sldMkLst>
-          <pc:docMk/>
-          <pc:sldMk cId="2888544228" sldId="272"/>
-        </pc:sldMkLst>
-        <pc:picChg chg="add mod">
-          <ac:chgData name="Weifeng Xu" userId="e7aed605-a3dd-4d5a-a692-a87037af107b" providerId="ADAL" clId="{69090D41-60B8-4636-A275-1996D027DEDB}" dt="2025-05-04T16:50:45.261" v="2663"/>
-          <ac:picMkLst>
-            <pc:docMk/>
-            <pc:sldMk cId="2888544228" sldId="272"/>
-            <ac:picMk id="2" creationId="{36B5DB1D-20B6-CF90-B84E-5A95316E4D8C}"/>
-          </ac:picMkLst>
-        </pc:picChg>
-      </pc:sldChg>
-      <pc:sldChg chg="addSp delSp modSp add mod ord modClrScheme chgLayout">
-        <pc:chgData name="Weifeng Xu" userId="e7aed605-a3dd-4d5a-a692-a87037af107b" providerId="ADAL" clId="{69090D41-60B8-4636-A275-1996D027DEDB}" dt="2025-06-03T00:20:37.047" v="6364" actId="1076"/>
-        <pc:sldMkLst>
-          <pc:docMk/>
-          <pc:sldMk cId="2994016025" sldId="273"/>
-        </pc:sldMkLst>
-        <pc:spChg chg="add mod">
-          <ac:chgData name="Weifeng Xu" userId="e7aed605-a3dd-4d5a-a692-a87037af107b" providerId="ADAL" clId="{69090D41-60B8-4636-A275-1996D027DEDB}" dt="2025-06-03T00:17:55.506" v="6305" actId="1076"/>
-          <ac:spMkLst>
-            <pc:docMk/>
-            <pc:sldMk cId="2994016025" sldId="273"/>
-            <ac:spMk id="2" creationId="{E86C2BB9-F73F-C099-4842-A58C9239708A}"/>
-          </ac:spMkLst>
-        </pc:spChg>
-        <pc:spChg chg="add mod">
-          <ac:chgData name="Weifeng Xu" userId="e7aed605-a3dd-4d5a-a692-a87037af107b" providerId="ADAL" clId="{69090D41-60B8-4636-A275-1996D027DEDB}" dt="2025-06-03T00:17:25.651" v="6303" actId="6549"/>
-          <ac:spMkLst>
-            <pc:docMk/>
-            <pc:sldMk cId="2994016025" sldId="273"/>
-            <ac:spMk id="3" creationId="{5022CAC2-4CD6-67C7-07B7-FA77BA51D658}"/>
-          </ac:spMkLst>
-        </pc:spChg>
-        <pc:spChg chg="add mod">
-          <ac:chgData name="Weifeng Xu" userId="e7aed605-a3dd-4d5a-a692-a87037af107b" providerId="ADAL" clId="{69090D41-60B8-4636-A275-1996D027DEDB}" dt="2025-06-03T00:17:55.506" v="6305" actId="1076"/>
-          <ac:spMkLst>
-            <pc:docMk/>
-            <pc:sldMk cId="2994016025" sldId="273"/>
-            <ac:spMk id="4" creationId="{8C832118-6020-16C0-1FDB-F6A7827761BC}"/>
-          </ac:spMkLst>
-        </pc:spChg>
-        <pc:spChg chg="add mod">
-          <ac:chgData name="Weifeng Xu" userId="e7aed605-a3dd-4d5a-a692-a87037af107b" providerId="ADAL" clId="{69090D41-60B8-4636-A275-1996D027DEDB}" dt="2025-06-03T00:17:55.506" v="6305" actId="1076"/>
-          <ac:spMkLst>
-            <pc:docMk/>
-            <pc:sldMk cId="2994016025" sldId="273"/>
-            <ac:spMk id="5" creationId="{EE438E7B-7495-B793-7404-582DF8BC4BA0}"/>
-          </ac:spMkLst>
-        </pc:spChg>
-        <pc:spChg chg="add del mod ord">
-          <ac:chgData name="Weifeng Xu" userId="e7aed605-a3dd-4d5a-a692-a87037af107b" providerId="ADAL" clId="{69090D41-60B8-4636-A275-1996D027DEDB}" dt="2025-06-02T21:12:05.319" v="6031" actId="700"/>
-          <ac:spMkLst>
-            <pc:docMk/>
-            <pc:sldMk cId="2994016025" sldId="273"/>
-            <ac:spMk id="6" creationId="{9C9BDA24-8E2C-3BB2-3441-450E02F640D6}"/>
-          </ac:spMkLst>
-        </pc:spChg>
-        <pc:spChg chg="add mod">
-          <ac:chgData name="Weifeng Xu" userId="e7aed605-a3dd-4d5a-a692-a87037af107b" providerId="ADAL" clId="{69090D41-60B8-4636-A275-1996D027DEDB}" dt="2025-06-03T00:17:55.506" v="6305" actId="1076"/>
-          <ac:spMkLst>
-            <pc:docMk/>
-            <pc:sldMk cId="2994016025" sldId="273"/>
-            <ac:spMk id="7" creationId="{7285E129-8AED-2042-ADF9-9AA41D40BFE3}"/>
-          </ac:spMkLst>
-        </pc:spChg>
-        <pc:spChg chg="add del mod">
-          <ac:chgData name="Weifeng Xu" userId="e7aed605-a3dd-4d5a-a692-a87037af107b" providerId="ADAL" clId="{69090D41-60B8-4636-A275-1996D027DEDB}" dt="2025-06-02T21:05:56.032" v="6008" actId="478"/>
-          <ac:spMkLst>
-            <pc:docMk/>
-            <pc:sldMk cId="2994016025" sldId="273"/>
-            <ac:spMk id="10" creationId="{309FD157-BB31-7105-A217-52FB838711CC}"/>
-          </ac:spMkLst>
-        </pc:spChg>
-        <pc:spChg chg="add mod">
-          <ac:chgData name="Weifeng Xu" userId="e7aed605-a3dd-4d5a-a692-a87037af107b" providerId="ADAL" clId="{69090D41-60B8-4636-A275-1996D027DEDB}" dt="2025-06-03T00:16:57.347" v="6291" actId="6549"/>
-          <ac:spMkLst>
-            <pc:docMk/>
-            <pc:sldMk cId="2994016025" sldId="273"/>
-            <ac:spMk id="11" creationId="{90A7E917-3806-2FDB-A831-E7DF4BA3FDD3}"/>
-          </ac:spMkLst>
-        </pc:spChg>
-        <pc:spChg chg="add mod">
-          <ac:chgData name="Weifeng Xu" userId="e7aed605-a3dd-4d5a-a692-a87037af107b" providerId="ADAL" clId="{69090D41-60B8-4636-A275-1996D027DEDB}" dt="2025-06-03T00:14:49.211" v="6250" actId="1076"/>
-          <ac:spMkLst>
-            <pc:docMk/>
-            <pc:sldMk cId="2994016025" sldId="273"/>
-            <ac:spMk id="12" creationId="{8EB4F382-3C2E-C842-3DC2-EC987A27E117}"/>
-          </ac:spMkLst>
-        </pc:spChg>
-        <pc:spChg chg="add mod">
-          <ac:chgData name="Weifeng Xu" userId="e7aed605-a3dd-4d5a-a692-a87037af107b" providerId="ADAL" clId="{69090D41-60B8-4636-A275-1996D027DEDB}" dt="2025-06-03T00:14:49.211" v="6250" actId="1076"/>
-          <ac:spMkLst>
-            <pc:docMk/>
-            <pc:sldMk cId="2994016025" sldId="273"/>
-            <ac:spMk id="13" creationId="{BB6F7B74-073B-AAB5-2392-CC8F1BFEB7E2}"/>
-          </ac:spMkLst>
-        </pc:spChg>
-        <pc:spChg chg="add mod">
-          <ac:chgData name="Weifeng Xu" userId="e7aed605-a3dd-4d5a-a692-a87037af107b" providerId="ADAL" clId="{69090D41-60B8-4636-A275-1996D027DEDB}" dt="2025-06-03T00:14:49.211" v="6250" actId="1076"/>
-          <ac:spMkLst>
-            <pc:docMk/>
-            <pc:sldMk cId="2994016025" sldId="273"/>
-            <ac:spMk id="14" creationId="{2B58BE7A-D2A2-A01C-A384-08B6B3FABA7D}"/>
-          </ac:spMkLst>
-        </pc:spChg>
-        <pc:spChg chg="add del mod">
-          <ac:chgData name="Weifeng Xu" userId="e7aed605-a3dd-4d5a-a692-a87037af107b" providerId="ADAL" clId="{69090D41-60B8-4636-A275-1996D027DEDB}" dt="2025-06-02T21:12:37.944" v="6038" actId="478"/>
-          <ac:spMkLst>
-            <pc:docMk/>
-            <pc:sldMk cId="2994016025" sldId="273"/>
-            <ac:spMk id="15" creationId="{D8D48CDA-2310-7105-C67B-2F5B856D65FD}"/>
-          </ac:spMkLst>
-        </pc:spChg>
-        <pc:spChg chg="add mod">
-          <ac:chgData name="Weifeng Xu" userId="e7aed605-a3dd-4d5a-a692-a87037af107b" providerId="ADAL" clId="{69090D41-60B8-4636-A275-1996D027DEDB}" dt="2025-06-03T00:17:02.372" v="6293" actId="6549"/>
-          <ac:spMkLst>
-            <pc:docMk/>
-            <pc:sldMk cId="2994016025" sldId="273"/>
-            <ac:spMk id="16" creationId="{D19EF253-DA30-D5B6-9179-6F052DB9CD92}"/>
-          </ac:spMkLst>
-        </pc:spChg>
-        <pc:spChg chg="add mod">
-          <ac:chgData name="Weifeng Xu" userId="e7aed605-a3dd-4d5a-a692-a87037af107b" providerId="ADAL" clId="{69090D41-60B8-4636-A275-1996D027DEDB}" dt="2025-06-03T00:18:40.491" v="6311" actId="14100"/>
-          <ac:spMkLst>
-            <pc:docMk/>
-            <pc:sldMk cId="2994016025" sldId="273"/>
-            <ac:spMk id="18" creationId="{A486D88A-59C0-FECE-D81F-8D081F9BADFF}"/>
-          </ac:spMkLst>
-        </pc:spChg>
-        <pc:spChg chg="add del mod">
-          <ac:chgData name="Weifeng Xu" userId="e7aed605-a3dd-4d5a-a692-a87037af107b" providerId="ADAL" clId="{69090D41-60B8-4636-A275-1996D027DEDB}" dt="2025-06-02T21:12:35.422" v="6037" actId="478"/>
-          <ac:spMkLst>
-            <pc:docMk/>
-            <pc:sldMk cId="2994016025" sldId="273"/>
-            <ac:spMk id="20" creationId="{70F099BF-D9D1-B768-016F-4F2BA2A9CF73}"/>
-          </ac:spMkLst>
-        </pc:spChg>
-        <pc:spChg chg="add mod">
-          <ac:chgData name="Weifeng Xu" userId="e7aed605-a3dd-4d5a-a692-a87037af107b" providerId="ADAL" clId="{69090D41-60B8-4636-A275-1996D027DEDB}" dt="2025-06-03T00:20:05.965" v="6356" actId="207"/>
-          <ac:spMkLst>
-            <pc:docMk/>
-            <pc:sldMk cId="2994016025" sldId="273"/>
-            <ac:spMk id="21" creationId="{E600A070-B39D-D8E9-72B6-0BFB90E3C216}"/>
-          </ac:spMkLst>
-        </pc:spChg>
-        <pc:spChg chg="add mod">
-          <ac:chgData name="Weifeng Xu" userId="e7aed605-a3dd-4d5a-a692-a87037af107b" providerId="ADAL" clId="{69090D41-60B8-4636-A275-1996D027DEDB}" dt="2025-06-03T00:20:17.396" v="6358" actId="14100"/>
-          <ac:spMkLst>
-            <pc:docMk/>
-            <pc:sldMk cId="2994016025" sldId="273"/>
-            <ac:spMk id="23" creationId="{0A29A196-2477-2396-16F5-E79AF0B3DA41}"/>
-          </ac:spMkLst>
-        </pc:spChg>
-        <pc:spChg chg="add mod">
-          <ac:chgData name="Weifeng Xu" userId="e7aed605-a3dd-4d5a-a692-a87037af107b" providerId="ADAL" clId="{69090D41-60B8-4636-A275-1996D027DEDB}" dt="2025-06-03T00:20:19.732" v="6359" actId="14100"/>
-          <ac:spMkLst>
-            <pc:docMk/>
-            <pc:sldMk cId="2994016025" sldId="273"/>
-            <ac:spMk id="24" creationId="{213C9BD1-EA04-1250-4D12-20A5F939B765}"/>
-          </ac:spMkLst>
-        </pc:spChg>
-        <pc:spChg chg="add mod">
-          <ac:chgData name="Weifeng Xu" userId="e7aed605-a3dd-4d5a-a692-a87037af107b" providerId="ADAL" clId="{69090D41-60B8-4636-A275-1996D027DEDB}" dt="2025-06-03T00:20:26.004" v="6361" actId="1076"/>
-          <ac:spMkLst>
-            <pc:docMk/>
-            <pc:sldMk cId="2994016025" sldId="273"/>
-            <ac:spMk id="25" creationId="{37F2D8A6-D6EB-155D-181B-03436B25C59A}"/>
-          </ac:spMkLst>
-        </pc:spChg>
-        <pc:spChg chg="add mod">
-          <ac:chgData name="Weifeng Xu" userId="e7aed605-a3dd-4d5a-a692-a87037af107b" providerId="ADAL" clId="{69090D41-60B8-4636-A275-1996D027DEDB}" dt="2025-06-03T00:20:32.566" v="6363" actId="1076"/>
-          <ac:spMkLst>
-            <pc:docMk/>
-            <pc:sldMk cId="2994016025" sldId="273"/>
-            <ac:spMk id="26" creationId="{61E842C9-1C17-4173-721A-5FE40E560819}"/>
-          </ac:spMkLst>
-        </pc:spChg>
-        <pc:spChg chg="add mod">
-          <ac:chgData name="Weifeng Xu" userId="e7aed605-a3dd-4d5a-a692-a87037af107b" providerId="ADAL" clId="{69090D41-60B8-4636-A275-1996D027DEDB}" dt="2025-06-03T00:20:29.953" v="6362" actId="1076"/>
-          <ac:spMkLst>
-            <pc:docMk/>
-            <pc:sldMk cId="2994016025" sldId="273"/>
-            <ac:spMk id="27" creationId="{4FE886FC-571F-2DC7-3E41-E801209FAEC4}"/>
-          </ac:spMkLst>
-        </pc:spChg>
-        <pc:spChg chg="add mod">
-          <ac:chgData name="Weifeng Xu" userId="e7aed605-a3dd-4d5a-a692-a87037af107b" providerId="ADAL" clId="{69090D41-60B8-4636-A275-1996D027DEDB}" dt="2025-06-03T00:17:55.506" v="6305" actId="1076"/>
-          <ac:spMkLst>
-            <pc:docMk/>
-            <pc:sldMk cId="2994016025" sldId="273"/>
-            <ac:spMk id="28" creationId="{D66F7837-42A5-FFFC-7D7D-3AD89F1D7448}"/>
-          </ac:spMkLst>
-        </pc:spChg>
-        <pc:spChg chg="add mod">
-          <ac:chgData name="Weifeng Xu" userId="e7aed605-a3dd-4d5a-a692-a87037af107b" providerId="ADAL" clId="{69090D41-60B8-4636-A275-1996D027DEDB}" dt="2025-06-03T00:16:27.752" v="6274" actId="1076"/>
-          <ac:spMkLst>
-            <pc:docMk/>
-            <pc:sldMk cId="2994016025" sldId="273"/>
-            <ac:spMk id="30" creationId="{C3A5DEA0-E490-FEA4-03E8-28BF21849BC2}"/>
-          </ac:spMkLst>
-        </pc:spChg>
-        <pc:spChg chg="add mod">
-          <ac:chgData name="Weifeng Xu" userId="e7aed605-a3dd-4d5a-a692-a87037af107b" providerId="ADAL" clId="{69090D41-60B8-4636-A275-1996D027DEDB}" dt="2025-06-03T00:20:37.047" v="6364" actId="1076"/>
-          <ac:spMkLst>
-            <pc:docMk/>
-            <pc:sldMk cId="2994016025" sldId="273"/>
-            <ac:spMk id="31" creationId="{1C1F075D-D1F0-5812-3284-8C20879CF08B}"/>
-          </ac:spMkLst>
-        </pc:spChg>
-        <pc:picChg chg="add mod modCrop">
-          <ac:chgData name="Weifeng Xu" userId="e7aed605-a3dd-4d5a-a692-a87037af107b" providerId="ADAL" clId="{69090D41-60B8-4636-A275-1996D027DEDB}" dt="2025-06-03T00:18:13.953" v="6307" actId="1076"/>
-          <ac:picMkLst>
-            <pc:docMk/>
-            <pc:sldMk cId="2994016025" sldId="273"/>
-            <ac:picMk id="8" creationId="{5F9190EF-2CDB-F82F-AC96-B64E4B5FA9CC}"/>
-          </ac:picMkLst>
-        </pc:picChg>
-        <pc:picChg chg="del mod modCrop">
-          <ac:chgData name="Weifeng Xu" userId="e7aed605-a3dd-4d5a-a692-a87037af107b" providerId="ADAL" clId="{69090D41-60B8-4636-A275-1996D027DEDB}" dt="2025-06-02T21:05:54.314" v="6007" actId="478"/>
-          <ac:picMkLst>
-            <pc:docMk/>
-            <pc:sldMk cId="2994016025" sldId="273"/>
-            <ac:picMk id="9" creationId="{FA8CE187-455F-75F4-F8E8-FE9CF4D8C3F8}"/>
-          </ac:picMkLst>
-        </pc:picChg>
-        <pc:picChg chg="add del mod modCrop">
-          <ac:chgData name="Weifeng Xu" userId="e7aed605-a3dd-4d5a-a692-a87037af107b" providerId="ADAL" clId="{69090D41-60B8-4636-A275-1996D027DEDB}" dt="2025-06-02T21:12:32.663" v="6036" actId="478"/>
-          <ac:picMkLst>
-            <pc:docMk/>
-            <pc:sldMk cId="2994016025" sldId="273"/>
-            <ac:picMk id="19" creationId="{2DD0C426-5B20-1643-9A5B-AAC43B7CDA9D}"/>
-          </ac:picMkLst>
-        </pc:picChg>
-        <pc:picChg chg="add del mod modCrop">
-          <ac:chgData name="Weifeng Xu" userId="e7aed605-a3dd-4d5a-a692-a87037af107b" providerId="ADAL" clId="{69090D41-60B8-4636-A275-1996D027DEDB}" dt="2025-06-02T21:05:57.183" v="6009" actId="478"/>
-          <ac:picMkLst>
-            <pc:docMk/>
-            <pc:sldMk cId="2994016025" sldId="273"/>
-            <ac:picMk id="29" creationId="{8FE5B172-0671-3E21-6BC8-E2A86A90618B}"/>
-          </ac:picMkLst>
-        </pc:picChg>
-        <pc:cxnChg chg="add del mod">
-          <ac:chgData name="Weifeng Xu" userId="e7aed605-a3dd-4d5a-a692-a87037af107b" providerId="ADAL" clId="{69090D41-60B8-4636-A275-1996D027DEDB}" dt="2025-06-02T21:12:35.422" v="6037" actId="478"/>
-          <ac:cxnSpMkLst>
-            <pc:docMk/>
-            <pc:sldMk cId="2994016025" sldId="273"/>
-            <ac:cxnSpMk id="22" creationId="{AD3E06A6-5F34-7860-9DB4-B7735ADA5563}"/>
-          </ac:cxnSpMkLst>
-        </pc:cxnChg>
-      </pc:sldChg>
-      <pc:sldChg chg="addSp modSp new mod">
-        <pc:chgData name="Weifeng Xu" userId="e7aed605-a3dd-4d5a-a692-a87037af107b" providerId="ADAL" clId="{69090D41-60B8-4636-A275-1996D027DEDB}" dt="2025-05-05T01:09:51.415" v="4262" actId="14100"/>
-        <pc:sldMkLst>
-          <pc:docMk/>
-          <pc:sldMk cId="1783593539" sldId="274"/>
-        </pc:sldMkLst>
-        <pc:spChg chg="mod">
-          <ac:chgData name="Weifeng Xu" userId="e7aed605-a3dd-4d5a-a692-a87037af107b" providerId="ADAL" clId="{69090D41-60B8-4636-A275-1996D027DEDB}" dt="2025-05-04T23:53:09.596" v="4048"/>
-          <ac:spMkLst>
-            <pc:docMk/>
-            <pc:sldMk cId="1783593539" sldId="274"/>
-            <ac:spMk id="2" creationId="{FA961FCC-A306-CD61-A13A-C0306BE9A7A6}"/>
-          </ac:spMkLst>
-        </pc:spChg>
-        <pc:spChg chg="add mod">
-          <ac:chgData name="Weifeng Xu" userId="e7aed605-a3dd-4d5a-a692-a87037af107b" providerId="ADAL" clId="{69090D41-60B8-4636-A275-1996D027DEDB}" dt="2025-05-04T21:24:05.943" v="3780" actId="207"/>
-          <ac:spMkLst>
-            <pc:docMk/>
-            <pc:sldMk cId="1783593539" sldId="274"/>
-            <ac:spMk id="5" creationId="{7EE8C5A5-D182-F0E6-B479-4C2184A9FD74}"/>
-          </ac:spMkLst>
-        </pc:spChg>
-        <pc:spChg chg="add mod">
-          <ac:chgData name="Weifeng Xu" userId="e7aed605-a3dd-4d5a-a692-a87037af107b" providerId="ADAL" clId="{69090D41-60B8-4636-A275-1996D027DEDB}" dt="2025-05-05T01:08:03.641" v="4249" actId="1076"/>
-          <ac:spMkLst>
-            <pc:docMk/>
-            <pc:sldMk cId="1783593539" sldId="274"/>
-            <ac:spMk id="9" creationId="{B78EE82E-AFD6-3A62-4FE9-DD348A53F6E7}"/>
-          </ac:spMkLst>
-        </pc:spChg>
-        <pc:spChg chg="add mod">
-          <ac:chgData name="Weifeng Xu" userId="e7aed605-a3dd-4d5a-a692-a87037af107b" providerId="ADAL" clId="{69090D41-60B8-4636-A275-1996D027DEDB}" dt="2025-05-05T01:08:03.641" v="4249" actId="1076"/>
-          <ac:spMkLst>
-            <pc:docMk/>
-            <pc:sldMk cId="1783593539" sldId="274"/>
-            <ac:spMk id="10" creationId="{04140323-A3A7-5C30-11EA-CA0AF684C5F4}"/>
-          </ac:spMkLst>
-        </pc:spChg>
-        <pc:spChg chg="add mod">
-          <ac:chgData name="Weifeng Xu" userId="e7aed605-a3dd-4d5a-a692-a87037af107b" providerId="ADAL" clId="{69090D41-60B8-4636-A275-1996D027DEDB}" dt="2025-05-05T01:07:56.630" v="4247" actId="1076"/>
-          <ac:spMkLst>
-            <pc:docMk/>
-            <pc:sldMk cId="1783593539" sldId="274"/>
-            <ac:spMk id="12" creationId="{A78A459A-8D7A-E30F-8F8A-09B6E28D958E}"/>
-          </ac:spMkLst>
-        </pc:spChg>
-        <pc:spChg chg="add mod">
-          <ac:chgData name="Weifeng Xu" userId="e7aed605-a3dd-4d5a-a692-a87037af107b" providerId="ADAL" clId="{69090D41-60B8-4636-A275-1996D027DEDB}" dt="2025-05-05T01:07:59.176" v="4248" actId="1076"/>
-          <ac:spMkLst>
-            <pc:docMk/>
-            <pc:sldMk cId="1783593539" sldId="274"/>
-            <ac:spMk id="13" creationId="{E9390D29-2243-5859-1625-0FA7B7D71194}"/>
-          </ac:spMkLst>
-        </pc:spChg>
-        <pc:spChg chg="add mod">
-          <ac:chgData name="Weifeng Xu" userId="e7aed605-a3dd-4d5a-a692-a87037af107b" providerId="ADAL" clId="{69090D41-60B8-4636-A275-1996D027DEDB}" dt="2025-05-04T21:23:56.995" v="3779" actId="207"/>
-          <ac:spMkLst>
-            <pc:docMk/>
-            <pc:sldMk cId="1783593539" sldId="274"/>
-            <ac:spMk id="22" creationId="{F97DAC22-4B08-E096-DB28-690CF7866838}"/>
-          </ac:spMkLst>
-        </pc:spChg>
-        <pc:grpChg chg="mod">
-          <ac:chgData name="Weifeng Xu" userId="e7aed605-a3dd-4d5a-a692-a87037af107b" providerId="ADAL" clId="{69090D41-60B8-4636-A275-1996D027DEDB}" dt="2025-05-04T21:21:41.238" v="3757"/>
-          <ac:grpSpMkLst>
-            <pc:docMk/>
-            <pc:sldMk cId="1783593539" sldId="274"/>
-            <ac:grpSpMk id="17" creationId="{1C9FF0F7-AFC9-797F-CCED-375C1F2A99F6}"/>
-          </ac:grpSpMkLst>
-        </pc:grpChg>
-        <pc:grpChg chg="mod">
-          <ac:chgData name="Weifeng Xu" userId="e7aed605-a3dd-4d5a-a692-a87037af107b" providerId="ADAL" clId="{69090D41-60B8-4636-A275-1996D027DEDB}" dt="2025-05-04T21:21:43.211" v="3760"/>
-          <ac:grpSpMkLst>
-            <pc:docMk/>
-            <pc:sldMk cId="1783593539" sldId="274"/>
-            <ac:grpSpMk id="20" creationId="{181D37BA-55EB-FDE2-06FB-4AEE1B3A8CDD}"/>
-          </ac:grpSpMkLst>
-        </pc:grpChg>
-        <pc:picChg chg="add mod">
-          <ac:chgData name="Weifeng Xu" userId="e7aed605-a3dd-4d5a-a692-a87037af107b" providerId="ADAL" clId="{69090D41-60B8-4636-A275-1996D027DEDB}" dt="2025-05-04T21:19:33.141" v="3744" actId="1076"/>
-          <ac:picMkLst>
-            <pc:docMk/>
-            <pc:sldMk cId="1783593539" sldId="274"/>
-            <ac:picMk id="4" creationId="{9940384F-298F-AFA5-C8C1-7B7EDDBED7B8}"/>
-          </ac:picMkLst>
-        </pc:picChg>
-        <pc:picChg chg="add mod">
-          <ac:chgData name="Weifeng Xu" userId="e7aed605-a3dd-4d5a-a692-a87037af107b" providerId="ADAL" clId="{69090D41-60B8-4636-A275-1996D027DEDB}" dt="2025-05-05T01:08:03.641" v="4249" actId="1076"/>
-          <ac:picMkLst>
-            <pc:docMk/>
-            <pc:sldMk cId="1783593539" sldId="274"/>
-            <ac:picMk id="7" creationId="{5B49EAEC-4C9E-A6E6-C1C2-AB190D8232F4}"/>
-          </ac:picMkLst>
-        </pc:picChg>
-        <pc:picChg chg="add mod">
-          <ac:chgData name="Weifeng Xu" userId="e7aed605-a3dd-4d5a-a692-a87037af107b" providerId="ADAL" clId="{69090D41-60B8-4636-A275-1996D027DEDB}" dt="2025-05-04T21:18:40.938" v="3719" actId="1076"/>
-          <ac:picMkLst>
-            <pc:docMk/>
-            <pc:sldMk cId="1783593539" sldId="274"/>
-            <ac:picMk id="14" creationId="{4ECF63CD-2CC1-2244-0AC2-0C4AA42F1D5C}"/>
-          </ac:picMkLst>
-        </pc:picChg>
-        <pc:picChg chg="add mod">
-          <ac:chgData name="Weifeng Xu" userId="e7aed605-a3dd-4d5a-a692-a87037af107b" providerId="ADAL" clId="{69090D41-60B8-4636-A275-1996D027DEDB}" dt="2025-05-05T01:08:48.219" v="4254" actId="14100"/>
-          <ac:picMkLst>
-            <pc:docMk/>
-            <pc:sldMk cId="1783593539" sldId="274"/>
-            <ac:picMk id="24" creationId="{4BEE0A65-C3FB-B6DC-B7F6-D4168DD7B211}"/>
-          </ac:picMkLst>
-        </pc:picChg>
-        <pc:picChg chg="add mod modCrop">
-          <ac:chgData name="Weifeng Xu" userId="e7aed605-a3dd-4d5a-a692-a87037af107b" providerId="ADAL" clId="{69090D41-60B8-4636-A275-1996D027DEDB}" dt="2025-05-05T01:09:51.415" v="4262" actId="14100"/>
-          <ac:picMkLst>
-            <pc:docMk/>
-            <pc:sldMk cId="1783593539" sldId="274"/>
-            <ac:picMk id="26" creationId="{BBBE18A3-AD32-9161-0BBF-E39AE40FF123}"/>
-          </ac:picMkLst>
-        </pc:picChg>
-        <pc:inkChg chg="add mod">
-          <ac:chgData name="Weifeng Xu" userId="e7aed605-a3dd-4d5a-a692-a87037af107b" providerId="ADAL" clId="{69090D41-60B8-4636-A275-1996D027DEDB}" dt="2025-05-04T21:21:41.238" v="3757"/>
-          <ac:inkMkLst>
-            <pc:docMk/>
-            <pc:sldMk cId="1783593539" sldId="274"/>
-            <ac:inkMk id="15" creationId="{D6BE754B-F603-9547-AFDC-33EF30080059}"/>
-          </ac:inkMkLst>
-        </pc:inkChg>
-        <pc:inkChg chg="add mod">
-          <ac:chgData name="Weifeng Xu" userId="e7aed605-a3dd-4d5a-a692-a87037af107b" providerId="ADAL" clId="{69090D41-60B8-4636-A275-1996D027DEDB}" dt="2025-05-04T21:21:41.238" v="3757"/>
-          <ac:inkMkLst>
-            <pc:docMk/>
-            <pc:sldMk cId="1783593539" sldId="274"/>
-            <ac:inkMk id="16" creationId="{7DA3EE21-6682-A53C-2F98-83D2704E6564}"/>
-          </ac:inkMkLst>
-        </pc:inkChg>
-        <pc:inkChg chg="add mod">
-          <ac:chgData name="Weifeng Xu" userId="e7aed605-a3dd-4d5a-a692-a87037af107b" providerId="ADAL" clId="{69090D41-60B8-4636-A275-1996D027DEDB}" dt="2025-05-04T21:21:43.211" v="3760"/>
-          <ac:inkMkLst>
-            <pc:docMk/>
-            <pc:sldMk cId="1783593539" sldId="274"/>
-            <ac:inkMk id="18" creationId="{A92B72D9-D3BE-C779-E0B7-5FDF90E485AD}"/>
-          </ac:inkMkLst>
-        </pc:inkChg>
-        <pc:inkChg chg="add mod">
-          <ac:chgData name="Weifeng Xu" userId="e7aed605-a3dd-4d5a-a692-a87037af107b" providerId="ADAL" clId="{69090D41-60B8-4636-A275-1996D027DEDB}" dt="2025-05-04T21:21:43.211" v="3760"/>
-          <ac:inkMkLst>
-            <pc:docMk/>
-            <pc:sldMk cId="1783593539" sldId="274"/>
-            <ac:inkMk id="19" creationId="{2FD89097-DCCC-CF1A-F53E-3E0635A96B63}"/>
-          </ac:inkMkLst>
-        </pc:inkChg>
-      </pc:sldChg>
-      <pc:sldChg chg="addSp delSp modSp new mod modClrScheme chgLayout">
-        <pc:chgData name="Weifeng Xu" userId="e7aed605-a3dd-4d5a-a692-a87037af107b" providerId="ADAL" clId="{69090D41-60B8-4636-A275-1996D027DEDB}" dt="2025-05-04T23:50:17.691" v="4037" actId="1076"/>
-        <pc:sldMkLst>
-          <pc:docMk/>
-          <pc:sldMk cId="1245700757" sldId="275"/>
-        </pc:sldMkLst>
-        <pc:picChg chg="add mod">
-          <ac:chgData name="Weifeng Xu" userId="e7aed605-a3dd-4d5a-a692-a87037af107b" providerId="ADAL" clId="{69090D41-60B8-4636-A275-1996D027DEDB}" dt="2025-05-04T23:50:17.691" v="4037" actId="1076"/>
-          <ac:picMkLst>
-            <pc:docMk/>
-            <pc:sldMk cId="1245700757" sldId="275"/>
-            <ac:picMk id="4" creationId="{BF10DEA5-F95A-BF6D-C367-1521B702325C}"/>
-          </ac:picMkLst>
-        </pc:picChg>
-      </pc:sldChg>
-      <pc:sldChg chg="addSp modSp new mod modClrScheme chgLayout">
-        <pc:chgData name="Weifeng Xu" userId="e7aed605-a3dd-4d5a-a692-a87037af107b" providerId="ADAL" clId="{69090D41-60B8-4636-A275-1996D027DEDB}" dt="2025-05-05T01:16:32.042" v="4267"/>
-        <pc:sldMkLst>
-          <pc:docMk/>
-          <pc:sldMk cId="495228592" sldId="276"/>
-        </pc:sldMkLst>
-        <pc:spChg chg="add mod">
-          <ac:chgData name="Weifeng Xu" userId="e7aed605-a3dd-4d5a-a692-a87037af107b" providerId="ADAL" clId="{69090D41-60B8-4636-A275-1996D027DEDB}" dt="2025-05-05T01:16:13.071" v="4266" actId="6549"/>
-          <ac:spMkLst>
-            <pc:docMk/>
-            <pc:sldMk cId="495228592" sldId="276"/>
-            <ac:spMk id="2" creationId="{05EE78BB-519C-86FD-511B-DE62EAFF1CC2}"/>
-          </ac:spMkLst>
-        </pc:spChg>
-        <pc:spChg chg="add mod">
-          <ac:chgData name="Weifeng Xu" userId="e7aed605-a3dd-4d5a-a692-a87037af107b" providerId="ADAL" clId="{69090D41-60B8-4636-A275-1996D027DEDB}" dt="2025-05-05T01:16:32.042" v="4267"/>
-          <ac:spMkLst>
-            <pc:docMk/>
-            <pc:sldMk cId="495228592" sldId="276"/>
-            <ac:spMk id="3" creationId="{606AF7ED-2A7B-ABF1-133B-A3C8E9F6AC68}"/>
-          </ac:spMkLst>
-        </pc:spChg>
-      </pc:sldChg>
-      <pc:sldChg chg="addSp delSp modSp new mod modClrScheme chgLayout">
-        <pc:chgData name="Weifeng Xu" userId="e7aed605-a3dd-4d5a-a692-a87037af107b" providerId="ADAL" clId="{69090D41-60B8-4636-A275-1996D027DEDB}" dt="2025-05-05T01:25:53.851" v="4328" actId="1076"/>
-        <pc:sldMkLst>
-          <pc:docMk/>
-          <pc:sldMk cId="3629368376" sldId="277"/>
-        </pc:sldMkLst>
-        <pc:spChg chg="add del mod ord">
-          <ac:chgData name="Weifeng Xu" userId="e7aed605-a3dd-4d5a-a692-a87037af107b" providerId="ADAL" clId="{69090D41-60B8-4636-A275-1996D027DEDB}" dt="2025-05-05T01:19:14.894" v="4305"/>
-          <ac:spMkLst>
-            <pc:docMk/>
-            <pc:sldMk cId="3629368376" sldId="277"/>
-            <ac:spMk id="4" creationId="{78DE5A5C-2BEA-53EE-62A6-79CEBC804C34}"/>
-          </ac:spMkLst>
-        </pc:spChg>
-        <pc:spChg chg="add mod">
-          <ac:chgData name="Weifeng Xu" userId="e7aed605-a3dd-4d5a-a692-a87037af107b" providerId="ADAL" clId="{69090D41-60B8-4636-A275-1996D027DEDB}" dt="2025-05-05T01:25:49.230" v="4327" actId="207"/>
-          <ac:spMkLst>
-            <pc:docMk/>
-            <pc:sldMk cId="3629368376" sldId="277"/>
-            <ac:spMk id="13" creationId="{37FA6BE3-3B85-A390-6584-2C7884915F61}"/>
-          </ac:spMkLst>
-        </pc:spChg>
-        <pc:picChg chg="add mod">
-          <ac:chgData name="Weifeng Xu" userId="e7aed605-a3dd-4d5a-a692-a87037af107b" providerId="ADAL" clId="{69090D41-60B8-4636-A275-1996D027DEDB}" dt="2025-05-05T01:25:53.851" v="4328" actId="1076"/>
-          <ac:picMkLst>
-            <pc:docMk/>
-            <pc:sldMk cId="3629368376" sldId="277"/>
-            <ac:picMk id="11" creationId="{ECC42EAF-B437-09A6-8D3D-80D9C0EDC8B4}"/>
-          </ac:picMkLst>
-        </pc:picChg>
-        <pc:picChg chg="add mod">
-          <ac:chgData name="Weifeng Xu" userId="e7aed605-a3dd-4d5a-a692-a87037af107b" providerId="ADAL" clId="{69090D41-60B8-4636-A275-1996D027DEDB}" dt="2025-05-05T01:25:32.786" v="4323" actId="1076"/>
-          <ac:picMkLst>
-            <pc:docMk/>
-            <pc:sldMk cId="3629368376" sldId="277"/>
-            <ac:picMk id="7170" creationId="{9939C3CF-F287-FD7F-6342-6E44F6F67D74}"/>
-          </ac:picMkLst>
-        </pc:picChg>
-      </pc:sldChg>
-      <pc:sldChg chg="addSp delSp modSp new mod modClrScheme chgLayout">
-        <pc:chgData name="Weifeng Xu" userId="e7aed605-a3dd-4d5a-a692-a87037af107b" providerId="ADAL" clId="{69090D41-60B8-4636-A275-1996D027DEDB}" dt="2025-05-05T01:32:44.557" v="4331"/>
-        <pc:sldMkLst>
-          <pc:docMk/>
-          <pc:sldMk cId="1472723351" sldId="278"/>
-        </pc:sldMkLst>
-        <pc:spChg chg="add mod ord">
-          <ac:chgData name="Weifeng Xu" userId="e7aed605-a3dd-4d5a-a692-a87037af107b" providerId="ADAL" clId="{69090D41-60B8-4636-A275-1996D027DEDB}" dt="2025-05-05T01:32:44.557" v="4331"/>
-          <ac:spMkLst>
-            <pc:docMk/>
-            <pc:sldMk cId="1472723351" sldId="278"/>
-            <ac:spMk id="3" creationId="{78287D52-35B6-0CF8-6F95-5C063852C261}"/>
-          </ac:spMkLst>
-        </pc:spChg>
-        <pc:spChg chg="add mod ord">
-          <ac:chgData name="Weifeng Xu" userId="e7aed605-a3dd-4d5a-a692-a87037af107b" providerId="ADAL" clId="{69090D41-60B8-4636-A275-1996D027DEDB}" dt="2025-05-05T01:32:41.391" v="4330" actId="700"/>
-          <ac:spMkLst>
-            <pc:docMk/>
-            <pc:sldMk cId="1472723351" sldId="278"/>
-            <ac:spMk id="4" creationId="{360DA14D-F7C3-EE03-8532-6A311AFC313B}"/>
-          </ac:spMkLst>
-        </pc:spChg>
-      </pc:sldChg>
-      <pc:sldChg chg="addSp delSp modSp new del mod modClrScheme chgLayout">
-        <pc:chgData name="Weifeng Xu" userId="e7aed605-a3dd-4d5a-a692-a87037af107b" providerId="ADAL" clId="{69090D41-60B8-4636-A275-1996D027DEDB}" dt="2025-05-05T01:44:35.522" v="4366" actId="47"/>
-        <pc:sldMkLst>
-          <pc:docMk/>
-          <pc:sldMk cId="1885935106" sldId="279"/>
-        </pc:sldMkLst>
-      </pc:sldChg>
-      <pc:sldChg chg="addSp delSp modSp new mod modClrScheme chgLayout">
-        <pc:chgData name="Weifeng Xu" userId="e7aed605-a3dd-4d5a-a692-a87037af107b" providerId="ADAL" clId="{69090D41-60B8-4636-A275-1996D027DEDB}" dt="2025-05-05T01:40:17.329" v="4347" actId="14100"/>
-        <pc:sldMkLst>
-          <pc:docMk/>
-          <pc:sldMk cId="545826806" sldId="280"/>
-        </pc:sldMkLst>
-        <pc:spChg chg="add mod">
-          <ac:chgData name="Weifeng Xu" userId="e7aed605-a3dd-4d5a-a692-a87037af107b" providerId="ADAL" clId="{69090D41-60B8-4636-A275-1996D027DEDB}" dt="2025-05-05T01:40:17.329" v="4347" actId="14100"/>
-          <ac:spMkLst>
-            <pc:docMk/>
-            <pc:sldMk cId="545826806" sldId="280"/>
-            <ac:spMk id="5" creationId="{4E39BB3D-B79B-AFD4-E6B8-3B02084EEF65}"/>
-          </ac:spMkLst>
-        </pc:spChg>
-        <pc:picChg chg="add mod">
-          <ac:chgData name="Weifeng Xu" userId="e7aed605-a3dd-4d5a-a692-a87037af107b" providerId="ADAL" clId="{69090D41-60B8-4636-A275-1996D027DEDB}" dt="2025-05-05T01:40:02.152" v="4343" actId="1076"/>
-          <ac:picMkLst>
-            <pc:docMk/>
-            <pc:sldMk cId="545826806" sldId="280"/>
-            <ac:picMk id="10242" creationId="{1343F3F4-E3B1-3117-3F37-E0CF745DFFA4}"/>
-          </ac:picMkLst>
-        </pc:picChg>
-      </pc:sldChg>
-      <pc:sldChg chg="addSp modSp new mod modClrScheme chgLayout">
-        <pc:chgData name="Weifeng Xu" userId="e7aed605-a3dd-4d5a-a692-a87037af107b" providerId="ADAL" clId="{69090D41-60B8-4636-A275-1996D027DEDB}" dt="2025-05-05T01:42:07.354" v="4356" actId="207"/>
-        <pc:sldMkLst>
-          <pc:docMk/>
-          <pc:sldMk cId="1846476847" sldId="281"/>
-        </pc:sldMkLst>
-        <pc:spChg chg="add mod">
-          <ac:chgData name="Weifeng Xu" userId="e7aed605-a3dd-4d5a-a692-a87037af107b" providerId="ADAL" clId="{69090D41-60B8-4636-A275-1996D027DEDB}" dt="2025-05-05T01:41:20.162" v="4350"/>
-          <ac:spMkLst>
-            <pc:docMk/>
-            <pc:sldMk cId="1846476847" sldId="281"/>
-            <ac:spMk id="2" creationId="{96D7FC87-E36A-D83A-96C4-A01CC08B16F6}"/>
-          </ac:spMkLst>
-        </pc:spChg>
-        <pc:spChg chg="add mod">
-          <ac:chgData name="Weifeng Xu" userId="e7aed605-a3dd-4d5a-a692-a87037af107b" providerId="ADAL" clId="{69090D41-60B8-4636-A275-1996D027DEDB}" dt="2025-05-05T01:42:07.354" v="4356" actId="207"/>
-          <ac:spMkLst>
-            <pc:docMk/>
-            <pc:sldMk cId="1846476847" sldId="281"/>
-            <ac:spMk id="3" creationId="{78F9E78F-53B4-E732-923B-ECCB30D08BED}"/>
-          </ac:spMkLst>
-        </pc:spChg>
-      </pc:sldChg>
-      <pc:sldChg chg="addSp delSp modSp new mod modClrScheme chgLayout">
-        <pc:chgData name="Weifeng Xu" userId="e7aed605-a3dd-4d5a-a692-a87037af107b" providerId="ADAL" clId="{69090D41-60B8-4636-A275-1996D027DEDB}" dt="2025-05-05T01:43:32.678" v="4364" actId="14100"/>
-        <pc:sldMkLst>
-          <pc:docMk/>
-          <pc:sldMk cId="1740457000" sldId="282"/>
-        </pc:sldMkLst>
-        <pc:picChg chg="add mod">
-          <ac:chgData name="Weifeng Xu" userId="e7aed605-a3dd-4d5a-a692-a87037af107b" providerId="ADAL" clId="{69090D41-60B8-4636-A275-1996D027DEDB}" dt="2025-05-05T01:43:32.678" v="4364" actId="14100"/>
-          <ac:picMkLst>
-            <pc:docMk/>
-            <pc:sldMk cId="1740457000" sldId="282"/>
-            <ac:picMk id="5" creationId="{B1E92E06-8E6E-750D-CDA6-9714052C3FF6}"/>
-          </ac:picMkLst>
-        </pc:picChg>
-      </pc:sldChg>
-      <pc:sldChg chg="addSp delSp modSp new mod modClrScheme chgLayout">
-        <pc:chgData name="Weifeng Xu" userId="e7aed605-a3dd-4d5a-a692-a87037af107b" providerId="ADAL" clId="{69090D41-60B8-4636-A275-1996D027DEDB}" dt="2025-05-05T01:56:58.333" v="4492" actId="20577"/>
-        <pc:sldMkLst>
-          <pc:docMk/>
-          <pc:sldMk cId="1312178182" sldId="283"/>
-        </pc:sldMkLst>
-        <pc:spChg chg="add mod">
-          <ac:chgData name="Weifeng Xu" userId="e7aed605-a3dd-4d5a-a692-a87037af107b" providerId="ADAL" clId="{69090D41-60B8-4636-A275-1996D027DEDB}" dt="2025-05-05T01:45:10.895" v="4392" actId="20577"/>
-          <ac:spMkLst>
-            <pc:docMk/>
-            <pc:sldMk cId="1312178182" sldId="283"/>
-            <ac:spMk id="2" creationId="{3A7D6A03-A22D-46EE-F960-A431154FCEC2}"/>
-          </ac:spMkLst>
-        </pc:spChg>
-        <pc:spChg chg="add del mod">
-          <ac:chgData name="Weifeng Xu" userId="e7aed605-a3dd-4d5a-a692-a87037af107b" providerId="ADAL" clId="{69090D41-60B8-4636-A275-1996D027DEDB}" dt="2025-05-05T01:56:58.333" v="4492" actId="20577"/>
-          <ac:spMkLst>
-            <pc:docMk/>
-            <pc:sldMk cId="1312178182" sldId="283"/>
-            <ac:spMk id="3" creationId="{3E281087-FD8D-D04A-DEA2-DB7F598F989B}"/>
-          </ac:spMkLst>
-        </pc:spChg>
-      </pc:sldChg>
-      <pc:sldChg chg="addSp delSp modSp new mod">
-        <pc:chgData name="Weifeng Xu" userId="e7aed605-a3dd-4d5a-a692-a87037af107b" providerId="ADAL" clId="{69090D41-60B8-4636-A275-1996D027DEDB}" dt="2025-05-05T02:01:40.995" v="4514" actId="1076"/>
-        <pc:sldMkLst>
-          <pc:docMk/>
-          <pc:sldMk cId="383624214" sldId="284"/>
-        </pc:sldMkLst>
-        <pc:spChg chg="mod">
-          <ac:chgData name="Weifeng Xu" userId="e7aed605-a3dd-4d5a-a692-a87037af107b" providerId="ADAL" clId="{69090D41-60B8-4636-A275-1996D027DEDB}" dt="2025-05-05T01:57:48.053" v="4494"/>
-          <ac:spMkLst>
-            <pc:docMk/>
-            <pc:sldMk cId="383624214" sldId="284"/>
-            <ac:spMk id="2" creationId="{85BC1A98-0533-672A-1569-25B4C9F7CB0A}"/>
-          </ac:spMkLst>
-        </pc:spChg>
-        <pc:spChg chg="mod">
-          <ac:chgData name="Weifeng Xu" userId="e7aed605-a3dd-4d5a-a692-a87037af107b" providerId="ADAL" clId="{69090D41-60B8-4636-A275-1996D027DEDB}" dt="2025-05-05T01:58:17.221" v="4498" actId="14100"/>
-          <ac:spMkLst>
-            <pc:docMk/>
-            <pc:sldMk cId="383624214" sldId="284"/>
-            <ac:spMk id="3" creationId="{72B03BB4-FD0C-BA6C-A3FA-E279216A4430}"/>
-          </ac:spMkLst>
-        </pc:spChg>
-        <pc:picChg chg="add mod">
-          <ac:chgData name="Weifeng Xu" userId="e7aed605-a3dd-4d5a-a692-a87037af107b" providerId="ADAL" clId="{69090D41-60B8-4636-A275-1996D027DEDB}" dt="2025-05-05T02:01:40.995" v="4514" actId="1076"/>
-          <ac:picMkLst>
-            <pc:docMk/>
-            <pc:sldMk cId="383624214" sldId="284"/>
-            <ac:picMk id="7" creationId="{6F5E78A8-A985-6229-2C39-B54A76021699}"/>
-          </ac:picMkLst>
-        </pc:picChg>
-      </pc:sldChg>
-      <pc:sldChg chg="modSp new mod">
-        <pc:chgData name="Weifeng Xu" userId="e7aed605-a3dd-4d5a-a692-a87037af107b" providerId="ADAL" clId="{69090D41-60B8-4636-A275-1996D027DEDB}" dt="2025-05-05T01:59:56.660" v="4513"/>
-        <pc:sldMkLst>
-          <pc:docMk/>
-          <pc:sldMk cId="3552171113" sldId="285"/>
-        </pc:sldMkLst>
-        <pc:spChg chg="mod">
-          <ac:chgData name="Weifeng Xu" userId="e7aed605-a3dd-4d5a-a692-a87037af107b" providerId="ADAL" clId="{69090D41-60B8-4636-A275-1996D027DEDB}" dt="2025-05-05T01:59:39.623" v="4512" actId="20577"/>
-          <ac:spMkLst>
-            <pc:docMk/>
-            <pc:sldMk cId="3552171113" sldId="285"/>
-            <ac:spMk id="2" creationId="{53196785-2E4F-2843-F302-C1DA79193394}"/>
-          </ac:spMkLst>
-        </pc:spChg>
-        <pc:spChg chg="mod">
-          <ac:chgData name="Weifeng Xu" userId="e7aed605-a3dd-4d5a-a692-a87037af107b" providerId="ADAL" clId="{69090D41-60B8-4636-A275-1996D027DEDB}" dt="2025-05-05T01:59:56.660" v="4513"/>
-          <ac:spMkLst>
-            <pc:docMk/>
-            <pc:sldMk cId="3552171113" sldId="285"/>
-            <ac:spMk id="3" creationId="{4977BAF4-F7D6-CE1D-1AE7-5E273BABDE53}"/>
-          </ac:spMkLst>
-        </pc:spChg>
-      </pc:sldChg>
-      <pc:sldChg chg="modSp add mod ord">
-        <pc:chgData name="Weifeng Xu" userId="e7aed605-a3dd-4d5a-a692-a87037af107b" providerId="ADAL" clId="{69090D41-60B8-4636-A275-1996D027DEDB}" dt="2025-06-02T21:07:53.346" v="6026" actId="20577"/>
-        <pc:sldMkLst>
-          <pc:docMk/>
-          <pc:sldMk cId="263890869" sldId="286"/>
-        </pc:sldMkLst>
-        <pc:spChg chg="mod">
-          <ac:chgData name="Weifeng Xu" userId="e7aed605-a3dd-4d5a-a692-a87037af107b" providerId="ADAL" clId="{69090D41-60B8-4636-A275-1996D027DEDB}" dt="2025-06-02T21:07:53.346" v="6026" actId="20577"/>
-          <ac:spMkLst>
-            <pc:docMk/>
-            <pc:sldMk cId="263890869" sldId="286"/>
-            <ac:spMk id="4" creationId="{B09E384C-5E82-114F-F713-B73A92B6F546}"/>
-          </ac:spMkLst>
-        </pc:spChg>
-      </pc:sldChg>
-      <pc:sldChg chg="modSp add mod ord">
-        <pc:chgData name="Weifeng Xu" userId="e7aed605-a3dd-4d5a-a692-a87037af107b" providerId="ADAL" clId="{69090D41-60B8-4636-A275-1996D027DEDB}" dt="2025-06-02T21:07:44.173" v="6018"/>
-        <pc:sldMkLst>
-          <pc:docMk/>
-          <pc:sldMk cId="3686400147" sldId="287"/>
-        </pc:sldMkLst>
-        <pc:spChg chg="mod">
-          <ac:chgData name="Weifeng Xu" userId="e7aed605-a3dd-4d5a-a692-a87037af107b" providerId="ADAL" clId="{69090D41-60B8-4636-A275-1996D027DEDB}" dt="2025-06-02T21:07:44.173" v="6018"/>
-          <ac:spMkLst>
-            <pc:docMk/>
-            <pc:sldMk cId="3686400147" sldId="287"/>
-            <ac:spMk id="4" creationId="{B9384A85-E0A3-5177-1E71-0E53589F9F30}"/>
-          </ac:spMkLst>
-        </pc:spChg>
-        <pc:spChg chg="mod">
-          <ac:chgData name="Weifeng Xu" userId="e7aed605-a3dd-4d5a-a692-a87037af107b" providerId="ADAL" clId="{69090D41-60B8-4636-A275-1996D027DEDB}" dt="2025-06-02T19:05:56.955" v="4594" actId="20577"/>
-          <ac:spMkLst>
-            <pc:docMk/>
-            <pc:sldMk cId="3686400147" sldId="287"/>
-            <ac:spMk id="5" creationId="{68C9196E-3E3A-E041-D3D4-9EB8875A31CF}"/>
-          </ac:spMkLst>
-        </pc:spChg>
-      </pc:sldChg>
-      <pc:sldChg chg="addSp delSp modSp new mod modClrScheme chgLayout">
-        <pc:chgData name="Weifeng Xu" userId="e7aed605-a3dd-4d5a-a692-a87037af107b" providerId="ADAL" clId="{69090D41-60B8-4636-A275-1996D027DEDB}" dt="2025-06-02T20:58:45.855" v="5996" actId="14734"/>
-        <pc:sldMkLst>
-          <pc:docMk/>
-          <pc:sldMk cId="1807367971" sldId="288"/>
-        </pc:sldMkLst>
-        <pc:spChg chg="del mod ord">
-          <ac:chgData name="Weifeng Xu" userId="e7aed605-a3dd-4d5a-a692-a87037af107b" providerId="ADAL" clId="{69090D41-60B8-4636-A275-1996D027DEDB}" dt="2025-06-02T19:08:47.048" v="4637" actId="700"/>
-          <ac:spMkLst>
-            <pc:docMk/>
-            <pc:sldMk cId="1807367971" sldId="288"/>
-            <ac:spMk id="2" creationId="{AEB1082A-F847-818B-C80A-739E90F41BAA}"/>
-          </ac:spMkLst>
-        </pc:spChg>
-        <pc:spChg chg="del mod ord">
-          <ac:chgData name="Weifeng Xu" userId="e7aed605-a3dd-4d5a-a692-a87037af107b" providerId="ADAL" clId="{69090D41-60B8-4636-A275-1996D027DEDB}" dt="2025-06-02T19:08:47.048" v="4637" actId="700"/>
-          <ac:spMkLst>
-            <pc:docMk/>
-            <pc:sldMk cId="1807367971" sldId="288"/>
-            <ac:spMk id="3" creationId="{9F31DD02-64E6-0088-7D47-468D728118E4}"/>
-          </ac:spMkLst>
-        </pc:spChg>
-        <pc:spChg chg="add del mod ord">
-          <ac:chgData name="Weifeng Xu" userId="e7aed605-a3dd-4d5a-a692-a87037af107b" providerId="ADAL" clId="{69090D41-60B8-4636-A275-1996D027DEDB}" dt="2025-06-02T19:13:14.922" v="4713" actId="700"/>
-          <ac:spMkLst>
-            <pc:docMk/>
-            <pc:sldMk cId="1807367971" sldId="288"/>
-            <ac:spMk id="4" creationId="{C4DA332D-6229-E3B5-3BA1-04F09F711965}"/>
-          </ac:spMkLst>
-        </pc:spChg>
-        <pc:spChg chg="add del mod ord">
-          <ac:chgData name="Weifeng Xu" userId="e7aed605-a3dd-4d5a-a692-a87037af107b" providerId="ADAL" clId="{69090D41-60B8-4636-A275-1996D027DEDB}" dt="2025-06-02T19:13:14.922" v="4713" actId="700"/>
-          <ac:spMkLst>
-            <pc:docMk/>
-            <pc:sldMk cId="1807367971" sldId="288"/>
-            <ac:spMk id="5" creationId="{FD4FC434-1C49-3808-4972-B733A3405908}"/>
-          </ac:spMkLst>
-        </pc:spChg>
-        <pc:spChg chg="add mod">
-          <ac:chgData name="Weifeng Xu" userId="e7aed605-a3dd-4d5a-a692-a87037af107b" providerId="ADAL" clId="{69090D41-60B8-4636-A275-1996D027DEDB}" dt="2025-06-02T19:25:45.911" v="5023" actId="1076"/>
-          <ac:spMkLst>
-            <pc:docMk/>
-            <pc:sldMk cId="1807367971" sldId="288"/>
-            <ac:spMk id="6" creationId="{19FC117B-5F48-27FF-6BCD-F66A9019D887}"/>
-          </ac:spMkLst>
-        </pc:spChg>
-        <pc:spChg chg="add del mod">
-          <ac:chgData name="Weifeng Xu" userId="e7aed605-a3dd-4d5a-a692-a87037af107b" providerId="ADAL" clId="{69090D41-60B8-4636-A275-1996D027DEDB}" dt="2025-06-02T19:22:53.430" v="4871" actId="478"/>
-          <ac:spMkLst>
-            <pc:docMk/>
-            <pc:sldMk cId="1807367971" sldId="288"/>
-            <ac:spMk id="7" creationId="{E882984D-49F6-F1D2-F8AD-F9838A0D3625}"/>
-          </ac:spMkLst>
-        </pc:spChg>
-        <pc:spChg chg="add mod">
-          <ac:chgData name="Weifeng Xu" userId="e7aed605-a3dd-4d5a-a692-a87037af107b" providerId="ADAL" clId="{69090D41-60B8-4636-A275-1996D027DEDB}" dt="2025-06-02T19:30:56.822" v="5275" actId="1076"/>
-          <ac:spMkLst>
-            <pc:docMk/>
-            <pc:sldMk cId="1807367971" sldId="288"/>
-            <ac:spMk id="8" creationId="{F7BD7984-ABD3-968E-6678-C458FAA6ADD7}"/>
-          </ac:spMkLst>
-        </pc:spChg>
-        <pc:spChg chg="add mod">
-          <ac:chgData name="Weifeng Xu" userId="e7aed605-a3dd-4d5a-a692-a87037af107b" providerId="ADAL" clId="{69090D41-60B8-4636-A275-1996D027DEDB}" dt="2025-06-02T19:31:23.947" v="5282" actId="113"/>
-          <ac:spMkLst>
-            <pc:docMk/>
-            <pc:sldMk cId="1807367971" sldId="288"/>
-            <ac:spMk id="9" creationId="{5A49F3B4-135F-9995-A339-ECDB4628C43A}"/>
-          </ac:spMkLst>
-        </pc:spChg>
-        <pc:spChg chg="add mod">
-          <ac:chgData name="Weifeng Xu" userId="e7aed605-a3dd-4d5a-a692-a87037af107b" providerId="ADAL" clId="{69090D41-60B8-4636-A275-1996D027DEDB}" dt="2025-06-02T19:31:38.255" v="5286" actId="207"/>
-          <ac:spMkLst>
-            <pc:docMk/>
-            <pc:sldMk cId="1807367971" sldId="288"/>
-            <ac:spMk id="10" creationId="{6E48D9BD-372B-939D-9585-A670C4C81391}"/>
-          </ac:spMkLst>
-        </pc:spChg>
-        <pc:spChg chg="add mod">
-          <ac:chgData name="Weifeng Xu" userId="e7aed605-a3dd-4d5a-a692-a87037af107b" providerId="ADAL" clId="{69090D41-60B8-4636-A275-1996D027DEDB}" dt="2025-06-02T19:31:05.798" v="5279" actId="1076"/>
-          <ac:spMkLst>
-            <pc:docMk/>
-            <pc:sldMk cId="1807367971" sldId="288"/>
-            <ac:spMk id="12" creationId="{4148360A-D505-F3FF-B018-2140A5E7875F}"/>
-          </ac:spMkLst>
-        </pc:spChg>
-        <pc:spChg chg="add del mod">
-          <ac:chgData name="Weifeng Xu" userId="e7aed605-a3dd-4d5a-a692-a87037af107b" providerId="ADAL" clId="{69090D41-60B8-4636-A275-1996D027DEDB}" dt="2025-06-02T19:36:11.472" v="5359" actId="478"/>
-          <ac:spMkLst>
-            <pc:docMk/>
-            <pc:sldMk cId="1807367971" sldId="288"/>
-            <ac:spMk id="13" creationId="{07C9F441-E15A-512A-0F49-3C9C764B7EDC}"/>
-          </ac:spMkLst>
-        </pc:spChg>
-        <pc:graphicFrameChg chg="add mod modGraphic">
-          <ac:chgData name="Weifeng Xu" userId="e7aed605-a3dd-4d5a-a692-a87037af107b" providerId="ADAL" clId="{69090D41-60B8-4636-A275-1996D027DEDB}" dt="2025-06-02T20:58:45.855" v="5996" actId="14734"/>
-          <ac:graphicFrameMkLst>
-            <pc:docMk/>
-            <pc:sldMk cId="1807367971" sldId="288"/>
-            <ac:graphicFrameMk id="14" creationId="{52565C83-04E3-5C94-023C-34576D22549E}"/>
-          </ac:graphicFrameMkLst>
-        </pc:graphicFrameChg>
-        <pc:picChg chg="add mod">
-          <ac:chgData name="Weifeng Xu" userId="e7aed605-a3dd-4d5a-a692-a87037af107b" providerId="ADAL" clId="{69090D41-60B8-4636-A275-1996D027DEDB}" dt="2025-06-02T19:30:47.274" v="5273" actId="1076"/>
-          <ac:picMkLst>
-            <pc:docMk/>
-            <pc:sldMk cId="1807367971" sldId="288"/>
-            <ac:picMk id="1026" creationId="{C5BC6A69-E020-0D6E-C300-245C4880DD47}"/>
-          </ac:picMkLst>
-        </pc:picChg>
-        <pc:picChg chg="add del mod">
-          <ac:chgData name="Weifeng Xu" userId="e7aed605-a3dd-4d5a-a692-a87037af107b" providerId="ADAL" clId="{69090D41-60B8-4636-A275-1996D027DEDB}" dt="2025-06-02T19:15:50.908" v="4727" actId="478"/>
-          <ac:picMkLst>
-            <pc:docMk/>
-            <pc:sldMk cId="1807367971" sldId="288"/>
-            <ac:picMk id="1028" creationId="{296B6BD2-E49F-D10E-194C-B3ED6AD7EF87}"/>
-          </ac:picMkLst>
-        </pc:picChg>
-        <pc:picChg chg="add del">
-          <ac:chgData name="Weifeng Xu" userId="e7aed605-a3dd-4d5a-a692-a87037af107b" providerId="ADAL" clId="{69090D41-60B8-4636-A275-1996D027DEDB}" dt="2025-06-02T19:16:01.744" v="4729" actId="478"/>
-          <ac:picMkLst>
-            <pc:docMk/>
-            <pc:sldMk cId="1807367971" sldId="288"/>
-            <ac:picMk id="1030" creationId="{A3231A57-3C16-15BD-AC2B-DDCBA5970C10}"/>
-          </ac:picMkLst>
-        </pc:picChg>
-        <pc:picChg chg="add mod">
-          <ac:chgData name="Weifeng Xu" userId="e7aed605-a3dd-4d5a-a692-a87037af107b" providerId="ADAL" clId="{69090D41-60B8-4636-A275-1996D027DEDB}" dt="2025-06-02T19:25:45.911" v="5023" actId="1076"/>
-          <ac:picMkLst>
-            <pc:docMk/>
-            <pc:sldMk cId="1807367971" sldId="288"/>
-            <ac:picMk id="1032" creationId="{A8F2FD44-3097-5519-BAB0-5100FB692CAD}"/>
-          </ac:picMkLst>
-        </pc:picChg>
-      </pc:sldChg>
-      <pc:sldChg chg="new del">
-        <pc:chgData name="Weifeng Xu" userId="e7aed605-a3dd-4d5a-a692-a87037af107b" providerId="ADAL" clId="{69090D41-60B8-4636-A275-1996D027DEDB}" dt="2025-06-02T19:34:59.050" v="5349" actId="680"/>
-        <pc:sldMkLst>
-          <pc:docMk/>
-          <pc:sldMk cId="2671048077" sldId="289"/>
-        </pc:sldMkLst>
-      </pc:sldChg>
-      <pc:sldChg chg="addSp modSp new mod">
-        <pc:chgData name="Weifeng Xu" userId="e7aed605-a3dd-4d5a-a692-a87037af107b" providerId="ADAL" clId="{69090D41-60B8-4636-A275-1996D027DEDB}" dt="2025-06-02T21:15:56.643" v="6065" actId="113"/>
-        <pc:sldMkLst>
-          <pc:docMk/>
-          <pc:sldMk cId="3779709545" sldId="289"/>
-        </pc:sldMkLst>
-        <pc:spChg chg="add mod">
-          <ac:chgData name="Weifeng Xu" userId="e7aed605-a3dd-4d5a-a692-a87037af107b" providerId="ADAL" clId="{69090D41-60B8-4636-A275-1996D027DEDB}" dt="2025-06-02T19:49:16.397" v="5587" actId="1076"/>
-          <ac:spMkLst>
-            <pc:docMk/>
-            <pc:sldMk cId="3779709545" sldId="289"/>
-            <ac:spMk id="2" creationId="{0C643C25-02D3-FCE9-3FD2-EF04A1C483BC}"/>
-          </ac:spMkLst>
-        </pc:spChg>
-        <pc:spChg chg="add mod">
-          <ac:chgData name="Weifeng Xu" userId="e7aed605-a3dd-4d5a-a692-a87037af107b" providerId="ADAL" clId="{69090D41-60B8-4636-A275-1996D027DEDB}" dt="2025-06-02T19:56:47.700" v="5801" actId="1076"/>
-          <ac:spMkLst>
-            <pc:docMk/>
-            <pc:sldMk cId="3779709545" sldId="289"/>
-            <ac:spMk id="3" creationId="{02E99F81-0325-DBEC-E7C5-4FA6ACEE1D01}"/>
-          </ac:spMkLst>
-        </pc:spChg>
-        <pc:spChg chg="add mod">
-          <ac:chgData name="Weifeng Xu" userId="e7aed605-a3dd-4d5a-a692-a87037af107b" providerId="ADAL" clId="{69090D41-60B8-4636-A275-1996D027DEDB}" dt="2025-06-02T21:14:02.567" v="6045" actId="207"/>
-          <ac:spMkLst>
-            <pc:docMk/>
-            <pc:sldMk cId="3779709545" sldId="289"/>
-            <ac:spMk id="4" creationId="{7AA7506C-E141-CB27-23E2-72A837BAC968}"/>
-          </ac:spMkLst>
-        </pc:spChg>
-        <pc:spChg chg="add mod">
-          <ac:chgData name="Weifeng Xu" userId="e7aed605-a3dd-4d5a-a692-a87037af107b" providerId="ADAL" clId="{69090D41-60B8-4636-A275-1996D027DEDB}" dt="2025-06-02T21:14:11.011" v="6046" actId="207"/>
-          <ac:spMkLst>
-            <pc:docMk/>
-            <pc:sldMk cId="3779709545" sldId="289"/>
-            <ac:spMk id="5" creationId="{B42D2810-FB40-4134-9319-BF39A5858364}"/>
-          </ac:spMkLst>
-        </pc:spChg>
-        <pc:spChg chg="add mod">
-          <ac:chgData name="Weifeng Xu" userId="e7aed605-a3dd-4d5a-a692-a87037af107b" providerId="ADAL" clId="{69090D41-60B8-4636-A275-1996D027DEDB}" dt="2025-06-02T20:01:54.861" v="5861" actId="1076"/>
-          <ac:spMkLst>
-            <pc:docMk/>
-            <pc:sldMk cId="3779709545" sldId="289"/>
-            <ac:spMk id="7" creationId="{8285E031-EF52-E40F-3BF3-0D1DBCBB439B}"/>
-          </ac:spMkLst>
-        </pc:spChg>
-        <pc:spChg chg="add mod">
-          <ac:chgData name="Weifeng Xu" userId="e7aed605-a3dd-4d5a-a692-a87037af107b" providerId="ADAL" clId="{69090D41-60B8-4636-A275-1996D027DEDB}" dt="2025-06-02T20:01:54.861" v="5861" actId="1076"/>
-          <ac:spMkLst>
-            <pc:docMk/>
-            <pc:sldMk cId="3779709545" sldId="289"/>
-            <ac:spMk id="8" creationId="{A8442563-8A10-64C4-27AA-F6C824CC35B9}"/>
-          </ac:spMkLst>
-        </pc:spChg>
-        <pc:spChg chg="add mod">
-          <ac:chgData name="Weifeng Xu" userId="e7aed605-a3dd-4d5a-a692-a87037af107b" providerId="ADAL" clId="{69090D41-60B8-4636-A275-1996D027DEDB}" dt="2025-06-02T20:01:54.861" v="5861" actId="1076"/>
-          <ac:spMkLst>
-            <pc:docMk/>
-            <pc:sldMk cId="3779709545" sldId="289"/>
-            <ac:spMk id="9" creationId="{D7EC7BB6-A8AE-889A-DF38-BCF132A03538}"/>
-          </ac:spMkLst>
-        </pc:spChg>
-        <pc:spChg chg="add mod">
-          <ac:chgData name="Weifeng Xu" userId="e7aed605-a3dd-4d5a-a692-a87037af107b" providerId="ADAL" clId="{69090D41-60B8-4636-A275-1996D027DEDB}" dt="2025-06-02T20:01:54.861" v="5861" actId="1076"/>
-          <ac:spMkLst>
-            <pc:docMk/>
-            <pc:sldMk cId="3779709545" sldId="289"/>
-            <ac:spMk id="10" creationId="{065E40EA-4364-F5AA-25F4-C75593E32A38}"/>
-          </ac:spMkLst>
-        </pc:spChg>
-        <pc:spChg chg="add mod">
-          <ac:chgData name="Weifeng Xu" userId="e7aed605-a3dd-4d5a-a692-a87037af107b" providerId="ADAL" clId="{69090D41-60B8-4636-A275-1996D027DEDB}" dt="2025-06-02T20:01:54.861" v="5861" actId="1076"/>
-          <ac:spMkLst>
-            <pc:docMk/>
-            <pc:sldMk cId="3779709545" sldId="289"/>
-            <ac:spMk id="11" creationId="{AB9E5F4D-12A3-6964-1490-EA6063035E87}"/>
-          </ac:spMkLst>
-        </pc:spChg>
-        <pc:spChg chg="add mod">
-          <ac:chgData name="Weifeng Xu" userId="e7aed605-a3dd-4d5a-a692-a87037af107b" providerId="ADAL" clId="{69090D41-60B8-4636-A275-1996D027DEDB}" dt="2025-06-02T20:01:54.861" v="5861" actId="1076"/>
-          <ac:spMkLst>
-            <pc:docMk/>
-            <pc:sldMk cId="3779709545" sldId="289"/>
-            <ac:spMk id="12" creationId="{11FEDF55-F827-0D8E-3E71-53F556F9267A}"/>
-          </ac:spMkLst>
-        </pc:spChg>
-        <pc:spChg chg="add mod">
-          <ac:chgData name="Weifeng Xu" userId="e7aed605-a3dd-4d5a-a692-a87037af107b" providerId="ADAL" clId="{69090D41-60B8-4636-A275-1996D027DEDB}" dt="2025-06-02T20:01:54.861" v="5861" actId="1076"/>
-          <ac:spMkLst>
-            <pc:docMk/>
-            <pc:sldMk cId="3779709545" sldId="289"/>
-            <ac:spMk id="21" creationId="{3BAE48EC-FA14-363C-B4CC-7808B0F93774}"/>
-          </ac:spMkLst>
-        </pc:spChg>
-        <pc:spChg chg="add mod">
-          <ac:chgData name="Weifeng Xu" userId="e7aed605-a3dd-4d5a-a692-a87037af107b" providerId="ADAL" clId="{69090D41-60B8-4636-A275-1996D027DEDB}" dt="2025-06-02T20:01:54.861" v="5861" actId="1076"/>
-          <ac:spMkLst>
-            <pc:docMk/>
-            <pc:sldMk cId="3779709545" sldId="289"/>
-            <ac:spMk id="22" creationId="{776788C9-2917-715F-DC81-209CFCC9CDDE}"/>
-          </ac:spMkLst>
-        </pc:spChg>
-        <pc:spChg chg="add mod">
-          <ac:chgData name="Weifeng Xu" userId="e7aed605-a3dd-4d5a-a692-a87037af107b" providerId="ADAL" clId="{69090D41-60B8-4636-A275-1996D027DEDB}" dt="2025-06-02T20:01:54.861" v="5861" actId="1076"/>
-          <ac:spMkLst>
-            <pc:docMk/>
-            <pc:sldMk cId="3779709545" sldId="289"/>
-            <ac:spMk id="23" creationId="{3A86216E-A05A-B762-B0CC-B37CD1D38ED8}"/>
-          </ac:spMkLst>
-        </pc:spChg>
-        <pc:spChg chg="add mod">
-          <ac:chgData name="Weifeng Xu" userId="e7aed605-a3dd-4d5a-a692-a87037af107b" providerId="ADAL" clId="{69090D41-60B8-4636-A275-1996D027DEDB}" dt="2025-06-02T20:01:54.861" v="5861" actId="1076"/>
-          <ac:spMkLst>
-            <pc:docMk/>
-            <pc:sldMk cId="3779709545" sldId="289"/>
-            <ac:spMk id="24" creationId="{D7330894-97E4-7260-73E4-C498350D0EE3}"/>
-          </ac:spMkLst>
-        </pc:spChg>
-        <pc:spChg chg="add mod">
-          <ac:chgData name="Weifeng Xu" userId="e7aed605-a3dd-4d5a-a692-a87037af107b" providerId="ADAL" clId="{69090D41-60B8-4636-A275-1996D027DEDB}" dt="2025-06-02T19:56:47.700" v="5801" actId="1076"/>
-          <ac:spMkLst>
-            <pc:docMk/>
-            <pc:sldMk cId="3779709545" sldId="289"/>
-            <ac:spMk id="25" creationId="{4EF122CC-3D77-D0DE-AA0E-7F682D15FCCD}"/>
-          </ac:spMkLst>
-        </pc:spChg>
-        <pc:spChg chg="add mod">
-          <ac:chgData name="Weifeng Xu" userId="e7aed605-a3dd-4d5a-a692-a87037af107b" providerId="ADAL" clId="{69090D41-60B8-4636-A275-1996D027DEDB}" dt="2025-06-02T20:02:00.962" v="5862" actId="1076"/>
-          <ac:spMkLst>
-            <pc:docMk/>
-            <pc:sldMk cId="3779709545" sldId="289"/>
-            <ac:spMk id="26" creationId="{43900D36-3196-B4C7-282C-B916A9EC1358}"/>
-          </ac:spMkLst>
-        </pc:spChg>
-        <pc:spChg chg="add mod">
-          <ac:chgData name="Weifeng Xu" userId="e7aed605-a3dd-4d5a-a692-a87037af107b" providerId="ADAL" clId="{69090D41-60B8-4636-A275-1996D027DEDB}" dt="2025-06-02T20:02:00.962" v="5862" actId="1076"/>
-          <ac:spMkLst>
-            <pc:docMk/>
-            <pc:sldMk cId="3779709545" sldId="289"/>
-            <ac:spMk id="27" creationId="{DD9853B7-5F8D-FE22-D10C-0B0FA1BB4030}"/>
-          </ac:spMkLst>
-        </pc:spChg>
-        <pc:spChg chg="add mod">
-          <ac:chgData name="Weifeng Xu" userId="e7aed605-a3dd-4d5a-a692-a87037af107b" providerId="ADAL" clId="{69090D41-60B8-4636-A275-1996D027DEDB}" dt="2025-06-02T20:02:00.962" v="5862" actId="1076"/>
-          <ac:spMkLst>
-            <pc:docMk/>
-            <pc:sldMk cId="3779709545" sldId="289"/>
-            <ac:spMk id="28" creationId="{BEE6EB8A-8ACE-3BD0-65F6-BE063EEC0FC8}"/>
-          </ac:spMkLst>
-        </pc:spChg>
-        <pc:spChg chg="add mod">
-          <ac:chgData name="Weifeng Xu" userId="e7aed605-a3dd-4d5a-a692-a87037af107b" providerId="ADAL" clId="{69090D41-60B8-4636-A275-1996D027DEDB}" dt="2025-06-02T20:02:00.962" v="5862" actId="1076"/>
-          <ac:spMkLst>
-            <pc:docMk/>
-            <pc:sldMk cId="3779709545" sldId="289"/>
-            <ac:spMk id="29" creationId="{C74942E8-7133-1B6B-F917-E5F22C534D0D}"/>
-          </ac:spMkLst>
-        </pc:spChg>
-        <pc:spChg chg="add mod">
-          <ac:chgData name="Weifeng Xu" userId="e7aed605-a3dd-4d5a-a692-a87037af107b" providerId="ADAL" clId="{69090D41-60B8-4636-A275-1996D027DEDB}" dt="2025-06-02T21:14:59.302" v="6058" actId="113"/>
-          <ac:spMkLst>
-            <pc:docMk/>
-            <pc:sldMk cId="3779709545" sldId="289"/>
-            <ac:spMk id="32" creationId="{57F1B27A-0DBF-C994-4D32-B5717DD816B6}"/>
-          </ac:spMkLst>
-        </pc:spChg>
-        <pc:spChg chg="add mod">
-          <ac:chgData name="Weifeng Xu" userId="e7aed605-a3dd-4d5a-a692-a87037af107b" providerId="ADAL" clId="{69090D41-60B8-4636-A275-1996D027DEDB}" dt="2025-06-02T21:15:56.643" v="6065" actId="113"/>
-          <ac:spMkLst>
-            <pc:docMk/>
-            <pc:sldMk cId="3779709545" sldId="289"/>
-            <ac:spMk id="35" creationId="{ACC4C347-41FA-EB5F-CC9A-AC24EA1AB651}"/>
-          </ac:spMkLst>
-        </pc:spChg>
-        <pc:cxnChg chg="add mod">
-          <ac:chgData name="Weifeng Xu" userId="e7aed605-a3dd-4d5a-a692-a87037af107b" providerId="ADAL" clId="{69090D41-60B8-4636-A275-1996D027DEDB}" dt="2025-06-02T20:01:45.777" v="5860" actId="1076"/>
-          <ac:cxnSpMkLst>
-            <pc:docMk/>
-            <pc:sldMk cId="3779709545" sldId="289"/>
-            <ac:cxnSpMk id="14" creationId="{C2D00B67-CC88-3555-9B48-7836D15173AE}"/>
-          </ac:cxnSpMkLst>
-        </pc:cxnChg>
-        <pc:cxnChg chg="add mod">
-          <ac:chgData name="Weifeng Xu" userId="e7aed605-a3dd-4d5a-a692-a87037af107b" providerId="ADAL" clId="{69090D41-60B8-4636-A275-1996D027DEDB}" dt="2025-06-02T20:01:45.777" v="5860" actId="1076"/>
-          <ac:cxnSpMkLst>
-            <pc:docMk/>
-            <pc:sldMk cId="3779709545" sldId="289"/>
-            <ac:cxnSpMk id="16" creationId="{05F2DED3-F4A4-6F95-EA56-2F21F631962E}"/>
-          </ac:cxnSpMkLst>
-        </pc:cxnChg>
-        <pc:cxnChg chg="add mod">
-          <ac:chgData name="Weifeng Xu" userId="e7aed605-a3dd-4d5a-a692-a87037af107b" providerId="ADAL" clId="{69090D41-60B8-4636-A275-1996D027DEDB}" dt="2025-06-02T19:52:11.794" v="5636" actId="1076"/>
-          <ac:cxnSpMkLst>
-            <pc:docMk/>
-            <pc:sldMk cId="3779709545" sldId="289"/>
-            <ac:cxnSpMk id="18" creationId="{031EFEF5-13AF-46E5-98F2-D016FA755E39}"/>
-          </ac:cxnSpMkLst>
-        </pc:cxnChg>
-        <pc:cxnChg chg="add mod">
-          <ac:chgData name="Weifeng Xu" userId="e7aed605-a3dd-4d5a-a692-a87037af107b" providerId="ADAL" clId="{69090D41-60B8-4636-A275-1996D027DEDB}" dt="2025-06-02T19:52:11.794" v="5636" actId="1076"/>
-          <ac:cxnSpMkLst>
-            <pc:docMk/>
-            <pc:sldMk cId="3779709545" sldId="289"/>
-            <ac:cxnSpMk id="20" creationId="{7E7FDF6B-F7CB-8E46-B4CD-466C3A15D72C}"/>
-          </ac:cxnSpMkLst>
-        </pc:cxnChg>
-      </pc:sldChg>
-      <pc:sldChg chg="modSp add mod">
-        <pc:chgData name="Weifeng Xu" userId="e7aed605-a3dd-4d5a-a692-a87037af107b" providerId="ADAL" clId="{69090D41-60B8-4636-A275-1996D027DEDB}" dt="2025-06-02T21:05:13.819" v="6002" actId="20577"/>
-        <pc:sldMkLst>
-          <pc:docMk/>
-          <pc:sldMk cId="2958233388" sldId="290"/>
-        </pc:sldMkLst>
-        <pc:spChg chg="mod">
-          <ac:chgData name="Weifeng Xu" userId="e7aed605-a3dd-4d5a-a692-a87037af107b" providerId="ADAL" clId="{69090D41-60B8-4636-A275-1996D027DEDB}" dt="2025-06-02T21:05:13.819" v="6002" actId="20577"/>
-          <ac:spMkLst>
-            <pc:docMk/>
-            <pc:sldMk cId="2958233388" sldId="290"/>
-            <ac:spMk id="4" creationId="{9B7AE238-387F-A395-6F37-C5CFEF8C54A3}"/>
-          </ac:spMkLst>
-        </pc:spChg>
-      </pc:sldChg>
-      <pc:sldChg chg="delSp modSp add mod">
-        <pc:chgData name="Weifeng Xu" userId="e7aed605-a3dd-4d5a-a692-a87037af107b" providerId="ADAL" clId="{69090D41-60B8-4636-A275-1996D027DEDB}" dt="2025-06-03T00:23:32.734" v="6385" actId="1076"/>
-        <pc:sldMkLst>
-          <pc:docMk/>
-          <pc:sldMk cId="2668507805" sldId="291"/>
-        </pc:sldMkLst>
-        <pc:spChg chg="del mod">
-          <ac:chgData name="Weifeng Xu" userId="e7aed605-a3dd-4d5a-a692-a87037af107b" providerId="ADAL" clId="{69090D41-60B8-4636-A275-1996D027DEDB}" dt="2025-06-03T00:23:25.530" v="6384" actId="478"/>
-          <ac:spMkLst>
-            <pc:docMk/>
-            <pc:sldMk cId="2668507805" sldId="291"/>
-            <ac:spMk id="20" creationId="{994FEDAB-565D-73BB-FFD5-CF05812E7D68}"/>
-          </ac:spMkLst>
-        </pc:spChg>
-        <pc:picChg chg="mod">
-          <ac:chgData name="Weifeng Xu" userId="e7aed605-a3dd-4d5a-a692-a87037af107b" providerId="ADAL" clId="{69090D41-60B8-4636-A275-1996D027DEDB}" dt="2025-06-03T00:23:32.734" v="6385" actId="1076"/>
-          <ac:picMkLst>
-            <pc:docMk/>
-            <pc:sldMk cId="2668507805" sldId="291"/>
-            <ac:picMk id="8" creationId="{FE84682E-B34C-4337-E703-96EE02A47DA9}"/>
-          </ac:picMkLst>
-        </pc:picChg>
-        <pc:picChg chg="del">
-          <ac:chgData name="Weifeng Xu" userId="e7aed605-a3dd-4d5a-a692-a87037af107b" providerId="ADAL" clId="{69090D41-60B8-4636-A275-1996D027DEDB}" dt="2025-06-03T00:23:21.367" v="6380" actId="478"/>
-          <ac:picMkLst>
-            <pc:docMk/>
-            <pc:sldMk cId="2668507805" sldId="291"/>
-            <ac:picMk id="19" creationId="{8E2CB060-5B1E-2FE0-B20C-0B0258DC99AE}"/>
-          </ac:picMkLst>
-        </pc:picChg>
-        <pc:cxnChg chg="del mod">
-          <ac:chgData name="Weifeng Xu" userId="e7aed605-a3dd-4d5a-a692-a87037af107b" providerId="ADAL" clId="{69090D41-60B8-4636-A275-1996D027DEDB}" dt="2025-06-03T00:23:23.197" v="6382" actId="478"/>
-          <ac:cxnSpMkLst>
-            <pc:docMk/>
-            <pc:sldMk cId="2668507805" sldId="291"/>
-            <ac:cxnSpMk id="22" creationId="{E7189B49-D92B-A4C4-A95B-38CFB4C5E50D}"/>
-          </ac:cxnSpMkLst>
-        </pc:cxnChg>
-      </pc:sldChg>
-      <pc:sldChg chg="delSp modSp add mod">
-        <pc:chgData name="Weifeng Xu" userId="e7aed605-a3dd-4d5a-a692-a87037af107b" providerId="ADAL" clId="{69090D41-60B8-4636-A275-1996D027DEDB}" dt="2025-06-03T00:21:36.965" v="6374" actId="1076"/>
-        <pc:sldMkLst>
-          <pc:docMk/>
-          <pc:sldMk cId="34415168" sldId="292"/>
-        </pc:sldMkLst>
-        <pc:spChg chg="mod">
-          <ac:chgData name="Weifeng Xu" userId="e7aed605-a3dd-4d5a-a692-a87037af107b" providerId="ADAL" clId="{69090D41-60B8-4636-A275-1996D027DEDB}" dt="2025-06-03T00:21:36.965" v="6374" actId="1076"/>
-          <ac:spMkLst>
-            <pc:docMk/>
-            <pc:sldMk cId="34415168" sldId="292"/>
-            <ac:spMk id="20" creationId="{DACDD88A-814E-1F1D-A50E-3C84FC01E404}"/>
-          </ac:spMkLst>
-        </pc:spChg>
-        <pc:picChg chg="del">
-          <ac:chgData name="Weifeng Xu" userId="e7aed605-a3dd-4d5a-a692-a87037af107b" providerId="ADAL" clId="{69090D41-60B8-4636-A275-1996D027DEDB}" dt="2025-06-03T00:21:05.615" v="6365" actId="478"/>
-          <ac:picMkLst>
-            <pc:docMk/>
-            <pc:sldMk cId="34415168" sldId="292"/>
-            <ac:picMk id="8" creationId="{0043B0DC-5E06-9A10-AB06-73E629F0F5FE}"/>
-          </ac:picMkLst>
-        </pc:picChg>
-        <pc:picChg chg="mod">
-          <ac:chgData name="Weifeng Xu" userId="e7aed605-a3dd-4d5a-a692-a87037af107b" providerId="ADAL" clId="{69090D41-60B8-4636-A275-1996D027DEDB}" dt="2025-06-03T00:21:36.965" v="6374" actId="1076"/>
-          <ac:picMkLst>
-            <pc:docMk/>
-            <pc:sldMk cId="34415168" sldId="292"/>
-            <ac:picMk id="19" creationId="{91561FF8-D8A8-60FE-EABD-6424279F2086}"/>
-          </ac:picMkLst>
-        </pc:picChg>
-        <pc:cxnChg chg="mod">
-          <ac:chgData name="Weifeng Xu" userId="e7aed605-a3dd-4d5a-a692-a87037af107b" providerId="ADAL" clId="{69090D41-60B8-4636-A275-1996D027DEDB}" dt="2025-06-03T00:21:36.965" v="6374" actId="1076"/>
-          <ac:cxnSpMkLst>
-            <pc:docMk/>
-            <pc:sldMk cId="34415168" sldId="292"/>
-            <ac:cxnSpMk id="22" creationId="{7F2BF856-CA6D-279B-573F-34F5A52A8047}"/>
-          </ac:cxnSpMkLst>
-        </pc:cxnChg>
-      </pc:sldChg>
-    </pc:docChg>
-  </pc:docChgLst>
-  <pc:docChgLst>
     <pc:chgData name="Weifeng Xu" userId="e7aed605-a3dd-4d5a-a692-a87037af107b" providerId="ADAL" clId="{E34D94EB-D766-41A9-93D0-B8D12317CF67}"/>
     <pc:docChg chg="undo custSel modSld addMainMaster delMainMaster modMainMaster">
       <pc:chgData name="Weifeng Xu" userId="e7aed605-a3dd-4d5a-a692-a87037af107b" providerId="ADAL" clId="{E34D94EB-D766-41A9-93D0-B8D12317CF67}" dt="2025-04-19T02:39:47.128" v="134" actId="700"/>
@@ -2863,15 +188,6 @@
             <pc:sldMasterMk cId="813574162" sldId="2147483648"/>
             <pc:sldLayoutMk cId="821171414" sldId="2147483649"/>
           </pc:sldLayoutMkLst>
-          <pc:spChg chg="add del mod">
-            <ac:chgData name="Weifeng Xu" userId="e7aed605-a3dd-4d5a-a692-a87037af107b" providerId="ADAL" clId="{E34D94EB-D766-41A9-93D0-B8D12317CF67}" dt="2025-04-19T02:11:54.327" v="3" actId="1076"/>
-            <ac:spMkLst>
-              <pc:docMk/>
-              <pc:sldMasterMk cId="813574162" sldId="2147483648"/>
-              <pc:sldLayoutMk cId="821171414" sldId="2147483649"/>
-              <ac:spMk id="4" creationId="{00000000-0000-0000-0000-000000000000}"/>
-            </ac:spMkLst>
-          </pc:spChg>
         </pc:sldLayoutChg>
         <pc:sldLayoutChg chg="setBg">
           <pc:chgData name="Weifeng Xu" userId="e7aed605-a3dd-4d5a-a692-a87037af107b" providerId="ADAL" clId="{E34D94EB-D766-41A9-93D0-B8D12317CF67}" dt="2025-04-19T02:39:28.427" v="133"/>
@@ -3052,201 +368,6 @@
     </pc:docChg>
   </pc:docChgLst>
   <pc:docChgLst>
-    <pc:chgData name="Weifeng Xu" userId="e7aed605-a3dd-4d5a-a692-a87037af107b" providerId="ADAL" clId="{8E5A6AEC-921D-4BE6-8002-CC8D4F2830D2}"/>
-    <pc:docChg chg="undo custSel addSld delSld modSld">
-      <pc:chgData name="Weifeng Xu" userId="e7aed605-a3dd-4d5a-a692-a87037af107b" providerId="ADAL" clId="{8E5A6AEC-921D-4BE6-8002-CC8D4F2830D2}" dt="2025-04-28T15:23:27.017" v="746" actId="6549"/>
-      <pc:docMkLst>
-        <pc:docMk/>
-      </pc:docMkLst>
-      <pc:sldChg chg="modSp mod chgLayout">
-        <pc:chgData name="Weifeng Xu" userId="e7aed605-a3dd-4d5a-a692-a87037af107b" providerId="ADAL" clId="{8E5A6AEC-921D-4BE6-8002-CC8D4F2830D2}" dt="2025-04-27T15:24:07.342" v="34" actId="700"/>
-        <pc:sldMkLst>
-          <pc:docMk/>
-          <pc:sldMk cId="1325061211" sldId="256"/>
-        </pc:sldMkLst>
-        <pc:spChg chg="mod ord">
-          <ac:chgData name="Weifeng Xu" userId="e7aed605-a3dd-4d5a-a692-a87037af107b" providerId="ADAL" clId="{8E5A6AEC-921D-4BE6-8002-CC8D4F2830D2}" dt="2025-04-27T15:24:07.342" v="34" actId="700"/>
-          <ac:spMkLst>
-            <pc:docMk/>
-            <pc:sldMk cId="1325061211" sldId="256"/>
-            <ac:spMk id="2" creationId="{00000000-0000-0000-0000-000000000000}"/>
-          </ac:spMkLst>
-        </pc:spChg>
-        <pc:spChg chg="mod ord">
-          <ac:chgData name="Weifeng Xu" userId="e7aed605-a3dd-4d5a-a692-a87037af107b" providerId="ADAL" clId="{8E5A6AEC-921D-4BE6-8002-CC8D4F2830D2}" dt="2025-04-27T15:24:07.342" v="34" actId="700"/>
-          <ac:spMkLst>
-            <pc:docMk/>
-            <pc:sldMk cId="1325061211" sldId="256"/>
-            <ac:spMk id="3" creationId="{00000000-0000-0000-0000-000000000000}"/>
-          </ac:spMkLst>
-        </pc:spChg>
-      </pc:sldChg>
-      <pc:sldChg chg="del">
-        <pc:chgData name="Weifeng Xu" userId="e7aed605-a3dd-4d5a-a692-a87037af107b" providerId="ADAL" clId="{8E5A6AEC-921D-4BE6-8002-CC8D4F2830D2}" dt="2025-04-27T15:25:06.899" v="35" actId="47"/>
-        <pc:sldMkLst>
-          <pc:docMk/>
-          <pc:sldMk cId="2201572609" sldId="257"/>
-        </pc:sldMkLst>
-      </pc:sldChg>
-      <pc:sldChg chg="addSp modSp new mod">
-        <pc:chgData name="Weifeng Xu" userId="e7aed605-a3dd-4d5a-a692-a87037af107b" providerId="ADAL" clId="{8E5A6AEC-921D-4BE6-8002-CC8D4F2830D2}" dt="2025-04-27T15:43:48.595" v="157" actId="1076"/>
-        <pc:sldMkLst>
-          <pc:docMk/>
-          <pc:sldMk cId="2572427240" sldId="257"/>
-        </pc:sldMkLst>
-      </pc:sldChg>
-      <pc:sldChg chg="del">
-        <pc:chgData name="Weifeng Xu" userId="e7aed605-a3dd-4d5a-a692-a87037af107b" providerId="ADAL" clId="{8E5A6AEC-921D-4BE6-8002-CC8D4F2830D2}" dt="2025-04-27T15:25:07.244" v="36" actId="47"/>
-        <pc:sldMkLst>
-          <pc:docMk/>
-          <pc:sldMk cId="450669007" sldId="258"/>
-        </pc:sldMkLst>
-      </pc:sldChg>
-      <pc:sldChg chg="addSp delSp modSp new mod modClrScheme chgLayout">
-        <pc:chgData name="Weifeng Xu" userId="e7aed605-a3dd-4d5a-a692-a87037af107b" providerId="ADAL" clId="{8E5A6AEC-921D-4BE6-8002-CC8D4F2830D2}" dt="2025-04-27T16:01:11.569" v="507" actId="207"/>
-        <pc:sldMkLst>
-          <pc:docMk/>
-          <pc:sldMk cId="3100494254" sldId="258"/>
-        </pc:sldMkLst>
-      </pc:sldChg>
-      <pc:sldChg chg="modSp new mod">
-        <pc:chgData name="Weifeng Xu" userId="e7aed605-a3dd-4d5a-a692-a87037af107b" providerId="ADAL" clId="{8E5A6AEC-921D-4BE6-8002-CC8D4F2830D2}" dt="2025-04-27T16:03:14.809" v="520" actId="207"/>
-        <pc:sldMkLst>
-          <pc:docMk/>
-          <pc:sldMk cId="1655253961" sldId="259"/>
-        </pc:sldMkLst>
-      </pc:sldChg>
-      <pc:sldChg chg="del">
-        <pc:chgData name="Weifeng Xu" userId="e7aed605-a3dd-4d5a-a692-a87037af107b" providerId="ADAL" clId="{8E5A6AEC-921D-4BE6-8002-CC8D4F2830D2}" dt="2025-04-27T15:25:07.654" v="37" actId="47"/>
-        <pc:sldMkLst>
-          <pc:docMk/>
-          <pc:sldMk cId="3233567480" sldId="259"/>
-        </pc:sldMkLst>
-      </pc:sldChg>
-      <pc:sldChg chg="del">
-        <pc:chgData name="Weifeng Xu" userId="e7aed605-a3dd-4d5a-a692-a87037af107b" providerId="ADAL" clId="{8E5A6AEC-921D-4BE6-8002-CC8D4F2830D2}" dt="2025-04-27T15:25:09.947" v="46" actId="47"/>
-        <pc:sldMkLst>
-          <pc:docMk/>
-          <pc:sldMk cId="2715224073" sldId="260"/>
-        </pc:sldMkLst>
-      </pc:sldChg>
-      <pc:sldChg chg="modSp new mod">
-        <pc:chgData name="Weifeng Xu" userId="e7aed605-a3dd-4d5a-a692-a87037af107b" providerId="ADAL" clId="{8E5A6AEC-921D-4BE6-8002-CC8D4F2830D2}" dt="2025-04-27T16:04:14.976" v="601" actId="313"/>
-        <pc:sldMkLst>
-          <pc:docMk/>
-          <pc:sldMk cId="3375603492" sldId="260"/>
-        </pc:sldMkLst>
-      </pc:sldChg>
-      <pc:sldChg chg="modSp new mod">
-        <pc:chgData name="Weifeng Xu" userId="e7aed605-a3dd-4d5a-a692-a87037af107b" providerId="ADAL" clId="{8E5A6AEC-921D-4BE6-8002-CC8D4F2830D2}" dt="2025-04-27T16:05:14.474" v="618"/>
-        <pc:sldMkLst>
-          <pc:docMk/>
-          <pc:sldMk cId="909895920" sldId="261"/>
-        </pc:sldMkLst>
-      </pc:sldChg>
-      <pc:sldChg chg="del">
-        <pc:chgData name="Weifeng Xu" userId="e7aed605-a3dd-4d5a-a692-a87037af107b" providerId="ADAL" clId="{8E5A6AEC-921D-4BE6-8002-CC8D4F2830D2}" dt="2025-04-27T15:25:07.871" v="38" actId="47"/>
-        <pc:sldMkLst>
-          <pc:docMk/>
-          <pc:sldMk cId="1030786537" sldId="261"/>
-        </pc:sldMkLst>
-      </pc:sldChg>
-      <pc:sldChg chg="addSp delSp modSp new mod">
-        <pc:chgData name="Weifeng Xu" userId="e7aed605-a3dd-4d5a-a692-a87037af107b" providerId="ADAL" clId="{8E5A6AEC-921D-4BE6-8002-CC8D4F2830D2}" dt="2025-04-28T15:23:27.017" v="746" actId="6549"/>
-        <pc:sldMkLst>
-          <pc:docMk/>
-          <pc:sldMk cId="1010189504" sldId="262"/>
-        </pc:sldMkLst>
-      </pc:sldChg>
-      <pc:sldChg chg="del">
-        <pc:chgData name="Weifeng Xu" userId="e7aed605-a3dd-4d5a-a692-a87037af107b" providerId="ADAL" clId="{8E5A6AEC-921D-4BE6-8002-CC8D4F2830D2}" dt="2025-04-27T15:25:08.095" v="39" actId="47"/>
-        <pc:sldMkLst>
-          <pc:docMk/>
-          <pc:sldMk cId="3548515090" sldId="264"/>
-        </pc:sldMkLst>
-      </pc:sldChg>
-      <pc:sldChg chg="del">
-        <pc:chgData name="Weifeng Xu" userId="e7aed605-a3dd-4d5a-a692-a87037af107b" providerId="ADAL" clId="{8E5A6AEC-921D-4BE6-8002-CC8D4F2830D2}" dt="2025-04-27T15:25:10.434" v="47" actId="47"/>
-        <pc:sldMkLst>
-          <pc:docMk/>
-          <pc:sldMk cId="3523214092" sldId="265"/>
-        </pc:sldMkLst>
-      </pc:sldChg>
-      <pc:sldChg chg="del">
-        <pc:chgData name="Weifeng Xu" userId="e7aed605-a3dd-4d5a-a692-a87037af107b" providerId="ADAL" clId="{8E5A6AEC-921D-4BE6-8002-CC8D4F2830D2}" dt="2025-04-27T15:25:08.929" v="43" actId="47"/>
-        <pc:sldMkLst>
-          <pc:docMk/>
-          <pc:sldMk cId="756868712" sldId="266"/>
-        </pc:sldMkLst>
-      </pc:sldChg>
-      <pc:sldChg chg="del">
-        <pc:chgData name="Weifeng Xu" userId="e7aed605-a3dd-4d5a-a692-a87037af107b" providerId="ADAL" clId="{8E5A6AEC-921D-4BE6-8002-CC8D4F2830D2}" dt="2025-04-27T15:25:09.145" v="44" actId="47"/>
-        <pc:sldMkLst>
-          <pc:docMk/>
-          <pc:sldMk cId="2973990778" sldId="267"/>
-        </pc:sldMkLst>
-      </pc:sldChg>
-      <pc:sldChg chg="del">
-        <pc:chgData name="Weifeng Xu" userId="e7aed605-a3dd-4d5a-a692-a87037af107b" providerId="ADAL" clId="{8E5A6AEC-921D-4BE6-8002-CC8D4F2830D2}" dt="2025-04-27T15:25:09.362" v="45" actId="47"/>
-        <pc:sldMkLst>
-          <pc:docMk/>
-          <pc:sldMk cId="2042884208" sldId="268"/>
-        </pc:sldMkLst>
-      </pc:sldChg>
-      <pc:sldChg chg="del">
-        <pc:chgData name="Weifeng Xu" userId="e7aed605-a3dd-4d5a-a692-a87037af107b" providerId="ADAL" clId="{8E5A6AEC-921D-4BE6-8002-CC8D4F2830D2}" dt="2025-04-27T15:25:08.271" v="40" actId="47"/>
-        <pc:sldMkLst>
-          <pc:docMk/>
-          <pc:sldMk cId="3256057421" sldId="269"/>
-        </pc:sldMkLst>
-      </pc:sldChg>
-      <pc:sldChg chg="del">
-        <pc:chgData name="Weifeng Xu" userId="e7aed605-a3dd-4d5a-a692-a87037af107b" providerId="ADAL" clId="{8E5A6AEC-921D-4BE6-8002-CC8D4F2830D2}" dt="2025-04-27T15:25:08.466" v="41" actId="47"/>
-        <pc:sldMkLst>
-          <pc:docMk/>
-          <pc:sldMk cId="146876777" sldId="270"/>
-        </pc:sldMkLst>
-      </pc:sldChg>
-      <pc:sldChg chg="del">
-        <pc:chgData name="Weifeng Xu" userId="e7aed605-a3dd-4d5a-a692-a87037af107b" providerId="ADAL" clId="{8E5A6AEC-921D-4BE6-8002-CC8D4F2830D2}" dt="2025-04-27T15:25:08.686" v="42" actId="47"/>
-        <pc:sldMkLst>
-          <pc:docMk/>
-          <pc:sldMk cId="1939243851" sldId="271"/>
-        </pc:sldMkLst>
-      </pc:sldChg>
-      <pc:sldChg chg="del">
-        <pc:chgData name="Weifeng Xu" userId="e7aed605-a3dd-4d5a-a692-a87037af107b" providerId="ADAL" clId="{8E5A6AEC-921D-4BE6-8002-CC8D4F2830D2}" dt="2025-04-27T15:25:11.096" v="48" actId="47"/>
-        <pc:sldMkLst>
-          <pc:docMk/>
-          <pc:sldMk cId="2238745649" sldId="272"/>
-        </pc:sldMkLst>
-      </pc:sldChg>
-    </pc:docChg>
-  </pc:docChgLst>
-  <pc:docChgLst>
-    <pc:chgData name="Weifeng Xu" userId="e7aed605-a3dd-4d5a-a692-a87037af107b" providerId="ADAL" clId="{781DD69C-B3C3-4AA3-A094-E5C237C15CAE}"/>
-    <pc:docChg chg="delSld">
-      <pc:chgData name="Weifeng Xu" userId="e7aed605-a3dd-4d5a-a692-a87037af107b" providerId="ADAL" clId="{781DD69C-B3C3-4AA3-A094-E5C237C15CAE}" dt="2025-04-26T15:34:37.721" v="1" actId="47"/>
-      <pc:docMkLst>
-        <pc:docMk/>
-      </pc:docMkLst>
-      <pc:sldChg chg="del">
-        <pc:chgData name="Weifeng Xu" userId="e7aed605-a3dd-4d5a-a692-a87037af107b" providerId="ADAL" clId="{781DD69C-B3C3-4AA3-A094-E5C237C15CAE}" dt="2025-04-26T15:34:36.333" v="0" actId="47"/>
-        <pc:sldMkLst>
-          <pc:docMk/>
-          <pc:sldMk cId="3284022864" sldId="262"/>
-        </pc:sldMkLst>
-      </pc:sldChg>
-      <pc:sldChg chg="del">
-        <pc:chgData name="Weifeng Xu" userId="e7aed605-a3dd-4d5a-a692-a87037af107b" providerId="ADAL" clId="{781DD69C-B3C3-4AA3-A094-E5C237C15CAE}" dt="2025-04-26T15:34:37.721" v="1" actId="47"/>
-        <pc:sldMkLst>
-          <pc:docMk/>
-          <pc:sldMk cId="786756272" sldId="263"/>
-        </pc:sldMkLst>
-      </pc:sldChg>
-    </pc:docChg>
-  </pc:docChgLst>
-  <pc:docChgLst>
     <pc:chgData name="Weifeng Xu" userId="e7aed605-a3dd-4d5a-a692-a87037af107b" providerId="ADAL" clId="{77503F2E-F3A0-409B-A511-BB14035E722B}"/>
     <pc:docChg chg="undo custSel addSld delSld modSld sldOrd">
       <pc:chgData name="Weifeng Xu" userId="e7aed605-a3dd-4d5a-a692-a87037af107b" providerId="ADAL" clId="{77503F2E-F3A0-409B-A511-BB14035E722B}" dt="2025-05-01T18:53:56.374" v="2136" actId="20577"/>
@@ -3259,22 +380,6 @@
           <pc:docMk/>
           <pc:sldMk cId="1325061211" sldId="256"/>
         </pc:sldMkLst>
-        <pc:spChg chg="mod">
-          <ac:chgData name="Weifeng Xu" userId="e7aed605-a3dd-4d5a-a692-a87037af107b" providerId="ADAL" clId="{77503F2E-F3A0-409B-A511-BB14035E722B}" dt="2025-04-30T21:32:17.306" v="10"/>
-          <ac:spMkLst>
-            <pc:docMk/>
-            <pc:sldMk cId="1325061211" sldId="256"/>
-            <ac:spMk id="2" creationId="{00000000-0000-0000-0000-000000000000}"/>
-          </ac:spMkLst>
-        </pc:spChg>
-        <pc:spChg chg="mod">
-          <ac:chgData name="Weifeng Xu" userId="e7aed605-a3dd-4d5a-a692-a87037af107b" providerId="ADAL" clId="{77503F2E-F3A0-409B-A511-BB14035E722B}" dt="2025-04-30T21:32:19.688" v="11" actId="6549"/>
-          <ac:spMkLst>
-            <pc:docMk/>
-            <pc:sldMk cId="1325061211" sldId="256"/>
-            <ac:spMk id="3" creationId="{00000000-0000-0000-0000-000000000000}"/>
-          </ac:spMkLst>
-        </pc:spChg>
       </pc:sldChg>
       <pc:sldChg chg="addSp delSp modSp new mod modClrScheme chgLayout">
         <pc:chgData name="Weifeng Xu" userId="e7aed605-a3dd-4d5a-a692-a87037af107b" providerId="ADAL" clId="{77503F2E-F3A0-409B-A511-BB14035E722B}" dt="2025-04-30T22:00:56.674" v="162" actId="14100"/>
@@ -3503,6 +608,710 @@
     </pc:docChg>
   </pc:docChgLst>
   <pc:docChgLst>
+    <pc:chgData name="Weifeng Xu" userId="e7aed605-a3dd-4d5a-a692-a87037af107b" providerId="ADAL" clId="{9C06CBEB-0343-4287-8B81-0C702673DE5E}"/>
+    <pc:docChg chg="undo redo custSel addSld delSld modSld sldOrd">
+      <pc:chgData name="Weifeng Xu" userId="e7aed605-a3dd-4d5a-a692-a87037af107b" providerId="ADAL" clId="{9C06CBEB-0343-4287-8B81-0C702673DE5E}" dt="2025-04-23T23:34:27.047" v="4553" actId="1076"/>
+      <pc:docMkLst>
+        <pc:docMk/>
+      </pc:docMkLst>
+      <pc:sldChg chg="modSp mod">
+        <pc:chgData name="Weifeng Xu" userId="e7aed605-a3dd-4d5a-a692-a87037af107b" providerId="ADAL" clId="{9C06CBEB-0343-4287-8B81-0C702673DE5E}" dt="2025-04-23T01:31:59.756" v="4545" actId="20577"/>
+        <pc:sldMkLst>
+          <pc:docMk/>
+          <pc:sldMk cId="1325061211" sldId="256"/>
+        </pc:sldMkLst>
+      </pc:sldChg>
+      <pc:sldChg chg="addSp delSp modSp mod modClrScheme chgLayout">
+        <pc:chgData name="Weifeng Xu" userId="e7aed605-a3dd-4d5a-a692-a87037af107b" providerId="ADAL" clId="{9C06CBEB-0343-4287-8B81-0C702673DE5E}" dt="2025-04-20T02:53:00.098" v="242" actId="20577"/>
+        <pc:sldMkLst>
+          <pc:docMk/>
+          <pc:sldMk cId="2201572609" sldId="257"/>
+        </pc:sldMkLst>
+      </pc:sldChg>
+      <pc:sldChg chg="addSp delSp modSp mod modClrScheme chgLayout">
+        <pc:chgData name="Weifeng Xu" userId="e7aed605-a3dd-4d5a-a692-a87037af107b" providerId="ADAL" clId="{9C06CBEB-0343-4287-8B81-0C702673DE5E}" dt="2025-04-22T03:01:31.344" v="3590" actId="1076"/>
+        <pc:sldMkLst>
+          <pc:docMk/>
+          <pc:sldMk cId="450669007" sldId="258"/>
+        </pc:sldMkLst>
+      </pc:sldChg>
+      <pc:sldChg chg="addSp delSp modSp add mod">
+        <pc:chgData name="Weifeng Xu" userId="e7aed605-a3dd-4d5a-a692-a87037af107b" providerId="ADAL" clId="{9C06CBEB-0343-4287-8B81-0C702673DE5E}" dt="2025-04-23T00:43:03.009" v="4084" actId="20577"/>
+        <pc:sldMkLst>
+          <pc:docMk/>
+          <pc:sldMk cId="3233567480" sldId="259"/>
+        </pc:sldMkLst>
+      </pc:sldChg>
+      <pc:sldChg chg="addSp delSp modSp new mod">
+        <pc:chgData name="Weifeng Xu" userId="e7aed605-a3dd-4d5a-a692-a87037af107b" providerId="ADAL" clId="{9C06CBEB-0343-4287-8B81-0C702673DE5E}" dt="2025-04-21T12:06:27.352" v="1955" actId="1076"/>
+        <pc:sldMkLst>
+          <pc:docMk/>
+          <pc:sldMk cId="2715224073" sldId="260"/>
+        </pc:sldMkLst>
+      </pc:sldChg>
+      <pc:sldChg chg="addSp delSp modSp new mod modClrScheme chgLayout">
+        <pc:chgData name="Weifeng Xu" userId="e7aed605-a3dd-4d5a-a692-a87037af107b" providerId="ADAL" clId="{9C06CBEB-0343-4287-8B81-0C702673DE5E}" dt="2025-04-22T01:35:22.881" v="2625" actId="14100"/>
+        <pc:sldMkLst>
+          <pc:docMk/>
+          <pc:sldMk cId="1030786537" sldId="261"/>
+        </pc:sldMkLst>
+      </pc:sldChg>
+      <pc:sldChg chg="addSp delSp modSp new mod">
+        <pc:chgData name="Weifeng Xu" userId="e7aed605-a3dd-4d5a-a692-a87037af107b" providerId="ADAL" clId="{9C06CBEB-0343-4287-8B81-0C702673DE5E}" dt="2025-04-23T00:36:22.083" v="3996" actId="20577"/>
+        <pc:sldMkLst>
+          <pc:docMk/>
+          <pc:sldMk cId="3284022864" sldId="262"/>
+        </pc:sldMkLst>
+      </pc:sldChg>
+      <pc:sldChg chg="addSp delSp modSp new mod">
+        <pc:chgData name="Weifeng Xu" userId="e7aed605-a3dd-4d5a-a692-a87037af107b" providerId="ADAL" clId="{9C06CBEB-0343-4287-8B81-0C702673DE5E}" dt="2025-04-23T00:40:19.679" v="4005" actId="6549"/>
+        <pc:sldMkLst>
+          <pc:docMk/>
+          <pc:sldMk cId="786756272" sldId="263"/>
+        </pc:sldMkLst>
+      </pc:sldChg>
+      <pc:sldChg chg="addSp delSp modSp new mod modClrScheme chgLayout">
+        <pc:chgData name="Weifeng Xu" userId="e7aed605-a3dd-4d5a-a692-a87037af107b" providerId="ADAL" clId="{9C06CBEB-0343-4287-8B81-0C702673DE5E}" dt="2025-04-23T00:42:08.933" v="4070" actId="108"/>
+        <pc:sldMkLst>
+          <pc:docMk/>
+          <pc:sldMk cId="3548515090" sldId="264"/>
+        </pc:sldMkLst>
+      </pc:sldChg>
+      <pc:sldChg chg="addSp delSp modSp new mod modClrScheme chgLayout modNotesTx">
+        <pc:chgData name="Weifeng Xu" userId="e7aed605-a3dd-4d5a-a692-a87037af107b" providerId="ADAL" clId="{9C06CBEB-0343-4287-8B81-0C702673DE5E}" dt="2025-04-21T13:40:04.327" v="2094" actId="207"/>
+        <pc:sldMkLst>
+          <pc:docMk/>
+          <pc:sldMk cId="3523214092" sldId="265"/>
+        </pc:sldMkLst>
+      </pc:sldChg>
+      <pc:sldChg chg="addSp delSp modSp new mod ord modClrScheme chgLayout">
+        <pc:chgData name="Weifeng Xu" userId="e7aed605-a3dd-4d5a-a692-a87037af107b" providerId="ADAL" clId="{9C06CBEB-0343-4287-8B81-0C702673DE5E}" dt="2025-04-23T01:02:14.800" v="4310" actId="207"/>
+        <pc:sldMkLst>
+          <pc:docMk/>
+          <pc:sldMk cId="756868712" sldId="266"/>
+        </pc:sldMkLst>
+      </pc:sldChg>
+      <pc:sldChg chg="addSp delSp modSp add mod">
+        <pc:chgData name="Weifeng Xu" userId="e7aed605-a3dd-4d5a-a692-a87037af107b" providerId="ADAL" clId="{9C06CBEB-0343-4287-8B81-0C702673DE5E}" dt="2025-04-22T02:46:00.589" v="3485" actId="20577"/>
+        <pc:sldMkLst>
+          <pc:docMk/>
+          <pc:sldMk cId="2973990778" sldId="267"/>
+        </pc:sldMkLst>
+      </pc:sldChg>
+      <pc:sldChg chg="addSp delSp modSp add del mod">
+        <pc:chgData name="Weifeng Xu" userId="e7aed605-a3dd-4d5a-a692-a87037af107b" providerId="ADAL" clId="{9C06CBEB-0343-4287-8B81-0C702673DE5E}" dt="2025-04-22T12:56:50.206" v="3699" actId="1076"/>
+        <pc:sldMkLst>
+          <pc:docMk/>
+          <pc:sldMk cId="2042884208" sldId="268"/>
+        </pc:sldMkLst>
+      </pc:sldChg>
+      <pc:sldChg chg="addSp delSp modSp add mod modClrScheme chgLayout">
+        <pc:chgData name="Weifeng Xu" userId="e7aed605-a3dd-4d5a-a692-a87037af107b" providerId="ADAL" clId="{9C06CBEB-0343-4287-8B81-0C702673DE5E}" dt="2025-04-23T01:19:14.631" v="4375" actId="207"/>
+        <pc:sldMkLst>
+          <pc:docMk/>
+          <pc:sldMk cId="3256057421" sldId="269"/>
+        </pc:sldMkLst>
+      </pc:sldChg>
+      <pc:sldChg chg="addSp modSp add mod">
+        <pc:chgData name="Weifeng Xu" userId="e7aed605-a3dd-4d5a-a692-a87037af107b" providerId="ADAL" clId="{9C06CBEB-0343-4287-8B81-0C702673DE5E}" dt="2025-04-23T01:19:18.460" v="4376" actId="207"/>
+        <pc:sldMkLst>
+          <pc:docMk/>
+          <pc:sldMk cId="146876777" sldId="270"/>
+        </pc:sldMkLst>
+      </pc:sldChg>
+      <pc:sldChg chg="addSp delSp modSp add mod modClrScheme chgLayout">
+        <pc:chgData name="Weifeng Xu" userId="e7aed605-a3dd-4d5a-a692-a87037af107b" providerId="ADAL" clId="{9C06CBEB-0343-4287-8B81-0C702673DE5E}" dt="2025-04-23T01:26:00.614" v="4493" actId="1076"/>
+        <pc:sldMkLst>
+          <pc:docMk/>
+          <pc:sldMk cId="1939243851" sldId="271"/>
+        </pc:sldMkLst>
+      </pc:sldChg>
+      <pc:sldChg chg="addSp modSp new mod">
+        <pc:chgData name="Weifeng Xu" userId="e7aed605-a3dd-4d5a-a692-a87037af107b" providerId="ADAL" clId="{9C06CBEB-0343-4287-8B81-0C702673DE5E}" dt="2025-04-23T23:34:27.047" v="4553" actId="1076"/>
+        <pc:sldMkLst>
+          <pc:docMk/>
+          <pc:sldMk cId="2238745649" sldId="272"/>
+        </pc:sldMkLst>
+      </pc:sldChg>
+    </pc:docChg>
+  </pc:docChgLst>
+  <pc:docChgLst>
+    <pc:chgData name="Weifeng Xu" userId="e7aed605-a3dd-4d5a-a692-a87037af107b" providerId="ADAL" clId="{69090D41-60B8-4636-A275-1996D027DEDB}"/>
+    <pc:docChg chg="undo redo custSel addSld delSld modSld sldOrd">
+      <pc:chgData name="Weifeng Xu" userId="e7aed605-a3dd-4d5a-a692-a87037af107b" providerId="ADAL" clId="{69090D41-60B8-4636-A275-1996D027DEDB}" dt="2025-06-03T00:23:32.734" v="6385" actId="1076"/>
+      <pc:docMkLst>
+        <pc:docMk/>
+      </pc:docMkLst>
+      <pc:sldChg chg="modSp mod">
+        <pc:chgData name="Weifeng Xu" userId="e7aed605-a3dd-4d5a-a692-a87037af107b" providerId="ADAL" clId="{69090D41-60B8-4636-A275-1996D027DEDB}" dt="2025-05-03T20:45:02.331" v="33"/>
+        <pc:sldMkLst>
+          <pc:docMk/>
+          <pc:sldMk cId="1325061211" sldId="256"/>
+        </pc:sldMkLst>
+      </pc:sldChg>
+      <pc:sldChg chg="del">
+        <pc:chgData name="Weifeng Xu" userId="e7aed605-a3dd-4d5a-a692-a87037af107b" providerId="ADAL" clId="{69090D41-60B8-4636-A275-1996D027DEDB}" dt="2025-05-03T02:29:18.938" v="0" actId="47"/>
+        <pc:sldMkLst>
+          <pc:docMk/>
+          <pc:sldMk cId="1640287784" sldId="257"/>
+        </pc:sldMkLst>
+      </pc:sldChg>
+      <pc:sldChg chg="modSp new mod">
+        <pc:chgData name="Weifeng Xu" userId="e7aed605-a3dd-4d5a-a692-a87037af107b" providerId="ADAL" clId="{69090D41-60B8-4636-A275-1996D027DEDB}" dt="2025-05-03T20:45:36.690" v="43"/>
+        <pc:sldMkLst>
+          <pc:docMk/>
+          <pc:sldMk cId="3637650244" sldId="257"/>
+        </pc:sldMkLst>
+      </pc:sldChg>
+      <pc:sldChg chg="del">
+        <pc:chgData name="Weifeng Xu" userId="e7aed605-a3dd-4d5a-a692-a87037af107b" providerId="ADAL" clId="{69090D41-60B8-4636-A275-1996D027DEDB}" dt="2025-05-03T02:29:19.445" v="1" actId="47"/>
+        <pc:sldMkLst>
+          <pc:docMk/>
+          <pc:sldMk cId="717681411" sldId="258"/>
+        </pc:sldMkLst>
+      </pc:sldChg>
+      <pc:sldChg chg="addSp delSp modSp new mod modNotesTx">
+        <pc:chgData name="Weifeng Xu" userId="e7aed605-a3dd-4d5a-a692-a87037af107b" providerId="ADAL" clId="{69090D41-60B8-4636-A275-1996D027DEDB}" dt="2025-06-02T16:20:42.745" v="4534" actId="20577"/>
+        <pc:sldMkLst>
+          <pc:docMk/>
+          <pc:sldMk cId="2182874950" sldId="258"/>
+        </pc:sldMkLst>
+      </pc:sldChg>
+      <pc:sldChg chg="del">
+        <pc:chgData name="Weifeng Xu" userId="e7aed605-a3dd-4d5a-a692-a87037af107b" providerId="ADAL" clId="{69090D41-60B8-4636-A275-1996D027DEDB}" dt="2025-05-03T02:29:19.479" v="2" actId="47"/>
+        <pc:sldMkLst>
+          <pc:docMk/>
+          <pc:sldMk cId="3856045583" sldId="259"/>
+        </pc:sldMkLst>
+      </pc:sldChg>
+      <pc:sldChg chg="addSp delSp modSp new mod modClrScheme chgLayout">
+        <pc:chgData name="Weifeng Xu" userId="e7aed605-a3dd-4d5a-a692-a87037af107b" providerId="ADAL" clId="{69090D41-60B8-4636-A275-1996D027DEDB}" dt="2025-05-04T22:45:41.404" v="4018" actId="20577"/>
+        <pc:sldMkLst>
+          <pc:docMk/>
+          <pc:sldMk cId="3948614833" sldId="259"/>
+        </pc:sldMkLst>
+      </pc:sldChg>
+      <pc:sldChg chg="del">
+        <pc:chgData name="Weifeng Xu" userId="e7aed605-a3dd-4d5a-a692-a87037af107b" providerId="ADAL" clId="{69090D41-60B8-4636-A275-1996D027DEDB}" dt="2025-05-03T02:29:19.512" v="3" actId="47"/>
+        <pc:sldMkLst>
+          <pc:docMk/>
+          <pc:sldMk cId="1123301564" sldId="260"/>
+        </pc:sldMkLst>
+      </pc:sldChg>
+      <pc:sldChg chg="addSp delSp modSp new mod modClrScheme chgLayout">
+        <pc:chgData name="Weifeng Xu" userId="e7aed605-a3dd-4d5a-a692-a87037af107b" providerId="ADAL" clId="{69090D41-60B8-4636-A275-1996D027DEDB}" dt="2025-06-02T21:10:56.749" v="6028" actId="478"/>
+        <pc:sldMkLst>
+          <pc:docMk/>
+          <pc:sldMk cId="2232272763" sldId="260"/>
+        </pc:sldMkLst>
+      </pc:sldChg>
+      <pc:sldChg chg="del">
+        <pc:chgData name="Weifeng Xu" userId="e7aed605-a3dd-4d5a-a692-a87037af107b" providerId="ADAL" clId="{69090D41-60B8-4636-A275-1996D027DEDB}" dt="2025-05-03T02:29:19.545" v="4" actId="47"/>
+        <pc:sldMkLst>
+          <pc:docMk/>
+          <pc:sldMk cId="805984163" sldId="261"/>
+        </pc:sldMkLst>
+      </pc:sldChg>
+      <pc:sldChg chg="addSp delSp modSp new mod modClrScheme chgLayout">
+        <pc:chgData name="Weifeng Xu" userId="e7aed605-a3dd-4d5a-a692-a87037af107b" providerId="ADAL" clId="{69090D41-60B8-4636-A275-1996D027DEDB}" dt="2025-05-04T20:34:48.379" v="3499" actId="6549"/>
+        <pc:sldMkLst>
+          <pc:docMk/>
+          <pc:sldMk cId="2892488957" sldId="261"/>
+        </pc:sldMkLst>
+      </pc:sldChg>
+      <pc:sldChg chg="addSp delSp modSp new mod modClrScheme chgLayout">
+        <pc:chgData name="Weifeng Xu" userId="e7aed605-a3dd-4d5a-a692-a87037af107b" providerId="ADAL" clId="{69090D41-60B8-4636-A275-1996D027DEDB}" dt="2025-05-04T22:12:00.114" v="3933" actId="404"/>
+        <pc:sldMkLst>
+          <pc:docMk/>
+          <pc:sldMk cId="151526665" sldId="262"/>
+        </pc:sldMkLst>
+      </pc:sldChg>
+      <pc:sldChg chg="del">
+        <pc:chgData name="Weifeng Xu" userId="e7aed605-a3dd-4d5a-a692-a87037af107b" providerId="ADAL" clId="{69090D41-60B8-4636-A275-1996D027DEDB}" dt="2025-05-03T02:29:19.586" v="5" actId="47"/>
+        <pc:sldMkLst>
+          <pc:docMk/>
+          <pc:sldMk cId="914522820" sldId="262"/>
+        </pc:sldMkLst>
+      </pc:sldChg>
+      <pc:sldChg chg="addSp delSp modSp new mod">
+        <pc:chgData name="Weifeng Xu" userId="e7aed605-a3dd-4d5a-a692-a87037af107b" providerId="ADAL" clId="{69090D41-60B8-4636-A275-1996D027DEDB}" dt="2025-05-04T20:22:41.257" v="3369"/>
+        <pc:sldMkLst>
+          <pc:docMk/>
+          <pc:sldMk cId="1683674305" sldId="263"/>
+        </pc:sldMkLst>
+      </pc:sldChg>
+      <pc:sldChg chg="del">
+        <pc:chgData name="Weifeng Xu" userId="e7aed605-a3dd-4d5a-a692-a87037af107b" providerId="ADAL" clId="{69090D41-60B8-4636-A275-1996D027DEDB}" dt="2025-05-03T02:29:19.623" v="6" actId="47"/>
+        <pc:sldMkLst>
+          <pc:docMk/>
+          <pc:sldMk cId="3784490461" sldId="263"/>
+        </pc:sldMkLst>
+      </pc:sldChg>
+      <pc:sldChg chg="addSp delSp modSp new mod modClrScheme chgLayout modNotesTx">
+        <pc:chgData name="Weifeng Xu" userId="e7aed605-a3dd-4d5a-a692-a87037af107b" providerId="ADAL" clId="{69090D41-60B8-4636-A275-1996D027DEDB}" dt="2025-05-04T19:49:37.200" v="2941" actId="6549"/>
+        <pc:sldMkLst>
+          <pc:docMk/>
+          <pc:sldMk cId="14529535" sldId="264"/>
+        </pc:sldMkLst>
+      </pc:sldChg>
+      <pc:sldChg chg="del">
+        <pc:chgData name="Weifeng Xu" userId="e7aed605-a3dd-4d5a-a692-a87037af107b" providerId="ADAL" clId="{69090D41-60B8-4636-A275-1996D027DEDB}" dt="2025-05-03T02:29:19.652" v="7" actId="47"/>
+        <pc:sldMkLst>
+          <pc:docMk/>
+          <pc:sldMk cId="1859847628" sldId="264"/>
+        </pc:sldMkLst>
+      </pc:sldChg>
+      <pc:sldChg chg="addSp delSp modSp new mod modClrScheme chgLayout">
+        <pc:chgData name="Weifeng Xu" userId="e7aed605-a3dd-4d5a-a692-a87037af107b" providerId="ADAL" clId="{69090D41-60B8-4636-A275-1996D027DEDB}" dt="2025-05-04T02:10:58.399" v="2040"/>
+        <pc:sldMkLst>
+          <pc:docMk/>
+          <pc:sldMk cId="2513134488" sldId="265"/>
+        </pc:sldMkLst>
+      </pc:sldChg>
+      <pc:sldChg chg="del">
+        <pc:chgData name="Weifeng Xu" userId="e7aed605-a3dd-4d5a-a692-a87037af107b" providerId="ADAL" clId="{69090D41-60B8-4636-A275-1996D027DEDB}" dt="2025-05-03T02:29:19.700" v="8" actId="47"/>
+        <pc:sldMkLst>
+          <pc:docMk/>
+          <pc:sldMk cId="2875748899" sldId="265"/>
+        </pc:sldMkLst>
+      </pc:sldChg>
+      <pc:sldChg chg="addSp delSp modSp new mod modClrScheme chgLayout">
+        <pc:chgData name="Weifeng Xu" userId="e7aed605-a3dd-4d5a-a692-a87037af107b" providerId="ADAL" clId="{69090D41-60B8-4636-A275-1996D027DEDB}" dt="2025-05-04T23:50:40.716" v="4038" actId="6549"/>
+        <pc:sldMkLst>
+          <pc:docMk/>
+          <pc:sldMk cId="2697101003" sldId="266"/>
+        </pc:sldMkLst>
+      </pc:sldChg>
+      <pc:sldChg chg="del">
+        <pc:chgData name="Weifeng Xu" userId="e7aed605-a3dd-4d5a-a692-a87037af107b" providerId="ADAL" clId="{69090D41-60B8-4636-A275-1996D027DEDB}" dt="2025-05-03T02:29:19.736" v="9" actId="47"/>
+        <pc:sldMkLst>
+          <pc:docMk/>
+          <pc:sldMk cId="3455260336" sldId="266"/>
+        </pc:sldMkLst>
+      </pc:sldChg>
+      <pc:sldChg chg="del">
+        <pc:chgData name="Weifeng Xu" userId="e7aed605-a3dd-4d5a-a692-a87037af107b" providerId="ADAL" clId="{69090D41-60B8-4636-A275-1996D027DEDB}" dt="2025-05-03T02:29:19.771" v="10" actId="47"/>
+        <pc:sldMkLst>
+          <pc:docMk/>
+          <pc:sldMk cId="2341961951" sldId="267"/>
+        </pc:sldMkLst>
+      </pc:sldChg>
+      <pc:sldChg chg="addSp delSp modSp new mod modClrScheme modAnim chgLayout">
+        <pc:chgData name="Weifeng Xu" userId="e7aed605-a3dd-4d5a-a692-a87037af107b" providerId="ADAL" clId="{69090D41-60B8-4636-A275-1996D027DEDB}" dt="2025-05-04T11:48:14.823" v="2052"/>
+        <pc:sldMkLst>
+          <pc:docMk/>
+          <pc:sldMk cId="2718594992" sldId="267"/>
+        </pc:sldMkLst>
+      </pc:sldChg>
+      <pc:sldChg chg="del">
+        <pc:chgData name="Weifeng Xu" userId="e7aed605-a3dd-4d5a-a692-a87037af107b" providerId="ADAL" clId="{69090D41-60B8-4636-A275-1996D027DEDB}" dt="2025-05-03T02:29:19.798" v="11" actId="47"/>
+        <pc:sldMkLst>
+          <pc:docMk/>
+          <pc:sldMk cId="1430309032" sldId="268"/>
+        </pc:sldMkLst>
+      </pc:sldChg>
+      <pc:sldChg chg="addSp delSp modSp new mod modClrScheme chgLayout modNotesTx">
+        <pc:chgData name="Weifeng Xu" userId="e7aed605-a3dd-4d5a-a692-a87037af107b" providerId="ADAL" clId="{69090D41-60B8-4636-A275-1996D027DEDB}" dt="2025-06-03T00:22:29.936" v="6379" actId="20577"/>
+        <pc:sldMkLst>
+          <pc:docMk/>
+          <pc:sldMk cId="2848934703" sldId="268"/>
+        </pc:sldMkLst>
+      </pc:sldChg>
+      <pc:sldChg chg="del">
+        <pc:chgData name="Weifeng Xu" userId="e7aed605-a3dd-4d5a-a692-a87037af107b" providerId="ADAL" clId="{69090D41-60B8-4636-A275-1996D027DEDB}" dt="2025-05-03T02:29:19.855" v="12" actId="47"/>
+        <pc:sldMkLst>
+          <pc:docMk/>
+          <pc:sldMk cId="2476079575" sldId="269"/>
+        </pc:sldMkLst>
+      </pc:sldChg>
+      <pc:sldChg chg="addSp delSp modSp new mod modClrScheme chgLayout">
+        <pc:chgData name="Weifeng Xu" userId="e7aed605-a3dd-4d5a-a692-a87037af107b" providerId="ADAL" clId="{69090D41-60B8-4636-A275-1996D027DEDB}" dt="2025-05-04T21:25:16.347" v="3795" actId="1076"/>
+        <pc:sldMkLst>
+          <pc:docMk/>
+          <pc:sldMk cId="2627592652" sldId="269"/>
+        </pc:sldMkLst>
+      </pc:sldChg>
+      <pc:sldChg chg="del">
+        <pc:chgData name="Weifeng Xu" userId="e7aed605-a3dd-4d5a-a692-a87037af107b" providerId="ADAL" clId="{69090D41-60B8-4636-A275-1996D027DEDB}" dt="2025-05-03T02:29:19.881" v="13" actId="47"/>
+        <pc:sldMkLst>
+          <pc:docMk/>
+          <pc:sldMk cId="2069138016" sldId="270"/>
+        </pc:sldMkLst>
+      </pc:sldChg>
+      <pc:sldChg chg="addSp modSp new del mod modClrScheme chgLayout">
+        <pc:chgData name="Weifeng Xu" userId="e7aed605-a3dd-4d5a-a692-a87037af107b" providerId="ADAL" clId="{69090D41-60B8-4636-A275-1996D027DEDB}" dt="2025-05-04T16:17:30.394" v="2661" actId="47"/>
+        <pc:sldMkLst>
+          <pc:docMk/>
+          <pc:sldMk cId="3686103974" sldId="270"/>
+        </pc:sldMkLst>
+      </pc:sldChg>
+      <pc:sldChg chg="addSp delSp modSp new mod ord modClrScheme chgLayout">
+        <pc:chgData name="Weifeng Xu" userId="e7aed605-a3dd-4d5a-a692-a87037af107b" providerId="ADAL" clId="{69090D41-60B8-4636-A275-1996D027DEDB}" dt="2025-05-05T01:21:44.476" v="4316" actId="1076"/>
+        <pc:sldMkLst>
+          <pc:docMk/>
+          <pc:sldMk cId="2150245760" sldId="271"/>
+        </pc:sldMkLst>
+      </pc:sldChg>
+      <pc:sldChg chg="addSp modSp new modAnim">
+        <pc:chgData name="Weifeng Xu" userId="e7aed605-a3dd-4d5a-a692-a87037af107b" providerId="ADAL" clId="{69090D41-60B8-4636-A275-1996D027DEDB}" dt="2025-05-04T16:50:45.261" v="2663"/>
+        <pc:sldMkLst>
+          <pc:docMk/>
+          <pc:sldMk cId="2888544228" sldId="272"/>
+        </pc:sldMkLst>
+      </pc:sldChg>
+      <pc:sldChg chg="addSp delSp modSp add mod ord modClrScheme chgLayout">
+        <pc:chgData name="Weifeng Xu" userId="e7aed605-a3dd-4d5a-a692-a87037af107b" providerId="ADAL" clId="{69090D41-60B8-4636-A275-1996D027DEDB}" dt="2025-06-03T00:20:37.047" v="6364" actId="1076"/>
+        <pc:sldMkLst>
+          <pc:docMk/>
+          <pc:sldMk cId="2994016025" sldId="273"/>
+        </pc:sldMkLst>
+      </pc:sldChg>
+      <pc:sldChg chg="addSp modSp new mod">
+        <pc:chgData name="Weifeng Xu" userId="e7aed605-a3dd-4d5a-a692-a87037af107b" providerId="ADAL" clId="{69090D41-60B8-4636-A275-1996D027DEDB}" dt="2025-05-05T01:09:51.415" v="4262" actId="14100"/>
+        <pc:sldMkLst>
+          <pc:docMk/>
+          <pc:sldMk cId="1783593539" sldId="274"/>
+        </pc:sldMkLst>
+      </pc:sldChg>
+      <pc:sldChg chg="addSp delSp modSp new mod modClrScheme chgLayout">
+        <pc:chgData name="Weifeng Xu" userId="e7aed605-a3dd-4d5a-a692-a87037af107b" providerId="ADAL" clId="{69090D41-60B8-4636-A275-1996D027DEDB}" dt="2025-05-04T23:50:17.691" v="4037" actId="1076"/>
+        <pc:sldMkLst>
+          <pc:docMk/>
+          <pc:sldMk cId="1245700757" sldId="275"/>
+        </pc:sldMkLst>
+      </pc:sldChg>
+      <pc:sldChg chg="addSp modSp new mod modClrScheme chgLayout">
+        <pc:chgData name="Weifeng Xu" userId="e7aed605-a3dd-4d5a-a692-a87037af107b" providerId="ADAL" clId="{69090D41-60B8-4636-A275-1996D027DEDB}" dt="2025-05-05T01:16:32.042" v="4267"/>
+        <pc:sldMkLst>
+          <pc:docMk/>
+          <pc:sldMk cId="495228592" sldId="276"/>
+        </pc:sldMkLst>
+      </pc:sldChg>
+      <pc:sldChg chg="addSp delSp modSp new mod modClrScheme chgLayout">
+        <pc:chgData name="Weifeng Xu" userId="e7aed605-a3dd-4d5a-a692-a87037af107b" providerId="ADAL" clId="{69090D41-60B8-4636-A275-1996D027DEDB}" dt="2025-05-05T01:25:53.851" v="4328" actId="1076"/>
+        <pc:sldMkLst>
+          <pc:docMk/>
+          <pc:sldMk cId="3629368376" sldId="277"/>
+        </pc:sldMkLst>
+      </pc:sldChg>
+      <pc:sldChg chg="addSp delSp modSp new mod modClrScheme chgLayout">
+        <pc:chgData name="Weifeng Xu" userId="e7aed605-a3dd-4d5a-a692-a87037af107b" providerId="ADAL" clId="{69090D41-60B8-4636-A275-1996D027DEDB}" dt="2025-05-05T01:32:44.557" v="4331"/>
+        <pc:sldMkLst>
+          <pc:docMk/>
+          <pc:sldMk cId="1472723351" sldId="278"/>
+        </pc:sldMkLst>
+      </pc:sldChg>
+      <pc:sldChg chg="addSp delSp modSp new del mod modClrScheme chgLayout">
+        <pc:chgData name="Weifeng Xu" userId="e7aed605-a3dd-4d5a-a692-a87037af107b" providerId="ADAL" clId="{69090D41-60B8-4636-A275-1996D027DEDB}" dt="2025-05-05T01:44:35.522" v="4366" actId="47"/>
+        <pc:sldMkLst>
+          <pc:docMk/>
+          <pc:sldMk cId="1885935106" sldId="279"/>
+        </pc:sldMkLst>
+      </pc:sldChg>
+      <pc:sldChg chg="addSp delSp modSp new mod modClrScheme chgLayout">
+        <pc:chgData name="Weifeng Xu" userId="e7aed605-a3dd-4d5a-a692-a87037af107b" providerId="ADAL" clId="{69090D41-60B8-4636-A275-1996D027DEDB}" dt="2025-05-05T01:40:17.329" v="4347" actId="14100"/>
+        <pc:sldMkLst>
+          <pc:docMk/>
+          <pc:sldMk cId="545826806" sldId="280"/>
+        </pc:sldMkLst>
+      </pc:sldChg>
+      <pc:sldChg chg="addSp modSp new mod modClrScheme chgLayout">
+        <pc:chgData name="Weifeng Xu" userId="e7aed605-a3dd-4d5a-a692-a87037af107b" providerId="ADAL" clId="{69090D41-60B8-4636-A275-1996D027DEDB}" dt="2025-05-05T01:42:07.354" v="4356" actId="207"/>
+        <pc:sldMkLst>
+          <pc:docMk/>
+          <pc:sldMk cId="1846476847" sldId="281"/>
+        </pc:sldMkLst>
+      </pc:sldChg>
+      <pc:sldChg chg="addSp delSp modSp new mod modClrScheme chgLayout">
+        <pc:chgData name="Weifeng Xu" userId="e7aed605-a3dd-4d5a-a692-a87037af107b" providerId="ADAL" clId="{69090D41-60B8-4636-A275-1996D027DEDB}" dt="2025-05-05T01:43:32.678" v="4364" actId="14100"/>
+        <pc:sldMkLst>
+          <pc:docMk/>
+          <pc:sldMk cId="1740457000" sldId="282"/>
+        </pc:sldMkLst>
+      </pc:sldChg>
+      <pc:sldChg chg="addSp delSp modSp new mod modClrScheme chgLayout">
+        <pc:chgData name="Weifeng Xu" userId="e7aed605-a3dd-4d5a-a692-a87037af107b" providerId="ADAL" clId="{69090D41-60B8-4636-A275-1996D027DEDB}" dt="2025-05-05T01:56:58.333" v="4492" actId="20577"/>
+        <pc:sldMkLst>
+          <pc:docMk/>
+          <pc:sldMk cId="1312178182" sldId="283"/>
+        </pc:sldMkLst>
+      </pc:sldChg>
+      <pc:sldChg chg="addSp delSp modSp new mod">
+        <pc:chgData name="Weifeng Xu" userId="e7aed605-a3dd-4d5a-a692-a87037af107b" providerId="ADAL" clId="{69090D41-60B8-4636-A275-1996D027DEDB}" dt="2025-05-05T02:01:40.995" v="4514" actId="1076"/>
+        <pc:sldMkLst>
+          <pc:docMk/>
+          <pc:sldMk cId="383624214" sldId="284"/>
+        </pc:sldMkLst>
+      </pc:sldChg>
+      <pc:sldChg chg="modSp new mod">
+        <pc:chgData name="Weifeng Xu" userId="e7aed605-a3dd-4d5a-a692-a87037af107b" providerId="ADAL" clId="{69090D41-60B8-4636-A275-1996D027DEDB}" dt="2025-05-05T01:59:56.660" v="4513"/>
+        <pc:sldMkLst>
+          <pc:docMk/>
+          <pc:sldMk cId="3552171113" sldId="285"/>
+        </pc:sldMkLst>
+      </pc:sldChg>
+      <pc:sldChg chg="modSp add mod ord">
+        <pc:chgData name="Weifeng Xu" userId="e7aed605-a3dd-4d5a-a692-a87037af107b" providerId="ADAL" clId="{69090D41-60B8-4636-A275-1996D027DEDB}" dt="2025-06-02T21:07:53.346" v="6026" actId="20577"/>
+        <pc:sldMkLst>
+          <pc:docMk/>
+          <pc:sldMk cId="263890869" sldId="286"/>
+        </pc:sldMkLst>
+      </pc:sldChg>
+      <pc:sldChg chg="modSp add mod ord">
+        <pc:chgData name="Weifeng Xu" userId="e7aed605-a3dd-4d5a-a692-a87037af107b" providerId="ADAL" clId="{69090D41-60B8-4636-A275-1996D027DEDB}" dt="2025-06-02T21:07:44.173" v="6018"/>
+        <pc:sldMkLst>
+          <pc:docMk/>
+          <pc:sldMk cId="3686400147" sldId="287"/>
+        </pc:sldMkLst>
+      </pc:sldChg>
+      <pc:sldChg chg="addSp delSp modSp new mod modClrScheme chgLayout">
+        <pc:chgData name="Weifeng Xu" userId="e7aed605-a3dd-4d5a-a692-a87037af107b" providerId="ADAL" clId="{69090D41-60B8-4636-A275-1996D027DEDB}" dt="2025-06-02T20:58:45.855" v="5996" actId="14734"/>
+        <pc:sldMkLst>
+          <pc:docMk/>
+          <pc:sldMk cId="1807367971" sldId="288"/>
+        </pc:sldMkLst>
+      </pc:sldChg>
+      <pc:sldChg chg="new del">
+        <pc:chgData name="Weifeng Xu" userId="e7aed605-a3dd-4d5a-a692-a87037af107b" providerId="ADAL" clId="{69090D41-60B8-4636-A275-1996D027DEDB}" dt="2025-06-02T19:34:59.050" v="5349" actId="680"/>
+        <pc:sldMkLst>
+          <pc:docMk/>
+          <pc:sldMk cId="2671048077" sldId="289"/>
+        </pc:sldMkLst>
+      </pc:sldChg>
+      <pc:sldChg chg="addSp modSp new mod">
+        <pc:chgData name="Weifeng Xu" userId="e7aed605-a3dd-4d5a-a692-a87037af107b" providerId="ADAL" clId="{69090D41-60B8-4636-A275-1996D027DEDB}" dt="2025-06-02T21:15:56.643" v="6065" actId="113"/>
+        <pc:sldMkLst>
+          <pc:docMk/>
+          <pc:sldMk cId="3779709545" sldId="289"/>
+        </pc:sldMkLst>
+      </pc:sldChg>
+      <pc:sldChg chg="modSp add mod">
+        <pc:chgData name="Weifeng Xu" userId="e7aed605-a3dd-4d5a-a692-a87037af107b" providerId="ADAL" clId="{69090D41-60B8-4636-A275-1996D027DEDB}" dt="2025-06-02T21:05:13.819" v="6002" actId="20577"/>
+        <pc:sldMkLst>
+          <pc:docMk/>
+          <pc:sldMk cId="2958233388" sldId="290"/>
+        </pc:sldMkLst>
+      </pc:sldChg>
+      <pc:sldChg chg="delSp modSp add mod">
+        <pc:chgData name="Weifeng Xu" userId="e7aed605-a3dd-4d5a-a692-a87037af107b" providerId="ADAL" clId="{69090D41-60B8-4636-A275-1996D027DEDB}" dt="2025-06-03T00:23:32.734" v="6385" actId="1076"/>
+        <pc:sldMkLst>
+          <pc:docMk/>
+          <pc:sldMk cId="2668507805" sldId="291"/>
+        </pc:sldMkLst>
+      </pc:sldChg>
+      <pc:sldChg chg="delSp modSp add mod">
+        <pc:chgData name="Weifeng Xu" userId="e7aed605-a3dd-4d5a-a692-a87037af107b" providerId="ADAL" clId="{69090D41-60B8-4636-A275-1996D027DEDB}" dt="2025-06-03T00:21:36.965" v="6374" actId="1076"/>
+        <pc:sldMkLst>
+          <pc:docMk/>
+          <pc:sldMk cId="34415168" sldId="292"/>
+        </pc:sldMkLst>
+      </pc:sldChg>
+    </pc:docChg>
+  </pc:docChgLst>
+  <pc:docChgLst>
+    <pc:chgData name="Weifeng Xu" userId="e7aed605-a3dd-4d5a-a692-a87037af107b" providerId="ADAL" clId="{8E5A6AEC-921D-4BE6-8002-CC8D4F2830D2}"/>
+    <pc:docChg chg="undo custSel addSld delSld modSld">
+      <pc:chgData name="Weifeng Xu" userId="e7aed605-a3dd-4d5a-a692-a87037af107b" providerId="ADAL" clId="{8E5A6AEC-921D-4BE6-8002-CC8D4F2830D2}" dt="2025-04-28T15:23:27.017" v="746" actId="6549"/>
+      <pc:docMkLst>
+        <pc:docMk/>
+      </pc:docMkLst>
+      <pc:sldChg chg="modSp mod chgLayout">
+        <pc:chgData name="Weifeng Xu" userId="e7aed605-a3dd-4d5a-a692-a87037af107b" providerId="ADAL" clId="{8E5A6AEC-921D-4BE6-8002-CC8D4F2830D2}" dt="2025-04-27T15:24:07.342" v="34" actId="700"/>
+        <pc:sldMkLst>
+          <pc:docMk/>
+          <pc:sldMk cId="1325061211" sldId="256"/>
+        </pc:sldMkLst>
+      </pc:sldChg>
+      <pc:sldChg chg="del">
+        <pc:chgData name="Weifeng Xu" userId="e7aed605-a3dd-4d5a-a692-a87037af107b" providerId="ADAL" clId="{8E5A6AEC-921D-4BE6-8002-CC8D4F2830D2}" dt="2025-04-27T15:25:06.899" v="35" actId="47"/>
+        <pc:sldMkLst>
+          <pc:docMk/>
+          <pc:sldMk cId="2201572609" sldId="257"/>
+        </pc:sldMkLst>
+      </pc:sldChg>
+      <pc:sldChg chg="addSp modSp new mod">
+        <pc:chgData name="Weifeng Xu" userId="e7aed605-a3dd-4d5a-a692-a87037af107b" providerId="ADAL" clId="{8E5A6AEC-921D-4BE6-8002-CC8D4F2830D2}" dt="2025-04-27T15:43:48.595" v="157" actId="1076"/>
+        <pc:sldMkLst>
+          <pc:docMk/>
+          <pc:sldMk cId="2572427240" sldId="257"/>
+        </pc:sldMkLst>
+      </pc:sldChg>
+      <pc:sldChg chg="del">
+        <pc:chgData name="Weifeng Xu" userId="e7aed605-a3dd-4d5a-a692-a87037af107b" providerId="ADAL" clId="{8E5A6AEC-921D-4BE6-8002-CC8D4F2830D2}" dt="2025-04-27T15:25:07.244" v="36" actId="47"/>
+        <pc:sldMkLst>
+          <pc:docMk/>
+          <pc:sldMk cId="450669007" sldId="258"/>
+        </pc:sldMkLst>
+      </pc:sldChg>
+      <pc:sldChg chg="addSp delSp modSp new mod modClrScheme chgLayout">
+        <pc:chgData name="Weifeng Xu" userId="e7aed605-a3dd-4d5a-a692-a87037af107b" providerId="ADAL" clId="{8E5A6AEC-921D-4BE6-8002-CC8D4F2830D2}" dt="2025-04-27T16:01:11.569" v="507" actId="207"/>
+        <pc:sldMkLst>
+          <pc:docMk/>
+          <pc:sldMk cId="3100494254" sldId="258"/>
+        </pc:sldMkLst>
+      </pc:sldChg>
+      <pc:sldChg chg="modSp new mod">
+        <pc:chgData name="Weifeng Xu" userId="e7aed605-a3dd-4d5a-a692-a87037af107b" providerId="ADAL" clId="{8E5A6AEC-921D-4BE6-8002-CC8D4F2830D2}" dt="2025-04-27T16:03:14.809" v="520" actId="207"/>
+        <pc:sldMkLst>
+          <pc:docMk/>
+          <pc:sldMk cId="1655253961" sldId="259"/>
+        </pc:sldMkLst>
+      </pc:sldChg>
+      <pc:sldChg chg="del">
+        <pc:chgData name="Weifeng Xu" userId="e7aed605-a3dd-4d5a-a692-a87037af107b" providerId="ADAL" clId="{8E5A6AEC-921D-4BE6-8002-CC8D4F2830D2}" dt="2025-04-27T15:25:07.654" v="37" actId="47"/>
+        <pc:sldMkLst>
+          <pc:docMk/>
+          <pc:sldMk cId="3233567480" sldId="259"/>
+        </pc:sldMkLst>
+      </pc:sldChg>
+      <pc:sldChg chg="del">
+        <pc:chgData name="Weifeng Xu" userId="e7aed605-a3dd-4d5a-a692-a87037af107b" providerId="ADAL" clId="{8E5A6AEC-921D-4BE6-8002-CC8D4F2830D2}" dt="2025-04-27T15:25:09.947" v="46" actId="47"/>
+        <pc:sldMkLst>
+          <pc:docMk/>
+          <pc:sldMk cId="2715224073" sldId="260"/>
+        </pc:sldMkLst>
+      </pc:sldChg>
+      <pc:sldChg chg="modSp new mod">
+        <pc:chgData name="Weifeng Xu" userId="e7aed605-a3dd-4d5a-a692-a87037af107b" providerId="ADAL" clId="{8E5A6AEC-921D-4BE6-8002-CC8D4F2830D2}" dt="2025-04-27T16:04:14.976" v="601" actId="313"/>
+        <pc:sldMkLst>
+          <pc:docMk/>
+          <pc:sldMk cId="3375603492" sldId="260"/>
+        </pc:sldMkLst>
+      </pc:sldChg>
+      <pc:sldChg chg="modSp new mod">
+        <pc:chgData name="Weifeng Xu" userId="e7aed605-a3dd-4d5a-a692-a87037af107b" providerId="ADAL" clId="{8E5A6AEC-921D-4BE6-8002-CC8D4F2830D2}" dt="2025-04-27T16:05:14.474" v="618"/>
+        <pc:sldMkLst>
+          <pc:docMk/>
+          <pc:sldMk cId="909895920" sldId="261"/>
+        </pc:sldMkLst>
+      </pc:sldChg>
+      <pc:sldChg chg="del">
+        <pc:chgData name="Weifeng Xu" userId="e7aed605-a3dd-4d5a-a692-a87037af107b" providerId="ADAL" clId="{8E5A6AEC-921D-4BE6-8002-CC8D4F2830D2}" dt="2025-04-27T15:25:07.871" v="38" actId="47"/>
+        <pc:sldMkLst>
+          <pc:docMk/>
+          <pc:sldMk cId="1030786537" sldId="261"/>
+        </pc:sldMkLst>
+      </pc:sldChg>
+      <pc:sldChg chg="addSp delSp modSp new mod">
+        <pc:chgData name="Weifeng Xu" userId="e7aed605-a3dd-4d5a-a692-a87037af107b" providerId="ADAL" clId="{8E5A6AEC-921D-4BE6-8002-CC8D4F2830D2}" dt="2025-04-28T15:23:27.017" v="746" actId="6549"/>
+        <pc:sldMkLst>
+          <pc:docMk/>
+          <pc:sldMk cId="1010189504" sldId="262"/>
+        </pc:sldMkLst>
+      </pc:sldChg>
+      <pc:sldChg chg="del">
+        <pc:chgData name="Weifeng Xu" userId="e7aed605-a3dd-4d5a-a692-a87037af107b" providerId="ADAL" clId="{8E5A6AEC-921D-4BE6-8002-CC8D4F2830D2}" dt="2025-04-27T15:25:08.095" v="39" actId="47"/>
+        <pc:sldMkLst>
+          <pc:docMk/>
+          <pc:sldMk cId="3548515090" sldId="264"/>
+        </pc:sldMkLst>
+      </pc:sldChg>
+      <pc:sldChg chg="del">
+        <pc:chgData name="Weifeng Xu" userId="e7aed605-a3dd-4d5a-a692-a87037af107b" providerId="ADAL" clId="{8E5A6AEC-921D-4BE6-8002-CC8D4F2830D2}" dt="2025-04-27T15:25:10.434" v="47" actId="47"/>
+        <pc:sldMkLst>
+          <pc:docMk/>
+          <pc:sldMk cId="3523214092" sldId="265"/>
+        </pc:sldMkLst>
+      </pc:sldChg>
+      <pc:sldChg chg="del">
+        <pc:chgData name="Weifeng Xu" userId="e7aed605-a3dd-4d5a-a692-a87037af107b" providerId="ADAL" clId="{8E5A6AEC-921D-4BE6-8002-CC8D4F2830D2}" dt="2025-04-27T15:25:08.929" v="43" actId="47"/>
+        <pc:sldMkLst>
+          <pc:docMk/>
+          <pc:sldMk cId="756868712" sldId="266"/>
+        </pc:sldMkLst>
+      </pc:sldChg>
+      <pc:sldChg chg="del">
+        <pc:chgData name="Weifeng Xu" userId="e7aed605-a3dd-4d5a-a692-a87037af107b" providerId="ADAL" clId="{8E5A6AEC-921D-4BE6-8002-CC8D4F2830D2}" dt="2025-04-27T15:25:09.145" v="44" actId="47"/>
+        <pc:sldMkLst>
+          <pc:docMk/>
+          <pc:sldMk cId="2973990778" sldId="267"/>
+        </pc:sldMkLst>
+      </pc:sldChg>
+      <pc:sldChg chg="del">
+        <pc:chgData name="Weifeng Xu" userId="e7aed605-a3dd-4d5a-a692-a87037af107b" providerId="ADAL" clId="{8E5A6AEC-921D-4BE6-8002-CC8D4F2830D2}" dt="2025-04-27T15:25:09.362" v="45" actId="47"/>
+        <pc:sldMkLst>
+          <pc:docMk/>
+          <pc:sldMk cId="2042884208" sldId="268"/>
+        </pc:sldMkLst>
+      </pc:sldChg>
+      <pc:sldChg chg="del">
+        <pc:chgData name="Weifeng Xu" userId="e7aed605-a3dd-4d5a-a692-a87037af107b" providerId="ADAL" clId="{8E5A6AEC-921D-4BE6-8002-CC8D4F2830D2}" dt="2025-04-27T15:25:08.271" v="40" actId="47"/>
+        <pc:sldMkLst>
+          <pc:docMk/>
+          <pc:sldMk cId="3256057421" sldId="269"/>
+        </pc:sldMkLst>
+      </pc:sldChg>
+      <pc:sldChg chg="del">
+        <pc:chgData name="Weifeng Xu" userId="e7aed605-a3dd-4d5a-a692-a87037af107b" providerId="ADAL" clId="{8E5A6AEC-921D-4BE6-8002-CC8D4F2830D2}" dt="2025-04-27T15:25:08.466" v="41" actId="47"/>
+        <pc:sldMkLst>
+          <pc:docMk/>
+          <pc:sldMk cId="146876777" sldId="270"/>
+        </pc:sldMkLst>
+      </pc:sldChg>
+      <pc:sldChg chg="del">
+        <pc:chgData name="Weifeng Xu" userId="e7aed605-a3dd-4d5a-a692-a87037af107b" providerId="ADAL" clId="{8E5A6AEC-921D-4BE6-8002-CC8D4F2830D2}" dt="2025-04-27T15:25:08.686" v="42" actId="47"/>
+        <pc:sldMkLst>
+          <pc:docMk/>
+          <pc:sldMk cId="1939243851" sldId="271"/>
+        </pc:sldMkLst>
+      </pc:sldChg>
+      <pc:sldChg chg="del">
+        <pc:chgData name="Weifeng Xu" userId="e7aed605-a3dd-4d5a-a692-a87037af107b" providerId="ADAL" clId="{8E5A6AEC-921D-4BE6-8002-CC8D4F2830D2}" dt="2025-04-27T15:25:11.096" v="48" actId="47"/>
+        <pc:sldMkLst>
+          <pc:docMk/>
+          <pc:sldMk cId="2238745649" sldId="272"/>
+        </pc:sldMkLst>
+      </pc:sldChg>
+    </pc:docChg>
+  </pc:docChgLst>
+  <pc:docChgLst>
+    <pc:chgData name="Weifeng Xu" userId="e7aed605-a3dd-4d5a-a692-a87037af107b" providerId="ADAL" clId="{781DD69C-B3C3-4AA3-A094-E5C237C15CAE}"/>
+    <pc:docChg chg="delSld">
+      <pc:chgData name="Weifeng Xu" userId="e7aed605-a3dd-4d5a-a692-a87037af107b" providerId="ADAL" clId="{781DD69C-B3C3-4AA3-A094-E5C237C15CAE}" dt="2025-04-26T15:34:37.721" v="1" actId="47"/>
+      <pc:docMkLst>
+        <pc:docMk/>
+      </pc:docMkLst>
+      <pc:sldChg chg="del">
+        <pc:chgData name="Weifeng Xu" userId="e7aed605-a3dd-4d5a-a692-a87037af107b" providerId="ADAL" clId="{781DD69C-B3C3-4AA3-A094-E5C237C15CAE}" dt="2025-04-26T15:34:36.333" v="0" actId="47"/>
+        <pc:sldMkLst>
+          <pc:docMk/>
+          <pc:sldMk cId="3284022864" sldId="262"/>
+        </pc:sldMkLst>
+      </pc:sldChg>
+      <pc:sldChg chg="del">
+        <pc:chgData name="Weifeng Xu" userId="e7aed605-a3dd-4d5a-a692-a87037af107b" providerId="ADAL" clId="{781DD69C-B3C3-4AA3-A094-E5C237C15CAE}" dt="2025-04-26T15:34:37.721" v="1" actId="47"/>
+        <pc:sldMkLst>
+          <pc:docMk/>
+          <pc:sldMk cId="786756272" sldId="263"/>
+        </pc:sldMkLst>
+      </pc:sldChg>
+    </pc:docChg>
+  </pc:docChgLst>
+  <pc:docChgLst>
+    <pc:chgData name="Weifeng Xu" userId="e7aed605-a3dd-4d5a-a692-a87037af107b" providerId="ADAL" clId="{F99F8FFF-BA20-43EA-924B-4DF5D2A785F3}"/>
+    <pc:docChg chg="modSld">
+      <pc:chgData name="Weifeng Xu" userId="e7aed605-a3dd-4d5a-a692-a87037af107b" providerId="ADAL" clId="{F99F8FFF-BA20-43EA-924B-4DF5D2A785F3}" dt="2025-10-02T12:38:57.572" v="1" actId="6549"/>
+      <pc:docMkLst>
+        <pc:docMk/>
+      </pc:docMkLst>
+      <pc:sldChg chg="modSp mod">
+        <pc:chgData name="Weifeng Xu" userId="e7aed605-a3dd-4d5a-a692-a87037af107b" providerId="ADAL" clId="{F99F8FFF-BA20-43EA-924B-4DF5D2A785F3}" dt="2025-10-02T12:38:57.572" v="1" actId="6549"/>
+        <pc:sldMkLst>
+          <pc:docMk/>
+          <pc:sldMk cId="1783593539" sldId="274"/>
+        </pc:sldMkLst>
+        <pc:spChg chg="mod">
+          <ac:chgData name="Weifeng Xu" userId="e7aed605-a3dd-4d5a-a692-a87037af107b" providerId="ADAL" clId="{F99F8FFF-BA20-43EA-924B-4DF5D2A785F3}" dt="2025-10-02T12:38:57.572" v="1" actId="6549"/>
+          <ac:spMkLst>
+            <pc:docMk/>
+            <pc:sldMk cId="1783593539" sldId="274"/>
+            <ac:spMk id="9" creationId="{B78EE82E-AFD6-3A62-4FE9-DD348A53F6E7}"/>
+          </ac:spMkLst>
+        </pc:spChg>
+      </pc:sldChg>
+    </pc:docChg>
+  </pc:docChgLst>
+  <pc:docChgLst>
     <pc:chgData name="Weifeng Xu" userId="e7aed605-a3dd-4d5a-a692-a87037af107b" providerId="ADAL" clId="{30C724EF-4842-4D28-AD5E-F8ADBCCE7FC4}"/>
     <pc:docChg chg="undo custSel addSld delSld modSld">
       <pc:chgData name="Weifeng Xu" userId="e7aed605-a3dd-4d5a-a692-a87037af107b" providerId="ADAL" clId="{30C724EF-4842-4D28-AD5E-F8ADBCCE7FC4}" dt="2025-05-02T15:10:40.316" v="141" actId="1076"/>
@@ -3515,22 +1324,6 @@
           <pc:docMk/>
           <pc:sldMk cId="1325061211" sldId="256"/>
         </pc:sldMkLst>
-        <pc:spChg chg="mod">
-          <ac:chgData name="Weifeng Xu" userId="e7aed605-a3dd-4d5a-a692-a87037af107b" providerId="ADAL" clId="{30C724EF-4842-4D28-AD5E-F8ADBCCE7FC4}" dt="2025-05-02T14:26:53.935" v="23" actId="6549"/>
-          <ac:spMkLst>
-            <pc:docMk/>
-            <pc:sldMk cId="1325061211" sldId="256"/>
-            <ac:spMk id="2" creationId="{00000000-0000-0000-0000-000000000000}"/>
-          </ac:spMkLst>
-        </pc:spChg>
-        <pc:spChg chg="mod">
-          <ac:chgData name="Weifeng Xu" userId="e7aed605-a3dd-4d5a-a692-a87037af107b" providerId="ADAL" clId="{30C724EF-4842-4D28-AD5E-F8ADBCCE7FC4}" dt="2025-05-02T14:27:30.559" v="26" actId="6549"/>
-          <ac:spMkLst>
-            <pc:docMk/>
-            <pc:sldMk cId="1325061211" sldId="256"/>
-            <ac:spMk id="3" creationId="{00000000-0000-0000-0000-000000000000}"/>
-          </ac:spMkLst>
-        </pc:spChg>
       </pc:sldChg>
       <pc:sldChg chg="modSp new mod">
         <pc:chgData name="Weifeng Xu" userId="e7aed605-a3dd-4d5a-a692-a87037af107b" providerId="ADAL" clId="{30C724EF-4842-4D28-AD5E-F8ADBCCE7FC4}" dt="2025-05-02T14:27:48.979" v="28"/>
@@ -3779,142 +1572,6 @@
       </pc:sldChg>
     </pc:docChg>
   </pc:docChgLst>
-  <pc:docChgLst>
-    <pc:chgData name="Weifeng Xu" userId="e7aed605-a3dd-4d5a-a692-a87037af107b" providerId="ADAL" clId="{9C06CBEB-0343-4287-8B81-0C702673DE5E}"/>
-    <pc:docChg chg="undo redo custSel addSld delSld modSld sldOrd">
-      <pc:chgData name="Weifeng Xu" userId="e7aed605-a3dd-4d5a-a692-a87037af107b" providerId="ADAL" clId="{9C06CBEB-0343-4287-8B81-0C702673DE5E}" dt="2025-04-23T23:34:27.047" v="4553" actId="1076"/>
-      <pc:docMkLst>
-        <pc:docMk/>
-      </pc:docMkLst>
-      <pc:sldChg chg="modSp mod">
-        <pc:chgData name="Weifeng Xu" userId="e7aed605-a3dd-4d5a-a692-a87037af107b" providerId="ADAL" clId="{9C06CBEB-0343-4287-8B81-0C702673DE5E}" dt="2025-04-23T01:31:59.756" v="4545" actId="20577"/>
-        <pc:sldMkLst>
-          <pc:docMk/>
-          <pc:sldMk cId="1325061211" sldId="256"/>
-        </pc:sldMkLst>
-        <pc:spChg chg="mod">
-          <ac:chgData name="Weifeng Xu" userId="e7aed605-a3dd-4d5a-a692-a87037af107b" providerId="ADAL" clId="{9C06CBEB-0343-4287-8B81-0C702673DE5E}" dt="2025-04-23T01:31:59.756" v="4545" actId="20577"/>
-          <ac:spMkLst>
-            <pc:docMk/>
-            <pc:sldMk cId="1325061211" sldId="256"/>
-            <ac:spMk id="2" creationId="{00000000-0000-0000-0000-000000000000}"/>
-          </ac:spMkLst>
-        </pc:spChg>
-      </pc:sldChg>
-      <pc:sldChg chg="addSp delSp modSp mod modClrScheme chgLayout">
-        <pc:chgData name="Weifeng Xu" userId="e7aed605-a3dd-4d5a-a692-a87037af107b" providerId="ADAL" clId="{9C06CBEB-0343-4287-8B81-0C702673DE5E}" dt="2025-04-20T02:53:00.098" v="242" actId="20577"/>
-        <pc:sldMkLst>
-          <pc:docMk/>
-          <pc:sldMk cId="2201572609" sldId="257"/>
-        </pc:sldMkLst>
-      </pc:sldChg>
-      <pc:sldChg chg="addSp delSp modSp mod modClrScheme chgLayout">
-        <pc:chgData name="Weifeng Xu" userId="e7aed605-a3dd-4d5a-a692-a87037af107b" providerId="ADAL" clId="{9C06CBEB-0343-4287-8B81-0C702673DE5E}" dt="2025-04-22T03:01:31.344" v="3590" actId="1076"/>
-        <pc:sldMkLst>
-          <pc:docMk/>
-          <pc:sldMk cId="450669007" sldId="258"/>
-        </pc:sldMkLst>
-      </pc:sldChg>
-      <pc:sldChg chg="addSp delSp modSp add mod">
-        <pc:chgData name="Weifeng Xu" userId="e7aed605-a3dd-4d5a-a692-a87037af107b" providerId="ADAL" clId="{9C06CBEB-0343-4287-8B81-0C702673DE5E}" dt="2025-04-23T00:43:03.009" v="4084" actId="20577"/>
-        <pc:sldMkLst>
-          <pc:docMk/>
-          <pc:sldMk cId="3233567480" sldId="259"/>
-        </pc:sldMkLst>
-      </pc:sldChg>
-      <pc:sldChg chg="addSp delSp modSp new mod">
-        <pc:chgData name="Weifeng Xu" userId="e7aed605-a3dd-4d5a-a692-a87037af107b" providerId="ADAL" clId="{9C06CBEB-0343-4287-8B81-0C702673DE5E}" dt="2025-04-21T12:06:27.352" v="1955" actId="1076"/>
-        <pc:sldMkLst>
-          <pc:docMk/>
-          <pc:sldMk cId="2715224073" sldId="260"/>
-        </pc:sldMkLst>
-      </pc:sldChg>
-      <pc:sldChg chg="addSp delSp modSp new mod modClrScheme chgLayout">
-        <pc:chgData name="Weifeng Xu" userId="e7aed605-a3dd-4d5a-a692-a87037af107b" providerId="ADAL" clId="{9C06CBEB-0343-4287-8B81-0C702673DE5E}" dt="2025-04-22T01:35:22.881" v="2625" actId="14100"/>
-        <pc:sldMkLst>
-          <pc:docMk/>
-          <pc:sldMk cId="1030786537" sldId="261"/>
-        </pc:sldMkLst>
-      </pc:sldChg>
-      <pc:sldChg chg="addSp delSp modSp new mod">
-        <pc:chgData name="Weifeng Xu" userId="e7aed605-a3dd-4d5a-a692-a87037af107b" providerId="ADAL" clId="{9C06CBEB-0343-4287-8B81-0C702673DE5E}" dt="2025-04-23T00:36:22.083" v="3996" actId="20577"/>
-        <pc:sldMkLst>
-          <pc:docMk/>
-          <pc:sldMk cId="3284022864" sldId="262"/>
-        </pc:sldMkLst>
-      </pc:sldChg>
-      <pc:sldChg chg="addSp delSp modSp new mod">
-        <pc:chgData name="Weifeng Xu" userId="e7aed605-a3dd-4d5a-a692-a87037af107b" providerId="ADAL" clId="{9C06CBEB-0343-4287-8B81-0C702673DE5E}" dt="2025-04-23T00:40:19.679" v="4005" actId="6549"/>
-        <pc:sldMkLst>
-          <pc:docMk/>
-          <pc:sldMk cId="786756272" sldId="263"/>
-        </pc:sldMkLst>
-      </pc:sldChg>
-      <pc:sldChg chg="addSp delSp modSp new mod modClrScheme chgLayout">
-        <pc:chgData name="Weifeng Xu" userId="e7aed605-a3dd-4d5a-a692-a87037af107b" providerId="ADAL" clId="{9C06CBEB-0343-4287-8B81-0C702673DE5E}" dt="2025-04-23T00:42:08.933" v="4070" actId="108"/>
-        <pc:sldMkLst>
-          <pc:docMk/>
-          <pc:sldMk cId="3548515090" sldId="264"/>
-        </pc:sldMkLst>
-      </pc:sldChg>
-      <pc:sldChg chg="addSp delSp modSp new mod modClrScheme chgLayout modNotesTx">
-        <pc:chgData name="Weifeng Xu" userId="e7aed605-a3dd-4d5a-a692-a87037af107b" providerId="ADAL" clId="{9C06CBEB-0343-4287-8B81-0C702673DE5E}" dt="2025-04-21T13:40:04.327" v="2094" actId="207"/>
-        <pc:sldMkLst>
-          <pc:docMk/>
-          <pc:sldMk cId="3523214092" sldId="265"/>
-        </pc:sldMkLst>
-      </pc:sldChg>
-      <pc:sldChg chg="addSp delSp modSp new mod ord modClrScheme chgLayout">
-        <pc:chgData name="Weifeng Xu" userId="e7aed605-a3dd-4d5a-a692-a87037af107b" providerId="ADAL" clId="{9C06CBEB-0343-4287-8B81-0C702673DE5E}" dt="2025-04-23T01:02:14.800" v="4310" actId="207"/>
-        <pc:sldMkLst>
-          <pc:docMk/>
-          <pc:sldMk cId="756868712" sldId="266"/>
-        </pc:sldMkLst>
-      </pc:sldChg>
-      <pc:sldChg chg="addSp delSp modSp add mod">
-        <pc:chgData name="Weifeng Xu" userId="e7aed605-a3dd-4d5a-a692-a87037af107b" providerId="ADAL" clId="{9C06CBEB-0343-4287-8B81-0C702673DE5E}" dt="2025-04-22T02:46:00.589" v="3485" actId="20577"/>
-        <pc:sldMkLst>
-          <pc:docMk/>
-          <pc:sldMk cId="2973990778" sldId="267"/>
-        </pc:sldMkLst>
-      </pc:sldChg>
-      <pc:sldChg chg="addSp delSp modSp add del mod">
-        <pc:chgData name="Weifeng Xu" userId="e7aed605-a3dd-4d5a-a692-a87037af107b" providerId="ADAL" clId="{9C06CBEB-0343-4287-8B81-0C702673DE5E}" dt="2025-04-22T12:56:50.206" v="3699" actId="1076"/>
-        <pc:sldMkLst>
-          <pc:docMk/>
-          <pc:sldMk cId="2042884208" sldId="268"/>
-        </pc:sldMkLst>
-      </pc:sldChg>
-      <pc:sldChg chg="addSp delSp modSp add mod modClrScheme chgLayout">
-        <pc:chgData name="Weifeng Xu" userId="e7aed605-a3dd-4d5a-a692-a87037af107b" providerId="ADAL" clId="{9C06CBEB-0343-4287-8B81-0C702673DE5E}" dt="2025-04-23T01:19:14.631" v="4375" actId="207"/>
-        <pc:sldMkLst>
-          <pc:docMk/>
-          <pc:sldMk cId="3256057421" sldId="269"/>
-        </pc:sldMkLst>
-      </pc:sldChg>
-      <pc:sldChg chg="addSp modSp add mod">
-        <pc:chgData name="Weifeng Xu" userId="e7aed605-a3dd-4d5a-a692-a87037af107b" providerId="ADAL" clId="{9C06CBEB-0343-4287-8B81-0C702673DE5E}" dt="2025-04-23T01:19:18.460" v="4376" actId="207"/>
-        <pc:sldMkLst>
-          <pc:docMk/>
-          <pc:sldMk cId="146876777" sldId="270"/>
-        </pc:sldMkLst>
-      </pc:sldChg>
-      <pc:sldChg chg="addSp delSp modSp add mod modClrScheme chgLayout">
-        <pc:chgData name="Weifeng Xu" userId="e7aed605-a3dd-4d5a-a692-a87037af107b" providerId="ADAL" clId="{9C06CBEB-0343-4287-8B81-0C702673DE5E}" dt="2025-04-23T01:26:00.614" v="4493" actId="1076"/>
-        <pc:sldMkLst>
-          <pc:docMk/>
-          <pc:sldMk cId="1939243851" sldId="271"/>
-        </pc:sldMkLst>
-      </pc:sldChg>
-      <pc:sldChg chg="addSp modSp new mod">
-        <pc:chgData name="Weifeng Xu" userId="e7aed605-a3dd-4d5a-a692-a87037af107b" providerId="ADAL" clId="{9C06CBEB-0343-4287-8B81-0C702673DE5E}" dt="2025-04-23T23:34:27.047" v="4553" actId="1076"/>
-        <pc:sldMkLst>
-          <pc:docMk/>
-          <pc:sldMk cId="2238745649" sldId="272"/>
-        </pc:sldMkLst>
-      </pc:sldChg>
-    </pc:docChg>
-  </pc:docChgLst>
 </pc:chgInfo>
 </file>
 
@@ -4055,6 +1712,174 @@
     </inkml:brush>
   </inkml:definitions>
   <inkml:trace contextRef="#ctx0" brushRef="#br0">0 1 24575,'1'0'0,"0"1"0,0-1 0,0 0 0,0 1 0,0 0 0,0-1 0,0 1 0,0-1 0,0 1 0,0 0 0,0 0 0,-1 0 0,1-1 0,0 1 0,-1 0 0,1 0 0,0 0 0,0 1 0,12 24 0,-10-20 0,0-2 0,-1 0 0,1 0 0,1-1 0,-1 1 0,0-1 0,1 0 0,0 0 0,0 0 0,0 0 0,6 3 0,22 17 0,13 28 0,-26-30 0,34 31 0,-18-18 0,-23-22 0,1-1 0,0 0 0,16 10 0,49 37 0,-51-37 0,52 31 0,-60-39 0,0 0 0,33 31 0,-5-5 0,97 87 0,-74-63 0,11 7 0,54 40 0,-99-83-1365,-24-17-5461</inkml:trace>
+</inkml:ink>
+</file>
+
+<file path=ppt/ink/ink14.xml><?xml version="1.0" encoding="utf-8"?>
+<inkml:ink xmlns:inkml="http://www.w3.org/2003/InkML">
+  <inkml:definitions>
+    <inkml:context xml:id="ctx0">
+      <inkml:inkSource xml:id="inkSrc0">
+        <inkml:traceFormat>
+          <inkml:channel name="X" type="integer" min="-2.14748E9" max="2.14748E9" units="cm"/>
+          <inkml:channel name="Y" type="integer" min="-2.14748E9" max="2.14748E9" units="cm"/>
+          <inkml:channel name="F" type="integer" max="32767" units="dev"/>
+        </inkml:traceFormat>
+        <inkml:channelProperties>
+          <inkml:channelProperty channel="X" name="resolution" value="1000" units="1/cm"/>
+          <inkml:channelProperty channel="Y" name="resolution" value="1000" units="1/cm"/>
+          <inkml:channelProperty channel="F" name="resolution" value="0" units="1/dev"/>
+        </inkml:channelProperties>
+      </inkml:inkSource>
+      <inkml:timestamp xml:id="ts0" timeString="2025-10-02T21:09:47.315"/>
+    </inkml:context>
+    <inkml:brush xml:id="br0">
+      <inkml:brushProperty name="width" value="0.1" units="cm"/>
+      <inkml:brushProperty name="height" value="0.1" units="cm"/>
+      <inkml:brushProperty name="color" value="#FF0066"/>
+    </inkml:brush>
+  </inkml:definitions>
+  <inkml:trace contextRef="#ctx0" brushRef="#br0">1009 25 24575,'-1'-1'0,"1"0"0,-1 0 0,1 0 0,0 0 0,-1 0 0,0 0 0,1 0 0,-1 0 0,0 0 0,1 0 0,-1 1 0,0-1 0,0 0 0,0 1 0,1-1 0,-1 0 0,0 1 0,0-1 0,0 1 0,0-1 0,0 1 0,0 0 0,0-1 0,0 1 0,-1 0 0,1 0 0,-1 0 0,-36-4 0,34 3 0,-170 0 0,92 2 0,62 0 0,1 1 0,0 1 0,-1 1 0,-35 12 0,37-8 0,1 0 0,0 1 0,-24 17 0,25-16 0,0 0 0,0-1 0,-31 13 0,16-12 0,0-2 0,-43 7 0,69-14 0,1 1 0,-1-1 0,1 1 0,0 0 0,-1 0 0,1 0 0,0 1 0,0 0 0,-6 5 0,-31 30 0,33-27 0,0 0 0,0 1 0,1-1 0,-7 18 0,-2 2 0,-10 11 0,19-33 0,1 0 0,0 0 0,1 1 0,0-1 0,1 1 0,0 0 0,0 0 0,1 1 0,0-1 0,1 1 0,-1 12 0,5 207 0,0-217 0,2 1 0,-1 0 0,2-1 0,0 0 0,0 0 0,1 0 0,1-1 0,0 1 0,1-2 0,0 1 0,1-1 0,0 0 0,1-1 0,0 0 0,0-1 0,14 10 0,-18-16 0,0 1 0,0-1 0,1-1 0,-1 1 0,1-1 0,0 0 0,8 1 0,-9-3 0,0 1 0,0 1 0,-1-1 0,1 1 0,-1 0 0,1 0 0,-1 1 0,0-1 0,0 1 0,0 0 0,6 6 0,-3-3 0,1 0 0,0 0 0,0-1 0,0 0 0,0 0 0,1-1 0,0 0 0,12 2 0,24 11 0,-30-11 0,0-1 0,0-1 0,25 4 0,1 0 0,-16-4 0,1-1 0,0-1 0,50-4 0,32 3 0,-47 10 0,-45-7 0,0-1 0,24 1 0,257-4 0,-288 0 0,-1-1 0,1 0 0,-1 0 0,0-1 0,1 0 0,-1-1 0,0 0 0,0 0 0,0-1 0,-1 0 0,1 0 0,-1-1 0,0 0 0,0-1 0,-1 0 0,0 0 0,0-1 0,0 1 0,-1-2 0,0 1 0,0-1 0,-1 1 0,8-16 0,28-50 0,-29 55 0,-1-1 0,-1 0 0,12-32 0,-15 29 0,-2 0 0,0-1 0,-1 1 0,-1-1 0,-1-44 0,-2 39 0,-6-44 0,4 61 0,-1 0 0,0 0 0,0 0 0,-1 1 0,-1-1 0,-10-18 0,-1 1 0,10 16 0,-1 0 0,-1 0 0,0 0 0,0 1 0,-11-10 0,13 17 0,0 0 0,-1 0 0,1 1 0,-1 0 0,0 0 0,0 1 0,0 0 0,0 0 0,-1 1 0,-8-1 0,-35-10 0,-15-11 0,-103-21 0,97 24-1365,55 17-5461</inkml:trace>
+</inkml:ink>
+</file>
+
+<file path=ppt/ink/ink15.xml><?xml version="1.0" encoding="utf-8"?>
+<inkml:ink xmlns:inkml="http://www.w3.org/2003/InkML">
+  <inkml:definitions>
+    <inkml:context xml:id="ctx0">
+      <inkml:inkSource xml:id="inkSrc0">
+        <inkml:traceFormat>
+          <inkml:channel name="X" type="integer" min="-2.14748E9" max="2.14748E9" units="cm"/>
+          <inkml:channel name="Y" type="integer" min="-2.14748E9" max="2.14748E9" units="cm"/>
+          <inkml:channel name="F" type="integer" max="32767" units="dev"/>
+        </inkml:traceFormat>
+        <inkml:channelProperties>
+          <inkml:channelProperty channel="X" name="resolution" value="1000" units="1/cm"/>
+          <inkml:channelProperty channel="Y" name="resolution" value="1000" units="1/cm"/>
+          <inkml:channelProperty channel="F" name="resolution" value="0" units="1/dev"/>
+        </inkml:channelProperties>
+      </inkml:inkSource>
+      <inkml:timestamp xml:id="ts0" timeString="2025-10-02T21:09:49.221"/>
+    </inkml:context>
+    <inkml:brush xml:id="br0">
+      <inkml:brushProperty name="width" value="0.1" units="cm"/>
+      <inkml:brushProperty name="height" value="0.1" units="cm"/>
+      <inkml:brushProperty name="color" value="#FF0066"/>
+    </inkml:brush>
+  </inkml:definitions>
+  <inkml:trace contextRef="#ctx0" brushRef="#br0">1 1 24575,'8'1'0,"0"0"0,0 0 0,1 1 0,-1 0 0,0 0 0,-1 1 0,1 0 0,0 0 0,-1 1 0,0 0 0,0 1 0,0-1 0,0 1 0,-1 1 0,0-1 0,0 1 0,0 0 0,-1 0 0,6 8 0,1 0 0,1-1 0,14 11 0,-21-19 0,0 0 0,0-1 0,1 0 0,0 0 0,9 4 0,23 14 0,-26-11 0,0 1 0,14 18 0,-16-18 0,1 0 0,23 20 0,-16-16 0,-2 0 0,0 2 0,-1 0 0,0 1 0,23 39 0,-21-31 0,1-1 0,34 37 0,-16-15 0,-4-5 0,19 19 0,-20-24 0,41 44 0,-69-77 0,1 1 0,-1 0 0,1 0 0,-2 0 0,1 0 0,-1 1 0,4 8 0,-4-6 0,1-1 0,0 0 0,11 15 0,22 23 0,57 96 0,-79-119 0,29 38 0,-7-12 0,-33-42 0,-1 0 0,0 0 0,0 0 0,0 1 0,-1-1 0,0 1 0,-1 0 0,2 10 0,-2-8 0,1 0 0,0 0 0,1 0 0,5 15 0,27 57 0,-24-52 0,2 0 0,18 31 0,-26-50 0,0 1 0,0 0 0,-1-1 0,-1 1 0,0 1 0,-1-1 0,2 21 0,5 23 0,-2-8 0,-6-37 0,0-1 0,1 0 0,0 1 0,1-1 0,0 0 0,1 0 0,8 17 0,-3-8 0,-1-1 0,0 2 0,-2-1 0,0 1 0,4 30 0,-4-20 0,14 41 0,-14-53 0,-2 0 0,4 26 0,-5-26 0,0-1 0,1 0 0,7 18 0,10 18 0,25 103 0,-23-42 0,-19-91 0,1-1 0,0 1 0,2-1 0,0 0 0,20 40 0,-10-32 0,26 64 0,-38-78 0,0 1 0,-1-1 0,-1 1 0,0 0 0,-1 0 0,-1 18 0,-1 0 0,2 1 0,9 55 0,12 55 0,-21-140 0,-1-3 0,0 1 0,0-1 0,0 1 0,-1-1 0,1 1 0,-1 0 0,1-1 0,-1 1 0,0-1 0,-1 1 0,1 0 0,-2 5 0,2-9-36,-1 0 0,1 0 0,0 0 0,-1 0 0,1 0 0,-1 0 0,1 0 0,0 0 0,-1 0 0,1 0 1,0 0-1,-1 0 0,1 0 0,0-1 0,-1 1 0,1 0 0,0 0 0,0 0 0,-1-1 0,1 1 0,0 0 0,0 0 0,-1-1 0,1 1 0,0 0 0,0 0 0,0-1 0,-1 1 0,1 0 0,0-1 0,0 1 0,0 0 0,0-1 0,0 1 0,0-1 0</inkml:trace>
+</inkml:ink>
+</file>
+
+<file path=ppt/ink/ink16.xml><?xml version="1.0" encoding="utf-8"?>
+<inkml:ink xmlns:inkml="http://www.w3.org/2003/InkML">
+  <inkml:definitions>
+    <inkml:context xml:id="ctx0">
+      <inkml:inkSource xml:id="inkSrc0">
+        <inkml:traceFormat>
+          <inkml:channel name="X" type="integer" min="-2.14748E9" max="2.14748E9" units="cm"/>
+          <inkml:channel name="Y" type="integer" min="-2.14748E9" max="2.14748E9" units="cm"/>
+          <inkml:channel name="F" type="integer" max="32767" units="dev"/>
+        </inkml:traceFormat>
+        <inkml:channelProperties>
+          <inkml:channelProperty channel="X" name="resolution" value="1000" units="1/cm"/>
+          <inkml:channelProperty channel="Y" name="resolution" value="1000" units="1/cm"/>
+          <inkml:channelProperty channel="F" name="resolution" value="0" units="1/dev"/>
+        </inkml:channelProperties>
+      </inkml:inkSource>
+      <inkml:timestamp xml:id="ts0" timeString="2025-10-02T21:09:50.511"/>
+    </inkml:context>
+    <inkml:brush xml:id="br0">
+      <inkml:brushProperty name="width" value="0.1" units="cm"/>
+      <inkml:brushProperty name="height" value="0.1" units="cm"/>
+      <inkml:brushProperty name="color" value="#FF0066"/>
+    </inkml:brush>
+  </inkml:definitions>
+  <inkml:trace contextRef="#ctx0" brushRef="#br0">0 41 24575,'3'2'0,"0"-1"0,0 1 0,-1 0 0,1 1 0,-1-1 0,0 0 0,1 1 0,-1 0 0,0-1 0,0 1 0,-1 0 0,3 4 0,4 6 0,37 38 0,17 25 0,-59-74 0,-1 1 0,1 0 0,-1-1 0,1 0 0,0 1 0,0-1 0,0 0 0,0 0 0,1-1 0,-1 1 0,0-1 0,1 1 0,-1-1 0,1 0 0,-1-1 0,1 1 0,-1 0 0,5-1 0,-3 1 0,1-1 0,-1 2 0,0-1 0,0 0 0,0 1 0,0 0 0,9 5 0,-7-3 0,0 0 0,1 0 0,-1 0 0,1-1 0,0 0 0,0-1 0,1 0 0,-1 0 0,0 0 0,1-1 0,-1-1 0,0 1 0,1-2 0,-1 1 0,1-1 0,-1 0 0,0-1 0,1 1 0,-1-2 0,0 1 0,0-1 0,0-1 0,-1 1 0,1-1 0,-1-1 0,11-7 0,74-58 0,-83 63 0,0 0 0,0 1 0,1 0 0,15-8 0,-17 11 0,-1 0 0,-1 0 0,1-1 0,0 0 0,-1-1 0,0 0 0,0 1 0,0-2 0,-1 1 0,1-1 0,8-12 0,-5 4-48,0 0 0,17-18 1,-13 16-1175</inkml:trace>
+</inkml:ink>
+</file>
+
+<file path=ppt/ink/ink17.xml><?xml version="1.0" encoding="utf-8"?>
+<inkml:ink xmlns:inkml="http://www.w3.org/2003/InkML">
+  <inkml:definitions>
+    <inkml:context xml:id="ctx0">
+      <inkml:inkSource xml:id="inkSrc0">
+        <inkml:traceFormat>
+          <inkml:channel name="X" type="integer" min="-2.14748E9" max="2.14748E9" units="cm"/>
+          <inkml:channel name="Y" type="integer" min="-2.14748E9" max="2.14748E9" units="cm"/>
+          <inkml:channel name="F" type="integer" max="32767" units="dev"/>
+        </inkml:traceFormat>
+        <inkml:channelProperties>
+          <inkml:channelProperty channel="X" name="resolution" value="1000" units="1/cm"/>
+          <inkml:channelProperty channel="Y" name="resolution" value="1000" units="1/cm"/>
+          <inkml:channelProperty channel="F" name="resolution" value="0" units="1/dev"/>
+        </inkml:channelProperties>
+      </inkml:inkSource>
+      <inkml:timestamp xml:id="ts0" timeString="2025-10-02T21:09:52.417"/>
+    </inkml:context>
+    <inkml:brush xml:id="br0">
+      <inkml:brushProperty name="width" value="0.1" units="cm"/>
+      <inkml:brushProperty name="height" value="0.1" units="cm"/>
+      <inkml:brushProperty name="color" value="#FF0066"/>
+    </inkml:brush>
+  </inkml:definitions>
+  <inkml:trace contextRef="#ctx0" brushRef="#br0">344 119 24575,'-15'0'0,"0"0"0,0 1 0,0 1 0,0 1 0,0 0 0,1 0 0,-16 8 0,23-9 0,1 1 0,0 1 0,0-1 0,0 1 0,0 0 0,1 0 0,-1 1 0,1 0 0,0 0 0,1 0 0,-1 0 0,1 1 0,0 0 0,0 0 0,1 0 0,0 0 0,-4 10 0,-3 9 0,-2-1 0,-18 28 0,21-38 0,1-1 0,0 1 0,1 0 0,0 1 0,1-1 0,1 1 0,0 1 0,1-1 0,-3 25 0,9 212 0,-1-244 0,1 0 0,0-1 0,1 0 0,-1 1 0,1-1 0,1 0 0,0-1 0,-1 1 0,2-1 0,-1 1 0,8 7 0,-6-7 0,-1 0 0,1 0 0,-2 1 0,1-1 0,-1 1 0,0 0 0,4 13 0,-3-3 0,1 0 0,1 0 0,1-1 0,0 0 0,1 0 0,1-1 0,0 0 0,23 25 0,-30-37 0,2 2 0,0 0 0,1 0 0,0 0 0,0 0 0,0-1 0,1 0 0,-1-1 0,1 1 0,0-1 0,1 0 0,12 4 0,9-1 0,0-1 0,1-1 0,-1-2 0,59-1 0,-58-2 0,-18 1 0,0 0 0,0-1 0,0-1 0,0 0 0,0-1 0,0 0 0,-1-1 0,1 0 0,-1-1 0,21-9 0,-4-6 0,-2-1 0,0-1 0,-2-1 0,36-40 0,-11 11 0,-43 43 0,0 0 0,0-1 0,-1 1 0,0-1 0,0 0 0,-1 0 0,-1-1 0,0 1 0,0-1 0,3-17 0,14-42 0,-15 58 0,-2 0 0,0-1 0,0 0 0,-1 0 0,0 0 0,0-12 0,-4-78 0,-1 40 0,5-47 0,-4-102 0,0 201 0,0 1 0,0-1 0,-1 1 0,0 0 0,0 0 0,-1 0 0,0 0 0,-1 1 0,0-1 0,-7-9 0,3 7 0,0 0 0,0 1 0,-1 0 0,-1 1 0,0 0 0,-17-11 0,20 16-76,0 1 0,-1 0 0,1 0 0,-1 1 0,1 0-1,-1 1 1,0 0 0,0 0 0,0 1 0,-15 1 0,16-1-452,-12 1-6298</inkml:trace>
+</inkml:ink>
+</file>
+
+<file path=ppt/ink/ink18.xml><?xml version="1.0" encoding="utf-8"?>
+<inkml:ink xmlns:inkml="http://www.w3.org/2003/InkML">
+  <inkml:definitions>
+    <inkml:context xml:id="ctx0">
+      <inkml:inkSource xml:id="inkSrc0">
+        <inkml:traceFormat>
+          <inkml:channel name="X" type="integer" min="-2.14748E9" max="2.14748E9" units="cm"/>
+          <inkml:channel name="Y" type="integer" min="-2.14748E9" max="2.14748E9" units="cm"/>
+          <inkml:channel name="F" type="integer" max="32767" units="dev"/>
+        </inkml:traceFormat>
+        <inkml:channelProperties>
+          <inkml:channelProperty channel="X" name="resolution" value="1000" units="1/cm"/>
+          <inkml:channelProperty channel="Y" name="resolution" value="1000" units="1/cm"/>
+          <inkml:channelProperty channel="F" name="resolution" value="0" units="1/dev"/>
+        </inkml:channelProperties>
+      </inkml:inkSource>
+      <inkml:timestamp xml:id="ts0" timeString="2025-10-02T21:09:54.395"/>
+    </inkml:context>
+    <inkml:brush xml:id="br0">
+      <inkml:brushProperty name="width" value="0.1" units="cm"/>
+      <inkml:brushProperty name="height" value="0.1" units="cm"/>
+      <inkml:brushProperty name="color" value="#FF0066"/>
+    </inkml:brush>
+  </inkml:definitions>
+  <inkml:trace contextRef="#ctx0" brushRef="#br0">3111 1 24575,'-49'17'0,"36"-13"0,-1 1 0,1 1 0,1 0 0,-1 0 0,1 1 0,0 1 0,1 0 0,-14 12 0,-12 7 0,32-23 0,1 1 0,-1-1 0,1 1 0,-1 0 0,2 1 0,-1-1 0,0 1 0,1-1 0,0 1 0,1 0 0,-1 0 0,-1 9 0,1-7 0,0 0 0,-1 1 0,0-1 0,0-1 0,-1 1 0,-6 8 0,-15 13 0,-53 67 0,59-68 0,13-16 0,-1 0 0,0-1 0,-1 0 0,0 0 0,-1-1 0,-11 9 0,16-15 0,0 1 0,1 0 0,-1 0 0,1 1 0,0-1 0,0 1 0,1 0 0,-1 0 0,1 0 0,-4 12 0,-17 30 0,-6 2 0,23-37 0,0 0 0,-1-1 0,0 0 0,-1-1 0,0 0 0,-18 17 0,8-11 0,1 1 0,0 0 0,2 2 0,0 0 0,-15 26 0,28-43 0,-34 36 0,7-8 0,6-6 0,0 0 0,-46 33 0,32-26 0,3 5 0,28-29 0,0 0 0,0 0 0,0-1 0,-10 7 0,-5 3 0,2 2 0,-35 38 0,-1 2 0,22-22 0,26-27 0,-1 0 0,0-1 0,-19 16 0,7-11 0,2 1 0,0 1 0,0 1 0,-23 28 0,37-39 0,-1 0 0,0-1 0,0 0 0,0 0 0,-1 0 0,-7 3 0,7-4 0,0 1 0,0-1 0,1 2 0,-1-1 0,-7 9 0,11-11 0,-8 11 0,0 0 0,-1-1 0,-1-1 0,0 0 0,-25 18 0,27-23 0,2 1 0,-1 0 0,1 0 0,-10 13 0,12-13 0,0 0 0,0-1 0,-1 0 0,0 0 0,-1-1 0,-12 8 0,5-6 0,6-3 0,0-1 0,0 2 0,0-1 0,1 1 0,0 1 0,0 0 0,1 0 0,0 1 0,-8 9 0,6-4 0,0-2 0,0 1 0,-1-2 0,-1 1 0,-12 8 0,9-7 0,1 0 0,-21 24 0,25-25 0,-1 1 0,-1-1 0,0-1 0,-20 14 0,15-13 0,1 1 0,-17 17 0,-7 4 0,-109 93 0,54-45 0,57-50 0,8 0 0,26-25 0,0-1 0,-1 0 0,0 0 0,0 0 0,0-1 0,-9 6 0,2-3 0,0 1 0,0 0 0,1 0 0,1 1 0,-1 0 0,1 1 0,1 0 0,0 1 0,-13 20 0,17-25 0,0 0 0,-1 0 0,0-1 0,0 1 0,0-1 0,-11 6 0,10-6 0,-1 0 0,1 1 0,1-1 0,-1 2 0,-7 7 0,0 6 0,-9 11 0,-46 47 0,62-70 0,0 1 0,0 0 0,1 0 0,-6 10 0,-10 17 0,-7 9 0,21-31 0,-1 0 0,-15 19 0,20-28-114,0 0 1,0 0-1,-1-1 0,1 0 0,-1 1 1,0-2-1,0 1 0,0-1 0,0 1 1,-1-1-1,-11 4 0,1-4-6712</inkml:trace>
+</inkml:ink>
+</file>
+
+<file path=ppt/ink/ink19.xml><?xml version="1.0" encoding="utf-8"?>
+<inkml:ink xmlns:inkml="http://www.w3.org/2003/InkML">
+  <inkml:definitions>
+    <inkml:context xml:id="ctx0">
+      <inkml:inkSource xml:id="inkSrc0">
+        <inkml:traceFormat>
+          <inkml:channel name="X" type="integer" min="-2.14748E9" max="2.14748E9" units="cm"/>
+          <inkml:channel name="Y" type="integer" min="-2.14748E9" max="2.14748E9" units="cm"/>
+          <inkml:channel name="F" type="integer" max="32767" units="dev"/>
+        </inkml:traceFormat>
+        <inkml:channelProperties>
+          <inkml:channelProperty channel="X" name="resolution" value="1000" units="1/cm"/>
+          <inkml:channelProperty channel="Y" name="resolution" value="1000" units="1/cm"/>
+          <inkml:channelProperty channel="F" name="resolution" value="0" units="1/dev"/>
+        </inkml:channelProperties>
+      </inkml:inkSource>
+      <inkml:timestamp xml:id="ts0" timeString="2025-10-02T21:09:55.537"/>
+    </inkml:context>
+    <inkml:brush xml:id="br0">
+      <inkml:brushProperty name="width" value="0.1" units="cm"/>
+      <inkml:brushProperty name="height" value="0.1" units="cm"/>
+      <inkml:brushProperty name="color" value="#FF0066"/>
+    </inkml:brush>
+  </inkml:definitions>
+  <inkml:trace contextRef="#ctx0" brushRef="#br0">1 0 24575,'2'0'0,"1"1"0,0-1 0,0 0 0,-1 1 0,1-1 0,0 1 0,-1 0 0,1 0 0,-1 0 0,1 0 0,-1 0 0,1 1 0,-1-1 0,0 1 0,0-1 0,1 1 0,-1 0 0,-1 0 0,1 0 0,0 0 0,0 0 0,-1 1 0,1-1 0,1 4 0,2 5 0,0 1 0,-1 0 0,-1 0 0,4 16 0,5 19 0,-1-22 0,1 0 0,25 37 0,14 30 0,-9 6 0,-41-95 0,1 0 0,-1 0 0,1-1 0,-1 1 0,1 0 0,0-1 0,0 0 0,0 1 0,0-1 0,1 0 0,-1 0 0,0 0 0,1 0 0,0 0 0,-1-1 0,1 1 0,0-1 0,0 0 0,0 0 0,0 0 0,0 0 0,0 0 0,0-1 0,4 1 0,9 1 0,1-2 0,-1 1 0,26-4 0,-9 0 0,320 2 25,-202 1-1415,-131 0-5436</inkml:trace>
 </inkml:ink>
 </file>
 
@@ -4364,7 +2189,7 @@
           <a:p>
             <a:fld id="{2A59A54D-A59E-4D85-AEC9-D5AFF867AB55}" type="datetimeFigureOut">
               <a:rPr lang="en-US" smtClean="0"/>
-              <a:t>6/2/2025</a:t>
+              <a:t>10/2/2025</a:t>
             </a:fld>
             <a:endParaRPr lang="en-US"/>
           </a:p>
@@ -5652,6 +3477,114 @@
 </p:notes>
 </file>
 
+<file path=ppt/notesSlides/notesSlide7.xml><?xml version="1.0" encoding="utf-8"?>
+<p:notes xmlns:a="http://schemas.openxmlformats.org/drawingml/2006/main" xmlns:r="http://schemas.openxmlformats.org/officeDocument/2006/relationships" xmlns:p="http://schemas.openxmlformats.org/presentationml/2006/main">
+  <p:cSld>
+    <p:spTree>
+      <p:nvGrpSpPr>
+        <p:cNvPr id="1" name="">
+          <a:extLst>
+            <a:ext uri="{FF2B5EF4-FFF2-40B4-BE49-F238E27FC236}">
+              <a16:creationId xmlns:a16="http://schemas.microsoft.com/office/drawing/2014/main" id="{0130C471-8462-7C33-79C4-D133B5F742A5}"/>
+            </a:ext>
+          </a:extLst>
+        </p:cNvPr>
+        <p:cNvGrpSpPr/>
+        <p:nvPr/>
+      </p:nvGrpSpPr>
+      <p:grpSpPr>
+        <a:xfrm>
+          <a:off x="0" y="0"/>
+          <a:ext cx="0" cy="0"/>
+          <a:chOff x="0" y="0"/>
+          <a:chExt cx="0" cy="0"/>
+        </a:xfrm>
+      </p:grpSpPr>
+      <p:sp>
+        <p:nvSpPr>
+          <p:cNvPr id="2" name="Slide Image Placeholder 1">
+            <a:extLst>
+              <a:ext uri="{FF2B5EF4-FFF2-40B4-BE49-F238E27FC236}">
+                <a16:creationId xmlns:a16="http://schemas.microsoft.com/office/drawing/2014/main" id="{A00A9393-F0A9-BFEB-882F-C0AAB40B6C8A}"/>
+              </a:ext>
+            </a:extLst>
+          </p:cNvPr>
+          <p:cNvSpPr>
+            <a:spLocks noGrp="1" noRot="1" noChangeAspect="1"/>
+          </p:cNvSpPr>
+          <p:nvPr>
+            <p:ph type="sldImg"/>
+          </p:nvPr>
+        </p:nvSpPr>
+        <p:spPr/>
+      </p:sp>
+      <p:sp>
+        <p:nvSpPr>
+          <p:cNvPr id="3" name="Notes Placeholder 2">
+            <a:extLst>
+              <a:ext uri="{FF2B5EF4-FFF2-40B4-BE49-F238E27FC236}">
+                <a16:creationId xmlns:a16="http://schemas.microsoft.com/office/drawing/2014/main" id="{0F4A7163-160A-1339-3C7A-72A00D7B34E6}"/>
+              </a:ext>
+            </a:extLst>
+          </p:cNvPr>
+          <p:cNvSpPr>
+            <a:spLocks noGrp="1"/>
+          </p:cNvSpPr>
+          <p:nvPr>
+            <p:ph type="body" idx="1"/>
+          </p:nvPr>
+        </p:nvSpPr>
+        <p:spPr/>
+        <p:txBody>
+          <a:bodyPr/>
+          <a:lstStyle/>
+          <a:p>
+            <a:endParaRPr lang="en-US" dirty="0"/>
+          </a:p>
+        </p:txBody>
+      </p:sp>
+      <p:sp>
+        <p:nvSpPr>
+          <p:cNvPr id="4" name="Slide Number Placeholder 3">
+            <a:extLst>
+              <a:ext uri="{FF2B5EF4-FFF2-40B4-BE49-F238E27FC236}">
+                <a16:creationId xmlns:a16="http://schemas.microsoft.com/office/drawing/2014/main" id="{2C4F30C3-416E-F145-4FA2-DD8A58FC8FC8}"/>
+              </a:ext>
+            </a:extLst>
+          </p:cNvPr>
+          <p:cNvSpPr>
+            <a:spLocks noGrp="1"/>
+          </p:cNvSpPr>
+          <p:nvPr>
+            <p:ph type="sldNum" sz="quarter" idx="5"/>
+          </p:nvPr>
+        </p:nvSpPr>
+        <p:spPr/>
+        <p:txBody>
+          <a:bodyPr/>
+          <a:lstStyle/>
+          <a:p>
+            <a:fld id="{AD4B3522-F598-4236-847D-901DDEE8B2B8}" type="slidenum">
+              <a:rPr lang="en-US" smtClean="0"/>
+              <a:t>27</a:t>
+            </a:fld>
+            <a:endParaRPr lang="en-US"/>
+          </a:p>
+        </p:txBody>
+      </p:sp>
+    </p:spTree>
+    <p:extLst>
+      <p:ext uri="{BB962C8B-B14F-4D97-AF65-F5344CB8AC3E}">
+        <p14:creationId xmlns:p14="http://schemas.microsoft.com/office/powerpoint/2010/main" val="3537156483"/>
+      </p:ext>
+    </p:extLst>
+  </p:cSld>
+  <p:clrMapOvr>
+    <a:masterClrMapping/>
+  </p:clrMapOvr>
+</p:notes>
+</file>
+
 <file path=ppt/slideLayouts/slideLayout1.xml><?xml version="1.0" encoding="utf-8"?>
 <p:sldLayout xmlns:a="http://schemas.openxmlformats.org/drawingml/2006/main" xmlns:r="http://schemas.openxmlformats.org/officeDocument/2006/relationships" xmlns:p="http://schemas.openxmlformats.org/presentationml/2006/main" type="title" preserve="1">
   <p:cSld name="Title Slide">
@@ -5781,7 +3714,7 @@
           <a:p>
             <a:fld id="{4263717A-E3C1-4BED-ABE0-B7069385E023}" type="datetimeFigureOut">
               <a:rPr lang="en-US" smtClean="0"/>
-              <a:t>6/2/2025</a:t>
+              <a:t>10/2/2025</a:t>
             </a:fld>
             <a:endParaRPr lang="en-US"/>
           </a:p>
@@ -5954,7 +3887,7 @@
           <a:p>
             <a:fld id="{4263717A-E3C1-4BED-ABE0-B7069385E023}" type="datetimeFigureOut">
               <a:rPr lang="en-US" smtClean="0"/>
-              <a:t>6/2/2025</a:t>
+              <a:t>10/2/2025</a:t>
             </a:fld>
             <a:endParaRPr lang="en-US"/>
           </a:p>
@@ -6132,7 +4065,7 @@
           <a:p>
             <a:fld id="{4263717A-E3C1-4BED-ABE0-B7069385E023}" type="datetimeFigureOut">
               <a:rPr lang="en-US" smtClean="0"/>
-              <a:t>6/2/2025</a:t>
+              <a:t>10/2/2025</a:t>
             </a:fld>
             <a:endParaRPr lang="en-US"/>
           </a:p>
@@ -6300,7 +4233,7 @@
           <a:p>
             <a:fld id="{4263717A-E3C1-4BED-ABE0-B7069385E023}" type="datetimeFigureOut">
               <a:rPr lang="en-US" smtClean="0"/>
-              <a:t>6/2/2025</a:t>
+              <a:t>10/2/2025</a:t>
             </a:fld>
             <a:endParaRPr lang="en-US"/>
           </a:p>
@@ -6545,7 +4478,7 @@
           <a:p>
             <a:fld id="{4263717A-E3C1-4BED-ABE0-B7069385E023}" type="datetimeFigureOut">
               <a:rPr lang="en-US" smtClean="0"/>
-              <a:t>6/2/2025</a:t>
+              <a:t>10/2/2025</a:t>
             </a:fld>
             <a:endParaRPr lang="en-US"/>
           </a:p>
@@ -6774,7 +4707,7 @@
           <a:p>
             <a:fld id="{4263717A-E3C1-4BED-ABE0-B7069385E023}" type="datetimeFigureOut">
               <a:rPr lang="en-US" smtClean="0"/>
-              <a:t>6/2/2025</a:t>
+              <a:t>10/2/2025</a:t>
             </a:fld>
             <a:endParaRPr lang="en-US"/>
           </a:p>
@@ -7138,7 +5071,7 @@
           <a:p>
             <a:fld id="{4263717A-E3C1-4BED-ABE0-B7069385E023}" type="datetimeFigureOut">
               <a:rPr lang="en-US" smtClean="0"/>
-              <a:t>6/2/2025</a:t>
+              <a:t>10/2/2025</a:t>
             </a:fld>
             <a:endParaRPr lang="en-US"/>
           </a:p>
@@ -7255,7 +5188,7 @@
           <a:p>
             <a:fld id="{4263717A-E3C1-4BED-ABE0-B7069385E023}" type="datetimeFigureOut">
               <a:rPr lang="en-US" smtClean="0"/>
-              <a:t>6/2/2025</a:t>
+              <a:t>10/2/2025</a:t>
             </a:fld>
             <a:endParaRPr lang="en-US"/>
           </a:p>
@@ -7350,7 +5283,7 @@
           <a:p>
             <a:fld id="{4263717A-E3C1-4BED-ABE0-B7069385E023}" type="datetimeFigureOut">
               <a:rPr lang="en-US" smtClean="0"/>
-              <a:t>6/2/2025</a:t>
+              <a:t>10/2/2025</a:t>
             </a:fld>
             <a:endParaRPr lang="en-US"/>
           </a:p>
@@ -7625,7 +5558,7 @@
           <a:p>
             <a:fld id="{4263717A-E3C1-4BED-ABE0-B7069385E023}" type="datetimeFigureOut">
               <a:rPr lang="en-US" smtClean="0"/>
-              <a:t>6/2/2025</a:t>
+              <a:t>10/2/2025</a:t>
             </a:fld>
             <a:endParaRPr lang="en-US"/>
           </a:p>
@@ -7877,7 +5810,7 @@
           <a:p>
             <a:fld id="{4263717A-E3C1-4BED-ABE0-B7069385E023}" type="datetimeFigureOut">
               <a:rPr lang="en-US" smtClean="0"/>
-              <a:t>6/2/2025</a:t>
+              <a:t>10/2/2025</a:t>
             </a:fld>
             <a:endParaRPr lang="en-US"/>
           </a:p>
@@ -8096,7 +6029,7 @@
           <a:p>
             <a:fld id="{4263717A-E3C1-4BED-ABE0-B7069385E023}" type="datetimeFigureOut">
               <a:rPr lang="en-US" smtClean="0"/>
-              <a:t>6/2/2025</a:t>
+              <a:t>10/2/2025</a:t>
             </a:fld>
             <a:endParaRPr lang="en-US"/>
           </a:p>
@@ -8735,7 +6668,7 @@
           <p:nvPr/>
         </p:nvPicPr>
         <p:blipFill>
-          <a:blip r:embed="rId2">
+          <a:blip r:embed="rId2" cstate="print">
             <a:extLst>
               <a:ext uri="{28A0092B-C50C-407E-A947-70E740481C1C}">
                 <a14:useLocalDpi xmlns:a14="http://schemas.microsoft.com/office/drawing/2010/main" val="0"/>
@@ -8782,7 +6715,7 @@
           <p:nvPr/>
         </p:nvPicPr>
         <p:blipFill>
-          <a:blip r:embed="rId3">
+          <a:blip r:embed="rId3" cstate="print">
             <a:extLst>
               <a:ext uri="{28A0092B-C50C-407E-A947-70E740481C1C}">
                 <a14:useLocalDpi xmlns:a14="http://schemas.microsoft.com/office/drawing/2010/main" val="0"/>
@@ -11225,7 +9158,7 @@
           <p:nvPr/>
         </p:nvPicPr>
         <p:blipFill>
-          <a:blip r:embed="rId4">
+          <a:blip r:embed="rId4" cstate="print">
             <a:extLst>
               <a:ext uri="{28A0092B-C50C-407E-A947-70E740481C1C}">
                 <a14:useLocalDpi xmlns:a14="http://schemas.microsoft.com/office/drawing/2010/main" val="0"/>
@@ -11622,7 +9555,7 @@
           <p:nvPr/>
         </p:nvPicPr>
         <p:blipFill>
-          <a:blip r:embed="rId3">
+          <a:blip r:embed="rId3" cstate="print">
             <a:extLst>
               <a:ext uri="{28A0092B-C50C-407E-A947-70E740481C1C}">
                 <a14:useLocalDpi xmlns:a14="http://schemas.microsoft.com/office/drawing/2010/main" val="0"/>
@@ -12765,8 +10698,8 @@
         </p:blipFill>
         <p:spPr>
           <a:xfrm>
-            <a:off x="6581056" y="4688148"/>
-            <a:ext cx="5568999" cy="2169852"/>
+            <a:off x="8080978" y="5236443"/>
+            <a:ext cx="3999861" cy="1558468"/>
           </a:xfrm>
           <a:prstGeom prst="rect">
             <a:avLst/>
@@ -12787,7 +10720,7 @@
         </p:nvSpPr>
         <p:spPr>
           <a:xfrm>
-            <a:off x="282891" y="948605"/>
+            <a:off x="419962" y="1566442"/>
             <a:ext cx="11772038" cy="369332"/>
           </a:xfrm>
           <a:prstGeom prst="rect">
@@ -12918,8 +10851,8 @@
         </p:nvSpPr>
         <p:spPr>
           <a:xfrm>
-            <a:off x="7810150" y="161987"/>
-            <a:ext cx="3910512" cy="369332"/>
+            <a:off x="6021512" y="864445"/>
+            <a:ext cx="5704982" cy="369332"/>
           </a:xfrm>
           <a:prstGeom prst="rect">
             <a:avLst/>
@@ -12933,12 +10866,12 @@
           <a:lstStyle/>
           <a:p>
             <a:r>
-              <a:rPr lang="en-US" b="1" dirty="0"/>
-              <a:t>Sunn</a:t>
-            </a:r>
-            <a:r>
-              <a:rPr lang="en-US" dirty="0"/>
-              <a:t>: </a:t>
+              <a:rPr lang="en-US" b="1" dirty="0">
+                <a:solidFill>
+                  <a:schemeClr val="accent5"/>
+                </a:solidFill>
+              </a:rPr>
+              <a:t>	Sunny: </a:t>
             </a:r>
             <a:r>
               <a:rPr lang="en-US" dirty="0">
@@ -12950,7 +10883,7 @@
             </a:r>
             <a:r>
               <a:rPr lang="en-US" b="1" dirty="0"/>
-              <a:t>Cloudy</a:t>
+              <a:t>cloudy</a:t>
             </a:r>
             <a:r>
               <a:rPr lang="en-US" dirty="0"/>
@@ -12997,7 +10930,7 @@
         </p:nvSpPr>
         <p:spPr>
           <a:xfrm rot="16200000">
-            <a:off x="6050791" y="1066365"/>
+            <a:off x="6187862" y="1684202"/>
             <a:ext cx="276837" cy="932316"/>
           </a:xfrm>
           <a:prstGeom prst="leftBrace">
@@ -13046,7 +10979,7 @@
         </p:nvSpPr>
         <p:spPr>
           <a:xfrm rot="16200000">
-            <a:off x="7805489" y="1066364"/>
+            <a:off x="7942560" y="1684201"/>
             <a:ext cx="276837" cy="932316"/>
           </a:xfrm>
           <a:prstGeom prst="leftBrace">
@@ -13095,7 +11028,7 @@
         </p:nvSpPr>
         <p:spPr>
           <a:xfrm rot="16200000">
-            <a:off x="9560187" y="1066365"/>
+            <a:off x="9697258" y="1684202"/>
             <a:ext cx="276837" cy="932316"/>
           </a:xfrm>
           <a:prstGeom prst="leftBrace">
@@ -13144,7 +11077,7 @@
         </p:nvSpPr>
         <p:spPr>
           <a:xfrm>
-            <a:off x="2825723" y="1347856"/>
+            <a:off x="2962794" y="1965693"/>
             <a:ext cx="2234971" cy="369332"/>
           </a:xfrm>
           <a:prstGeom prst="rect">
@@ -13191,7 +11124,7 @@
         </p:nvSpPr>
         <p:spPr>
           <a:xfrm rot="16200000">
-            <a:off x="5280819" y="1888900"/>
+            <a:off x="5417890" y="2506737"/>
             <a:ext cx="276837" cy="397389"/>
           </a:xfrm>
           <a:prstGeom prst="leftBrace">
@@ -13240,7 +11173,7 @@
         </p:nvSpPr>
         <p:spPr>
           <a:xfrm rot="16200000">
-            <a:off x="8696537" y="1826249"/>
+            <a:off x="8833608" y="2444086"/>
             <a:ext cx="276837" cy="397389"/>
           </a:xfrm>
           <a:prstGeom prst="leftBrace">
@@ -13289,7 +11222,7 @@
         </p:nvSpPr>
         <p:spPr>
           <a:xfrm rot="16200000">
-            <a:off x="6947378" y="1851283"/>
+            <a:off x="7084449" y="2469120"/>
             <a:ext cx="276837" cy="397389"/>
           </a:xfrm>
           <a:prstGeom prst="leftBrace">
@@ -13338,7 +11271,7 @@
         </p:nvSpPr>
         <p:spPr>
           <a:xfrm>
-            <a:off x="2939951" y="1886524"/>
+            <a:off x="3077022" y="2504361"/>
             <a:ext cx="1930978" cy="369332"/>
           </a:xfrm>
           <a:prstGeom prst="rect">
@@ -13385,7 +11318,7 @@
         </p:nvSpPr>
         <p:spPr>
           <a:xfrm>
-            <a:off x="795602" y="2395060"/>
+            <a:off x="932673" y="3012897"/>
             <a:ext cx="10632431" cy="584775"/>
           </a:xfrm>
           <a:prstGeom prst="rect">
@@ -13433,7 +11366,7 @@
         </p:nvSpPr>
         <p:spPr>
           <a:xfrm>
-            <a:off x="655760" y="3214611"/>
+            <a:off x="792831" y="3832448"/>
             <a:ext cx="10632431" cy="369332"/>
           </a:xfrm>
           <a:prstGeom prst="rect">
@@ -13560,7 +11493,7 @@
         </p:nvSpPr>
         <p:spPr>
           <a:xfrm rot="16200000">
-            <a:off x="4202927" y="3388518"/>
+            <a:off x="4339998" y="4006355"/>
             <a:ext cx="276837" cy="1059169"/>
           </a:xfrm>
           <a:prstGeom prst="leftBrace">
@@ -13609,7 +11542,7 @@
         </p:nvSpPr>
         <p:spPr>
           <a:xfrm rot="16200000">
-            <a:off x="6175739" y="3388519"/>
+            <a:off x="6312810" y="4006356"/>
             <a:ext cx="276837" cy="1059170"/>
           </a:xfrm>
           <a:prstGeom prst="leftBrace">
@@ -13658,7 +11591,7 @@
         </p:nvSpPr>
         <p:spPr>
           <a:xfrm rot="16200000">
-            <a:off x="8050017" y="3353033"/>
+            <a:off x="8187088" y="3970870"/>
             <a:ext cx="276837" cy="1096992"/>
           </a:xfrm>
           <a:prstGeom prst="leftBrace">
@@ -13707,7 +11640,7 @@
         </p:nvSpPr>
         <p:spPr>
           <a:xfrm>
-            <a:off x="872487" y="3755875"/>
+            <a:off x="1009558" y="4373712"/>
             <a:ext cx="2226763" cy="369332"/>
           </a:xfrm>
           <a:prstGeom prst="rect">
@@ -13754,7 +11687,7 @@
         </p:nvSpPr>
         <p:spPr>
           <a:xfrm rot="16200000">
-            <a:off x="3419585" y="4304325"/>
+            <a:off x="3556656" y="4922162"/>
             <a:ext cx="276837" cy="397389"/>
           </a:xfrm>
           <a:prstGeom prst="leftBrace">
@@ -13803,7 +11736,7 @@
         </p:nvSpPr>
         <p:spPr>
           <a:xfrm rot="16200000">
-            <a:off x="7003360" y="4211831"/>
+            <a:off x="7140431" y="4829668"/>
             <a:ext cx="276837" cy="397389"/>
           </a:xfrm>
           <a:prstGeom prst="leftBrace">
@@ -13852,7 +11785,7 @@
         </p:nvSpPr>
         <p:spPr>
           <a:xfrm rot="16200000">
-            <a:off x="5254201" y="4236865"/>
+            <a:off x="5391272" y="4854702"/>
             <a:ext cx="276837" cy="397389"/>
           </a:xfrm>
           <a:prstGeom prst="leftBrace">
@@ -13901,7 +11834,7 @@
         </p:nvSpPr>
         <p:spPr>
           <a:xfrm>
-            <a:off x="1168272" y="4307638"/>
+            <a:off x="1305343" y="4925475"/>
             <a:ext cx="1930978" cy="369332"/>
           </a:xfrm>
           <a:prstGeom prst="rect">
@@ -15575,28 +13508,36 @@
               <a:t>= −log(</a:t>
             </a:r>
             <a:r>
+              <a:rPr lang="en-US" sz="2800">
+                <a:solidFill>
+                  <a:schemeClr val="accent2"/>
+                </a:solidFill>
+              </a:rPr>
+              <a:t>y​</a:t>
+            </a:r>
+            <a:r>
+              <a:rPr lang="en-US" sz="2800" baseline="-25000">
+                <a:solidFill>
+                  <a:schemeClr val="accent2"/>
+                </a:solidFill>
+              </a:rPr>
+              <a:t>0</a:t>
+            </a:r>
+            <a:r>
+              <a:rPr lang="en-US" sz="2800">
+                <a:solidFill>
+                  <a:schemeClr val="accent2"/>
+                </a:solidFill>
+              </a:rPr>
+              <a:t>​</a:t>
+            </a:r>
+            <a:r>
               <a:rPr lang="en-US" sz="2800" dirty="0">
                 <a:solidFill>
                   <a:schemeClr val="accent2"/>
                 </a:solidFill>
               </a:rPr>
-              <a:t>y​</a:t>
-            </a:r>
-            <a:r>
-              <a:rPr lang="en-US" sz="2800" baseline="-25000" dirty="0">
-                <a:solidFill>
-                  <a:schemeClr val="accent2"/>
-                </a:solidFill>
-              </a:rPr>
-              <a:t>2</a:t>
-            </a:r>
-            <a:r>
-              <a:rPr lang="en-US" sz="2800" dirty="0">
-                <a:solidFill>
-                  <a:schemeClr val="accent2"/>
-                </a:solidFill>
-              </a:rPr>
-              <a:t>​’</a:t>
+              <a:t>’</a:t>
             </a:r>
             <a:r>
               <a:rPr lang="en-US" sz="2800" dirty="0"/>
@@ -16019,7 +13960,7 @@
         <p:spPr>
           <a:xfrm>
             <a:off x="9098689" y="2822806"/>
-            <a:ext cx="2405281" cy="369332"/>
+            <a:ext cx="2405281" cy="923330"/>
           </a:xfrm>
           <a:prstGeom prst="rect">
             <a:avLst/>
@@ -16038,13 +13979,84 @@
                   <a:srgbClr val="0000FF"/>
                 </a:solidFill>
               </a:rPr>
-              <a:t>y=[1,0,0] as a mask</a:t>
-            </a:r>
-            <a:endParaRPr lang="en-US" dirty="0">
-              <a:solidFill>
-                <a:srgbClr val="0000FF"/>
-              </a:solidFill>
-            </a:endParaRPr>
+              <a:t>y</a:t>
+            </a:r>
+            <a:r>
+              <a:rPr lang="en-US" dirty="0">
+                <a:solidFill>
+                  <a:srgbClr val="0000FF"/>
+                </a:solidFill>
+              </a:rPr>
+              <a:t>1* </a:t>
+            </a:r>
+            <a:r>
+              <a:rPr lang="en-US" dirty="0">
+                <a:solidFill>
+                  <a:schemeClr val="accent2"/>
+                </a:solidFill>
+              </a:rPr>
+              <a:t>entropy y0’</a:t>
+            </a:r>
+            <a:r>
+              <a:rPr lang="en-US" dirty="0">
+                <a:solidFill>
+                  <a:srgbClr val="0000FF"/>
+                </a:solidFill>
+              </a:rPr>
+              <a:t> +</a:t>
+            </a:r>
+          </a:p>
+          <a:p>
+            <a:r>
+              <a:rPr lang="en-US" dirty="0">
+                <a:solidFill>
+                  <a:srgbClr val="0000FF"/>
+                </a:solidFill>
+              </a:rPr>
+              <a:t>y2* </a:t>
+            </a:r>
+            <a:r>
+              <a:rPr lang="en-US" dirty="0">
+                <a:solidFill>
+                  <a:schemeClr val="accent2"/>
+                </a:solidFill>
+              </a:rPr>
+              <a:t>entropy y1’</a:t>
+            </a:r>
+            <a:r>
+              <a:rPr lang="en-US" dirty="0">
+                <a:solidFill>
+                  <a:srgbClr val="0000FF"/>
+                </a:solidFill>
+              </a:rPr>
+              <a:t> +</a:t>
+            </a:r>
+          </a:p>
+          <a:p>
+            <a:r>
+              <a:rPr lang="en-US" dirty="0">
+                <a:solidFill>
+                  <a:srgbClr val="0000FF"/>
+                </a:solidFill>
+              </a:rPr>
+              <a:t>y3* </a:t>
+            </a:r>
+            <a:r>
+              <a:rPr lang="en-US" dirty="0">
+                <a:solidFill>
+                  <a:schemeClr val="accent2"/>
+                </a:solidFill>
+              </a:rPr>
+              <a:t>entropy y2’</a:t>
+            </a:r>
+            <a:r>
+              <a:rPr lang="en-US" dirty="0">
+                <a:solidFill>
+                  <a:srgbClr val="0000FF"/>
+                </a:solidFill>
+              </a:rPr>
+              <a:t> </a:t>
+            </a:r>
           </a:p>
         </p:txBody>
       </p:sp>
@@ -16442,7 +14454,13 @@
   <p:cSld>
     <p:spTree>
       <p:nvGrpSpPr>
-        <p:cNvPr id="1" name=""/>
+        <p:cNvPr id="1" name="">
+          <a:extLst>
+            <a:ext uri="{FF2B5EF4-FFF2-40B4-BE49-F238E27FC236}">
+              <a16:creationId xmlns:a16="http://schemas.microsoft.com/office/drawing/2014/main" id="{0B355810-6449-8174-E1C2-3EA527D511F8}"/>
+            </a:ext>
+          </a:extLst>
+        </p:cNvPr>
         <p:cNvGrpSpPr/>
         <p:nvPr/>
       </p:nvGrpSpPr>
@@ -16456,10 +14474,10 @@
       </p:grpSpPr>
       <p:sp>
         <p:nvSpPr>
-          <p:cNvPr id="2" name="Title 1">
-            <a:extLst>
-              <a:ext uri="{FF2B5EF4-FFF2-40B4-BE49-F238E27FC236}">
-                <a16:creationId xmlns:a16="http://schemas.microsoft.com/office/drawing/2014/main" id="{05EE78BB-519C-86FD-511B-DE62EAFF1CC2}"/>
+          <p:cNvPr id="4" name="Title 3">
+            <a:extLst>
+              <a:ext uri="{FF2B5EF4-FFF2-40B4-BE49-F238E27FC236}">
+                <a16:creationId xmlns:a16="http://schemas.microsoft.com/office/drawing/2014/main" id="{73F338D6-E6C4-07FD-BB45-CBAA2056841B}"/>
               </a:ext>
             </a:extLst>
           </p:cNvPr>
@@ -16476,18 +14494,26 @@
           <a:lstStyle/>
           <a:p>
             <a:r>
+              <a:rPr lang="en-US" dirty="0">
+                <a:solidFill>
+                  <a:srgbClr val="FF0000"/>
+                </a:solidFill>
+              </a:rPr>
+              <a:t>Key takeaway: </a:t>
+            </a:r>
+            <a:r>
               <a:rPr lang="en-US" dirty="0"/>
-              <a:t>Activation Function</a:t>
+              <a:t>Cross-Entropy loss</a:t>
             </a:r>
           </a:p>
         </p:txBody>
       </p:sp>
       <p:sp>
         <p:nvSpPr>
-          <p:cNvPr id="3" name="Text Placeholder 2">
-            <a:extLst>
-              <a:ext uri="{FF2B5EF4-FFF2-40B4-BE49-F238E27FC236}">
-                <a16:creationId xmlns:a16="http://schemas.microsoft.com/office/drawing/2014/main" id="{606AF7ED-2A7B-ABF1-133B-A3C8E9F6AC68}"/>
+          <p:cNvPr id="5" name="Content Placeholder 4">
+            <a:extLst>
+              <a:ext uri="{FF2B5EF4-FFF2-40B4-BE49-F238E27FC236}">
+                <a16:creationId xmlns:a16="http://schemas.microsoft.com/office/drawing/2014/main" id="{908A0F81-76BE-DB33-3471-603B5E034BE2}"/>
               </a:ext>
             </a:extLst>
           </p:cNvPr>
@@ -16495,25 +14521,654 @@
             <a:spLocks noGrp="1"/>
           </p:cNvSpPr>
           <p:nvPr>
-            <p:ph type="body" idx="1"/>
+            <p:ph idx="1"/>
           </p:nvPr>
         </p:nvSpPr>
-        <p:spPr/>
+        <p:spPr>
+          <a:xfrm>
+            <a:off x="838200" y="1825626"/>
+            <a:ext cx="9951720" cy="1112520"/>
+          </a:xfrm>
+        </p:spPr>
         <p:txBody>
-          <a:bodyPr/>
+          <a:bodyPr>
+            <a:normAutofit/>
+          </a:bodyPr>
           <a:lstStyle/>
           <a:p>
-            <a:r>
-              <a:rPr lang="en-US" dirty="0"/>
-              <a:t>Enabling Non-Linear Learning</a:t>
-            </a:r>
+            <a:pPr marL="0" indent="0">
+              <a:buNone/>
+            </a:pPr>
+            <a:r>
+              <a:rPr lang="en-GB" sz="3600" dirty="0"/>
+              <a:t>How far are my predicted probabilities from the true labels?</a:t>
+            </a:r>
+          </a:p>
+        </p:txBody>
+      </p:sp>
+      <p:graphicFrame>
+        <p:nvGraphicFramePr>
+          <p:cNvPr id="12" name="Table 11">
+            <a:extLst>
+              <a:ext uri="{FF2B5EF4-FFF2-40B4-BE49-F238E27FC236}">
+                <a16:creationId xmlns:a16="http://schemas.microsoft.com/office/drawing/2014/main" id="{56666E8E-D974-6E43-0158-77E6BD3175C2}"/>
+              </a:ext>
+            </a:extLst>
+          </p:cNvPr>
+          <p:cNvGraphicFramePr>
+            <a:graphicFrameLocks noGrp="1"/>
+          </p:cNvGraphicFramePr>
+          <p:nvPr>
+            <p:extLst>
+              <p:ext uri="{D42A27DB-BD31-4B8C-83A1-F6EECF244321}">
+                <p14:modId xmlns:p14="http://schemas.microsoft.com/office/powerpoint/2010/main" val="3469095480"/>
+              </p:ext>
+            </p:extLst>
+          </p:nvPr>
+        </p:nvGraphicFramePr>
+        <p:xfrm>
+          <a:off x="9752771" y="3386078"/>
+          <a:ext cx="1826388" cy="1112520"/>
+        </p:xfrm>
+        <a:graphic>
+          <a:graphicData uri="http://schemas.openxmlformats.org/drawingml/2006/table">
+            <a:tbl>
+              <a:tblPr firstRow="1" bandRow="1">
+                <a:tableStyleId>{5940675A-B579-460E-94D1-54222C63F5DA}</a:tableStyleId>
+              </a:tblPr>
+              <a:tblGrid>
+                <a:gridCol w="1826388">
+                  <a:extLst>
+                    <a:ext uri="{9D8B030D-6E8A-4147-A177-3AD203B41FA5}">
+                      <a16:colId xmlns:a16="http://schemas.microsoft.com/office/drawing/2014/main" val="625945918"/>
+                    </a:ext>
+                  </a:extLst>
+                </a:gridCol>
+              </a:tblGrid>
+              <a:tr h="370840">
+                <a:tc>
+                  <a:txBody>
+                    <a:bodyPr/>
+                    <a:lstStyle/>
+                    <a:p>
+                      <a:r>
+                        <a:rPr lang="en-US"/>
+                        <a:t>Cat/</a:t>
+                      </a:r>
+                      <a:r>
+                        <a:rPr lang="en-US" dirty="0" err="1"/>
+                        <a:t>Setosa</a:t>
+                      </a:r>
+                      <a:endParaRPr lang="en-US" dirty="0"/>
+                    </a:p>
+                  </a:txBody>
+                  <a:tcPr>
+                    <a:lnL w="12700" cmpd="sng">
+                      <a:noFill/>
+                    </a:lnL>
+                    <a:lnR w="12700" cmpd="sng">
+                      <a:noFill/>
+                    </a:lnR>
+                    <a:lnT w="12700" cmpd="sng">
+                      <a:noFill/>
+                    </a:lnT>
+                    <a:lnB w="12700" cmpd="sng">
+                      <a:noFill/>
+                    </a:lnB>
+                    <a:lnTlToBr w="12700" cmpd="sng">
+                      <a:noFill/>
+                      <a:prstDash val="solid"/>
+                    </a:lnTlToBr>
+                    <a:lnBlToTr w="12700" cmpd="sng">
+                      <a:noFill/>
+                      <a:prstDash val="solid"/>
+                    </a:lnBlToTr>
+                  </a:tcPr>
+                </a:tc>
+                <a:extLst>
+                  <a:ext uri="{0D108BD9-81ED-4DB2-BD59-A6C34878D82A}">
+                    <a16:rowId xmlns:a16="http://schemas.microsoft.com/office/drawing/2014/main" val="1085948724"/>
+                  </a:ext>
+                </a:extLst>
+              </a:tr>
+              <a:tr h="370840">
+                <a:tc>
+                  <a:txBody>
+                    <a:bodyPr/>
+                    <a:lstStyle/>
+                    <a:p>
+                      <a:r>
+                        <a:rPr lang="en-US" dirty="0"/>
+                        <a:t>Dog/Versicolor</a:t>
+                      </a:r>
+                    </a:p>
+                  </a:txBody>
+                  <a:tcPr>
+                    <a:lnL w="12700" cmpd="sng">
+                      <a:noFill/>
+                    </a:lnL>
+                    <a:lnR w="12700" cmpd="sng">
+                      <a:noFill/>
+                    </a:lnR>
+                    <a:lnT w="12700" cmpd="sng">
+                      <a:noFill/>
+                    </a:lnT>
+                    <a:lnB w="12700" cmpd="sng">
+                      <a:noFill/>
+                    </a:lnB>
+                    <a:lnTlToBr w="12700" cmpd="sng">
+                      <a:noFill/>
+                      <a:prstDash val="solid"/>
+                    </a:lnTlToBr>
+                    <a:lnBlToTr w="12700" cmpd="sng">
+                      <a:noFill/>
+                      <a:prstDash val="solid"/>
+                    </a:lnBlToTr>
+                  </a:tcPr>
+                </a:tc>
+                <a:extLst>
+                  <a:ext uri="{0D108BD9-81ED-4DB2-BD59-A6C34878D82A}">
+                    <a16:rowId xmlns:a16="http://schemas.microsoft.com/office/drawing/2014/main" val="1527074323"/>
+                  </a:ext>
+                </a:extLst>
+              </a:tr>
+              <a:tr h="370840">
+                <a:tc>
+                  <a:txBody>
+                    <a:bodyPr/>
+                    <a:lstStyle/>
+                    <a:p>
+                      <a:r>
+                        <a:rPr lang="en-US" dirty="0"/>
+                        <a:t>Rabbit/Virginica</a:t>
+                      </a:r>
+                    </a:p>
+                  </a:txBody>
+                  <a:tcPr>
+                    <a:lnL w="12700" cmpd="sng">
+                      <a:noFill/>
+                    </a:lnL>
+                    <a:lnR w="12700" cmpd="sng">
+                      <a:noFill/>
+                    </a:lnR>
+                    <a:lnT w="12700" cmpd="sng">
+                      <a:noFill/>
+                    </a:lnT>
+                    <a:lnB w="12700" cmpd="sng">
+                      <a:noFill/>
+                    </a:lnB>
+                    <a:lnTlToBr w="12700" cmpd="sng">
+                      <a:noFill/>
+                      <a:prstDash val="solid"/>
+                    </a:lnTlToBr>
+                    <a:lnBlToTr w="12700" cmpd="sng">
+                      <a:noFill/>
+                      <a:prstDash val="solid"/>
+                    </a:lnBlToTr>
+                  </a:tcPr>
+                </a:tc>
+                <a:extLst>
+                  <a:ext uri="{0D108BD9-81ED-4DB2-BD59-A6C34878D82A}">
+                    <a16:rowId xmlns:a16="http://schemas.microsoft.com/office/drawing/2014/main" val="1076385022"/>
+                  </a:ext>
+                </a:extLst>
+              </a:tr>
+            </a:tbl>
+          </a:graphicData>
+        </a:graphic>
+      </p:graphicFrame>
+      <p:graphicFrame>
+        <p:nvGraphicFramePr>
+          <p:cNvPr id="13" name="Table 12">
+            <a:extLst>
+              <a:ext uri="{FF2B5EF4-FFF2-40B4-BE49-F238E27FC236}">
+                <a16:creationId xmlns:a16="http://schemas.microsoft.com/office/drawing/2014/main" id="{70DBB719-57AA-6444-323C-AC15A139FB25}"/>
+              </a:ext>
+            </a:extLst>
+          </p:cNvPr>
+          <p:cNvGraphicFramePr>
+            <a:graphicFrameLocks noGrp="1"/>
+          </p:cNvGraphicFramePr>
+          <p:nvPr>
+            <p:extLst>
+              <p:ext uri="{D42A27DB-BD31-4B8C-83A1-F6EECF244321}">
+                <p14:modId xmlns:p14="http://schemas.microsoft.com/office/powerpoint/2010/main" val="2566041898"/>
+              </p:ext>
+            </p:extLst>
+          </p:nvPr>
+        </p:nvGraphicFramePr>
+        <p:xfrm>
+          <a:off x="6964547" y="3440854"/>
+          <a:ext cx="882142" cy="1112520"/>
+        </p:xfrm>
+        <a:graphic>
+          <a:graphicData uri="http://schemas.openxmlformats.org/drawingml/2006/table">
+            <a:tbl>
+              <a:tblPr firstRow="1" bandRow="1">
+                <a:tableStyleId>{5940675A-B579-460E-94D1-54222C63F5DA}</a:tableStyleId>
+              </a:tblPr>
+              <a:tblGrid>
+                <a:gridCol w="882142">
+                  <a:extLst>
+                    <a:ext uri="{9D8B030D-6E8A-4147-A177-3AD203B41FA5}">
+                      <a16:colId xmlns:a16="http://schemas.microsoft.com/office/drawing/2014/main" val="625945918"/>
+                    </a:ext>
+                  </a:extLst>
+                </a:gridCol>
+              </a:tblGrid>
+              <a:tr h="370840">
+                <a:tc>
+                  <a:txBody>
+                    <a:bodyPr/>
+                    <a:lstStyle/>
+                    <a:p>
+                      <a:r>
+                        <a:rPr lang="en-US" b="1" dirty="0"/>
+                        <a:t>0.8</a:t>
+                      </a:r>
+                    </a:p>
+                  </a:txBody>
+                  <a:tcPr>
+                    <a:solidFill>
+                      <a:srgbClr val="FFA500"/>
+                    </a:solidFill>
+                  </a:tcPr>
+                </a:tc>
+                <a:extLst>
+                  <a:ext uri="{0D108BD9-81ED-4DB2-BD59-A6C34878D82A}">
+                    <a16:rowId xmlns:a16="http://schemas.microsoft.com/office/drawing/2014/main" val="1085948724"/>
+                  </a:ext>
+                </a:extLst>
+              </a:tr>
+              <a:tr h="370840">
+                <a:tc>
+                  <a:txBody>
+                    <a:bodyPr/>
+                    <a:lstStyle/>
+                    <a:p>
+                      <a:r>
+                        <a:rPr lang="en-US" dirty="0"/>
+                        <a:t>0.1</a:t>
+                      </a:r>
+                    </a:p>
+                  </a:txBody>
+                  <a:tcPr>
+                    <a:solidFill>
+                      <a:srgbClr val="FFA500"/>
+                    </a:solidFill>
+                  </a:tcPr>
+                </a:tc>
+                <a:extLst>
+                  <a:ext uri="{0D108BD9-81ED-4DB2-BD59-A6C34878D82A}">
+                    <a16:rowId xmlns:a16="http://schemas.microsoft.com/office/drawing/2014/main" val="1527074323"/>
+                  </a:ext>
+                </a:extLst>
+              </a:tr>
+              <a:tr h="370840">
+                <a:tc>
+                  <a:txBody>
+                    <a:bodyPr/>
+                    <a:lstStyle/>
+                    <a:p>
+                      <a:r>
+                        <a:rPr lang="en-US" dirty="0"/>
+                        <a:t>0.1</a:t>
+                      </a:r>
+                    </a:p>
+                  </a:txBody>
+                  <a:tcPr>
+                    <a:solidFill>
+                      <a:srgbClr val="FFA500"/>
+                    </a:solidFill>
+                  </a:tcPr>
+                </a:tc>
+                <a:extLst>
+                  <a:ext uri="{0D108BD9-81ED-4DB2-BD59-A6C34878D82A}">
+                    <a16:rowId xmlns:a16="http://schemas.microsoft.com/office/drawing/2014/main" val="1076385022"/>
+                  </a:ext>
+                </a:extLst>
+              </a:tr>
+            </a:tbl>
+          </a:graphicData>
+        </a:graphic>
+      </p:graphicFrame>
+      <p:graphicFrame>
+        <p:nvGraphicFramePr>
+          <p:cNvPr id="14" name="Table 13">
+            <a:extLst>
+              <a:ext uri="{FF2B5EF4-FFF2-40B4-BE49-F238E27FC236}">
+                <a16:creationId xmlns:a16="http://schemas.microsoft.com/office/drawing/2014/main" id="{35822276-BBAD-812D-8178-476DF2E5558F}"/>
+              </a:ext>
+            </a:extLst>
+          </p:cNvPr>
+          <p:cNvGraphicFramePr>
+            <a:graphicFrameLocks noGrp="1"/>
+          </p:cNvGraphicFramePr>
+          <p:nvPr/>
+        </p:nvGraphicFramePr>
+        <p:xfrm>
+          <a:off x="8637079" y="3429000"/>
+          <a:ext cx="882142" cy="1112520"/>
+        </p:xfrm>
+        <a:graphic>
+          <a:graphicData uri="http://schemas.openxmlformats.org/drawingml/2006/table">
+            <a:tbl>
+              <a:tblPr firstRow="1" bandRow="1">
+                <a:tableStyleId>{5940675A-B579-460E-94D1-54222C63F5DA}</a:tableStyleId>
+              </a:tblPr>
+              <a:tblGrid>
+                <a:gridCol w="882142">
+                  <a:extLst>
+                    <a:ext uri="{9D8B030D-6E8A-4147-A177-3AD203B41FA5}">
+                      <a16:colId xmlns:a16="http://schemas.microsoft.com/office/drawing/2014/main" val="625945918"/>
+                    </a:ext>
+                  </a:extLst>
+                </a:gridCol>
+              </a:tblGrid>
+              <a:tr h="370840">
+                <a:tc>
+                  <a:txBody>
+                    <a:bodyPr/>
+                    <a:lstStyle/>
+                    <a:p>
+                      <a:r>
+                        <a:rPr lang="en-US" dirty="0">
+                          <a:solidFill>
+                            <a:schemeClr val="bg2"/>
+                          </a:solidFill>
+                        </a:rPr>
+                        <a:t>1</a:t>
+                      </a:r>
+                    </a:p>
+                  </a:txBody>
+                  <a:tcPr>
+                    <a:solidFill>
+                      <a:srgbClr val="0000FF"/>
+                    </a:solidFill>
+                  </a:tcPr>
+                </a:tc>
+                <a:extLst>
+                  <a:ext uri="{0D108BD9-81ED-4DB2-BD59-A6C34878D82A}">
+                    <a16:rowId xmlns:a16="http://schemas.microsoft.com/office/drawing/2014/main" val="1085948724"/>
+                  </a:ext>
+                </a:extLst>
+              </a:tr>
+              <a:tr h="370840">
+                <a:tc>
+                  <a:txBody>
+                    <a:bodyPr/>
+                    <a:lstStyle/>
+                    <a:p>
+                      <a:r>
+                        <a:rPr lang="en-US" dirty="0">
+                          <a:solidFill>
+                            <a:schemeClr val="bg2"/>
+                          </a:solidFill>
+                        </a:rPr>
+                        <a:t>0</a:t>
+                      </a:r>
+                    </a:p>
+                  </a:txBody>
+                  <a:tcPr>
+                    <a:solidFill>
+                      <a:srgbClr val="0000FF"/>
+                    </a:solidFill>
+                  </a:tcPr>
+                </a:tc>
+                <a:extLst>
+                  <a:ext uri="{0D108BD9-81ED-4DB2-BD59-A6C34878D82A}">
+                    <a16:rowId xmlns:a16="http://schemas.microsoft.com/office/drawing/2014/main" val="1527074323"/>
+                  </a:ext>
+                </a:extLst>
+              </a:tr>
+              <a:tr h="370840">
+                <a:tc>
+                  <a:txBody>
+                    <a:bodyPr/>
+                    <a:lstStyle/>
+                    <a:p>
+                      <a:r>
+                        <a:rPr lang="en-US" dirty="0">
+                          <a:solidFill>
+                            <a:schemeClr val="bg2"/>
+                          </a:solidFill>
+                        </a:rPr>
+                        <a:t>0</a:t>
+                      </a:r>
+                    </a:p>
+                  </a:txBody>
+                  <a:tcPr>
+                    <a:solidFill>
+                      <a:srgbClr val="0000FF"/>
+                    </a:solidFill>
+                  </a:tcPr>
+                </a:tc>
+                <a:extLst>
+                  <a:ext uri="{0D108BD9-81ED-4DB2-BD59-A6C34878D82A}">
+                    <a16:rowId xmlns:a16="http://schemas.microsoft.com/office/drawing/2014/main" val="1076385022"/>
+                  </a:ext>
+                </a:extLst>
+              </a:tr>
+            </a:tbl>
+          </a:graphicData>
+        </a:graphic>
+      </p:graphicFrame>
+      <p:sp>
+        <p:nvSpPr>
+          <p:cNvPr id="16" name="TextBox 15">
+            <a:extLst>
+              <a:ext uri="{FF2B5EF4-FFF2-40B4-BE49-F238E27FC236}">
+                <a16:creationId xmlns:a16="http://schemas.microsoft.com/office/drawing/2014/main" id="{52637B31-4BFC-E4E9-42E1-6191042551DD}"/>
+              </a:ext>
+            </a:extLst>
+          </p:cNvPr>
+          <p:cNvSpPr txBox="1"/>
+          <p:nvPr/>
+        </p:nvSpPr>
+        <p:spPr>
+          <a:xfrm>
+            <a:off x="8637079" y="4800214"/>
+            <a:ext cx="1826389" cy="1200329"/>
+          </a:xfrm>
+          <a:prstGeom prst="rect">
+            <a:avLst/>
+          </a:prstGeom>
+          <a:noFill/>
+        </p:spPr>
+        <p:txBody>
+          <a:bodyPr wrap="square">
+            <a:spAutoFit/>
+          </a:bodyPr>
+          <a:lstStyle/>
+          <a:p>
+            <a:r>
+              <a:rPr lang="en-US" b="1" dirty="0"/>
+              <a:t>y= true label/ distribution (one-hot encoded)</a:t>
+            </a:r>
+            <a:endParaRPr lang="en-US" dirty="0"/>
+          </a:p>
+        </p:txBody>
+      </p:sp>
+      <p:sp>
+        <p:nvSpPr>
+          <p:cNvPr id="18" name="TextBox 17">
+            <a:extLst>
+              <a:ext uri="{FF2B5EF4-FFF2-40B4-BE49-F238E27FC236}">
+                <a16:creationId xmlns:a16="http://schemas.microsoft.com/office/drawing/2014/main" id="{98FA7FA9-1142-EBAF-BF48-5AECDD35CB27}"/>
+              </a:ext>
+            </a:extLst>
+          </p:cNvPr>
+          <p:cNvSpPr txBox="1"/>
+          <p:nvPr/>
+        </p:nvSpPr>
+        <p:spPr>
+          <a:xfrm>
+            <a:off x="6722944" y="4946531"/>
+            <a:ext cx="1826389" cy="923330"/>
+          </a:xfrm>
+          <a:prstGeom prst="rect">
+            <a:avLst/>
+          </a:prstGeom>
+          <a:noFill/>
+        </p:spPr>
+        <p:txBody>
+          <a:bodyPr wrap="square">
+            <a:spAutoFit/>
+          </a:bodyPr>
+          <a:lstStyle/>
+          <a:p>
+            <a:r>
+              <a:rPr lang="en-GB" b="1" dirty="0"/>
+              <a:t>y’=predicted distribution</a:t>
+            </a:r>
+            <a:r>
+              <a:rPr lang="en-GB" dirty="0"/>
+              <a:t> (after </a:t>
+            </a:r>
+            <a:r>
+              <a:rPr lang="en-GB" dirty="0" err="1"/>
+              <a:t>softmax</a:t>
+            </a:r>
+            <a:r>
+              <a:rPr lang="en-GB" dirty="0"/>
+              <a:t>)</a:t>
+            </a:r>
+            <a:endParaRPr lang="en-US" dirty="0"/>
+          </a:p>
+        </p:txBody>
+      </p:sp>
+      <p:pic>
+        <p:nvPicPr>
+          <p:cNvPr id="25" name="Picture 24">
+            <a:extLst>
+              <a:ext uri="{FF2B5EF4-FFF2-40B4-BE49-F238E27FC236}">
+                <a16:creationId xmlns:a16="http://schemas.microsoft.com/office/drawing/2014/main" id="{E34A23DA-2886-7898-3390-AB9FCEB8F01E}"/>
+              </a:ext>
+            </a:extLst>
+          </p:cNvPr>
+          <p:cNvPicPr>
+            <a:picLocks noChangeAspect="1"/>
+          </p:cNvPicPr>
+          <p:nvPr/>
+        </p:nvPicPr>
+        <p:blipFill>
+          <a:blip r:embed="rId3"/>
+          <a:stretch>
+            <a:fillRect/>
+          </a:stretch>
+        </p:blipFill>
+        <p:spPr>
+          <a:xfrm>
+            <a:off x="914423" y="2958143"/>
+            <a:ext cx="4903380" cy="3241218"/>
+          </a:xfrm>
+          <a:prstGeom prst="rect">
+            <a:avLst/>
+          </a:prstGeom>
+          <a:solidFill>
+            <a:srgbClr val="A6A659"/>
+          </a:solidFill>
+        </p:spPr>
+      </p:pic>
+      <p:sp>
+        <p:nvSpPr>
+          <p:cNvPr id="26" name="Arrow: Right 25">
+            <a:extLst>
+              <a:ext uri="{FF2B5EF4-FFF2-40B4-BE49-F238E27FC236}">
+                <a16:creationId xmlns:a16="http://schemas.microsoft.com/office/drawing/2014/main" id="{6AFCDE63-B448-B543-9AA0-7A6C7602038E}"/>
+              </a:ext>
+            </a:extLst>
+          </p:cNvPr>
+          <p:cNvSpPr/>
+          <p:nvPr/>
+        </p:nvSpPr>
+        <p:spPr>
+          <a:xfrm>
+            <a:off x="6023760" y="4238414"/>
+            <a:ext cx="584433" cy="314960"/>
+          </a:xfrm>
+          <a:prstGeom prst="rightArrow">
+            <a:avLst/>
+          </a:prstGeom>
+        </p:spPr>
+        <p:style>
+          <a:lnRef idx="2">
+            <a:schemeClr val="accent1">
+              <a:shade val="15000"/>
+            </a:schemeClr>
+          </a:lnRef>
+          <a:fillRef idx="1">
+            <a:schemeClr val="accent1"/>
+          </a:fillRef>
+          <a:effectRef idx="0">
+            <a:schemeClr val="accent1"/>
+          </a:effectRef>
+          <a:fontRef idx="minor">
+            <a:schemeClr val="lt1"/>
+          </a:fontRef>
+        </p:style>
+        <p:txBody>
+          <a:bodyPr rtlCol="0" anchor="ctr"/>
+          <a:lstStyle/>
+          <a:p>
+            <a:pPr algn="ctr"/>
+            <a:endParaRPr lang="en-US"/>
+          </a:p>
+        </p:txBody>
+      </p:sp>
+      <p:sp>
+        <p:nvSpPr>
+          <p:cNvPr id="27" name="Left Brace 26">
+            <a:extLst>
+              <a:ext uri="{FF2B5EF4-FFF2-40B4-BE49-F238E27FC236}">
+                <a16:creationId xmlns:a16="http://schemas.microsoft.com/office/drawing/2014/main" id="{F0146A9B-5E03-6D11-6F95-626FA7F93E8E}"/>
+              </a:ext>
+            </a:extLst>
+          </p:cNvPr>
+          <p:cNvSpPr/>
+          <p:nvPr/>
+        </p:nvSpPr>
+        <p:spPr>
+          <a:xfrm rot="5400000">
+            <a:off x="7850632" y="1984372"/>
+            <a:ext cx="539008" cy="1684149"/>
+          </a:xfrm>
+          <a:prstGeom prst="leftBrace">
+            <a:avLst/>
+          </a:prstGeom>
+          <a:ln>
+            <a:solidFill>
+              <a:srgbClr val="FF0000"/>
+            </a:solidFill>
+          </a:ln>
+        </p:spPr>
+        <p:style>
+          <a:lnRef idx="1">
+            <a:schemeClr val="accent2"/>
+          </a:lnRef>
+          <a:fillRef idx="0">
+            <a:schemeClr val="accent2"/>
+          </a:fillRef>
+          <a:effectRef idx="0">
+            <a:schemeClr val="accent2"/>
+          </a:effectRef>
+          <a:fontRef idx="minor">
+            <a:schemeClr val="tx1"/>
+          </a:fontRef>
+        </p:style>
+        <p:txBody>
+          <a:bodyPr rtlCol="0" anchor="ctr"/>
+          <a:lstStyle/>
+          <a:p>
+            <a:pPr algn="ctr"/>
+            <a:endParaRPr lang="en-US"/>
           </a:p>
         </p:txBody>
       </p:sp>
     </p:spTree>
     <p:extLst>
       <p:ext uri="{BB962C8B-B14F-4D97-AF65-F5344CB8AC3E}">
-        <p14:creationId xmlns:p14="http://schemas.microsoft.com/office/powerpoint/2010/main" val="495228592"/>
+        <p14:creationId xmlns:p14="http://schemas.microsoft.com/office/powerpoint/2010/main" val="895806498"/>
       </p:ext>
     </p:extLst>
   </p:cSld>
@@ -16545,7 +15200,7 @@
           <p:cNvPr id="4" name="Title 3">
             <a:extLst>
               <a:ext uri="{FF2B5EF4-FFF2-40B4-BE49-F238E27FC236}">
-                <a16:creationId xmlns:a16="http://schemas.microsoft.com/office/drawing/2014/main" id="{78DE5A5C-2BEA-53EE-62A6-79CEBC804C34}"/>
+                <a16:creationId xmlns:a16="http://schemas.microsoft.com/office/drawing/2014/main" id="{D4F59B9B-4087-87FD-AE05-12CC1BA679E2}"/>
               </a:ext>
             </a:extLst>
           </p:cNvPr>
@@ -16563,69 +15218,25 @@
           <a:p>
             <a:r>
               <a:rPr lang="en-US" dirty="0"/>
-              <a:t>Activation Function: </a:t>
-            </a:r>
-            <a:r>
-              <a:rPr lang="en-GB" dirty="0"/>
-              <a:t>Introduces non-linearity in neural networks</a:t>
-            </a:r>
-            <a:endParaRPr lang="en-US" dirty="0"/>
+              <a:t>Multi-class Classification (</a:t>
+            </a:r>
+            <a:r>
+              <a:rPr lang="en-US" dirty="0" err="1"/>
+              <a:t>softmax</a:t>
+            </a:r>
+            <a:r>
+              <a:rPr lang="en-US" dirty="0"/>
+              <a:t> output)</a:t>
+            </a:r>
           </a:p>
         </p:txBody>
       </p:sp>
       <p:pic>
         <p:nvPicPr>
-          <p:cNvPr id="7170" name="Picture 2">
-            <a:extLst>
-              <a:ext uri="{FF2B5EF4-FFF2-40B4-BE49-F238E27FC236}">
-                <a16:creationId xmlns:a16="http://schemas.microsoft.com/office/drawing/2014/main" id="{9939C3CF-F287-FD7F-6342-6E44F6F67D74}"/>
-              </a:ext>
-            </a:extLst>
-          </p:cNvPr>
-          <p:cNvPicPr>
-            <a:picLocks noChangeAspect="1" noChangeArrowheads="1"/>
-          </p:cNvPicPr>
-          <p:nvPr/>
-        </p:nvPicPr>
-        <p:blipFill>
-          <a:blip r:embed="rId2">
-            <a:extLst>
-              <a:ext uri="{28A0092B-C50C-407E-A947-70E740481C1C}">
-                <a14:useLocalDpi xmlns:a14="http://schemas.microsoft.com/office/drawing/2010/main" val="0"/>
-              </a:ext>
-            </a:extLst>
-          </a:blip>
-          <a:srcRect/>
-          <a:stretch>
-            <a:fillRect/>
-          </a:stretch>
-        </p:blipFill>
-        <p:spPr bwMode="auto">
-          <a:xfrm>
-            <a:off x="2849880" y="1845464"/>
-            <a:ext cx="8334375" cy="4191000"/>
-          </a:xfrm>
-          <a:prstGeom prst="rect">
-            <a:avLst/>
-          </a:prstGeom>
-          <a:noFill/>
-          <a:extLst>
-            <a:ext uri="{909E8E84-426E-40DD-AFC4-6F175D3DCCD1}">
-              <a14:hiddenFill xmlns:a14="http://schemas.microsoft.com/office/drawing/2010/main">
-                <a:solidFill>
-                  <a:srgbClr val="FFFFFF"/>
-                </a:solidFill>
-              </a14:hiddenFill>
-            </a:ext>
-          </a:extLst>
-        </p:spPr>
-      </p:pic>
-      <p:pic>
-        <p:nvPicPr>
-          <p:cNvPr id="11" name="Picture 10">
-            <a:extLst>
-              <a:ext uri="{FF2B5EF4-FFF2-40B4-BE49-F238E27FC236}">
-                <a16:creationId xmlns:a16="http://schemas.microsoft.com/office/drawing/2014/main" id="{ECC42EAF-B437-09A6-8D3D-80D9C0EDC8B4}"/>
+          <p:cNvPr id="6" name="Picture 5">
+            <a:extLst>
+              <a:ext uri="{FF2B5EF4-FFF2-40B4-BE49-F238E27FC236}">
+                <a16:creationId xmlns:a16="http://schemas.microsoft.com/office/drawing/2014/main" id="{782BF807-F25A-9B4C-884F-8A7FC67D84CA}"/>
               </a:ext>
             </a:extLst>
           </p:cNvPr>
@@ -16635,27 +15246,318 @@
           <p:nvPr/>
         </p:nvPicPr>
         <p:blipFill>
-          <a:blip r:embed="rId3"/>
+          <a:blip r:embed="rId2"/>
           <a:stretch>
             <a:fillRect/>
           </a:stretch>
         </p:blipFill>
         <p:spPr>
           <a:xfrm>
-            <a:off x="281940" y="6040423"/>
-            <a:ext cx="3340314" cy="301634"/>
+            <a:off x="2512197" y="1665510"/>
+            <a:ext cx="6511961" cy="1664370"/>
           </a:xfrm>
           <a:prstGeom prst="rect">
             <a:avLst/>
           </a:prstGeom>
         </p:spPr>
       </p:pic>
-      <p:sp>
-        <p:nvSpPr>
-          <p:cNvPr id="13" name="TextBox 12">
-            <a:extLst>
-              <a:ext uri="{FF2B5EF4-FFF2-40B4-BE49-F238E27FC236}">
-                <a16:creationId xmlns:a16="http://schemas.microsoft.com/office/drawing/2014/main" id="{37FA6BE3-3B85-A390-6584-2C7884915F61}"/>
+      <p:graphicFrame>
+        <p:nvGraphicFramePr>
+          <p:cNvPr id="7" name="Table 6">
+            <a:extLst>
+              <a:ext uri="{FF2B5EF4-FFF2-40B4-BE49-F238E27FC236}">
+                <a16:creationId xmlns:a16="http://schemas.microsoft.com/office/drawing/2014/main" id="{FFE40DB3-ED69-2513-127E-A39DFC908916}"/>
+              </a:ext>
+            </a:extLst>
+          </p:cNvPr>
+          <p:cNvGraphicFramePr>
+            <a:graphicFrameLocks noGrp="1"/>
+          </p:cNvGraphicFramePr>
+          <p:nvPr>
+            <p:extLst>
+              <p:ext uri="{D42A27DB-BD31-4B8C-83A1-F6EECF244321}">
+                <p14:modId xmlns:p14="http://schemas.microsoft.com/office/powerpoint/2010/main" val="1471279685"/>
+              </p:ext>
+            </p:extLst>
+          </p:nvPr>
+        </p:nvGraphicFramePr>
+        <p:xfrm>
+          <a:off x="4353100" y="4534332"/>
+          <a:ext cx="882142" cy="1112520"/>
+        </p:xfrm>
+        <a:graphic>
+          <a:graphicData uri="http://schemas.openxmlformats.org/drawingml/2006/table">
+            <a:tbl>
+              <a:tblPr firstRow="1" bandRow="1">
+                <a:tableStyleId>{5940675A-B579-460E-94D1-54222C63F5DA}</a:tableStyleId>
+              </a:tblPr>
+              <a:tblGrid>
+                <a:gridCol w="882142">
+                  <a:extLst>
+                    <a:ext uri="{9D8B030D-6E8A-4147-A177-3AD203B41FA5}">
+                      <a16:colId xmlns:a16="http://schemas.microsoft.com/office/drawing/2014/main" val="625945918"/>
+                    </a:ext>
+                  </a:extLst>
+                </a:gridCol>
+              </a:tblGrid>
+              <a:tr h="370840">
+                <a:tc>
+                  <a:txBody>
+                    <a:bodyPr/>
+                    <a:lstStyle/>
+                    <a:p>
+                      <a:r>
+                        <a:rPr lang="en-US" b="1" dirty="0"/>
+                        <a:t>0.8</a:t>
+                      </a:r>
+                    </a:p>
+                  </a:txBody>
+                  <a:tcPr>
+                    <a:solidFill>
+                      <a:srgbClr val="FFA500"/>
+                    </a:solidFill>
+                  </a:tcPr>
+                </a:tc>
+                <a:extLst>
+                  <a:ext uri="{0D108BD9-81ED-4DB2-BD59-A6C34878D82A}">
+                    <a16:rowId xmlns:a16="http://schemas.microsoft.com/office/drawing/2014/main" val="1085948724"/>
+                  </a:ext>
+                </a:extLst>
+              </a:tr>
+              <a:tr h="370840">
+                <a:tc>
+                  <a:txBody>
+                    <a:bodyPr/>
+                    <a:lstStyle/>
+                    <a:p>
+                      <a:r>
+                        <a:rPr lang="en-US" dirty="0"/>
+                        <a:t>0.1</a:t>
+                      </a:r>
+                    </a:p>
+                  </a:txBody>
+                  <a:tcPr>
+                    <a:solidFill>
+                      <a:srgbClr val="FFA500"/>
+                    </a:solidFill>
+                  </a:tcPr>
+                </a:tc>
+                <a:extLst>
+                  <a:ext uri="{0D108BD9-81ED-4DB2-BD59-A6C34878D82A}">
+                    <a16:rowId xmlns:a16="http://schemas.microsoft.com/office/drawing/2014/main" val="1527074323"/>
+                  </a:ext>
+                </a:extLst>
+              </a:tr>
+              <a:tr h="370840">
+                <a:tc>
+                  <a:txBody>
+                    <a:bodyPr/>
+                    <a:lstStyle/>
+                    <a:p>
+                      <a:r>
+                        <a:rPr lang="en-US" dirty="0"/>
+                        <a:t>0.1</a:t>
+                      </a:r>
+                    </a:p>
+                  </a:txBody>
+                  <a:tcPr>
+                    <a:solidFill>
+                      <a:srgbClr val="FFA500"/>
+                    </a:solidFill>
+                  </a:tcPr>
+                </a:tc>
+                <a:extLst>
+                  <a:ext uri="{0D108BD9-81ED-4DB2-BD59-A6C34878D82A}">
+                    <a16:rowId xmlns:a16="http://schemas.microsoft.com/office/drawing/2014/main" val="1076385022"/>
+                  </a:ext>
+                </a:extLst>
+              </a:tr>
+            </a:tbl>
+          </a:graphicData>
+        </a:graphic>
+      </p:graphicFrame>
+      <p:graphicFrame>
+        <p:nvGraphicFramePr>
+          <p:cNvPr id="8" name="Table 7">
+            <a:extLst>
+              <a:ext uri="{FF2B5EF4-FFF2-40B4-BE49-F238E27FC236}">
+                <a16:creationId xmlns:a16="http://schemas.microsoft.com/office/drawing/2014/main" id="{B56AB94A-CE33-D571-05EB-972850647CF2}"/>
+              </a:ext>
+            </a:extLst>
+          </p:cNvPr>
+          <p:cNvGraphicFramePr>
+            <a:graphicFrameLocks noGrp="1"/>
+          </p:cNvGraphicFramePr>
+          <p:nvPr>
+            <p:extLst>
+              <p:ext uri="{D42A27DB-BD31-4B8C-83A1-F6EECF244321}">
+                <p14:modId xmlns:p14="http://schemas.microsoft.com/office/powerpoint/2010/main" val="3509156263"/>
+              </p:ext>
+            </p:extLst>
+          </p:nvPr>
+        </p:nvGraphicFramePr>
+        <p:xfrm>
+          <a:off x="6025632" y="4522478"/>
+          <a:ext cx="882142" cy="1112520"/>
+        </p:xfrm>
+        <a:graphic>
+          <a:graphicData uri="http://schemas.openxmlformats.org/drawingml/2006/table">
+            <a:tbl>
+              <a:tblPr firstRow="1" bandRow="1">
+                <a:tableStyleId>{5940675A-B579-460E-94D1-54222C63F5DA}</a:tableStyleId>
+              </a:tblPr>
+              <a:tblGrid>
+                <a:gridCol w="882142">
+                  <a:extLst>
+                    <a:ext uri="{9D8B030D-6E8A-4147-A177-3AD203B41FA5}">
+                      <a16:colId xmlns:a16="http://schemas.microsoft.com/office/drawing/2014/main" val="625945918"/>
+                    </a:ext>
+                  </a:extLst>
+                </a:gridCol>
+              </a:tblGrid>
+              <a:tr h="370840">
+                <a:tc>
+                  <a:txBody>
+                    <a:bodyPr/>
+                    <a:lstStyle/>
+                    <a:p>
+                      <a:r>
+                        <a:rPr lang="en-US" dirty="0">
+                          <a:solidFill>
+                            <a:schemeClr val="bg2"/>
+                          </a:solidFill>
+                        </a:rPr>
+                        <a:t>1</a:t>
+                      </a:r>
+                    </a:p>
+                  </a:txBody>
+                  <a:tcPr>
+                    <a:solidFill>
+                      <a:srgbClr val="0000FF"/>
+                    </a:solidFill>
+                  </a:tcPr>
+                </a:tc>
+                <a:extLst>
+                  <a:ext uri="{0D108BD9-81ED-4DB2-BD59-A6C34878D82A}">
+                    <a16:rowId xmlns:a16="http://schemas.microsoft.com/office/drawing/2014/main" val="1085948724"/>
+                  </a:ext>
+                </a:extLst>
+              </a:tr>
+              <a:tr h="370840">
+                <a:tc>
+                  <a:txBody>
+                    <a:bodyPr/>
+                    <a:lstStyle/>
+                    <a:p>
+                      <a:r>
+                        <a:rPr lang="en-US" dirty="0">
+                          <a:solidFill>
+                            <a:schemeClr val="bg2"/>
+                          </a:solidFill>
+                        </a:rPr>
+                        <a:t>0</a:t>
+                      </a:r>
+                    </a:p>
+                  </a:txBody>
+                  <a:tcPr>
+                    <a:solidFill>
+                      <a:srgbClr val="0000FF"/>
+                    </a:solidFill>
+                  </a:tcPr>
+                </a:tc>
+                <a:extLst>
+                  <a:ext uri="{0D108BD9-81ED-4DB2-BD59-A6C34878D82A}">
+                    <a16:rowId xmlns:a16="http://schemas.microsoft.com/office/drawing/2014/main" val="1527074323"/>
+                  </a:ext>
+                </a:extLst>
+              </a:tr>
+              <a:tr h="370840">
+                <a:tc>
+                  <a:txBody>
+                    <a:bodyPr/>
+                    <a:lstStyle/>
+                    <a:p>
+                      <a:r>
+                        <a:rPr lang="en-US" dirty="0">
+                          <a:solidFill>
+                            <a:schemeClr val="bg2"/>
+                          </a:solidFill>
+                        </a:rPr>
+                        <a:t>0</a:t>
+                      </a:r>
+                    </a:p>
+                  </a:txBody>
+                  <a:tcPr>
+                    <a:solidFill>
+                      <a:srgbClr val="0000FF"/>
+                    </a:solidFill>
+                  </a:tcPr>
+                </a:tc>
+                <a:extLst>
+                  <a:ext uri="{0D108BD9-81ED-4DB2-BD59-A6C34878D82A}">
+                    <a16:rowId xmlns:a16="http://schemas.microsoft.com/office/drawing/2014/main" val="1076385022"/>
+                  </a:ext>
+                </a:extLst>
+              </a:tr>
+            </a:tbl>
+          </a:graphicData>
+        </a:graphic>
+      </p:graphicFrame>
+      <p:sp>
+        <p:nvSpPr>
+          <p:cNvPr id="9" name="Left Brace 8">
+            <a:extLst>
+              <a:ext uri="{FF2B5EF4-FFF2-40B4-BE49-F238E27FC236}">
+                <a16:creationId xmlns:a16="http://schemas.microsoft.com/office/drawing/2014/main" id="{072C7B53-9F0C-3EDB-976C-0AEDEFA5FEC7}"/>
+              </a:ext>
+            </a:extLst>
+          </p:cNvPr>
+          <p:cNvSpPr/>
+          <p:nvPr/>
+        </p:nvSpPr>
+        <p:spPr>
+          <a:xfrm rot="5400000">
+            <a:off x="5355124" y="3275558"/>
+            <a:ext cx="539008" cy="1684149"/>
+          </a:xfrm>
+          <a:prstGeom prst="leftBrace">
+            <a:avLst/>
+          </a:prstGeom>
+          <a:ln>
+            <a:solidFill>
+              <a:srgbClr val="FF0000"/>
+            </a:solidFill>
+          </a:ln>
+        </p:spPr>
+        <p:style>
+          <a:lnRef idx="1">
+            <a:schemeClr val="accent2"/>
+          </a:lnRef>
+          <a:fillRef idx="0">
+            <a:schemeClr val="accent2"/>
+          </a:fillRef>
+          <a:effectRef idx="0">
+            <a:schemeClr val="accent2"/>
+          </a:effectRef>
+          <a:fontRef idx="minor">
+            <a:schemeClr val="tx1"/>
+          </a:fontRef>
+        </p:style>
+        <p:txBody>
+          <a:bodyPr rtlCol="0" anchor="ctr"/>
+          <a:lstStyle/>
+          <a:p>
+            <a:pPr algn="ctr"/>
+            <a:endParaRPr lang="en-US"/>
+          </a:p>
+        </p:txBody>
+      </p:sp>
+      <p:sp>
+        <p:nvSpPr>
+          <p:cNvPr id="10" name="TextBox 9">
+            <a:extLst>
+              <a:ext uri="{FF2B5EF4-FFF2-40B4-BE49-F238E27FC236}">
+                <a16:creationId xmlns:a16="http://schemas.microsoft.com/office/drawing/2014/main" id="{61E1E0EC-C986-4475-6E6D-614E394B5A04}"/>
               </a:ext>
             </a:extLst>
           </p:cNvPr>
@@ -16664,18 +15566,52 @@
         </p:nvSpPr>
         <p:spPr>
           <a:xfrm>
-            <a:off x="281940" y="5144356"/>
-            <a:ext cx="2451100" cy="646331"/>
+            <a:off x="4893276" y="3528121"/>
+            <a:ext cx="1895584" cy="369332"/>
           </a:xfrm>
           <a:prstGeom prst="rect">
             <a:avLst/>
           </a:prstGeom>
-          <a:solidFill>
-            <a:schemeClr val="accent4">
-              <a:lumMod val="20000"/>
-              <a:lumOff val="80000"/>
-            </a:schemeClr>
-          </a:solidFill>
+          <a:noFill/>
+        </p:spPr>
+        <p:txBody>
+          <a:bodyPr wrap="none" rtlCol="0">
+            <a:spAutoFit/>
+          </a:bodyPr>
+          <a:lstStyle/>
+          <a:p>
+            <a:r>
+              <a:rPr lang="en-US" dirty="0">
+                <a:solidFill>
+                  <a:srgbClr val="FF0000"/>
+                </a:solidFill>
+              </a:rPr>
+              <a:t>Cross-Entropy loss</a:t>
+            </a:r>
+          </a:p>
+        </p:txBody>
+      </p:sp>
+      <p:sp>
+        <p:nvSpPr>
+          <p:cNvPr id="11" name="TextBox 10">
+            <a:extLst>
+              <a:ext uri="{FF2B5EF4-FFF2-40B4-BE49-F238E27FC236}">
+                <a16:creationId xmlns:a16="http://schemas.microsoft.com/office/drawing/2014/main" id="{D3F79DE9-0EA1-D619-5375-0C8092B032CD}"/>
+              </a:ext>
+            </a:extLst>
+          </p:cNvPr>
+          <p:cNvSpPr txBox="1"/>
+          <p:nvPr/>
+        </p:nvSpPr>
+        <p:spPr>
+          <a:xfrm>
+            <a:off x="3990496" y="6075357"/>
+            <a:ext cx="4774564" cy="369332"/>
+          </a:xfrm>
+          <a:prstGeom prst="rect">
+            <a:avLst/>
+          </a:prstGeom>
+          <a:noFill/>
         </p:spPr>
         <p:txBody>
           <a:bodyPr wrap="square">
@@ -16684,21 +15620,471 @@
           <a:lstStyle/>
           <a:p>
             <a:r>
-              <a:rPr lang="en-GB" dirty="0" err="1"/>
-              <a:t>ReLU’s</a:t>
-            </a:r>
-            <a:r>
-              <a:rPr lang="en-GB" dirty="0"/>
-              <a:t> simplicity makes training faster</a:t>
-            </a:r>
-            <a:endParaRPr lang="en-US" dirty="0"/>
+              <a:rPr lang="en-US" dirty="0">
+                <a:solidFill>
+                  <a:srgbClr val="FF0000"/>
+                </a:solidFill>
+              </a:rPr>
+              <a:t>loss</a:t>
+            </a:r>
+            <a:r>
+              <a:rPr lang="en-US" b="1" dirty="0"/>
+              <a:t>= </a:t>
+            </a:r>
+            <a:r>
+              <a:rPr lang="en-US" dirty="0"/>
+              <a:t>−1</a:t>
+            </a:r>
+            <a:r>
+              <a:rPr lang="en-US" dirty="0">
+                <a:solidFill>
+                  <a:srgbClr val="FF0000"/>
+                </a:solidFill>
+              </a:rPr>
+              <a:t>*</a:t>
+            </a:r>
+            <a:r>
+              <a:rPr lang="en-US" dirty="0"/>
+              <a:t>log</a:t>
+            </a:r>
+            <a:r>
+              <a:rPr lang="en-US" dirty="0">
+                <a:solidFill>
+                  <a:srgbClr val="FF0000"/>
+                </a:solidFill>
+              </a:rPr>
+              <a:t>(</a:t>
+            </a:r>
+            <a:r>
+              <a:rPr lang="en-US" b="1" dirty="0">
+                <a:solidFill>
+                  <a:srgbClr val="FF0000"/>
+                </a:solidFill>
+              </a:rPr>
+              <a:t>0.8</a:t>
+            </a:r>
+            <a:r>
+              <a:rPr lang="en-US" dirty="0">
+                <a:solidFill>
+                  <a:srgbClr val="FF0000"/>
+                </a:solidFill>
+              </a:rPr>
+              <a:t>)</a:t>
+            </a:r>
+            <a:r>
+              <a:rPr lang="en-US" dirty="0"/>
+              <a:t> −0</a:t>
+            </a:r>
+            <a:r>
+              <a:rPr lang="en-US" dirty="0">
+                <a:solidFill>
+                  <a:srgbClr val="FF0000"/>
+                </a:solidFill>
+              </a:rPr>
+              <a:t>*</a:t>
+            </a:r>
+            <a:r>
+              <a:rPr lang="en-US" b="1" dirty="0"/>
+              <a:t>log</a:t>
+            </a:r>
+            <a:r>
+              <a:rPr lang="en-US" dirty="0">
+                <a:solidFill>
+                  <a:srgbClr val="FF0000"/>
+                </a:solidFill>
+              </a:rPr>
+              <a:t>(</a:t>
+            </a:r>
+            <a:r>
+              <a:rPr lang="en-US" b="1" dirty="0">
+                <a:solidFill>
+                  <a:srgbClr val="FF0000"/>
+                </a:solidFill>
+              </a:rPr>
+              <a:t>0.1</a:t>
+            </a:r>
+            <a:r>
+              <a:rPr lang="en-US" dirty="0">
+                <a:solidFill>
+                  <a:srgbClr val="FF0000"/>
+                </a:solidFill>
+              </a:rPr>
+              <a:t>)+ </a:t>
+            </a:r>
+            <a:r>
+              <a:rPr lang="en-US" dirty="0"/>
+              <a:t>−0</a:t>
+            </a:r>
+            <a:r>
+              <a:rPr lang="en-US" dirty="0">
+                <a:solidFill>
+                  <a:srgbClr val="FF0000"/>
+                </a:solidFill>
+              </a:rPr>
+              <a:t>*</a:t>
+            </a:r>
+            <a:r>
+              <a:rPr lang="en-US" dirty="0"/>
+              <a:t>log</a:t>
+            </a:r>
+            <a:r>
+              <a:rPr lang="en-US" dirty="0">
+                <a:solidFill>
+                  <a:srgbClr val="FF0000"/>
+                </a:solidFill>
+              </a:rPr>
+              <a:t>(</a:t>
+            </a:r>
+            <a:r>
+              <a:rPr lang="en-US" b="1" dirty="0">
+                <a:solidFill>
+                  <a:srgbClr val="FF0000"/>
+                </a:solidFill>
+              </a:rPr>
+              <a:t>0.1</a:t>
+            </a:r>
+            <a:r>
+              <a:rPr lang="en-US" dirty="0">
+                <a:solidFill>
+                  <a:srgbClr val="FF0000"/>
+                </a:solidFill>
+              </a:rPr>
+              <a:t>)</a:t>
+            </a:r>
           </a:p>
         </p:txBody>
       </p:sp>
+      <p:grpSp>
+        <p:nvGrpSpPr>
+          <p:cNvPr id="20" name="Group 19">
+            <a:extLst>
+              <a:ext uri="{FF2B5EF4-FFF2-40B4-BE49-F238E27FC236}">
+                <a16:creationId xmlns:a16="http://schemas.microsoft.com/office/drawing/2014/main" id="{A5208148-5F35-E3F0-5FA2-FE09ED78714D}"/>
+              </a:ext>
+            </a:extLst>
+          </p:cNvPr>
+          <p:cNvGrpSpPr/>
+          <p:nvPr/>
+        </p:nvGrpSpPr>
+        <p:grpSpPr>
+          <a:xfrm>
+            <a:off x="4250027" y="4406705"/>
+            <a:ext cx="2028960" cy="1706040"/>
+            <a:chOff x="4250027" y="4406705"/>
+            <a:chExt cx="2028960" cy="1706040"/>
+          </a:xfrm>
+        </p:grpSpPr>
+        <mc:AlternateContent xmlns:mc="http://schemas.openxmlformats.org/markup-compatibility/2006">
+          <mc:Choice xmlns:p14="http://schemas.microsoft.com/office/powerpoint/2010/main" Requires="p14">
+            <p:contentPart p14:bwMode="auto" r:id="rId3">
+              <p14:nvContentPartPr>
+                <p14:cNvPr id="13" name="Ink 12">
+                  <a:extLst>
+                    <a:ext uri="{FF2B5EF4-FFF2-40B4-BE49-F238E27FC236}">
+                      <a16:creationId xmlns:a16="http://schemas.microsoft.com/office/drawing/2014/main" id="{17EADD66-00D2-1663-5811-3AF588D69A9C}"/>
+                    </a:ext>
+                  </a:extLst>
+                </p14:cNvPr>
+                <p14:cNvContentPartPr/>
+                <p14:nvPr/>
+              </p14:nvContentPartPr>
+              <p14:xfrm>
+                <a:off x="4250027" y="4406705"/>
+                <a:ext cx="561240" cy="404640"/>
+              </p14:xfrm>
+            </p:contentPart>
+          </mc:Choice>
+          <mc:Fallback>
+            <p:pic>
+              <p:nvPicPr>
+                <p:cNvPr id="13" name="Ink 12">
+                  <a:extLst>
+                    <a:ext uri="{FF2B5EF4-FFF2-40B4-BE49-F238E27FC236}">
+                      <a16:creationId xmlns:a16="http://schemas.microsoft.com/office/drawing/2014/main" id="{17EADD66-00D2-1663-5811-3AF588D69A9C}"/>
+                    </a:ext>
+                  </a:extLst>
+                </p:cNvPr>
+                <p:cNvPicPr/>
+                <p:nvPr/>
+              </p:nvPicPr>
+              <p:blipFill>
+                <a:blip r:embed="rId4"/>
+                <a:stretch>
+                  <a:fillRect/>
+                </a:stretch>
+              </p:blipFill>
+              <p:spPr>
+                <a:xfrm>
+                  <a:off x="4232387" y="4389065"/>
+                  <a:ext cx="596880" cy="440280"/>
+                </a:xfrm>
+                <a:prstGeom prst="rect">
+                  <a:avLst/>
+                </a:prstGeom>
+              </p:spPr>
+            </p:pic>
+          </mc:Fallback>
+        </mc:AlternateContent>
+        <mc:AlternateContent xmlns:mc="http://schemas.openxmlformats.org/markup-compatibility/2006">
+          <mc:Choice xmlns:p14="http://schemas.microsoft.com/office/powerpoint/2010/main" Requires="p14">
+            <p:contentPart p14:bwMode="auto" r:id="rId5">
+              <p14:nvContentPartPr>
+                <p14:cNvPr id="14" name="Ink 13">
+                  <a:extLst>
+                    <a:ext uri="{FF2B5EF4-FFF2-40B4-BE49-F238E27FC236}">
+                      <a16:creationId xmlns:a16="http://schemas.microsoft.com/office/drawing/2014/main" id="{9E2424FA-692B-9FD8-31D6-7095E8C115C6}"/>
+                    </a:ext>
+                  </a:extLst>
+                </p14:cNvPr>
+                <p14:cNvContentPartPr/>
+                <p14:nvPr/>
+              </p14:nvContentPartPr>
+              <p14:xfrm>
+                <a:off x="4786067" y="4868225"/>
+                <a:ext cx="617760" cy="1244520"/>
+              </p14:xfrm>
+            </p:contentPart>
+          </mc:Choice>
+          <mc:Fallback>
+            <p:pic>
+              <p:nvPicPr>
+                <p:cNvPr id="14" name="Ink 13">
+                  <a:extLst>
+                    <a:ext uri="{FF2B5EF4-FFF2-40B4-BE49-F238E27FC236}">
+                      <a16:creationId xmlns:a16="http://schemas.microsoft.com/office/drawing/2014/main" id="{9E2424FA-692B-9FD8-31D6-7095E8C115C6}"/>
+                    </a:ext>
+                  </a:extLst>
+                </p:cNvPr>
+                <p:cNvPicPr/>
+                <p:nvPr/>
+              </p:nvPicPr>
+              <p:blipFill>
+                <a:blip r:embed="rId6"/>
+                <a:stretch>
+                  <a:fillRect/>
+                </a:stretch>
+              </p:blipFill>
+              <p:spPr>
+                <a:xfrm>
+                  <a:off x="4768427" y="4850585"/>
+                  <a:ext cx="653400" cy="1280160"/>
+                </a:xfrm>
+                <a:prstGeom prst="rect">
+                  <a:avLst/>
+                </a:prstGeom>
+              </p:spPr>
+            </p:pic>
+          </mc:Fallback>
+        </mc:AlternateContent>
+        <mc:AlternateContent xmlns:mc="http://schemas.openxmlformats.org/markup-compatibility/2006">
+          <mc:Choice xmlns:p14="http://schemas.microsoft.com/office/powerpoint/2010/main" Requires="p14">
+            <p:contentPart p14:bwMode="auto" r:id="rId7">
+              <p14:nvContentPartPr>
+                <p14:cNvPr id="15" name="Ink 14">
+                  <a:extLst>
+                    <a:ext uri="{FF2B5EF4-FFF2-40B4-BE49-F238E27FC236}">
+                      <a16:creationId xmlns:a16="http://schemas.microsoft.com/office/drawing/2014/main" id="{EC17C143-3788-DEB3-A120-1EB454EF5A65}"/>
+                    </a:ext>
+                  </a:extLst>
+                </p14:cNvPr>
+                <p14:cNvContentPartPr/>
+                <p14:nvPr/>
+              </p14:nvContentPartPr>
+              <p14:xfrm>
+                <a:off x="5288627" y="5990705"/>
+                <a:ext cx="281880" cy="106200"/>
+              </p14:xfrm>
+            </p:contentPart>
+          </mc:Choice>
+          <mc:Fallback>
+            <p:pic>
+              <p:nvPicPr>
+                <p:cNvPr id="15" name="Ink 14">
+                  <a:extLst>
+                    <a:ext uri="{FF2B5EF4-FFF2-40B4-BE49-F238E27FC236}">
+                      <a16:creationId xmlns:a16="http://schemas.microsoft.com/office/drawing/2014/main" id="{EC17C143-3788-DEB3-A120-1EB454EF5A65}"/>
+                    </a:ext>
+                  </a:extLst>
+                </p:cNvPr>
+                <p:cNvPicPr/>
+                <p:nvPr/>
+              </p:nvPicPr>
+              <p:blipFill>
+                <a:blip r:embed="rId8"/>
+                <a:stretch>
+                  <a:fillRect/>
+                </a:stretch>
+              </p:blipFill>
+              <p:spPr>
+                <a:xfrm>
+                  <a:off x="5270627" y="5973065"/>
+                  <a:ext cx="317520" cy="141840"/>
+                </a:xfrm>
+                <a:prstGeom prst="rect">
+                  <a:avLst/>
+                </a:prstGeom>
+              </p:spPr>
+            </p:pic>
+          </mc:Fallback>
+        </mc:AlternateContent>
+        <mc:AlternateContent xmlns:mc="http://schemas.openxmlformats.org/markup-compatibility/2006">
+          <mc:Choice xmlns:p14="http://schemas.microsoft.com/office/powerpoint/2010/main" Requires="p14">
+            <p:contentPart p14:bwMode="auto" r:id="rId9">
+              <p14:nvContentPartPr>
+                <p14:cNvPr id="17" name="Ink 16">
+                  <a:extLst>
+                    <a:ext uri="{FF2B5EF4-FFF2-40B4-BE49-F238E27FC236}">
+                      <a16:creationId xmlns:a16="http://schemas.microsoft.com/office/drawing/2014/main" id="{7DD508A4-3C4B-E259-2F26-5335E5C6352F}"/>
+                    </a:ext>
+                  </a:extLst>
+                </p14:cNvPr>
+                <p14:cNvContentPartPr/>
+                <p14:nvPr/>
+              </p14:nvContentPartPr>
+              <p14:xfrm>
+                <a:off x="5930867" y="4479785"/>
+                <a:ext cx="348120" cy="430920"/>
+              </p14:xfrm>
+            </p:contentPart>
+          </mc:Choice>
+          <mc:Fallback>
+            <p:pic>
+              <p:nvPicPr>
+                <p:cNvPr id="17" name="Ink 16">
+                  <a:extLst>
+                    <a:ext uri="{FF2B5EF4-FFF2-40B4-BE49-F238E27FC236}">
+                      <a16:creationId xmlns:a16="http://schemas.microsoft.com/office/drawing/2014/main" id="{7DD508A4-3C4B-E259-2F26-5335E5C6352F}"/>
+                    </a:ext>
+                  </a:extLst>
+                </p:cNvPr>
+                <p:cNvPicPr/>
+                <p:nvPr/>
+              </p:nvPicPr>
+              <p:blipFill>
+                <a:blip r:embed="rId10"/>
+                <a:stretch>
+                  <a:fillRect/>
+                </a:stretch>
+              </p:blipFill>
+              <p:spPr>
+                <a:xfrm>
+                  <a:off x="5912867" y="4462145"/>
+                  <a:ext cx="383760" cy="466560"/>
+                </a:xfrm>
+                <a:prstGeom prst="rect">
+                  <a:avLst/>
+                </a:prstGeom>
+              </p:spPr>
+            </p:pic>
+          </mc:Fallback>
+        </mc:AlternateContent>
+        <mc:AlternateContent xmlns:mc="http://schemas.openxmlformats.org/markup-compatibility/2006">
+          <mc:Choice xmlns:p14="http://schemas.microsoft.com/office/powerpoint/2010/main" Requires="p14">
+            <p:contentPart p14:bwMode="auto" r:id="rId11">
+              <p14:nvContentPartPr>
+                <p14:cNvPr id="18" name="Ink 17">
+                  <a:extLst>
+                    <a:ext uri="{FF2B5EF4-FFF2-40B4-BE49-F238E27FC236}">
+                      <a16:creationId xmlns:a16="http://schemas.microsoft.com/office/drawing/2014/main" id="{EFA6BBCC-60AD-C90D-FBEB-A59EB39BAEB1}"/>
+                    </a:ext>
+                  </a:extLst>
+                </p14:cNvPr>
+                <p14:cNvContentPartPr/>
+                <p14:nvPr/>
+              </p14:nvContentPartPr>
+              <p14:xfrm>
+                <a:off x="4795067" y="4876505"/>
+                <a:ext cx="1119960" cy="1113120"/>
+              </p14:xfrm>
+            </p:contentPart>
+          </mc:Choice>
+          <mc:Fallback>
+            <p:pic>
+              <p:nvPicPr>
+                <p:cNvPr id="18" name="Ink 17">
+                  <a:extLst>
+                    <a:ext uri="{FF2B5EF4-FFF2-40B4-BE49-F238E27FC236}">
+                      <a16:creationId xmlns:a16="http://schemas.microsoft.com/office/drawing/2014/main" id="{EFA6BBCC-60AD-C90D-FBEB-A59EB39BAEB1}"/>
+                    </a:ext>
+                  </a:extLst>
+                </p:cNvPr>
+                <p:cNvPicPr/>
+                <p:nvPr/>
+              </p:nvPicPr>
+              <p:blipFill>
+                <a:blip r:embed="rId12"/>
+                <a:stretch>
+                  <a:fillRect/>
+                </a:stretch>
+              </p:blipFill>
+              <p:spPr>
+                <a:xfrm>
+                  <a:off x="4777427" y="4858865"/>
+                  <a:ext cx="1155600" cy="1148760"/>
+                </a:xfrm>
+                <a:prstGeom prst="rect">
+                  <a:avLst/>
+                </a:prstGeom>
+              </p:spPr>
+            </p:pic>
+          </mc:Fallback>
+        </mc:AlternateContent>
+        <mc:AlternateContent xmlns:mc="http://schemas.openxmlformats.org/markup-compatibility/2006">
+          <mc:Choice xmlns:p14="http://schemas.microsoft.com/office/powerpoint/2010/main" Requires="p14">
+            <p:contentPart p14:bwMode="auto" r:id="rId13">
+              <p14:nvContentPartPr>
+                <p14:cNvPr id="19" name="Ink 18">
+                  <a:extLst>
+                    <a:ext uri="{FF2B5EF4-FFF2-40B4-BE49-F238E27FC236}">
+                      <a16:creationId xmlns:a16="http://schemas.microsoft.com/office/drawing/2014/main" id="{BF45E63C-0860-5968-BDD2-CE45D0DD66DE}"/>
+                    </a:ext>
+                  </a:extLst>
+                </p14:cNvPr>
+                <p14:cNvContentPartPr/>
+                <p14:nvPr/>
+              </p14:nvContentPartPr>
+              <p14:xfrm>
+                <a:off x="4728467" y="5840585"/>
+                <a:ext cx="345240" cy="183600"/>
+              </p14:xfrm>
+            </p:contentPart>
+          </mc:Choice>
+          <mc:Fallback>
+            <p:pic>
+              <p:nvPicPr>
+                <p:cNvPr id="19" name="Ink 18">
+                  <a:extLst>
+                    <a:ext uri="{FF2B5EF4-FFF2-40B4-BE49-F238E27FC236}">
+                      <a16:creationId xmlns:a16="http://schemas.microsoft.com/office/drawing/2014/main" id="{BF45E63C-0860-5968-BDD2-CE45D0DD66DE}"/>
+                    </a:ext>
+                  </a:extLst>
+                </p:cNvPr>
+                <p:cNvPicPr/>
+                <p:nvPr/>
+              </p:nvPicPr>
+              <p:blipFill>
+                <a:blip r:embed="rId14"/>
+                <a:stretch>
+                  <a:fillRect/>
+                </a:stretch>
+              </p:blipFill>
+              <p:spPr>
+                <a:xfrm>
+                  <a:off x="4710827" y="5822585"/>
+                  <a:ext cx="380880" cy="219240"/>
+                </a:xfrm>
+                <a:prstGeom prst="rect">
+                  <a:avLst/>
+                </a:prstGeom>
+              </p:spPr>
+            </p:pic>
+          </mc:Fallback>
+        </mc:AlternateContent>
+      </p:grpSp>
     </p:spTree>
     <p:extLst>
       <p:ext uri="{BB962C8B-B14F-4D97-AF65-F5344CB8AC3E}">
-        <p14:creationId xmlns:p14="http://schemas.microsoft.com/office/powerpoint/2010/main" val="3629368376"/>
+        <p14:creationId xmlns:p14="http://schemas.microsoft.com/office/powerpoint/2010/main" val="2997892135"/>
       </p:ext>
     </p:extLst>
   </p:cSld>
@@ -16727,10 +16113,10 @@
       </p:grpSpPr>
       <p:sp>
         <p:nvSpPr>
-          <p:cNvPr id="3" name="Title 2">
-            <a:extLst>
-              <a:ext uri="{FF2B5EF4-FFF2-40B4-BE49-F238E27FC236}">
-                <a16:creationId xmlns:a16="http://schemas.microsoft.com/office/drawing/2014/main" id="{78287D52-35B6-0CF8-6F95-5C063852C261}"/>
+          <p:cNvPr id="2" name="Title 1">
+            <a:extLst>
+              <a:ext uri="{FF2B5EF4-FFF2-40B4-BE49-F238E27FC236}">
+                <a16:creationId xmlns:a16="http://schemas.microsoft.com/office/drawing/2014/main" id="{05EE78BB-519C-86FD-511B-DE62EAFF1CC2}"/>
               </a:ext>
             </a:extLst>
           </p:cNvPr>
@@ -16748,17 +16134,17 @@
           <a:p>
             <a:r>
               <a:rPr lang="en-US" dirty="0"/>
-              <a:t>Optimizer</a:t>
+              <a:t>Activation Function</a:t>
             </a:r>
           </a:p>
         </p:txBody>
       </p:sp>
       <p:sp>
         <p:nvSpPr>
-          <p:cNvPr id="4" name="Text Placeholder 3">
-            <a:extLst>
-              <a:ext uri="{FF2B5EF4-FFF2-40B4-BE49-F238E27FC236}">
-                <a16:creationId xmlns:a16="http://schemas.microsoft.com/office/drawing/2014/main" id="{360DA14D-F7C3-EE03-8532-6A311AFC313B}"/>
+          <p:cNvPr id="3" name="Text Placeholder 2">
+            <a:extLst>
+              <a:ext uri="{FF2B5EF4-FFF2-40B4-BE49-F238E27FC236}">
+                <a16:creationId xmlns:a16="http://schemas.microsoft.com/office/drawing/2014/main" id="{606AF7ED-2A7B-ABF1-133B-A3C8E9F6AC68}"/>
               </a:ext>
             </a:extLst>
           </p:cNvPr>
@@ -16774,14 +16160,17 @@
           <a:bodyPr/>
           <a:lstStyle/>
           <a:p>
-            <a:endParaRPr lang="en-US"/>
+            <a:r>
+              <a:rPr lang="en-US" dirty="0"/>
+              <a:t>Enabling Non-Linear Learning</a:t>
+            </a:r>
           </a:p>
         </p:txBody>
       </p:sp>
     </p:spTree>
     <p:extLst>
       <p:ext uri="{BB962C8B-B14F-4D97-AF65-F5344CB8AC3E}">
-        <p14:creationId xmlns:p14="http://schemas.microsoft.com/office/powerpoint/2010/main" val="1472723351"/>
+        <p14:creationId xmlns:p14="http://schemas.microsoft.com/office/powerpoint/2010/main" val="495228592"/>
       </p:ext>
     </p:extLst>
   </p:cSld>
@@ -16891,12 +16280,45 @@
           <a:chExt cx="0" cy="0"/>
         </a:xfrm>
       </p:grpSpPr>
+      <p:sp>
+        <p:nvSpPr>
+          <p:cNvPr id="4" name="Title 3">
+            <a:extLst>
+              <a:ext uri="{FF2B5EF4-FFF2-40B4-BE49-F238E27FC236}">
+                <a16:creationId xmlns:a16="http://schemas.microsoft.com/office/drawing/2014/main" id="{78DE5A5C-2BEA-53EE-62A6-79CEBC804C34}"/>
+              </a:ext>
+            </a:extLst>
+          </p:cNvPr>
+          <p:cNvSpPr>
+            <a:spLocks noGrp="1"/>
+          </p:cNvSpPr>
+          <p:nvPr>
+            <p:ph type="title"/>
+          </p:nvPr>
+        </p:nvSpPr>
+        <p:spPr/>
+        <p:txBody>
+          <a:bodyPr/>
+          <a:lstStyle/>
+          <a:p>
+            <a:r>
+              <a:rPr lang="en-US" dirty="0"/>
+              <a:t>Activation Function: </a:t>
+            </a:r>
+            <a:r>
+              <a:rPr lang="en-GB" dirty="0"/>
+              <a:t>Introduces non-linearity in neural networks</a:t>
+            </a:r>
+            <a:endParaRPr lang="en-US" dirty="0"/>
+          </a:p>
+        </p:txBody>
+      </p:sp>
       <p:pic>
         <p:nvPicPr>
-          <p:cNvPr id="10242" name="Picture 2">
-            <a:extLst>
-              <a:ext uri="{FF2B5EF4-FFF2-40B4-BE49-F238E27FC236}">
-                <a16:creationId xmlns:a16="http://schemas.microsoft.com/office/drawing/2014/main" id="{1343F3F4-E3B1-3117-3F37-E0CF745DFFA4}"/>
+          <p:cNvPr id="7170" name="Picture 2">
+            <a:extLst>
+              <a:ext uri="{FF2B5EF4-FFF2-40B4-BE49-F238E27FC236}">
+                <a16:creationId xmlns:a16="http://schemas.microsoft.com/office/drawing/2014/main" id="{9939C3CF-F287-FD7F-6342-6E44F6F67D74}"/>
               </a:ext>
             </a:extLst>
           </p:cNvPr>
@@ -16920,8 +16342,8 @@
         </p:blipFill>
         <p:spPr bwMode="auto">
           <a:xfrm>
-            <a:off x="2067560" y="285750"/>
-            <a:ext cx="8056880" cy="6042660"/>
+            <a:off x="2849880" y="1845464"/>
+            <a:ext cx="8334375" cy="4191000"/>
           </a:xfrm>
           <a:prstGeom prst="rect">
             <a:avLst/>
@@ -16938,12 +16360,42 @@
           </a:extLst>
         </p:spPr>
       </p:pic>
-      <p:sp>
-        <p:nvSpPr>
-          <p:cNvPr id="5" name="TextBox 4">
-            <a:extLst>
-              <a:ext uri="{FF2B5EF4-FFF2-40B4-BE49-F238E27FC236}">
-                <a16:creationId xmlns:a16="http://schemas.microsoft.com/office/drawing/2014/main" id="{4E39BB3D-B79B-AFD4-E6B8-3B02084EEF65}"/>
+      <p:pic>
+        <p:nvPicPr>
+          <p:cNvPr id="11" name="Picture 10">
+            <a:extLst>
+              <a:ext uri="{FF2B5EF4-FFF2-40B4-BE49-F238E27FC236}">
+                <a16:creationId xmlns:a16="http://schemas.microsoft.com/office/drawing/2014/main" id="{ECC42EAF-B437-09A6-8D3D-80D9C0EDC8B4}"/>
+              </a:ext>
+            </a:extLst>
+          </p:cNvPr>
+          <p:cNvPicPr>
+            <a:picLocks noChangeAspect="1"/>
+          </p:cNvPicPr>
+          <p:nvPr/>
+        </p:nvPicPr>
+        <p:blipFill>
+          <a:blip r:embed="rId3"/>
+          <a:stretch>
+            <a:fillRect/>
+          </a:stretch>
+        </p:blipFill>
+        <p:spPr>
+          <a:xfrm>
+            <a:off x="281940" y="6040423"/>
+            <a:ext cx="3340314" cy="301634"/>
+          </a:xfrm>
+          <a:prstGeom prst="rect">
+            <a:avLst/>
+          </a:prstGeom>
+        </p:spPr>
+      </p:pic>
+      <p:sp>
+        <p:nvSpPr>
+          <p:cNvPr id="13" name="TextBox 12">
+            <a:extLst>
+              <a:ext uri="{FF2B5EF4-FFF2-40B4-BE49-F238E27FC236}">
+                <a16:creationId xmlns:a16="http://schemas.microsoft.com/office/drawing/2014/main" id="{37FA6BE3-3B85-A390-6584-2C7884915F61}"/>
               </a:ext>
             </a:extLst>
           </p:cNvPr>
@@ -16952,13 +16404,18 @@
         </p:nvSpPr>
         <p:spPr>
           <a:xfrm>
-            <a:off x="2506980" y="6328410"/>
-            <a:ext cx="6525260" cy="338554"/>
+            <a:off x="281940" y="5144356"/>
+            <a:ext cx="2451100" cy="646331"/>
           </a:xfrm>
           <a:prstGeom prst="rect">
             <a:avLst/>
           </a:prstGeom>
-          <a:noFill/>
+          <a:solidFill>
+            <a:schemeClr val="accent4">
+              <a:lumMod val="20000"/>
+              <a:lumOff val="80000"/>
+            </a:schemeClr>
+          </a:solidFill>
         </p:spPr>
         <p:txBody>
           <a:bodyPr wrap="square">
@@ -16967,16 +16424,21 @@
           <a:lstStyle/>
           <a:p>
             <a:r>
-              <a:rPr lang="en-US" sz="1600" dirty="0"/>
-              <a:t>https://community.deeplearning.ai/t/optimization-algorithms/305154/3</a:t>
-            </a:r>
+              <a:rPr lang="en-GB" dirty="0" err="1"/>
+              <a:t>ReLU’s</a:t>
+            </a:r>
+            <a:r>
+              <a:rPr lang="en-GB" dirty="0"/>
+              <a:t> simplicity makes training faster</a:t>
+            </a:r>
+            <a:endParaRPr lang="en-US" dirty="0"/>
           </a:p>
         </p:txBody>
       </p:sp>
     </p:spTree>
     <p:extLst>
       <p:ext uri="{BB962C8B-B14F-4D97-AF65-F5344CB8AC3E}">
-        <p14:creationId xmlns:p14="http://schemas.microsoft.com/office/powerpoint/2010/main" val="545826806"/>
+        <p14:creationId xmlns:p14="http://schemas.microsoft.com/office/powerpoint/2010/main" val="3629368376"/>
       </p:ext>
     </p:extLst>
   </p:cSld>
@@ -17005,10 +16467,10 @@
       </p:grpSpPr>
       <p:sp>
         <p:nvSpPr>
-          <p:cNvPr id="2" name="Title 1">
-            <a:extLst>
-              <a:ext uri="{FF2B5EF4-FFF2-40B4-BE49-F238E27FC236}">
-                <a16:creationId xmlns:a16="http://schemas.microsoft.com/office/drawing/2014/main" id="{96D7FC87-E36A-D83A-96C4-A01CC08B16F6}"/>
+          <p:cNvPr id="3" name="Title 2">
+            <a:extLst>
+              <a:ext uri="{FF2B5EF4-FFF2-40B4-BE49-F238E27FC236}">
+                <a16:creationId xmlns:a16="http://schemas.microsoft.com/office/drawing/2014/main" id="{78287D52-35B6-0CF8-6F95-5C063852C261}"/>
               </a:ext>
             </a:extLst>
           </p:cNvPr>
@@ -17026,17 +16488,17 @@
           <a:p>
             <a:r>
               <a:rPr lang="en-US" dirty="0"/>
-              <a:t>Adam Optimizer</a:t>
+              <a:t>Optimizer</a:t>
             </a:r>
           </a:p>
         </p:txBody>
       </p:sp>
       <p:sp>
         <p:nvSpPr>
-          <p:cNvPr id="3" name="Content Placeholder 2">
-            <a:extLst>
-              <a:ext uri="{FF2B5EF4-FFF2-40B4-BE49-F238E27FC236}">
-                <a16:creationId xmlns:a16="http://schemas.microsoft.com/office/drawing/2014/main" id="{78F9E78F-53B4-E732-923B-ECCB30D08BED}"/>
+          <p:cNvPr id="4" name="Text Placeholder 3">
+            <a:extLst>
+              <a:ext uri="{FF2B5EF4-FFF2-40B4-BE49-F238E27FC236}">
+                <a16:creationId xmlns:a16="http://schemas.microsoft.com/office/drawing/2014/main" id="{360DA14D-F7C3-EE03-8532-6A311AFC313B}"/>
               </a:ext>
             </a:extLst>
           </p:cNvPr>
@@ -17044,205 +16506,22 @@
             <a:spLocks noGrp="1"/>
           </p:cNvSpPr>
           <p:nvPr>
-            <p:ph idx="1"/>
+            <p:ph type="body" idx="1"/>
           </p:nvPr>
         </p:nvSpPr>
         <p:spPr/>
         <p:txBody>
-          <a:bodyPr>
-            <a:normAutofit fontScale="92500" lnSpcReduction="10000"/>
-          </a:bodyPr>
+          <a:bodyPr/>
           <a:lstStyle/>
           <a:p>
-            <a:pPr rtl="0">
-              <a:buFont typeface="Arial" panose="020B0604020202020204" pitchFamily="34" charset="0"/>
-              <a:buChar char="•"/>
-            </a:pPr>
-            <a:r>
-              <a:rPr lang="en-US" dirty="0"/>
-              <a:t>Definition: Adaptive Moment Estimation, a gradient-based optimization algorithm</a:t>
-            </a:r>
-          </a:p>
-          <a:p>
-            <a:pPr rtl="0">
-              <a:buFont typeface="Arial" panose="020B0604020202020204" pitchFamily="34" charset="0"/>
-              <a:buChar char="•"/>
-            </a:pPr>
-            <a:r>
-              <a:rPr lang="en-US" dirty="0"/>
-              <a:t>How It Works:</a:t>
-            </a:r>
-          </a:p>
-          <a:p>
-            <a:pPr marL="742950" lvl="1" indent="-285750" rtl="0">
-              <a:buFont typeface="Arial" panose="020B0604020202020204" pitchFamily="34" charset="0"/>
-              <a:buChar char="•"/>
-            </a:pPr>
-            <a:r>
-              <a:rPr lang="en-US" dirty="0"/>
-              <a:t>Combines momentum (moving average of gradients) and </a:t>
-            </a:r>
-            <a:r>
-              <a:rPr lang="en-US" dirty="0" err="1"/>
-              <a:t>RMSProp</a:t>
-            </a:r>
-            <a:r>
-              <a:rPr lang="en-US" dirty="0"/>
-              <a:t> (adaptive learning rates)</a:t>
-            </a:r>
-          </a:p>
-          <a:p>
-            <a:pPr marL="742950" lvl="1" indent="-285750" rtl="0">
-              <a:buFont typeface="Arial" panose="020B0604020202020204" pitchFamily="34" charset="0"/>
-              <a:buChar char="•"/>
-            </a:pPr>
-            <a:r>
-              <a:rPr lang="en-US" dirty="0"/>
-              <a:t>Updates weights to minimize cross-entropy loss</a:t>
-            </a:r>
-          </a:p>
-          <a:p>
-            <a:pPr rtl="0">
-              <a:buFont typeface="Arial" panose="020B0604020202020204" pitchFamily="34" charset="0"/>
-              <a:buChar char="•"/>
-            </a:pPr>
-            <a:r>
-              <a:rPr lang="en-US" dirty="0"/>
-              <a:t>In </a:t>
-            </a:r>
-            <a:r>
-              <a:rPr lang="en-US" dirty="0" err="1"/>
-              <a:t>PyTorch</a:t>
-            </a:r>
-            <a:r>
-              <a:rPr lang="en-US" dirty="0"/>
-              <a:t> Code:</a:t>
-            </a:r>
-          </a:p>
-          <a:p>
-            <a:pPr marL="742950" lvl="1" indent="-285750" rtl="0">
-              <a:buFont typeface="Arial" panose="020B0604020202020204" pitchFamily="34" charset="0"/>
-              <a:buChar char="•"/>
-            </a:pPr>
-            <a:r>
-              <a:rPr lang="en-US" dirty="0">
-                <a:solidFill>
-                  <a:schemeClr val="accent2"/>
-                </a:solidFill>
-              </a:rPr>
-              <a:t>optimizer = </a:t>
-            </a:r>
-            <a:r>
-              <a:rPr lang="en-US" dirty="0" err="1">
-                <a:solidFill>
-                  <a:schemeClr val="accent2"/>
-                </a:solidFill>
-              </a:rPr>
-              <a:t>optim.Adam</a:t>
-            </a:r>
-            <a:r>
-              <a:rPr lang="en-US" dirty="0">
-                <a:solidFill>
-                  <a:schemeClr val="accent2"/>
-                </a:solidFill>
-              </a:rPr>
-              <a:t>(</a:t>
-            </a:r>
-            <a:r>
-              <a:rPr lang="en-US" dirty="0" err="1">
-                <a:solidFill>
-                  <a:schemeClr val="accent2"/>
-                </a:solidFill>
-              </a:rPr>
-              <a:t>model.parameters</a:t>
-            </a:r>
-            <a:r>
-              <a:rPr lang="en-US" dirty="0">
-                <a:solidFill>
-                  <a:schemeClr val="accent2"/>
-                </a:solidFill>
-              </a:rPr>
-              <a:t>(), </a:t>
-            </a:r>
-            <a:r>
-              <a:rPr lang="en-US" dirty="0" err="1">
-                <a:solidFill>
-                  <a:schemeClr val="accent2"/>
-                </a:solidFill>
-              </a:rPr>
-              <a:t>lr</a:t>
-            </a:r>
-            <a:r>
-              <a:rPr lang="en-US" dirty="0">
-                <a:solidFill>
-                  <a:schemeClr val="accent2"/>
-                </a:solidFill>
-              </a:rPr>
-              <a:t>=0.001)</a:t>
-            </a:r>
-          </a:p>
-          <a:p>
-            <a:pPr marL="742950" lvl="1" indent="-285750" rtl="0">
-              <a:buFont typeface="Arial" panose="020B0604020202020204" pitchFamily="34" charset="0"/>
-              <a:buChar char="•"/>
-            </a:pPr>
-            <a:r>
-              <a:rPr lang="en-US" dirty="0" err="1">
-                <a:solidFill>
-                  <a:schemeClr val="accent2"/>
-                </a:solidFill>
-              </a:rPr>
-              <a:t>optimizer.step</a:t>
-            </a:r>
-            <a:r>
-              <a:rPr lang="en-US" dirty="0">
-                <a:solidFill>
-                  <a:schemeClr val="accent2"/>
-                </a:solidFill>
-              </a:rPr>
-              <a:t>() </a:t>
-            </a:r>
-            <a:r>
-              <a:rPr lang="en-US" dirty="0"/>
-              <a:t>updates weights after backpropagation</a:t>
-            </a:r>
-          </a:p>
-          <a:p>
-            <a:pPr rtl="0">
-              <a:buFont typeface="Arial" panose="020B0604020202020204" pitchFamily="34" charset="0"/>
-              <a:buChar char="•"/>
-            </a:pPr>
-            <a:r>
-              <a:rPr lang="en-US" dirty="0"/>
-              <a:t>Benefits:</a:t>
-            </a:r>
-          </a:p>
-          <a:p>
-            <a:pPr marL="742950" lvl="1" indent="-285750" rtl="0">
-              <a:buFont typeface="Arial" panose="020B0604020202020204" pitchFamily="34" charset="0"/>
-              <a:buChar char="•"/>
-            </a:pPr>
-            <a:r>
-              <a:rPr lang="en-US" dirty="0"/>
-              <a:t>Fast convergence</a:t>
-            </a:r>
-          </a:p>
-          <a:p>
-            <a:pPr marL="742950" lvl="1" indent="-285750" rtl="0">
-              <a:buFont typeface="Arial" panose="020B0604020202020204" pitchFamily="34" charset="0"/>
-              <a:buChar char="•"/>
-            </a:pPr>
-            <a:r>
-              <a:rPr lang="en-US" dirty="0"/>
-              <a:t>Adapts to different features (e.g., Iris’s varying scales)</a:t>
-            </a:r>
+            <a:endParaRPr lang="en-US"/>
           </a:p>
         </p:txBody>
       </p:sp>
     </p:spTree>
     <p:extLst>
       <p:ext uri="{BB962C8B-B14F-4D97-AF65-F5344CB8AC3E}">
-        <p14:creationId xmlns:p14="http://schemas.microsoft.com/office/powerpoint/2010/main" val="1846476847"/>
+        <p14:creationId xmlns:p14="http://schemas.microsoft.com/office/powerpoint/2010/main" val="1472723351"/>
       </p:ext>
     </p:extLst>
   </p:cSld>
@@ -17271,38 +16550,90 @@
       </p:grpSpPr>
       <p:pic>
         <p:nvPicPr>
-          <p:cNvPr id="5" name="Picture 4">
-            <a:extLst>
-              <a:ext uri="{FF2B5EF4-FFF2-40B4-BE49-F238E27FC236}">
-                <a16:creationId xmlns:a16="http://schemas.microsoft.com/office/drawing/2014/main" id="{B1E92E06-8E6E-750D-CDA6-9714052C3FF6}"/>
+          <p:cNvPr id="10242" name="Picture 2">
+            <a:extLst>
+              <a:ext uri="{FF2B5EF4-FFF2-40B4-BE49-F238E27FC236}">
+                <a16:creationId xmlns:a16="http://schemas.microsoft.com/office/drawing/2014/main" id="{1343F3F4-E3B1-3117-3F37-E0CF745DFFA4}"/>
               </a:ext>
             </a:extLst>
           </p:cNvPr>
           <p:cNvPicPr>
-            <a:picLocks noChangeAspect="1"/>
+            <a:picLocks noChangeAspect="1" noChangeArrowheads="1"/>
           </p:cNvPicPr>
           <p:nvPr/>
         </p:nvPicPr>
         <p:blipFill>
-          <a:blip r:embed="rId2"/>
+          <a:blip r:embed="rId2">
+            <a:extLst>
+              <a:ext uri="{28A0092B-C50C-407E-A947-70E740481C1C}">
+                <a14:useLocalDpi xmlns:a14="http://schemas.microsoft.com/office/drawing/2010/main" val="0"/>
+              </a:ext>
+            </a:extLst>
+          </a:blip>
+          <a:srcRect/>
           <a:stretch>
             <a:fillRect/>
           </a:stretch>
         </p:blipFill>
+        <p:spPr bwMode="auto">
+          <a:xfrm>
+            <a:off x="2067560" y="285750"/>
+            <a:ext cx="8056880" cy="6042660"/>
+          </a:xfrm>
+          <a:prstGeom prst="rect">
+            <a:avLst/>
+          </a:prstGeom>
+          <a:noFill/>
+          <a:extLst>
+            <a:ext uri="{909E8E84-426E-40DD-AFC4-6F175D3DCCD1}">
+              <a14:hiddenFill xmlns:a14="http://schemas.microsoft.com/office/drawing/2010/main">
+                <a:solidFill>
+                  <a:srgbClr val="FFFFFF"/>
+                </a:solidFill>
+              </a14:hiddenFill>
+            </a:ext>
+          </a:extLst>
+        </p:spPr>
+      </p:pic>
+      <p:sp>
+        <p:nvSpPr>
+          <p:cNvPr id="5" name="TextBox 4">
+            <a:extLst>
+              <a:ext uri="{FF2B5EF4-FFF2-40B4-BE49-F238E27FC236}">
+                <a16:creationId xmlns:a16="http://schemas.microsoft.com/office/drawing/2014/main" id="{4E39BB3D-B79B-AFD4-E6B8-3B02084EEF65}"/>
+              </a:ext>
+            </a:extLst>
+          </p:cNvPr>
+          <p:cNvSpPr txBox="1"/>
+          <p:nvPr/>
+        </p:nvSpPr>
         <p:spPr>
           <a:xfrm>
-            <a:off x="1153300" y="0"/>
-            <a:ext cx="10196888" cy="6858000"/>
+            <a:off x="2506980" y="6328410"/>
+            <a:ext cx="6525260" cy="338554"/>
           </a:xfrm>
           <a:prstGeom prst="rect">
             <a:avLst/>
           </a:prstGeom>
-        </p:spPr>
-      </p:pic>
+          <a:noFill/>
+        </p:spPr>
+        <p:txBody>
+          <a:bodyPr wrap="square">
+            <a:spAutoFit/>
+          </a:bodyPr>
+          <a:lstStyle/>
+          <a:p>
+            <a:r>
+              <a:rPr lang="en-US" sz="1600" dirty="0"/>
+              <a:t>https://community.deeplearning.ai/t/optimization-algorithms/305154/3</a:t>
+            </a:r>
+          </a:p>
+        </p:txBody>
+      </p:sp>
     </p:spTree>
     <p:extLst>
       <p:ext uri="{BB962C8B-B14F-4D97-AF65-F5344CB8AC3E}">
-        <p14:creationId xmlns:p14="http://schemas.microsoft.com/office/powerpoint/2010/main" val="1740457000"/>
+        <p14:creationId xmlns:p14="http://schemas.microsoft.com/office/powerpoint/2010/main" val="545826806"/>
       </p:ext>
     </p:extLst>
   </p:cSld>
@@ -17334,7 +16665,7 @@
           <p:cNvPr id="2" name="Title 1">
             <a:extLst>
               <a:ext uri="{FF2B5EF4-FFF2-40B4-BE49-F238E27FC236}">
-                <a16:creationId xmlns:a16="http://schemas.microsoft.com/office/drawing/2014/main" id="{3A7D6A03-A22D-46EE-F960-A431154FCEC2}"/>
+                <a16:creationId xmlns:a16="http://schemas.microsoft.com/office/drawing/2014/main" id="{96D7FC87-E36A-D83A-96C4-A01CC08B16F6}"/>
               </a:ext>
             </a:extLst>
           </p:cNvPr>
@@ -17352,7 +16683,7 @@
           <a:p>
             <a:r>
               <a:rPr lang="en-US" dirty="0"/>
-              <a:t>Which optimizer to use</a:t>
+              <a:t>Adam Optimizer</a:t>
             </a:r>
           </a:p>
         </p:txBody>
@@ -17362,7 +16693,7 @@
           <p:cNvPr id="3" name="Content Placeholder 2">
             <a:extLst>
               <a:ext uri="{FF2B5EF4-FFF2-40B4-BE49-F238E27FC236}">
-                <a16:creationId xmlns:a16="http://schemas.microsoft.com/office/drawing/2014/main" id="{3E281087-FD8D-D04A-DEA2-DB7F598F989B}"/>
+                <a16:creationId xmlns:a16="http://schemas.microsoft.com/office/drawing/2014/main" id="{78F9E78F-53B4-E732-923B-ECCB30D08BED}"/>
               </a:ext>
             </a:extLst>
           </p:cNvPr>
@@ -17375,43 +16706,200 @@
         </p:nvSpPr>
         <p:spPr/>
         <p:txBody>
-          <a:bodyPr/>
+          <a:bodyPr>
+            <a:normAutofit fontScale="92500" lnSpcReduction="10000"/>
+          </a:bodyPr>
           <a:lstStyle/>
           <a:p>
-            <a:r>
-              <a:rPr lang="en-GB" dirty="0"/>
-              <a:t>Use Adam when you want good performance quickly and don't want to worry too much about hyperparameter tuning.</a:t>
-            </a:r>
-          </a:p>
-          <a:p>
-            <a:r>
-              <a:rPr lang="en-GB" dirty="0"/>
-              <a:t>Use SGD (with momentum) when training very large models, fine-tuning pre-trained networks, or when you want tighter control over optimization </a:t>
-            </a:r>
-            <a:r>
-              <a:rPr lang="en-GB" dirty="0" err="1"/>
-              <a:t>behavior</a:t>
-            </a:r>
-            <a:r>
-              <a:rPr lang="en-GB" dirty="0"/>
-              <a:t>.</a:t>
-            </a:r>
-          </a:p>
-          <a:p>
+            <a:pPr rtl="0">
+              <a:buFont typeface="Arial" panose="020B0604020202020204" pitchFamily="34" charset="0"/>
+              <a:buChar char="•"/>
+            </a:pPr>
             <a:r>
               <a:rPr lang="en-US" dirty="0"/>
-              <a:t>Compare both optimizers for Iris training with 100 epochs (150 samples) </a:t>
-            </a:r>
-          </a:p>
-          <a:p>
-            <a:endParaRPr lang="en-GB" dirty="0"/>
+              <a:t>Definition: Adaptive Moment Estimation, a gradient-based optimization algorithm</a:t>
+            </a:r>
+          </a:p>
+          <a:p>
+            <a:pPr rtl="0">
+              <a:buFont typeface="Arial" panose="020B0604020202020204" pitchFamily="34" charset="0"/>
+              <a:buChar char="•"/>
+            </a:pPr>
+            <a:r>
+              <a:rPr lang="en-US" dirty="0"/>
+              <a:t>How It Works:</a:t>
+            </a:r>
+          </a:p>
+          <a:p>
+            <a:pPr marL="742950" lvl="1" indent="-285750" rtl="0">
+              <a:buFont typeface="Arial" panose="020B0604020202020204" pitchFamily="34" charset="0"/>
+              <a:buChar char="•"/>
+            </a:pPr>
+            <a:r>
+              <a:rPr lang="en-US" dirty="0"/>
+              <a:t>Combines momentum (moving average of gradients) and </a:t>
+            </a:r>
+            <a:r>
+              <a:rPr lang="en-US" dirty="0" err="1"/>
+              <a:t>RMSProp</a:t>
+            </a:r>
+            <a:r>
+              <a:rPr lang="en-US" dirty="0"/>
+              <a:t> (adaptive learning rates)</a:t>
+            </a:r>
+          </a:p>
+          <a:p>
+            <a:pPr marL="742950" lvl="1" indent="-285750" rtl="0">
+              <a:buFont typeface="Arial" panose="020B0604020202020204" pitchFamily="34" charset="0"/>
+              <a:buChar char="•"/>
+            </a:pPr>
+            <a:r>
+              <a:rPr lang="en-US" dirty="0"/>
+              <a:t>Updates weights to minimize cross-entropy loss</a:t>
+            </a:r>
+          </a:p>
+          <a:p>
+            <a:pPr rtl="0">
+              <a:buFont typeface="Arial" panose="020B0604020202020204" pitchFamily="34" charset="0"/>
+              <a:buChar char="•"/>
+            </a:pPr>
+            <a:r>
+              <a:rPr lang="en-US" dirty="0"/>
+              <a:t>In </a:t>
+            </a:r>
+            <a:r>
+              <a:rPr lang="en-US" dirty="0" err="1"/>
+              <a:t>PyTorch</a:t>
+            </a:r>
+            <a:r>
+              <a:rPr lang="en-US" dirty="0"/>
+              <a:t> Code:</a:t>
+            </a:r>
+          </a:p>
+          <a:p>
+            <a:pPr marL="742950" lvl="1" indent="-285750" rtl="0">
+              <a:buFont typeface="Arial" panose="020B0604020202020204" pitchFamily="34" charset="0"/>
+              <a:buChar char="•"/>
+            </a:pPr>
+            <a:r>
+              <a:rPr lang="en-US" dirty="0">
+                <a:solidFill>
+                  <a:schemeClr val="accent2"/>
+                </a:solidFill>
+              </a:rPr>
+              <a:t>optimizer = </a:t>
+            </a:r>
+            <a:r>
+              <a:rPr lang="en-US" dirty="0" err="1">
+                <a:solidFill>
+                  <a:schemeClr val="accent2"/>
+                </a:solidFill>
+              </a:rPr>
+              <a:t>optim.Adam</a:t>
+            </a:r>
+            <a:r>
+              <a:rPr lang="en-US" dirty="0">
+                <a:solidFill>
+                  <a:schemeClr val="accent2"/>
+                </a:solidFill>
+              </a:rPr>
+              <a:t>(</a:t>
+            </a:r>
+            <a:r>
+              <a:rPr lang="en-US" dirty="0" err="1">
+                <a:solidFill>
+                  <a:schemeClr val="accent2"/>
+                </a:solidFill>
+              </a:rPr>
+              <a:t>model.parameters</a:t>
+            </a:r>
+            <a:r>
+              <a:rPr lang="en-US" dirty="0">
+                <a:solidFill>
+                  <a:schemeClr val="accent2"/>
+                </a:solidFill>
+              </a:rPr>
+              <a:t>(), </a:t>
+            </a:r>
+            <a:r>
+              <a:rPr lang="en-US" dirty="0" err="1">
+                <a:solidFill>
+                  <a:schemeClr val="accent2"/>
+                </a:solidFill>
+              </a:rPr>
+              <a:t>lr</a:t>
+            </a:r>
+            <a:r>
+              <a:rPr lang="en-US" dirty="0">
+                <a:solidFill>
+                  <a:schemeClr val="accent2"/>
+                </a:solidFill>
+              </a:rPr>
+              <a:t>=0.001)</a:t>
+            </a:r>
+          </a:p>
+          <a:p>
+            <a:pPr marL="742950" lvl="1" indent="-285750" rtl="0">
+              <a:buFont typeface="Arial" panose="020B0604020202020204" pitchFamily="34" charset="0"/>
+              <a:buChar char="•"/>
+            </a:pPr>
+            <a:r>
+              <a:rPr lang="en-US" dirty="0" err="1">
+                <a:solidFill>
+                  <a:schemeClr val="accent2"/>
+                </a:solidFill>
+              </a:rPr>
+              <a:t>optimizer.step</a:t>
+            </a:r>
+            <a:r>
+              <a:rPr lang="en-US" dirty="0">
+                <a:solidFill>
+                  <a:schemeClr val="accent2"/>
+                </a:solidFill>
+              </a:rPr>
+              <a:t>() </a:t>
+            </a:r>
+            <a:r>
+              <a:rPr lang="en-US" dirty="0"/>
+              <a:t>updates weights after backpropagation</a:t>
+            </a:r>
+          </a:p>
+          <a:p>
+            <a:pPr rtl="0">
+              <a:buFont typeface="Arial" panose="020B0604020202020204" pitchFamily="34" charset="0"/>
+              <a:buChar char="•"/>
+            </a:pPr>
+            <a:r>
+              <a:rPr lang="en-US" dirty="0"/>
+              <a:t>Benefits:</a:t>
+            </a:r>
+          </a:p>
+          <a:p>
+            <a:pPr marL="742950" lvl="1" indent="-285750" rtl="0">
+              <a:buFont typeface="Arial" panose="020B0604020202020204" pitchFamily="34" charset="0"/>
+              <a:buChar char="•"/>
+            </a:pPr>
+            <a:r>
+              <a:rPr lang="en-US" dirty="0"/>
+              <a:t>Fast convergence</a:t>
+            </a:r>
+          </a:p>
+          <a:p>
+            <a:pPr marL="742950" lvl="1" indent="-285750" rtl="0">
+              <a:buFont typeface="Arial" panose="020B0604020202020204" pitchFamily="34" charset="0"/>
+              <a:buChar char="•"/>
+            </a:pPr>
+            <a:r>
+              <a:rPr lang="en-US" dirty="0"/>
+              <a:t>Adapts to different features (e.g., Iris’s varying scales)</a:t>
+            </a:r>
           </a:p>
         </p:txBody>
       </p:sp>
     </p:spTree>
     <p:extLst>
       <p:ext uri="{BB962C8B-B14F-4D97-AF65-F5344CB8AC3E}">
-        <p14:creationId xmlns:p14="http://schemas.microsoft.com/office/powerpoint/2010/main" val="1312178182"/>
+        <p14:creationId xmlns:p14="http://schemas.microsoft.com/office/powerpoint/2010/main" val="1846476847"/>
       </p:ext>
     </p:extLst>
   </p:cSld>
@@ -17438,6 +16926,175 @@
           <a:chExt cx="0" cy="0"/>
         </a:xfrm>
       </p:grpSpPr>
+      <p:pic>
+        <p:nvPicPr>
+          <p:cNvPr id="5" name="Picture 4">
+            <a:extLst>
+              <a:ext uri="{FF2B5EF4-FFF2-40B4-BE49-F238E27FC236}">
+                <a16:creationId xmlns:a16="http://schemas.microsoft.com/office/drawing/2014/main" id="{B1E92E06-8E6E-750D-CDA6-9714052C3FF6}"/>
+              </a:ext>
+            </a:extLst>
+          </p:cNvPr>
+          <p:cNvPicPr>
+            <a:picLocks noChangeAspect="1"/>
+          </p:cNvPicPr>
+          <p:nvPr/>
+        </p:nvPicPr>
+        <p:blipFill>
+          <a:blip r:embed="rId2"/>
+          <a:stretch>
+            <a:fillRect/>
+          </a:stretch>
+        </p:blipFill>
+        <p:spPr>
+          <a:xfrm>
+            <a:off x="1153300" y="0"/>
+            <a:ext cx="10196888" cy="6858000"/>
+          </a:xfrm>
+          <a:prstGeom prst="rect">
+            <a:avLst/>
+          </a:prstGeom>
+        </p:spPr>
+      </p:pic>
+    </p:spTree>
+    <p:extLst>
+      <p:ext uri="{BB962C8B-B14F-4D97-AF65-F5344CB8AC3E}">
+        <p14:creationId xmlns:p14="http://schemas.microsoft.com/office/powerpoint/2010/main" val="1740457000"/>
+      </p:ext>
+    </p:extLst>
+  </p:cSld>
+  <p:clrMapOvr>
+    <a:masterClrMapping/>
+  </p:clrMapOvr>
+</p:sld>
+</file>
+
+<file path=ppt/slides/slide35.xml><?xml version="1.0" encoding="utf-8"?>
+<p:sld xmlns:a="http://schemas.openxmlformats.org/drawingml/2006/main" xmlns:r="http://schemas.openxmlformats.org/officeDocument/2006/relationships" xmlns:p="http://schemas.openxmlformats.org/presentationml/2006/main">
+  <p:cSld>
+    <p:spTree>
+      <p:nvGrpSpPr>
+        <p:cNvPr id="1" name=""/>
+        <p:cNvGrpSpPr/>
+        <p:nvPr/>
+      </p:nvGrpSpPr>
+      <p:grpSpPr>
+        <a:xfrm>
+          <a:off x="0" y="0"/>
+          <a:ext cx="0" cy="0"/>
+          <a:chOff x="0" y="0"/>
+          <a:chExt cx="0" cy="0"/>
+        </a:xfrm>
+      </p:grpSpPr>
+      <p:sp>
+        <p:nvSpPr>
+          <p:cNvPr id="2" name="Title 1">
+            <a:extLst>
+              <a:ext uri="{FF2B5EF4-FFF2-40B4-BE49-F238E27FC236}">
+                <a16:creationId xmlns:a16="http://schemas.microsoft.com/office/drawing/2014/main" id="{3A7D6A03-A22D-46EE-F960-A431154FCEC2}"/>
+              </a:ext>
+            </a:extLst>
+          </p:cNvPr>
+          <p:cNvSpPr>
+            <a:spLocks noGrp="1"/>
+          </p:cNvSpPr>
+          <p:nvPr>
+            <p:ph type="title"/>
+          </p:nvPr>
+        </p:nvSpPr>
+        <p:spPr/>
+        <p:txBody>
+          <a:bodyPr/>
+          <a:lstStyle/>
+          <a:p>
+            <a:r>
+              <a:rPr lang="en-US" dirty="0"/>
+              <a:t>Which optimizer to use</a:t>
+            </a:r>
+          </a:p>
+        </p:txBody>
+      </p:sp>
+      <p:sp>
+        <p:nvSpPr>
+          <p:cNvPr id="3" name="Content Placeholder 2">
+            <a:extLst>
+              <a:ext uri="{FF2B5EF4-FFF2-40B4-BE49-F238E27FC236}">
+                <a16:creationId xmlns:a16="http://schemas.microsoft.com/office/drawing/2014/main" id="{3E281087-FD8D-D04A-DEA2-DB7F598F989B}"/>
+              </a:ext>
+            </a:extLst>
+          </p:cNvPr>
+          <p:cNvSpPr>
+            <a:spLocks noGrp="1"/>
+          </p:cNvSpPr>
+          <p:nvPr>
+            <p:ph idx="1"/>
+          </p:nvPr>
+        </p:nvSpPr>
+        <p:spPr/>
+        <p:txBody>
+          <a:bodyPr/>
+          <a:lstStyle/>
+          <a:p>
+            <a:r>
+              <a:rPr lang="en-GB" dirty="0"/>
+              <a:t>Use Adam when you want good performance quickly and don't want to worry too much about hyperparameter tuning.</a:t>
+            </a:r>
+          </a:p>
+          <a:p>
+            <a:r>
+              <a:rPr lang="en-GB" dirty="0"/>
+              <a:t>Use SGD (with momentum) when training very large models, fine-tuning pre-trained networks, or when you want tighter control over optimization </a:t>
+            </a:r>
+            <a:r>
+              <a:rPr lang="en-GB" dirty="0" err="1"/>
+              <a:t>behavior</a:t>
+            </a:r>
+            <a:r>
+              <a:rPr lang="en-GB" dirty="0"/>
+              <a:t>.</a:t>
+            </a:r>
+          </a:p>
+          <a:p>
+            <a:r>
+              <a:rPr lang="en-US" dirty="0"/>
+              <a:t>Compare both optimizers for Iris training with 100 epochs (150 samples) </a:t>
+            </a:r>
+          </a:p>
+          <a:p>
+            <a:endParaRPr lang="en-GB" dirty="0"/>
+          </a:p>
+        </p:txBody>
+      </p:sp>
+    </p:spTree>
+    <p:extLst>
+      <p:ext uri="{BB962C8B-B14F-4D97-AF65-F5344CB8AC3E}">
+        <p14:creationId xmlns:p14="http://schemas.microsoft.com/office/powerpoint/2010/main" val="1312178182"/>
+      </p:ext>
+    </p:extLst>
+  </p:cSld>
+  <p:clrMapOvr>
+    <a:masterClrMapping/>
+  </p:clrMapOvr>
+</p:sld>
+</file>
+
+<file path=ppt/slides/slide36.xml><?xml version="1.0" encoding="utf-8"?>
+<p:sld xmlns:a="http://schemas.openxmlformats.org/drawingml/2006/main" xmlns:r="http://schemas.openxmlformats.org/officeDocument/2006/relationships" xmlns:p="http://schemas.openxmlformats.org/presentationml/2006/main">
+  <p:cSld>
+    <p:spTree>
+      <p:nvGrpSpPr>
+        <p:cNvPr id="1" name=""/>
+        <p:cNvGrpSpPr/>
+        <p:nvPr/>
+      </p:nvGrpSpPr>
+      <p:grpSpPr>
+        <a:xfrm>
+          <a:off x="0" y="0"/>
+          <a:ext cx="0" cy="0"/>
+          <a:chOff x="0" y="0"/>
+          <a:chExt cx="0" cy="0"/>
+        </a:xfrm>
+      </p:grpSpPr>
       <p:sp>
         <p:nvSpPr>
           <p:cNvPr id="2" name="Title 1">
@@ -17592,7 +17249,7 @@
 </p:sld>
 </file>
 
-<file path=ppt/slides/slide35.xml><?xml version="1.0" encoding="utf-8"?>
+<file path=ppt/slides/slide37.xml><?xml version="1.0" encoding="utf-8"?>
 <p:sld xmlns:a="http://schemas.openxmlformats.org/drawingml/2006/main" xmlns:r="http://schemas.openxmlformats.org/officeDocument/2006/relationships" xmlns:p="http://schemas.openxmlformats.org/presentationml/2006/main">
   <p:cSld>
     <p:spTree>
@@ -17860,7 +17517,7 @@
           <p:nvPr/>
         </p:nvPicPr>
         <p:blipFill>
-          <a:blip r:embed="rId3">
+          <a:blip r:embed="rId3" cstate="print">
             <a:extLst>
               <a:ext uri="{28A0092B-C50C-407E-A947-70E740481C1C}">
                 <a14:useLocalDpi xmlns:a14="http://schemas.microsoft.com/office/drawing/2010/main" val="0"/>
@@ -17907,7 +17564,7 @@
           <p:nvPr/>
         </p:nvPicPr>
         <p:blipFill>
-          <a:blip r:embed="rId4">
+          <a:blip r:embed="rId4" cstate="print">
             <a:extLst>
               <a:ext uri="{28A0092B-C50C-407E-A947-70E740481C1C}">
                 <a14:useLocalDpi xmlns:a14="http://schemas.microsoft.com/office/drawing/2010/main" val="0"/>
@@ -17954,7 +17611,7 @@
           <p:nvPr/>
         </p:nvPicPr>
         <p:blipFill>
-          <a:blip r:embed="rId4">
+          <a:blip r:embed="rId4" cstate="print">
             <a:extLst>
               <a:ext uri="{28A0092B-C50C-407E-A947-70E740481C1C}">
                 <a14:useLocalDpi xmlns:a14="http://schemas.microsoft.com/office/drawing/2010/main" val="0"/>
@@ -18001,7 +17658,7 @@
           <p:nvPr/>
         </p:nvPicPr>
         <p:blipFill>
-          <a:blip r:embed="rId4">
+          <a:blip r:embed="rId4" cstate="print">
             <a:extLst>
               <a:ext uri="{28A0092B-C50C-407E-A947-70E740481C1C}">
                 <a14:useLocalDpi xmlns:a14="http://schemas.microsoft.com/office/drawing/2010/main" val="0"/>
@@ -18048,7 +17705,7 @@
           <p:nvPr/>
         </p:nvPicPr>
         <p:blipFill>
-          <a:blip r:embed="rId4">
+          <a:blip r:embed="rId4" cstate="print">
             <a:extLst>
               <a:ext uri="{28A0092B-C50C-407E-A947-70E740481C1C}">
                 <a14:useLocalDpi xmlns:a14="http://schemas.microsoft.com/office/drawing/2010/main" val="0"/>
@@ -18095,7 +17752,7 @@
           <p:nvPr/>
         </p:nvPicPr>
         <p:blipFill>
-          <a:blip r:embed="rId4">
+          <a:blip r:embed="rId4" cstate="print">
             <a:extLst>
               <a:ext uri="{28A0092B-C50C-407E-A947-70E740481C1C}">
                 <a14:useLocalDpi xmlns:a14="http://schemas.microsoft.com/office/drawing/2010/main" val="0"/>
@@ -18142,7 +17799,7 @@
           <p:nvPr/>
         </p:nvPicPr>
         <p:blipFill>
-          <a:blip r:embed="rId4">
+          <a:blip r:embed="rId4" cstate="print">
             <a:extLst>
               <a:ext uri="{28A0092B-C50C-407E-A947-70E740481C1C}">
                 <a14:useLocalDpi xmlns:a14="http://schemas.microsoft.com/office/drawing/2010/main" val="0"/>
@@ -18189,7 +17846,7 @@
           <p:nvPr/>
         </p:nvPicPr>
         <p:blipFill>
-          <a:blip r:embed="rId4">
+          <a:blip r:embed="rId4" cstate="print">
             <a:extLst>
               <a:ext uri="{28A0092B-C50C-407E-A947-70E740481C1C}">
                 <a14:useLocalDpi xmlns:a14="http://schemas.microsoft.com/office/drawing/2010/main" val="0"/>
@@ -18236,7 +17893,7 @@
           <p:nvPr/>
         </p:nvPicPr>
         <p:blipFill>
-          <a:blip r:embed="rId3">
+          <a:blip r:embed="rId3" cstate="print">
             <a:extLst>
               <a:ext uri="{28A0092B-C50C-407E-A947-70E740481C1C}">
                 <a14:useLocalDpi xmlns:a14="http://schemas.microsoft.com/office/drawing/2010/main" val="0"/>
@@ -18283,7 +17940,7 @@
           <p:nvPr/>
         </p:nvPicPr>
         <p:blipFill>
-          <a:blip r:embed="rId4">
+          <a:blip r:embed="rId4" cstate="print">
             <a:extLst>
               <a:ext uri="{28A0092B-C50C-407E-A947-70E740481C1C}">
                 <a14:useLocalDpi xmlns:a14="http://schemas.microsoft.com/office/drawing/2010/main" val="0"/>
@@ -18330,7 +17987,7 @@
           <p:nvPr/>
         </p:nvPicPr>
         <p:blipFill>
-          <a:blip r:embed="rId4">
+          <a:blip r:embed="rId4" cstate="print">
             <a:extLst>
               <a:ext uri="{28A0092B-C50C-407E-A947-70E740481C1C}">
                 <a14:useLocalDpi xmlns:a14="http://schemas.microsoft.com/office/drawing/2010/main" val="0"/>
@@ -18377,7 +18034,7 @@
           <p:nvPr/>
         </p:nvPicPr>
         <p:blipFill>
-          <a:blip r:embed="rId4">
+          <a:blip r:embed="rId4" cstate="print">
             <a:extLst>
               <a:ext uri="{28A0092B-C50C-407E-A947-70E740481C1C}">
                 <a14:useLocalDpi xmlns:a14="http://schemas.microsoft.com/office/drawing/2010/main" val="0"/>
@@ -18424,7 +18081,7 @@
           <p:nvPr/>
         </p:nvPicPr>
         <p:blipFill>
-          <a:blip r:embed="rId4">
+          <a:blip r:embed="rId4" cstate="print">
             <a:extLst>
               <a:ext uri="{28A0092B-C50C-407E-A947-70E740481C1C}">
                 <a14:useLocalDpi xmlns:a14="http://schemas.microsoft.com/office/drawing/2010/main" val="0"/>
@@ -18471,7 +18128,7 @@
           <p:nvPr/>
         </p:nvPicPr>
         <p:blipFill>
-          <a:blip r:embed="rId3">
+          <a:blip r:embed="rId3" cstate="print">
             <a:extLst>
               <a:ext uri="{28A0092B-C50C-407E-A947-70E740481C1C}">
                 <a14:useLocalDpi xmlns:a14="http://schemas.microsoft.com/office/drawing/2010/main" val="0"/>
@@ -18518,7 +18175,7 @@
           <p:nvPr/>
         </p:nvPicPr>
         <p:blipFill>
-          <a:blip r:embed="rId3">
+          <a:blip r:embed="rId3" cstate="print">
             <a:extLst>
               <a:ext uri="{28A0092B-C50C-407E-A947-70E740481C1C}">
                 <a14:useLocalDpi xmlns:a14="http://schemas.microsoft.com/office/drawing/2010/main" val="0"/>
@@ -18565,7 +18222,7 @@
           <p:nvPr/>
         </p:nvPicPr>
         <p:blipFill>
-          <a:blip r:embed="rId3">
+          <a:blip r:embed="rId3" cstate="print">
             <a:extLst>
               <a:ext uri="{28A0092B-C50C-407E-A947-70E740481C1C}">
                 <a14:useLocalDpi xmlns:a14="http://schemas.microsoft.com/office/drawing/2010/main" val="0"/>
@@ -18612,7 +18269,7 @@
           <p:nvPr/>
         </p:nvPicPr>
         <p:blipFill>
-          <a:blip r:embed="rId3">
+          <a:blip r:embed="rId3" cstate="print">
             <a:extLst>
               <a:ext uri="{28A0092B-C50C-407E-A947-70E740481C1C}">
                 <a14:useLocalDpi xmlns:a14="http://schemas.microsoft.com/office/drawing/2010/main" val="0"/>
@@ -18659,7 +18316,7 @@
           <p:nvPr/>
         </p:nvPicPr>
         <p:blipFill>
-          <a:blip r:embed="rId4">
+          <a:blip r:embed="rId4" cstate="print">
             <a:extLst>
               <a:ext uri="{28A0092B-C50C-407E-A947-70E740481C1C}">
                 <a14:useLocalDpi xmlns:a14="http://schemas.microsoft.com/office/drawing/2010/main" val="0"/>
@@ -18706,7 +18363,7 @@
           <p:nvPr/>
         </p:nvPicPr>
         <p:blipFill>
-          <a:blip r:embed="rId3">
+          <a:blip r:embed="rId3" cstate="print">
             <a:extLst>
               <a:ext uri="{28A0092B-C50C-407E-A947-70E740481C1C}">
                 <a14:useLocalDpi xmlns:a14="http://schemas.microsoft.com/office/drawing/2010/main" val="0"/>
@@ -18753,7 +18410,7 @@
           <p:nvPr/>
         </p:nvPicPr>
         <p:blipFill>
-          <a:blip r:embed="rId3">
+          <a:blip r:embed="rId3" cstate="print">
             <a:extLst>
               <a:ext uri="{28A0092B-C50C-407E-A947-70E740481C1C}">
                 <a14:useLocalDpi xmlns:a14="http://schemas.microsoft.com/office/drawing/2010/main" val="0"/>
@@ -18800,7 +18457,7 @@
           <p:nvPr/>
         </p:nvPicPr>
         <p:blipFill>
-          <a:blip r:embed="rId3">
+          <a:blip r:embed="rId3" cstate="print">
             <a:extLst>
               <a:ext uri="{28A0092B-C50C-407E-A947-70E740481C1C}">
                 <a14:useLocalDpi xmlns:a14="http://schemas.microsoft.com/office/drawing/2010/main" val="0"/>
@@ -18847,7 +18504,7 @@
           <p:nvPr/>
         </p:nvPicPr>
         <p:blipFill>
-          <a:blip r:embed="rId3">
+          <a:blip r:embed="rId3" cstate="print">
             <a:extLst>
               <a:ext uri="{28A0092B-C50C-407E-A947-70E740481C1C}">
                 <a14:useLocalDpi xmlns:a14="http://schemas.microsoft.com/office/drawing/2010/main" val="0"/>
@@ -18894,7 +18551,7 @@
           <p:nvPr/>
         </p:nvPicPr>
         <p:blipFill>
-          <a:blip r:embed="rId3">
+          <a:blip r:embed="rId3" cstate="print">
             <a:extLst>
               <a:ext uri="{28A0092B-C50C-407E-A947-70E740481C1C}">
                 <a14:useLocalDpi xmlns:a14="http://schemas.microsoft.com/office/drawing/2010/main" val="0"/>
@@ -18941,7 +18598,7 @@
           <p:nvPr/>
         </p:nvPicPr>
         <p:blipFill>
-          <a:blip r:embed="rId3">
+          <a:blip r:embed="rId3" cstate="print">
             <a:extLst>
               <a:ext uri="{28A0092B-C50C-407E-A947-70E740481C1C}">
                 <a14:useLocalDpi xmlns:a14="http://schemas.microsoft.com/office/drawing/2010/main" val="0"/>
@@ -19685,7 +19342,7 @@
           <p:nvPr/>
         </p:nvPicPr>
         <p:blipFill>
-          <a:blip r:embed="rId2">
+          <a:blip r:embed="rId2" cstate="print">
             <a:extLst>
               <a:ext uri="{28A0092B-C50C-407E-A947-70E740481C1C}">
                 <a14:useLocalDpi xmlns:a14="http://schemas.microsoft.com/office/drawing/2010/main" val="0"/>
@@ -19732,7 +19389,7 @@
           <p:nvPr/>
         </p:nvPicPr>
         <p:blipFill>
-          <a:blip r:embed="rId3">
+          <a:blip r:embed="rId3" cstate="print">
             <a:extLst>
               <a:ext uri="{28A0092B-C50C-407E-A947-70E740481C1C}">
                 <a14:useLocalDpi xmlns:a14="http://schemas.microsoft.com/office/drawing/2010/main" val="0"/>
@@ -19779,7 +19436,7 @@
           <p:nvPr/>
         </p:nvPicPr>
         <p:blipFill>
-          <a:blip r:embed="rId3">
+          <a:blip r:embed="rId3" cstate="print">
             <a:extLst>
               <a:ext uri="{28A0092B-C50C-407E-A947-70E740481C1C}">
                 <a14:useLocalDpi xmlns:a14="http://schemas.microsoft.com/office/drawing/2010/main" val="0"/>
@@ -19826,7 +19483,7 @@
           <p:nvPr/>
         </p:nvPicPr>
         <p:blipFill>
-          <a:blip r:embed="rId3">
+          <a:blip r:embed="rId3" cstate="print">
             <a:extLst>
               <a:ext uri="{28A0092B-C50C-407E-A947-70E740481C1C}">
                 <a14:useLocalDpi xmlns:a14="http://schemas.microsoft.com/office/drawing/2010/main" val="0"/>
@@ -19873,7 +19530,7 @@
           <p:nvPr/>
         </p:nvPicPr>
         <p:blipFill>
-          <a:blip r:embed="rId3">
+          <a:blip r:embed="rId3" cstate="print">
             <a:extLst>
               <a:ext uri="{28A0092B-C50C-407E-A947-70E740481C1C}">
                 <a14:useLocalDpi xmlns:a14="http://schemas.microsoft.com/office/drawing/2010/main" val="0"/>
@@ -19920,7 +19577,7 @@
           <p:nvPr/>
         </p:nvPicPr>
         <p:blipFill>
-          <a:blip r:embed="rId3">
+          <a:blip r:embed="rId3" cstate="print">
             <a:extLst>
               <a:ext uri="{28A0092B-C50C-407E-A947-70E740481C1C}">
                 <a14:useLocalDpi xmlns:a14="http://schemas.microsoft.com/office/drawing/2010/main" val="0"/>
@@ -19967,7 +19624,7 @@
           <p:nvPr/>
         </p:nvPicPr>
         <p:blipFill>
-          <a:blip r:embed="rId3">
+          <a:blip r:embed="rId3" cstate="print">
             <a:extLst>
               <a:ext uri="{28A0092B-C50C-407E-A947-70E740481C1C}">
                 <a14:useLocalDpi xmlns:a14="http://schemas.microsoft.com/office/drawing/2010/main" val="0"/>
@@ -20014,7 +19671,7 @@
           <p:nvPr/>
         </p:nvPicPr>
         <p:blipFill>
-          <a:blip r:embed="rId3">
+          <a:blip r:embed="rId3" cstate="print">
             <a:extLst>
               <a:ext uri="{28A0092B-C50C-407E-A947-70E740481C1C}">
                 <a14:useLocalDpi xmlns:a14="http://schemas.microsoft.com/office/drawing/2010/main" val="0"/>
@@ -20061,7 +19718,7 @@
           <p:nvPr/>
         </p:nvPicPr>
         <p:blipFill>
-          <a:blip r:embed="rId2">
+          <a:blip r:embed="rId2" cstate="print">
             <a:extLst>
               <a:ext uri="{28A0092B-C50C-407E-A947-70E740481C1C}">
                 <a14:useLocalDpi xmlns:a14="http://schemas.microsoft.com/office/drawing/2010/main" val="0"/>
@@ -20108,7 +19765,7 @@
           <p:nvPr/>
         </p:nvPicPr>
         <p:blipFill>
-          <a:blip r:embed="rId3">
+          <a:blip r:embed="rId3" cstate="print">
             <a:extLst>
               <a:ext uri="{28A0092B-C50C-407E-A947-70E740481C1C}">
                 <a14:useLocalDpi xmlns:a14="http://schemas.microsoft.com/office/drawing/2010/main" val="0"/>
@@ -20155,7 +19812,7 @@
           <p:nvPr/>
         </p:nvPicPr>
         <p:blipFill>
-          <a:blip r:embed="rId3">
+          <a:blip r:embed="rId3" cstate="print">
             <a:extLst>
               <a:ext uri="{28A0092B-C50C-407E-A947-70E740481C1C}">
                 <a14:useLocalDpi xmlns:a14="http://schemas.microsoft.com/office/drawing/2010/main" val="0"/>
@@ -20202,7 +19859,7 @@
           <p:nvPr/>
         </p:nvPicPr>
         <p:blipFill>
-          <a:blip r:embed="rId3">
+          <a:blip r:embed="rId3" cstate="print">
             <a:extLst>
               <a:ext uri="{28A0092B-C50C-407E-A947-70E740481C1C}">
                 <a14:useLocalDpi xmlns:a14="http://schemas.microsoft.com/office/drawing/2010/main" val="0"/>
@@ -20249,7 +19906,7 @@
           <p:nvPr/>
         </p:nvPicPr>
         <p:blipFill>
-          <a:blip r:embed="rId3">
+          <a:blip r:embed="rId3" cstate="print">
             <a:extLst>
               <a:ext uri="{28A0092B-C50C-407E-A947-70E740481C1C}">
                 <a14:useLocalDpi xmlns:a14="http://schemas.microsoft.com/office/drawing/2010/main" val="0"/>
@@ -20296,7 +19953,7 @@
           <p:nvPr/>
         </p:nvPicPr>
         <p:blipFill>
-          <a:blip r:embed="rId2">
+          <a:blip r:embed="rId2" cstate="print">
             <a:extLst>
               <a:ext uri="{28A0092B-C50C-407E-A947-70E740481C1C}">
                 <a14:useLocalDpi xmlns:a14="http://schemas.microsoft.com/office/drawing/2010/main" val="0"/>
@@ -20343,7 +20000,7 @@
           <p:nvPr/>
         </p:nvPicPr>
         <p:blipFill>
-          <a:blip r:embed="rId2">
+          <a:blip r:embed="rId2" cstate="print">
             <a:extLst>
               <a:ext uri="{28A0092B-C50C-407E-A947-70E740481C1C}">
                 <a14:useLocalDpi xmlns:a14="http://schemas.microsoft.com/office/drawing/2010/main" val="0"/>
@@ -20390,7 +20047,7 @@
           <p:nvPr/>
         </p:nvPicPr>
         <p:blipFill>
-          <a:blip r:embed="rId2">
+          <a:blip r:embed="rId2" cstate="print">
             <a:extLst>
               <a:ext uri="{28A0092B-C50C-407E-A947-70E740481C1C}">
                 <a14:useLocalDpi xmlns:a14="http://schemas.microsoft.com/office/drawing/2010/main" val="0"/>
@@ -20437,7 +20094,7 @@
           <p:nvPr/>
         </p:nvPicPr>
         <p:blipFill>
-          <a:blip r:embed="rId2">
+          <a:blip r:embed="rId2" cstate="print">
             <a:extLst>
               <a:ext uri="{28A0092B-C50C-407E-A947-70E740481C1C}">
                 <a14:useLocalDpi xmlns:a14="http://schemas.microsoft.com/office/drawing/2010/main" val="0"/>
@@ -20484,7 +20141,7 @@
           <p:nvPr/>
         </p:nvPicPr>
         <p:blipFill>
-          <a:blip r:embed="rId3">
+          <a:blip r:embed="rId3" cstate="print">
             <a:extLst>
               <a:ext uri="{28A0092B-C50C-407E-A947-70E740481C1C}">
                 <a14:useLocalDpi xmlns:a14="http://schemas.microsoft.com/office/drawing/2010/main" val="0"/>
@@ -20531,7 +20188,7 @@
           <p:nvPr/>
         </p:nvPicPr>
         <p:blipFill>
-          <a:blip r:embed="rId2">
+          <a:blip r:embed="rId2" cstate="print">
             <a:extLst>
               <a:ext uri="{28A0092B-C50C-407E-A947-70E740481C1C}">
                 <a14:useLocalDpi xmlns:a14="http://schemas.microsoft.com/office/drawing/2010/main" val="0"/>
@@ -20578,7 +20235,7 @@
           <p:nvPr/>
         </p:nvPicPr>
         <p:blipFill>
-          <a:blip r:embed="rId2">
+          <a:blip r:embed="rId2" cstate="print">
             <a:extLst>
               <a:ext uri="{28A0092B-C50C-407E-A947-70E740481C1C}">
                 <a14:useLocalDpi xmlns:a14="http://schemas.microsoft.com/office/drawing/2010/main" val="0"/>
@@ -20625,7 +20282,7 @@
           <p:nvPr/>
         </p:nvPicPr>
         <p:blipFill>
-          <a:blip r:embed="rId2">
+          <a:blip r:embed="rId2" cstate="print">
             <a:extLst>
               <a:ext uri="{28A0092B-C50C-407E-A947-70E740481C1C}">
                 <a14:useLocalDpi xmlns:a14="http://schemas.microsoft.com/office/drawing/2010/main" val="0"/>
@@ -20672,7 +20329,7 @@
           <p:nvPr/>
         </p:nvPicPr>
         <p:blipFill>
-          <a:blip r:embed="rId2">
+          <a:blip r:embed="rId2" cstate="print">
             <a:extLst>
               <a:ext uri="{28A0092B-C50C-407E-A947-70E740481C1C}">
                 <a14:useLocalDpi xmlns:a14="http://schemas.microsoft.com/office/drawing/2010/main" val="0"/>
@@ -20719,7 +20376,7 @@
           <p:nvPr/>
         </p:nvPicPr>
         <p:blipFill>
-          <a:blip r:embed="rId2">
+          <a:blip r:embed="rId2" cstate="print">
             <a:extLst>
               <a:ext uri="{28A0092B-C50C-407E-A947-70E740481C1C}">
                 <a14:useLocalDpi xmlns:a14="http://schemas.microsoft.com/office/drawing/2010/main" val="0"/>
@@ -20766,7 +20423,7 @@
           <p:nvPr/>
         </p:nvPicPr>
         <p:blipFill>
-          <a:blip r:embed="rId2">
+          <a:blip r:embed="rId2" cstate="print">
             <a:extLst>
               <a:ext uri="{28A0092B-C50C-407E-A947-70E740481C1C}">
                 <a14:useLocalDpi xmlns:a14="http://schemas.microsoft.com/office/drawing/2010/main" val="0"/>
@@ -22334,7 +21991,7 @@
           <p:nvPr/>
         </p:nvPicPr>
         <p:blipFill>
-          <a:blip r:embed="rId2">
+          <a:blip r:embed="rId2" cstate="print">
             <a:extLst>
               <a:ext uri="{28A0092B-C50C-407E-A947-70E740481C1C}">
                 <a14:useLocalDpi xmlns:a14="http://schemas.microsoft.com/office/drawing/2010/main" val="0"/>
@@ -22381,7 +22038,7 @@
           <p:nvPr/>
         </p:nvPicPr>
         <p:blipFill>
-          <a:blip r:embed="rId3">
+          <a:blip r:embed="rId3" cstate="print">
             <a:extLst>
               <a:ext uri="{28A0092B-C50C-407E-A947-70E740481C1C}">
                 <a14:useLocalDpi xmlns:a14="http://schemas.microsoft.com/office/drawing/2010/main" val="0"/>
@@ -22428,7 +22085,7 @@
           <p:nvPr/>
         </p:nvPicPr>
         <p:blipFill>
-          <a:blip r:embed="rId3">
+          <a:blip r:embed="rId3" cstate="print">
             <a:extLst>
               <a:ext uri="{28A0092B-C50C-407E-A947-70E740481C1C}">
                 <a14:useLocalDpi xmlns:a14="http://schemas.microsoft.com/office/drawing/2010/main" val="0"/>
@@ -22475,7 +22132,7 @@
           <p:nvPr/>
         </p:nvPicPr>
         <p:blipFill>
-          <a:blip r:embed="rId3">
+          <a:blip r:embed="rId3" cstate="print">
             <a:extLst>
               <a:ext uri="{28A0092B-C50C-407E-A947-70E740481C1C}">
                 <a14:useLocalDpi xmlns:a14="http://schemas.microsoft.com/office/drawing/2010/main" val="0"/>
@@ -22522,7 +22179,7 @@
           <p:nvPr/>
         </p:nvPicPr>
         <p:blipFill>
-          <a:blip r:embed="rId3">
+          <a:blip r:embed="rId3" cstate="print">
             <a:extLst>
               <a:ext uri="{28A0092B-C50C-407E-A947-70E740481C1C}">
                 <a14:useLocalDpi xmlns:a14="http://schemas.microsoft.com/office/drawing/2010/main" val="0"/>
@@ -22569,7 +22226,7 @@
           <p:nvPr/>
         </p:nvPicPr>
         <p:blipFill>
-          <a:blip r:embed="rId3">
+          <a:blip r:embed="rId3" cstate="print">
             <a:extLst>
               <a:ext uri="{28A0092B-C50C-407E-A947-70E740481C1C}">
                 <a14:useLocalDpi xmlns:a14="http://schemas.microsoft.com/office/drawing/2010/main" val="0"/>
@@ -22616,7 +22273,7 @@
           <p:nvPr/>
         </p:nvPicPr>
         <p:blipFill>
-          <a:blip r:embed="rId3">
+          <a:blip r:embed="rId3" cstate="print">
             <a:extLst>
               <a:ext uri="{28A0092B-C50C-407E-A947-70E740481C1C}">
                 <a14:useLocalDpi xmlns:a14="http://schemas.microsoft.com/office/drawing/2010/main" val="0"/>
@@ -22663,7 +22320,7 @@
           <p:nvPr/>
         </p:nvPicPr>
         <p:blipFill>
-          <a:blip r:embed="rId3">
+          <a:blip r:embed="rId3" cstate="print">
             <a:extLst>
               <a:ext uri="{28A0092B-C50C-407E-A947-70E740481C1C}">
                 <a14:useLocalDpi xmlns:a14="http://schemas.microsoft.com/office/drawing/2010/main" val="0"/>
@@ -22710,7 +22367,7 @@
           <p:nvPr/>
         </p:nvPicPr>
         <p:blipFill>
-          <a:blip r:embed="rId2">
+          <a:blip r:embed="rId2" cstate="print">
             <a:extLst>
               <a:ext uri="{28A0092B-C50C-407E-A947-70E740481C1C}">
                 <a14:useLocalDpi xmlns:a14="http://schemas.microsoft.com/office/drawing/2010/main" val="0"/>
@@ -22757,7 +22414,7 @@
           <p:nvPr/>
         </p:nvPicPr>
         <p:blipFill>
-          <a:blip r:embed="rId3">
+          <a:blip r:embed="rId3" cstate="print">
             <a:extLst>
               <a:ext uri="{28A0092B-C50C-407E-A947-70E740481C1C}">
                 <a14:useLocalDpi xmlns:a14="http://schemas.microsoft.com/office/drawing/2010/main" val="0"/>
@@ -22804,7 +22461,7 @@
           <p:nvPr/>
         </p:nvPicPr>
         <p:blipFill>
-          <a:blip r:embed="rId3">
+          <a:blip r:embed="rId3" cstate="print">
             <a:extLst>
               <a:ext uri="{28A0092B-C50C-407E-A947-70E740481C1C}">
                 <a14:useLocalDpi xmlns:a14="http://schemas.microsoft.com/office/drawing/2010/main" val="0"/>
@@ -22851,7 +22508,7 @@
           <p:nvPr/>
         </p:nvPicPr>
         <p:blipFill>
-          <a:blip r:embed="rId3">
+          <a:blip r:embed="rId3" cstate="print">
             <a:extLst>
               <a:ext uri="{28A0092B-C50C-407E-A947-70E740481C1C}">
                 <a14:useLocalDpi xmlns:a14="http://schemas.microsoft.com/office/drawing/2010/main" val="0"/>
@@ -22898,7 +22555,7 @@
           <p:nvPr/>
         </p:nvPicPr>
         <p:blipFill>
-          <a:blip r:embed="rId3">
+          <a:blip r:embed="rId3" cstate="print">
             <a:extLst>
               <a:ext uri="{28A0092B-C50C-407E-A947-70E740481C1C}">
                 <a14:useLocalDpi xmlns:a14="http://schemas.microsoft.com/office/drawing/2010/main" val="0"/>
@@ -22945,7 +22602,7 @@
           <p:nvPr/>
         </p:nvPicPr>
         <p:blipFill>
-          <a:blip r:embed="rId2">
+          <a:blip r:embed="rId2" cstate="print">
             <a:extLst>
               <a:ext uri="{28A0092B-C50C-407E-A947-70E740481C1C}">
                 <a14:useLocalDpi xmlns:a14="http://schemas.microsoft.com/office/drawing/2010/main" val="0"/>
@@ -22992,7 +22649,7 @@
           <p:nvPr/>
         </p:nvPicPr>
         <p:blipFill>
-          <a:blip r:embed="rId2">
+          <a:blip r:embed="rId2" cstate="print">
             <a:extLst>
               <a:ext uri="{28A0092B-C50C-407E-A947-70E740481C1C}">
                 <a14:useLocalDpi xmlns:a14="http://schemas.microsoft.com/office/drawing/2010/main" val="0"/>
@@ -23039,7 +22696,7 @@
           <p:nvPr/>
         </p:nvPicPr>
         <p:blipFill>
-          <a:blip r:embed="rId2">
+          <a:blip r:embed="rId2" cstate="print">
             <a:extLst>
               <a:ext uri="{28A0092B-C50C-407E-A947-70E740481C1C}">
                 <a14:useLocalDpi xmlns:a14="http://schemas.microsoft.com/office/drawing/2010/main" val="0"/>
@@ -23086,7 +22743,7 @@
           <p:nvPr/>
         </p:nvPicPr>
         <p:blipFill>
-          <a:blip r:embed="rId2">
+          <a:blip r:embed="rId2" cstate="print">
             <a:extLst>
               <a:ext uri="{28A0092B-C50C-407E-A947-70E740481C1C}">
                 <a14:useLocalDpi xmlns:a14="http://schemas.microsoft.com/office/drawing/2010/main" val="0"/>
@@ -23133,7 +22790,7 @@
           <p:nvPr/>
         </p:nvPicPr>
         <p:blipFill>
-          <a:blip r:embed="rId3">
+          <a:blip r:embed="rId3" cstate="print">
             <a:extLst>
               <a:ext uri="{28A0092B-C50C-407E-A947-70E740481C1C}">
                 <a14:useLocalDpi xmlns:a14="http://schemas.microsoft.com/office/drawing/2010/main" val="0"/>
@@ -23180,7 +22837,7 @@
           <p:nvPr/>
         </p:nvPicPr>
         <p:blipFill>
-          <a:blip r:embed="rId2">
+          <a:blip r:embed="rId2" cstate="print">
             <a:extLst>
               <a:ext uri="{28A0092B-C50C-407E-A947-70E740481C1C}">
                 <a14:useLocalDpi xmlns:a14="http://schemas.microsoft.com/office/drawing/2010/main" val="0"/>
@@ -23227,7 +22884,7 @@
           <p:nvPr/>
         </p:nvPicPr>
         <p:blipFill>
-          <a:blip r:embed="rId2">
+          <a:blip r:embed="rId2" cstate="print">
             <a:extLst>
               <a:ext uri="{28A0092B-C50C-407E-A947-70E740481C1C}">
                 <a14:useLocalDpi xmlns:a14="http://schemas.microsoft.com/office/drawing/2010/main" val="0"/>
@@ -23274,7 +22931,7 @@
           <p:nvPr/>
         </p:nvPicPr>
         <p:blipFill>
-          <a:blip r:embed="rId2">
+          <a:blip r:embed="rId2" cstate="print">
             <a:extLst>
               <a:ext uri="{28A0092B-C50C-407E-A947-70E740481C1C}">
                 <a14:useLocalDpi xmlns:a14="http://schemas.microsoft.com/office/drawing/2010/main" val="0"/>
@@ -23321,7 +22978,7 @@
           <p:nvPr/>
         </p:nvPicPr>
         <p:blipFill>
-          <a:blip r:embed="rId2">
+          <a:blip r:embed="rId2" cstate="print">
             <a:extLst>
               <a:ext uri="{28A0092B-C50C-407E-A947-70E740481C1C}">
                 <a14:useLocalDpi xmlns:a14="http://schemas.microsoft.com/office/drawing/2010/main" val="0"/>
@@ -23368,7 +23025,7 @@
           <p:nvPr/>
         </p:nvPicPr>
         <p:blipFill>
-          <a:blip r:embed="rId2">
+          <a:blip r:embed="rId2" cstate="print">
             <a:extLst>
               <a:ext uri="{28A0092B-C50C-407E-A947-70E740481C1C}">
                 <a14:useLocalDpi xmlns:a14="http://schemas.microsoft.com/office/drawing/2010/main" val="0"/>
@@ -23415,7 +23072,7 @@
           <p:nvPr/>
         </p:nvPicPr>
         <p:blipFill>
-          <a:blip r:embed="rId2">
+          <a:blip r:embed="rId2" cstate="print">
             <a:extLst>
               <a:ext uri="{28A0092B-C50C-407E-A947-70E740481C1C}">
                 <a14:useLocalDpi xmlns:a14="http://schemas.microsoft.com/office/drawing/2010/main" val="0"/>

--- a/CYFI445/lectures/08_multiclass_classification_n_to_n_2hidden/0_ML_concepts_multiclass.pptx
+++ b/CYFI445/lectures/08_multiclass_classification_n_to_n_2hidden/0_ML_concepts_multiclass.pptx
@@ -1288,30 +1288,6 @@
     </pc:docChg>
   </pc:docChgLst>
   <pc:docChgLst>
-    <pc:chgData name="Weifeng Xu" userId="e7aed605-a3dd-4d5a-a692-a87037af107b" providerId="ADAL" clId="{F99F8FFF-BA20-43EA-924B-4DF5D2A785F3}"/>
-    <pc:docChg chg="modSld">
-      <pc:chgData name="Weifeng Xu" userId="e7aed605-a3dd-4d5a-a692-a87037af107b" providerId="ADAL" clId="{F99F8FFF-BA20-43EA-924B-4DF5D2A785F3}" dt="2025-10-02T12:38:57.572" v="1" actId="6549"/>
-      <pc:docMkLst>
-        <pc:docMk/>
-      </pc:docMkLst>
-      <pc:sldChg chg="modSp mod">
-        <pc:chgData name="Weifeng Xu" userId="e7aed605-a3dd-4d5a-a692-a87037af107b" providerId="ADAL" clId="{F99F8FFF-BA20-43EA-924B-4DF5D2A785F3}" dt="2025-10-02T12:38:57.572" v="1" actId="6549"/>
-        <pc:sldMkLst>
-          <pc:docMk/>
-          <pc:sldMk cId="1783593539" sldId="274"/>
-        </pc:sldMkLst>
-        <pc:spChg chg="mod">
-          <ac:chgData name="Weifeng Xu" userId="e7aed605-a3dd-4d5a-a692-a87037af107b" providerId="ADAL" clId="{F99F8FFF-BA20-43EA-924B-4DF5D2A785F3}" dt="2025-10-02T12:38:57.572" v="1" actId="6549"/>
-          <ac:spMkLst>
-            <pc:docMk/>
-            <pc:sldMk cId="1783593539" sldId="274"/>
-            <ac:spMk id="9" creationId="{B78EE82E-AFD6-3A62-4FE9-DD348A53F6E7}"/>
-          </ac:spMkLst>
-        </pc:spChg>
-      </pc:sldChg>
-    </pc:docChg>
-  </pc:docChgLst>
-  <pc:docChgLst>
     <pc:chgData name="Weifeng Xu" userId="e7aed605-a3dd-4d5a-a692-a87037af107b" providerId="ADAL" clId="{30C724EF-4842-4D28-AD5E-F8ADBCCE7FC4}"/>
     <pc:docChg chg="undo custSel addSld delSld modSld">
       <pc:chgData name="Weifeng Xu" userId="e7aed605-a3dd-4d5a-a692-a87037af107b" providerId="ADAL" clId="{30C724EF-4842-4D28-AD5E-F8ADBCCE7FC4}" dt="2025-05-02T15:10:40.316" v="141" actId="1076"/>
@@ -1569,6 +1545,30 @@
           <pc:docMk/>
           <pc:sldMk cId="1572050356" sldId="277"/>
         </pc:sldMkLst>
+      </pc:sldChg>
+    </pc:docChg>
+  </pc:docChgLst>
+  <pc:docChgLst>
+    <pc:chgData name="Weifeng Xu" userId="e7aed605-a3dd-4d5a-a692-a87037af107b" providerId="ADAL" clId="{F99F8FFF-BA20-43EA-924B-4DF5D2A785F3}"/>
+    <pc:docChg chg="modSld">
+      <pc:chgData name="Weifeng Xu" userId="e7aed605-a3dd-4d5a-a692-a87037af107b" providerId="ADAL" clId="{F99F8FFF-BA20-43EA-924B-4DF5D2A785F3}" dt="2025-10-02T12:38:57.572" v="1" actId="6549"/>
+      <pc:docMkLst>
+        <pc:docMk/>
+      </pc:docMkLst>
+      <pc:sldChg chg="modSp mod">
+        <pc:chgData name="Weifeng Xu" userId="e7aed605-a3dd-4d5a-a692-a87037af107b" providerId="ADAL" clId="{F99F8FFF-BA20-43EA-924B-4DF5D2A785F3}" dt="2025-10-02T12:38:57.572" v="1" actId="6549"/>
+        <pc:sldMkLst>
+          <pc:docMk/>
+          <pc:sldMk cId="1783593539" sldId="274"/>
+        </pc:sldMkLst>
+        <pc:spChg chg="mod">
+          <ac:chgData name="Weifeng Xu" userId="e7aed605-a3dd-4d5a-a692-a87037af107b" providerId="ADAL" clId="{F99F8FFF-BA20-43EA-924B-4DF5D2A785F3}" dt="2025-10-02T12:38:57.572" v="1" actId="6549"/>
+          <ac:spMkLst>
+            <pc:docMk/>
+            <pc:sldMk cId="1783593539" sldId="274"/>
+            <ac:spMk id="9" creationId="{B78EE82E-AFD6-3A62-4FE9-DD348A53F6E7}"/>
+          </ac:spMkLst>
+        </pc:spChg>
       </pc:sldChg>
     </pc:docChg>
   </pc:docChgLst>
@@ -2189,7 +2189,7 @@
           <a:p>
             <a:fld id="{2A59A54D-A59E-4D85-AEC9-D5AFF867AB55}" type="datetimeFigureOut">
               <a:rPr lang="en-US" smtClean="0"/>
-              <a:t>10/2/2025</a:t>
+              <a:t>10/3/2025</a:t>
             </a:fld>
             <a:endParaRPr lang="en-US"/>
           </a:p>
@@ -3714,7 +3714,7 @@
           <a:p>
             <a:fld id="{4263717A-E3C1-4BED-ABE0-B7069385E023}" type="datetimeFigureOut">
               <a:rPr lang="en-US" smtClean="0"/>
-              <a:t>10/2/2025</a:t>
+              <a:t>10/3/2025</a:t>
             </a:fld>
             <a:endParaRPr lang="en-US"/>
           </a:p>
@@ -3887,7 +3887,7 @@
           <a:p>
             <a:fld id="{4263717A-E3C1-4BED-ABE0-B7069385E023}" type="datetimeFigureOut">
               <a:rPr lang="en-US" smtClean="0"/>
-              <a:t>10/2/2025</a:t>
+              <a:t>10/3/2025</a:t>
             </a:fld>
             <a:endParaRPr lang="en-US"/>
           </a:p>
@@ -4065,7 +4065,7 @@
           <a:p>
             <a:fld id="{4263717A-E3C1-4BED-ABE0-B7069385E023}" type="datetimeFigureOut">
               <a:rPr lang="en-US" smtClean="0"/>
-              <a:t>10/2/2025</a:t>
+              <a:t>10/3/2025</a:t>
             </a:fld>
             <a:endParaRPr lang="en-US"/>
           </a:p>
@@ -4233,7 +4233,7 @@
           <a:p>
             <a:fld id="{4263717A-E3C1-4BED-ABE0-B7069385E023}" type="datetimeFigureOut">
               <a:rPr lang="en-US" smtClean="0"/>
-              <a:t>10/2/2025</a:t>
+              <a:t>10/3/2025</a:t>
             </a:fld>
             <a:endParaRPr lang="en-US"/>
           </a:p>
@@ -4478,7 +4478,7 @@
           <a:p>
             <a:fld id="{4263717A-E3C1-4BED-ABE0-B7069385E023}" type="datetimeFigureOut">
               <a:rPr lang="en-US" smtClean="0"/>
-              <a:t>10/2/2025</a:t>
+              <a:t>10/3/2025</a:t>
             </a:fld>
             <a:endParaRPr lang="en-US"/>
           </a:p>
@@ -4707,7 +4707,7 @@
           <a:p>
             <a:fld id="{4263717A-E3C1-4BED-ABE0-B7069385E023}" type="datetimeFigureOut">
               <a:rPr lang="en-US" smtClean="0"/>
-              <a:t>10/2/2025</a:t>
+              <a:t>10/3/2025</a:t>
             </a:fld>
             <a:endParaRPr lang="en-US"/>
           </a:p>
@@ -5071,7 +5071,7 @@
           <a:p>
             <a:fld id="{4263717A-E3C1-4BED-ABE0-B7069385E023}" type="datetimeFigureOut">
               <a:rPr lang="en-US" smtClean="0"/>
-              <a:t>10/2/2025</a:t>
+              <a:t>10/3/2025</a:t>
             </a:fld>
             <a:endParaRPr lang="en-US"/>
           </a:p>
@@ -5188,7 +5188,7 @@
           <a:p>
             <a:fld id="{4263717A-E3C1-4BED-ABE0-B7069385E023}" type="datetimeFigureOut">
               <a:rPr lang="en-US" smtClean="0"/>
-              <a:t>10/2/2025</a:t>
+              <a:t>10/3/2025</a:t>
             </a:fld>
             <a:endParaRPr lang="en-US"/>
           </a:p>
@@ -5283,7 +5283,7 @@
           <a:p>
             <a:fld id="{4263717A-E3C1-4BED-ABE0-B7069385E023}" type="datetimeFigureOut">
               <a:rPr lang="en-US" smtClean="0"/>
-              <a:t>10/2/2025</a:t>
+              <a:t>10/3/2025</a:t>
             </a:fld>
             <a:endParaRPr lang="en-US"/>
           </a:p>
@@ -5558,7 +5558,7 @@
           <a:p>
             <a:fld id="{4263717A-E3C1-4BED-ABE0-B7069385E023}" type="datetimeFigureOut">
               <a:rPr lang="en-US" smtClean="0"/>
-              <a:t>10/2/2025</a:t>
+              <a:t>10/3/2025</a:t>
             </a:fld>
             <a:endParaRPr lang="en-US"/>
           </a:p>
@@ -5810,7 +5810,7 @@
           <a:p>
             <a:fld id="{4263717A-E3C1-4BED-ABE0-B7069385E023}" type="datetimeFigureOut">
               <a:rPr lang="en-US" smtClean="0"/>
-              <a:t>10/2/2025</a:t>
+              <a:t>10/3/2025</a:t>
             </a:fld>
             <a:endParaRPr lang="en-US"/>
           </a:p>
@@ -6029,7 +6029,7 @@
           <a:p>
             <a:fld id="{4263717A-E3C1-4BED-ABE0-B7069385E023}" type="datetimeFigureOut">
               <a:rPr lang="en-US" smtClean="0"/>
-              <a:t>10/2/2025</a:t>
+              <a:t>10/3/2025</a:t>
             </a:fld>
             <a:endParaRPr lang="en-US"/>
           </a:p>
@@ -15633,7 +15633,7 @@
             </a:r>
             <a:r>
               <a:rPr lang="en-US" dirty="0"/>
-              <a:t>−1</a:t>
+              <a:t>1</a:t>
             </a:r>
             <a:r>
               <a:rPr lang="en-US" dirty="0">
@@ -15653,7 +15653,7 @@
                   <a:srgbClr val="FF0000"/>
                 </a:solidFill>
               </a:rPr>
-              <a:t>(</a:t>
+              <a:t>(1/</a:t>
             </a:r>
             <a:r>
               <a:rPr lang="en-US" b="1" dirty="0">
@@ -15673,7 +15673,7 @@
             </a:r>
             <a:r>
               <a:rPr lang="en-US" dirty="0"/>
-              <a:t> −0</a:t>
+              <a:t> +0</a:t>
             </a:r>
             <a:r>
               <a:rPr lang="en-US" dirty="0">
@@ -15693,7 +15693,7 @@
                   <a:srgbClr val="FF0000"/>
                 </a:solidFill>
               </a:rPr>
-              <a:t>(</a:t>
+              <a:t>(1/</a:t>
             </a:r>
             <a:r>
               <a:rPr lang="en-US" b="1" dirty="0">
@@ -15713,7 +15713,7 @@
             </a:r>
             <a:r>
               <a:rPr lang="en-US" dirty="0"/>
-              <a:t>−0</a:t>
+              <a:t>0</a:t>
             </a:r>
             <a:r>
               <a:rPr lang="en-US" dirty="0">
@@ -15733,7 +15733,7 @@
                   <a:srgbClr val="FF0000"/>
                 </a:solidFill>
               </a:rPr>
-              <a:t>(</a:t>
+              <a:t>(1/</a:t>
             </a:r>
             <a:r>
               <a:rPr lang="en-US" b="1" dirty="0">
@@ -15774,8 +15774,8 @@
             <a:chExt cx="2028960" cy="1706040"/>
           </a:xfrm>
         </p:grpSpPr>
-        <mc:AlternateContent xmlns:mc="http://schemas.openxmlformats.org/markup-compatibility/2006">
-          <mc:Choice xmlns:p14="http://schemas.microsoft.com/office/powerpoint/2010/main" Requires="p14">
+        <mc:AlternateContent xmlns:mc="http://schemas.openxmlformats.org/markup-compatibility/2006" xmlns:p14="http://schemas.microsoft.com/office/powerpoint/2010/main">
+          <mc:Choice Requires="p14">
             <p:contentPart p14:bwMode="auto" r:id="rId3">
               <p14:nvContentPartPr>
                 <p14:cNvPr id="13" name="Ink 12">
@@ -15794,7 +15794,7 @@
               </p14:xfrm>
             </p:contentPart>
           </mc:Choice>
-          <mc:Fallback>
+          <mc:Fallback xmlns="">
             <p:pic>
               <p:nvPicPr>
                 <p:cNvPr id="13" name="Ink 12">
@@ -15825,8 +15825,8 @@
             </p:pic>
           </mc:Fallback>
         </mc:AlternateContent>
-        <mc:AlternateContent xmlns:mc="http://schemas.openxmlformats.org/markup-compatibility/2006">
-          <mc:Choice xmlns:p14="http://schemas.microsoft.com/office/powerpoint/2010/main" Requires="p14">
+        <mc:AlternateContent xmlns:mc="http://schemas.openxmlformats.org/markup-compatibility/2006" xmlns:p14="http://schemas.microsoft.com/office/powerpoint/2010/main">
+          <mc:Choice Requires="p14">
             <p:contentPart p14:bwMode="auto" r:id="rId5">
               <p14:nvContentPartPr>
                 <p14:cNvPr id="14" name="Ink 13">
@@ -15845,7 +15845,7 @@
               </p14:xfrm>
             </p:contentPart>
           </mc:Choice>
-          <mc:Fallback>
+          <mc:Fallback xmlns="">
             <p:pic>
               <p:nvPicPr>
                 <p:cNvPr id="14" name="Ink 13">
@@ -15876,8 +15876,8 @@
             </p:pic>
           </mc:Fallback>
         </mc:AlternateContent>
-        <mc:AlternateContent xmlns:mc="http://schemas.openxmlformats.org/markup-compatibility/2006">
-          <mc:Choice xmlns:p14="http://schemas.microsoft.com/office/powerpoint/2010/main" Requires="p14">
+        <mc:AlternateContent xmlns:mc="http://schemas.openxmlformats.org/markup-compatibility/2006" xmlns:p14="http://schemas.microsoft.com/office/powerpoint/2010/main">
+          <mc:Choice Requires="p14">
             <p:contentPart p14:bwMode="auto" r:id="rId7">
               <p14:nvContentPartPr>
                 <p14:cNvPr id="15" name="Ink 14">
@@ -15896,7 +15896,7 @@
               </p14:xfrm>
             </p:contentPart>
           </mc:Choice>
-          <mc:Fallback>
+          <mc:Fallback xmlns="">
             <p:pic>
               <p:nvPicPr>
                 <p:cNvPr id="15" name="Ink 14">
@@ -15927,8 +15927,8 @@
             </p:pic>
           </mc:Fallback>
         </mc:AlternateContent>
-        <mc:AlternateContent xmlns:mc="http://schemas.openxmlformats.org/markup-compatibility/2006">
-          <mc:Choice xmlns:p14="http://schemas.microsoft.com/office/powerpoint/2010/main" Requires="p14">
+        <mc:AlternateContent xmlns:mc="http://schemas.openxmlformats.org/markup-compatibility/2006" xmlns:p14="http://schemas.microsoft.com/office/powerpoint/2010/main">
+          <mc:Choice Requires="p14">
             <p:contentPart p14:bwMode="auto" r:id="rId9">
               <p14:nvContentPartPr>
                 <p14:cNvPr id="17" name="Ink 16">
@@ -15947,7 +15947,7 @@
               </p14:xfrm>
             </p:contentPart>
           </mc:Choice>
-          <mc:Fallback>
+          <mc:Fallback xmlns="">
             <p:pic>
               <p:nvPicPr>
                 <p:cNvPr id="17" name="Ink 16">
@@ -15978,8 +15978,8 @@
             </p:pic>
           </mc:Fallback>
         </mc:AlternateContent>
-        <mc:AlternateContent xmlns:mc="http://schemas.openxmlformats.org/markup-compatibility/2006">
-          <mc:Choice xmlns:p14="http://schemas.microsoft.com/office/powerpoint/2010/main" Requires="p14">
+        <mc:AlternateContent xmlns:mc="http://schemas.openxmlformats.org/markup-compatibility/2006" xmlns:p14="http://schemas.microsoft.com/office/powerpoint/2010/main">
+          <mc:Choice Requires="p14">
             <p:contentPart p14:bwMode="auto" r:id="rId11">
               <p14:nvContentPartPr>
                 <p14:cNvPr id="18" name="Ink 17">
@@ -15998,7 +15998,7 @@
               </p14:xfrm>
             </p:contentPart>
           </mc:Choice>
-          <mc:Fallback>
+          <mc:Fallback xmlns="">
             <p:pic>
               <p:nvPicPr>
                 <p:cNvPr id="18" name="Ink 17">
@@ -16029,8 +16029,8 @@
             </p:pic>
           </mc:Fallback>
         </mc:AlternateContent>
-        <mc:AlternateContent xmlns:mc="http://schemas.openxmlformats.org/markup-compatibility/2006">
-          <mc:Choice xmlns:p14="http://schemas.microsoft.com/office/powerpoint/2010/main" Requires="p14">
+        <mc:AlternateContent xmlns:mc="http://schemas.openxmlformats.org/markup-compatibility/2006" xmlns:p14="http://schemas.microsoft.com/office/powerpoint/2010/main">
+          <mc:Choice Requires="p14">
             <p:contentPart p14:bwMode="auto" r:id="rId13">
               <p14:nvContentPartPr>
                 <p14:cNvPr id="19" name="Ink 18">
@@ -16049,7 +16049,7 @@
               </p14:xfrm>
             </p:contentPart>
           </mc:Choice>
-          <mc:Fallback>
+          <mc:Fallback xmlns="">
             <p:pic>
               <p:nvPicPr>
                 <p:cNvPr id="19" name="Ink 18">

--- a/CYFI445/lectures/08_multiclass_classification_n_to_n_2hidden/0_ML_concepts_multiclass.pptx
+++ b/CYFI445/lectures/08_multiclass_classification_n_to_n_2hidden/0_ML_concepts_multiclass.pptx
@@ -5,7 +5,7 @@
     <p:sldMasterId id="2147483648" r:id="rId1"/>
   </p:sldMasterIdLst>
   <p:notesMasterIdLst>
-    <p:notesMasterId r:id="rId39"/>
+    <p:notesMasterId r:id="rId43"/>
   </p:notesMasterIdLst>
   <p:sldIdLst>
     <p:sldId id="256" r:id="rId2"/>
@@ -34,17 +34,21 @@
     <p:sldId id="274" r:id="rId25"/>
     <p:sldId id="269" r:id="rId26"/>
     <p:sldId id="272" r:id="rId27"/>
-    <p:sldId id="293" r:id="rId28"/>
-    <p:sldId id="294" r:id="rId29"/>
-    <p:sldId id="276" r:id="rId30"/>
-    <p:sldId id="277" r:id="rId31"/>
-    <p:sldId id="278" r:id="rId32"/>
-    <p:sldId id="280" r:id="rId33"/>
-    <p:sldId id="281" r:id="rId34"/>
-    <p:sldId id="282" r:id="rId35"/>
-    <p:sldId id="283" r:id="rId36"/>
-    <p:sldId id="284" r:id="rId37"/>
-    <p:sldId id="285" r:id="rId38"/>
+    <p:sldId id="295" r:id="rId28"/>
+    <p:sldId id="297" r:id="rId29"/>
+    <p:sldId id="298" r:id="rId30"/>
+    <p:sldId id="296" r:id="rId31"/>
+    <p:sldId id="293" r:id="rId32"/>
+    <p:sldId id="294" r:id="rId33"/>
+    <p:sldId id="276" r:id="rId34"/>
+    <p:sldId id="277" r:id="rId35"/>
+    <p:sldId id="278" r:id="rId36"/>
+    <p:sldId id="280" r:id="rId37"/>
+    <p:sldId id="281" r:id="rId38"/>
+    <p:sldId id="282" r:id="rId39"/>
+    <p:sldId id="283" r:id="rId40"/>
+    <p:sldId id="284" r:id="rId41"/>
+    <p:sldId id="285" r:id="rId42"/>
   </p:sldIdLst>
   <p:sldSz cx="12192000" cy="6858000"/>
   <p:notesSz cx="6858000" cy="9144000"/>
@@ -1288,6 +1292,30 @@
     </pc:docChg>
   </pc:docChgLst>
   <pc:docChgLst>
+    <pc:chgData name="Weifeng Xu" userId="e7aed605-a3dd-4d5a-a692-a87037af107b" providerId="ADAL" clId="{F99F8FFF-BA20-43EA-924B-4DF5D2A785F3}"/>
+    <pc:docChg chg="modSld">
+      <pc:chgData name="Weifeng Xu" userId="e7aed605-a3dd-4d5a-a692-a87037af107b" providerId="ADAL" clId="{F99F8FFF-BA20-43EA-924B-4DF5D2A785F3}" dt="2025-10-02T12:38:57.572" v="1" actId="6549"/>
+      <pc:docMkLst>
+        <pc:docMk/>
+      </pc:docMkLst>
+      <pc:sldChg chg="modSp mod">
+        <pc:chgData name="Weifeng Xu" userId="e7aed605-a3dd-4d5a-a692-a87037af107b" providerId="ADAL" clId="{F99F8FFF-BA20-43EA-924B-4DF5D2A785F3}" dt="2025-10-02T12:38:57.572" v="1" actId="6549"/>
+        <pc:sldMkLst>
+          <pc:docMk/>
+          <pc:sldMk cId="1783593539" sldId="274"/>
+        </pc:sldMkLst>
+        <pc:spChg chg="mod">
+          <ac:chgData name="Weifeng Xu" userId="e7aed605-a3dd-4d5a-a692-a87037af107b" providerId="ADAL" clId="{F99F8FFF-BA20-43EA-924B-4DF5D2A785F3}" dt="2025-10-02T12:38:57.572" v="1" actId="6549"/>
+          <ac:spMkLst>
+            <pc:docMk/>
+            <pc:sldMk cId="1783593539" sldId="274"/>
+            <ac:spMk id="9" creationId="{B78EE82E-AFD6-3A62-4FE9-DD348A53F6E7}"/>
+          </ac:spMkLst>
+        </pc:spChg>
+      </pc:sldChg>
+    </pc:docChg>
+  </pc:docChgLst>
+  <pc:docChgLst>
     <pc:chgData name="Weifeng Xu" userId="e7aed605-a3dd-4d5a-a692-a87037af107b" providerId="ADAL" clId="{30C724EF-4842-4D28-AD5E-F8ADBCCE7FC4}"/>
     <pc:docChg chg="undo custSel addSld delSld modSld">
       <pc:chgData name="Weifeng Xu" userId="e7aed605-a3dd-4d5a-a692-a87037af107b" providerId="ADAL" clId="{30C724EF-4842-4D28-AD5E-F8ADBCCE7FC4}" dt="2025-05-02T15:10:40.316" v="141" actId="1076"/>
@@ -1548,30 +1576,6 @@
       </pc:sldChg>
     </pc:docChg>
   </pc:docChgLst>
-  <pc:docChgLst>
-    <pc:chgData name="Weifeng Xu" userId="e7aed605-a3dd-4d5a-a692-a87037af107b" providerId="ADAL" clId="{F99F8FFF-BA20-43EA-924B-4DF5D2A785F3}"/>
-    <pc:docChg chg="modSld">
-      <pc:chgData name="Weifeng Xu" userId="e7aed605-a3dd-4d5a-a692-a87037af107b" providerId="ADAL" clId="{F99F8FFF-BA20-43EA-924B-4DF5D2A785F3}" dt="2025-10-02T12:38:57.572" v="1" actId="6549"/>
-      <pc:docMkLst>
-        <pc:docMk/>
-      </pc:docMkLst>
-      <pc:sldChg chg="modSp mod">
-        <pc:chgData name="Weifeng Xu" userId="e7aed605-a3dd-4d5a-a692-a87037af107b" providerId="ADAL" clId="{F99F8FFF-BA20-43EA-924B-4DF5D2A785F3}" dt="2025-10-02T12:38:57.572" v="1" actId="6549"/>
-        <pc:sldMkLst>
-          <pc:docMk/>
-          <pc:sldMk cId="1783593539" sldId="274"/>
-        </pc:sldMkLst>
-        <pc:spChg chg="mod">
-          <ac:chgData name="Weifeng Xu" userId="e7aed605-a3dd-4d5a-a692-a87037af107b" providerId="ADAL" clId="{F99F8FFF-BA20-43EA-924B-4DF5D2A785F3}" dt="2025-10-02T12:38:57.572" v="1" actId="6549"/>
-          <ac:spMkLst>
-            <pc:docMk/>
-            <pc:sldMk cId="1783593539" sldId="274"/>
-            <ac:spMk id="9" creationId="{B78EE82E-AFD6-3A62-4FE9-DD348A53F6E7}"/>
-          </ac:spMkLst>
-        </pc:spChg>
-      </pc:sldChg>
-    </pc:docChg>
-  </pc:docChgLst>
 </pc:chgInfo>
 </file>
 
@@ -1731,15 +1735,15 @@
           <inkml:channelProperty channel="F" name="resolution" value="0" units="1/dev"/>
         </inkml:channelProperties>
       </inkml:inkSource>
-      <inkml:timestamp xml:id="ts0" timeString="2025-10-02T21:09:47.315"/>
+      <inkml:timestamp xml:id="ts0" timeString="2025-10-04T14:15:14.548"/>
     </inkml:context>
     <inkml:brush xml:id="br0">
-      <inkml:brushProperty name="width" value="0.1" units="cm"/>
-      <inkml:brushProperty name="height" value="0.1" units="cm"/>
+      <inkml:brushProperty name="width" value="0.05" units="cm"/>
+      <inkml:brushProperty name="height" value="0.05" units="cm"/>
       <inkml:brushProperty name="color" value="#FF0066"/>
     </inkml:brush>
   </inkml:definitions>
-  <inkml:trace contextRef="#ctx0" brushRef="#br0">1009 25 24575,'-1'-1'0,"1"0"0,-1 0 0,1 0 0,0 0 0,-1 0 0,0 0 0,1 0 0,-1 0 0,0 0 0,1 0 0,-1 1 0,0-1 0,0 0 0,0 1 0,1-1 0,-1 0 0,0 1 0,0-1 0,0 1 0,0-1 0,0 1 0,0 0 0,0-1 0,0 1 0,-1 0 0,1 0 0,-1 0 0,-36-4 0,34 3 0,-170 0 0,92 2 0,62 0 0,1 1 0,0 1 0,-1 1 0,-35 12 0,37-8 0,1 0 0,0 1 0,-24 17 0,25-16 0,0 0 0,0-1 0,-31 13 0,16-12 0,0-2 0,-43 7 0,69-14 0,1 1 0,-1-1 0,1 1 0,0 0 0,-1 0 0,1 0 0,0 1 0,0 0 0,-6 5 0,-31 30 0,33-27 0,0 0 0,0 1 0,1-1 0,-7 18 0,-2 2 0,-10 11 0,19-33 0,1 0 0,0 0 0,1 1 0,0-1 0,1 1 0,0 0 0,0 0 0,1 1 0,0-1 0,1 1 0,-1 12 0,5 207 0,0-217 0,2 1 0,-1 0 0,2-1 0,0 0 0,0 0 0,1 0 0,1-1 0,0 1 0,1-2 0,0 1 0,1-1 0,0 0 0,1-1 0,0 0 0,0-1 0,14 10 0,-18-16 0,0 1 0,0-1 0,1-1 0,-1 1 0,1-1 0,0 0 0,8 1 0,-9-3 0,0 1 0,0 1 0,-1-1 0,1 1 0,-1 0 0,1 0 0,-1 1 0,0-1 0,0 1 0,0 0 0,6 6 0,-3-3 0,1 0 0,0 0 0,0-1 0,0 0 0,0 0 0,1-1 0,0 0 0,12 2 0,24 11 0,-30-11 0,0-1 0,0-1 0,25 4 0,1 0 0,-16-4 0,1-1 0,0-1 0,50-4 0,32 3 0,-47 10 0,-45-7 0,0-1 0,24 1 0,257-4 0,-288 0 0,-1-1 0,1 0 0,-1 0 0,0-1 0,1 0 0,-1-1 0,0 0 0,0 0 0,0-1 0,-1 0 0,1 0 0,-1-1 0,0 0 0,0-1 0,-1 0 0,0 0 0,0-1 0,0 1 0,-1-2 0,0 1 0,0-1 0,-1 1 0,8-16 0,28-50 0,-29 55 0,-1-1 0,-1 0 0,12-32 0,-15 29 0,-2 0 0,0-1 0,-1 1 0,-1-1 0,-1-44 0,-2 39 0,-6-44 0,4 61 0,-1 0 0,0 0 0,0 0 0,-1 1 0,-1-1 0,-10-18 0,-1 1 0,10 16 0,-1 0 0,-1 0 0,0 0 0,0 1 0,-11-10 0,13 17 0,0 0 0,-1 0 0,1 1 0,-1 0 0,0 0 0,0 1 0,0 0 0,0 0 0,-1 1 0,-8-1 0,-35-10 0,-15-11 0,-103-21 0,97 24-1365,55 17-5461</inkml:trace>
+  <inkml:trace contextRef="#ctx0" brushRef="#br0">1042 133 24575,'0'-1'0,"0"-1"0,0 1 0,-1-1 0,1 0 0,0 1 0,-1-1 0,1 1 0,-1-1 0,1 1 0,-1 0 0,0-1 0,1 1 0,-1-1 0,0 1 0,0 0 0,0 0 0,0 0 0,0-1 0,-3-1 0,1 2 0,0-1 0,0 0 0,0 0 0,0 1 0,0 0 0,-1 0 0,1 0 0,-7-1 0,-7 0 0,0 0 0,0 2 0,-18 1 0,16 0 0,2-1 0,0 0 0,-1 0 0,1 1 0,0 0 0,0 1 0,0 1 0,0 1 0,0 1 0,-23 9 0,11-2 0,20-8 0,1-1 0,-1 1 0,1 1 0,0-1 0,0 1 0,-13 12 0,-2 3 0,-22 24 0,41-40 0,0-1 0,0 1 0,0-1 0,0 0 0,-1 0 0,1-1 0,-1 0 0,0 1 0,1-1 0,-1-1 0,0 1 0,-6 0 0,4 0 0,0 0 0,0 1 0,1-1 0,-1 1 0,1 0 0,-9 6 0,-8 8 0,-1-1 0,-1 0 0,-27 11 0,46-24 0,1 1 0,-1 0 0,1 0 0,-1 1 0,1 0 0,0 0 0,1 0 0,-1 0 0,1 1 0,0-1 0,1 1 0,-5 8 0,4-6 0,0-1 0,-1 0 0,0 0 0,0 0 0,0-1 0,-13 12 0,12-13 0,1 0 0,0 0 0,0 0 0,1 1 0,0 0 0,0 0 0,-6 11 0,-21 52 0,12-23 0,-11 6 0,24-43 0,1-1 0,0 0 0,0 1 0,1 0 0,0 0 0,0 1 0,1-1 0,1 1 0,-1-1 0,-1 18 0,2 39 0,6 68 0,-2-122 0,1 0 0,0 0 0,0 0 0,10 19 0,6 24 0,-19-53 0,9 35 0,1 0 0,23 55 0,-26-76 0,-3-5 0,1-2 0,0 1 0,12 17 0,27 20 0,-34-38 0,-1 0 0,0 1 0,-1 0 0,0 0 0,7 13 0,-11-16 0,1 0 0,0-1 0,0 0 0,0 0 0,1 0 0,0-1 0,12 10 0,53 30 0,-34-23 0,-28-18 0,0 1 0,0-2 0,0 1 0,0-1 0,18 3 0,-15-3 0,-1 0 0,1 0 0,13 7 0,144 64 0,-95-49 0,-54-19 0,-1 0 0,31 15 0,-25-8 0,1-2 0,1-1 0,-1-1 0,50 10 0,119 12 0,-157-20 0,43 16 0,-58-17 0,1-2 0,0 0 0,0-2 0,0-1 0,47 5 0,-48-10 0,1 1 0,0 2 0,25 5 0,-4 2 0,0-1 0,1-3 0,74 1 0,-104-7 0,1 0 0,-1 0 0,1-1 0,16-4 0,-26 3 0,-1 0 0,0 0 0,0 0 0,-1-1 0,1 1 0,0-2 0,-1 1 0,0 0 0,0-1 0,0 0 0,6-7 0,6-5 0,-2-2 0,-1 0 0,0-1 0,-1 0 0,-1-1 0,-1-1 0,0 1 0,10-34 0,-11 10 0,-9 36 0,0 0 0,1 1 0,0-1 0,0 1 0,1 0 0,-1 0 0,2 0 0,5-10 0,-3 7 0,-1 0 0,0 0 0,-1-1 0,0 0 0,0 0 0,-1 0 0,0 0 0,-1 0 0,-1-1 0,0 1 0,0-20 0,1 1 0,7-32 0,-5 44 0,-1 0 0,1-18 0,-7-114 0,0 127 0,0 0 0,-2 1 0,0-1 0,-13-31 0,-4-17 0,19 55 0,-2 1 0,0-1 0,0 1 0,-2 0 0,-14-26 0,14 30 0,2 0 0,-1 0 0,1-1 0,-4-14 0,-15-32 0,-11-3 0,19 37 0,2-1 0,-19-45 0,26 50 0,-1 0 0,-1 1 0,0 0 0,-2 1 0,0 0 0,-21-25 0,-6-8 0,27 36 0,0 0 0,-17-18 0,-48-50 0,64 72 0,-1 1 0,0 1 0,0 0 0,-1 1 0,0 0 0,0 1 0,-1 1 0,-29-9 0,-37-18 0,61 25 0,-1 1 0,0 0 0,-40-7 0,36 10 0,0-2 0,-30-12 0,38 13 0,-1 0 0,1 1 0,-1 1 0,0 1 0,0 0 0,0 2 0,-32 2 0,-43-3 0,33-10 0,43 8 0,1 0 0,-24-2 0,-136 6-1365,157-1-5461</inkml:trace>
 </inkml:ink>
 </file>
 
@@ -1759,15 +1763,15 @@
           <inkml:channelProperty channel="F" name="resolution" value="0" units="1/dev"/>
         </inkml:channelProperties>
       </inkml:inkSource>
-      <inkml:timestamp xml:id="ts0" timeString="2025-10-02T21:09:49.221"/>
+      <inkml:timestamp xml:id="ts0" timeString="2025-10-04T14:15:16.867"/>
     </inkml:context>
     <inkml:brush xml:id="br0">
-      <inkml:brushProperty name="width" value="0.1" units="cm"/>
-      <inkml:brushProperty name="height" value="0.1" units="cm"/>
+      <inkml:brushProperty name="width" value="0.05" units="cm"/>
+      <inkml:brushProperty name="height" value="0.05" units="cm"/>
       <inkml:brushProperty name="color" value="#FF0066"/>
     </inkml:brush>
   </inkml:definitions>
-  <inkml:trace contextRef="#ctx0" brushRef="#br0">1 1 24575,'8'1'0,"0"0"0,0 0 0,1 1 0,-1 0 0,0 0 0,-1 1 0,1 0 0,0 0 0,-1 1 0,0 0 0,0 1 0,0-1 0,0 1 0,-1 1 0,0-1 0,0 1 0,0 0 0,-1 0 0,6 8 0,1 0 0,1-1 0,14 11 0,-21-19 0,0 0 0,0-1 0,1 0 0,0 0 0,9 4 0,23 14 0,-26-11 0,0 1 0,14 18 0,-16-18 0,1 0 0,23 20 0,-16-16 0,-2 0 0,0 2 0,-1 0 0,0 1 0,23 39 0,-21-31 0,1-1 0,34 37 0,-16-15 0,-4-5 0,19 19 0,-20-24 0,41 44 0,-69-77 0,1 1 0,-1 0 0,1 0 0,-2 0 0,1 0 0,-1 1 0,4 8 0,-4-6 0,1-1 0,0 0 0,11 15 0,22 23 0,57 96 0,-79-119 0,29 38 0,-7-12 0,-33-42 0,-1 0 0,0 0 0,0 0 0,0 1 0,-1-1 0,0 1 0,-1 0 0,2 10 0,-2-8 0,1 0 0,0 0 0,1 0 0,5 15 0,27 57 0,-24-52 0,2 0 0,18 31 0,-26-50 0,0 1 0,0 0 0,-1-1 0,-1 1 0,0 1 0,-1-1 0,2 21 0,5 23 0,-2-8 0,-6-37 0,0-1 0,1 0 0,0 1 0,1-1 0,0 0 0,1 0 0,8 17 0,-3-8 0,-1-1 0,0 2 0,-2-1 0,0 1 0,4 30 0,-4-20 0,14 41 0,-14-53 0,-2 0 0,4 26 0,-5-26 0,0-1 0,1 0 0,7 18 0,10 18 0,25 103 0,-23-42 0,-19-91 0,1-1 0,0 1 0,2-1 0,0 0 0,20 40 0,-10-32 0,26 64 0,-38-78 0,0 1 0,-1-1 0,-1 1 0,0 0 0,-1 0 0,-1 18 0,-1 0 0,2 1 0,9 55 0,12 55 0,-21-140 0,-1-3 0,0 1 0,0-1 0,0 1 0,-1-1 0,1 1 0,-1 0 0,1-1 0,-1 1 0,0-1 0,-1 1 0,1 0 0,-2 5 0,2-9-36,-1 0 0,1 0 0,0 0 0,-1 0 0,1 0 0,-1 0 0,1 0 0,0 0 0,-1 0 0,1 0 1,0 0-1,-1 0 0,1 0 0,0-1 0,-1 1 0,1 0 0,0 0 0,0 0 0,-1-1 0,1 1 0,0 0 0,0 0 0,-1-1 0,1 1 0,0 0 0,0 0 0,0-1 0,-1 1 0,1 0 0,0-1 0,0 1 0,0 0 0,0-1 0,0 1 0,0-1 0</inkml:trace>
+  <inkml:trace contextRef="#ctx0" brushRef="#br0">1 17 24575,'46'-16'0,"-39"15"0,-1 2 0,1-1 0,0 1 0,0 0 0,0 1 0,-1-1 0,1 1 0,-1 1 0,10 4 0,57 33 0,-54-28 0,-11-6 0,0 0 0,0 1 0,0 0 0,8 11 0,-11-13 0,-1 1 0,1-1 0,0 0 0,0-1 0,0 1 0,1-1 0,0 0 0,-1-1 0,1 1 0,1-1 0,8 4 0,5-2 0,-1 1 0,0 1 0,0 1 0,-1 1 0,0 1 0,21 14 0,-23-15 0,0 0 0,1-2 0,28 10 0,-25-10 0,40 20 0,-19-5 0,2 0 0,0-3 0,74 22 0,-79-28 0,66 32 0,-75-31 0,56 23 0,-72-31 0,0-1 0,1 0 0,-1-1 0,1 0 0,18 2 0,-13-3 0,0 2 0,21 7 0,86 26 0,-43-15 0,-36-9 0,1-3 0,76 7 0,-100-14-1253,0 1 0,-1 1-1,27 11 1,23 6-1997,-23-14 4622,17 2 4493,33 11-4535,42 8-1634,100 15 304,-118-7 0,-49-13 0,-49-17 0,1-2 0,0 0 0,0-2 0,1-1 0,37 0 0,-38-2 0,0 2 0,-1 1 0,48 13 0,15 2 0,-43-10 0,-27-4 0,-1-2 0,30 2 0,-12-2 0,0 1 0,43 11 0,-46-7 0,1-2 0,58 2 0,114 5 0,-94-3 0,-21 0-979,27 1-463,-88-9 1429,38 7-1,-40-4 0,48 2 0,-38-5 841,46 8-1,-8 0-3,-6 0-823,-40-5 0,48 2 0,-24-4 0,87 16 0,-90-10 0,100 4 0,-101-14-35,41 0-302,131 15 0,-87-6 337,-93-8 0,62 10 0,69 7-672,-44-7 245,23-1 349,24 4 153,-132-8 369,62-1 1,-62-4-36,60 8-1,-51-2-353,64-2-1,-2 0-58,-53 7 4,-46-7 0,1-2 0,23 3 0,-11-5 0,1 2 0,49 9 0,-39-5 0,0-2 0,1-1 0,72-6 0,-25 1 0,648 2-722,-706-1 722,48-9 0,-47 5 0,44-2 0,-60 6 0,0 0 0,26-7 0,21-2 0,70-12 722,-103 19-722,1 0 0,-1-2 0,33-10 0,-48 10 0,-1-1 0,19-11 0,15-6 0,-41 20 0,1-1 0,-1 1 0,0-1 0,0-1 0,0 1 0,0-1 0,-1 0 0,0-1 0,0 1 0,-1-1 0,5-7 0,8-12 0,16-38 0,-28 54 0,-3 4 0,5-7 0,-1 0 0,-1 0 0,0 0 0,4-18 0,-9 26 0,1 0 0,-1 0 0,1 0 0,-1-1 0,-1 1 0,1 0 0,0 0 0,-1 0 0,0 0 0,0 0 0,0 0 0,-1 0 0,1 0 0,-1 0 0,0 0 0,0 1 0,-5-7 0,-2-4-1365,2 2-5461</inkml:trace>
 </inkml:ink>
 </file>
 
@@ -1787,15 +1791,15 @@
           <inkml:channelProperty channel="F" name="resolution" value="0" units="1/dev"/>
         </inkml:channelProperties>
       </inkml:inkSource>
-      <inkml:timestamp xml:id="ts0" timeString="2025-10-02T21:09:50.511"/>
+      <inkml:timestamp xml:id="ts0" timeString="2025-10-04T14:15:18.322"/>
     </inkml:context>
     <inkml:brush xml:id="br0">
-      <inkml:brushProperty name="width" value="0.1" units="cm"/>
-      <inkml:brushProperty name="height" value="0.1" units="cm"/>
+      <inkml:brushProperty name="width" value="0.05" units="cm"/>
+      <inkml:brushProperty name="height" value="0.05" units="cm"/>
       <inkml:brushProperty name="color" value="#FF0066"/>
     </inkml:brush>
   </inkml:definitions>
-  <inkml:trace contextRef="#ctx0" brushRef="#br0">0 41 24575,'3'2'0,"0"-1"0,0 1 0,-1 0 0,1 1 0,-1-1 0,0 0 0,1 1 0,-1 0 0,0-1 0,0 1 0,-1 0 0,3 4 0,4 6 0,37 38 0,17 25 0,-59-74 0,-1 1 0,1 0 0,-1-1 0,1 0 0,0 1 0,0-1 0,0 0 0,0 0 0,1-1 0,-1 1 0,0-1 0,1 1 0,-1-1 0,1 0 0,-1-1 0,1 1 0,-1 0 0,5-1 0,-3 1 0,1-1 0,-1 2 0,0-1 0,0 0 0,0 1 0,0 0 0,9 5 0,-7-3 0,0 0 0,1 0 0,-1 0 0,1-1 0,0 0 0,0-1 0,1 0 0,-1 0 0,0 0 0,1-1 0,-1-1 0,0 1 0,1-2 0,-1 1 0,1-1 0,-1 0 0,0-1 0,1 1 0,-1-2 0,0 1 0,0-1 0,0-1 0,-1 1 0,1-1 0,-1-1 0,11-7 0,74-58 0,-83 63 0,0 0 0,0 1 0,1 0 0,15-8 0,-17 11 0,-1 0 0,-1 0 0,1-1 0,0 0 0,-1-1 0,0 0 0,0 1 0,0-2 0,-1 1 0,1-1 0,8-12 0,-5 4-48,0 0 0,17-18 1,-13 16-1175</inkml:trace>
+  <inkml:trace contextRef="#ctx0" brushRef="#br0">1 0 24575,'421'0'0,"-418"0"0,1 0 0,0 0 0,-1 1 0,1-1 0,-1 1 0,1-1 0,-1 1 0,0 0 0,1 0 0,-1 1 0,0-1 0,1 1 0,-1-1 0,0 1 0,0 0 0,-1 0 0,1 1 0,0-1 0,-1 1 0,1-1 0,-1 1 0,0 0 0,1 0 0,-2 0 0,1 0 0,0 0 0,0 0 0,-1 0 0,0 1 0,0-1 0,0 0 0,1 5 0,6 19 0,1 0 0,-1 1 0,-2-1 0,-1 1 0,4 54 0,-9-71 0,1 0 0,-1 0 0,0 0 0,-1 0 0,0 0 0,0 0 0,-1 0 0,-1 0 0,0 0 0,0-1 0,-1 0 0,-6 12 0,7-16 0,0-1 0,0 0 0,-1 0 0,0 0 0,0 0 0,0-1 0,0 1 0,-1-1 0,0 0 0,0-1 0,-9 6 0,10-7 0,-1 0 0,0-1 0,1 1 0,-1-1 0,0-1 0,0 1 0,0-1 0,0 0 0,0 0 0,1 0 0,-1 0 0,0-1 0,0 0 0,0 0 0,-6-3 0,-36-17-1365,34 14-5461</inkml:trace>
 </inkml:ink>
 </file>
 
@@ -1815,15 +1819,15 @@
           <inkml:channelProperty channel="F" name="resolution" value="0" units="1/dev"/>
         </inkml:channelProperties>
       </inkml:inkSource>
-      <inkml:timestamp xml:id="ts0" timeString="2025-10-02T21:09:52.417"/>
+      <inkml:timestamp xml:id="ts0" timeString="2025-10-04T14:15:20.946"/>
     </inkml:context>
     <inkml:brush xml:id="br0">
-      <inkml:brushProperty name="width" value="0.1" units="cm"/>
-      <inkml:brushProperty name="height" value="0.1" units="cm"/>
+      <inkml:brushProperty name="width" value="0.05" units="cm"/>
+      <inkml:brushProperty name="height" value="0.05" units="cm"/>
       <inkml:brushProperty name="color" value="#FF0066"/>
     </inkml:brush>
   </inkml:definitions>
-  <inkml:trace contextRef="#ctx0" brushRef="#br0">344 119 24575,'-15'0'0,"0"0"0,0 1 0,0 1 0,0 1 0,0 0 0,1 0 0,-16 8 0,23-9 0,1 1 0,0 1 0,0-1 0,0 1 0,0 0 0,1 0 0,-1 1 0,1 0 0,0 0 0,1 0 0,-1 0 0,1 1 0,0 0 0,0 0 0,1 0 0,0 0 0,-4 10 0,-3 9 0,-2-1 0,-18 28 0,21-38 0,1-1 0,0 1 0,1 0 0,0 1 0,1-1 0,1 1 0,0 1 0,1-1 0,-3 25 0,9 212 0,-1-244 0,1 0 0,0-1 0,1 0 0,-1 1 0,1-1 0,1 0 0,0-1 0,-1 1 0,2-1 0,-1 1 0,8 7 0,-6-7 0,-1 0 0,1 0 0,-2 1 0,1-1 0,-1 1 0,0 0 0,4 13 0,-3-3 0,1 0 0,1 0 0,1-1 0,0 0 0,1 0 0,1-1 0,0 0 0,23 25 0,-30-37 0,2 2 0,0 0 0,1 0 0,0 0 0,0 0 0,0-1 0,1 0 0,-1-1 0,1 1 0,0-1 0,1 0 0,12 4 0,9-1 0,0-1 0,1-1 0,-1-2 0,59-1 0,-58-2 0,-18 1 0,0 0 0,0-1 0,0-1 0,0 0 0,0-1 0,0 0 0,-1-1 0,1 0 0,-1-1 0,21-9 0,-4-6 0,-2-1 0,0-1 0,-2-1 0,36-40 0,-11 11 0,-43 43 0,0 0 0,0-1 0,-1 1 0,0-1 0,0 0 0,-1 0 0,-1-1 0,0 1 0,0-1 0,3-17 0,14-42 0,-15 58 0,-2 0 0,0-1 0,0 0 0,-1 0 0,0 0 0,0-12 0,-4-78 0,-1 40 0,5-47 0,-4-102 0,0 201 0,0 1 0,0-1 0,-1 1 0,0 0 0,0 0 0,-1 0 0,0 0 0,-1 1 0,0-1 0,-7-9 0,3 7 0,0 0 0,0 1 0,-1 0 0,-1 1 0,0 0 0,-17-11 0,20 16-76,0 1 0,-1 0 0,1 0 0,-1 1 0,1 0-1,-1 1 1,0 0 0,0 0 0,0 1 0,-15 1 0,16-1-452,-12 1-6298</inkml:trace>
+  <inkml:trace contextRef="#ctx0" brushRef="#br0">797 0 24575,'-15'0'0,"-1"1"0,1 0 0,0 1 0,0 0 0,1 2 0,-1 0 0,0 0 0,1 1 0,0 1 0,-16 9 0,19-9 0,0-1 0,-1 0 0,-19 5 0,17-6 0,1 0 0,-22 12 0,23-11 0,0 0 0,-1-1 0,1-1 0,-1 0 0,-15 2 0,-5 1 0,15-2 0,7-2 0,0 0 0,1 0 0,-1 1 0,1 1 0,0 0 0,0 0 0,0 1 0,0 0 0,-9 7 0,11-6 0,-1 0 0,0-1 0,-16 7 0,20-10 0,0 0 0,1 0 0,-1 0 0,0 1 0,1-1 0,0 1 0,-1 0 0,1 1 0,0-1 0,1 0 0,-1 1 0,1 0 0,-1 0 0,1 0 0,0 1 0,1-1 0,-5 9 0,1 1 0,-1 0 0,0-1 0,-16 21 0,15-22 0,0-1 0,1 1 0,0 1 0,-8 20 0,9-13 0,0 1 0,2 0 0,0 0 0,1 0 0,1 1 0,2 25 0,-1-31 0,2 1 0,0-1 0,1 0 0,1 0 0,0 0 0,1 0 0,1 0 0,0-1 0,1 1 0,1-1 0,1-1 0,9 16 0,-8-17 0,-3-3 0,1-1 0,0 0 0,0 0 0,1-1 0,13 12 0,-4-6 0,2-1 0,0 0 0,0-2 0,1 0 0,23 9 0,28 17 0,-56-29 0,-1 0 0,1 0 0,1-1 0,-1-1 0,20 5 0,-24-8 0,0 0 0,0 1 0,13 7 0,-16-7 0,0 0 0,0-1 0,0 0 0,1 0 0,-1-1 0,18 3 0,10-1 0,-1 3 0,0 1 0,0 1 0,41 17 0,-44-13 0,1-3 0,0 0 0,0-2 0,60 6 0,-74-12 0,-1 1 0,0 1 0,0 0 0,19 8 0,29 7 0,66 17 0,-55-14 0,-53-16 0,39 3 0,-5-2 0,0 0 0,-1-3 0,100-5 0,-52-1 0,-5 0 0,108 5 0,-148 8 0,-45-7 0,1-1 0,26 2 0,306-4 0,-165-3 0,-170 1 0,1-1 0,-1 0 0,1-2 0,-1 1 0,0-1 0,0-1 0,0 0 0,20-13 0,-19 11 0,0 0 0,0 0 0,1 2 0,0 0 0,0 0 0,24-3 0,-12 5 0,0-1 0,-1-2 0,0 0 0,29-12 0,-51 16 0,-1 0 0,0 1 0,0-1 0,-1-1 0,1 1 0,0 0 0,-1-1 0,1 1 0,-1-1 0,0 0 0,0 0 0,0 1 0,3-7 0,19-49 0,-6 14 0,-11 29 0,0 0 0,0 0 0,-2 0 0,0-1 0,5-29 0,-9 37 0,0-1 0,0 1 0,-1-1 0,0 0 0,-1 1 0,0-1 0,0 0 0,-1 1 0,0 0 0,0-1 0,-1 1 0,-6-13 0,2 7 0,2 0 0,0-1 0,0 0 0,-2-17 0,3 13 0,-1 1 0,-10-24 0,5 21 0,-2 0 0,0 1 0,-18-21 0,13 17 0,-55-72 0,69 91 0,0-1 0,1 1 0,0 0 0,-1-1 0,-1-8 0,3 9 0,0 0 0,-1 1 0,0-1 0,0 1 0,0-1 0,0 1 0,0 0 0,-1 0 0,-4-6 0,-10-5 0,1 1 0,-2 1 0,-30-19 0,23 17 0,-29-25 0,38 30 0,0 0 0,0 2 0,-1-1 0,0 2 0,0 0 0,-22-5 0,20 8 0,-36-5 0,-3 0 0,29 4 0,-45-3 0,-14-1 0,31 2 0,1 3 0,-103 4 0,55 3 0,-801-3 0,889 0-183,0 2 0,-30 7 0,36-7-633,-9 2-6010</inkml:trace>
 </inkml:ink>
 </file>
 
@@ -1843,15 +1847,15 @@
           <inkml:channelProperty channel="F" name="resolution" value="0" units="1/dev"/>
         </inkml:channelProperties>
       </inkml:inkSource>
-      <inkml:timestamp xml:id="ts0" timeString="2025-10-02T21:09:54.395"/>
+      <inkml:timestamp xml:id="ts0" timeString="2025-10-04T14:15:25.967"/>
     </inkml:context>
     <inkml:brush xml:id="br0">
-      <inkml:brushProperty name="width" value="0.1" units="cm"/>
-      <inkml:brushProperty name="height" value="0.1" units="cm"/>
+      <inkml:brushProperty name="width" value="0.05" units="cm"/>
+      <inkml:brushProperty name="height" value="0.05" units="cm"/>
       <inkml:brushProperty name="color" value="#FF0066"/>
     </inkml:brush>
   </inkml:definitions>
-  <inkml:trace contextRef="#ctx0" brushRef="#br0">3111 1 24575,'-49'17'0,"36"-13"0,-1 1 0,1 1 0,1 0 0,-1 0 0,1 1 0,0 1 0,1 0 0,-14 12 0,-12 7 0,32-23 0,1 1 0,-1-1 0,1 1 0,-1 0 0,2 1 0,-1-1 0,0 1 0,1-1 0,0 1 0,1 0 0,-1 0 0,-1 9 0,1-7 0,0 0 0,-1 1 0,0-1 0,0-1 0,-1 1 0,-6 8 0,-15 13 0,-53 67 0,59-68 0,13-16 0,-1 0 0,0-1 0,-1 0 0,0 0 0,-1-1 0,-11 9 0,16-15 0,0 1 0,1 0 0,-1 0 0,1 1 0,0-1 0,0 1 0,1 0 0,-1 0 0,1 0 0,-4 12 0,-17 30 0,-6 2 0,23-37 0,0 0 0,-1-1 0,0 0 0,-1-1 0,0 0 0,-18 17 0,8-11 0,1 1 0,0 0 0,2 2 0,0 0 0,-15 26 0,28-43 0,-34 36 0,7-8 0,6-6 0,0 0 0,-46 33 0,32-26 0,3 5 0,28-29 0,0 0 0,0 0 0,0-1 0,-10 7 0,-5 3 0,2 2 0,-35 38 0,-1 2 0,22-22 0,26-27 0,-1 0 0,0-1 0,-19 16 0,7-11 0,2 1 0,0 1 0,0 1 0,-23 28 0,37-39 0,-1 0 0,0-1 0,0 0 0,0 0 0,-1 0 0,-7 3 0,7-4 0,0 1 0,0-1 0,1 2 0,-1-1 0,-7 9 0,11-11 0,-8 11 0,0 0 0,-1-1 0,-1-1 0,0 0 0,-25 18 0,27-23 0,2 1 0,-1 0 0,1 0 0,-10 13 0,12-13 0,0 0 0,0-1 0,-1 0 0,0 0 0,-1-1 0,-12 8 0,5-6 0,6-3 0,0-1 0,0 2 0,0-1 0,1 1 0,0 1 0,0 0 0,1 0 0,0 1 0,-8 9 0,6-4 0,0-2 0,0 1 0,-1-2 0,-1 1 0,-12 8 0,9-7 0,1 0 0,-21 24 0,25-25 0,-1 1 0,-1-1 0,0-1 0,-20 14 0,15-13 0,1 1 0,-17 17 0,-7 4 0,-109 93 0,54-45 0,57-50 0,8 0 0,26-25 0,0-1 0,-1 0 0,0 0 0,0 0 0,0-1 0,-9 6 0,2-3 0,0 1 0,0 0 0,1 0 0,1 1 0,-1 0 0,1 1 0,1 0 0,0 1 0,-13 20 0,17-25 0,0 0 0,-1 0 0,0-1 0,0 1 0,0-1 0,-11 6 0,10-6 0,-1 0 0,1 1 0,1-1 0,-1 2 0,-7 7 0,0 6 0,-9 11 0,-46 47 0,62-70 0,0 1 0,0 0 0,1 0 0,-6 10 0,-10 17 0,-7 9 0,21-31 0,-1 0 0,-15 19 0,20-28-114,0 0 1,0 0-1,-1-1 0,1 0 0,-1 1 1,0-2-1,0 1 0,0-1 0,0 1 1,-1-1-1,-11 4 0,1-4-6712</inkml:trace>
+  <inkml:trace contextRef="#ctx0" brushRef="#br0">361 1 24575,'2'0'0,"-1"0"0,1 0 0,0 1 0,-1-1 0,1 1 0,-1-1 0,1 1 0,-1 0 0,1 0 0,-1 0 0,1-1 0,-1 1 0,0 1 0,1-1 0,-1 0 0,0 0 0,0 0 0,0 1 0,0-1 0,0 0 0,0 1 0,0-1 0,-1 1 0,1-1 0,0 1 0,0 1 0,0 0 0,-1-1 0,1 0 0,0 0 0,-1 1 0,0-1 0,1 1 0,-1-1 0,0 0 0,0 1 0,0-1 0,0 0 0,-1 1 0,1-1 0,-1 1 0,1-1 0,-1 0 0,-1 4 0,-28 33 0,23-31 0,0 1 0,0 0 0,1 0 0,0 1 0,-5 12 0,3-3 0,-1-2 0,0 1 0,-2-1 0,0 0 0,-1-1 0,0 0 0,-24 22 0,0 9 0,6-6 0,24-34 0,1 0 0,0 0 0,0 1 0,1 0 0,-6 16 0,-9 16 0,17-38-52,0 0-1,-1 1 1,1-1-1,0 0 1,-1 0-1,1-1 1,-1 1-1,1 0 1,-1-1-1,0 1 1,0-1-1,0 0 1,0 0-1,0 0 1,0-1-1,0 1 1,0-1-1,0 1 1,0-1-1,0 0 1,0 0-1,0 0 0,-1-1 1,1 1-1,-4-2 1,-7-3-6774</inkml:trace>
 </inkml:ink>
 </file>
 
@@ -1871,15 +1875,15 @@
           <inkml:channelProperty channel="F" name="resolution" value="0" units="1/dev"/>
         </inkml:channelProperties>
       </inkml:inkSource>
-      <inkml:timestamp xml:id="ts0" timeString="2025-10-02T21:09:55.537"/>
+      <inkml:timestamp xml:id="ts0" timeString="2025-10-04T14:15:26.679"/>
     </inkml:context>
     <inkml:brush xml:id="br0">
-      <inkml:brushProperty name="width" value="0.1" units="cm"/>
-      <inkml:brushProperty name="height" value="0.1" units="cm"/>
+      <inkml:brushProperty name="width" value="0.05" units="cm"/>
+      <inkml:brushProperty name="height" value="0.05" units="cm"/>
       <inkml:brushProperty name="color" value="#FF0066"/>
     </inkml:brush>
   </inkml:definitions>
-  <inkml:trace contextRef="#ctx0" brushRef="#br0">1 0 24575,'2'0'0,"1"1"0,0-1 0,0 0 0,-1 1 0,1-1 0,0 1 0,-1 0 0,1 0 0,-1 0 0,1 0 0,-1 0 0,1 1 0,-1-1 0,0 1 0,0-1 0,1 1 0,-1 0 0,-1 0 0,1 0 0,0 0 0,0 0 0,-1 1 0,1-1 0,1 4 0,2 5 0,0 1 0,-1 0 0,-1 0 0,4 16 0,5 19 0,-1-22 0,1 0 0,25 37 0,14 30 0,-9 6 0,-41-95 0,1 0 0,-1 0 0,1-1 0,-1 1 0,1 0 0,0-1 0,0 0 0,0 1 0,0-1 0,1 0 0,-1 0 0,0 0 0,1 0 0,0 0 0,-1-1 0,1 1 0,0-1 0,0 0 0,0 0 0,0 0 0,0 0 0,0 0 0,0-1 0,4 1 0,9 1 0,1-2 0,-1 1 0,26-4 0,-9 0 0,320 2 25,-202 1-1415,-131 0-5436</inkml:trace>
+  <inkml:trace contextRef="#ctx0" brushRef="#br0">1 1 24575,'8'0'-852,"34"0"-1061,-33 1 2192,0 0 1,0 0-1,0 0 0,0 1 1,0 1-1,0-1 1,0 1-1,9 5 0,44 16-4,-48-19-279,0 0-1,0 0 0,-1 1 0,16 10 0,1 3 5,-17-11 0,1 1 0,-1 0 0,13 13 0,-19-16 0,0-1 0,0 0 0,0-1 0,0 0 0,14 6 0,-12-6 0,-1 0 0,1 0 0,-1 1 0,12 10 0,-8-5 0,0-1 0,1 0 0,0-1 0,0 0 0,1-1 0,20 8 0,-32-15-136,0 1-1,0 0 1,0 0-1,0 0 1,0 0-1,0 1 1,0-1-1,-1 0 0,4 4 1</inkml:trace>
 </inkml:ink>
 </file>
 
@@ -1908,6 +1912,258 @@
     </inkml:brush>
   </inkml:definitions>
   <inkml:trace contextRef="#ctx0" brushRef="#br0">0 3955 24575,'5'1'0,"0"0"0,-1 0 0,0 1 0,1-1 0,-1 1 0,0 0 0,0 0 0,0 0 0,0 1 0,0-1 0,0 1 0,-1 0 0,1 0 0,4 6 0,11 7 0,140 113 0,-154-124 0,1 0 0,-1 1 0,0-1 0,-1 1 0,1 0 0,-1 1 0,0-1 0,-1 1 0,5 10 0,-6-11 0,1 0 0,-1 0 0,1 0 0,1-1 0,-1 1 0,1-1 0,0 0 0,0 0 0,1 0 0,0 0 0,-1-1 0,11 8 0,29 10 0,-15-7 0,51 33 0,-62-36 0,37 19 0,-37-22 0,-1 0 0,26 20 0,68 43 0,-93-59 0,1 0 0,1-2 0,0 0 0,40 14 0,-51-21 0,-1 0 0,0 0 0,0 1 0,-1 0 0,1 0 0,-1 1 0,0 0 0,7 8 0,-6-6 0,0 0 0,1-1 0,1 0 0,12 8 0,20 8 0,-27-14 0,0 0 0,1-1 0,0-1 0,29 9 0,-29-11 0,0 1 0,0 1 0,-1 0 0,18 12 0,-16-9 0,0-1 0,28 11 0,-21-11 0,35 20 0,-8-4 0,-37-20 0,0 0 0,1-1 0,0 0 0,25 2 0,-24-4 0,-10-1 0,-1 1 0,1 0 0,-1 0 0,0 0 0,1 0 0,-1 1 0,-1 0 0,7 5 0,-5-4 0,1 0 0,-1-1 0,0 1 0,11 3 0,14 4 0,45 24 0,5 2 0,-63-29 0,0-1 0,1-1 0,0-1 0,0-1 0,0 0 0,39 1 0,-28-4 0,-1 0 0,1 2 0,34 8 0,-10 2 0,0-3 0,0-2 0,83 2 0,456-11 0,-405 15 0,-5 1 0,-151-12 0,0 1 0,0 1 0,44 14 0,-76-19 0,40 8 0,1-1 0,0-3 0,0-1 0,55-4 0,61 5 0,-89 9 0,-50-9 0,0 0 0,20 1 0,323-2 0,-186-5 0,559 2 0,-706-2 0,0 0 0,33-8 0,-31 4 0,48-3 0,-57 8 0,0-2 0,25-6 0,-23 4 0,36-4 0,-44 8 0,-1-2 0,1 0 0,-1 0 0,0-2 0,21-8 0,10-4 0,4 3 0,87-14 0,7 1 0,-124 23 0,1-1 0,-1-1 0,22-9 0,31-9 0,13-2 0,23-5 0,-61 19 0,-30 7 0,-1 1 0,22-3 0,129-23 0,27-15-951,-16 4-1708,-128 30 2659,22-2 0,29-2 1817,-65 8-1380,39-2 0,-52 6-407,0-1 0,0-1 0,0 0 0,-1-2 0,30-14 0,50-13 21,31-9-79,-15 5 171,-70 25 441,60-18-595,-83 23 11,0-1 0,0 0 0,38-21 0,-44 21 0,0 1 0,1 0 0,0 2 0,38-7 0,-5 0 0,-21 4 122,59-15-1778,120-50 0,-182 63 1875,51-12 0,-62 19 87,0 0 0,-1-1-1,1-1 1,-1-1 0,0 0 0,-1-1 0,0-1-1,16-12 1,1-3-306,51-27 0,-45 28 0,-29 18 0,-1 1 0,1 0 0,0 0 0,0 1 0,12-2 0,-14 4 0,-1 0 0,1-1 0,-1 0 0,1-1 0,-1 0 0,0 0 0,0 0 0,0-1 0,-1 0 0,13-10 0,20-21 0,80-54 0,-61 47 0,48-24 0,-45 30 0,-52 31 0,0 1 0,1 0 0,-1 1 0,1-1 0,15-1 0,-16 3 0,1-1 0,0 0 0,-1 0 0,0-1 0,16-8 0,4-6 0,-1-1 0,0-2 0,30-30 0,-50 44 0,0 1 0,0 0 0,0 1 0,1 0 0,-1 0 0,1 1 0,13-5 0,27-14 0,4-13 0,16-8 0,170-107 0,-230 144 0,1 1 0,-1 1 0,1-1 0,0 2 0,0-1 0,0 1 0,18-4 0,-19 5 0,1 0 0,-1 0 0,-1-1 0,1-1 0,-1 0 0,1 0 0,-1 0 0,8-8 0,6-3 0,32-14 0,-43 25 0,0 0 0,0-1 0,0-1 0,16-12 0,-21 13 0,1 2 0,0-1 0,1 1 0,-1 0 0,1 1 0,0 0 0,0 0 0,11-2 0,-9 2 0,-1 0 0,0 0 0,1-1 0,-1 0 0,14-9 0,45-37 0,87-57 0,-130 91 0,-1-2 0,30-28 0,-34 27 0,2 2 0,0 0 0,37-22 0,-49 33 0,-1 0 0,0-1 0,0 0 0,0-1 0,9-11 0,20-17 0,4 5 0,-22 17 0,-1-1 0,0-1 0,-1 0 0,18-22 0,-28 28 0,1 1 0,1 1 0,0-1 0,0 1 0,12-7 0,-11 8 0,0-1 0,0 0 0,-1-1 0,16-16 0,-9 6 0,2 1 0,0 0 0,28-19 0,-22 18 0,40-38 0,-43 35 0,2 2 0,0 0 0,1 1 0,28-14 0,-46 27 0,1 0 0,0 0 0,-1-1 0,-1 0 0,12-14 0,14-14 0,8-4 0,70-60 0,-54 50 0,-35 29 0,1 1 0,26-17 0,-36 28 0,-2 0 0,1-1 0,-1 0 0,0-1 0,-1 0 0,0-1 0,-1 0 0,9-14 0,-12 19 0,1 0 0,0 0 0,0 1 0,0-1 0,0 1 0,1 1 0,0-1 0,0 1 0,12-5 0,-11 6 0,-1-1 0,1 0 0,-1 0 0,0-1 0,0 0 0,-1 0 0,0-1 0,10-10 0,-4 1 0,2 1 0,0 0 0,0 1 0,32-22 0,4-4 0,-44 33 0,0 0 0,-1-1 0,0 1 0,0-1 0,0-1 0,6-13 0,-8 14 0,1 0 0,-1 1 0,1 0 0,0-1 0,1 1 0,0 1 0,0-1 0,0 1 0,11-9 0,-7 7 0,0-1 0,-1 0 0,0 0 0,0 0 0,-1-1 0,0 0 0,11-20 0,-10 16 0,1 0 0,19-22 0,-19 27 0,1-1 0,1 1 0,-1 1 0,1 0 0,15-6 0,11-8 0,-32 17 0,0 0 0,0 0 0,-1-1 0,1 1 0,5-8 0,11-12 0,4-1 0,-21 20 0,0 0 0,1 0 0,0 1 0,0-1 0,0 1 0,0 0 0,11-5 0,-7 3 0,-1 1 0,0-1 0,0 0 0,-1-1 0,0 0 0,0 0 0,-1-1 0,1 0 0,-2 0 0,1 0 0,6-15 0,-5 11 0,0 0 0,1 0 0,1 1 0,0 0 0,14-13 0,-13 14 0,0-1 0,-1 0 0,0 0 0,13-21 0,-14 18 0,2 0 0,0 1 0,16-17 0,17-22 0,-8 8 0,-22 29 0,0-2 0,17-29 0,-22 32 0,0 0 0,1 1 0,1 0 0,0 1 0,20-19 0,103-87 0,-88 80 0,2 2 0,59-34 0,-78 57 0,-24 11 0,0 1 0,0-1 0,0 0 0,0 0 0,0 0 0,-1 0 0,1-1 0,-1 0 0,1 0 0,4-5 0,-2-1 0,1 1 0,0-1 0,0 1 0,1 1 0,0-1 0,1 1 0,-1 1 0,1 0 0,1 0 0,16-8 0,-22 13-170,0-1-1,0 0 0,0 0 1,0 0-1,-1-1 0,1 1 1,4-5-1,3-6-6655</inkml:trace>
+</inkml:ink>
+</file>
+
+<file path=ppt/ink/ink20.xml><?xml version="1.0" encoding="utf-8"?>
+<inkml:ink xmlns:inkml="http://www.w3.org/2003/InkML">
+  <inkml:definitions>
+    <inkml:context xml:id="ctx0">
+      <inkml:inkSource xml:id="inkSrc0">
+        <inkml:traceFormat>
+          <inkml:channel name="X" type="integer" min="-2.14748E9" max="2.14748E9" units="cm"/>
+          <inkml:channel name="Y" type="integer" min="-2.14748E9" max="2.14748E9" units="cm"/>
+          <inkml:channel name="F" type="integer" max="32767" units="dev"/>
+        </inkml:traceFormat>
+        <inkml:channelProperties>
+          <inkml:channelProperty channel="X" name="resolution" value="1000" units="1/cm"/>
+          <inkml:channelProperty channel="Y" name="resolution" value="1000" units="1/cm"/>
+          <inkml:channelProperty channel="F" name="resolution" value="0" units="1/dev"/>
+        </inkml:channelProperties>
+      </inkml:inkSource>
+      <inkml:timestamp xml:id="ts0" timeString="2025-10-04T14:28:06.688"/>
+    </inkml:context>
+    <inkml:brush xml:id="br0">
+      <inkml:brushProperty name="width" value="0.05" units="cm"/>
+      <inkml:brushProperty name="height" value="0.05" units="cm"/>
+      <inkml:brushProperty name="color" value="#FF0066"/>
+    </inkml:brush>
+  </inkml:definitions>
+  <inkml:trace contextRef="#ctx0" brushRef="#br0">2299 138 24575,'-16'-1'0,"-1"-1"0,1-1 0,-1 0 0,-28-10 0,28 7 0,0 1 0,0 1 0,0 1 0,-25-2 0,12 5 0,5 0 0,-1-1 0,1-1 0,-33-7 0,22 3 0,-1 2 0,1 1 0,0 2 0,-39 4 0,-6-1 0,60-2 0,0-1 0,0-1 0,-35-8 0,-54-14 0,93 21 0,-1 1 0,0 0 0,-29 1 0,30 2 0,0-1 0,0-2 0,0 1 0,-19-6 0,-1 0 0,0 2 0,-1 1 0,1 2 0,-67 5 0,17-1 0,53-1 0,-1 0 0,-51 11 0,19-4 0,50-7 0,0 1 0,0 1 0,0 0 0,-29 10 0,-14 6 0,46-16 0,0 2 0,0-1 0,-14 8 0,23-9 0,0 0 0,0 0 0,0 1 0,1-1 0,-1 1 0,1 0 0,0 1 0,0-1 0,0 1 0,1-1 0,-5 8 0,2-2 0,0-1 0,0 0 0,-1 0 0,0-1 0,-1 0 0,0 0 0,0-1 0,0 0 0,-15 8 0,4 1 0,2 0 0,-1 1 0,2 1 0,0 0 0,1 1 0,1 1 0,-13 25 0,12-20 0,2 1 0,0 0 0,-13 44 0,20-52 0,2-1 0,0 1 0,1-1 0,0 1 0,2 0 0,1 36 0,1-48 0,-1 0 0,1 0 0,1-1 0,-1 1 0,1 0 0,0-1 0,0 0 0,1 1 0,-1-1 0,1 0 0,7 9 0,0-3 0,0-1 0,1-1 0,18 14 0,-25-20 0,61 49 0,44 31 0,-74-63 0,56 25 0,-72-37 0,83 34 0,-84-35 0,1-2 0,0 0 0,0-1 0,20 2 0,42 9 0,-19 0 0,119 13 0,-114-19 0,-37-4 0,50 2 0,-40-7 0,1 1 0,54 10 0,104 12 0,-169-19 0,0-1 0,53-2 0,16 1 0,-64 2 0,45 13 0,-51-10 0,1-1 0,40 3 0,-29-7 0,51 9 0,62 12 0,-120-19 0,-1-1 0,51-2 0,-51-2 0,0 2 0,52 7 0,-47-3 0,1-1 0,56-2 0,27 1 0,-62 8 0,-45-7 0,1-1 0,25 2 0,492-4 125,-259-3-2383,201 2 2258,-454-1 440,0-1 1,28-6 0,-27 3-81,41-2 0,507 5-269,-277 4-91,543-2 0,-803-1 0,48-9 0,-48 5 0,44-1 0,10 6-277,-6 1-608,119-15 1,-107 6 164,171 5 0,-125 6 382,-105-3 338,45 0 0,116-14 0,-135 7 476,43-8 787,-66 7-34,-22 6-1047,1-1 0,-1-1 0,0 0-1,25-12 1,-36 14-184,-1 1 0,1-2 0,-1 1-1,0 0 1,0-1 0,0 1 0,0-1 0,0 0-1,0 0 1,-1 0 0,0-1 0,1 1 0,-1 0-1,0-1 1,-1 1 0,1-1 0,-1 0 0,1 0-1,-1 0 1,0 1 0,-1-1 0,1 0-1,0-6 1,0-12 2,-2 0 0,0 0 0,-1 0 0,-1 0 0,-1 0 0,-1 1 0,-14-41 0,6 20 0,11 34 0,0 1 0,0 0 0,0-1 0,-1 1 0,0 0 0,0 1 0,-1-1 0,0 1 0,0-1 0,-6-6 0,6 9 0,1-1 0,0 0 0,0 0 0,0 0 0,0 0 0,1-1 0,0 1 0,-2-11 0,3 11 0,-1 0 0,1 1 0,-1-1 0,0 0 0,0 1 0,0-1 0,-1 1 0,1-1 0,-1 1 0,0 0 0,-7-7 0,-31-34 0,37 39 0,-1 0 0,1 0 0,-1 0 0,0 1 0,-1 0 0,1 0 0,-1 0 0,0 1 0,0-1 0,-1 1 0,1 1 0,-1-1 0,-8-2 0,-7-1 0,0-1 0,1-1 0,-1-1 0,-35-22 0,34 17 0,-1 2 0,0 2 0,-32-13 0,-66-10 0,-174-44-1002,257 70 912,-192-32 90,41 9 0,128 22-222,-1 3 0,-97 4 0,86 2-38,-94-11 0,-6-2 260,33 4 0,-79 2 0,58 5 0,48-8-670,-35-2-338,-10 1 1008,-3-1 0,-7 12 0,-233-12 0,-64 1 392,288 13-113,108-3-179,-79 2 3074,131 3-4528,4 1-5472</inkml:trace>
+</inkml:ink>
+</file>
+
+<file path=ppt/ink/ink21.xml><?xml version="1.0" encoding="utf-8"?>
+<inkml:ink xmlns:inkml="http://www.w3.org/2003/InkML">
+  <inkml:definitions>
+    <inkml:context xml:id="ctx0">
+      <inkml:inkSource xml:id="inkSrc0">
+        <inkml:traceFormat>
+          <inkml:channel name="X" type="integer" min="-2.14748E9" max="2.14748E9" units="cm"/>
+          <inkml:channel name="Y" type="integer" min="-2.14748E9" max="2.14748E9" units="cm"/>
+          <inkml:channel name="F" type="integer" max="32767" units="dev"/>
+        </inkml:traceFormat>
+        <inkml:channelProperties>
+          <inkml:channelProperty channel="X" name="resolution" value="1000" units="1/cm"/>
+          <inkml:channelProperty channel="Y" name="resolution" value="1000" units="1/cm"/>
+          <inkml:channelProperty channel="F" name="resolution" value="0" units="1/dev"/>
+        </inkml:channelProperties>
+      </inkml:inkSource>
+      <inkml:timestamp xml:id="ts0" timeString="2025-10-04T14:28:08.091"/>
+    </inkml:context>
+    <inkml:brush xml:id="br0">
+      <inkml:brushProperty name="width" value="0.05" units="cm"/>
+      <inkml:brushProperty name="height" value="0.05" units="cm"/>
+      <inkml:brushProperty name="color" value="#FF0066"/>
+    </inkml:brush>
+  </inkml:definitions>
+  <inkml:trace contextRef="#ctx0" brushRef="#br0">7192 422 24575,'-1'-1'0,"1"-1"0,0 0 0,0 1 0,-1-1 0,1 1 0,-1-1 0,0 1 0,1-1 0,-1 1 0,0-1 0,0 1 0,0 0 0,0-1 0,0 1 0,0 0 0,0 0 0,0 0 0,-1 0 0,1 0 0,0 0 0,-1 0 0,1 0 0,-1 1 0,1-1 0,-1 0 0,-1 0 0,-46-10 0,40 9 0,-14-3 0,1-1 0,-39-17 0,-18-5 0,19 7 0,43 13 0,-36-9 0,-163-27 0,192 38 0,-44-16 0,3 1 0,2 3 0,1 4 0,-2 2 0,0 3 0,-81-2 0,118 10 0,0-2 0,-33-7 0,20 3 0,-52-12 0,63 11 0,0 2 0,-1 1 0,-34-1 0,25 3 0,-52-10 0,36 4 0,-104-5-425,-246 8-1,226 8 281,-456-2 1141,605 1-996,-52 10 0,8 0 0,-51 10 0,88-14 0,0 0 0,-69 2 0,83-8 0,0 1 0,-29 6 0,-9 2 0,3-4 0,-9 3 0,-70-2 0,94-5 0,-52 8 0,-35 1 0,36-13 0,-72 4 0,106 8 0,44-6 0,0-1 0,-25 2 0,-7-2 0,-75 16 0,55-7 0,-110 11 0,85-4 0,30-6 0,-93 8 0,113-20 0,18 0 0,0 0 0,-45 9 0,-16 4 0,56-10 0,-44 11 0,12 2 0,-79 35 0,117-42 0,9-4 0,1 0 0,0 1 0,1 0 0,0 1 0,-23 18 0,-30 33 0,60-54 0,0 0 0,-1-1 0,1 1 0,-1-1 0,-13 5 0,-11 7 0,25-12 0,0 0 0,0 1 0,1 0 0,-1 0 0,-5 8 0,8-9 0,0 0 0,0 0 0,-1-1 0,1 1 0,-1-1 0,0 0 0,0 0 0,-1 0 0,1 0 0,0-1 0,-1 1 0,-6 1 0,3-1 0,0 0 0,0 0 0,1 1 0,0 0 0,-1 0 0,1 1 0,1 0 0,-1 0 0,1 1 0,0 0 0,0 0 0,-8 11 0,-1-1 0,7-8 0,-1-1 0,0 1 0,-16 9 0,-22 18 0,17-2 0,20-21 0,-1-1 0,0 0 0,-22 16 0,26-21 0,0 0 0,0 0 0,1 1 0,0 0 0,0 0 0,-6 10 0,5-8 0,0 1 0,-1-1 0,-8 8 0,-84 65 0,26-24 0,38-32 0,-57 56 0,77-63 0,13-14 0,-1 0 0,0 0 0,-1-1 0,1 1 0,-1-1 0,-7 5 0,10-8 0,0 0 0,1 0 0,-1-1 0,0 1 0,0-1 0,0 1 0,0-1 0,1 1 0,-1-1 0,0 0 0,0 0 0,0 0 0,0 0 0,0-1 0,0 1 0,0 0 0,1-1 0,-1 1 0,0-1 0,0 0 0,1 1 0,-1-1 0,0 0 0,1 0 0,-1 0 0,-2-2 0,-9-10-1365,2-1-5461</inkml:trace>
+</inkml:ink>
+</file>
+
+<file path=ppt/ink/ink22.xml><?xml version="1.0" encoding="utf-8"?>
+<inkml:ink xmlns:inkml="http://www.w3.org/2003/InkML">
+  <inkml:definitions>
+    <inkml:context xml:id="ctx0">
+      <inkml:inkSource xml:id="inkSrc0">
+        <inkml:traceFormat>
+          <inkml:channel name="X" type="integer" min="-2.14748E9" max="2.14748E9" units="cm"/>
+          <inkml:channel name="Y" type="integer" min="-2.14748E9" max="2.14748E9" units="cm"/>
+          <inkml:channel name="F" type="integer" max="32767" units="dev"/>
+        </inkml:traceFormat>
+        <inkml:channelProperties>
+          <inkml:channelProperty channel="X" name="resolution" value="1000" units="1/cm"/>
+          <inkml:channelProperty channel="Y" name="resolution" value="1000" units="1/cm"/>
+          <inkml:channelProperty channel="F" name="resolution" value="0" units="1/dev"/>
+        </inkml:channelProperties>
+      </inkml:inkSource>
+      <inkml:timestamp xml:id="ts0" timeString="2025-10-04T14:28:09.536"/>
+    </inkml:context>
+    <inkml:brush xml:id="br0">
+      <inkml:brushProperty name="width" value="0.05" units="cm"/>
+      <inkml:brushProperty name="height" value="0.05" units="cm"/>
+      <inkml:brushProperty name="color" value="#FF0066"/>
+    </inkml:brush>
+  </inkml:definitions>
+  <inkml:trace contextRef="#ctx0" brushRef="#br0">3 1 24575,'-2'100'0,"4"110"0,-1-208 0,-1 1 0,1-1 0,0 0 0,-1 1 0,1-1 0,0 0 0,0 1 0,1-1 0,-1 0 0,0 0 0,1 0 0,-1 0 0,1 0 0,0-1 0,0 1 0,0 0 0,0-1 0,0 1 0,0-1 0,0 0 0,4 2 0,6 3 0,1-1 0,0-1 0,13 4 0,16 5 0,-6 5 0,-27-13 0,1 0 0,0 0 0,0-1 0,0-1 0,0 1 0,20 2 0,30 6 0,-42-8 0,0-1 0,18 2 0,-20-3-239,-1 0 1,21 6-1,-29-6-410,8 2-6177</inkml:trace>
+</inkml:ink>
+</file>
+
+<file path=ppt/ink/ink23.xml><?xml version="1.0" encoding="utf-8"?>
+<inkml:ink xmlns:inkml="http://www.w3.org/2003/InkML">
+  <inkml:definitions>
+    <inkml:context xml:id="ctx0">
+      <inkml:inkSource xml:id="inkSrc0">
+        <inkml:traceFormat>
+          <inkml:channel name="X" type="integer" min="-2.14748E9" max="2.14748E9" units="cm"/>
+          <inkml:channel name="Y" type="integer" min="-2.14748E9" max="2.14748E9" units="cm"/>
+          <inkml:channel name="F" type="integer" max="32767" units="dev"/>
+        </inkml:traceFormat>
+        <inkml:channelProperties>
+          <inkml:channelProperty channel="X" name="resolution" value="1000" units="1/cm"/>
+          <inkml:channelProperty channel="Y" name="resolution" value="1000" units="1/cm"/>
+          <inkml:channelProperty channel="F" name="resolution" value="0" units="1/dev"/>
+        </inkml:channelProperties>
+      </inkml:inkSource>
+      <inkml:timestamp xml:id="ts0" timeString="2025-10-02T21:09:47.315"/>
+    </inkml:context>
+    <inkml:brush xml:id="br0">
+      <inkml:brushProperty name="width" value="0.1" units="cm"/>
+      <inkml:brushProperty name="height" value="0.1" units="cm"/>
+      <inkml:brushProperty name="color" value="#FF0066"/>
+    </inkml:brush>
+  </inkml:definitions>
+  <inkml:trace contextRef="#ctx0" brushRef="#br0">1009 25 24575,'-1'-1'0,"1"0"0,-1 0 0,1 0 0,0 0 0,-1 0 0,0 0 0,1 0 0,-1 0 0,0 0 0,1 0 0,-1 1 0,0-1 0,0 0 0,0 1 0,1-1 0,-1 0 0,0 1 0,0-1 0,0 1 0,0-1 0,0 1 0,0 0 0,0-1 0,0 1 0,-1 0 0,1 0 0,-1 0 0,-36-4 0,34 3 0,-170 0 0,92 2 0,62 0 0,1 1 0,0 1 0,-1 1 0,-35 12 0,37-8 0,1 0 0,0 1 0,-24 17 0,25-16 0,0 0 0,0-1 0,-31 13 0,16-12 0,0-2 0,-43 7 0,69-14 0,1 1 0,-1-1 0,1 1 0,0 0 0,-1 0 0,1 0 0,0 1 0,0 0 0,-6 5 0,-31 30 0,33-27 0,0 0 0,0 1 0,1-1 0,-7 18 0,-2 2 0,-10 11 0,19-33 0,1 0 0,0 0 0,1 1 0,0-1 0,1 1 0,0 0 0,0 0 0,1 1 0,0-1 0,1 1 0,-1 12 0,5 207 0,0-217 0,2 1 0,-1 0 0,2-1 0,0 0 0,0 0 0,1 0 0,1-1 0,0 1 0,1-2 0,0 1 0,1-1 0,0 0 0,1-1 0,0 0 0,0-1 0,14 10 0,-18-16 0,0 1 0,0-1 0,1-1 0,-1 1 0,1-1 0,0 0 0,8 1 0,-9-3 0,0 1 0,0 1 0,-1-1 0,1 1 0,-1 0 0,1 0 0,-1 1 0,0-1 0,0 1 0,0 0 0,6 6 0,-3-3 0,1 0 0,0 0 0,0-1 0,0 0 0,0 0 0,1-1 0,0 0 0,12 2 0,24 11 0,-30-11 0,0-1 0,0-1 0,25 4 0,1 0 0,-16-4 0,1-1 0,0-1 0,50-4 0,32 3 0,-47 10 0,-45-7 0,0-1 0,24 1 0,257-4 0,-288 0 0,-1-1 0,1 0 0,-1 0 0,0-1 0,1 0 0,-1-1 0,0 0 0,0 0 0,0-1 0,-1 0 0,1 0 0,-1-1 0,0 0 0,0-1 0,-1 0 0,0 0 0,0-1 0,0 1 0,-1-2 0,0 1 0,0-1 0,-1 1 0,8-16 0,28-50 0,-29 55 0,-1-1 0,-1 0 0,12-32 0,-15 29 0,-2 0 0,0-1 0,-1 1 0,-1-1 0,-1-44 0,-2 39 0,-6-44 0,4 61 0,-1 0 0,0 0 0,0 0 0,-1 1 0,-1-1 0,-10-18 0,-1 1 0,10 16 0,-1 0 0,-1 0 0,0 0 0,0 1 0,-11-10 0,13 17 0,0 0 0,-1 0 0,1 1 0,-1 0 0,0 0 0,0 1 0,0 0 0,0 0 0,-1 1 0,-8-1 0,-35-10 0,-15-11 0,-103-21 0,97 24-1365,55 17-5461</inkml:trace>
+</inkml:ink>
+</file>
+
+<file path=ppt/ink/ink24.xml><?xml version="1.0" encoding="utf-8"?>
+<inkml:ink xmlns:inkml="http://www.w3.org/2003/InkML">
+  <inkml:definitions>
+    <inkml:context xml:id="ctx0">
+      <inkml:inkSource xml:id="inkSrc0">
+        <inkml:traceFormat>
+          <inkml:channel name="X" type="integer" min="-2.14748E9" max="2.14748E9" units="cm"/>
+          <inkml:channel name="Y" type="integer" min="-2.14748E9" max="2.14748E9" units="cm"/>
+          <inkml:channel name="F" type="integer" max="32767" units="dev"/>
+        </inkml:traceFormat>
+        <inkml:channelProperties>
+          <inkml:channelProperty channel="X" name="resolution" value="1000" units="1/cm"/>
+          <inkml:channelProperty channel="Y" name="resolution" value="1000" units="1/cm"/>
+          <inkml:channelProperty channel="F" name="resolution" value="0" units="1/dev"/>
+        </inkml:channelProperties>
+      </inkml:inkSource>
+      <inkml:timestamp xml:id="ts0" timeString="2025-10-02T21:09:49.221"/>
+    </inkml:context>
+    <inkml:brush xml:id="br0">
+      <inkml:brushProperty name="width" value="0.1" units="cm"/>
+      <inkml:brushProperty name="height" value="0.1" units="cm"/>
+      <inkml:brushProperty name="color" value="#FF0066"/>
+    </inkml:brush>
+  </inkml:definitions>
+  <inkml:trace contextRef="#ctx0" brushRef="#br0">1 1 24575,'8'1'0,"0"0"0,0 0 0,1 1 0,-1 0 0,0 0 0,-1 1 0,1 0 0,0 0 0,-1 1 0,0 0 0,0 1 0,0-1 0,0 1 0,-1 1 0,0-1 0,0 1 0,0 0 0,-1 0 0,6 8 0,1 0 0,1-1 0,14 11 0,-21-19 0,0 0 0,0-1 0,1 0 0,0 0 0,9 4 0,23 14 0,-26-11 0,0 1 0,14 18 0,-16-18 0,1 0 0,23 20 0,-16-16 0,-2 0 0,0 2 0,-1 0 0,0 1 0,23 39 0,-21-31 0,1-1 0,34 37 0,-16-15 0,-4-5 0,19 19 0,-20-24 0,41 44 0,-69-77 0,1 1 0,-1 0 0,1 0 0,-2 0 0,1 0 0,-1 1 0,4 8 0,-4-6 0,1-1 0,0 0 0,11 15 0,22 23 0,57 96 0,-79-119 0,29 38 0,-7-12 0,-33-42 0,-1 0 0,0 0 0,0 0 0,0 1 0,-1-1 0,0 1 0,-1 0 0,2 10 0,-2-8 0,1 0 0,0 0 0,1 0 0,5 15 0,27 57 0,-24-52 0,2 0 0,18 31 0,-26-50 0,0 1 0,0 0 0,-1-1 0,-1 1 0,0 1 0,-1-1 0,2 21 0,5 23 0,-2-8 0,-6-37 0,0-1 0,1 0 0,0 1 0,1-1 0,0 0 0,1 0 0,8 17 0,-3-8 0,-1-1 0,0 2 0,-2-1 0,0 1 0,4 30 0,-4-20 0,14 41 0,-14-53 0,-2 0 0,4 26 0,-5-26 0,0-1 0,1 0 0,7 18 0,10 18 0,25 103 0,-23-42 0,-19-91 0,1-1 0,0 1 0,2-1 0,0 0 0,20 40 0,-10-32 0,26 64 0,-38-78 0,0 1 0,-1-1 0,-1 1 0,0 0 0,-1 0 0,-1 18 0,-1 0 0,2 1 0,9 55 0,12 55 0,-21-140 0,-1-3 0,0 1 0,0-1 0,0 1 0,-1-1 0,1 1 0,-1 0 0,1-1 0,-1 1 0,0-1 0,-1 1 0,1 0 0,-2 5 0,2-9-36,-1 0 0,1 0 0,0 0 0,-1 0 0,1 0 0,-1 0 0,1 0 0,0 0 0,-1 0 0,1 0 1,0 0-1,-1 0 0,1 0 0,0-1 0,-1 1 0,1 0 0,0 0 0,0 0 0,-1-1 0,1 1 0,0 0 0,0 0 0,-1-1 0,1 1 0,0 0 0,0 0 0,0-1 0,-1 1 0,1 0 0,0-1 0,0 1 0,0 0 0,0-1 0,0 1 0,0-1 0</inkml:trace>
+</inkml:ink>
+</file>
+
+<file path=ppt/ink/ink25.xml><?xml version="1.0" encoding="utf-8"?>
+<inkml:ink xmlns:inkml="http://www.w3.org/2003/InkML">
+  <inkml:definitions>
+    <inkml:context xml:id="ctx0">
+      <inkml:inkSource xml:id="inkSrc0">
+        <inkml:traceFormat>
+          <inkml:channel name="X" type="integer" min="-2.14748E9" max="2.14748E9" units="cm"/>
+          <inkml:channel name="Y" type="integer" min="-2.14748E9" max="2.14748E9" units="cm"/>
+          <inkml:channel name="F" type="integer" max="32767" units="dev"/>
+        </inkml:traceFormat>
+        <inkml:channelProperties>
+          <inkml:channelProperty channel="X" name="resolution" value="1000" units="1/cm"/>
+          <inkml:channelProperty channel="Y" name="resolution" value="1000" units="1/cm"/>
+          <inkml:channelProperty channel="F" name="resolution" value="0" units="1/dev"/>
+        </inkml:channelProperties>
+      </inkml:inkSource>
+      <inkml:timestamp xml:id="ts0" timeString="2025-10-02T21:09:50.511"/>
+    </inkml:context>
+    <inkml:brush xml:id="br0">
+      <inkml:brushProperty name="width" value="0.1" units="cm"/>
+      <inkml:brushProperty name="height" value="0.1" units="cm"/>
+      <inkml:brushProperty name="color" value="#FF0066"/>
+    </inkml:brush>
+  </inkml:definitions>
+  <inkml:trace contextRef="#ctx0" brushRef="#br0">0 41 24575,'3'2'0,"0"-1"0,0 1 0,-1 0 0,1 1 0,-1-1 0,0 0 0,1 1 0,-1 0 0,0-1 0,0 1 0,-1 0 0,3 4 0,4 6 0,37 38 0,17 25 0,-59-74 0,-1 1 0,1 0 0,-1-1 0,1 0 0,0 1 0,0-1 0,0 0 0,0 0 0,1-1 0,-1 1 0,0-1 0,1 1 0,-1-1 0,1 0 0,-1-1 0,1 1 0,-1 0 0,5-1 0,-3 1 0,1-1 0,-1 2 0,0-1 0,0 0 0,0 1 0,0 0 0,9 5 0,-7-3 0,0 0 0,1 0 0,-1 0 0,1-1 0,0 0 0,0-1 0,1 0 0,-1 0 0,0 0 0,1-1 0,-1-1 0,0 1 0,1-2 0,-1 1 0,1-1 0,-1 0 0,0-1 0,1 1 0,-1-2 0,0 1 0,0-1 0,0-1 0,-1 1 0,1-1 0,-1-1 0,11-7 0,74-58 0,-83 63 0,0 0 0,0 1 0,1 0 0,15-8 0,-17 11 0,-1 0 0,-1 0 0,1-1 0,0 0 0,-1-1 0,0 0 0,0 1 0,0-2 0,-1 1 0,1-1 0,8-12 0,-5 4-48,0 0 0,17-18 1,-13 16-1175</inkml:trace>
+</inkml:ink>
+</file>
+
+<file path=ppt/ink/ink26.xml><?xml version="1.0" encoding="utf-8"?>
+<inkml:ink xmlns:inkml="http://www.w3.org/2003/InkML">
+  <inkml:definitions>
+    <inkml:context xml:id="ctx0">
+      <inkml:inkSource xml:id="inkSrc0">
+        <inkml:traceFormat>
+          <inkml:channel name="X" type="integer" min="-2.14748E9" max="2.14748E9" units="cm"/>
+          <inkml:channel name="Y" type="integer" min="-2.14748E9" max="2.14748E9" units="cm"/>
+          <inkml:channel name="F" type="integer" max="32767" units="dev"/>
+        </inkml:traceFormat>
+        <inkml:channelProperties>
+          <inkml:channelProperty channel="X" name="resolution" value="1000" units="1/cm"/>
+          <inkml:channelProperty channel="Y" name="resolution" value="1000" units="1/cm"/>
+          <inkml:channelProperty channel="F" name="resolution" value="0" units="1/dev"/>
+        </inkml:channelProperties>
+      </inkml:inkSource>
+      <inkml:timestamp xml:id="ts0" timeString="2025-10-02T21:09:52.417"/>
+    </inkml:context>
+    <inkml:brush xml:id="br0">
+      <inkml:brushProperty name="width" value="0.1" units="cm"/>
+      <inkml:brushProperty name="height" value="0.1" units="cm"/>
+      <inkml:brushProperty name="color" value="#FF0066"/>
+    </inkml:brush>
+  </inkml:definitions>
+  <inkml:trace contextRef="#ctx0" brushRef="#br0">344 119 24575,'-15'0'0,"0"0"0,0 1 0,0 1 0,0 1 0,0 0 0,1 0 0,-16 8 0,23-9 0,1 1 0,0 1 0,0-1 0,0 1 0,0 0 0,1 0 0,-1 1 0,1 0 0,0 0 0,1 0 0,-1 0 0,1 1 0,0 0 0,0 0 0,1 0 0,0 0 0,-4 10 0,-3 9 0,-2-1 0,-18 28 0,21-38 0,1-1 0,0 1 0,1 0 0,0 1 0,1-1 0,1 1 0,0 1 0,1-1 0,-3 25 0,9 212 0,-1-244 0,1 0 0,0-1 0,1 0 0,-1 1 0,1-1 0,1 0 0,0-1 0,-1 1 0,2-1 0,-1 1 0,8 7 0,-6-7 0,-1 0 0,1 0 0,-2 1 0,1-1 0,-1 1 0,0 0 0,4 13 0,-3-3 0,1 0 0,1 0 0,1-1 0,0 0 0,1 0 0,1-1 0,0 0 0,23 25 0,-30-37 0,2 2 0,0 0 0,1 0 0,0 0 0,0 0 0,0-1 0,1 0 0,-1-1 0,1 1 0,0-1 0,1 0 0,12 4 0,9-1 0,0-1 0,1-1 0,-1-2 0,59-1 0,-58-2 0,-18 1 0,0 0 0,0-1 0,0-1 0,0 0 0,0-1 0,0 0 0,-1-1 0,1 0 0,-1-1 0,21-9 0,-4-6 0,-2-1 0,0-1 0,-2-1 0,36-40 0,-11 11 0,-43 43 0,0 0 0,0-1 0,-1 1 0,0-1 0,0 0 0,-1 0 0,-1-1 0,0 1 0,0-1 0,3-17 0,14-42 0,-15 58 0,-2 0 0,0-1 0,0 0 0,-1 0 0,0 0 0,0-12 0,-4-78 0,-1 40 0,5-47 0,-4-102 0,0 201 0,0 1 0,0-1 0,-1 1 0,0 0 0,0 0 0,-1 0 0,0 0 0,-1 1 0,0-1 0,-7-9 0,3 7 0,0 0 0,0 1 0,-1 0 0,-1 1 0,0 0 0,-17-11 0,20 16-76,0 1 0,-1 0 0,1 0 0,-1 1 0,1 0-1,-1 1 1,0 0 0,0 0 0,0 1 0,-15 1 0,16-1-452,-12 1-6298</inkml:trace>
+</inkml:ink>
+</file>
+
+<file path=ppt/ink/ink27.xml><?xml version="1.0" encoding="utf-8"?>
+<inkml:ink xmlns:inkml="http://www.w3.org/2003/InkML">
+  <inkml:definitions>
+    <inkml:context xml:id="ctx0">
+      <inkml:inkSource xml:id="inkSrc0">
+        <inkml:traceFormat>
+          <inkml:channel name="X" type="integer" min="-2.14748E9" max="2.14748E9" units="cm"/>
+          <inkml:channel name="Y" type="integer" min="-2.14748E9" max="2.14748E9" units="cm"/>
+          <inkml:channel name="F" type="integer" max="32767" units="dev"/>
+        </inkml:traceFormat>
+        <inkml:channelProperties>
+          <inkml:channelProperty channel="X" name="resolution" value="1000" units="1/cm"/>
+          <inkml:channelProperty channel="Y" name="resolution" value="1000" units="1/cm"/>
+          <inkml:channelProperty channel="F" name="resolution" value="0" units="1/dev"/>
+        </inkml:channelProperties>
+      </inkml:inkSource>
+      <inkml:timestamp xml:id="ts0" timeString="2025-10-02T21:09:54.395"/>
+    </inkml:context>
+    <inkml:brush xml:id="br0">
+      <inkml:brushProperty name="width" value="0.1" units="cm"/>
+      <inkml:brushProperty name="height" value="0.1" units="cm"/>
+      <inkml:brushProperty name="color" value="#FF0066"/>
+    </inkml:brush>
+  </inkml:definitions>
+  <inkml:trace contextRef="#ctx0" brushRef="#br0">3111 1 24575,'-49'17'0,"36"-13"0,-1 1 0,1 1 0,1 0 0,-1 0 0,1 1 0,0 1 0,1 0 0,-14 12 0,-12 7 0,32-23 0,1 1 0,-1-1 0,1 1 0,-1 0 0,2 1 0,-1-1 0,0 1 0,1-1 0,0 1 0,1 0 0,-1 0 0,-1 9 0,1-7 0,0 0 0,-1 1 0,0-1 0,0-1 0,-1 1 0,-6 8 0,-15 13 0,-53 67 0,59-68 0,13-16 0,-1 0 0,0-1 0,-1 0 0,0 0 0,-1-1 0,-11 9 0,16-15 0,0 1 0,1 0 0,-1 0 0,1 1 0,0-1 0,0 1 0,1 0 0,-1 0 0,1 0 0,-4 12 0,-17 30 0,-6 2 0,23-37 0,0 0 0,-1-1 0,0 0 0,-1-1 0,0 0 0,-18 17 0,8-11 0,1 1 0,0 0 0,2 2 0,0 0 0,-15 26 0,28-43 0,-34 36 0,7-8 0,6-6 0,0 0 0,-46 33 0,32-26 0,3 5 0,28-29 0,0 0 0,0 0 0,0-1 0,-10 7 0,-5 3 0,2 2 0,-35 38 0,-1 2 0,22-22 0,26-27 0,-1 0 0,0-1 0,-19 16 0,7-11 0,2 1 0,0 1 0,0 1 0,-23 28 0,37-39 0,-1 0 0,0-1 0,0 0 0,0 0 0,-1 0 0,-7 3 0,7-4 0,0 1 0,0-1 0,1 2 0,-1-1 0,-7 9 0,11-11 0,-8 11 0,0 0 0,-1-1 0,-1-1 0,0 0 0,-25 18 0,27-23 0,2 1 0,-1 0 0,1 0 0,-10 13 0,12-13 0,0 0 0,0-1 0,-1 0 0,0 0 0,-1-1 0,-12 8 0,5-6 0,6-3 0,0-1 0,0 2 0,0-1 0,1 1 0,0 1 0,0 0 0,1 0 0,0 1 0,-8 9 0,6-4 0,0-2 0,0 1 0,-1-2 0,-1 1 0,-12 8 0,9-7 0,1 0 0,-21 24 0,25-25 0,-1 1 0,-1-1 0,0-1 0,-20 14 0,15-13 0,1 1 0,-17 17 0,-7 4 0,-109 93 0,54-45 0,57-50 0,8 0 0,26-25 0,0-1 0,-1 0 0,0 0 0,0 0 0,0-1 0,-9 6 0,2-3 0,0 1 0,0 0 0,1 0 0,1 1 0,-1 0 0,1 1 0,1 0 0,0 1 0,-13 20 0,17-25 0,0 0 0,-1 0 0,0-1 0,0 1 0,0-1 0,-11 6 0,10-6 0,-1 0 0,1 1 0,1-1 0,-1 2 0,-7 7 0,0 6 0,-9 11 0,-46 47 0,62-70 0,0 1 0,0 0 0,1 0 0,-6 10 0,-10 17 0,-7 9 0,21-31 0,-1 0 0,-15 19 0,20-28-114,0 0 1,0 0-1,-1-1 0,1 0 0,-1 1 1,0-2-1,0 1 0,0-1 0,0 1 1,-1-1-1,-11 4 0,1-4-6712</inkml:trace>
+</inkml:ink>
+</file>
+
+<file path=ppt/ink/ink28.xml><?xml version="1.0" encoding="utf-8"?>
+<inkml:ink xmlns:inkml="http://www.w3.org/2003/InkML">
+  <inkml:definitions>
+    <inkml:context xml:id="ctx0">
+      <inkml:inkSource xml:id="inkSrc0">
+        <inkml:traceFormat>
+          <inkml:channel name="X" type="integer" min="-2.14748E9" max="2.14748E9" units="cm"/>
+          <inkml:channel name="Y" type="integer" min="-2.14748E9" max="2.14748E9" units="cm"/>
+          <inkml:channel name="F" type="integer" max="32767" units="dev"/>
+        </inkml:traceFormat>
+        <inkml:channelProperties>
+          <inkml:channelProperty channel="X" name="resolution" value="1000" units="1/cm"/>
+          <inkml:channelProperty channel="Y" name="resolution" value="1000" units="1/cm"/>
+          <inkml:channelProperty channel="F" name="resolution" value="0" units="1/dev"/>
+        </inkml:channelProperties>
+      </inkml:inkSource>
+      <inkml:timestamp xml:id="ts0" timeString="2025-10-02T21:09:55.537"/>
+    </inkml:context>
+    <inkml:brush xml:id="br0">
+      <inkml:brushProperty name="width" value="0.1" units="cm"/>
+      <inkml:brushProperty name="height" value="0.1" units="cm"/>
+      <inkml:brushProperty name="color" value="#FF0066"/>
+    </inkml:brush>
+  </inkml:definitions>
+  <inkml:trace contextRef="#ctx0" brushRef="#br0">1 0 24575,'2'0'0,"1"1"0,0-1 0,0 0 0,-1 1 0,1-1 0,0 1 0,-1 0 0,1 0 0,-1 0 0,1 0 0,-1 0 0,1 1 0,-1-1 0,0 1 0,0-1 0,1 1 0,-1 0 0,-1 0 0,1 0 0,0 0 0,0 0 0,-1 1 0,1-1 0,1 4 0,2 5 0,0 1 0,-1 0 0,-1 0 0,4 16 0,5 19 0,-1-22 0,1 0 0,25 37 0,14 30 0,-9 6 0,-41-95 0,1 0 0,-1 0 0,1-1 0,-1 1 0,1 0 0,0-1 0,0 0 0,0 1 0,0-1 0,1 0 0,-1 0 0,0 0 0,1 0 0,0 0 0,-1-1 0,1 1 0,0-1 0,0 0 0,0 0 0,0 0 0,0 0 0,0 0 0,0-1 0,4 1 0,9 1 0,1-2 0,-1 1 0,26-4 0,-9 0 0,320 2 25,-202 1-1415,-131 0-5436</inkml:trace>
 </inkml:ink>
 </file>
 
@@ -2189,7 +2445,7 @@
           <a:p>
             <a:fld id="{2A59A54D-A59E-4D85-AEC9-D5AFF867AB55}" type="datetimeFigureOut">
               <a:rPr lang="en-US" smtClean="0"/>
-              <a:t>10/3/2025</a:t>
+              <a:t>10/4/2025</a:t>
             </a:fld>
             <a:endParaRPr lang="en-US"/>
           </a:p>
@@ -3482,6 +3738,113 @@
   <p:cSld>
     <p:spTree>
       <p:nvGrpSpPr>
+        <p:cNvPr id="1" name=""/>
+        <p:cNvGrpSpPr/>
+        <p:nvPr/>
+      </p:nvGrpSpPr>
+      <p:grpSpPr>
+        <a:xfrm>
+          <a:off x="0" y="0"/>
+          <a:ext cx="0" cy="0"/>
+          <a:chOff x="0" y="0"/>
+          <a:chExt cx="0" cy="0"/>
+        </a:xfrm>
+      </p:grpSpPr>
+      <p:sp>
+        <p:nvSpPr>
+          <p:cNvPr id="2" name="Slide Image Placeholder 1"/>
+          <p:cNvSpPr>
+            <a:spLocks noGrp="1" noRot="1" noChangeAspect="1"/>
+          </p:cNvSpPr>
+          <p:nvPr>
+            <p:ph type="sldImg"/>
+          </p:nvPr>
+        </p:nvSpPr>
+        <p:spPr/>
+      </p:sp>
+      <p:sp>
+        <p:nvSpPr>
+          <p:cNvPr id="3" name="Notes Placeholder 2"/>
+          <p:cNvSpPr>
+            <a:spLocks noGrp="1"/>
+          </p:cNvSpPr>
+          <p:nvPr>
+            <p:ph type="body" idx="1"/>
+          </p:nvPr>
+        </p:nvSpPr>
+        <p:spPr/>
+        <p:txBody>
+          <a:bodyPr/>
+          <a:lstStyle/>
+          <a:p>
+            <a:pPr marL="0" marR="0" lvl="0" indent="0" algn="l" defTabSz="914400" rtl="0" eaLnBrk="1" fontAlgn="auto" latinLnBrk="0" hangingPunct="1">
+              <a:lnSpc>
+                <a:spcPct val="100000"/>
+              </a:lnSpc>
+              <a:spcBef>
+                <a:spcPts val="0"/>
+              </a:spcBef>
+              <a:spcAft>
+                <a:spcPts val="0"/>
+              </a:spcAft>
+              <a:buClrTx/>
+              <a:buSzTx/>
+              <a:buFontTx/>
+              <a:buNone/>
+              <a:tabLst/>
+              <a:defRPr/>
+            </a:pPr>
+            <a:r>
+              <a:rPr lang="en-US" dirty="0"/>
+              <a:t>https://www.youtube.com/watch?v=Fv98vtitmiA</a:t>
+            </a:r>
+          </a:p>
+          <a:p>
+            <a:endParaRPr lang="en-US" dirty="0"/>
+          </a:p>
+        </p:txBody>
+      </p:sp>
+      <p:sp>
+        <p:nvSpPr>
+          <p:cNvPr id="4" name="Slide Number Placeholder 3"/>
+          <p:cNvSpPr>
+            <a:spLocks noGrp="1"/>
+          </p:cNvSpPr>
+          <p:nvPr>
+            <p:ph type="sldNum" sz="quarter" idx="5"/>
+          </p:nvPr>
+        </p:nvSpPr>
+        <p:spPr/>
+        <p:txBody>
+          <a:bodyPr/>
+          <a:lstStyle/>
+          <a:p>
+            <a:fld id="{AD4B3522-F598-4236-847D-901DDEE8B2B8}" type="slidenum">
+              <a:rPr lang="en-US" smtClean="0"/>
+              <a:t>30</a:t>
+            </a:fld>
+            <a:endParaRPr lang="en-US"/>
+          </a:p>
+        </p:txBody>
+      </p:sp>
+    </p:spTree>
+    <p:extLst>
+      <p:ext uri="{BB962C8B-B14F-4D97-AF65-F5344CB8AC3E}">
+        <p14:creationId xmlns:p14="http://schemas.microsoft.com/office/powerpoint/2010/main" val="3556677238"/>
+      </p:ext>
+    </p:extLst>
+  </p:cSld>
+  <p:clrMapOvr>
+    <a:masterClrMapping/>
+  </p:clrMapOvr>
+</p:notes>
+</file>
+
+<file path=ppt/notesSlides/notesSlide8.xml><?xml version="1.0" encoding="utf-8"?>
+<p:notes xmlns:a="http://schemas.openxmlformats.org/drawingml/2006/main" xmlns:r="http://schemas.openxmlformats.org/officeDocument/2006/relationships" xmlns:p="http://schemas.openxmlformats.org/presentationml/2006/main">
+  <p:cSld>
+    <p:spTree>
+      <p:nvGrpSpPr>
         <p:cNvPr id="1" name="">
           <a:extLst>
             <a:ext uri="{FF2B5EF4-FFF2-40B4-BE49-F238E27FC236}">
@@ -3566,7 +3929,7 @@
           <a:p>
             <a:fld id="{AD4B3522-F598-4236-847D-901DDEE8B2B8}" type="slidenum">
               <a:rPr lang="en-US" smtClean="0"/>
-              <a:t>27</a:t>
+              <a:t>31</a:t>
             </a:fld>
             <a:endParaRPr lang="en-US"/>
           </a:p>
@@ -3714,7 +4077,7 @@
           <a:p>
             <a:fld id="{4263717A-E3C1-4BED-ABE0-B7069385E023}" type="datetimeFigureOut">
               <a:rPr lang="en-US" smtClean="0"/>
-              <a:t>10/3/2025</a:t>
+              <a:t>10/4/2025</a:t>
             </a:fld>
             <a:endParaRPr lang="en-US"/>
           </a:p>
@@ -3887,7 +4250,7 @@
           <a:p>
             <a:fld id="{4263717A-E3C1-4BED-ABE0-B7069385E023}" type="datetimeFigureOut">
               <a:rPr lang="en-US" smtClean="0"/>
-              <a:t>10/3/2025</a:t>
+              <a:t>10/4/2025</a:t>
             </a:fld>
             <a:endParaRPr lang="en-US"/>
           </a:p>
@@ -4065,7 +4428,7 @@
           <a:p>
             <a:fld id="{4263717A-E3C1-4BED-ABE0-B7069385E023}" type="datetimeFigureOut">
               <a:rPr lang="en-US" smtClean="0"/>
-              <a:t>10/3/2025</a:t>
+              <a:t>10/4/2025</a:t>
             </a:fld>
             <a:endParaRPr lang="en-US"/>
           </a:p>
@@ -4233,7 +4596,7 @@
           <a:p>
             <a:fld id="{4263717A-E3C1-4BED-ABE0-B7069385E023}" type="datetimeFigureOut">
               <a:rPr lang="en-US" smtClean="0"/>
-              <a:t>10/3/2025</a:t>
+              <a:t>10/4/2025</a:t>
             </a:fld>
             <a:endParaRPr lang="en-US"/>
           </a:p>
@@ -4478,7 +4841,7 @@
           <a:p>
             <a:fld id="{4263717A-E3C1-4BED-ABE0-B7069385E023}" type="datetimeFigureOut">
               <a:rPr lang="en-US" smtClean="0"/>
-              <a:t>10/3/2025</a:t>
+              <a:t>10/4/2025</a:t>
             </a:fld>
             <a:endParaRPr lang="en-US"/>
           </a:p>
@@ -4707,7 +5070,7 @@
           <a:p>
             <a:fld id="{4263717A-E3C1-4BED-ABE0-B7069385E023}" type="datetimeFigureOut">
               <a:rPr lang="en-US" smtClean="0"/>
-              <a:t>10/3/2025</a:t>
+              <a:t>10/4/2025</a:t>
             </a:fld>
             <a:endParaRPr lang="en-US"/>
           </a:p>
@@ -5071,7 +5434,7 @@
           <a:p>
             <a:fld id="{4263717A-E3C1-4BED-ABE0-B7069385E023}" type="datetimeFigureOut">
               <a:rPr lang="en-US" smtClean="0"/>
-              <a:t>10/3/2025</a:t>
+              <a:t>10/4/2025</a:t>
             </a:fld>
             <a:endParaRPr lang="en-US"/>
           </a:p>
@@ -5188,7 +5551,7 @@
           <a:p>
             <a:fld id="{4263717A-E3C1-4BED-ABE0-B7069385E023}" type="datetimeFigureOut">
               <a:rPr lang="en-US" smtClean="0"/>
-              <a:t>10/3/2025</a:t>
+              <a:t>10/4/2025</a:t>
             </a:fld>
             <a:endParaRPr lang="en-US"/>
           </a:p>
@@ -5283,7 +5646,7 @@
           <a:p>
             <a:fld id="{4263717A-E3C1-4BED-ABE0-B7069385E023}" type="datetimeFigureOut">
               <a:rPr lang="en-US" smtClean="0"/>
-              <a:t>10/3/2025</a:t>
+              <a:t>10/4/2025</a:t>
             </a:fld>
             <a:endParaRPr lang="en-US"/>
           </a:p>
@@ -5558,7 +5921,7 @@
           <a:p>
             <a:fld id="{4263717A-E3C1-4BED-ABE0-B7069385E023}" type="datetimeFigureOut">
               <a:rPr lang="en-US" smtClean="0"/>
-              <a:t>10/3/2025</a:t>
+              <a:t>10/4/2025</a:t>
             </a:fld>
             <a:endParaRPr lang="en-US"/>
           </a:p>
@@ -5810,7 +6173,7 @@
           <a:p>
             <a:fld id="{4263717A-E3C1-4BED-ABE0-B7069385E023}" type="datetimeFigureOut">
               <a:rPr lang="en-US" smtClean="0"/>
-              <a:t>10/3/2025</a:t>
+              <a:t>10/4/2025</a:t>
             </a:fld>
             <a:endParaRPr lang="en-US"/>
           </a:p>
@@ -6029,7 +6392,7 @@
           <a:p>
             <a:fld id="{4263717A-E3C1-4BED-ABE0-B7069385E023}" type="datetimeFigureOut">
               <a:rPr lang="en-US" smtClean="0"/>
-              <a:t>10/3/2025</a:t>
+              <a:t>10/4/2025</a:t>
             </a:fld>
             <a:endParaRPr lang="en-US"/>
           </a:p>
@@ -14454,6 +14817,1168 @@
   <p:cSld>
     <p:spTree>
       <p:nvGrpSpPr>
+        <p:cNvPr id="1" name=""/>
+        <p:cNvGrpSpPr/>
+        <p:nvPr/>
+      </p:nvGrpSpPr>
+      <p:grpSpPr>
+        <a:xfrm>
+          <a:off x="0" y="0"/>
+          <a:ext cx="0" cy="0"/>
+          <a:chOff x="0" y="0"/>
+          <a:chExt cx="0" cy="0"/>
+        </a:xfrm>
+      </p:grpSpPr>
+      <p:sp>
+        <p:nvSpPr>
+          <p:cNvPr id="2" name="Title 1">
+            <a:extLst>
+              <a:ext uri="{FF2B5EF4-FFF2-40B4-BE49-F238E27FC236}">
+                <a16:creationId xmlns:a16="http://schemas.microsoft.com/office/drawing/2014/main" id="{965C5F20-8E4B-C7BE-58D4-931FCBA1FE2A}"/>
+              </a:ext>
+            </a:extLst>
+          </p:cNvPr>
+          <p:cNvSpPr>
+            <a:spLocks noGrp="1"/>
+          </p:cNvSpPr>
+          <p:nvPr>
+            <p:ph type="title"/>
+          </p:nvPr>
+        </p:nvSpPr>
+        <p:spPr/>
+        <p:txBody>
+          <a:bodyPr/>
+          <a:lstStyle/>
+          <a:p>
+            <a:r>
+              <a:rPr lang="en-US" dirty="0"/>
+              <a:t>Takeaways: Cross-Entropy</a:t>
+            </a:r>
+          </a:p>
+        </p:txBody>
+      </p:sp>
+      <p:sp>
+        <p:nvSpPr>
+          <p:cNvPr id="3" name="Text Placeholder 2">
+            <a:extLst>
+              <a:ext uri="{FF2B5EF4-FFF2-40B4-BE49-F238E27FC236}">
+                <a16:creationId xmlns:a16="http://schemas.microsoft.com/office/drawing/2014/main" id="{72032C50-158D-3029-D25B-8421F3E6AE31}"/>
+              </a:ext>
+            </a:extLst>
+          </p:cNvPr>
+          <p:cNvSpPr>
+            <a:spLocks noGrp="1"/>
+          </p:cNvSpPr>
+          <p:nvPr>
+            <p:ph type="body" idx="1"/>
+          </p:nvPr>
+        </p:nvSpPr>
+        <p:spPr/>
+        <p:txBody>
+          <a:bodyPr/>
+          <a:lstStyle/>
+          <a:p>
+            <a:endParaRPr lang="en-US"/>
+          </a:p>
+        </p:txBody>
+      </p:sp>
+    </p:spTree>
+    <p:extLst>
+      <p:ext uri="{BB962C8B-B14F-4D97-AF65-F5344CB8AC3E}">
+        <p14:creationId xmlns:p14="http://schemas.microsoft.com/office/powerpoint/2010/main" val="3461224070"/>
+      </p:ext>
+    </p:extLst>
+  </p:cSld>
+  <p:clrMapOvr>
+    <a:masterClrMapping/>
+  </p:clrMapOvr>
+</p:sld>
+</file>
+
+<file path=ppt/slides/slide28.xml><?xml version="1.0" encoding="utf-8"?>
+<p:sld xmlns:a="http://schemas.openxmlformats.org/drawingml/2006/main" xmlns:r="http://schemas.openxmlformats.org/officeDocument/2006/relationships" xmlns:p="http://schemas.openxmlformats.org/presentationml/2006/main">
+  <p:cSld>
+    <p:spTree>
+      <p:nvGrpSpPr>
+        <p:cNvPr id="1" name=""/>
+        <p:cNvGrpSpPr/>
+        <p:nvPr/>
+      </p:nvGrpSpPr>
+      <p:grpSpPr>
+        <a:xfrm>
+          <a:off x="0" y="0"/>
+          <a:ext cx="0" cy="0"/>
+          <a:chOff x="0" y="0"/>
+          <a:chExt cx="0" cy="0"/>
+        </a:xfrm>
+      </p:grpSpPr>
+      <p:pic>
+        <p:nvPicPr>
+          <p:cNvPr id="5" name="Picture 4">
+            <a:extLst>
+              <a:ext uri="{FF2B5EF4-FFF2-40B4-BE49-F238E27FC236}">
+                <a16:creationId xmlns:a16="http://schemas.microsoft.com/office/drawing/2014/main" id="{24B1A8A9-54E3-F66F-EFEA-75494F3650A9}"/>
+              </a:ext>
+            </a:extLst>
+          </p:cNvPr>
+          <p:cNvPicPr>
+            <a:picLocks noChangeAspect="1"/>
+          </p:cNvPicPr>
+          <p:nvPr/>
+        </p:nvPicPr>
+        <p:blipFill>
+          <a:blip r:embed="rId2"/>
+          <a:stretch>
+            <a:fillRect/>
+          </a:stretch>
+        </p:blipFill>
+        <p:spPr>
+          <a:xfrm>
+            <a:off x="1982705" y="626990"/>
+            <a:ext cx="8226590" cy="5604019"/>
+          </a:xfrm>
+          <a:prstGeom prst="rect">
+            <a:avLst/>
+          </a:prstGeom>
+        </p:spPr>
+      </p:pic>
+      <p:sp>
+        <p:nvSpPr>
+          <p:cNvPr id="6" name="TextBox 5">
+            <a:extLst>
+              <a:ext uri="{FF2B5EF4-FFF2-40B4-BE49-F238E27FC236}">
+                <a16:creationId xmlns:a16="http://schemas.microsoft.com/office/drawing/2014/main" id="{DE2E7871-EC4F-D9F9-2F94-58794154C7C5}"/>
+              </a:ext>
+            </a:extLst>
+          </p:cNvPr>
+          <p:cNvSpPr txBox="1"/>
+          <p:nvPr/>
+        </p:nvSpPr>
+        <p:spPr>
+          <a:xfrm>
+            <a:off x="2425147" y="5629524"/>
+            <a:ext cx="1208985" cy="369332"/>
+          </a:xfrm>
+          <a:prstGeom prst="rect">
+            <a:avLst/>
+          </a:prstGeom>
+          <a:noFill/>
+        </p:spPr>
+        <p:txBody>
+          <a:bodyPr wrap="none" rtlCol="0">
+            <a:spAutoFit/>
+          </a:bodyPr>
+          <a:lstStyle/>
+          <a:p>
+            <a:r>
+              <a:rPr lang="en-US" dirty="0">
+                <a:solidFill>
+                  <a:schemeClr val="bg1"/>
+                </a:solidFill>
+              </a:rPr>
+              <a:t>log(1/P(A))</a:t>
+            </a:r>
+          </a:p>
+        </p:txBody>
+      </p:sp>
+      <p:sp>
+        <p:nvSpPr>
+          <p:cNvPr id="7" name="TextBox 6">
+            <a:extLst>
+              <a:ext uri="{FF2B5EF4-FFF2-40B4-BE49-F238E27FC236}">
+                <a16:creationId xmlns:a16="http://schemas.microsoft.com/office/drawing/2014/main" id="{B543A937-0CFA-12E1-D8A0-5920B872EB45}"/>
+              </a:ext>
+            </a:extLst>
+          </p:cNvPr>
+          <p:cNvSpPr txBox="1"/>
+          <p:nvPr/>
+        </p:nvSpPr>
+        <p:spPr>
+          <a:xfrm>
+            <a:off x="6736080" y="5559287"/>
+            <a:ext cx="1245854" cy="369332"/>
+          </a:xfrm>
+          <a:prstGeom prst="rect">
+            <a:avLst/>
+          </a:prstGeom>
+          <a:noFill/>
+        </p:spPr>
+        <p:txBody>
+          <a:bodyPr wrap="none" rtlCol="0">
+            <a:spAutoFit/>
+          </a:bodyPr>
+          <a:lstStyle/>
+          <a:p>
+            <a:r>
+              <a:rPr lang="en-US" dirty="0">
+                <a:solidFill>
+                  <a:schemeClr val="bg1"/>
+                </a:solidFill>
+              </a:rPr>
+              <a:t>log(1/Q(A))</a:t>
+            </a:r>
+          </a:p>
+        </p:txBody>
+      </p:sp>
+    </p:spTree>
+    <p:extLst>
+      <p:ext uri="{BB962C8B-B14F-4D97-AF65-F5344CB8AC3E}">
+        <p14:creationId xmlns:p14="http://schemas.microsoft.com/office/powerpoint/2010/main" val="4231632982"/>
+      </p:ext>
+    </p:extLst>
+  </p:cSld>
+  <p:clrMapOvr>
+    <a:masterClrMapping/>
+  </p:clrMapOvr>
+</p:sld>
+</file>
+
+<file path=ppt/slides/slide29.xml><?xml version="1.0" encoding="utf-8"?>
+<p:sld xmlns:a="http://schemas.openxmlformats.org/drawingml/2006/main" xmlns:r="http://schemas.openxmlformats.org/officeDocument/2006/relationships" xmlns:p="http://schemas.openxmlformats.org/presentationml/2006/main">
+  <p:cSld>
+    <p:spTree>
+      <p:nvGrpSpPr>
+        <p:cNvPr id="1" name="">
+          <a:extLst>
+            <a:ext uri="{FF2B5EF4-FFF2-40B4-BE49-F238E27FC236}">
+              <a16:creationId xmlns:a16="http://schemas.microsoft.com/office/drawing/2014/main" id="{C6CCEB63-78EE-0AB9-2AC1-8CA37CC9A9F6}"/>
+            </a:ext>
+          </a:extLst>
+        </p:cNvPr>
+        <p:cNvGrpSpPr/>
+        <p:nvPr/>
+      </p:nvGrpSpPr>
+      <p:grpSpPr>
+        <a:xfrm>
+          <a:off x="0" y="0"/>
+          <a:ext cx="0" cy="0"/>
+          <a:chOff x="0" y="0"/>
+          <a:chExt cx="0" cy="0"/>
+        </a:xfrm>
+      </p:grpSpPr>
+      <p:pic>
+        <p:nvPicPr>
+          <p:cNvPr id="5" name="Picture 4">
+            <a:extLst>
+              <a:ext uri="{FF2B5EF4-FFF2-40B4-BE49-F238E27FC236}">
+                <a16:creationId xmlns:a16="http://schemas.microsoft.com/office/drawing/2014/main" id="{A8D19EFF-AA11-BCDB-6B59-820691AE3FBE}"/>
+              </a:ext>
+            </a:extLst>
+          </p:cNvPr>
+          <p:cNvPicPr>
+            <a:picLocks noChangeAspect="1"/>
+          </p:cNvPicPr>
+          <p:nvPr/>
+        </p:nvPicPr>
+        <p:blipFill>
+          <a:blip r:embed="rId2"/>
+          <a:stretch>
+            <a:fillRect/>
+          </a:stretch>
+        </p:blipFill>
+        <p:spPr>
+          <a:xfrm>
+            <a:off x="1982705" y="626990"/>
+            <a:ext cx="8226590" cy="5604019"/>
+          </a:xfrm>
+          <a:prstGeom prst="rect">
+            <a:avLst/>
+          </a:prstGeom>
+        </p:spPr>
+      </p:pic>
+      <p:sp>
+        <p:nvSpPr>
+          <p:cNvPr id="6" name="TextBox 5">
+            <a:extLst>
+              <a:ext uri="{FF2B5EF4-FFF2-40B4-BE49-F238E27FC236}">
+                <a16:creationId xmlns:a16="http://schemas.microsoft.com/office/drawing/2014/main" id="{30F79561-D298-B43F-57C2-772BDBCF0838}"/>
+              </a:ext>
+            </a:extLst>
+          </p:cNvPr>
+          <p:cNvSpPr txBox="1"/>
+          <p:nvPr/>
+        </p:nvSpPr>
+        <p:spPr>
+          <a:xfrm>
+            <a:off x="2425147" y="5629524"/>
+            <a:ext cx="1208985" cy="369332"/>
+          </a:xfrm>
+          <a:prstGeom prst="rect">
+            <a:avLst/>
+          </a:prstGeom>
+          <a:noFill/>
+        </p:spPr>
+        <p:txBody>
+          <a:bodyPr wrap="none" rtlCol="0">
+            <a:spAutoFit/>
+          </a:bodyPr>
+          <a:lstStyle/>
+          <a:p>
+            <a:r>
+              <a:rPr lang="en-US" dirty="0">
+                <a:solidFill>
+                  <a:schemeClr val="bg1"/>
+                </a:solidFill>
+              </a:rPr>
+              <a:t>log(1/P(A))</a:t>
+            </a:r>
+          </a:p>
+        </p:txBody>
+      </p:sp>
+      <p:sp>
+        <p:nvSpPr>
+          <p:cNvPr id="7" name="TextBox 6">
+            <a:extLst>
+              <a:ext uri="{FF2B5EF4-FFF2-40B4-BE49-F238E27FC236}">
+                <a16:creationId xmlns:a16="http://schemas.microsoft.com/office/drawing/2014/main" id="{EA146F9E-11CA-3C76-FF82-3887C1FBEEA8}"/>
+              </a:ext>
+            </a:extLst>
+          </p:cNvPr>
+          <p:cNvSpPr txBox="1"/>
+          <p:nvPr/>
+        </p:nvSpPr>
+        <p:spPr>
+          <a:xfrm>
+            <a:off x="6736080" y="5559287"/>
+            <a:ext cx="1245854" cy="369332"/>
+          </a:xfrm>
+          <a:prstGeom prst="rect">
+            <a:avLst/>
+          </a:prstGeom>
+          <a:noFill/>
+        </p:spPr>
+        <p:txBody>
+          <a:bodyPr wrap="none" rtlCol="0">
+            <a:spAutoFit/>
+          </a:bodyPr>
+          <a:lstStyle/>
+          <a:p>
+            <a:r>
+              <a:rPr lang="en-US" dirty="0">
+                <a:solidFill>
+                  <a:schemeClr val="bg1"/>
+                </a:solidFill>
+              </a:rPr>
+              <a:t>log(1/Q(A))</a:t>
+            </a:r>
+          </a:p>
+        </p:txBody>
+      </p:sp>
+      <p:grpSp>
+        <p:nvGrpSpPr>
+          <p:cNvPr id="10" name="Group 9">
+            <a:extLst>
+              <a:ext uri="{FF2B5EF4-FFF2-40B4-BE49-F238E27FC236}">
+                <a16:creationId xmlns:a16="http://schemas.microsoft.com/office/drawing/2014/main" id="{CB0D6D53-C574-2A45-EB10-31092F966076}"/>
+              </a:ext>
+            </a:extLst>
+          </p:cNvPr>
+          <p:cNvGrpSpPr/>
+          <p:nvPr/>
+        </p:nvGrpSpPr>
+        <p:grpSpPr>
+          <a:xfrm>
+            <a:off x="2575080" y="4786403"/>
+            <a:ext cx="5416200" cy="1265760"/>
+            <a:chOff x="2575080" y="4786403"/>
+            <a:chExt cx="5416200" cy="1265760"/>
+          </a:xfrm>
+        </p:grpSpPr>
+        <mc:AlternateContent xmlns:mc="http://schemas.openxmlformats.org/markup-compatibility/2006">
+          <mc:Choice xmlns:p14="http://schemas.microsoft.com/office/powerpoint/2010/main" Requires="p14">
+            <p:contentPart p14:bwMode="auto" r:id="rId3">
+              <p14:nvContentPartPr>
+                <p14:cNvPr id="2" name="Ink 1">
+                  <a:extLst>
+                    <a:ext uri="{FF2B5EF4-FFF2-40B4-BE49-F238E27FC236}">
+                      <a16:creationId xmlns:a16="http://schemas.microsoft.com/office/drawing/2014/main" id="{C8BD4DE7-2242-5C16-B435-B5DED5C1C2A6}"/>
+                    </a:ext>
+                  </a:extLst>
+                </p14:cNvPr>
+                <p14:cNvContentPartPr/>
+                <p14:nvPr/>
+              </p14:nvContentPartPr>
+              <p14:xfrm>
+                <a:off x="2575080" y="4786403"/>
+                <a:ext cx="836280" cy="740520"/>
+              </p14:xfrm>
+            </p:contentPart>
+          </mc:Choice>
+          <mc:Fallback>
+            <p:pic>
+              <p:nvPicPr>
+                <p:cNvPr id="2" name="Ink 1">
+                  <a:extLst>
+                    <a:ext uri="{FF2B5EF4-FFF2-40B4-BE49-F238E27FC236}">
+                      <a16:creationId xmlns:a16="http://schemas.microsoft.com/office/drawing/2014/main" id="{C8BD4DE7-2242-5C16-B435-B5DED5C1C2A6}"/>
+                    </a:ext>
+                  </a:extLst>
+                </p:cNvPr>
+                <p:cNvPicPr/>
+                <p:nvPr/>
+              </p:nvPicPr>
+              <p:blipFill>
+                <a:blip r:embed="rId4"/>
+                <a:stretch>
+                  <a:fillRect/>
+                </a:stretch>
+              </p:blipFill>
+              <p:spPr>
+                <a:xfrm>
+                  <a:off x="2566080" y="4777403"/>
+                  <a:ext cx="853920" cy="758160"/>
+                </a:xfrm>
+                <a:prstGeom prst="rect">
+                  <a:avLst/>
+                </a:prstGeom>
+              </p:spPr>
+            </p:pic>
+          </mc:Fallback>
+        </mc:AlternateContent>
+        <mc:AlternateContent xmlns:mc="http://schemas.openxmlformats.org/markup-compatibility/2006">
+          <mc:Choice xmlns:p14="http://schemas.microsoft.com/office/powerpoint/2010/main" Requires="p14">
+            <p:contentPart p14:bwMode="auto" r:id="rId5">
+              <p14:nvContentPartPr>
+                <p14:cNvPr id="3" name="Ink 2">
+                  <a:extLst>
+                    <a:ext uri="{FF2B5EF4-FFF2-40B4-BE49-F238E27FC236}">
+                      <a16:creationId xmlns:a16="http://schemas.microsoft.com/office/drawing/2014/main" id="{B3A1394C-04A9-A661-107F-C3A9B0DA345C}"/>
+                    </a:ext>
+                  </a:extLst>
+                </p14:cNvPr>
+                <p14:cNvContentPartPr/>
+                <p14:nvPr/>
+              </p14:nvContentPartPr>
+              <p14:xfrm>
+                <a:off x="3450600" y="5360963"/>
+                <a:ext cx="3323880" cy="492840"/>
+              </p14:xfrm>
+            </p:contentPart>
+          </mc:Choice>
+          <mc:Fallback>
+            <p:pic>
+              <p:nvPicPr>
+                <p:cNvPr id="3" name="Ink 2">
+                  <a:extLst>
+                    <a:ext uri="{FF2B5EF4-FFF2-40B4-BE49-F238E27FC236}">
+                      <a16:creationId xmlns:a16="http://schemas.microsoft.com/office/drawing/2014/main" id="{B3A1394C-04A9-A661-107F-C3A9B0DA345C}"/>
+                    </a:ext>
+                  </a:extLst>
+                </p:cNvPr>
+                <p:cNvPicPr/>
+                <p:nvPr/>
+              </p:nvPicPr>
+              <p:blipFill>
+                <a:blip r:embed="rId6"/>
+                <a:stretch>
+                  <a:fillRect/>
+                </a:stretch>
+              </p:blipFill>
+              <p:spPr>
+                <a:xfrm>
+                  <a:off x="3441960" y="5351963"/>
+                  <a:ext cx="3341520" cy="510480"/>
+                </a:xfrm>
+                <a:prstGeom prst="rect">
+                  <a:avLst/>
+                </a:prstGeom>
+              </p:spPr>
+            </p:pic>
+          </mc:Fallback>
+        </mc:AlternateContent>
+        <mc:AlternateContent xmlns:mc="http://schemas.openxmlformats.org/markup-compatibility/2006">
+          <mc:Choice xmlns:p14="http://schemas.microsoft.com/office/powerpoint/2010/main" Requires="p14">
+            <p:contentPart p14:bwMode="auto" r:id="rId7">
+              <p14:nvContentPartPr>
+                <p14:cNvPr id="8" name="Ink 7">
+                  <a:extLst>
+                    <a:ext uri="{FF2B5EF4-FFF2-40B4-BE49-F238E27FC236}">
+                      <a16:creationId xmlns:a16="http://schemas.microsoft.com/office/drawing/2014/main" id="{5D4480EF-C9A4-3E97-DBC4-0EF927CF859E}"/>
+                    </a:ext>
+                  </a:extLst>
+                </p14:cNvPr>
+                <p14:cNvContentPartPr/>
+                <p14:nvPr/>
+              </p14:nvContentPartPr>
+              <p14:xfrm>
+                <a:off x="6654960" y="5613323"/>
+                <a:ext cx="199800" cy="183600"/>
+              </p14:xfrm>
+            </p:contentPart>
+          </mc:Choice>
+          <mc:Fallback>
+            <p:pic>
+              <p:nvPicPr>
+                <p:cNvPr id="8" name="Ink 7">
+                  <a:extLst>
+                    <a:ext uri="{FF2B5EF4-FFF2-40B4-BE49-F238E27FC236}">
+                      <a16:creationId xmlns:a16="http://schemas.microsoft.com/office/drawing/2014/main" id="{5D4480EF-C9A4-3E97-DBC4-0EF927CF859E}"/>
+                    </a:ext>
+                  </a:extLst>
+                </p:cNvPr>
+                <p:cNvPicPr/>
+                <p:nvPr/>
+              </p:nvPicPr>
+              <p:blipFill>
+                <a:blip r:embed="rId8"/>
+                <a:stretch>
+                  <a:fillRect/>
+                </a:stretch>
+              </p:blipFill>
+              <p:spPr>
+                <a:xfrm>
+                  <a:off x="6646320" y="5604323"/>
+                  <a:ext cx="217440" cy="201240"/>
+                </a:xfrm>
+                <a:prstGeom prst="rect">
+                  <a:avLst/>
+                </a:prstGeom>
+              </p:spPr>
+            </p:pic>
+          </mc:Fallback>
+        </mc:AlternateContent>
+        <mc:AlternateContent xmlns:mc="http://schemas.openxmlformats.org/markup-compatibility/2006">
+          <mc:Choice xmlns:p14="http://schemas.microsoft.com/office/powerpoint/2010/main" Requires="p14">
+            <p:contentPart p14:bwMode="auto" r:id="rId9">
+              <p14:nvContentPartPr>
+                <p14:cNvPr id="9" name="Ink 8">
+                  <a:extLst>
+                    <a:ext uri="{FF2B5EF4-FFF2-40B4-BE49-F238E27FC236}">
+                      <a16:creationId xmlns:a16="http://schemas.microsoft.com/office/drawing/2014/main" id="{9AD891B8-14D8-CACB-ABF2-1B84702D6408}"/>
+                    </a:ext>
+                  </a:extLst>
+                </p14:cNvPr>
+                <p14:cNvContentPartPr/>
+                <p14:nvPr/>
+              </p14:nvContentPartPr>
+              <p14:xfrm>
+                <a:off x="6750000" y="5557883"/>
+                <a:ext cx="1241280" cy="494280"/>
+              </p14:xfrm>
+            </p:contentPart>
+          </mc:Choice>
+          <mc:Fallback>
+            <p:pic>
+              <p:nvPicPr>
+                <p:cNvPr id="9" name="Ink 8">
+                  <a:extLst>
+                    <a:ext uri="{FF2B5EF4-FFF2-40B4-BE49-F238E27FC236}">
+                      <a16:creationId xmlns:a16="http://schemas.microsoft.com/office/drawing/2014/main" id="{9AD891B8-14D8-CACB-ABF2-1B84702D6408}"/>
+                    </a:ext>
+                  </a:extLst>
+                </p:cNvPr>
+                <p:cNvPicPr/>
+                <p:nvPr/>
+              </p:nvPicPr>
+              <p:blipFill>
+                <a:blip r:embed="rId10"/>
+                <a:stretch>
+                  <a:fillRect/>
+                </a:stretch>
+              </p:blipFill>
+              <p:spPr>
+                <a:xfrm>
+                  <a:off x="6741000" y="5548883"/>
+                  <a:ext cx="1258920" cy="511920"/>
+                </a:xfrm>
+                <a:prstGeom prst="rect">
+                  <a:avLst/>
+                </a:prstGeom>
+              </p:spPr>
+            </p:pic>
+          </mc:Fallback>
+        </mc:AlternateContent>
+      </p:grpSp>
+      <p:grpSp>
+        <p:nvGrpSpPr>
+          <p:cNvPr id="13" name="Group 12">
+            <a:extLst>
+              <a:ext uri="{FF2B5EF4-FFF2-40B4-BE49-F238E27FC236}">
+                <a16:creationId xmlns:a16="http://schemas.microsoft.com/office/drawing/2014/main" id="{846B8430-03D9-17FF-B183-1ED5B9EF784B}"/>
+              </a:ext>
+            </a:extLst>
+          </p:cNvPr>
+          <p:cNvGrpSpPr/>
+          <p:nvPr/>
+        </p:nvGrpSpPr>
+        <p:grpSpPr>
+          <a:xfrm>
+            <a:off x="5351040" y="5510003"/>
+            <a:ext cx="225360" cy="199800"/>
+            <a:chOff x="5351040" y="5510003"/>
+            <a:chExt cx="225360" cy="199800"/>
+          </a:xfrm>
+        </p:grpSpPr>
+        <mc:AlternateContent xmlns:mc="http://schemas.openxmlformats.org/markup-compatibility/2006">
+          <mc:Choice xmlns:p14="http://schemas.microsoft.com/office/powerpoint/2010/main" Requires="p14">
+            <p:contentPart p14:bwMode="auto" r:id="rId11">
+              <p14:nvContentPartPr>
+                <p14:cNvPr id="11" name="Ink 10">
+                  <a:extLst>
+                    <a:ext uri="{FF2B5EF4-FFF2-40B4-BE49-F238E27FC236}">
+                      <a16:creationId xmlns:a16="http://schemas.microsoft.com/office/drawing/2014/main" id="{7CA7792B-DF06-CDEE-235D-96246337F8B9}"/>
+                    </a:ext>
+                  </a:extLst>
+                </p14:cNvPr>
+                <p14:cNvContentPartPr/>
+                <p14:nvPr/>
+              </p14:nvContentPartPr>
+              <p14:xfrm>
+                <a:off x="5388120" y="5510003"/>
+                <a:ext cx="143640" cy="199800"/>
+              </p14:xfrm>
+            </p:contentPart>
+          </mc:Choice>
+          <mc:Fallback>
+            <p:pic>
+              <p:nvPicPr>
+                <p:cNvPr id="11" name="Ink 10">
+                  <a:extLst>
+                    <a:ext uri="{FF2B5EF4-FFF2-40B4-BE49-F238E27FC236}">
+                      <a16:creationId xmlns:a16="http://schemas.microsoft.com/office/drawing/2014/main" id="{7CA7792B-DF06-CDEE-235D-96246337F8B9}"/>
+                    </a:ext>
+                  </a:extLst>
+                </p:cNvPr>
+                <p:cNvPicPr/>
+                <p:nvPr/>
+              </p:nvPicPr>
+              <p:blipFill>
+                <a:blip r:embed="rId12"/>
+                <a:stretch>
+                  <a:fillRect/>
+                </a:stretch>
+              </p:blipFill>
+              <p:spPr>
+                <a:xfrm>
+                  <a:off x="5379480" y="5501363"/>
+                  <a:ext cx="161280" cy="217440"/>
+                </a:xfrm>
+                <a:prstGeom prst="rect">
+                  <a:avLst/>
+                </a:prstGeom>
+              </p:spPr>
+            </p:pic>
+          </mc:Fallback>
+        </mc:AlternateContent>
+        <mc:AlternateContent xmlns:mc="http://schemas.openxmlformats.org/markup-compatibility/2006">
+          <mc:Choice xmlns:p14="http://schemas.microsoft.com/office/powerpoint/2010/main" Requires="p14">
+            <p:contentPart p14:bwMode="auto" r:id="rId13">
+              <p14:nvContentPartPr>
+                <p14:cNvPr id="12" name="Ink 11">
+                  <a:extLst>
+                    <a:ext uri="{FF2B5EF4-FFF2-40B4-BE49-F238E27FC236}">
+                      <a16:creationId xmlns:a16="http://schemas.microsoft.com/office/drawing/2014/main" id="{5B0A3CCE-1C05-640E-1B57-AE45224DD326}"/>
+                    </a:ext>
+                  </a:extLst>
+                </p14:cNvPr>
+                <p14:cNvContentPartPr/>
+                <p14:nvPr/>
+              </p14:nvContentPartPr>
+              <p14:xfrm>
+                <a:off x="5351040" y="5565443"/>
+                <a:ext cx="225360" cy="106920"/>
+              </p14:xfrm>
+            </p:contentPart>
+          </mc:Choice>
+          <mc:Fallback>
+            <p:pic>
+              <p:nvPicPr>
+                <p:cNvPr id="12" name="Ink 11">
+                  <a:extLst>
+                    <a:ext uri="{FF2B5EF4-FFF2-40B4-BE49-F238E27FC236}">
+                      <a16:creationId xmlns:a16="http://schemas.microsoft.com/office/drawing/2014/main" id="{5B0A3CCE-1C05-640E-1B57-AE45224DD326}"/>
+                    </a:ext>
+                  </a:extLst>
+                </p:cNvPr>
+                <p:cNvPicPr/>
+                <p:nvPr/>
+              </p:nvPicPr>
+              <p:blipFill>
+                <a:blip r:embed="rId14"/>
+                <a:stretch>
+                  <a:fillRect/>
+                </a:stretch>
+              </p:blipFill>
+              <p:spPr>
+                <a:xfrm>
+                  <a:off x="5342400" y="5556803"/>
+                  <a:ext cx="243000" cy="124560"/>
+                </a:xfrm>
+                <a:prstGeom prst="rect">
+                  <a:avLst/>
+                </a:prstGeom>
+              </p:spPr>
+            </p:pic>
+          </mc:Fallback>
+        </mc:AlternateContent>
+      </p:grpSp>
+    </p:spTree>
+    <p:extLst>
+      <p:ext uri="{BB962C8B-B14F-4D97-AF65-F5344CB8AC3E}">
+        <p14:creationId xmlns:p14="http://schemas.microsoft.com/office/powerpoint/2010/main" val="4277838149"/>
+      </p:ext>
+    </p:extLst>
+  </p:cSld>
+  <p:clrMapOvr>
+    <a:masterClrMapping/>
+  </p:clrMapOvr>
+</p:sld>
+</file>
+
+<file path=ppt/slides/slide3.xml><?xml version="1.0" encoding="utf-8"?>
+<p:sld xmlns:a="http://schemas.openxmlformats.org/drawingml/2006/main" xmlns:r="http://schemas.openxmlformats.org/officeDocument/2006/relationships" xmlns:p="http://schemas.openxmlformats.org/presentationml/2006/main">
+  <p:cSld>
+    <p:spTree>
+      <p:nvGrpSpPr>
+        <p:cNvPr id="1" name=""/>
+        <p:cNvGrpSpPr/>
+        <p:nvPr/>
+      </p:nvGrpSpPr>
+      <p:grpSpPr>
+        <a:xfrm>
+          <a:off x="0" y="0"/>
+          <a:ext cx="0" cy="0"/>
+          <a:chOff x="0" y="0"/>
+          <a:chExt cx="0" cy="0"/>
+        </a:xfrm>
+      </p:grpSpPr>
+      <p:sp>
+        <p:nvSpPr>
+          <p:cNvPr id="4" name="Title 3">
+            <a:extLst>
+              <a:ext uri="{FF2B5EF4-FFF2-40B4-BE49-F238E27FC236}">
+                <a16:creationId xmlns:a16="http://schemas.microsoft.com/office/drawing/2014/main" id="{5BD99D44-85CE-1418-D272-8ACDD0AAE54A}"/>
+              </a:ext>
+            </a:extLst>
+          </p:cNvPr>
+          <p:cNvSpPr>
+            <a:spLocks noGrp="1"/>
+          </p:cNvSpPr>
+          <p:nvPr>
+            <p:ph type="title"/>
+          </p:nvPr>
+        </p:nvSpPr>
+        <p:spPr/>
+        <p:txBody>
+          <a:bodyPr/>
+          <a:lstStyle/>
+          <a:p>
+            <a:r>
+              <a:rPr lang="en-US" dirty="0"/>
+              <a:t>Entropy</a:t>
+            </a:r>
+          </a:p>
+        </p:txBody>
+      </p:sp>
+      <p:sp>
+        <p:nvSpPr>
+          <p:cNvPr id="5" name="Text Placeholder 4">
+            <a:extLst>
+              <a:ext uri="{FF2B5EF4-FFF2-40B4-BE49-F238E27FC236}">
+                <a16:creationId xmlns:a16="http://schemas.microsoft.com/office/drawing/2014/main" id="{9CC22AFD-52E6-F29C-827F-E36EDD1B0723}"/>
+              </a:ext>
+            </a:extLst>
+          </p:cNvPr>
+          <p:cNvSpPr>
+            <a:spLocks noGrp="1"/>
+          </p:cNvSpPr>
+          <p:nvPr>
+            <p:ph type="body" idx="1"/>
+          </p:nvPr>
+        </p:nvSpPr>
+        <p:spPr/>
+        <p:txBody>
+          <a:bodyPr/>
+          <a:lstStyle/>
+          <a:p>
+            <a:endParaRPr lang="en-US"/>
+          </a:p>
+        </p:txBody>
+      </p:sp>
+    </p:spTree>
+    <p:extLst>
+      <p:ext uri="{BB962C8B-B14F-4D97-AF65-F5344CB8AC3E}">
+        <p14:creationId xmlns:p14="http://schemas.microsoft.com/office/powerpoint/2010/main" val="2513134488"/>
+      </p:ext>
+    </p:extLst>
+  </p:cSld>
+  <p:clrMapOvr>
+    <a:masterClrMapping/>
+  </p:clrMapOvr>
+</p:sld>
+</file>
+
+<file path=ppt/slides/slide30.xml><?xml version="1.0" encoding="utf-8"?>
+<p:sld xmlns:a="http://schemas.openxmlformats.org/drawingml/2006/main" xmlns:r="http://schemas.openxmlformats.org/officeDocument/2006/relationships" xmlns:p="http://schemas.openxmlformats.org/presentationml/2006/main">
+  <p:cSld>
+    <p:spTree>
+      <p:nvGrpSpPr>
+        <p:cNvPr id="1" name=""/>
+        <p:cNvGrpSpPr/>
+        <p:nvPr/>
+      </p:nvGrpSpPr>
+      <p:grpSpPr>
+        <a:xfrm>
+          <a:off x="0" y="0"/>
+          <a:ext cx="0" cy="0"/>
+          <a:chOff x="0" y="0"/>
+          <a:chExt cx="0" cy="0"/>
+        </a:xfrm>
+      </p:grpSpPr>
+      <p:pic>
+        <p:nvPicPr>
+          <p:cNvPr id="5" name="Picture 4">
+            <a:extLst>
+              <a:ext uri="{FF2B5EF4-FFF2-40B4-BE49-F238E27FC236}">
+                <a16:creationId xmlns:a16="http://schemas.microsoft.com/office/drawing/2014/main" id="{13AC492A-0F0C-5583-4E32-C395EACCED5C}"/>
+              </a:ext>
+            </a:extLst>
+          </p:cNvPr>
+          <p:cNvPicPr>
+            <a:picLocks noChangeAspect="1"/>
+          </p:cNvPicPr>
+          <p:nvPr/>
+        </p:nvPicPr>
+        <p:blipFill>
+          <a:blip r:embed="rId3"/>
+          <a:stretch>
+            <a:fillRect/>
+          </a:stretch>
+        </p:blipFill>
+        <p:spPr>
+          <a:xfrm>
+            <a:off x="1266502" y="611687"/>
+            <a:ext cx="9388654" cy="5380186"/>
+          </a:xfrm>
+          <a:prstGeom prst="rect">
+            <a:avLst/>
+          </a:prstGeom>
+        </p:spPr>
+      </p:pic>
+      <p:sp>
+        <p:nvSpPr>
+          <p:cNvPr id="9" name="Rectangle 8">
+            <a:extLst>
+              <a:ext uri="{FF2B5EF4-FFF2-40B4-BE49-F238E27FC236}">
+                <a16:creationId xmlns:a16="http://schemas.microsoft.com/office/drawing/2014/main" id="{5036ACD9-37E2-0C3C-F58D-589161FED4FE}"/>
+              </a:ext>
+            </a:extLst>
+          </p:cNvPr>
+          <p:cNvSpPr/>
+          <p:nvPr/>
+        </p:nvSpPr>
+        <p:spPr>
+          <a:xfrm>
+            <a:off x="9120146" y="3323645"/>
+            <a:ext cx="1399430" cy="1653872"/>
+          </a:xfrm>
+          <a:prstGeom prst="rect">
+            <a:avLst/>
+          </a:prstGeom>
+          <a:noFill/>
+          <a:ln>
+            <a:solidFill>
+              <a:srgbClr val="FF0000"/>
+            </a:solidFill>
+          </a:ln>
+        </p:spPr>
+        <p:style>
+          <a:lnRef idx="2">
+            <a:schemeClr val="accent1">
+              <a:shade val="15000"/>
+            </a:schemeClr>
+          </a:lnRef>
+          <a:fillRef idx="1">
+            <a:schemeClr val="accent1"/>
+          </a:fillRef>
+          <a:effectRef idx="0">
+            <a:schemeClr val="accent1"/>
+          </a:effectRef>
+          <a:fontRef idx="minor">
+            <a:schemeClr val="lt1"/>
+          </a:fontRef>
+        </p:style>
+        <p:txBody>
+          <a:bodyPr rtlCol="0" anchor="ctr"/>
+          <a:lstStyle/>
+          <a:p>
+            <a:pPr algn="ctr"/>
+            <a:endParaRPr lang="en-US"/>
+          </a:p>
+        </p:txBody>
+      </p:sp>
+      <p:sp>
+        <p:nvSpPr>
+          <p:cNvPr id="10" name="TextBox 9">
+            <a:extLst>
+              <a:ext uri="{FF2B5EF4-FFF2-40B4-BE49-F238E27FC236}">
+                <a16:creationId xmlns:a16="http://schemas.microsoft.com/office/drawing/2014/main" id="{DC5C7B9C-0391-BBF9-9525-605A3EAAF43C}"/>
+              </a:ext>
+            </a:extLst>
+          </p:cNvPr>
+          <p:cNvSpPr txBox="1"/>
+          <p:nvPr/>
+        </p:nvSpPr>
+        <p:spPr>
+          <a:xfrm>
+            <a:off x="10821726" y="3429000"/>
+            <a:ext cx="1121134" cy="923330"/>
+          </a:xfrm>
+          <a:prstGeom prst="rect">
+            <a:avLst/>
+          </a:prstGeom>
+          <a:noFill/>
+        </p:spPr>
+        <p:txBody>
+          <a:bodyPr wrap="square" rtlCol="0">
+            <a:spAutoFit/>
+          </a:bodyPr>
+          <a:lstStyle/>
+          <a:p>
+            <a:r>
+              <a:rPr lang="en-US" dirty="0">
+                <a:solidFill>
+                  <a:srgbClr val="FF0000"/>
+                </a:solidFill>
+              </a:rPr>
+              <a:t>using incorrect encoding</a:t>
+            </a:r>
+          </a:p>
+        </p:txBody>
+      </p:sp>
+      <p:cxnSp>
+        <p:nvCxnSpPr>
+          <p:cNvPr id="12" name="Straight Arrow Connector 11">
+            <a:extLst>
+              <a:ext uri="{FF2B5EF4-FFF2-40B4-BE49-F238E27FC236}">
+                <a16:creationId xmlns:a16="http://schemas.microsoft.com/office/drawing/2014/main" id="{A7BF17B7-9E70-B84F-F57A-6F1640FFA7E7}"/>
+              </a:ext>
+            </a:extLst>
+          </p:cNvPr>
+          <p:cNvCxnSpPr>
+            <a:stCxn id="10" idx="1"/>
+          </p:cNvCxnSpPr>
+          <p:nvPr/>
+        </p:nvCxnSpPr>
+        <p:spPr>
+          <a:xfrm flipH="1">
+            <a:off x="10519576" y="3890665"/>
+            <a:ext cx="302150" cy="148598"/>
+          </a:xfrm>
+          <a:prstGeom prst="straightConnector1">
+            <a:avLst/>
+          </a:prstGeom>
+          <a:ln>
+            <a:tailEnd type="triangle"/>
+          </a:ln>
+        </p:spPr>
+        <p:style>
+          <a:lnRef idx="1">
+            <a:schemeClr val="accent2"/>
+          </a:lnRef>
+          <a:fillRef idx="0">
+            <a:schemeClr val="accent2"/>
+          </a:fillRef>
+          <a:effectRef idx="0">
+            <a:schemeClr val="accent2"/>
+          </a:effectRef>
+          <a:fontRef idx="minor">
+            <a:schemeClr val="tx1"/>
+          </a:fontRef>
+        </p:style>
+      </p:cxnSp>
+      <p:grpSp>
+        <p:nvGrpSpPr>
+          <p:cNvPr id="16" name="Group 15">
+            <a:extLst>
+              <a:ext uri="{FF2B5EF4-FFF2-40B4-BE49-F238E27FC236}">
+                <a16:creationId xmlns:a16="http://schemas.microsoft.com/office/drawing/2014/main" id="{DB936B9F-9277-96A3-7A7D-B415A8EEF03F}"/>
+              </a:ext>
+            </a:extLst>
+          </p:cNvPr>
+          <p:cNvGrpSpPr/>
+          <p:nvPr/>
+        </p:nvGrpSpPr>
+        <p:grpSpPr>
+          <a:xfrm>
+            <a:off x="5056200" y="5031203"/>
+            <a:ext cx="5361840" cy="644760"/>
+            <a:chOff x="5056200" y="5031203"/>
+            <a:chExt cx="5361840" cy="644760"/>
+          </a:xfrm>
+        </p:grpSpPr>
+        <mc:AlternateContent xmlns:mc="http://schemas.openxmlformats.org/markup-compatibility/2006">
+          <mc:Choice xmlns:p14="http://schemas.microsoft.com/office/powerpoint/2010/main" Requires="p14">
+            <p:contentPart p14:bwMode="auto" r:id="rId4">
+              <p14:nvContentPartPr>
+                <p14:cNvPr id="13" name="Ink 12">
+                  <a:extLst>
+                    <a:ext uri="{FF2B5EF4-FFF2-40B4-BE49-F238E27FC236}">
+                      <a16:creationId xmlns:a16="http://schemas.microsoft.com/office/drawing/2014/main" id="{DFC88E61-0B06-FA19-4E89-C647077E0DF2}"/>
+                    </a:ext>
+                  </a:extLst>
+                </p14:cNvPr>
+                <p14:cNvContentPartPr/>
+                <p14:nvPr/>
+              </p14:nvContentPartPr>
+              <p14:xfrm>
+                <a:off x="7569000" y="5031203"/>
+                <a:ext cx="2849040" cy="496080"/>
+              </p14:xfrm>
+            </p:contentPart>
+          </mc:Choice>
+          <mc:Fallback>
+            <p:pic>
+              <p:nvPicPr>
+                <p:cNvPr id="13" name="Ink 12">
+                  <a:extLst>
+                    <a:ext uri="{FF2B5EF4-FFF2-40B4-BE49-F238E27FC236}">
+                      <a16:creationId xmlns:a16="http://schemas.microsoft.com/office/drawing/2014/main" id="{DFC88E61-0B06-FA19-4E89-C647077E0DF2}"/>
+                    </a:ext>
+                  </a:extLst>
+                </p:cNvPr>
+                <p:cNvPicPr/>
+                <p:nvPr/>
+              </p:nvPicPr>
+              <p:blipFill>
+                <a:blip r:embed="rId5"/>
+                <a:stretch>
+                  <a:fillRect/>
+                </a:stretch>
+              </p:blipFill>
+              <p:spPr>
+                <a:xfrm>
+                  <a:off x="7560360" y="5022203"/>
+                  <a:ext cx="2866680" cy="513720"/>
+                </a:xfrm>
+                <a:prstGeom prst="rect">
+                  <a:avLst/>
+                </a:prstGeom>
+              </p:spPr>
+            </p:pic>
+          </mc:Fallback>
+        </mc:AlternateContent>
+        <mc:AlternateContent xmlns:mc="http://schemas.openxmlformats.org/markup-compatibility/2006">
+          <mc:Choice xmlns:p14="http://schemas.microsoft.com/office/powerpoint/2010/main" Requires="p14">
+            <p:contentPart p14:bwMode="auto" r:id="rId6">
+              <p14:nvContentPartPr>
+                <p14:cNvPr id="14" name="Ink 13">
+                  <a:extLst>
+                    <a:ext uri="{FF2B5EF4-FFF2-40B4-BE49-F238E27FC236}">
+                      <a16:creationId xmlns:a16="http://schemas.microsoft.com/office/drawing/2014/main" id="{F75F75C6-EBBA-C15A-C986-83C2E383261D}"/>
+                    </a:ext>
+                  </a:extLst>
+                </p14:cNvPr>
+                <p14:cNvContentPartPr/>
+                <p14:nvPr/>
+              </p14:nvContentPartPr>
+              <p14:xfrm>
+                <a:off x="5060160" y="5191403"/>
+                <a:ext cx="2589120" cy="470160"/>
+              </p14:xfrm>
+            </p:contentPart>
+          </mc:Choice>
+          <mc:Fallback>
+            <p:pic>
+              <p:nvPicPr>
+                <p:cNvPr id="14" name="Ink 13">
+                  <a:extLst>
+                    <a:ext uri="{FF2B5EF4-FFF2-40B4-BE49-F238E27FC236}">
+                      <a16:creationId xmlns:a16="http://schemas.microsoft.com/office/drawing/2014/main" id="{F75F75C6-EBBA-C15A-C986-83C2E383261D}"/>
+                    </a:ext>
+                  </a:extLst>
+                </p:cNvPr>
+                <p:cNvPicPr/>
+                <p:nvPr/>
+              </p:nvPicPr>
+              <p:blipFill>
+                <a:blip r:embed="rId7"/>
+                <a:stretch>
+                  <a:fillRect/>
+                </a:stretch>
+              </p:blipFill>
+              <p:spPr>
+                <a:xfrm>
+                  <a:off x="5051160" y="5182763"/>
+                  <a:ext cx="2606760" cy="487800"/>
+                </a:xfrm>
+                <a:prstGeom prst="rect">
+                  <a:avLst/>
+                </a:prstGeom>
+              </p:spPr>
+            </p:pic>
+          </mc:Fallback>
+        </mc:AlternateContent>
+        <mc:AlternateContent xmlns:mc="http://schemas.openxmlformats.org/markup-compatibility/2006">
+          <mc:Choice xmlns:p14="http://schemas.microsoft.com/office/powerpoint/2010/main" Requires="p14">
+            <p:contentPart p14:bwMode="auto" r:id="rId8">
+              <p14:nvContentPartPr>
+                <p14:cNvPr id="15" name="Ink 14">
+                  <a:extLst>
+                    <a:ext uri="{FF2B5EF4-FFF2-40B4-BE49-F238E27FC236}">
+                      <a16:creationId xmlns:a16="http://schemas.microsoft.com/office/drawing/2014/main" id="{8BBFA4D0-0273-0707-7A55-D344458EA06B}"/>
+                    </a:ext>
+                  </a:extLst>
+                </p14:cNvPr>
+                <p14:cNvContentPartPr/>
+                <p14:nvPr/>
+              </p14:nvContentPartPr>
+              <p14:xfrm>
+                <a:off x="5056200" y="5502083"/>
+                <a:ext cx="176400" cy="173880"/>
+              </p14:xfrm>
+            </p:contentPart>
+          </mc:Choice>
+          <mc:Fallback>
+            <p:pic>
+              <p:nvPicPr>
+                <p:cNvPr id="15" name="Ink 14">
+                  <a:extLst>
+                    <a:ext uri="{FF2B5EF4-FFF2-40B4-BE49-F238E27FC236}">
+                      <a16:creationId xmlns:a16="http://schemas.microsoft.com/office/drawing/2014/main" id="{8BBFA4D0-0273-0707-7A55-D344458EA06B}"/>
+                    </a:ext>
+                  </a:extLst>
+                </p:cNvPr>
+                <p:cNvPicPr/>
+                <p:nvPr/>
+              </p:nvPicPr>
+              <p:blipFill>
+                <a:blip r:embed="rId9"/>
+                <a:stretch>
+                  <a:fillRect/>
+                </a:stretch>
+              </p:blipFill>
+              <p:spPr>
+                <a:xfrm>
+                  <a:off x="5047560" y="5493443"/>
+                  <a:ext cx="194040" cy="191520"/>
+                </a:xfrm>
+                <a:prstGeom prst="rect">
+                  <a:avLst/>
+                </a:prstGeom>
+              </p:spPr>
+            </p:pic>
+          </mc:Fallback>
+        </mc:AlternateContent>
+      </p:grpSp>
+    </p:spTree>
+    <p:extLst>
+      <p:ext uri="{BB962C8B-B14F-4D97-AF65-F5344CB8AC3E}">
+        <p14:creationId xmlns:p14="http://schemas.microsoft.com/office/powerpoint/2010/main" val="1168196346"/>
+      </p:ext>
+    </p:extLst>
+  </p:cSld>
+  <p:clrMapOvr>
+    <a:masterClrMapping/>
+  </p:clrMapOvr>
+</p:sld>
+</file>
+
+<file path=ppt/slides/slide31.xml><?xml version="1.0" encoding="utf-8"?>
+<p:sld xmlns:a="http://schemas.openxmlformats.org/drawingml/2006/main" xmlns:r="http://schemas.openxmlformats.org/officeDocument/2006/relationships" xmlns:p="http://schemas.openxmlformats.org/presentationml/2006/main">
+  <p:cSld>
+    <p:spTree>
+      <p:nvGrpSpPr>
         <p:cNvPr id="1" name="">
           <a:extLst>
             <a:ext uri="{FF2B5EF4-FFF2-40B4-BE49-F238E27FC236}">
@@ -14494,16 +16019,8 @@
           <a:lstStyle/>
           <a:p>
             <a:r>
-              <a:rPr lang="en-US" dirty="0">
-                <a:solidFill>
-                  <a:srgbClr val="FF0000"/>
-                </a:solidFill>
-              </a:rPr>
-              <a:t>Key takeaway: </a:t>
-            </a:r>
-            <a:r>
               <a:rPr lang="en-US" dirty="0"/>
-              <a:t>Cross-Entropy loss</a:t>
+              <a:t>Cross-Entropy Loss in classification Problem</a:t>
             </a:r>
           </a:p>
         </p:txBody>
@@ -14526,8 +16043,8 @@
         </p:nvSpPr>
         <p:spPr>
           <a:xfrm>
-            <a:off x="838200" y="1825626"/>
-            <a:ext cx="9951720" cy="1112520"/>
+            <a:off x="838200" y="1581051"/>
+            <a:ext cx="5109376" cy="957331"/>
           </a:xfrm>
         </p:spPr>
         <p:txBody>
@@ -14540,8 +16057,8 @@
               <a:buNone/>
             </a:pPr>
             <a:r>
-              <a:rPr lang="en-GB" sz="3600" dirty="0"/>
-              <a:t>How far are my predicted probabilities from the true labels?</a:t>
+              <a:rPr lang="en-GB" sz="2000" dirty="0"/>
+              <a:t>How far are my predicted probabilities from the true labels? =&gt; reduce extra bits wasted due to incorrect encoding</a:t>
             </a:r>
           </a:p>
         </p:txBody>
@@ -15165,6 +16682,36 @@
           </a:p>
         </p:txBody>
       </p:sp>
+      <p:pic>
+        <p:nvPicPr>
+          <p:cNvPr id="3" name="Picture 2">
+            <a:extLst>
+              <a:ext uri="{FF2B5EF4-FFF2-40B4-BE49-F238E27FC236}">
+                <a16:creationId xmlns:a16="http://schemas.microsoft.com/office/drawing/2014/main" id="{E160728E-9939-9585-DC8A-285C15FF1597}"/>
+              </a:ext>
+            </a:extLst>
+          </p:cNvPr>
+          <p:cNvPicPr>
+            <a:picLocks noChangeAspect="1"/>
+          </p:cNvPicPr>
+          <p:nvPr/>
+        </p:nvPicPr>
+        <p:blipFill>
+          <a:blip r:embed="rId4"/>
+          <a:stretch>
+            <a:fillRect/>
+          </a:stretch>
+        </p:blipFill>
+        <p:spPr>
+          <a:xfrm>
+            <a:off x="6315976" y="1829940"/>
+            <a:ext cx="4774570" cy="455692"/>
+          </a:xfrm>
+          <a:prstGeom prst="rect">
+            <a:avLst/>
+          </a:prstGeom>
+        </p:spPr>
+      </p:pic>
     </p:spTree>
     <p:extLst>
       <p:ext uri="{BB962C8B-B14F-4D97-AF65-F5344CB8AC3E}">
@@ -15178,7 +16725,7 @@
 </p:sld>
 </file>
 
-<file path=ppt/slides/slide28.xml><?xml version="1.0" encoding="utf-8"?>
+<file path=ppt/slides/slide32.xml><?xml version="1.0" encoding="utf-8"?>
 <p:sld xmlns:a="http://schemas.openxmlformats.org/drawingml/2006/main" xmlns:r="http://schemas.openxmlformats.org/officeDocument/2006/relationships" xmlns:p="http://schemas.openxmlformats.org/presentationml/2006/main">
   <p:cSld>
     <p:spTree>
@@ -15253,7 +16800,7 @@
         </p:blipFill>
         <p:spPr>
           <a:xfrm>
-            <a:off x="2512197" y="1665510"/>
+            <a:off x="4728467" y="1650763"/>
             <a:ext cx="6511961" cy="1664370"/>
           </a:xfrm>
           <a:prstGeom prst="rect">
@@ -16081,291 +17628,12 @@
           </mc:Fallback>
         </mc:AlternateContent>
       </p:grpSp>
-    </p:spTree>
-    <p:extLst>
-      <p:ext uri="{BB962C8B-B14F-4D97-AF65-F5344CB8AC3E}">
-        <p14:creationId xmlns:p14="http://schemas.microsoft.com/office/powerpoint/2010/main" val="2997892135"/>
-      </p:ext>
-    </p:extLst>
-  </p:cSld>
-  <p:clrMapOvr>
-    <a:masterClrMapping/>
-  </p:clrMapOvr>
-</p:sld>
-</file>
-
-<file path=ppt/slides/slide29.xml><?xml version="1.0" encoding="utf-8"?>
-<p:sld xmlns:a="http://schemas.openxmlformats.org/drawingml/2006/main" xmlns:r="http://schemas.openxmlformats.org/officeDocument/2006/relationships" xmlns:p="http://schemas.openxmlformats.org/presentationml/2006/main">
-  <p:cSld>
-    <p:spTree>
-      <p:nvGrpSpPr>
-        <p:cNvPr id="1" name=""/>
-        <p:cNvGrpSpPr/>
-        <p:nvPr/>
-      </p:nvGrpSpPr>
-      <p:grpSpPr>
-        <a:xfrm>
-          <a:off x="0" y="0"/>
-          <a:ext cx="0" cy="0"/>
-          <a:chOff x="0" y="0"/>
-          <a:chExt cx="0" cy="0"/>
-        </a:xfrm>
-      </p:grpSpPr>
-      <p:sp>
-        <p:nvSpPr>
-          <p:cNvPr id="2" name="Title 1">
-            <a:extLst>
-              <a:ext uri="{FF2B5EF4-FFF2-40B4-BE49-F238E27FC236}">
-                <a16:creationId xmlns:a16="http://schemas.microsoft.com/office/drawing/2014/main" id="{05EE78BB-519C-86FD-511B-DE62EAFF1CC2}"/>
-              </a:ext>
-            </a:extLst>
-          </p:cNvPr>
-          <p:cNvSpPr>
-            <a:spLocks noGrp="1"/>
-          </p:cNvSpPr>
-          <p:nvPr>
-            <p:ph type="title"/>
-          </p:nvPr>
-        </p:nvSpPr>
-        <p:spPr/>
-        <p:txBody>
-          <a:bodyPr/>
-          <a:lstStyle/>
-          <a:p>
-            <a:r>
-              <a:rPr lang="en-US" dirty="0"/>
-              <a:t>Activation Function</a:t>
-            </a:r>
-          </a:p>
-        </p:txBody>
-      </p:sp>
-      <p:sp>
-        <p:nvSpPr>
-          <p:cNvPr id="3" name="Text Placeholder 2">
-            <a:extLst>
-              <a:ext uri="{FF2B5EF4-FFF2-40B4-BE49-F238E27FC236}">
-                <a16:creationId xmlns:a16="http://schemas.microsoft.com/office/drawing/2014/main" id="{606AF7ED-2A7B-ABF1-133B-A3C8E9F6AC68}"/>
-              </a:ext>
-            </a:extLst>
-          </p:cNvPr>
-          <p:cNvSpPr>
-            <a:spLocks noGrp="1"/>
-          </p:cNvSpPr>
-          <p:nvPr>
-            <p:ph type="body" idx="1"/>
-          </p:nvPr>
-        </p:nvSpPr>
-        <p:spPr/>
-        <p:txBody>
-          <a:bodyPr/>
-          <a:lstStyle/>
-          <a:p>
-            <a:r>
-              <a:rPr lang="en-US" dirty="0"/>
-              <a:t>Enabling Non-Linear Learning</a:t>
-            </a:r>
-          </a:p>
-        </p:txBody>
-      </p:sp>
-    </p:spTree>
-    <p:extLst>
-      <p:ext uri="{BB962C8B-B14F-4D97-AF65-F5344CB8AC3E}">
-        <p14:creationId xmlns:p14="http://schemas.microsoft.com/office/powerpoint/2010/main" val="495228592"/>
-      </p:ext>
-    </p:extLst>
-  </p:cSld>
-  <p:clrMapOvr>
-    <a:masterClrMapping/>
-  </p:clrMapOvr>
-</p:sld>
-</file>
-
-<file path=ppt/slides/slide3.xml><?xml version="1.0" encoding="utf-8"?>
-<p:sld xmlns:a="http://schemas.openxmlformats.org/drawingml/2006/main" xmlns:r="http://schemas.openxmlformats.org/officeDocument/2006/relationships" xmlns:p="http://schemas.openxmlformats.org/presentationml/2006/main">
-  <p:cSld>
-    <p:spTree>
-      <p:nvGrpSpPr>
-        <p:cNvPr id="1" name=""/>
-        <p:cNvGrpSpPr/>
-        <p:nvPr/>
-      </p:nvGrpSpPr>
-      <p:grpSpPr>
-        <a:xfrm>
-          <a:off x="0" y="0"/>
-          <a:ext cx="0" cy="0"/>
-          <a:chOff x="0" y="0"/>
-          <a:chExt cx="0" cy="0"/>
-        </a:xfrm>
-      </p:grpSpPr>
-      <p:sp>
-        <p:nvSpPr>
-          <p:cNvPr id="4" name="Title 3">
-            <a:extLst>
-              <a:ext uri="{FF2B5EF4-FFF2-40B4-BE49-F238E27FC236}">
-                <a16:creationId xmlns:a16="http://schemas.microsoft.com/office/drawing/2014/main" id="{5BD99D44-85CE-1418-D272-8ACDD0AAE54A}"/>
-              </a:ext>
-            </a:extLst>
-          </p:cNvPr>
-          <p:cNvSpPr>
-            <a:spLocks noGrp="1"/>
-          </p:cNvSpPr>
-          <p:nvPr>
-            <p:ph type="title"/>
-          </p:nvPr>
-        </p:nvSpPr>
-        <p:spPr/>
-        <p:txBody>
-          <a:bodyPr/>
-          <a:lstStyle/>
-          <a:p>
-            <a:r>
-              <a:rPr lang="en-US" dirty="0"/>
-              <a:t>Entropy</a:t>
-            </a:r>
-          </a:p>
-        </p:txBody>
-      </p:sp>
-      <p:sp>
-        <p:nvSpPr>
-          <p:cNvPr id="5" name="Text Placeholder 4">
-            <a:extLst>
-              <a:ext uri="{FF2B5EF4-FFF2-40B4-BE49-F238E27FC236}">
-                <a16:creationId xmlns:a16="http://schemas.microsoft.com/office/drawing/2014/main" id="{9CC22AFD-52E6-F29C-827F-E36EDD1B0723}"/>
-              </a:ext>
-            </a:extLst>
-          </p:cNvPr>
-          <p:cNvSpPr>
-            <a:spLocks noGrp="1"/>
-          </p:cNvSpPr>
-          <p:nvPr>
-            <p:ph type="body" idx="1"/>
-          </p:nvPr>
-        </p:nvSpPr>
-        <p:spPr/>
-        <p:txBody>
-          <a:bodyPr/>
-          <a:lstStyle/>
-          <a:p>
-            <a:endParaRPr lang="en-US"/>
-          </a:p>
-        </p:txBody>
-      </p:sp>
-    </p:spTree>
-    <p:extLst>
-      <p:ext uri="{BB962C8B-B14F-4D97-AF65-F5344CB8AC3E}">
-        <p14:creationId xmlns:p14="http://schemas.microsoft.com/office/powerpoint/2010/main" val="2513134488"/>
-      </p:ext>
-    </p:extLst>
-  </p:cSld>
-  <p:clrMapOvr>
-    <a:masterClrMapping/>
-  </p:clrMapOvr>
-</p:sld>
-</file>
-
-<file path=ppt/slides/slide30.xml><?xml version="1.0" encoding="utf-8"?>
-<p:sld xmlns:a="http://schemas.openxmlformats.org/drawingml/2006/main" xmlns:r="http://schemas.openxmlformats.org/officeDocument/2006/relationships" xmlns:p="http://schemas.openxmlformats.org/presentationml/2006/main">
-  <p:cSld>
-    <p:spTree>
-      <p:nvGrpSpPr>
-        <p:cNvPr id="1" name=""/>
-        <p:cNvGrpSpPr/>
-        <p:nvPr/>
-      </p:nvGrpSpPr>
-      <p:grpSpPr>
-        <a:xfrm>
-          <a:off x="0" y="0"/>
-          <a:ext cx="0" cy="0"/>
-          <a:chOff x="0" y="0"/>
-          <a:chExt cx="0" cy="0"/>
-        </a:xfrm>
-      </p:grpSpPr>
-      <p:sp>
-        <p:nvSpPr>
-          <p:cNvPr id="4" name="Title 3">
-            <a:extLst>
-              <a:ext uri="{FF2B5EF4-FFF2-40B4-BE49-F238E27FC236}">
-                <a16:creationId xmlns:a16="http://schemas.microsoft.com/office/drawing/2014/main" id="{78DE5A5C-2BEA-53EE-62A6-79CEBC804C34}"/>
-              </a:ext>
-            </a:extLst>
-          </p:cNvPr>
-          <p:cNvSpPr>
-            <a:spLocks noGrp="1"/>
-          </p:cNvSpPr>
-          <p:nvPr>
-            <p:ph type="title"/>
-          </p:nvPr>
-        </p:nvSpPr>
-        <p:spPr/>
-        <p:txBody>
-          <a:bodyPr/>
-          <a:lstStyle/>
-          <a:p>
-            <a:r>
-              <a:rPr lang="en-US" dirty="0"/>
-              <a:t>Activation Function: </a:t>
-            </a:r>
-            <a:r>
-              <a:rPr lang="en-GB" dirty="0"/>
-              <a:t>Introduces non-linearity in neural networks</a:t>
-            </a:r>
-            <a:endParaRPr lang="en-US" dirty="0"/>
-          </a:p>
-        </p:txBody>
-      </p:sp>
       <p:pic>
         <p:nvPicPr>
-          <p:cNvPr id="7170" name="Picture 2">
-            <a:extLst>
-              <a:ext uri="{FF2B5EF4-FFF2-40B4-BE49-F238E27FC236}">
-                <a16:creationId xmlns:a16="http://schemas.microsoft.com/office/drawing/2014/main" id="{9939C3CF-F287-FD7F-6342-6E44F6F67D74}"/>
-              </a:ext>
-            </a:extLst>
-          </p:cNvPr>
-          <p:cNvPicPr>
-            <a:picLocks noChangeAspect="1" noChangeArrowheads="1"/>
-          </p:cNvPicPr>
-          <p:nvPr/>
-        </p:nvPicPr>
-        <p:blipFill>
-          <a:blip r:embed="rId2">
-            <a:extLst>
-              <a:ext uri="{28A0092B-C50C-407E-A947-70E740481C1C}">
-                <a14:useLocalDpi xmlns:a14="http://schemas.microsoft.com/office/drawing/2010/main" val="0"/>
-              </a:ext>
-            </a:extLst>
-          </a:blip>
-          <a:srcRect/>
-          <a:stretch>
-            <a:fillRect/>
-          </a:stretch>
-        </p:blipFill>
-        <p:spPr bwMode="auto">
-          <a:xfrm>
-            <a:off x="2849880" y="1845464"/>
-            <a:ext cx="8334375" cy="4191000"/>
-          </a:xfrm>
-          <a:prstGeom prst="rect">
-            <a:avLst/>
-          </a:prstGeom>
-          <a:noFill/>
-          <a:extLst>
-            <a:ext uri="{909E8E84-426E-40DD-AFC4-6F175D3DCCD1}">
-              <a14:hiddenFill xmlns:a14="http://schemas.microsoft.com/office/drawing/2010/main">
-                <a:solidFill>
-                  <a:srgbClr val="FFFFFF"/>
-                </a:solidFill>
-              </a14:hiddenFill>
-            </a:ext>
-          </a:extLst>
-        </p:spPr>
-      </p:pic>
-      <p:pic>
-        <p:nvPicPr>
-          <p:cNvPr id="11" name="Picture 10">
-            <a:extLst>
-              <a:ext uri="{FF2B5EF4-FFF2-40B4-BE49-F238E27FC236}">
-                <a16:creationId xmlns:a16="http://schemas.microsoft.com/office/drawing/2014/main" id="{ECC42EAF-B437-09A6-8D3D-80D9C0EDC8B4}"/>
+          <p:cNvPr id="12" name="Picture 11">
+            <a:extLst>
+              <a:ext uri="{FF2B5EF4-FFF2-40B4-BE49-F238E27FC236}">
+                <a16:creationId xmlns:a16="http://schemas.microsoft.com/office/drawing/2014/main" id="{B50CED45-8723-F77C-1315-54BC796AF502}"/>
               </a:ext>
             </a:extLst>
           </p:cNvPr>
@@ -16375,15 +17643,15 @@
           <p:nvPr/>
         </p:nvPicPr>
         <p:blipFill>
-          <a:blip r:embed="rId3"/>
+          <a:blip r:embed="rId15"/>
           <a:stretch>
             <a:fillRect/>
           </a:stretch>
         </p:blipFill>
         <p:spPr>
           <a:xfrm>
-            <a:off x="281940" y="6040423"/>
-            <a:ext cx="3340314" cy="301634"/>
+            <a:off x="524776" y="1827164"/>
+            <a:ext cx="3513208" cy="1221532"/>
           </a:xfrm>
           <a:prstGeom prst="rect">
             <a:avLst/>
@@ -16392,248 +17660,54 @@
       </p:pic>
       <p:sp>
         <p:nvSpPr>
-          <p:cNvPr id="13" name="TextBox 12">
-            <a:extLst>
-              <a:ext uri="{FF2B5EF4-FFF2-40B4-BE49-F238E27FC236}">
-                <a16:creationId xmlns:a16="http://schemas.microsoft.com/office/drawing/2014/main" id="{37FA6BE3-3B85-A390-6584-2C7884915F61}"/>
-              </a:ext>
-            </a:extLst>
-          </p:cNvPr>
-          <p:cNvSpPr txBox="1"/>
+          <p:cNvPr id="16" name="Arrow: Right 15">
+            <a:extLst>
+              <a:ext uri="{FF2B5EF4-FFF2-40B4-BE49-F238E27FC236}">
+                <a16:creationId xmlns:a16="http://schemas.microsoft.com/office/drawing/2014/main" id="{FE931E45-BFB3-E46D-FDBE-A97466637784}"/>
+              </a:ext>
+            </a:extLst>
+          </p:cNvPr>
+          <p:cNvSpPr/>
           <p:nvPr/>
         </p:nvSpPr>
         <p:spPr>
           <a:xfrm>
-            <a:off x="281940" y="5144356"/>
-            <a:ext cx="2451100" cy="646331"/>
-          </a:xfrm>
-          <a:prstGeom prst="rect">
-            <a:avLst/>
-          </a:prstGeom>
-          <a:solidFill>
-            <a:schemeClr val="accent4">
-              <a:lumMod val="20000"/>
-              <a:lumOff val="80000"/>
+            <a:off x="4118776" y="2482948"/>
+            <a:ext cx="357808" cy="204593"/>
+          </a:xfrm>
+          <a:prstGeom prst="rightArrow">
+            <a:avLst/>
+          </a:prstGeom>
+        </p:spPr>
+        <p:style>
+          <a:lnRef idx="2">
+            <a:schemeClr val="accent1">
+              <a:shade val="15000"/>
             </a:schemeClr>
-          </a:solidFill>
-        </p:spPr>
+          </a:lnRef>
+          <a:fillRef idx="1">
+            <a:schemeClr val="accent1"/>
+          </a:fillRef>
+          <a:effectRef idx="0">
+            <a:schemeClr val="accent1"/>
+          </a:effectRef>
+          <a:fontRef idx="minor">
+            <a:schemeClr val="lt1"/>
+          </a:fontRef>
+        </p:style>
         <p:txBody>
-          <a:bodyPr wrap="square">
-            <a:spAutoFit/>
-          </a:bodyPr>
+          <a:bodyPr rtlCol="0" anchor="ctr"/>
           <a:lstStyle/>
           <a:p>
-            <a:r>
-              <a:rPr lang="en-GB" dirty="0" err="1"/>
-              <a:t>ReLU’s</a:t>
-            </a:r>
-            <a:r>
-              <a:rPr lang="en-GB" dirty="0"/>
-              <a:t> simplicity makes training faster</a:t>
-            </a:r>
-            <a:endParaRPr lang="en-US" dirty="0"/>
+            <a:pPr algn="ctr"/>
+            <a:endParaRPr lang="en-US"/>
           </a:p>
         </p:txBody>
       </p:sp>
     </p:spTree>
     <p:extLst>
       <p:ext uri="{BB962C8B-B14F-4D97-AF65-F5344CB8AC3E}">
-        <p14:creationId xmlns:p14="http://schemas.microsoft.com/office/powerpoint/2010/main" val="3629368376"/>
-      </p:ext>
-    </p:extLst>
-  </p:cSld>
-  <p:clrMapOvr>
-    <a:masterClrMapping/>
-  </p:clrMapOvr>
-</p:sld>
-</file>
-
-<file path=ppt/slides/slide31.xml><?xml version="1.0" encoding="utf-8"?>
-<p:sld xmlns:a="http://schemas.openxmlformats.org/drawingml/2006/main" xmlns:r="http://schemas.openxmlformats.org/officeDocument/2006/relationships" xmlns:p="http://schemas.openxmlformats.org/presentationml/2006/main">
-  <p:cSld>
-    <p:spTree>
-      <p:nvGrpSpPr>
-        <p:cNvPr id="1" name=""/>
-        <p:cNvGrpSpPr/>
-        <p:nvPr/>
-      </p:nvGrpSpPr>
-      <p:grpSpPr>
-        <a:xfrm>
-          <a:off x="0" y="0"/>
-          <a:ext cx="0" cy="0"/>
-          <a:chOff x="0" y="0"/>
-          <a:chExt cx="0" cy="0"/>
-        </a:xfrm>
-      </p:grpSpPr>
-      <p:sp>
-        <p:nvSpPr>
-          <p:cNvPr id="3" name="Title 2">
-            <a:extLst>
-              <a:ext uri="{FF2B5EF4-FFF2-40B4-BE49-F238E27FC236}">
-                <a16:creationId xmlns:a16="http://schemas.microsoft.com/office/drawing/2014/main" id="{78287D52-35B6-0CF8-6F95-5C063852C261}"/>
-              </a:ext>
-            </a:extLst>
-          </p:cNvPr>
-          <p:cNvSpPr>
-            <a:spLocks noGrp="1"/>
-          </p:cNvSpPr>
-          <p:nvPr>
-            <p:ph type="title"/>
-          </p:nvPr>
-        </p:nvSpPr>
-        <p:spPr/>
-        <p:txBody>
-          <a:bodyPr/>
-          <a:lstStyle/>
-          <a:p>
-            <a:r>
-              <a:rPr lang="en-US" dirty="0"/>
-              <a:t>Optimizer</a:t>
-            </a:r>
-          </a:p>
-        </p:txBody>
-      </p:sp>
-      <p:sp>
-        <p:nvSpPr>
-          <p:cNvPr id="4" name="Text Placeholder 3">
-            <a:extLst>
-              <a:ext uri="{FF2B5EF4-FFF2-40B4-BE49-F238E27FC236}">
-                <a16:creationId xmlns:a16="http://schemas.microsoft.com/office/drawing/2014/main" id="{360DA14D-F7C3-EE03-8532-6A311AFC313B}"/>
-              </a:ext>
-            </a:extLst>
-          </p:cNvPr>
-          <p:cNvSpPr>
-            <a:spLocks noGrp="1"/>
-          </p:cNvSpPr>
-          <p:nvPr>
-            <p:ph type="body" idx="1"/>
-          </p:nvPr>
-        </p:nvSpPr>
-        <p:spPr/>
-        <p:txBody>
-          <a:bodyPr/>
-          <a:lstStyle/>
-          <a:p>
-            <a:endParaRPr lang="en-US"/>
-          </a:p>
-        </p:txBody>
-      </p:sp>
-    </p:spTree>
-    <p:extLst>
-      <p:ext uri="{BB962C8B-B14F-4D97-AF65-F5344CB8AC3E}">
-        <p14:creationId xmlns:p14="http://schemas.microsoft.com/office/powerpoint/2010/main" val="1472723351"/>
-      </p:ext>
-    </p:extLst>
-  </p:cSld>
-  <p:clrMapOvr>
-    <a:masterClrMapping/>
-  </p:clrMapOvr>
-</p:sld>
-</file>
-
-<file path=ppt/slides/slide32.xml><?xml version="1.0" encoding="utf-8"?>
-<p:sld xmlns:a="http://schemas.openxmlformats.org/drawingml/2006/main" xmlns:r="http://schemas.openxmlformats.org/officeDocument/2006/relationships" xmlns:p="http://schemas.openxmlformats.org/presentationml/2006/main">
-  <p:cSld>
-    <p:spTree>
-      <p:nvGrpSpPr>
-        <p:cNvPr id="1" name=""/>
-        <p:cNvGrpSpPr/>
-        <p:nvPr/>
-      </p:nvGrpSpPr>
-      <p:grpSpPr>
-        <a:xfrm>
-          <a:off x="0" y="0"/>
-          <a:ext cx="0" cy="0"/>
-          <a:chOff x="0" y="0"/>
-          <a:chExt cx="0" cy="0"/>
-        </a:xfrm>
-      </p:grpSpPr>
-      <p:pic>
-        <p:nvPicPr>
-          <p:cNvPr id="10242" name="Picture 2">
-            <a:extLst>
-              <a:ext uri="{FF2B5EF4-FFF2-40B4-BE49-F238E27FC236}">
-                <a16:creationId xmlns:a16="http://schemas.microsoft.com/office/drawing/2014/main" id="{1343F3F4-E3B1-3117-3F37-E0CF745DFFA4}"/>
-              </a:ext>
-            </a:extLst>
-          </p:cNvPr>
-          <p:cNvPicPr>
-            <a:picLocks noChangeAspect="1" noChangeArrowheads="1"/>
-          </p:cNvPicPr>
-          <p:nvPr/>
-        </p:nvPicPr>
-        <p:blipFill>
-          <a:blip r:embed="rId2">
-            <a:extLst>
-              <a:ext uri="{28A0092B-C50C-407E-A947-70E740481C1C}">
-                <a14:useLocalDpi xmlns:a14="http://schemas.microsoft.com/office/drawing/2010/main" val="0"/>
-              </a:ext>
-            </a:extLst>
-          </a:blip>
-          <a:srcRect/>
-          <a:stretch>
-            <a:fillRect/>
-          </a:stretch>
-        </p:blipFill>
-        <p:spPr bwMode="auto">
-          <a:xfrm>
-            <a:off x="2067560" y="285750"/>
-            <a:ext cx="8056880" cy="6042660"/>
-          </a:xfrm>
-          <a:prstGeom prst="rect">
-            <a:avLst/>
-          </a:prstGeom>
-          <a:noFill/>
-          <a:extLst>
-            <a:ext uri="{909E8E84-426E-40DD-AFC4-6F175D3DCCD1}">
-              <a14:hiddenFill xmlns:a14="http://schemas.microsoft.com/office/drawing/2010/main">
-                <a:solidFill>
-                  <a:srgbClr val="FFFFFF"/>
-                </a:solidFill>
-              </a14:hiddenFill>
-            </a:ext>
-          </a:extLst>
-        </p:spPr>
-      </p:pic>
-      <p:sp>
-        <p:nvSpPr>
-          <p:cNvPr id="5" name="TextBox 4">
-            <a:extLst>
-              <a:ext uri="{FF2B5EF4-FFF2-40B4-BE49-F238E27FC236}">
-                <a16:creationId xmlns:a16="http://schemas.microsoft.com/office/drawing/2014/main" id="{4E39BB3D-B79B-AFD4-E6B8-3B02084EEF65}"/>
-              </a:ext>
-            </a:extLst>
-          </p:cNvPr>
-          <p:cNvSpPr txBox="1"/>
-          <p:nvPr/>
-        </p:nvSpPr>
-        <p:spPr>
-          <a:xfrm>
-            <a:off x="2506980" y="6328410"/>
-            <a:ext cx="6525260" cy="338554"/>
-          </a:xfrm>
-          <a:prstGeom prst="rect">
-            <a:avLst/>
-          </a:prstGeom>
-          <a:noFill/>
-        </p:spPr>
-        <p:txBody>
-          <a:bodyPr wrap="square">
-            <a:spAutoFit/>
-          </a:bodyPr>
-          <a:lstStyle/>
-          <a:p>
-            <a:r>
-              <a:rPr lang="en-US" sz="1600" dirty="0"/>
-              <a:t>https://community.deeplearning.ai/t/optimization-algorithms/305154/3</a:t>
-            </a:r>
-          </a:p>
-        </p:txBody>
-      </p:sp>
-    </p:spTree>
-    <p:extLst>
-      <p:ext uri="{BB962C8B-B14F-4D97-AF65-F5344CB8AC3E}">
-        <p14:creationId xmlns:p14="http://schemas.microsoft.com/office/powerpoint/2010/main" val="545826806"/>
+        <p14:creationId xmlns:p14="http://schemas.microsoft.com/office/powerpoint/2010/main" val="2997892135"/>
       </p:ext>
     </p:extLst>
   </p:cSld>
@@ -16665,7 +17739,7 @@
           <p:cNvPr id="2" name="Title 1">
             <a:extLst>
               <a:ext uri="{FF2B5EF4-FFF2-40B4-BE49-F238E27FC236}">
-                <a16:creationId xmlns:a16="http://schemas.microsoft.com/office/drawing/2014/main" id="{96D7FC87-E36A-D83A-96C4-A01CC08B16F6}"/>
+                <a16:creationId xmlns:a16="http://schemas.microsoft.com/office/drawing/2014/main" id="{05EE78BB-519C-86FD-511B-DE62EAFF1CC2}"/>
               </a:ext>
             </a:extLst>
           </p:cNvPr>
@@ -16683,17 +17757,17 @@
           <a:p>
             <a:r>
               <a:rPr lang="en-US" dirty="0"/>
-              <a:t>Adam Optimizer</a:t>
+              <a:t>Activation Function</a:t>
             </a:r>
           </a:p>
         </p:txBody>
       </p:sp>
       <p:sp>
         <p:nvSpPr>
-          <p:cNvPr id="3" name="Content Placeholder 2">
-            <a:extLst>
-              <a:ext uri="{FF2B5EF4-FFF2-40B4-BE49-F238E27FC236}">
-                <a16:creationId xmlns:a16="http://schemas.microsoft.com/office/drawing/2014/main" id="{78F9E78F-53B4-E732-923B-ECCB30D08BED}"/>
+          <p:cNvPr id="3" name="Text Placeholder 2">
+            <a:extLst>
+              <a:ext uri="{FF2B5EF4-FFF2-40B4-BE49-F238E27FC236}">
+                <a16:creationId xmlns:a16="http://schemas.microsoft.com/office/drawing/2014/main" id="{606AF7ED-2A7B-ABF1-133B-A3C8E9F6AC68}"/>
               </a:ext>
             </a:extLst>
           </p:cNvPr>
@@ -16701,197 +17775,17 @@
             <a:spLocks noGrp="1"/>
           </p:cNvSpPr>
           <p:nvPr>
-            <p:ph idx="1"/>
+            <p:ph type="body" idx="1"/>
           </p:nvPr>
         </p:nvSpPr>
         <p:spPr/>
         <p:txBody>
-          <a:bodyPr>
-            <a:normAutofit fontScale="92500" lnSpcReduction="10000"/>
-          </a:bodyPr>
+          <a:bodyPr/>
           <a:lstStyle/>
           <a:p>
-            <a:pPr rtl="0">
-              <a:buFont typeface="Arial" panose="020B0604020202020204" pitchFamily="34" charset="0"/>
-              <a:buChar char="•"/>
-            </a:pPr>
             <a:r>
               <a:rPr lang="en-US" dirty="0"/>
-              <a:t>Definition: Adaptive Moment Estimation, a gradient-based optimization algorithm</a:t>
-            </a:r>
-          </a:p>
-          <a:p>
-            <a:pPr rtl="0">
-              <a:buFont typeface="Arial" panose="020B0604020202020204" pitchFamily="34" charset="0"/>
-              <a:buChar char="•"/>
-            </a:pPr>
-            <a:r>
-              <a:rPr lang="en-US" dirty="0"/>
-              <a:t>How It Works:</a:t>
-            </a:r>
-          </a:p>
-          <a:p>
-            <a:pPr marL="742950" lvl="1" indent="-285750" rtl="0">
-              <a:buFont typeface="Arial" panose="020B0604020202020204" pitchFamily="34" charset="0"/>
-              <a:buChar char="•"/>
-            </a:pPr>
-            <a:r>
-              <a:rPr lang="en-US" dirty="0"/>
-              <a:t>Combines momentum (moving average of gradients) and </a:t>
-            </a:r>
-            <a:r>
-              <a:rPr lang="en-US" dirty="0" err="1"/>
-              <a:t>RMSProp</a:t>
-            </a:r>
-            <a:r>
-              <a:rPr lang="en-US" dirty="0"/>
-              <a:t> (adaptive learning rates)</a:t>
-            </a:r>
-          </a:p>
-          <a:p>
-            <a:pPr marL="742950" lvl="1" indent="-285750" rtl="0">
-              <a:buFont typeface="Arial" panose="020B0604020202020204" pitchFamily="34" charset="0"/>
-              <a:buChar char="•"/>
-            </a:pPr>
-            <a:r>
-              <a:rPr lang="en-US" dirty="0"/>
-              <a:t>Updates weights to minimize cross-entropy loss</a:t>
-            </a:r>
-          </a:p>
-          <a:p>
-            <a:pPr rtl="0">
-              <a:buFont typeface="Arial" panose="020B0604020202020204" pitchFamily="34" charset="0"/>
-              <a:buChar char="•"/>
-            </a:pPr>
-            <a:r>
-              <a:rPr lang="en-US" dirty="0"/>
-              <a:t>In </a:t>
-            </a:r>
-            <a:r>
-              <a:rPr lang="en-US" dirty="0" err="1"/>
-              <a:t>PyTorch</a:t>
-            </a:r>
-            <a:r>
-              <a:rPr lang="en-US" dirty="0"/>
-              <a:t> Code:</a:t>
-            </a:r>
-          </a:p>
-          <a:p>
-            <a:pPr marL="742950" lvl="1" indent="-285750" rtl="0">
-              <a:buFont typeface="Arial" panose="020B0604020202020204" pitchFamily="34" charset="0"/>
-              <a:buChar char="•"/>
-            </a:pPr>
-            <a:r>
-              <a:rPr lang="en-US" dirty="0">
-                <a:solidFill>
-                  <a:schemeClr val="accent2"/>
-                </a:solidFill>
-              </a:rPr>
-              <a:t>optimizer = </a:t>
-            </a:r>
-            <a:r>
-              <a:rPr lang="en-US" dirty="0" err="1">
-                <a:solidFill>
-                  <a:schemeClr val="accent2"/>
-                </a:solidFill>
-              </a:rPr>
-              <a:t>optim.Adam</a:t>
-            </a:r>
-            <a:r>
-              <a:rPr lang="en-US" dirty="0">
-                <a:solidFill>
-                  <a:schemeClr val="accent2"/>
-                </a:solidFill>
-              </a:rPr>
-              <a:t>(</a:t>
-            </a:r>
-            <a:r>
-              <a:rPr lang="en-US" dirty="0" err="1">
-                <a:solidFill>
-                  <a:schemeClr val="accent2"/>
-                </a:solidFill>
-              </a:rPr>
-              <a:t>model.parameters</a:t>
-            </a:r>
-            <a:r>
-              <a:rPr lang="en-US" dirty="0">
-                <a:solidFill>
-                  <a:schemeClr val="accent2"/>
-                </a:solidFill>
-              </a:rPr>
-              <a:t>(), </a:t>
-            </a:r>
-            <a:r>
-              <a:rPr lang="en-US" dirty="0" err="1">
-                <a:solidFill>
-                  <a:schemeClr val="accent2"/>
-                </a:solidFill>
-              </a:rPr>
-              <a:t>lr</a:t>
-            </a:r>
-            <a:r>
-              <a:rPr lang="en-US" dirty="0">
-                <a:solidFill>
-                  <a:schemeClr val="accent2"/>
-                </a:solidFill>
-              </a:rPr>
-              <a:t>=0.001)</a:t>
-            </a:r>
-          </a:p>
-          <a:p>
-            <a:pPr marL="742950" lvl="1" indent="-285750" rtl="0">
-              <a:buFont typeface="Arial" panose="020B0604020202020204" pitchFamily="34" charset="0"/>
-              <a:buChar char="•"/>
-            </a:pPr>
-            <a:r>
-              <a:rPr lang="en-US" dirty="0" err="1">
-                <a:solidFill>
-                  <a:schemeClr val="accent2"/>
-                </a:solidFill>
-              </a:rPr>
-              <a:t>optimizer.step</a:t>
-            </a:r>
-            <a:r>
-              <a:rPr lang="en-US" dirty="0">
-                <a:solidFill>
-                  <a:schemeClr val="accent2"/>
-                </a:solidFill>
-              </a:rPr>
-              <a:t>() </a:t>
-            </a:r>
-            <a:r>
-              <a:rPr lang="en-US" dirty="0"/>
-              <a:t>updates weights after backpropagation</a:t>
-            </a:r>
-          </a:p>
-          <a:p>
-            <a:pPr rtl="0">
-              <a:buFont typeface="Arial" panose="020B0604020202020204" pitchFamily="34" charset="0"/>
-              <a:buChar char="•"/>
-            </a:pPr>
-            <a:r>
-              <a:rPr lang="en-US" dirty="0"/>
-              <a:t>Benefits:</a:t>
-            </a:r>
-          </a:p>
-          <a:p>
-            <a:pPr marL="742950" lvl="1" indent="-285750" rtl="0">
-              <a:buFont typeface="Arial" panose="020B0604020202020204" pitchFamily="34" charset="0"/>
-              <a:buChar char="•"/>
-            </a:pPr>
-            <a:r>
-              <a:rPr lang="en-US" dirty="0"/>
-              <a:t>Fast convergence</a:t>
-            </a:r>
-          </a:p>
-          <a:p>
-            <a:pPr marL="742950" lvl="1" indent="-285750" rtl="0">
-              <a:buFont typeface="Arial" panose="020B0604020202020204" pitchFamily="34" charset="0"/>
-              <a:buChar char="•"/>
-            </a:pPr>
-            <a:r>
-              <a:rPr lang="en-US" dirty="0"/>
-              <a:t>Adapts to different features (e.g., Iris’s varying scales)</a:t>
+              <a:t>Enabling Non-Linear Learning</a:t>
             </a:r>
           </a:p>
         </p:txBody>
@@ -16899,7 +17793,7 @@
     </p:spTree>
     <p:extLst>
       <p:ext uri="{BB962C8B-B14F-4D97-AF65-F5344CB8AC3E}">
-        <p14:creationId xmlns:p14="http://schemas.microsoft.com/office/powerpoint/2010/main" val="1846476847"/>
+        <p14:creationId xmlns:p14="http://schemas.microsoft.com/office/powerpoint/2010/main" val="495228592"/>
       </p:ext>
     </p:extLst>
   </p:cSld>
@@ -16926,12 +17820,92 @@
           <a:chExt cx="0" cy="0"/>
         </a:xfrm>
       </p:grpSpPr>
+      <p:sp>
+        <p:nvSpPr>
+          <p:cNvPr id="4" name="Title 3">
+            <a:extLst>
+              <a:ext uri="{FF2B5EF4-FFF2-40B4-BE49-F238E27FC236}">
+                <a16:creationId xmlns:a16="http://schemas.microsoft.com/office/drawing/2014/main" id="{78DE5A5C-2BEA-53EE-62A6-79CEBC804C34}"/>
+              </a:ext>
+            </a:extLst>
+          </p:cNvPr>
+          <p:cNvSpPr>
+            <a:spLocks noGrp="1"/>
+          </p:cNvSpPr>
+          <p:nvPr>
+            <p:ph type="title"/>
+          </p:nvPr>
+        </p:nvSpPr>
+        <p:spPr/>
+        <p:txBody>
+          <a:bodyPr/>
+          <a:lstStyle/>
+          <a:p>
+            <a:r>
+              <a:rPr lang="en-US" dirty="0"/>
+              <a:t>Activation Function: </a:t>
+            </a:r>
+            <a:r>
+              <a:rPr lang="en-GB" dirty="0"/>
+              <a:t>Introduces non-linearity in neural networks</a:t>
+            </a:r>
+            <a:endParaRPr lang="en-US" dirty="0"/>
+          </a:p>
+        </p:txBody>
+      </p:sp>
       <p:pic>
         <p:nvPicPr>
-          <p:cNvPr id="5" name="Picture 4">
-            <a:extLst>
-              <a:ext uri="{FF2B5EF4-FFF2-40B4-BE49-F238E27FC236}">
-                <a16:creationId xmlns:a16="http://schemas.microsoft.com/office/drawing/2014/main" id="{B1E92E06-8E6E-750D-CDA6-9714052C3FF6}"/>
+          <p:cNvPr id="7170" name="Picture 2">
+            <a:extLst>
+              <a:ext uri="{FF2B5EF4-FFF2-40B4-BE49-F238E27FC236}">
+                <a16:creationId xmlns:a16="http://schemas.microsoft.com/office/drawing/2014/main" id="{9939C3CF-F287-FD7F-6342-6E44F6F67D74}"/>
+              </a:ext>
+            </a:extLst>
+          </p:cNvPr>
+          <p:cNvPicPr>
+            <a:picLocks noChangeAspect="1" noChangeArrowheads="1"/>
+          </p:cNvPicPr>
+          <p:nvPr/>
+        </p:nvPicPr>
+        <p:blipFill>
+          <a:blip r:embed="rId2">
+            <a:extLst>
+              <a:ext uri="{28A0092B-C50C-407E-A947-70E740481C1C}">
+                <a14:useLocalDpi xmlns:a14="http://schemas.microsoft.com/office/drawing/2010/main" val="0"/>
+              </a:ext>
+            </a:extLst>
+          </a:blip>
+          <a:srcRect/>
+          <a:stretch>
+            <a:fillRect/>
+          </a:stretch>
+        </p:blipFill>
+        <p:spPr bwMode="auto">
+          <a:xfrm>
+            <a:off x="2849880" y="1845464"/>
+            <a:ext cx="8334375" cy="4191000"/>
+          </a:xfrm>
+          <a:prstGeom prst="rect">
+            <a:avLst/>
+          </a:prstGeom>
+          <a:noFill/>
+          <a:extLst>
+            <a:ext uri="{909E8E84-426E-40DD-AFC4-6F175D3DCCD1}">
+              <a14:hiddenFill xmlns:a14="http://schemas.microsoft.com/office/drawing/2010/main">
+                <a:solidFill>
+                  <a:srgbClr val="FFFFFF"/>
+                </a:solidFill>
+              </a14:hiddenFill>
+            </a:ext>
+          </a:extLst>
+        </p:spPr>
+      </p:pic>
+      <p:pic>
+        <p:nvPicPr>
+          <p:cNvPr id="11" name="Picture 10">
+            <a:extLst>
+              <a:ext uri="{FF2B5EF4-FFF2-40B4-BE49-F238E27FC236}">
+                <a16:creationId xmlns:a16="http://schemas.microsoft.com/office/drawing/2014/main" id="{ECC42EAF-B437-09A6-8D3D-80D9C0EDC8B4}"/>
               </a:ext>
             </a:extLst>
           </p:cNvPr>
@@ -16941,25 +17915,70 @@
           <p:nvPr/>
         </p:nvPicPr>
         <p:blipFill>
-          <a:blip r:embed="rId2"/>
+          <a:blip r:embed="rId3"/>
           <a:stretch>
             <a:fillRect/>
           </a:stretch>
         </p:blipFill>
         <p:spPr>
           <a:xfrm>
-            <a:off x="1153300" y="0"/>
-            <a:ext cx="10196888" cy="6858000"/>
+            <a:off x="281940" y="6040423"/>
+            <a:ext cx="3340314" cy="301634"/>
           </a:xfrm>
           <a:prstGeom prst="rect">
             <a:avLst/>
           </a:prstGeom>
         </p:spPr>
       </p:pic>
+      <p:sp>
+        <p:nvSpPr>
+          <p:cNvPr id="13" name="TextBox 12">
+            <a:extLst>
+              <a:ext uri="{FF2B5EF4-FFF2-40B4-BE49-F238E27FC236}">
+                <a16:creationId xmlns:a16="http://schemas.microsoft.com/office/drawing/2014/main" id="{37FA6BE3-3B85-A390-6584-2C7884915F61}"/>
+              </a:ext>
+            </a:extLst>
+          </p:cNvPr>
+          <p:cNvSpPr txBox="1"/>
+          <p:nvPr/>
+        </p:nvSpPr>
+        <p:spPr>
+          <a:xfrm>
+            <a:off x="281940" y="5144356"/>
+            <a:ext cx="2451100" cy="646331"/>
+          </a:xfrm>
+          <a:prstGeom prst="rect">
+            <a:avLst/>
+          </a:prstGeom>
+          <a:solidFill>
+            <a:schemeClr val="accent4">
+              <a:lumMod val="20000"/>
+              <a:lumOff val="80000"/>
+            </a:schemeClr>
+          </a:solidFill>
+        </p:spPr>
+        <p:txBody>
+          <a:bodyPr wrap="square">
+            <a:spAutoFit/>
+          </a:bodyPr>
+          <a:lstStyle/>
+          <a:p>
+            <a:r>
+              <a:rPr lang="en-GB" dirty="0" err="1"/>
+              <a:t>ReLU’s</a:t>
+            </a:r>
+            <a:r>
+              <a:rPr lang="en-GB" dirty="0"/>
+              <a:t> simplicity makes training faster</a:t>
+            </a:r>
+            <a:endParaRPr lang="en-US" dirty="0"/>
+          </a:p>
+        </p:txBody>
+      </p:sp>
     </p:spTree>
     <p:extLst>
       <p:ext uri="{BB962C8B-B14F-4D97-AF65-F5344CB8AC3E}">
-        <p14:creationId xmlns:p14="http://schemas.microsoft.com/office/powerpoint/2010/main" val="1740457000"/>
+        <p14:creationId xmlns:p14="http://schemas.microsoft.com/office/powerpoint/2010/main" val="3629368376"/>
       </p:ext>
     </p:extLst>
   </p:cSld>
@@ -16988,10 +18007,10 @@
       </p:grpSpPr>
       <p:sp>
         <p:nvSpPr>
-          <p:cNvPr id="2" name="Title 1">
-            <a:extLst>
-              <a:ext uri="{FF2B5EF4-FFF2-40B4-BE49-F238E27FC236}">
-                <a16:creationId xmlns:a16="http://schemas.microsoft.com/office/drawing/2014/main" id="{3A7D6A03-A22D-46EE-F960-A431154FCEC2}"/>
+          <p:cNvPr id="3" name="Title 2">
+            <a:extLst>
+              <a:ext uri="{FF2B5EF4-FFF2-40B4-BE49-F238E27FC236}">
+                <a16:creationId xmlns:a16="http://schemas.microsoft.com/office/drawing/2014/main" id="{78287D52-35B6-0CF8-6F95-5C063852C261}"/>
               </a:ext>
             </a:extLst>
           </p:cNvPr>
@@ -17009,17 +18028,17 @@
           <a:p>
             <a:r>
               <a:rPr lang="en-US" dirty="0"/>
-              <a:t>Which optimizer to use</a:t>
+              <a:t>Optimizer</a:t>
             </a:r>
           </a:p>
         </p:txBody>
       </p:sp>
       <p:sp>
         <p:nvSpPr>
-          <p:cNvPr id="3" name="Content Placeholder 2">
-            <a:extLst>
-              <a:ext uri="{FF2B5EF4-FFF2-40B4-BE49-F238E27FC236}">
-                <a16:creationId xmlns:a16="http://schemas.microsoft.com/office/drawing/2014/main" id="{3E281087-FD8D-D04A-DEA2-DB7F598F989B}"/>
+          <p:cNvPr id="4" name="Text Placeholder 3">
+            <a:extLst>
+              <a:ext uri="{FF2B5EF4-FFF2-40B4-BE49-F238E27FC236}">
+                <a16:creationId xmlns:a16="http://schemas.microsoft.com/office/drawing/2014/main" id="{360DA14D-F7C3-EE03-8532-6A311AFC313B}"/>
               </a:ext>
             </a:extLst>
           </p:cNvPr>
@@ -17027,7 +18046,7 @@
             <a:spLocks noGrp="1"/>
           </p:cNvSpPr>
           <p:nvPr>
-            <p:ph idx="1"/>
+            <p:ph type="body" idx="1"/>
           </p:nvPr>
         </p:nvSpPr>
         <p:spPr/>
@@ -17035,40 +18054,14 @@
           <a:bodyPr/>
           <a:lstStyle/>
           <a:p>
-            <a:r>
-              <a:rPr lang="en-GB" dirty="0"/>
-              <a:t>Use Adam when you want good performance quickly and don't want to worry too much about hyperparameter tuning.</a:t>
-            </a:r>
-          </a:p>
-          <a:p>
-            <a:r>
-              <a:rPr lang="en-GB" dirty="0"/>
-              <a:t>Use SGD (with momentum) when training very large models, fine-tuning pre-trained networks, or when you want tighter control over optimization </a:t>
-            </a:r>
-            <a:r>
-              <a:rPr lang="en-GB" dirty="0" err="1"/>
-              <a:t>behavior</a:t>
-            </a:r>
-            <a:r>
-              <a:rPr lang="en-GB" dirty="0"/>
-              <a:t>.</a:t>
-            </a:r>
-          </a:p>
-          <a:p>
-            <a:r>
-              <a:rPr lang="en-US" dirty="0"/>
-              <a:t>Compare both optimizers for Iris training with 100 epochs (150 samples) </a:t>
-            </a:r>
-          </a:p>
-          <a:p>
-            <a:endParaRPr lang="en-GB" dirty="0"/>
+            <a:endParaRPr lang="en-US"/>
           </a:p>
         </p:txBody>
       </p:sp>
     </p:spTree>
     <p:extLst>
       <p:ext uri="{BB962C8B-B14F-4D97-AF65-F5344CB8AC3E}">
-        <p14:creationId xmlns:p14="http://schemas.microsoft.com/office/powerpoint/2010/main" val="1312178182"/>
+        <p14:creationId xmlns:p14="http://schemas.microsoft.com/office/powerpoint/2010/main" val="1472723351"/>
       </p:ext>
     </p:extLst>
   </p:cSld>
@@ -17095,151 +18088,92 @@
           <a:chExt cx="0" cy="0"/>
         </a:xfrm>
       </p:grpSpPr>
-      <p:sp>
-        <p:nvSpPr>
-          <p:cNvPr id="2" name="Title 1">
-            <a:extLst>
-              <a:ext uri="{FF2B5EF4-FFF2-40B4-BE49-F238E27FC236}">
-                <a16:creationId xmlns:a16="http://schemas.microsoft.com/office/drawing/2014/main" id="{85BC1A98-0533-672A-1569-25B4C9F7CB0A}"/>
-              </a:ext>
-            </a:extLst>
-          </p:cNvPr>
-          <p:cNvSpPr>
-            <a:spLocks noGrp="1"/>
-          </p:cNvSpPr>
-          <p:nvPr>
-            <p:ph type="title"/>
-          </p:nvPr>
-        </p:nvSpPr>
-        <p:spPr/>
-        <p:txBody>
-          <a:bodyPr/>
-          <a:lstStyle/>
-          <a:p>
-            <a:r>
-              <a:rPr lang="en-US" dirty="0"/>
-              <a:t>Putting It All Together</a:t>
-            </a:r>
-          </a:p>
-        </p:txBody>
-      </p:sp>
-      <p:sp>
-        <p:nvSpPr>
-          <p:cNvPr id="3" name="Content Placeholder 2">
-            <a:extLst>
-              <a:ext uri="{FF2B5EF4-FFF2-40B4-BE49-F238E27FC236}">
-                <a16:creationId xmlns:a16="http://schemas.microsoft.com/office/drawing/2014/main" id="{72B03BB4-FD0C-BA6C-A3FA-E279216A4430}"/>
-              </a:ext>
-            </a:extLst>
-          </p:cNvPr>
-          <p:cNvSpPr>
-            <a:spLocks noGrp="1"/>
-          </p:cNvSpPr>
-          <p:nvPr>
-            <p:ph idx="1"/>
-          </p:nvPr>
-        </p:nvSpPr>
-        <p:spPr>
-          <a:xfrm>
-            <a:off x="838200" y="1825625"/>
-            <a:ext cx="10515600" cy="2573655"/>
-          </a:xfrm>
-        </p:spPr>
-        <p:txBody>
-          <a:bodyPr/>
-          <a:lstStyle/>
-          <a:p>
-            <a:pPr rtl="0">
-              <a:buFont typeface="Arial" panose="020B0604020202020204" pitchFamily="34" charset="0"/>
-              <a:buChar char="•"/>
-            </a:pPr>
-            <a:r>
-              <a:rPr lang="en-US" b="1" dirty="0"/>
-              <a:t>Entropy</a:t>
-            </a:r>
-            <a:r>
-              <a:rPr lang="en-US" dirty="0"/>
-              <a:t>: Measures uncertainty in predictions (goal: low entropy for correct class)</a:t>
-            </a:r>
-          </a:p>
-          <a:p>
-            <a:pPr rtl="0">
-              <a:buFont typeface="Arial" panose="020B0604020202020204" pitchFamily="34" charset="0"/>
-              <a:buChar char="•"/>
-            </a:pPr>
-            <a:r>
-              <a:rPr lang="en-US" b="1" dirty="0"/>
-              <a:t>Cross-Entropy Loss</a:t>
-            </a:r>
-            <a:r>
-              <a:rPr lang="en-US" dirty="0"/>
-              <a:t>: Guides model to reduce uncertainty (criterion)</a:t>
-            </a:r>
-          </a:p>
-          <a:p>
-            <a:pPr rtl="0">
-              <a:buFont typeface="Arial" panose="020B0604020202020204" pitchFamily="34" charset="0"/>
-              <a:buChar char="•"/>
-            </a:pPr>
-            <a:r>
-              <a:rPr lang="en-US" b="1" dirty="0" err="1"/>
-              <a:t>ReLU</a:t>
-            </a:r>
-            <a:r>
-              <a:rPr lang="en-US" dirty="0"/>
-              <a:t>: Enables learning complex patterns in Iris features (relu1, relu2)</a:t>
-            </a:r>
-          </a:p>
-          <a:p>
-            <a:pPr rtl="0">
-              <a:buFont typeface="Arial" panose="020B0604020202020204" pitchFamily="34" charset="0"/>
-              <a:buChar char="•"/>
-            </a:pPr>
-            <a:r>
-              <a:rPr lang="en-US" b="1" dirty="0"/>
-              <a:t>Adam</a:t>
-            </a:r>
-            <a:r>
-              <a:rPr lang="en-US" dirty="0"/>
-              <a:t>: Optimizes weights to minimize loss (optimizer)</a:t>
-            </a:r>
-          </a:p>
-        </p:txBody>
-      </p:sp>
       <p:pic>
         <p:nvPicPr>
-          <p:cNvPr id="7" name="Picture 6">
-            <a:extLst>
-              <a:ext uri="{FF2B5EF4-FFF2-40B4-BE49-F238E27FC236}">
-                <a16:creationId xmlns:a16="http://schemas.microsoft.com/office/drawing/2014/main" id="{6F5E78A8-A985-6229-2C39-B54A76021699}"/>
+          <p:cNvPr id="10242" name="Picture 2">
+            <a:extLst>
+              <a:ext uri="{FF2B5EF4-FFF2-40B4-BE49-F238E27FC236}">
+                <a16:creationId xmlns:a16="http://schemas.microsoft.com/office/drawing/2014/main" id="{1343F3F4-E3B1-3117-3F37-E0CF745DFFA4}"/>
               </a:ext>
             </a:extLst>
           </p:cNvPr>
           <p:cNvPicPr>
-            <a:picLocks noChangeAspect="1"/>
+            <a:picLocks noChangeAspect="1" noChangeArrowheads="1"/>
           </p:cNvPicPr>
           <p:nvPr/>
         </p:nvPicPr>
         <p:blipFill>
-          <a:blip r:embed="rId2"/>
+          <a:blip r:embed="rId2">
+            <a:extLst>
+              <a:ext uri="{28A0092B-C50C-407E-A947-70E740481C1C}">
+                <a14:useLocalDpi xmlns:a14="http://schemas.microsoft.com/office/drawing/2010/main" val="0"/>
+              </a:ext>
+            </a:extLst>
+          </a:blip>
+          <a:srcRect/>
           <a:stretch>
             <a:fillRect/>
           </a:stretch>
         </p:blipFill>
+        <p:spPr bwMode="auto">
+          <a:xfrm>
+            <a:off x="2067560" y="285750"/>
+            <a:ext cx="8056880" cy="6042660"/>
+          </a:xfrm>
+          <a:prstGeom prst="rect">
+            <a:avLst/>
+          </a:prstGeom>
+          <a:noFill/>
+          <a:extLst>
+            <a:ext uri="{909E8E84-426E-40DD-AFC4-6F175D3DCCD1}">
+              <a14:hiddenFill xmlns:a14="http://schemas.microsoft.com/office/drawing/2010/main">
+                <a:solidFill>
+                  <a:srgbClr val="FFFFFF"/>
+                </a:solidFill>
+              </a14:hiddenFill>
+            </a:ext>
+          </a:extLst>
+        </p:spPr>
+      </p:pic>
+      <p:sp>
+        <p:nvSpPr>
+          <p:cNvPr id="5" name="TextBox 4">
+            <a:extLst>
+              <a:ext uri="{FF2B5EF4-FFF2-40B4-BE49-F238E27FC236}">
+                <a16:creationId xmlns:a16="http://schemas.microsoft.com/office/drawing/2014/main" id="{4E39BB3D-B79B-AFD4-E6B8-3B02084EEF65}"/>
+              </a:ext>
+            </a:extLst>
+          </p:cNvPr>
+          <p:cNvSpPr txBox="1"/>
+          <p:nvPr/>
+        </p:nvSpPr>
         <p:spPr>
           <a:xfrm>
-            <a:off x="929384" y="4399280"/>
-            <a:ext cx="8638273" cy="1846263"/>
+            <a:off x="2506980" y="6328410"/>
+            <a:ext cx="6525260" cy="338554"/>
           </a:xfrm>
           <a:prstGeom prst="rect">
             <a:avLst/>
           </a:prstGeom>
-        </p:spPr>
-      </p:pic>
+          <a:noFill/>
+        </p:spPr>
+        <p:txBody>
+          <a:bodyPr wrap="square">
+            <a:spAutoFit/>
+          </a:bodyPr>
+          <a:lstStyle/>
+          <a:p>
+            <a:r>
+              <a:rPr lang="en-US" sz="1600" dirty="0"/>
+              <a:t>https://community.deeplearning.ai/t/optimization-algorithms/305154/3</a:t>
+            </a:r>
+          </a:p>
+        </p:txBody>
+      </p:sp>
     </p:spTree>
     <p:extLst>
       <p:ext uri="{BB962C8B-B14F-4D97-AF65-F5344CB8AC3E}">
-        <p14:creationId xmlns:p14="http://schemas.microsoft.com/office/powerpoint/2010/main" val="383624214"/>
+        <p14:creationId xmlns:p14="http://schemas.microsoft.com/office/powerpoint/2010/main" val="545826806"/>
       </p:ext>
     </p:extLst>
   </p:cSld>
@@ -17271,7 +18205,7 @@
           <p:cNvPr id="2" name="Title 1">
             <a:extLst>
               <a:ext uri="{FF2B5EF4-FFF2-40B4-BE49-F238E27FC236}">
-                <a16:creationId xmlns:a16="http://schemas.microsoft.com/office/drawing/2014/main" id="{53196785-2E4F-2843-F302-C1DA79193394}"/>
+                <a16:creationId xmlns:a16="http://schemas.microsoft.com/office/drawing/2014/main" id="{96D7FC87-E36A-D83A-96C4-A01CC08B16F6}"/>
               </a:ext>
             </a:extLst>
           </p:cNvPr>
@@ -17289,7 +18223,7 @@
           <a:p>
             <a:r>
               <a:rPr lang="en-US" dirty="0"/>
-              <a:t>Summary</a:t>
+              <a:t>Adam Optimizer</a:t>
             </a:r>
           </a:p>
         </p:txBody>
@@ -17299,7 +18233,333 @@
           <p:cNvPr id="3" name="Content Placeholder 2">
             <a:extLst>
               <a:ext uri="{FF2B5EF4-FFF2-40B4-BE49-F238E27FC236}">
-                <a16:creationId xmlns:a16="http://schemas.microsoft.com/office/drawing/2014/main" id="{4977BAF4-F7D6-CE1D-1AE7-5E273BABDE53}"/>
+                <a16:creationId xmlns:a16="http://schemas.microsoft.com/office/drawing/2014/main" id="{78F9E78F-53B4-E732-923B-ECCB30D08BED}"/>
+              </a:ext>
+            </a:extLst>
+          </p:cNvPr>
+          <p:cNvSpPr>
+            <a:spLocks noGrp="1"/>
+          </p:cNvSpPr>
+          <p:nvPr>
+            <p:ph idx="1"/>
+          </p:nvPr>
+        </p:nvSpPr>
+        <p:spPr/>
+        <p:txBody>
+          <a:bodyPr>
+            <a:normAutofit fontScale="92500" lnSpcReduction="10000"/>
+          </a:bodyPr>
+          <a:lstStyle/>
+          <a:p>
+            <a:pPr rtl="0">
+              <a:buFont typeface="Arial" panose="020B0604020202020204" pitchFamily="34" charset="0"/>
+              <a:buChar char="•"/>
+            </a:pPr>
+            <a:r>
+              <a:rPr lang="en-US" dirty="0"/>
+              <a:t>Definition: Adaptive Moment Estimation, a gradient-based optimization algorithm</a:t>
+            </a:r>
+          </a:p>
+          <a:p>
+            <a:pPr rtl="0">
+              <a:buFont typeface="Arial" panose="020B0604020202020204" pitchFamily="34" charset="0"/>
+              <a:buChar char="•"/>
+            </a:pPr>
+            <a:r>
+              <a:rPr lang="en-US" dirty="0"/>
+              <a:t>How It Works:</a:t>
+            </a:r>
+          </a:p>
+          <a:p>
+            <a:pPr marL="742950" lvl="1" indent="-285750" rtl="0">
+              <a:buFont typeface="Arial" panose="020B0604020202020204" pitchFamily="34" charset="0"/>
+              <a:buChar char="•"/>
+            </a:pPr>
+            <a:r>
+              <a:rPr lang="en-US" dirty="0"/>
+              <a:t>Combines momentum (moving average of gradients) and </a:t>
+            </a:r>
+            <a:r>
+              <a:rPr lang="en-US" dirty="0" err="1"/>
+              <a:t>RMSProp</a:t>
+            </a:r>
+            <a:r>
+              <a:rPr lang="en-US" dirty="0"/>
+              <a:t> (adaptive learning rates)</a:t>
+            </a:r>
+          </a:p>
+          <a:p>
+            <a:pPr marL="742950" lvl="1" indent="-285750" rtl="0">
+              <a:buFont typeface="Arial" panose="020B0604020202020204" pitchFamily="34" charset="0"/>
+              <a:buChar char="•"/>
+            </a:pPr>
+            <a:r>
+              <a:rPr lang="en-US" dirty="0"/>
+              <a:t>Updates weights to minimize cross-entropy loss</a:t>
+            </a:r>
+          </a:p>
+          <a:p>
+            <a:pPr rtl="0">
+              <a:buFont typeface="Arial" panose="020B0604020202020204" pitchFamily="34" charset="0"/>
+              <a:buChar char="•"/>
+            </a:pPr>
+            <a:r>
+              <a:rPr lang="en-US" dirty="0"/>
+              <a:t>In </a:t>
+            </a:r>
+            <a:r>
+              <a:rPr lang="en-US" dirty="0" err="1"/>
+              <a:t>PyTorch</a:t>
+            </a:r>
+            <a:r>
+              <a:rPr lang="en-US" dirty="0"/>
+              <a:t> Code:</a:t>
+            </a:r>
+          </a:p>
+          <a:p>
+            <a:pPr marL="742950" lvl="1" indent="-285750" rtl="0">
+              <a:buFont typeface="Arial" panose="020B0604020202020204" pitchFamily="34" charset="0"/>
+              <a:buChar char="•"/>
+            </a:pPr>
+            <a:r>
+              <a:rPr lang="en-US" dirty="0">
+                <a:solidFill>
+                  <a:schemeClr val="accent2"/>
+                </a:solidFill>
+              </a:rPr>
+              <a:t>optimizer = </a:t>
+            </a:r>
+            <a:r>
+              <a:rPr lang="en-US" dirty="0" err="1">
+                <a:solidFill>
+                  <a:schemeClr val="accent2"/>
+                </a:solidFill>
+              </a:rPr>
+              <a:t>optim.Adam</a:t>
+            </a:r>
+            <a:r>
+              <a:rPr lang="en-US" dirty="0">
+                <a:solidFill>
+                  <a:schemeClr val="accent2"/>
+                </a:solidFill>
+              </a:rPr>
+              <a:t>(</a:t>
+            </a:r>
+            <a:r>
+              <a:rPr lang="en-US" dirty="0" err="1">
+                <a:solidFill>
+                  <a:schemeClr val="accent2"/>
+                </a:solidFill>
+              </a:rPr>
+              <a:t>model.parameters</a:t>
+            </a:r>
+            <a:r>
+              <a:rPr lang="en-US" dirty="0">
+                <a:solidFill>
+                  <a:schemeClr val="accent2"/>
+                </a:solidFill>
+              </a:rPr>
+              <a:t>(), </a:t>
+            </a:r>
+            <a:r>
+              <a:rPr lang="en-US" dirty="0" err="1">
+                <a:solidFill>
+                  <a:schemeClr val="accent2"/>
+                </a:solidFill>
+              </a:rPr>
+              <a:t>lr</a:t>
+            </a:r>
+            <a:r>
+              <a:rPr lang="en-US" dirty="0">
+                <a:solidFill>
+                  <a:schemeClr val="accent2"/>
+                </a:solidFill>
+              </a:rPr>
+              <a:t>=0.001)</a:t>
+            </a:r>
+          </a:p>
+          <a:p>
+            <a:pPr marL="742950" lvl="1" indent="-285750" rtl="0">
+              <a:buFont typeface="Arial" panose="020B0604020202020204" pitchFamily="34" charset="0"/>
+              <a:buChar char="•"/>
+            </a:pPr>
+            <a:r>
+              <a:rPr lang="en-US" dirty="0" err="1">
+                <a:solidFill>
+                  <a:schemeClr val="accent2"/>
+                </a:solidFill>
+              </a:rPr>
+              <a:t>optimizer.step</a:t>
+            </a:r>
+            <a:r>
+              <a:rPr lang="en-US" dirty="0">
+                <a:solidFill>
+                  <a:schemeClr val="accent2"/>
+                </a:solidFill>
+              </a:rPr>
+              <a:t>() </a:t>
+            </a:r>
+            <a:r>
+              <a:rPr lang="en-US" dirty="0"/>
+              <a:t>updates weights after backpropagation</a:t>
+            </a:r>
+          </a:p>
+          <a:p>
+            <a:pPr rtl="0">
+              <a:buFont typeface="Arial" panose="020B0604020202020204" pitchFamily="34" charset="0"/>
+              <a:buChar char="•"/>
+            </a:pPr>
+            <a:r>
+              <a:rPr lang="en-US" dirty="0"/>
+              <a:t>Benefits:</a:t>
+            </a:r>
+          </a:p>
+          <a:p>
+            <a:pPr marL="742950" lvl="1" indent="-285750" rtl="0">
+              <a:buFont typeface="Arial" panose="020B0604020202020204" pitchFamily="34" charset="0"/>
+              <a:buChar char="•"/>
+            </a:pPr>
+            <a:r>
+              <a:rPr lang="en-US" dirty="0"/>
+              <a:t>Fast convergence</a:t>
+            </a:r>
+          </a:p>
+          <a:p>
+            <a:pPr marL="742950" lvl="1" indent="-285750" rtl="0">
+              <a:buFont typeface="Arial" panose="020B0604020202020204" pitchFamily="34" charset="0"/>
+              <a:buChar char="•"/>
+            </a:pPr>
+            <a:r>
+              <a:rPr lang="en-US" dirty="0"/>
+              <a:t>Adapts to different features (e.g., Iris’s varying scales)</a:t>
+            </a:r>
+          </a:p>
+        </p:txBody>
+      </p:sp>
+    </p:spTree>
+    <p:extLst>
+      <p:ext uri="{BB962C8B-B14F-4D97-AF65-F5344CB8AC3E}">
+        <p14:creationId xmlns:p14="http://schemas.microsoft.com/office/powerpoint/2010/main" val="1846476847"/>
+      </p:ext>
+    </p:extLst>
+  </p:cSld>
+  <p:clrMapOvr>
+    <a:masterClrMapping/>
+  </p:clrMapOvr>
+</p:sld>
+</file>
+
+<file path=ppt/slides/slide38.xml><?xml version="1.0" encoding="utf-8"?>
+<p:sld xmlns:a="http://schemas.openxmlformats.org/drawingml/2006/main" xmlns:r="http://schemas.openxmlformats.org/officeDocument/2006/relationships" xmlns:p="http://schemas.openxmlformats.org/presentationml/2006/main">
+  <p:cSld>
+    <p:spTree>
+      <p:nvGrpSpPr>
+        <p:cNvPr id="1" name=""/>
+        <p:cNvGrpSpPr/>
+        <p:nvPr/>
+      </p:nvGrpSpPr>
+      <p:grpSpPr>
+        <a:xfrm>
+          <a:off x="0" y="0"/>
+          <a:ext cx="0" cy="0"/>
+          <a:chOff x="0" y="0"/>
+          <a:chExt cx="0" cy="0"/>
+        </a:xfrm>
+      </p:grpSpPr>
+      <p:pic>
+        <p:nvPicPr>
+          <p:cNvPr id="5" name="Picture 4">
+            <a:extLst>
+              <a:ext uri="{FF2B5EF4-FFF2-40B4-BE49-F238E27FC236}">
+                <a16:creationId xmlns:a16="http://schemas.microsoft.com/office/drawing/2014/main" id="{B1E92E06-8E6E-750D-CDA6-9714052C3FF6}"/>
+              </a:ext>
+            </a:extLst>
+          </p:cNvPr>
+          <p:cNvPicPr>
+            <a:picLocks noChangeAspect="1"/>
+          </p:cNvPicPr>
+          <p:nvPr/>
+        </p:nvPicPr>
+        <p:blipFill>
+          <a:blip r:embed="rId2"/>
+          <a:stretch>
+            <a:fillRect/>
+          </a:stretch>
+        </p:blipFill>
+        <p:spPr>
+          <a:xfrm>
+            <a:off x="1153300" y="0"/>
+            <a:ext cx="10196888" cy="6858000"/>
+          </a:xfrm>
+          <a:prstGeom prst="rect">
+            <a:avLst/>
+          </a:prstGeom>
+        </p:spPr>
+      </p:pic>
+    </p:spTree>
+    <p:extLst>
+      <p:ext uri="{BB962C8B-B14F-4D97-AF65-F5344CB8AC3E}">
+        <p14:creationId xmlns:p14="http://schemas.microsoft.com/office/powerpoint/2010/main" val="1740457000"/>
+      </p:ext>
+    </p:extLst>
+  </p:cSld>
+  <p:clrMapOvr>
+    <a:masterClrMapping/>
+  </p:clrMapOvr>
+</p:sld>
+</file>
+
+<file path=ppt/slides/slide39.xml><?xml version="1.0" encoding="utf-8"?>
+<p:sld xmlns:a="http://schemas.openxmlformats.org/drawingml/2006/main" xmlns:r="http://schemas.openxmlformats.org/officeDocument/2006/relationships" xmlns:p="http://schemas.openxmlformats.org/presentationml/2006/main">
+  <p:cSld>
+    <p:spTree>
+      <p:nvGrpSpPr>
+        <p:cNvPr id="1" name=""/>
+        <p:cNvGrpSpPr/>
+        <p:nvPr/>
+      </p:nvGrpSpPr>
+      <p:grpSpPr>
+        <a:xfrm>
+          <a:off x="0" y="0"/>
+          <a:ext cx="0" cy="0"/>
+          <a:chOff x="0" y="0"/>
+          <a:chExt cx="0" cy="0"/>
+        </a:xfrm>
+      </p:grpSpPr>
+      <p:sp>
+        <p:nvSpPr>
+          <p:cNvPr id="2" name="Title 1">
+            <a:extLst>
+              <a:ext uri="{FF2B5EF4-FFF2-40B4-BE49-F238E27FC236}">
+                <a16:creationId xmlns:a16="http://schemas.microsoft.com/office/drawing/2014/main" id="{3A7D6A03-A22D-46EE-F960-A431154FCEC2}"/>
+              </a:ext>
+            </a:extLst>
+          </p:cNvPr>
+          <p:cNvSpPr>
+            <a:spLocks noGrp="1"/>
+          </p:cNvSpPr>
+          <p:nvPr>
+            <p:ph type="title"/>
+          </p:nvPr>
+        </p:nvSpPr>
+        <p:spPr/>
+        <p:txBody>
+          <a:bodyPr/>
+          <a:lstStyle/>
+          <a:p>
+            <a:r>
+              <a:rPr lang="en-US" dirty="0"/>
+              <a:t>Which optimizer to use</a:t>
+            </a:r>
+          </a:p>
+        </p:txBody>
+      </p:sp>
+      <p:sp>
+        <p:nvSpPr>
+          <p:cNvPr id="3" name="Content Placeholder 2">
+            <a:extLst>
+              <a:ext uri="{FF2B5EF4-FFF2-40B4-BE49-F238E27FC236}">
+                <a16:creationId xmlns:a16="http://schemas.microsoft.com/office/drawing/2014/main" id="{3E281087-FD8D-D04A-DEA2-DB7F598F989B}"/>
               </a:ext>
             </a:extLst>
           </p:cNvPr>
@@ -17315,76 +18575,40 @@
           <a:bodyPr/>
           <a:lstStyle/>
           <a:p>
-            <a:pPr rtl="0">
-              <a:buFont typeface="Arial" panose="020B0604020202020204" pitchFamily="34" charset="0"/>
-              <a:buChar char="•"/>
-            </a:pPr>
+            <a:r>
+              <a:rPr lang="en-GB" dirty="0"/>
+              <a:t>Use Adam when you want good performance quickly and don't want to worry too much about hyperparameter tuning.</a:t>
+            </a:r>
+          </a:p>
+          <a:p>
+            <a:r>
+              <a:rPr lang="en-GB" dirty="0"/>
+              <a:t>Use SGD (with momentum) when training very large models, fine-tuning pre-trained networks, or when you want tighter control over optimization </a:t>
+            </a:r>
+            <a:r>
+              <a:rPr lang="en-GB" dirty="0" err="1"/>
+              <a:t>behavior</a:t>
+            </a:r>
+            <a:r>
+              <a:rPr lang="en-GB" dirty="0"/>
+              <a:t>.</a:t>
+            </a:r>
+          </a:p>
+          <a:p>
             <a:r>
               <a:rPr lang="en-US" dirty="0"/>
-              <a:t>Entropy: Quantifies prediction uncertainty</a:t>
-            </a:r>
-          </a:p>
-          <a:p>
-            <a:pPr rtl="0">
-              <a:buFont typeface="Arial" panose="020B0604020202020204" pitchFamily="34" charset="0"/>
-              <a:buChar char="•"/>
-            </a:pPr>
-            <a:r>
-              <a:rPr lang="en-US" dirty="0"/>
-              <a:t>Cross-Entropy Loss: Measures prediction error for multiclass tasks</a:t>
-            </a:r>
-          </a:p>
-          <a:p>
-            <a:pPr rtl="0">
-              <a:buFont typeface="Arial" panose="020B0604020202020204" pitchFamily="34" charset="0"/>
-              <a:buChar char="•"/>
-            </a:pPr>
-            <a:r>
-              <a:rPr lang="en-US" dirty="0" err="1"/>
-              <a:t>ReLU</a:t>
-            </a:r>
-            <a:r>
-              <a:rPr lang="en-US" dirty="0"/>
-              <a:t>: Adds non-linearity for complex patterns</a:t>
-            </a:r>
-          </a:p>
-          <a:p>
-            <a:pPr rtl="0">
-              <a:buFont typeface="Arial" panose="020B0604020202020204" pitchFamily="34" charset="0"/>
-              <a:buChar char="•"/>
-            </a:pPr>
-            <a:r>
-              <a:rPr lang="en-US" dirty="0"/>
-              <a:t>Adam Optimizer: Efficiently minimizes loss</a:t>
-            </a:r>
-          </a:p>
-          <a:p>
-            <a:pPr rtl="0">
-              <a:buFont typeface="Arial" panose="020B0604020202020204" pitchFamily="34" charset="0"/>
-              <a:buChar char="•"/>
-            </a:pPr>
-            <a:r>
-              <a:rPr lang="en-US" dirty="0"/>
-              <a:t>Application: These concepts power our </a:t>
-            </a:r>
-            <a:r>
-              <a:rPr lang="en-US" dirty="0" err="1"/>
-              <a:t>PyTorch</a:t>
-            </a:r>
-            <a:r>
-              <a:rPr lang="en-US" dirty="0"/>
-              <a:t> model to classify Iris species with high accuracy</a:t>
-            </a:r>
-          </a:p>
-          <a:p>
-            <a:endParaRPr lang="en-US" dirty="0"/>
+              <a:t>Compare both optimizers for Iris training with 100 epochs (150 samples) </a:t>
+            </a:r>
+          </a:p>
+          <a:p>
+            <a:endParaRPr lang="en-GB" dirty="0"/>
           </a:p>
         </p:txBody>
       </p:sp>
     </p:spTree>
     <p:extLst>
       <p:ext uri="{BB962C8B-B14F-4D97-AF65-F5344CB8AC3E}">
-        <p14:creationId xmlns:p14="http://schemas.microsoft.com/office/powerpoint/2010/main" val="3552171113"/>
+        <p14:creationId xmlns:p14="http://schemas.microsoft.com/office/powerpoint/2010/main" val="1312178182"/>
       </p:ext>
     </p:extLst>
   </p:cSld>
@@ -19250,6 +20474,322 @@
     <p:extLst>
       <p:ext uri="{BB962C8B-B14F-4D97-AF65-F5344CB8AC3E}">
         <p14:creationId xmlns:p14="http://schemas.microsoft.com/office/powerpoint/2010/main" val="2182874950"/>
+      </p:ext>
+    </p:extLst>
+  </p:cSld>
+  <p:clrMapOvr>
+    <a:masterClrMapping/>
+  </p:clrMapOvr>
+</p:sld>
+</file>
+
+<file path=ppt/slides/slide40.xml><?xml version="1.0" encoding="utf-8"?>
+<p:sld xmlns:a="http://schemas.openxmlformats.org/drawingml/2006/main" xmlns:r="http://schemas.openxmlformats.org/officeDocument/2006/relationships" xmlns:p="http://schemas.openxmlformats.org/presentationml/2006/main">
+  <p:cSld>
+    <p:spTree>
+      <p:nvGrpSpPr>
+        <p:cNvPr id="1" name=""/>
+        <p:cNvGrpSpPr/>
+        <p:nvPr/>
+      </p:nvGrpSpPr>
+      <p:grpSpPr>
+        <a:xfrm>
+          <a:off x="0" y="0"/>
+          <a:ext cx="0" cy="0"/>
+          <a:chOff x="0" y="0"/>
+          <a:chExt cx="0" cy="0"/>
+        </a:xfrm>
+      </p:grpSpPr>
+      <p:sp>
+        <p:nvSpPr>
+          <p:cNvPr id="2" name="Title 1">
+            <a:extLst>
+              <a:ext uri="{FF2B5EF4-FFF2-40B4-BE49-F238E27FC236}">
+                <a16:creationId xmlns:a16="http://schemas.microsoft.com/office/drawing/2014/main" id="{85BC1A98-0533-672A-1569-25B4C9F7CB0A}"/>
+              </a:ext>
+            </a:extLst>
+          </p:cNvPr>
+          <p:cNvSpPr>
+            <a:spLocks noGrp="1"/>
+          </p:cNvSpPr>
+          <p:nvPr>
+            <p:ph type="title"/>
+          </p:nvPr>
+        </p:nvSpPr>
+        <p:spPr/>
+        <p:txBody>
+          <a:bodyPr/>
+          <a:lstStyle/>
+          <a:p>
+            <a:r>
+              <a:rPr lang="en-US" dirty="0"/>
+              <a:t>Putting It All Together</a:t>
+            </a:r>
+          </a:p>
+        </p:txBody>
+      </p:sp>
+      <p:sp>
+        <p:nvSpPr>
+          <p:cNvPr id="3" name="Content Placeholder 2">
+            <a:extLst>
+              <a:ext uri="{FF2B5EF4-FFF2-40B4-BE49-F238E27FC236}">
+                <a16:creationId xmlns:a16="http://schemas.microsoft.com/office/drawing/2014/main" id="{72B03BB4-FD0C-BA6C-A3FA-E279216A4430}"/>
+              </a:ext>
+            </a:extLst>
+          </p:cNvPr>
+          <p:cNvSpPr>
+            <a:spLocks noGrp="1"/>
+          </p:cNvSpPr>
+          <p:nvPr>
+            <p:ph idx="1"/>
+          </p:nvPr>
+        </p:nvSpPr>
+        <p:spPr>
+          <a:xfrm>
+            <a:off x="838200" y="1825625"/>
+            <a:ext cx="10515600" cy="2573655"/>
+          </a:xfrm>
+        </p:spPr>
+        <p:txBody>
+          <a:bodyPr/>
+          <a:lstStyle/>
+          <a:p>
+            <a:pPr rtl="0">
+              <a:buFont typeface="Arial" panose="020B0604020202020204" pitchFamily="34" charset="0"/>
+              <a:buChar char="•"/>
+            </a:pPr>
+            <a:r>
+              <a:rPr lang="en-US" b="1" dirty="0"/>
+              <a:t>Entropy</a:t>
+            </a:r>
+            <a:r>
+              <a:rPr lang="en-US" dirty="0"/>
+              <a:t>: Measures uncertainty in predictions (goal: low entropy for correct class)</a:t>
+            </a:r>
+          </a:p>
+          <a:p>
+            <a:pPr rtl="0">
+              <a:buFont typeface="Arial" panose="020B0604020202020204" pitchFamily="34" charset="0"/>
+              <a:buChar char="•"/>
+            </a:pPr>
+            <a:r>
+              <a:rPr lang="en-US" b="1" dirty="0"/>
+              <a:t>Cross-Entropy Loss</a:t>
+            </a:r>
+            <a:r>
+              <a:rPr lang="en-US" dirty="0"/>
+              <a:t>: Guides model to reduce uncertainty (criterion)</a:t>
+            </a:r>
+          </a:p>
+          <a:p>
+            <a:pPr rtl="0">
+              <a:buFont typeface="Arial" panose="020B0604020202020204" pitchFamily="34" charset="0"/>
+              <a:buChar char="•"/>
+            </a:pPr>
+            <a:r>
+              <a:rPr lang="en-US" b="1" dirty="0" err="1"/>
+              <a:t>ReLU</a:t>
+            </a:r>
+            <a:r>
+              <a:rPr lang="en-US" dirty="0"/>
+              <a:t>: Enables learning complex patterns in Iris features (relu1, relu2)</a:t>
+            </a:r>
+          </a:p>
+          <a:p>
+            <a:pPr rtl="0">
+              <a:buFont typeface="Arial" panose="020B0604020202020204" pitchFamily="34" charset="0"/>
+              <a:buChar char="•"/>
+            </a:pPr>
+            <a:r>
+              <a:rPr lang="en-US" b="1" dirty="0"/>
+              <a:t>Adam</a:t>
+            </a:r>
+            <a:r>
+              <a:rPr lang="en-US" dirty="0"/>
+              <a:t>: Optimizes weights to minimize loss (optimizer)</a:t>
+            </a:r>
+          </a:p>
+        </p:txBody>
+      </p:sp>
+      <p:pic>
+        <p:nvPicPr>
+          <p:cNvPr id="7" name="Picture 6">
+            <a:extLst>
+              <a:ext uri="{FF2B5EF4-FFF2-40B4-BE49-F238E27FC236}">
+                <a16:creationId xmlns:a16="http://schemas.microsoft.com/office/drawing/2014/main" id="{6F5E78A8-A985-6229-2C39-B54A76021699}"/>
+              </a:ext>
+            </a:extLst>
+          </p:cNvPr>
+          <p:cNvPicPr>
+            <a:picLocks noChangeAspect="1"/>
+          </p:cNvPicPr>
+          <p:nvPr/>
+        </p:nvPicPr>
+        <p:blipFill>
+          <a:blip r:embed="rId2"/>
+          <a:stretch>
+            <a:fillRect/>
+          </a:stretch>
+        </p:blipFill>
+        <p:spPr>
+          <a:xfrm>
+            <a:off x="929384" y="4399280"/>
+            <a:ext cx="8638273" cy="1846263"/>
+          </a:xfrm>
+          <a:prstGeom prst="rect">
+            <a:avLst/>
+          </a:prstGeom>
+        </p:spPr>
+      </p:pic>
+    </p:spTree>
+    <p:extLst>
+      <p:ext uri="{BB962C8B-B14F-4D97-AF65-F5344CB8AC3E}">
+        <p14:creationId xmlns:p14="http://schemas.microsoft.com/office/powerpoint/2010/main" val="383624214"/>
+      </p:ext>
+    </p:extLst>
+  </p:cSld>
+  <p:clrMapOvr>
+    <a:masterClrMapping/>
+  </p:clrMapOvr>
+</p:sld>
+</file>
+
+<file path=ppt/slides/slide41.xml><?xml version="1.0" encoding="utf-8"?>
+<p:sld xmlns:a="http://schemas.openxmlformats.org/drawingml/2006/main" xmlns:r="http://schemas.openxmlformats.org/officeDocument/2006/relationships" xmlns:p="http://schemas.openxmlformats.org/presentationml/2006/main">
+  <p:cSld>
+    <p:spTree>
+      <p:nvGrpSpPr>
+        <p:cNvPr id="1" name=""/>
+        <p:cNvGrpSpPr/>
+        <p:nvPr/>
+      </p:nvGrpSpPr>
+      <p:grpSpPr>
+        <a:xfrm>
+          <a:off x="0" y="0"/>
+          <a:ext cx="0" cy="0"/>
+          <a:chOff x="0" y="0"/>
+          <a:chExt cx="0" cy="0"/>
+        </a:xfrm>
+      </p:grpSpPr>
+      <p:sp>
+        <p:nvSpPr>
+          <p:cNvPr id="2" name="Title 1">
+            <a:extLst>
+              <a:ext uri="{FF2B5EF4-FFF2-40B4-BE49-F238E27FC236}">
+                <a16:creationId xmlns:a16="http://schemas.microsoft.com/office/drawing/2014/main" id="{53196785-2E4F-2843-F302-C1DA79193394}"/>
+              </a:ext>
+            </a:extLst>
+          </p:cNvPr>
+          <p:cNvSpPr>
+            <a:spLocks noGrp="1"/>
+          </p:cNvSpPr>
+          <p:nvPr>
+            <p:ph type="title"/>
+          </p:nvPr>
+        </p:nvSpPr>
+        <p:spPr/>
+        <p:txBody>
+          <a:bodyPr/>
+          <a:lstStyle/>
+          <a:p>
+            <a:r>
+              <a:rPr lang="en-US" dirty="0"/>
+              <a:t>Summary</a:t>
+            </a:r>
+          </a:p>
+        </p:txBody>
+      </p:sp>
+      <p:sp>
+        <p:nvSpPr>
+          <p:cNvPr id="3" name="Content Placeholder 2">
+            <a:extLst>
+              <a:ext uri="{FF2B5EF4-FFF2-40B4-BE49-F238E27FC236}">
+                <a16:creationId xmlns:a16="http://schemas.microsoft.com/office/drawing/2014/main" id="{4977BAF4-F7D6-CE1D-1AE7-5E273BABDE53}"/>
+              </a:ext>
+            </a:extLst>
+          </p:cNvPr>
+          <p:cNvSpPr>
+            <a:spLocks noGrp="1"/>
+          </p:cNvSpPr>
+          <p:nvPr>
+            <p:ph idx="1"/>
+          </p:nvPr>
+        </p:nvSpPr>
+        <p:spPr/>
+        <p:txBody>
+          <a:bodyPr/>
+          <a:lstStyle/>
+          <a:p>
+            <a:pPr rtl="0">
+              <a:buFont typeface="Arial" panose="020B0604020202020204" pitchFamily="34" charset="0"/>
+              <a:buChar char="•"/>
+            </a:pPr>
+            <a:r>
+              <a:rPr lang="en-US" dirty="0"/>
+              <a:t>Entropy: Quantifies prediction uncertainty</a:t>
+            </a:r>
+          </a:p>
+          <a:p>
+            <a:pPr rtl="0">
+              <a:buFont typeface="Arial" panose="020B0604020202020204" pitchFamily="34" charset="0"/>
+              <a:buChar char="•"/>
+            </a:pPr>
+            <a:r>
+              <a:rPr lang="en-US" dirty="0"/>
+              <a:t>Cross-Entropy Loss: Measures prediction error for multiclass tasks</a:t>
+            </a:r>
+          </a:p>
+          <a:p>
+            <a:pPr rtl="0">
+              <a:buFont typeface="Arial" panose="020B0604020202020204" pitchFamily="34" charset="0"/>
+              <a:buChar char="•"/>
+            </a:pPr>
+            <a:r>
+              <a:rPr lang="en-US" dirty="0" err="1"/>
+              <a:t>ReLU</a:t>
+            </a:r>
+            <a:r>
+              <a:rPr lang="en-US" dirty="0"/>
+              <a:t>: Adds non-linearity for complex patterns</a:t>
+            </a:r>
+          </a:p>
+          <a:p>
+            <a:pPr rtl="0">
+              <a:buFont typeface="Arial" panose="020B0604020202020204" pitchFamily="34" charset="0"/>
+              <a:buChar char="•"/>
+            </a:pPr>
+            <a:r>
+              <a:rPr lang="en-US" dirty="0"/>
+              <a:t>Adam Optimizer: Efficiently minimizes loss</a:t>
+            </a:r>
+          </a:p>
+          <a:p>
+            <a:pPr rtl="0">
+              <a:buFont typeface="Arial" panose="020B0604020202020204" pitchFamily="34" charset="0"/>
+              <a:buChar char="•"/>
+            </a:pPr>
+            <a:r>
+              <a:rPr lang="en-US" dirty="0"/>
+              <a:t>Application: These concepts power our </a:t>
+            </a:r>
+            <a:r>
+              <a:rPr lang="en-US" dirty="0" err="1"/>
+              <a:t>PyTorch</a:t>
+            </a:r>
+            <a:r>
+              <a:rPr lang="en-US" dirty="0"/>
+              <a:t> model to classify Iris species with high accuracy</a:t>
+            </a:r>
+          </a:p>
+          <a:p>
+            <a:endParaRPr lang="en-US" dirty="0"/>
+          </a:p>
+        </p:txBody>
+      </p:sp>
+    </p:spTree>
+    <p:extLst>
+      <p:ext uri="{BB962C8B-B14F-4D97-AF65-F5344CB8AC3E}">
+        <p14:creationId xmlns:p14="http://schemas.microsoft.com/office/powerpoint/2010/main" val="3552171113"/>
       </p:ext>
     </p:extLst>
   </p:cSld>

--- a/CYFI445/lectures/08_multiclass_classification_n_to_n_2hidden/0_ML_concepts_multiclass.pptx
+++ b/CYFI445/lectures/08_multiclass_classification_n_to_n_2hidden/0_ML_concepts_multiclass.pptx
@@ -5,7 +5,7 @@
     <p:sldMasterId id="2147483648" r:id="rId1"/>
   </p:sldMasterIdLst>
   <p:notesMasterIdLst>
-    <p:notesMasterId r:id="rId43"/>
+    <p:notesMasterId r:id="rId45"/>
   </p:notesMasterIdLst>
   <p:sldIdLst>
     <p:sldId id="256" r:id="rId2"/>
@@ -35,20 +35,22 @@
     <p:sldId id="269" r:id="rId26"/>
     <p:sldId id="272" r:id="rId27"/>
     <p:sldId id="295" r:id="rId28"/>
-    <p:sldId id="297" r:id="rId29"/>
-    <p:sldId id="298" r:id="rId30"/>
-    <p:sldId id="296" r:id="rId31"/>
-    <p:sldId id="293" r:id="rId32"/>
-    <p:sldId id="294" r:id="rId33"/>
-    <p:sldId id="276" r:id="rId34"/>
-    <p:sldId id="277" r:id="rId35"/>
-    <p:sldId id="278" r:id="rId36"/>
-    <p:sldId id="280" r:id="rId37"/>
-    <p:sldId id="281" r:id="rId38"/>
-    <p:sldId id="282" r:id="rId39"/>
-    <p:sldId id="283" r:id="rId40"/>
-    <p:sldId id="284" r:id="rId41"/>
-    <p:sldId id="285" r:id="rId42"/>
+    <p:sldId id="300" r:id="rId29"/>
+    <p:sldId id="299" r:id="rId30"/>
+    <p:sldId id="297" r:id="rId31"/>
+    <p:sldId id="298" r:id="rId32"/>
+    <p:sldId id="296" r:id="rId33"/>
+    <p:sldId id="293" r:id="rId34"/>
+    <p:sldId id="294" r:id="rId35"/>
+    <p:sldId id="276" r:id="rId36"/>
+    <p:sldId id="277" r:id="rId37"/>
+    <p:sldId id="278" r:id="rId38"/>
+    <p:sldId id="280" r:id="rId39"/>
+    <p:sldId id="281" r:id="rId40"/>
+    <p:sldId id="282" r:id="rId41"/>
+    <p:sldId id="283" r:id="rId42"/>
+    <p:sldId id="284" r:id="rId43"/>
+    <p:sldId id="285" r:id="rId44"/>
   </p:sldIdLst>
   <p:sldSz cx="12192000" cy="6858000"/>
   <p:notesSz cx="6858000" cy="9144000"/>
@@ -2445,7 +2447,7 @@
           <a:p>
             <a:fld id="{2A59A54D-A59E-4D85-AEC9-D5AFF867AB55}" type="datetimeFigureOut">
               <a:rPr lang="en-US" smtClean="0"/>
-              <a:t>10/4/2025</a:t>
+              <a:t>10/15/2025</a:t>
             </a:fld>
             <a:endParaRPr lang="en-US"/>
           </a:p>
@@ -3821,7 +3823,7 @@
           <a:p>
             <a:fld id="{AD4B3522-F598-4236-847D-901DDEE8B2B8}" type="slidenum">
               <a:rPr lang="en-US" smtClean="0"/>
-              <a:t>30</a:t>
+              <a:t>32</a:t>
             </a:fld>
             <a:endParaRPr lang="en-US"/>
           </a:p>
@@ -3929,7 +3931,7 @@
           <a:p>
             <a:fld id="{AD4B3522-F598-4236-847D-901DDEE8B2B8}" type="slidenum">
               <a:rPr lang="en-US" smtClean="0"/>
-              <a:t>31</a:t>
+              <a:t>33</a:t>
             </a:fld>
             <a:endParaRPr lang="en-US"/>
           </a:p>
@@ -4077,7 +4079,7 @@
           <a:p>
             <a:fld id="{4263717A-E3C1-4BED-ABE0-B7069385E023}" type="datetimeFigureOut">
               <a:rPr lang="en-US" smtClean="0"/>
-              <a:t>10/4/2025</a:t>
+              <a:t>10/15/2025</a:t>
             </a:fld>
             <a:endParaRPr lang="en-US"/>
           </a:p>
@@ -4250,7 +4252,7 @@
           <a:p>
             <a:fld id="{4263717A-E3C1-4BED-ABE0-B7069385E023}" type="datetimeFigureOut">
               <a:rPr lang="en-US" smtClean="0"/>
-              <a:t>10/4/2025</a:t>
+              <a:t>10/15/2025</a:t>
             </a:fld>
             <a:endParaRPr lang="en-US"/>
           </a:p>
@@ -4428,7 +4430,7 @@
           <a:p>
             <a:fld id="{4263717A-E3C1-4BED-ABE0-B7069385E023}" type="datetimeFigureOut">
               <a:rPr lang="en-US" smtClean="0"/>
-              <a:t>10/4/2025</a:t>
+              <a:t>10/15/2025</a:t>
             </a:fld>
             <a:endParaRPr lang="en-US"/>
           </a:p>
@@ -4596,7 +4598,7 @@
           <a:p>
             <a:fld id="{4263717A-E3C1-4BED-ABE0-B7069385E023}" type="datetimeFigureOut">
               <a:rPr lang="en-US" smtClean="0"/>
-              <a:t>10/4/2025</a:t>
+              <a:t>10/15/2025</a:t>
             </a:fld>
             <a:endParaRPr lang="en-US"/>
           </a:p>
@@ -4841,7 +4843,7 @@
           <a:p>
             <a:fld id="{4263717A-E3C1-4BED-ABE0-B7069385E023}" type="datetimeFigureOut">
               <a:rPr lang="en-US" smtClean="0"/>
-              <a:t>10/4/2025</a:t>
+              <a:t>10/15/2025</a:t>
             </a:fld>
             <a:endParaRPr lang="en-US"/>
           </a:p>
@@ -5070,7 +5072,7 @@
           <a:p>
             <a:fld id="{4263717A-E3C1-4BED-ABE0-B7069385E023}" type="datetimeFigureOut">
               <a:rPr lang="en-US" smtClean="0"/>
-              <a:t>10/4/2025</a:t>
+              <a:t>10/15/2025</a:t>
             </a:fld>
             <a:endParaRPr lang="en-US"/>
           </a:p>
@@ -5434,7 +5436,7 @@
           <a:p>
             <a:fld id="{4263717A-E3C1-4BED-ABE0-B7069385E023}" type="datetimeFigureOut">
               <a:rPr lang="en-US" smtClean="0"/>
-              <a:t>10/4/2025</a:t>
+              <a:t>10/15/2025</a:t>
             </a:fld>
             <a:endParaRPr lang="en-US"/>
           </a:p>
@@ -5551,7 +5553,7 @@
           <a:p>
             <a:fld id="{4263717A-E3C1-4BED-ABE0-B7069385E023}" type="datetimeFigureOut">
               <a:rPr lang="en-US" smtClean="0"/>
-              <a:t>10/4/2025</a:t>
+              <a:t>10/15/2025</a:t>
             </a:fld>
             <a:endParaRPr lang="en-US"/>
           </a:p>
@@ -5646,7 +5648,7 @@
           <a:p>
             <a:fld id="{4263717A-E3C1-4BED-ABE0-B7069385E023}" type="datetimeFigureOut">
               <a:rPr lang="en-US" smtClean="0"/>
-              <a:t>10/4/2025</a:t>
+              <a:t>10/15/2025</a:t>
             </a:fld>
             <a:endParaRPr lang="en-US"/>
           </a:p>
@@ -5921,7 +5923,7 @@
           <a:p>
             <a:fld id="{4263717A-E3C1-4BED-ABE0-B7069385E023}" type="datetimeFigureOut">
               <a:rPr lang="en-US" smtClean="0"/>
-              <a:t>10/4/2025</a:t>
+              <a:t>10/15/2025</a:t>
             </a:fld>
             <a:endParaRPr lang="en-US"/>
           </a:p>
@@ -6173,7 +6175,7 @@
           <a:p>
             <a:fld id="{4263717A-E3C1-4BED-ABE0-B7069385E023}" type="datetimeFigureOut">
               <a:rPr lang="en-US" smtClean="0"/>
-              <a:t>10/4/2025</a:t>
+              <a:t>10/15/2025</a:t>
             </a:fld>
             <a:endParaRPr lang="en-US"/>
           </a:p>
@@ -6392,7 +6394,7 @@
           <a:p>
             <a:fld id="{4263717A-E3C1-4BED-ABE0-B7069385E023}" type="datetimeFigureOut">
               <a:rPr lang="en-US" smtClean="0"/>
-              <a:t>10/4/2025</a:t>
+              <a:t>10/15/2025</a:t>
             </a:fld>
             <a:endParaRPr lang="en-US"/>
           </a:p>
@@ -14852,7 +14854,7 @@
           <a:p>
             <a:r>
               <a:rPr lang="en-US" dirty="0"/>
-              <a:t>Takeaways: Cross-Entropy</a:t>
+              <a:t>Takeaways: Iris flower Multi-classification</a:t>
             </a:r>
           </a:p>
         </p:txBody>
@@ -14878,7 +14880,10 @@
           <a:bodyPr/>
           <a:lstStyle/>
           <a:p>
-            <a:endParaRPr lang="en-US"/>
+            <a:r>
+              <a:rPr lang="en-US" dirty="0"/>
+              <a:t>Cross-Entropy</a:t>
+            </a:r>
           </a:p>
         </p:txBody>
       </p:sp>
@@ -14900,7 +14905,13 @@
   <p:cSld>
     <p:spTree>
       <p:nvGrpSpPr>
-        <p:cNvPr id="1" name=""/>
+        <p:cNvPr id="1" name="">
+          <a:extLst>
+            <a:ext uri="{FF2B5EF4-FFF2-40B4-BE49-F238E27FC236}">
+              <a16:creationId xmlns:a16="http://schemas.microsoft.com/office/drawing/2014/main" id="{DC035B6D-4E00-BE6E-E68F-A5D9F9505A4A}"/>
+            </a:ext>
+          </a:extLst>
+        </p:cNvPr>
         <p:cNvGrpSpPr/>
         <p:nvPr/>
       </p:nvGrpSpPr>
@@ -14914,10 +14925,10 @@
       </p:grpSpPr>
       <p:pic>
         <p:nvPicPr>
-          <p:cNvPr id="5" name="Picture 4">
-            <a:extLst>
-              <a:ext uri="{FF2B5EF4-FFF2-40B4-BE49-F238E27FC236}">
-                <a16:creationId xmlns:a16="http://schemas.microsoft.com/office/drawing/2014/main" id="{24B1A8A9-54E3-F66F-EFEA-75494F3650A9}"/>
+          <p:cNvPr id="7" name="Picture 6">
+            <a:extLst>
+              <a:ext uri="{FF2B5EF4-FFF2-40B4-BE49-F238E27FC236}">
+                <a16:creationId xmlns:a16="http://schemas.microsoft.com/office/drawing/2014/main" id="{38C5CF8F-AEF8-9FC1-A298-98D35D9CC111}"/>
               </a:ext>
             </a:extLst>
           </p:cNvPr>
@@ -14934,20 +14945,191 @@
         </p:blipFill>
         <p:spPr>
           <a:xfrm>
-            <a:off x="1982705" y="626990"/>
-            <a:ext cx="8226590" cy="5604019"/>
+            <a:off x="4931687" y="4808917"/>
+            <a:ext cx="4523673" cy="1818412"/>
           </a:xfrm>
           <a:prstGeom prst="rect">
             <a:avLst/>
           </a:prstGeom>
         </p:spPr>
       </p:pic>
+      <p:pic>
+        <p:nvPicPr>
+          <p:cNvPr id="8" name="Picture 2">
+            <a:extLst>
+              <a:ext uri="{FF2B5EF4-FFF2-40B4-BE49-F238E27FC236}">
+                <a16:creationId xmlns:a16="http://schemas.microsoft.com/office/drawing/2014/main" id="{C2A032AD-0096-0C60-07BF-33E37DD50219}"/>
+              </a:ext>
+            </a:extLst>
+          </p:cNvPr>
+          <p:cNvPicPr>
+            <a:picLocks noChangeAspect="1" noChangeArrowheads="1"/>
+          </p:cNvPicPr>
+          <p:nvPr/>
+        </p:nvPicPr>
+        <p:blipFill>
+          <a:blip r:embed="rId3" cstate="print">
+            <a:extLst>
+              <a:ext uri="{28A0092B-C50C-407E-A947-70E740481C1C}">
+                <a14:useLocalDpi xmlns:a14="http://schemas.microsoft.com/office/drawing/2010/main" val="0"/>
+              </a:ext>
+            </a:extLst>
+          </a:blip>
+          <a:srcRect/>
+          <a:stretch>
+            <a:fillRect/>
+          </a:stretch>
+        </p:blipFill>
+        <p:spPr bwMode="auto">
+          <a:xfrm>
+            <a:off x="5649573" y="184038"/>
+            <a:ext cx="3250480" cy="2379597"/>
+          </a:xfrm>
+          <a:prstGeom prst="rect">
+            <a:avLst/>
+          </a:prstGeom>
+          <a:noFill/>
+          <a:extLst>
+            <a:ext uri="{909E8E84-426E-40DD-AFC4-6F175D3DCCD1}">
+              <a14:hiddenFill xmlns:a14="http://schemas.microsoft.com/office/drawing/2010/main">
+                <a:solidFill>
+                  <a:srgbClr val="FFFFFF"/>
+                </a:solidFill>
+              </a14:hiddenFill>
+            </a:ext>
+          </a:extLst>
+        </p:spPr>
+      </p:pic>
+      <p:cxnSp>
+        <p:nvCxnSpPr>
+          <p:cNvPr id="9" name="Straight Arrow Connector 8">
+            <a:extLst>
+              <a:ext uri="{FF2B5EF4-FFF2-40B4-BE49-F238E27FC236}">
+                <a16:creationId xmlns:a16="http://schemas.microsoft.com/office/drawing/2014/main" id="{18D6CD76-1728-CC12-3B5A-5CAB5000998C}"/>
+              </a:ext>
+            </a:extLst>
+          </p:cNvPr>
+          <p:cNvCxnSpPr>
+            <a:cxnSpLocks/>
+          </p:cNvCxnSpPr>
+          <p:nvPr/>
+        </p:nvCxnSpPr>
+        <p:spPr>
+          <a:xfrm flipH="1">
+            <a:off x="5756370" y="2485258"/>
+            <a:ext cx="844741" cy="1899517"/>
+          </a:xfrm>
+          <a:prstGeom prst="straightConnector1">
+            <a:avLst/>
+          </a:prstGeom>
+          <a:ln>
+            <a:tailEnd type="triangle"/>
+          </a:ln>
+        </p:spPr>
+        <p:style>
+          <a:lnRef idx="1">
+            <a:schemeClr val="accent2"/>
+          </a:lnRef>
+          <a:fillRef idx="0">
+            <a:schemeClr val="accent2"/>
+          </a:fillRef>
+          <a:effectRef idx="0">
+            <a:schemeClr val="accent2"/>
+          </a:effectRef>
+          <a:fontRef idx="minor">
+            <a:schemeClr val="tx1"/>
+          </a:fontRef>
+        </p:style>
+      </p:cxnSp>
+      <p:cxnSp>
+        <p:nvCxnSpPr>
+          <p:cNvPr id="10" name="Straight Arrow Connector 9">
+            <a:extLst>
+              <a:ext uri="{FF2B5EF4-FFF2-40B4-BE49-F238E27FC236}">
+                <a16:creationId xmlns:a16="http://schemas.microsoft.com/office/drawing/2014/main" id="{3BB78514-260B-2567-23C9-531A2725747C}"/>
+              </a:ext>
+            </a:extLst>
+          </p:cNvPr>
+          <p:cNvCxnSpPr>
+            <a:cxnSpLocks/>
+            <a:stCxn id="8" idx="2"/>
+          </p:cNvCxnSpPr>
+          <p:nvPr/>
+        </p:nvCxnSpPr>
+        <p:spPr>
+          <a:xfrm flipH="1">
+            <a:off x="7005484" y="2563635"/>
+            <a:ext cx="269329" cy="1704391"/>
+          </a:xfrm>
+          <a:prstGeom prst="straightConnector1">
+            <a:avLst/>
+          </a:prstGeom>
+          <a:ln>
+            <a:tailEnd type="triangle"/>
+          </a:ln>
+        </p:spPr>
+        <p:style>
+          <a:lnRef idx="1">
+            <a:schemeClr val="accent2"/>
+          </a:lnRef>
+          <a:fillRef idx="0">
+            <a:schemeClr val="accent2"/>
+          </a:fillRef>
+          <a:effectRef idx="0">
+            <a:schemeClr val="accent2"/>
+          </a:effectRef>
+          <a:fontRef idx="minor">
+            <a:schemeClr val="tx1"/>
+          </a:fontRef>
+        </p:style>
+      </p:cxnSp>
+      <p:cxnSp>
+        <p:nvCxnSpPr>
+          <p:cNvPr id="11" name="Straight Arrow Connector 10">
+            <a:extLst>
+              <a:ext uri="{FF2B5EF4-FFF2-40B4-BE49-F238E27FC236}">
+                <a16:creationId xmlns:a16="http://schemas.microsoft.com/office/drawing/2014/main" id="{21A64164-62CD-0F26-D06C-5624D5731FA7}"/>
+              </a:ext>
+            </a:extLst>
+          </p:cNvPr>
+          <p:cNvCxnSpPr>
+            <a:cxnSpLocks/>
+          </p:cNvCxnSpPr>
+          <p:nvPr/>
+        </p:nvCxnSpPr>
+        <p:spPr>
+          <a:xfrm>
+            <a:off x="7924814" y="2563635"/>
+            <a:ext cx="761986" cy="1704391"/>
+          </a:xfrm>
+          <a:prstGeom prst="straightConnector1">
+            <a:avLst/>
+          </a:prstGeom>
+          <a:ln>
+            <a:tailEnd type="triangle"/>
+          </a:ln>
+        </p:spPr>
+        <p:style>
+          <a:lnRef idx="1">
+            <a:schemeClr val="accent2"/>
+          </a:lnRef>
+          <a:fillRef idx="0">
+            <a:schemeClr val="accent2"/>
+          </a:fillRef>
+          <a:effectRef idx="0">
+            <a:schemeClr val="accent2"/>
+          </a:effectRef>
+          <a:fontRef idx="minor">
+            <a:schemeClr val="tx1"/>
+          </a:fontRef>
+        </p:style>
+      </p:cxnSp>
       <p:sp>
         <p:nvSpPr>
-          <p:cNvPr id="6" name="TextBox 5">
-            <a:extLst>
-              <a:ext uri="{FF2B5EF4-FFF2-40B4-BE49-F238E27FC236}">
-                <a16:creationId xmlns:a16="http://schemas.microsoft.com/office/drawing/2014/main" id="{DE2E7871-EC4F-D9F9-2F94-58794154C7C5}"/>
+          <p:cNvPr id="12" name="TextBox 11">
+            <a:extLst>
+              <a:ext uri="{FF2B5EF4-FFF2-40B4-BE49-F238E27FC236}">
+                <a16:creationId xmlns:a16="http://schemas.microsoft.com/office/drawing/2014/main" id="{3D33F4F0-7C24-C8A2-3BC8-B1622F1C084E}"/>
               </a:ext>
             </a:extLst>
           </p:cNvPr>
@@ -14956,8 +15138,8 @@
         </p:nvSpPr>
         <p:spPr>
           <a:xfrm>
-            <a:off x="2425147" y="5629524"/>
-            <a:ext cx="1208985" cy="369332"/>
+            <a:off x="4572001" y="4268026"/>
+            <a:ext cx="5140869" cy="461665"/>
           </a:xfrm>
           <a:prstGeom prst="rect">
             <a:avLst/>
@@ -14965,65 +15147,481 @@
           <a:noFill/>
         </p:spPr>
         <p:txBody>
-          <a:bodyPr wrap="none" rtlCol="0">
+          <a:bodyPr wrap="square">
             <a:spAutoFit/>
           </a:bodyPr>
           <a:lstStyle/>
           <a:p>
             <a:r>
-              <a:rPr lang="en-US" dirty="0">
+              <a:rPr lang="en-GB" sz="2400" b="1" dirty="0">
                 <a:solidFill>
-                  <a:schemeClr val="bg1"/>
+                  <a:srgbClr val="7030A0"/>
                 </a:solidFill>
               </a:rPr>
-              <a:t>log(1/P(A))</a:t>
-            </a:r>
+              <a:t>sum</a:t>
+            </a:r>
+            <a:r>
+              <a:rPr lang="en-GB" sz="2400" dirty="0">
+                <a:solidFill>
+                  <a:srgbClr val="7030A0"/>
+                </a:solidFill>
+              </a:rPr>
+              <a:t>([</a:t>
+            </a:r>
+            <a:r>
+              <a:rPr lang="en-GB" sz="2400" b="1" dirty="0">
+                <a:solidFill>
+                  <a:srgbClr val="FF0000"/>
+                </a:solidFill>
+              </a:rPr>
+              <a:t>0.8, 	    </a:t>
+            </a:r>
+            <a:r>
+              <a:rPr lang="en-GB" sz="2400" dirty="0">
+                <a:solidFill>
+                  <a:srgbClr val="7030A0"/>
+                </a:solidFill>
+              </a:rPr>
+              <a:t>0.1,		 0.1])=</a:t>
+            </a:r>
+            <a:r>
+              <a:rPr lang="en-GB" sz="2400" b="1" dirty="0">
+                <a:solidFill>
+                  <a:srgbClr val="FF0000"/>
+                </a:solidFill>
+              </a:rPr>
+              <a:t>1 </a:t>
+            </a:r>
+            <a:endParaRPr lang="en-US" sz="2400" b="1" dirty="0">
+              <a:solidFill>
+                <a:srgbClr val="FF0000"/>
+              </a:solidFill>
+            </a:endParaRPr>
           </a:p>
         </p:txBody>
       </p:sp>
       <p:sp>
         <p:nvSpPr>
-          <p:cNvPr id="7" name="TextBox 6">
-            <a:extLst>
-              <a:ext uri="{FF2B5EF4-FFF2-40B4-BE49-F238E27FC236}">
-                <a16:creationId xmlns:a16="http://schemas.microsoft.com/office/drawing/2014/main" id="{B543A937-0CFA-12E1-D8A0-5920B872EB45}"/>
-              </a:ext>
-            </a:extLst>
-          </p:cNvPr>
-          <p:cNvSpPr txBox="1"/>
+          <p:cNvPr id="13" name="Rectangle 12">
+            <a:extLst>
+              <a:ext uri="{FF2B5EF4-FFF2-40B4-BE49-F238E27FC236}">
+                <a16:creationId xmlns:a16="http://schemas.microsoft.com/office/drawing/2014/main" id="{D3126029-3D0E-5784-2F7F-12E8DD290E25}"/>
+              </a:ext>
+            </a:extLst>
+          </p:cNvPr>
+          <p:cNvSpPr/>
           <p:nvPr/>
         </p:nvSpPr>
         <p:spPr>
           <a:xfrm>
-            <a:off x="6736080" y="5559287"/>
-            <a:ext cx="1245854" cy="369332"/>
+            <a:off x="5019726" y="4900513"/>
+            <a:ext cx="1341117" cy="1390694"/>
           </a:xfrm>
           <a:prstGeom prst="rect">
             <a:avLst/>
           </a:prstGeom>
           <a:noFill/>
-        </p:spPr>
+          <a:ln w="38100">
+            <a:solidFill>
+              <a:srgbClr val="FF0000"/>
+            </a:solidFill>
+          </a:ln>
+        </p:spPr>
+        <p:style>
+          <a:lnRef idx="2">
+            <a:schemeClr val="accent1">
+              <a:shade val="15000"/>
+            </a:schemeClr>
+          </a:lnRef>
+          <a:fillRef idx="1">
+            <a:schemeClr val="accent1"/>
+          </a:fillRef>
+          <a:effectRef idx="0">
+            <a:schemeClr val="accent1"/>
+          </a:effectRef>
+          <a:fontRef idx="minor">
+            <a:schemeClr val="lt1"/>
+          </a:fontRef>
+        </p:style>
         <p:txBody>
-          <a:bodyPr wrap="none" rtlCol="0">
+          <a:bodyPr rtlCol="0" anchor="ctr"/>
+          <a:lstStyle/>
+          <a:p>
+            <a:pPr algn="ctr"/>
+            <a:endParaRPr lang="en-US"/>
+          </a:p>
+        </p:txBody>
+      </p:sp>
+      <p:sp>
+        <p:nvSpPr>
+          <p:cNvPr id="45" name="TextBox 44">
+            <a:extLst>
+              <a:ext uri="{FF2B5EF4-FFF2-40B4-BE49-F238E27FC236}">
+                <a16:creationId xmlns:a16="http://schemas.microsoft.com/office/drawing/2014/main" id="{323912F8-E039-C9CE-E7CB-FE92CD1F8319}"/>
+              </a:ext>
+            </a:extLst>
+          </p:cNvPr>
+          <p:cNvSpPr txBox="1"/>
+          <p:nvPr/>
+        </p:nvSpPr>
+        <p:spPr>
+          <a:xfrm>
+            <a:off x="454140" y="747753"/>
+            <a:ext cx="3935152" cy="1815882"/>
+          </a:xfrm>
+          <a:prstGeom prst="rect">
+            <a:avLst/>
+          </a:prstGeom>
+          <a:noFill/>
+        </p:spPr>
+        <p:txBody>
+          <a:bodyPr wrap="square">
             <a:spAutoFit/>
           </a:bodyPr>
           <a:lstStyle/>
           <a:p>
             <a:r>
-              <a:rPr lang="en-US" dirty="0">
-                <a:solidFill>
-                  <a:schemeClr val="bg1"/>
-                </a:solidFill>
+              <a:rPr lang="en-GB" sz="2800" dirty="0">
+                <a:effectLst/>
               </a:rPr>
-              <a:t>log(1/Q(A))</a:t>
-            </a:r>
+              <a:t>Classify iris flowers into one of three species based on four measured features.</a:t>
+            </a:r>
+            <a:endParaRPr lang="en-GB" sz="2800" dirty="0"/>
+          </a:p>
+        </p:txBody>
+      </p:sp>
+      <p:graphicFrame>
+        <p:nvGraphicFramePr>
+          <p:cNvPr id="5" name="Table 4">
+            <a:extLst>
+              <a:ext uri="{FF2B5EF4-FFF2-40B4-BE49-F238E27FC236}">
+                <a16:creationId xmlns:a16="http://schemas.microsoft.com/office/drawing/2014/main" id="{CEF5F2C2-901E-3AE4-319F-8F21AD7CF179}"/>
+              </a:ext>
+            </a:extLst>
+          </p:cNvPr>
+          <p:cNvGraphicFramePr>
+            <a:graphicFrameLocks noGrp="1"/>
+          </p:cNvGraphicFramePr>
+          <p:nvPr>
+            <p:extLst>
+              <p:ext uri="{D42A27DB-BD31-4B8C-83A1-F6EECF244321}">
+                <p14:modId xmlns:p14="http://schemas.microsoft.com/office/powerpoint/2010/main" val="91126351"/>
+              </p:ext>
+            </p:extLst>
+          </p:nvPr>
+        </p:nvGraphicFramePr>
+        <p:xfrm>
+          <a:off x="559034" y="2774474"/>
+          <a:ext cx="3329428" cy="1828800"/>
+        </p:xfrm>
+        <a:graphic>
+          <a:graphicData uri="http://schemas.openxmlformats.org/drawingml/2006/table">
+            <a:tbl>
+              <a:tblPr>
+                <a:tableStyleId>{5940675A-B579-460E-94D1-54222C63F5DA}</a:tableStyleId>
+              </a:tblPr>
+              <a:tblGrid>
+                <a:gridCol w="1664714">
+                  <a:extLst>
+                    <a:ext uri="{9D8B030D-6E8A-4147-A177-3AD203B41FA5}">
+                      <a16:colId xmlns:a16="http://schemas.microsoft.com/office/drawing/2014/main" val="853260954"/>
+                    </a:ext>
+                  </a:extLst>
+                </a:gridCol>
+                <a:gridCol w="1664714">
+                  <a:extLst>
+                    <a:ext uri="{9D8B030D-6E8A-4147-A177-3AD203B41FA5}">
+                      <a16:colId xmlns:a16="http://schemas.microsoft.com/office/drawing/2014/main" val="1922954594"/>
+                    </a:ext>
+                  </a:extLst>
+                </a:gridCol>
+              </a:tblGrid>
+              <a:tr h="0">
+                <a:tc>
+                  <a:txBody>
+                    <a:bodyPr/>
+                    <a:lstStyle/>
+                    <a:p>
+                      <a:pPr>
+                        <a:buNone/>
+                      </a:pPr>
+                      <a:r>
+                        <a:rPr lang="en-US" b="1"/>
+                        <a:t>Feature</a:t>
+                      </a:r>
+                    </a:p>
+                  </a:txBody>
+                  <a:tcPr anchor="ctr"/>
+                </a:tc>
+                <a:tc>
+                  <a:txBody>
+                    <a:bodyPr/>
+                    <a:lstStyle/>
+                    <a:p>
+                      <a:pPr>
+                        <a:buNone/>
+                      </a:pPr>
+                      <a:r>
+                        <a:rPr lang="en-US" b="1" dirty="0"/>
+                        <a:t>Description</a:t>
+                      </a:r>
+                    </a:p>
+                  </a:txBody>
+                  <a:tcPr anchor="ctr"/>
+                </a:tc>
+                <a:extLst>
+                  <a:ext uri="{0D108BD9-81ED-4DB2-BD59-A6C34878D82A}">
+                    <a16:rowId xmlns:a16="http://schemas.microsoft.com/office/drawing/2014/main" val="1827266703"/>
+                  </a:ext>
+                </a:extLst>
+              </a:tr>
+              <a:tr h="0">
+                <a:tc>
+                  <a:txBody>
+                    <a:bodyPr/>
+                    <a:lstStyle/>
+                    <a:p>
+                      <a:pPr>
+                        <a:buNone/>
+                      </a:pPr>
+                      <a:r>
+                        <a:rPr lang="en-US"/>
+                        <a:t>Sepal length</a:t>
+                      </a:r>
+                    </a:p>
+                  </a:txBody>
+                  <a:tcPr anchor="ctr"/>
+                </a:tc>
+                <a:tc>
+                  <a:txBody>
+                    <a:bodyPr/>
+                    <a:lstStyle/>
+                    <a:p>
+                      <a:pPr>
+                        <a:buNone/>
+                      </a:pPr>
+                      <a:r>
+                        <a:rPr lang="en-US"/>
+                        <a:t>in centimeters</a:t>
+                      </a:r>
+                    </a:p>
+                  </a:txBody>
+                  <a:tcPr anchor="ctr"/>
+                </a:tc>
+                <a:extLst>
+                  <a:ext uri="{0D108BD9-81ED-4DB2-BD59-A6C34878D82A}">
+                    <a16:rowId xmlns:a16="http://schemas.microsoft.com/office/drawing/2014/main" val="1737779437"/>
+                  </a:ext>
+                </a:extLst>
+              </a:tr>
+              <a:tr h="0">
+                <a:tc>
+                  <a:txBody>
+                    <a:bodyPr/>
+                    <a:lstStyle/>
+                    <a:p>
+                      <a:pPr>
+                        <a:buNone/>
+                      </a:pPr>
+                      <a:r>
+                        <a:rPr lang="en-US"/>
+                        <a:t>Sepal width</a:t>
+                      </a:r>
+                    </a:p>
+                  </a:txBody>
+                  <a:tcPr anchor="ctr"/>
+                </a:tc>
+                <a:tc>
+                  <a:txBody>
+                    <a:bodyPr/>
+                    <a:lstStyle/>
+                    <a:p>
+                      <a:pPr>
+                        <a:buNone/>
+                      </a:pPr>
+                      <a:r>
+                        <a:rPr lang="en-US"/>
+                        <a:t>in centimeters</a:t>
+                      </a:r>
+                    </a:p>
+                  </a:txBody>
+                  <a:tcPr anchor="ctr"/>
+                </a:tc>
+                <a:extLst>
+                  <a:ext uri="{0D108BD9-81ED-4DB2-BD59-A6C34878D82A}">
+                    <a16:rowId xmlns:a16="http://schemas.microsoft.com/office/drawing/2014/main" val="682847428"/>
+                  </a:ext>
+                </a:extLst>
+              </a:tr>
+              <a:tr h="0">
+                <a:tc>
+                  <a:txBody>
+                    <a:bodyPr/>
+                    <a:lstStyle/>
+                    <a:p>
+                      <a:pPr>
+                        <a:buNone/>
+                      </a:pPr>
+                      <a:r>
+                        <a:rPr lang="en-US"/>
+                        <a:t>Petal length</a:t>
+                      </a:r>
+                    </a:p>
+                  </a:txBody>
+                  <a:tcPr anchor="ctr"/>
+                </a:tc>
+                <a:tc>
+                  <a:txBody>
+                    <a:bodyPr/>
+                    <a:lstStyle/>
+                    <a:p>
+                      <a:pPr>
+                        <a:buNone/>
+                      </a:pPr>
+                      <a:r>
+                        <a:rPr lang="en-US"/>
+                        <a:t>in centimeters</a:t>
+                      </a:r>
+                    </a:p>
+                  </a:txBody>
+                  <a:tcPr anchor="ctr"/>
+                </a:tc>
+                <a:extLst>
+                  <a:ext uri="{0D108BD9-81ED-4DB2-BD59-A6C34878D82A}">
+                    <a16:rowId xmlns:a16="http://schemas.microsoft.com/office/drawing/2014/main" val="1739438420"/>
+                  </a:ext>
+                </a:extLst>
+              </a:tr>
+              <a:tr h="0">
+                <a:tc>
+                  <a:txBody>
+                    <a:bodyPr/>
+                    <a:lstStyle/>
+                    <a:p>
+                      <a:pPr>
+                        <a:buNone/>
+                      </a:pPr>
+                      <a:r>
+                        <a:rPr lang="en-US"/>
+                        <a:t>Petal width</a:t>
+                      </a:r>
+                    </a:p>
+                  </a:txBody>
+                  <a:tcPr anchor="ctr"/>
+                </a:tc>
+                <a:tc>
+                  <a:txBody>
+                    <a:bodyPr/>
+                    <a:lstStyle/>
+                    <a:p>
+                      <a:pPr>
+                        <a:buNone/>
+                      </a:pPr>
+                      <a:r>
+                        <a:rPr lang="en-US" dirty="0"/>
+                        <a:t>in centimeters</a:t>
+                      </a:r>
+                    </a:p>
+                  </a:txBody>
+                  <a:tcPr anchor="ctr"/>
+                </a:tc>
+                <a:extLst>
+                  <a:ext uri="{0D108BD9-81ED-4DB2-BD59-A6C34878D82A}">
+                    <a16:rowId xmlns:a16="http://schemas.microsoft.com/office/drawing/2014/main" val="3830223769"/>
+                  </a:ext>
+                </a:extLst>
+              </a:tr>
+            </a:tbl>
+          </a:graphicData>
+        </a:graphic>
+      </p:graphicFrame>
+      <p:sp>
+        <p:nvSpPr>
+          <p:cNvPr id="14" name="TextBox 13">
+            <a:extLst>
+              <a:ext uri="{FF2B5EF4-FFF2-40B4-BE49-F238E27FC236}">
+                <a16:creationId xmlns:a16="http://schemas.microsoft.com/office/drawing/2014/main" id="{BE198E13-3A29-5185-12AE-060F9CB41C75}"/>
+              </a:ext>
+            </a:extLst>
+          </p:cNvPr>
+          <p:cNvSpPr txBox="1"/>
+          <p:nvPr/>
+        </p:nvSpPr>
+        <p:spPr>
+          <a:xfrm>
+            <a:off x="585047" y="4864855"/>
+            <a:ext cx="3872653" cy="1477328"/>
+          </a:xfrm>
+          <a:prstGeom prst="rect">
+            <a:avLst/>
+          </a:prstGeom>
+          <a:noFill/>
+        </p:spPr>
+        <p:txBody>
+          <a:bodyPr wrap="square">
+            <a:spAutoFit/>
+          </a:bodyPr>
+          <a:lstStyle/>
+          <a:p>
+            <a:pPr>
+              <a:buNone/>
+            </a:pPr>
+            <a:r>
+              <a:rPr lang="en-US" dirty="0"/>
+              <a:t>The </a:t>
+            </a:r>
+            <a:r>
+              <a:rPr lang="en-US" b="1" dirty="0"/>
+              <a:t>target variable (class label)</a:t>
+            </a:r>
+            <a:r>
+              <a:rPr lang="en-US" dirty="0"/>
+              <a:t> has three categories:</a:t>
+            </a:r>
+          </a:p>
+          <a:p>
+            <a:pPr>
+              <a:buFont typeface="+mj-lt"/>
+              <a:buAutoNum type="arabicPeriod"/>
+            </a:pPr>
+            <a:r>
+              <a:rPr lang="en-US" b="1" dirty="0"/>
+              <a:t>Iris </a:t>
+            </a:r>
+            <a:r>
+              <a:rPr lang="en-US" b="1" dirty="0" err="1"/>
+              <a:t>setosa</a:t>
+            </a:r>
+            <a:endParaRPr lang="en-US" dirty="0"/>
+          </a:p>
+          <a:p>
+            <a:pPr>
+              <a:buFont typeface="+mj-lt"/>
+              <a:buAutoNum type="arabicPeriod"/>
+            </a:pPr>
+            <a:r>
+              <a:rPr lang="en-US" b="1" dirty="0"/>
+              <a:t>Iris versicolor</a:t>
+            </a:r>
+            <a:endParaRPr lang="en-US" dirty="0"/>
+          </a:p>
+          <a:p>
+            <a:pPr>
+              <a:buFont typeface="+mj-lt"/>
+              <a:buAutoNum type="arabicPeriod"/>
+            </a:pPr>
+            <a:r>
+              <a:rPr lang="en-US" b="1" dirty="0"/>
+              <a:t>Iris virginica</a:t>
+            </a:r>
+            <a:endParaRPr lang="en-US" dirty="0"/>
           </a:p>
         </p:txBody>
       </p:sp>
     </p:spTree>
     <p:extLst>
       <p:ext uri="{BB962C8B-B14F-4D97-AF65-F5344CB8AC3E}">
-        <p14:creationId xmlns:p14="http://schemas.microsoft.com/office/powerpoint/2010/main" val="4231632982"/>
+        <p14:creationId xmlns:p14="http://schemas.microsoft.com/office/powerpoint/2010/main" val="1778884983"/>
       </p:ext>
     </p:extLst>
   </p:cSld>
@@ -15041,7 +15639,7 @@
         <p:cNvPr id="1" name="">
           <a:extLst>
             <a:ext uri="{FF2B5EF4-FFF2-40B4-BE49-F238E27FC236}">
-              <a16:creationId xmlns:a16="http://schemas.microsoft.com/office/drawing/2014/main" id="{C6CCEB63-78EE-0AB9-2AC1-8CA37CC9A9F6}"/>
+              <a16:creationId xmlns:a16="http://schemas.microsoft.com/office/drawing/2014/main" id="{CEBA8E1A-FE1E-DFE8-9339-4289EC48BB73}"/>
             </a:ext>
           </a:extLst>
         </p:cNvPr>
@@ -15058,10 +15656,10 @@
       </p:grpSpPr>
       <p:pic>
         <p:nvPicPr>
-          <p:cNvPr id="5" name="Picture 4">
-            <a:extLst>
-              <a:ext uri="{FF2B5EF4-FFF2-40B4-BE49-F238E27FC236}">
-                <a16:creationId xmlns:a16="http://schemas.microsoft.com/office/drawing/2014/main" id="{A8D19EFF-AA11-BCDB-6B59-820691AE3FBE}"/>
+          <p:cNvPr id="7" name="Picture 6">
+            <a:extLst>
+              <a:ext uri="{FF2B5EF4-FFF2-40B4-BE49-F238E27FC236}">
+                <a16:creationId xmlns:a16="http://schemas.microsoft.com/office/drawing/2014/main" id="{5A759DE4-CBD6-09E4-4462-66CB803AE8EB}"/>
               </a:ext>
             </a:extLst>
           </p:cNvPr>
@@ -15078,20 +15676,191 @@
         </p:blipFill>
         <p:spPr>
           <a:xfrm>
-            <a:off x="1982705" y="626990"/>
-            <a:ext cx="8226590" cy="5604019"/>
+            <a:off x="4931687" y="4808917"/>
+            <a:ext cx="4523673" cy="1818412"/>
           </a:xfrm>
           <a:prstGeom prst="rect">
             <a:avLst/>
           </a:prstGeom>
         </p:spPr>
       </p:pic>
+      <p:pic>
+        <p:nvPicPr>
+          <p:cNvPr id="8" name="Picture 2">
+            <a:extLst>
+              <a:ext uri="{FF2B5EF4-FFF2-40B4-BE49-F238E27FC236}">
+                <a16:creationId xmlns:a16="http://schemas.microsoft.com/office/drawing/2014/main" id="{EF5EC7A4-8111-7BFD-AEBA-A7FA001D82C3}"/>
+              </a:ext>
+            </a:extLst>
+          </p:cNvPr>
+          <p:cNvPicPr>
+            <a:picLocks noChangeAspect="1" noChangeArrowheads="1"/>
+          </p:cNvPicPr>
+          <p:nvPr/>
+        </p:nvPicPr>
+        <p:blipFill>
+          <a:blip r:embed="rId3" cstate="print">
+            <a:extLst>
+              <a:ext uri="{28A0092B-C50C-407E-A947-70E740481C1C}">
+                <a14:useLocalDpi xmlns:a14="http://schemas.microsoft.com/office/drawing/2010/main" val="0"/>
+              </a:ext>
+            </a:extLst>
+          </a:blip>
+          <a:srcRect/>
+          <a:stretch>
+            <a:fillRect/>
+          </a:stretch>
+        </p:blipFill>
+        <p:spPr bwMode="auto">
+          <a:xfrm>
+            <a:off x="5649573" y="184038"/>
+            <a:ext cx="3250480" cy="2379597"/>
+          </a:xfrm>
+          <a:prstGeom prst="rect">
+            <a:avLst/>
+          </a:prstGeom>
+          <a:noFill/>
+          <a:extLst>
+            <a:ext uri="{909E8E84-426E-40DD-AFC4-6F175D3DCCD1}">
+              <a14:hiddenFill xmlns:a14="http://schemas.microsoft.com/office/drawing/2010/main">
+                <a:solidFill>
+                  <a:srgbClr val="FFFFFF"/>
+                </a:solidFill>
+              </a14:hiddenFill>
+            </a:ext>
+          </a:extLst>
+        </p:spPr>
+      </p:pic>
+      <p:cxnSp>
+        <p:nvCxnSpPr>
+          <p:cNvPr id="9" name="Straight Arrow Connector 8">
+            <a:extLst>
+              <a:ext uri="{FF2B5EF4-FFF2-40B4-BE49-F238E27FC236}">
+                <a16:creationId xmlns:a16="http://schemas.microsoft.com/office/drawing/2014/main" id="{4DC6EBB2-A92B-E248-7CC3-FB7BF1FFFAFE}"/>
+              </a:ext>
+            </a:extLst>
+          </p:cNvPr>
+          <p:cNvCxnSpPr>
+            <a:cxnSpLocks/>
+          </p:cNvCxnSpPr>
+          <p:nvPr/>
+        </p:nvCxnSpPr>
+        <p:spPr>
+          <a:xfrm flipH="1">
+            <a:off x="5878272" y="2485258"/>
+            <a:ext cx="722839" cy="939880"/>
+          </a:xfrm>
+          <a:prstGeom prst="straightConnector1">
+            <a:avLst/>
+          </a:prstGeom>
+          <a:ln>
+            <a:tailEnd type="triangle"/>
+          </a:ln>
+        </p:spPr>
+        <p:style>
+          <a:lnRef idx="1">
+            <a:schemeClr val="accent2"/>
+          </a:lnRef>
+          <a:fillRef idx="0">
+            <a:schemeClr val="accent2"/>
+          </a:fillRef>
+          <a:effectRef idx="0">
+            <a:schemeClr val="accent2"/>
+          </a:effectRef>
+          <a:fontRef idx="minor">
+            <a:schemeClr val="tx1"/>
+          </a:fontRef>
+        </p:style>
+      </p:cxnSp>
+      <p:cxnSp>
+        <p:nvCxnSpPr>
+          <p:cNvPr id="10" name="Straight Arrow Connector 9">
+            <a:extLst>
+              <a:ext uri="{FF2B5EF4-FFF2-40B4-BE49-F238E27FC236}">
+                <a16:creationId xmlns:a16="http://schemas.microsoft.com/office/drawing/2014/main" id="{D450066C-21A9-6D39-0431-15CD92BFC772}"/>
+              </a:ext>
+            </a:extLst>
+          </p:cNvPr>
+          <p:cNvCxnSpPr>
+            <a:cxnSpLocks/>
+            <a:stCxn id="8" idx="2"/>
+          </p:cNvCxnSpPr>
+          <p:nvPr/>
+        </p:nvCxnSpPr>
+        <p:spPr>
+          <a:xfrm>
+            <a:off x="7274813" y="2563635"/>
+            <a:ext cx="0" cy="861503"/>
+          </a:xfrm>
+          <a:prstGeom prst="straightConnector1">
+            <a:avLst/>
+          </a:prstGeom>
+          <a:ln>
+            <a:tailEnd type="triangle"/>
+          </a:ln>
+        </p:spPr>
+        <p:style>
+          <a:lnRef idx="1">
+            <a:schemeClr val="accent2"/>
+          </a:lnRef>
+          <a:fillRef idx="0">
+            <a:schemeClr val="accent2"/>
+          </a:fillRef>
+          <a:effectRef idx="0">
+            <a:schemeClr val="accent2"/>
+          </a:effectRef>
+          <a:fontRef idx="minor">
+            <a:schemeClr val="tx1"/>
+          </a:fontRef>
+        </p:style>
+      </p:cxnSp>
+      <p:cxnSp>
+        <p:nvCxnSpPr>
+          <p:cNvPr id="11" name="Straight Arrow Connector 10">
+            <a:extLst>
+              <a:ext uri="{FF2B5EF4-FFF2-40B4-BE49-F238E27FC236}">
+                <a16:creationId xmlns:a16="http://schemas.microsoft.com/office/drawing/2014/main" id="{6F6B00B5-6502-A67C-92E0-050F1127A388}"/>
+              </a:ext>
+            </a:extLst>
+          </p:cNvPr>
+          <p:cNvCxnSpPr>
+            <a:cxnSpLocks/>
+          </p:cNvCxnSpPr>
+          <p:nvPr/>
+        </p:nvCxnSpPr>
+        <p:spPr>
+          <a:xfrm>
+            <a:off x="7924814" y="2563635"/>
+            <a:ext cx="644282" cy="906177"/>
+          </a:xfrm>
+          <a:prstGeom prst="straightConnector1">
+            <a:avLst/>
+          </a:prstGeom>
+          <a:ln>
+            <a:tailEnd type="triangle"/>
+          </a:ln>
+        </p:spPr>
+        <p:style>
+          <a:lnRef idx="1">
+            <a:schemeClr val="accent2"/>
+          </a:lnRef>
+          <a:fillRef idx="0">
+            <a:schemeClr val="accent2"/>
+          </a:fillRef>
+          <a:effectRef idx="0">
+            <a:schemeClr val="accent2"/>
+          </a:effectRef>
+          <a:fontRef idx="minor">
+            <a:schemeClr val="tx1"/>
+          </a:fontRef>
+        </p:style>
+      </p:cxnSp>
       <p:sp>
         <p:nvSpPr>
-          <p:cNvPr id="6" name="TextBox 5">
-            <a:extLst>
-              <a:ext uri="{FF2B5EF4-FFF2-40B4-BE49-F238E27FC236}">
-                <a16:creationId xmlns:a16="http://schemas.microsoft.com/office/drawing/2014/main" id="{30F79561-D298-B43F-57C2-772BDBCF0838}"/>
+          <p:cNvPr id="12" name="TextBox 11">
+            <a:extLst>
+              <a:ext uri="{FF2B5EF4-FFF2-40B4-BE49-F238E27FC236}">
+                <a16:creationId xmlns:a16="http://schemas.microsoft.com/office/drawing/2014/main" id="{CCE656DB-B7F9-3D7E-1A2A-CAB36443840F}"/>
               </a:ext>
             </a:extLst>
           </p:cNvPr>
@@ -15100,8 +15869,8 @@
         </p:nvSpPr>
         <p:spPr>
           <a:xfrm>
-            <a:off x="2425147" y="5629524"/>
-            <a:ext cx="1208985" cy="369332"/>
+            <a:off x="4572001" y="4268026"/>
+            <a:ext cx="5140869" cy="461665"/>
           </a:xfrm>
           <a:prstGeom prst="rect">
             <a:avLst/>
@@ -15109,413 +15878,636 @@
           <a:noFill/>
         </p:spPr>
         <p:txBody>
-          <a:bodyPr wrap="none" rtlCol="0">
+          <a:bodyPr wrap="square">
             <a:spAutoFit/>
           </a:bodyPr>
           <a:lstStyle/>
           <a:p>
             <a:r>
-              <a:rPr lang="en-US" dirty="0">
+              <a:rPr lang="en-GB" sz="2400" b="1" dirty="0">
                 <a:solidFill>
-                  <a:schemeClr val="bg1"/>
+                  <a:srgbClr val="7030A0"/>
                 </a:solidFill>
               </a:rPr>
-              <a:t>log(1/P(A))</a:t>
-            </a:r>
+              <a:t>sum</a:t>
+            </a:r>
+            <a:r>
+              <a:rPr lang="en-GB" sz="2400" dirty="0">
+                <a:solidFill>
+                  <a:srgbClr val="7030A0"/>
+                </a:solidFill>
+              </a:rPr>
+              <a:t>([</a:t>
+            </a:r>
+            <a:r>
+              <a:rPr lang="en-GB" sz="2400" b="1" dirty="0">
+                <a:solidFill>
+                  <a:srgbClr val="FF0000"/>
+                </a:solidFill>
+              </a:rPr>
+              <a:t>0.8, 	    </a:t>
+            </a:r>
+            <a:r>
+              <a:rPr lang="en-GB" sz="2400" dirty="0">
+                <a:solidFill>
+                  <a:srgbClr val="7030A0"/>
+                </a:solidFill>
+              </a:rPr>
+              <a:t>0.1,		 0.1])=</a:t>
+            </a:r>
+            <a:r>
+              <a:rPr lang="en-GB" sz="2400" b="1" dirty="0">
+                <a:solidFill>
+                  <a:srgbClr val="FF0000"/>
+                </a:solidFill>
+              </a:rPr>
+              <a:t>1 </a:t>
+            </a:r>
+            <a:endParaRPr lang="en-US" sz="2400" b="1" dirty="0">
+              <a:solidFill>
+                <a:srgbClr val="FF0000"/>
+              </a:solidFill>
+            </a:endParaRPr>
           </a:p>
         </p:txBody>
       </p:sp>
       <p:sp>
         <p:nvSpPr>
-          <p:cNvPr id="7" name="TextBox 6">
-            <a:extLst>
-              <a:ext uri="{FF2B5EF4-FFF2-40B4-BE49-F238E27FC236}">
-                <a16:creationId xmlns:a16="http://schemas.microsoft.com/office/drawing/2014/main" id="{EA146F9E-11CA-3C76-FF82-3887C1FBEEA8}"/>
-              </a:ext>
-            </a:extLst>
-          </p:cNvPr>
-          <p:cNvSpPr txBox="1"/>
+          <p:cNvPr id="13" name="Rectangle 12">
+            <a:extLst>
+              <a:ext uri="{FF2B5EF4-FFF2-40B4-BE49-F238E27FC236}">
+                <a16:creationId xmlns:a16="http://schemas.microsoft.com/office/drawing/2014/main" id="{05FF728B-8FE9-B53E-6126-3D85C49C05AD}"/>
+              </a:ext>
+            </a:extLst>
+          </p:cNvPr>
+          <p:cNvSpPr/>
           <p:nvPr/>
         </p:nvSpPr>
         <p:spPr>
           <a:xfrm>
-            <a:off x="6736080" y="5559287"/>
-            <a:ext cx="1245854" cy="369332"/>
+            <a:off x="5019726" y="4900513"/>
+            <a:ext cx="1341117" cy="1390694"/>
           </a:xfrm>
           <a:prstGeom prst="rect">
             <a:avLst/>
           </a:prstGeom>
           <a:noFill/>
-        </p:spPr>
+          <a:ln w="38100">
+            <a:solidFill>
+              <a:srgbClr val="FF0000"/>
+            </a:solidFill>
+          </a:ln>
+        </p:spPr>
+        <p:style>
+          <a:lnRef idx="2">
+            <a:schemeClr val="accent1">
+              <a:shade val="15000"/>
+            </a:schemeClr>
+          </a:lnRef>
+          <a:fillRef idx="1">
+            <a:schemeClr val="accent1"/>
+          </a:fillRef>
+          <a:effectRef idx="0">
+            <a:schemeClr val="accent1"/>
+          </a:effectRef>
+          <a:fontRef idx="minor">
+            <a:schemeClr val="lt1"/>
+          </a:fontRef>
+        </p:style>
         <p:txBody>
-          <a:bodyPr wrap="none" rtlCol="0">
+          <a:bodyPr rtlCol="0" anchor="ctr"/>
+          <a:lstStyle/>
+          <a:p>
+            <a:pPr algn="ctr"/>
+            <a:endParaRPr lang="en-US"/>
+          </a:p>
+        </p:txBody>
+      </p:sp>
+      <p:sp>
+        <p:nvSpPr>
+          <p:cNvPr id="21" name="TextBox 20">
+            <a:extLst>
+              <a:ext uri="{FF2B5EF4-FFF2-40B4-BE49-F238E27FC236}">
+                <a16:creationId xmlns:a16="http://schemas.microsoft.com/office/drawing/2014/main" id="{3516180D-48ED-48E2-0B18-A8FF4F76EFC2}"/>
+              </a:ext>
+            </a:extLst>
+          </p:cNvPr>
+          <p:cNvSpPr txBox="1"/>
+          <p:nvPr/>
+        </p:nvSpPr>
+        <p:spPr>
+          <a:xfrm>
+            <a:off x="5496560" y="2790428"/>
+            <a:ext cx="3889987" cy="369332"/>
+          </a:xfrm>
+          <a:prstGeom prst="rect">
+            <a:avLst/>
+          </a:prstGeom>
+          <a:noFill/>
+        </p:spPr>
+        <p:txBody>
+          <a:bodyPr wrap="square">
             <a:spAutoFit/>
           </a:bodyPr>
           <a:lstStyle/>
           <a:p>
             <a:r>
-              <a:rPr lang="en-US" dirty="0">
+              <a:rPr lang="en-GB" dirty="0">
                 <a:solidFill>
-                  <a:schemeClr val="bg1"/>
+                  <a:srgbClr val="7030A0"/>
                 </a:solidFill>
               </a:rPr>
-              <a:t>log(1/Q(A))</a:t>
-            </a:r>
+              <a:t>z= [</a:t>
+            </a:r>
+            <a:r>
+              <a:rPr lang="en-GB" dirty="0">
+                <a:solidFill>
+                  <a:srgbClr val="FF0000"/>
+                </a:solidFill>
+              </a:rPr>
+              <a:t>3.1</a:t>
+            </a:r>
+            <a:r>
+              <a:rPr lang="en-GB" b="1" dirty="0">
+                <a:solidFill>
+                  <a:srgbClr val="FF0000"/>
+                </a:solidFill>
+              </a:rPr>
+              <a:t> 		</a:t>
+            </a:r>
+            <a:r>
+              <a:rPr lang="en-GB" dirty="0">
+                <a:solidFill>
+                  <a:srgbClr val="7030A0"/>
+                </a:solidFill>
+              </a:rPr>
+              <a:t>1.01	1.01] </a:t>
+            </a:r>
+            <a:endParaRPr lang="en-US" dirty="0">
+              <a:solidFill>
+                <a:srgbClr val="7030A0"/>
+              </a:solidFill>
+            </a:endParaRPr>
           </a:p>
         </p:txBody>
       </p:sp>
-      <p:grpSp>
-        <p:nvGrpSpPr>
-          <p:cNvPr id="10" name="Group 9">
-            <a:extLst>
-              <a:ext uri="{FF2B5EF4-FFF2-40B4-BE49-F238E27FC236}">
-                <a16:creationId xmlns:a16="http://schemas.microsoft.com/office/drawing/2014/main" id="{CB0D6D53-C574-2A45-EB10-31092F966076}"/>
-              </a:ext>
-            </a:extLst>
-          </p:cNvPr>
-          <p:cNvGrpSpPr/>
-          <p:nvPr/>
-        </p:nvGrpSpPr>
-        <p:grpSpPr>
-          <a:xfrm>
-            <a:off x="2575080" y="4786403"/>
-            <a:ext cx="5416200" cy="1265760"/>
-            <a:chOff x="2575080" y="4786403"/>
-            <a:chExt cx="5416200" cy="1265760"/>
-          </a:xfrm>
-        </p:grpSpPr>
-        <mc:AlternateContent xmlns:mc="http://schemas.openxmlformats.org/markup-compatibility/2006">
-          <mc:Choice xmlns:p14="http://schemas.microsoft.com/office/powerpoint/2010/main" Requires="p14">
-            <p:contentPart p14:bwMode="auto" r:id="rId3">
-              <p14:nvContentPartPr>
-                <p14:cNvPr id="2" name="Ink 1">
-                  <a:extLst>
-                    <a:ext uri="{FF2B5EF4-FFF2-40B4-BE49-F238E27FC236}">
-                      <a16:creationId xmlns:a16="http://schemas.microsoft.com/office/drawing/2014/main" id="{C8BD4DE7-2242-5C16-B435-B5DED5C1C2A6}"/>
-                    </a:ext>
-                  </a:extLst>
-                </p14:cNvPr>
-                <p14:cNvContentPartPr/>
-                <p14:nvPr/>
-              </p14:nvContentPartPr>
-              <p14:xfrm>
-                <a:off x="2575080" y="4786403"/>
-                <a:ext cx="836280" cy="740520"/>
-              </p14:xfrm>
-            </p:contentPart>
-          </mc:Choice>
-          <mc:Fallback>
-            <p:pic>
-              <p:nvPicPr>
-                <p:cNvPr id="2" name="Ink 1">
-                  <a:extLst>
-                    <a:ext uri="{FF2B5EF4-FFF2-40B4-BE49-F238E27FC236}">
-                      <a16:creationId xmlns:a16="http://schemas.microsoft.com/office/drawing/2014/main" id="{C8BD4DE7-2242-5C16-B435-B5DED5C1C2A6}"/>
-                    </a:ext>
-                  </a:extLst>
-                </p:cNvPr>
-                <p:cNvPicPr/>
-                <p:nvPr/>
-              </p:nvPicPr>
-              <p:blipFill>
-                <a:blip r:embed="rId4"/>
-                <a:stretch>
-                  <a:fillRect/>
-                </a:stretch>
-              </p:blipFill>
-              <p:spPr>
-                <a:xfrm>
-                  <a:off x="2566080" y="4777403"/>
-                  <a:ext cx="853920" cy="758160"/>
-                </a:xfrm>
-                <a:prstGeom prst="rect">
-                  <a:avLst/>
-                </a:prstGeom>
-              </p:spPr>
-            </p:pic>
-          </mc:Fallback>
-        </mc:AlternateContent>
-        <mc:AlternateContent xmlns:mc="http://schemas.openxmlformats.org/markup-compatibility/2006">
-          <mc:Choice xmlns:p14="http://schemas.microsoft.com/office/powerpoint/2010/main" Requires="p14">
-            <p:contentPart p14:bwMode="auto" r:id="rId5">
-              <p14:nvContentPartPr>
-                <p14:cNvPr id="3" name="Ink 2">
-                  <a:extLst>
-                    <a:ext uri="{FF2B5EF4-FFF2-40B4-BE49-F238E27FC236}">
-                      <a16:creationId xmlns:a16="http://schemas.microsoft.com/office/drawing/2014/main" id="{B3A1394C-04A9-A661-107F-C3A9B0DA345C}"/>
-                    </a:ext>
-                  </a:extLst>
-                </p14:cNvPr>
-                <p14:cNvContentPartPr/>
-                <p14:nvPr/>
-              </p14:nvContentPartPr>
-              <p14:xfrm>
-                <a:off x="3450600" y="5360963"/>
-                <a:ext cx="3323880" cy="492840"/>
-              </p14:xfrm>
-            </p:contentPart>
-          </mc:Choice>
-          <mc:Fallback>
-            <p:pic>
-              <p:nvPicPr>
-                <p:cNvPr id="3" name="Ink 2">
-                  <a:extLst>
-                    <a:ext uri="{FF2B5EF4-FFF2-40B4-BE49-F238E27FC236}">
-                      <a16:creationId xmlns:a16="http://schemas.microsoft.com/office/drawing/2014/main" id="{B3A1394C-04A9-A661-107F-C3A9B0DA345C}"/>
-                    </a:ext>
-                  </a:extLst>
-                </p:cNvPr>
-                <p:cNvPicPr/>
-                <p:nvPr/>
-              </p:nvPicPr>
-              <p:blipFill>
-                <a:blip r:embed="rId6"/>
-                <a:stretch>
-                  <a:fillRect/>
-                </a:stretch>
-              </p:blipFill>
-              <p:spPr>
-                <a:xfrm>
-                  <a:off x="3441960" y="5351963"/>
-                  <a:ext cx="3341520" cy="510480"/>
-                </a:xfrm>
-                <a:prstGeom prst="rect">
-                  <a:avLst/>
-                </a:prstGeom>
-              </p:spPr>
-            </p:pic>
-          </mc:Fallback>
-        </mc:AlternateContent>
-        <mc:AlternateContent xmlns:mc="http://schemas.openxmlformats.org/markup-compatibility/2006">
-          <mc:Choice xmlns:p14="http://schemas.microsoft.com/office/powerpoint/2010/main" Requires="p14">
-            <p:contentPart p14:bwMode="auto" r:id="rId7">
-              <p14:nvContentPartPr>
-                <p14:cNvPr id="8" name="Ink 7">
-                  <a:extLst>
-                    <a:ext uri="{FF2B5EF4-FFF2-40B4-BE49-F238E27FC236}">
-                      <a16:creationId xmlns:a16="http://schemas.microsoft.com/office/drawing/2014/main" id="{5D4480EF-C9A4-3E97-DBC4-0EF927CF859E}"/>
-                    </a:ext>
-                  </a:extLst>
-                </p14:cNvPr>
-                <p14:cNvContentPartPr/>
-                <p14:nvPr/>
-              </p14:nvContentPartPr>
-              <p14:xfrm>
-                <a:off x="6654960" y="5613323"/>
-                <a:ext cx="199800" cy="183600"/>
-              </p14:xfrm>
-            </p:contentPart>
-          </mc:Choice>
-          <mc:Fallback>
-            <p:pic>
-              <p:nvPicPr>
-                <p:cNvPr id="8" name="Ink 7">
-                  <a:extLst>
-                    <a:ext uri="{FF2B5EF4-FFF2-40B4-BE49-F238E27FC236}">
-                      <a16:creationId xmlns:a16="http://schemas.microsoft.com/office/drawing/2014/main" id="{5D4480EF-C9A4-3E97-DBC4-0EF927CF859E}"/>
-                    </a:ext>
-                  </a:extLst>
-                </p:cNvPr>
-                <p:cNvPicPr/>
-                <p:nvPr/>
-              </p:nvPicPr>
-              <p:blipFill>
-                <a:blip r:embed="rId8"/>
-                <a:stretch>
-                  <a:fillRect/>
-                </a:stretch>
-              </p:blipFill>
-              <p:spPr>
-                <a:xfrm>
-                  <a:off x="6646320" y="5604323"/>
-                  <a:ext cx="217440" cy="201240"/>
-                </a:xfrm>
-                <a:prstGeom prst="rect">
-                  <a:avLst/>
-                </a:prstGeom>
-              </p:spPr>
-            </p:pic>
-          </mc:Fallback>
-        </mc:AlternateContent>
-        <mc:AlternateContent xmlns:mc="http://schemas.openxmlformats.org/markup-compatibility/2006">
-          <mc:Choice xmlns:p14="http://schemas.microsoft.com/office/powerpoint/2010/main" Requires="p14">
-            <p:contentPart p14:bwMode="auto" r:id="rId9">
-              <p14:nvContentPartPr>
-                <p14:cNvPr id="9" name="Ink 8">
-                  <a:extLst>
-                    <a:ext uri="{FF2B5EF4-FFF2-40B4-BE49-F238E27FC236}">
-                      <a16:creationId xmlns:a16="http://schemas.microsoft.com/office/drawing/2014/main" id="{9AD891B8-14D8-CACB-ABF2-1B84702D6408}"/>
-                    </a:ext>
-                  </a:extLst>
-                </p14:cNvPr>
-                <p14:cNvContentPartPr/>
-                <p14:nvPr/>
-              </p14:nvContentPartPr>
-              <p14:xfrm>
-                <a:off x="6750000" y="5557883"/>
-                <a:ext cx="1241280" cy="494280"/>
-              </p14:xfrm>
-            </p:contentPart>
-          </mc:Choice>
-          <mc:Fallback>
-            <p:pic>
-              <p:nvPicPr>
-                <p:cNvPr id="9" name="Ink 8">
-                  <a:extLst>
-                    <a:ext uri="{FF2B5EF4-FFF2-40B4-BE49-F238E27FC236}">
-                      <a16:creationId xmlns:a16="http://schemas.microsoft.com/office/drawing/2014/main" id="{9AD891B8-14D8-CACB-ABF2-1B84702D6408}"/>
-                    </a:ext>
-                  </a:extLst>
-                </p:cNvPr>
-                <p:cNvPicPr/>
-                <p:nvPr/>
-              </p:nvPicPr>
-              <p:blipFill>
-                <a:blip r:embed="rId10"/>
-                <a:stretch>
-                  <a:fillRect/>
-                </a:stretch>
-              </p:blipFill>
-              <p:spPr>
-                <a:xfrm>
-                  <a:off x="6741000" y="5548883"/>
-                  <a:ext cx="1258920" cy="511920"/>
-                </a:xfrm>
-                <a:prstGeom prst="rect">
-                  <a:avLst/>
-                </a:prstGeom>
-              </p:spPr>
-            </p:pic>
-          </mc:Fallback>
-        </mc:AlternateContent>
-      </p:grpSp>
-      <p:grpSp>
-        <p:nvGrpSpPr>
-          <p:cNvPr id="13" name="Group 12">
-            <a:extLst>
-              <a:ext uri="{FF2B5EF4-FFF2-40B4-BE49-F238E27FC236}">
-                <a16:creationId xmlns:a16="http://schemas.microsoft.com/office/drawing/2014/main" id="{846B8430-03D9-17FF-B183-1ED5B9EF784B}"/>
-              </a:ext>
-            </a:extLst>
-          </p:cNvPr>
-          <p:cNvGrpSpPr/>
-          <p:nvPr/>
-        </p:nvGrpSpPr>
-        <p:grpSpPr>
-          <a:xfrm>
-            <a:off x="5351040" y="5510003"/>
-            <a:ext cx="225360" cy="199800"/>
-            <a:chOff x="5351040" y="5510003"/>
-            <a:chExt cx="225360" cy="199800"/>
-          </a:xfrm>
-        </p:grpSpPr>
-        <mc:AlternateContent xmlns:mc="http://schemas.openxmlformats.org/markup-compatibility/2006">
-          <mc:Choice xmlns:p14="http://schemas.microsoft.com/office/powerpoint/2010/main" Requires="p14">
-            <p:contentPart p14:bwMode="auto" r:id="rId11">
-              <p14:nvContentPartPr>
-                <p14:cNvPr id="11" name="Ink 10">
-                  <a:extLst>
-                    <a:ext uri="{FF2B5EF4-FFF2-40B4-BE49-F238E27FC236}">
-                      <a16:creationId xmlns:a16="http://schemas.microsoft.com/office/drawing/2014/main" id="{7CA7792B-DF06-CDEE-235D-96246337F8B9}"/>
-                    </a:ext>
-                  </a:extLst>
-                </p14:cNvPr>
-                <p14:cNvContentPartPr/>
-                <p14:nvPr/>
-              </p14:nvContentPartPr>
-              <p14:xfrm>
-                <a:off x="5388120" y="5510003"/>
-                <a:ext cx="143640" cy="199800"/>
-              </p14:xfrm>
-            </p:contentPart>
-          </mc:Choice>
-          <mc:Fallback>
-            <p:pic>
-              <p:nvPicPr>
-                <p:cNvPr id="11" name="Ink 10">
-                  <a:extLst>
-                    <a:ext uri="{FF2B5EF4-FFF2-40B4-BE49-F238E27FC236}">
-                      <a16:creationId xmlns:a16="http://schemas.microsoft.com/office/drawing/2014/main" id="{7CA7792B-DF06-CDEE-235D-96246337F8B9}"/>
-                    </a:ext>
-                  </a:extLst>
-                </p:cNvPr>
-                <p:cNvPicPr/>
-                <p:nvPr/>
-              </p:nvPicPr>
-              <p:blipFill>
-                <a:blip r:embed="rId12"/>
-                <a:stretch>
-                  <a:fillRect/>
-                </a:stretch>
-              </p:blipFill>
-              <p:spPr>
-                <a:xfrm>
-                  <a:off x="5379480" y="5501363"/>
-                  <a:ext cx="161280" cy="217440"/>
-                </a:xfrm>
-                <a:prstGeom prst="rect">
-                  <a:avLst/>
-                </a:prstGeom>
-              </p:spPr>
-            </p:pic>
-          </mc:Fallback>
-        </mc:AlternateContent>
-        <mc:AlternateContent xmlns:mc="http://schemas.openxmlformats.org/markup-compatibility/2006">
-          <mc:Choice xmlns:p14="http://schemas.microsoft.com/office/powerpoint/2010/main" Requires="p14">
-            <p:contentPart p14:bwMode="auto" r:id="rId13">
-              <p14:nvContentPartPr>
-                <p14:cNvPr id="12" name="Ink 11">
-                  <a:extLst>
-                    <a:ext uri="{FF2B5EF4-FFF2-40B4-BE49-F238E27FC236}">
-                      <a16:creationId xmlns:a16="http://schemas.microsoft.com/office/drawing/2014/main" id="{5B0A3CCE-1C05-640E-1B57-AE45224DD326}"/>
-                    </a:ext>
-                  </a:extLst>
-                </p14:cNvPr>
-                <p14:cNvContentPartPr/>
-                <p14:nvPr/>
-              </p14:nvContentPartPr>
-              <p14:xfrm>
-                <a:off x="5351040" y="5565443"/>
-                <a:ext cx="225360" cy="106920"/>
-              </p14:xfrm>
-            </p:contentPart>
-          </mc:Choice>
-          <mc:Fallback>
-            <p:pic>
-              <p:nvPicPr>
-                <p:cNvPr id="12" name="Ink 11">
-                  <a:extLst>
-                    <a:ext uri="{FF2B5EF4-FFF2-40B4-BE49-F238E27FC236}">
-                      <a16:creationId xmlns:a16="http://schemas.microsoft.com/office/drawing/2014/main" id="{5B0A3CCE-1C05-640E-1B57-AE45224DD326}"/>
-                    </a:ext>
-                  </a:extLst>
-                </p:cNvPr>
-                <p:cNvPicPr/>
-                <p:nvPr/>
-              </p:nvPicPr>
-              <p:blipFill>
-                <a:blip r:embed="rId14"/>
-                <a:stretch>
-                  <a:fillRect/>
-                </a:stretch>
-              </p:blipFill>
-              <p:spPr>
-                <a:xfrm>
-                  <a:off x="5342400" y="5556803"/>
-                  <a:ext cx="243000" cy="124560"/>
-                </a:xfrm>
-                <a:prstGeom prst="rect">
-                  <a:avLst/>
-                </a:prstGeom>
-              </p:spPr>
-            </p:pic>
-          </mc:Fallback>
-        </mc:AlternateContent>
-      </p:grpSp>
+      <p:sp>
+        <p:nvSpPr>
+          <p:cNvPr id="22" name="Rectangle 21">
+            <a:extLst>
+              <a:ext uri="{FF2B5EF4-FFF2-40B4-BE49-F238E27FC236}">
+                <a16:creationId xmlns:a16="http://schemas.microsoft.com/office/drawing/2014/main" id="{DD5F3E22-5DF3-57B7-A063-36DE4AA0F736}"/>
+              </a:ext>
+            </a:extLst>
+          </p:cNvPr>
+          <p:cNvSpPr/>
+          <p:nvPr/>
+        </p:nvSpPr>
+        <p:spPr>
+          <a:xfrm>
+            <a:off x="5003496" y="3425138"/>
+            <a:ext cx="4296586" cy="620787"/>
+          </a:xfrm>
+          <a:prstGeom prst="rect">
+            <a:avLst/>
+          </a:prstGeom>
+          <a:noFill/>
+          <a:ln w="38100">
+            <a:solidFill>
+              <a:srgbClr val="FF0000"/>
+            </a:solidFill>
+            <a:prstDash val="dash"/>
+          </a:ln>
+        </p:spPr>
+        <p:style>
+          <a:lnRef idx="2">
+            <a:schemeClr val="accent1">
+              <a:shade val="15000"/>
+            </a:schemeClr>
+          </a:lnRef>
+          <a:fillRef idx="1">
+            <a:schemeClr val="accent1"/>
+          </a:fillRef>
+          <a:effectRef idx="0">
+            <a:schemeClr val="accent1"/>
+          </a:effectRef>
+          <a:fontRef idx="minor">
+            <a:schemeClr val="lt1"/>
+          </a:fontRef>
+        </p:style>
+        <p:txBody>
+          <a:bodyPr rtlCol="0" anchor="ctr"/>
+          <a:lstStyle/>
+          <a:p>
+            <a:pPr algn="ctr"/>
+            <a:endParaRPr lang="en-US"/>
+          </a:p>
+        </p:txBody>
+      </p:sp>
+      <p:pic>
+        <p:nvPicPr>
+          <p:cNvPr id="26" name="Picture 25">
+            <a:extLst>
+              <a:ext uri="{FF2B5EF4-FFF2-40B4-BE49-F238E27FC236}">
+                <a16:creationId xmlns:a16="http://schemas.microsoft.com/office/drawing/2014/main" id="{82FD7760-5A04-F500-E947-517216B56BBC}"/>
+              </a:ext>
+            </a:extLst>
+          </p:cNvPr>
+          <p:cNvPicPr>
+            <a:picLocks noChangeAspect="1"/>
+          </p:cNvPicPr>
+          <p:nvPr/>
+        </p:nvPicPr>
+        <p:blipFill>
+          <a:blip r:embed="rId4"/>
+          <a:srcRect l="4051" r="13494"/>
+          <a:stretch/>
+        </p:blipFill>
+        <p:spPr>
+          <a:xfrm>
+            <a:off x="9631762" y="3128481"/>
+            <a:ext cx="2309920" cy="1252259"/>
+          </a:xfrm>
+          <a:prstGeom prst="rect">
+            <a:avLst/>
+          </a:prstGeom>
+        </p:spPr>
+      </p:pic>
+      <p:sp>
+        <p:nvSpPr>
+          <p:cNvPr id="27" name="TextBox 26">
+            <a:extLst>
+              <a:ext uri="{FF2B5EF4-FFF2-40B4-BE49-F238E27FC236}">
+                <a16:creationId xmlns:a16="http://schemas.microsoft.com/office/drawing/2014/main" id="{0043A115-4DFF-DD14-FF5B-E2089C97BA56}"/>
+              </a:ext>
+            </a:extLst>
+          </p:cNvPr>
+          <p:cNvSpPr txBox="1"/>
+          <p:nvPr/>
+        </p:nvSpPr>
+        <p:spPr>
+          <a:xfrm>
+            <a:off x="6791617" y="3493001"/>
+            <a:ext cx="1595120" cy="523220"/>
+          </a:xfrm>
+          <a:prstGeom prst="rect">
+            <a:avLst/>
+          </a:prstGeom>
+          <a:noFill/>
+        </p:spPr>
+        <p:txBody>
+          <a:bodyPr wrap="square" rtlCol="0">
+            <a:spAutoFit/>
+          </a:bodyPr>
+          <a:lstStyle/>
+          <a:p>
+            <a:r>
+              <a:rPr lang="en-US" sz="2800" dirty="0" err="1">
+                <a:solidFill>
+                  <a:srgbClr val="FF0000"/>
+                </a:solidFill>
+                <a:effectLst/>
+              </a:rPr>
+              <a:t>softmax</a:t>
+            </a:r>
+            <a:endParaRPr lang="en-US" dirty="0">
+              <a:solidFill>
+                <a:srgbClr val="FF0000"/>
+              </a:solidFill>
+              <a:effectLst/>
+            </a:endParaRPr>
+          </a:p>
+        </p:txBody>
+      </p:sp>
+      <p:cxnSp>
+        <p:nvCxnSpPr>
+          <p:cNvPr id="29" name="Straight Arrow Connector 28">
+            <a:extLst>
+              <a:ext uri="{FF2B5EF4-FFF2-40B4-BE49-F238E27FC236}">
+                <a16:creationId xmlns:a16="http://schemas.microsoft.com/office/drawing/2014/main" id="{38702ABA-9E2D-557B-D2A4-99E0D5EA7E21}"/>
+              </a:ext>
+            </a:extLst>
+          </p:cNvPr>
+          <p:cNvCxnSpPr>
+            <a:cxnSpLocks/>
+            <a:stCxn id="26" idx="1"/>
+            <a:endCxn id="22" idx="3"/>
+          </p:cNvCxnSpPr>
+          <p:nvPr/>
+        </p:nvCxnSpPr>
+        <p:spPr>
+          <a:xfrm flipH="1" flipV="1">
+            <a:off x="9300082" y="3735532"/>
+            <a:ext cx="331680" cy="19079"/>
+          </a:xfrm>
+          <a:prstGeom prst="straightConnector1">
+            <a:avLst/>
+          </a:prstGeom>
+          <a:ln>
+            <a:tailEnd type="triangle"/>
+          </a:ln>
+        </p:spPr>
+        <p:style>
+          <a:lnRef idx="1">
+            <a:schemeClr val="accent2"/>
+          </a:lnRef>
+          <a:fillRef idx="0">
+            <a:schemeClr val="accent2"/>
+          </a:fillRef>
+          <a:effectRef idx="0">
+            <a:schemeClr val="accent2"/>
+          </a:effectRef>
+          <a:fontRef idx="minor">
+            <a:schemeClr val="tx1"/>
+          </a:fontRef>
+        </p:style>
+      </p:cxnSp>
+      <p:cxnSp>
+        <p:nvCxnSpPr>
+          <p:cNvPr id="39" name="Straight Arrow Connector 38">
+            <a:extLst>
+              <a:ext uri="{FF2B5EF4-FFF2-40B4-BE49-F238E27FC236}">
+                <a16:creationId xmlns:a16="http://schemas.microsoft.com/office/drawing/2014/main" id="{25CE7D7F-0029-7423-1BB2-0DDB51D80CC0}"/>
+              </a:ext>
+            </a:extLst>
+          </p:cNvPr>
+          <p:cNvCxnSpPr/>
+          <p:nvPr/>
+        </p:nvCxnSpPr>
+        <p:spPr>
+          <a:xfrm flipH="1">
+            <a:off x="5649573" y="4045925"/>
+            <a:ext cx="131467" cy="762992"/>
+          </a:xfrm>
+          <a:prstGeom prst="straightConnector1">
+            <a:avLst/>
+          </a:prstGeom>
+          <a:ln>
+            <a:tailEnd type="triangle"/>
+          </a:ln>
+        </p:spPr>
+        <p:style>
+          <a:lnRef idx="1">
+            <a:schemeClr val="accent2"/>
+          </a:lnRef>
+          <a:fillRef idx="0">
+            <a:schemeClr val="accent2"/>
+          </a:fillRef>
+          <a:effectRef idx="0">
+            <a:schemeClr val="accent2"/>
+          </a:effectRef>
+          <a:fontRef idx="minor">
+            <a:schemeClr val="tx1"/>
+          </a:fontRef>
+        </p:style>
+      </p:cxnSp>
+      <p:cxnSp>
+        <p:nvCxnSpPr>
+          <p:cNvPr id="41" name="Straight Arrow Connector 40">
+            <a:extLst>
+              <a:ext uri="{FF2B5EF4-FFF2-40B4-BE49-F238E27FC236}">
+                <a16:creationId xmlns:a16="http://schemas.microsoft.com/office/drawing/2014/main" id="{7439F15C-9F43-6929-335D-F59A8BAB0C11}"/>
+              </a:ext>
+            </a:extLst>
+          </p:cNvPr>
+          <p:cNvCxnSpPr>
+            <a:endCxn id="7" idx="0"/>
+          </p:cNvCxnSpPr>
+          <p:nvPr/>
+        </p:nvCxnSpPr>
+        <p:spPr>
+          <a:xfrm flipH="1">
+            <a:off x="7193524" y="4188130"/>
+            <a:ext cx="81289" cy="620787"/>
+          </a:xfrm>
+          <a:prstGeom prst="straightConnector1">
+            <a:avLst/>
+          </a:prstGeom>
+          <a:ln>
+            <a:tailEnd type="triangle"/>
+          </a:ln>
+        </p:spPr>
+        <p:style>
+          <a:lnRef idx="1">
+            <a:schemeClr val="accent2"/>
+          </a:lnRef>
+          <a:fillRef idx="0">
+            <a:schemeClr val="accent2"/>
+          </a:fillRef>
+          <a:effectRef idx="0">
+            <a:schemeClr val="accent2"/>
+          </a:effectRef>
+          <a:fontRef idx="minor">
+            <a:schemeClr val="tx1"/>
+          </a:fontRef>
+        </p:style>
+      </p:cxnSp>
+      <p:cxnSp>
+        <p:nvCxnSpPr>
+          <p:cNvPr id="43" name="Straight Arrow Connector 42">
+            <a:extLst>
+              <a:ext uri="{FF2B5EF4-FFF2-40B4-BE49-F238E27FC236}">
+                <a16:creationId xmlns:a16="http://schemas.microsoft.com/office/drawing/2014/main" id="{EFAB6063-78DA-9749-F9D1-39DF66DAF1C3}"/>
+              </a:ext>
+            </a:extLst>
+          </p:cNvPr>
+          <p:cNvCxnSpPr/>
+          <p:nvPr/>
+        </p:nvCxnSpPr>
+        <p:spPr>
+          <a:xfrm>
+            <a:off x="8569096" y="4045925"/>
+            <a:ext cx="0" cy="769907"/>
+          </a:xfrm>
+          <a:prstGeom prst="straightConnector1">
+            <a:avLst/>
+          </a:prstGeom>
+          <a:ln>
+            <a:tailEnd type="triangle"/>
+          </a:ln>
+        </p:spPr>
+        <p:style>
+          <a:lnRef idx="1">
+            <a:schemeClr val="accent2"/>
+          </a:lnRef>
+          <a:fillRef idx="0">
+            <a:schemeClr val="accent2"/>
+          </a:fillRef>
+          <a:effectRef idx="0">
+            <a:schemeClr val="accent2"/>
+          </a:effectRef>
+          <a:fontRef idx="minor">
+            <a:schemeClr val="tx1"/>
+          </a:fontRef>
+        </p:style>
+      </p:cxnSp>
+      <p:sp>
+        <p:nvSpPr>
+          <p:cNvPr id="45" name="TextBox 44">
+            <a:extLst>
+              <a:ext uri="{FF2B5EF4-FFF2-40B4-BE49-F238E27FC236}">
+                <a16:creationId xmlns:a16="http://schemas.microsoft.com/office/drawing/2014/main" id="{2F2DAFD1-2231-C5F1-C975-DCB47BFF0DB6}"/>
+              </a:ext>
+            </a:extLst>
+          </p:cNvPr>
+          <p:cNvSpPr txBox="1"/>
+          <p:nvPr/>
+        </p:nvSpPr>
+        <p:spPr>
+          <a:xfrm>
+            <a:off x="375613" y="1009092"/>
+            <a:ext cx="3935152" cy="4832092"/>
+          </a:xfrm>
+          <a:prstGeom prst="rect">
+            <a:avLst/>
+          </a:prstGeom>
+          <a:noFill/>
+        </p:spPr>
+        <p:txBody>
+          <a:bodyPr wrap="square">
+            <a:spAutoFit/>
+          </a:bodyPr>
+          <a:lstStyle/>
+          <a:p>
+            <a:r>
+              <a:rPr lang="en-GB" sz="2800" dirty="0">
+                <a:solidFill>
+                  <a:srgbClr val="FF0000"/>
+                </a:solidFill>
+                <a:effectLst/>
+              </a:rPr>
+              <a:t>A small Issue</a:t>
+            </a:r>
+            <a:r>
+              <a:rPr lang="en-GB" sz="2800" dirty="0">
+                <a:effectLst/>
+              </a:rPr>
+              <a:t>: A multiclass classification model produces raw results (e.g., [3.1, 1.01, 1.01]), but calculating entropy needs probabilities</a:t>
+            </a:r>
+          </a:p>
+          <a:p>
+            <a:r>
+              <a:rPr lang="en-GB" sz="2800" dirty="0">
+                <a:solidFill>
+                  <a:srgbClr val="FF0000"/>
+                </a:solidFill>
+              </a:rPr>
+              <a:t>Solution</a:t>
+            </a:r>
+            <a:r>
+              <a:rPr lang="en-GB" sz="2800" dirty="0"/>
+              <a:t>: </a:t>
+            </a:r>
+            <a:r>
+              <a:rPr lang="en-GB" sz="2800" dirty="0" err="1">
+                <a:solidFill>
+                  <a:srgbClr val="7030A0"/>
+                </a:solidFill>
+              </a:rPr>
+              <a:t>Softmax</a:t>
+            </a:r>
+            <a:r>
+              <a:rPr lang="en-GB" sz="2800" dirty="0">
+                <a:solidFill>
+                  <a:srgbClr val="7030A0"/>
+                </a:solidFill>
+              </a:rPr>
+              <a:t>-</a:t>
+            </a:r>
+            <a:r>
+              <a:rPr lang="en-GB" sz="2800" dirty="0"/>
+              <a:t> converts raw model outputs (logits) into probabilities</a:t>
+            </a:r>
+          </a:p>
+        </p:txBody>
+      </p:sp>
+      <p:sp>
+        <p:nvSpPr>
+          <p:cNvPr id="47" name="TextBox 46">
+            <a:extLst>
+              <a:ext uri="{FF2B5EF4-FFF2-40B4-BE49-F238E27FC236}">
+                <a16:creationId xmlns:a16="http://schemas.microsoft.com/office/drawing/2014/main" id="{10B8EC5C-644F-71FB-4B8F-3DF888300532}"/>
+              </a:ext>
+            </a:extLst>
+          </p:cNvPr>
+          <p:cNvSpPr txBox="1"/>
+          <p:nvPr/>
+        </p:nvSpPr>
+        <p:spPr>
+          <a:xfrm>
+            <a:off x="454140" y="6138120"/>
+            <a:ext cx="2603500" cy="306174"/>
+          </a:xfrm>
+          <a:prstGeom prst="rect">
+            <a:avLst/>
+          </a:prstGeom>
+          <a:noFill/>
+        </p:spPr>
+        <p:txBody>
+          <a:bodyPr wrap="square">
+            <a:spAutoFit/>
+          </a:bodyPr>
+          <a:lstStyle/>
+          <a:p>
+            <a:pPr>
+              <a:lnSpc>
+                <a:spcPts val="1425"/>
+              </a:lnSpc>
+            </a:pPr>
+            <a:r>
+              <a:rPr lang="en-US" sz="2400" b="0" dirty="0" err="1">
+                <a:solidFill>
+                  <a:srgbClr val="4EC9B0"/>
+                </a:solidFill>
+                <a:effectLst/>
+                <a:latin typeface="Consolas" panose="020B0609020204030204" pitchFamily="49" charset="0"/>
+              </a:rPr>
+              <a:t>nn</a:t>
+            </a:r>
+            <a:r>
+              <a:rPr lang="en-US" sz="2400" b="0" dirty="0" err="1">
+                <a:solidFill>
+                  <a:srgbClr val="CCCCCC"/>
+                </a:solidFill>
+                <a:effectLst/>
+                <a:latin typeface="Consolas" panose="020B0609020204030204" pitchFamily="49" charset="0"/>
+              </a:rPr>
+              <a:t>.</a:t>
+            </a:r>
+            <a:r>
+              <a:rPr lang="en-US" sz="2400" b="0" dirty="0" err="1">
+                <a:solidFill>
+                  <a:srgbClr val="4EC9B0"/>
+                </a:solidFill>
+                <a:effectLst/>
+                <a:latin typeface="Consolas" panose="020B0609020204030204" pitchFamily="49" charset="0"/>
+              </a:rPr>
+              <a:t>Softmax</a:t>
+            </a:r>
+            <a:r>
+              <a:rPr lang="en-US" sz="2400" b="0" dirty="0">
+                <a:solidFill>
+                  <a:srgbClr val="4EC9B0"/>
+                </a:solidFill>
+                <a:effectLst/>
+                <a:latin typeface="Consolas" panose="020B0609020204030204" pitchFamily="49" charset="0"/>
+              </a:rPr>
+              <a:t>()</a:t>
+            </a:r>
+            <a:endParaRPr lang="en-US" sz="2400" b="0" dirty="0">
+              <a:solidFill>
+                <a:srgbClr val="CCCCCC"/>
+              </a:solidFill>
+              <a:effectLst/>
+              <a:latin typeface="Consolas" panose="020B0609020204030204" pitchFamily="49" charset="0"/>
+            </a:endParaRPr>
+          </a:p>
+        </p:txBody>
+      </p:sp>
     </p:spTree>
     <p:extLst>
       <p:ext uri="{BB962C8B-B14F-4D97-AF65-F5344CB8AC3E}">
-        <p14:creationId xmlns:p14="http://schemas.microsoft.com/office/powerpoint/2010/main" val="4277838149"/>
+        <p14:creationId xmlns:p14="http://schemas.microsoft.com/office/powerpoint/2010/main" val="2763903190"/>
       </p:ext>
     </p:extLst>
   </p:cSld>
@@ -15630,6 +16622,680 @@
           <p:cNvPr id="5" name="Picture 4">
             <a:extLst>
               <a:ext uri="{FF2B5EF4-FFF2-40B4-BE49-F238E27FC236}">
+                <a16:creationId xmlns:a16="http://schemas.microsoft.com/office/drawing/2014/main" id="{24B1A8A9-54E3-F66F-EFEA-75494F3650A9}"/>
+              </a:ext>
+            </a:extLst>
+          </p:cNvPr>
+          <p:cNvPicPr>
+            <a:picLocks noChangeAspect="1"/>
+          </p:cNvPicPr>
+          <p:nvPr/>
+        </p:nvPicPr>
+        <p:blipFill>
+          <a:blip r:embed="rId2"/>
+          <a:stretch>
+            <a:fillRect/>
+          </a:stretch>
+        </p:blipFill>
+        <p:spPr>
+          <a:xfrm>
+            <a:off x="1982705" y="626990"/>
+            <a:ext cx="8226590" cy="5604019"/>
+          </a:xfrm>
+          <a:prstGeom prst="rect">
+            <a:avLst/>
+          </a:prstGeom>
+        </p:spPr>
+      </p:pic>
+      <p:sp>
+        <p:nvSpPr>
+          <p:cNvPr id="6" name="TextBox 5">
+            <a:extLst>
+              <a:ext uri="{FF2B5EF4-FFF2-40B4-BE49-F238E27FC236}">
+                <a16:creationId xmlns:a16="http://schemas.microsoft.com/office/drawing/2014/main" id="{DE2E7871-EC4F-D9F9-2F94-58794154C7C5}"/>
+              </a:ext>
+            </a:extLst>
+          </p:cNvPr>
+          <p:cNvSpPr txBox="1"/>
+          <p:nvPr/>
+        </p:nvSpPr>
+        <p:spPr>
+          <a:xfrm>
+            <a:off x="2425147" y="5629524"/>
+            <a:ext cx="1208985" cy="369332"/>
+          </a:xfrm>
+          <a:prstGeom prst="rect">
+            <a:avLst/>
+          </a:prstGeom>
+          <a:noFill/>
+        </p:spPr>
+        <p:txBody>
+          <a:bodyPr wrap="none" rtlCol="0">
+            <a:spAutoFit/>
+          </a:bodyPr>
+          <a:lstStyle/>
+          <a:p>
+            <a:r>
+              <a:rPr lang="en-US" dirty="0">
+                <a:solidFill>
+                  <a:schemeClr val="bg1"/>
+                </a:solidFill>
+              </a:rPr>
+              <a:t>log(1/P(A))</a:t>
+            </a:r>
+          </a:p>
+        </p:txBody>
+      </p:sp>
+      <p:sp>
+        <p:nvSpPr>
+          <p:cNvPr id="7" name="TextBox 6">
+            <a:extLst>
+              <a:ext uri="{FF2B5EF4-FFF2-40B4-BE49-F238E27FC236}">
+                <a16:creationId xmlns:a16="http://schemas.microsoft.com/office/drawing/2014/main" id="{B543A937-0CFA-12E1-D8A0-5920B872EB45}"/>
+              </a:ext>
+            </a:extLst>
+          </p:cNvPr>
+          <p:cNvSpPr txBox="1"/>
+          <p:nvPr/>
+        </p:nvSpPr>
+        <p:spPr>
+          <a:xfrm>
+            <a:off x="6736080" y="5559287"/>
+            <a:ext cx="1245854" cy="369332"/>
+          </a:xfrm>
+          <a:prstGeom prst="rect">
+            <a:avLst/>
+          </a:prstGeom>
+          <a:noFill/>
+        </p:spPr>
+        <p:txBody>
+          <a:bodyPr wrap="none" rtlCol="0">
+            <a:spAutoFit/>
+          </a:bodyPr>
+          <a:lstStyle/>
+          <a:p>
+            <a:r>
+              <a:rPr lang="en-US" dirty="0">
+                <a:solidFill>
+                  <a:schemeClr val="bg1"/>
+                </a:solidFill>
+              </a:rPr>
+              <a:t>log(1/Q(A))</a:t>
+            </a:r>
+          </a:p>
+        </p:txBody>
+      </p:sp>
+    </p:spTree>
+    <p:extLst>
+      <p:ext uri="{BB962C8B-B14F-4D97-AF65-F5344CB8AC3E}">
+        <p14:creationId xmlns:p14="http://schemas.microsoft.com/office/powerpoint/2010/main" val="4231632982"/>
+      </p:ext>
+    </p:extLst>
+  </p:cSld>
+  <p:clrMapOvr>
+    <a:masterClrMapping/>
+  </p:clrMapOvr>
+</p:sld>
+</file>
+
+<file path=ppt/slides/slide31.xml><?xml version="1.0" encoding="utf-8"?>
+<p:sld xmlns:a="http://schemas.openxmlformats.org/drawingml/2006/main" xmlns:r="http://schemas.openxmlformats.org/officeDocument/2006/relationships" xmlns:p="http://schemas.openxmlformats.org/presentationml/2006/main">
+  <p:cSld>
+    <p:spTree>
+      <p:nvGrpSpPr>
+        <p:cNvPr id="1" name="">
+          <a:extLst>
+            <a:ext uri="{FF2B5EF4-FFF2-40B4-BE49-F238E27FC236}">
+              <a16:creationId xmlns:a16="http://schemas.microsoft.com/office/drawing/2014/main" id="{C6CCEB63-78EE-0AB9-2AC1-8CA37CC9A9F6}"/>
+            </a:ext>
+          </a:extLst>
+        </p:cNvPr>
+        <p:cNvGrpSpPr/>
+        <p:nvPr/>
+      </p:nvGrpSpPr>
+      <p:grpSpPr>
+        <a:xfrm>
+          <a:off x="0" y="0"/>
+          <a:ext cx="0" cy="0"/>
+          <a:chOff x="0" y="0"/>
+          <a:chExt cx="0" cy="0"/>
+        </a:xfrm>
+      </p:grpSpPr>
+      <p:pic>
+        <p:nvPicPr>
+          <p:cNvPr id="5" name="Picture 4">
+            <a:extLst>
+              <a:ext uri="{FF2B5EF4-FFF2-40B4-BE49-F238E27FC236}">
+                <a16:creationId xmlns:a16="http://schemas.microsoft.com/office/drawing/2014/main" id="{A8D19EFF-AA11-BCDB-6B59-820691AE3FBE}"/>
+              </a:ext>
+            </a:extLst>
+          </p:cNvPr>
+          <p:cNvPicPr>
+            <a:picLocks noChangeAspect="1"/>
+          </p:cNvPicPr>
+          <p:nvPr/>
+        </p:nvPicPr>
+        <p:blipFill>
+          <a:blip r:embed="rId2"/>
+          <a:stretch>
+            <a:fillRect/>
+          </a:stretch>
+        </p:blipFill>
+        <p:spPr>
+          <a:xfrm>
+            <a:off x="1982705" y="626990"/>
+            <a:ext cx="8226590" cy="5604019"/>
+          </a:xfrm>
+          <a:prstGeom prst="rect">
+            <a:avLst/>
+          </a:prstGeom>
+        </p:spPr>
+      </p:pic>
+      <p:sp>
+        <p:nvSpPr>
+          <p:cNvPr id="6" name="TextBox 5">
+            <a:extLst>
+              <a:ext uri="{FF2B5EF4-FFF2-40B4-BE49-F238E27FC236}">
+                <a16:creationId xmlns:a16="http://schemas.microsoft.com/office/drawing/2014/main" id="{30F79561-D298-B43F-57C2-772BDBCF0838}"/>
+              </a:ext>
+            </a:extLst>
+          </p:cNvPr>
+          <p:cNvSpPr txBox="1"/>
+          <p:nvPr/>
+        </p:nvSpPr>
+        <p:spPr>
+          <a:xfrm>
+            <a:off x="2425147" y="5629524"/>
+            <a:ext cx="1208985" cy="369332"/>
+          </a:xfrm>
+          <a:prstGeom prst="rect">
+            <a:avLst/>
+          </a:prstGeom>
+          <a:noFill/>
+        </p:spPr>
+        <p:txBody>
+          <a:bodyPr wrap="none" rtlCol="0">
+            <a:spAutoFit/>
+          </a:bodyPr>
+          <a:lstStyle/>
+          <a:p>
+            <a:r>
+              <a:rPr lang="en-US" dirty="0">
+                <a:solidFill>
+                  <a:schemeClr val="bg1"/>
+                </a:solidFill>
+              </a:rPr>
+              <a:t>log(1/P(A))</a:t>
+            </a:r>
+          </a:p>
+        </p:txBody>
+      </p:sp>
+      <p:sp>
+        <p:nvSpPr>
+          <p:cNvPr id="7" name="TextBox 6">
+            <a:extLst>
+              <a:ext uri="{FF2B5EF4-FFF2-40B4-BE49-F238E27FC236}">
+                <a16:creationId xmlns:a16="http://schemas.microsoft.com/office/drawing/2014/main" id="{EA146F9E-11CA-3C76-FF82-3887C1FBEEA8}"/>
+              </a:ext>
+            </a:extLst>
+          </p:cNvPr>
+          <p:cNvSpPr txBox="1"/>
+          <p:nvPr/>
+        </p:nvSpPr>
+        <p:spPr>
+          <a:xfrm>
+            <a:off x="6736080" y="5559287"/>
+            <a:ext cx="1245854" cy="369332"/>
+          </a:xfrm>
+          <a:prstGeom prst="rect">
+            <a:avLst/>
+          </a:prstGeom>
+          <a:noFill/>
+        </p:spPr>
+        <p:txBody>
+          <a:bodyPr wrap="none" rtlCol="0">
+            <a:spAutoFit/>
+          </a:bodyPr>
+          <a:lstStyle/>
+          <a:p>
+            <a:r>
+              <a:rPr lang="en-US" dirty="0">
+                <a:solidFill>
+                  <a:schemeClr val="bg1"/>
+                </a:solidFill>
+              </a:rPr>
+              <a:t>log(1/Q(A))</a:t>
+            </a:r>
+          </a:p>
+        </p:txBody>
+      </p:sp>
+      <p:grpSp>
+        <p:nvGrpSpPr>
+          <p:cNvPr id="10" name="Group 9">
+            <a:extLst>
+              <a:ext uri="{FF2B5EF4-FFF2-40B4-BE49-F238E27FC236}">
+                <a16:creationId xmlns:a16="http://schemas.microsoft.com/office/drawing/2014/main" id="{CB0D6D53-C574-2A45-EB10-31092F966076}"/>
+              </a:ext>
+            </a:extLst>
+          </p:cNvPr>
+          <p:cNvGrpSpPr/>
+          <p:nvPr/>
+        </p:nvGrpSpPr>
+        <p:grpSpPr>
+          <a:xfrm>
+            <a:off x="2575080" y="4786403"/>
+            <a:ext cx="5416200" cy="1265760"/>
+            <a:chOff x="2575080" y="4786403"/>
+            <a:chExt cx="5416200" cy="1265760"/>
+          </a:xfrm>
+        </p:grpSpPr>
+        <mc:AlternateContent xmlns:mc="http://schemas.openxmlformats.org/markup-compatibility/2006" xmlns:p14="http://schemas.microsoft.com/office/powerpoint/2010/main">
+          <mc:Choice Requires="p14">
+            <p:contentPart p14:bwMode="auto" r:id="rId3">
+              <p14:nvContentPartPr>
+                <p14:cNvPr id="2" name="Ink 1">
+                  <a:extLst>
+                    <a:ext uri="{FF2B5EF4-FFF2-40B4-BE49-F238E27FC236}">
+                      <a16:creationId xmlns:a16="http://schemas.microsoft.com/office/drawing/2014/main" id="{C8BD4DE7-2242-5C16-B435-B5DED5C1C2A6}"/>
+                    </a:ext>
+                  </a:extLst>
+                </p14:cNvPr>
+                <p14:cNvContentPartPr/>
+                <p14:nvPr/>
+              </p14:nvContentPartPr>
+              <p14:xfrm>
+                <a:off x="2575080" y="4786403"/>
+                <a:ext cx="836280" cy="740520"/>
+              </p14:xfrm>
+            </p:contentPart>
+          </mc:Choice>
+          <mc:Fallback xmlns="">
+            <p:pic>
+              <p:nvPicPr>
+                <p:cNvPr id="2" name="Ink 1">
+                  <a:extLst>
+                    <a:ext uri="{FF2B5EF4-FFF2-40B4-BE49-F238E27FC236}">
+                      <a16:creationId xmlns:a16="http://schemas.microsoft.com/office/drawing/2014/main" id="{C8BD4DE7-2242-5C16-B435-B5DED5C1C2A6}"/>
+                    </a:ext>
+                  </a:extLst>
+                </p:cNvPr>
+                <p:cNvPicPr/>
+                <p:nvPr/>
+              </p:nvPicPr>
+              <p:blipFill>
+                <a:blip r:embed="rId4"/>
+                <a:stretch>
+                  <a:fillRect/>
+                </a:stretch>
+              </p:blipFill>
+              <p:spPr>
+                <a:xfrm>
+                  <a:off x="2566080" y="4777403"/>
+                  <a:ext cx="853920" cy="758160"/>
+                </a:xfrm>
+                <a:prstGeom prst="rect">
+                  <a:avLst/>
+                </a:prstGeom>
+              </p:spPr>
+            </p:pic>
+          </mc:Fallback>
+        </mc:AlternateContent>
+        <mc:AlternateContent xmlns:mc="http://schemas.openxmlformats.org/markup-compatibility/2006" xmlns:p14="http://schemas.microsoft.com/office/powerpoint/2010/main">
+          <mc:Choice Requires="p14">
+            <p:contentPart p14:bwMode="auto" r:id="rId5">
+              <p14:nvContentPartPr>
+                <p14:cNvPr id="3" name="Ink 2">
+                  <a:extLst>
+                    <a:ext uri="{FF2B5EF4-FFF2-40B4-BE49-F238E27FC236}">
+                      <a16:creationId xmlns:a16="http://schemas.microsoft.com/office/drawing/2014/main" id="{B3A1394C-04A9-A661-107F-C3A9B0DA345C}"/>
+                    </a:ext>
+                  </a:extLst>
+                </p14:cNvPr>
+                <p14:cNvContentPartPr/>
+                <p14:nvPr/>
+              </p14:nvContentPartPr>
+              <p14:xfrm>
+                <a:off x="3450600" y="5360963"/>
+                <a:ext cx="3323880" cy="492840"/>
+              </p14:xfrm>
+            </p:contentPart>
+          </mc:Choice>
+          <mc:Fallback xmlns="">
+            <p:pic>
+              <p:nvPicPr>
+                <p:cNvPr id="3" name="Ink 2">
+                  <a:extLst>
+                    <a:ext uri="{FF2B5EF4-FFF2-40B4-BE49-F238E27FC236}">
+                      <a16:creationId xmlns:a16="http://schemas.microsoft.com/office/drawing/2014/main" id="{B3A1394C-04A9-A661-107F-C3A9B0DA345C}"/>
+                    </a:ext>
+                  </a:extLst>
+                </p:cNvPr>
+                <p:cNvPicPr/>
+                <p:nvPr/>
+              </p:nvPicPr>
+              <p:blipFill>
+                <a:blip r:embed="rId6"/>
+                <a:stretch>
+                  <a:fillRect/>
+                </a:stretch>
+              </p:blipFill>
+              <p:spPr>
+                <a:xfrm>
+                  <a:off x="3441960" y="5351963"/>
+                  <a:ext cx="3341520" cy="510480"/>
+                </a:xfrm>
+                <a:prstGeom prst="rect">
+                  <a:avLst/>
+                </a:prstGeom>
+              </p:spPr>
+            </p:pic>
+          </mc:Fallback>
+        </mc:AlternateContent>
+        <mc:AlternateContent xmlns:mc="http://schemas.openxmlformats.org/markup-compatibility/2006" xmlns:p14="http://schemas.microsoft.com/office/powerpoint/2010/main">
+          <mc:Choice Requires="p14">
+            <p:contentPart p14:bwMode="auto" r:id="rId7">
+              <p14:nvContentPartPr>
+                <p14:cNvPr id="8" name="Ink 7">
+                  <a:extLst>
+                    <a:ext uri="{FF2B5EF4-FFF2-40B4-BE49-F238E27FC236}">
+                      <a16:creationId xmlns:a16="http://schemas.microsoft.com/office/drawing/2014/main" id="{5D4480EF-C9A4-3E97-DBC4-0EF927CF859E}"/>
+                    </a:ext>
+                  </a:extLst>
+                </p14:cNvPr>
+                <p14:cNvContentPartPr/>
+                <p14:nvPr/>
+              </p14:nvContentPartPr>
+              <p14:xfrm>
+                <a:off x="6654960" y="5613323"/>
+                <a:ext cx="199800" cy="183600"/>
+              </p14:xfrm>
+            </p:contentPart>
+          </mc:Choice>
+          <mc:Fallback xmlns="">
+            <p:pic>
+              <p:nvPicPr>
+                <p:cNvPr id="8" name="Ink 7">
+                  <a:extLst>
+                    <a:ext uri="{FF2B5EF4-FFF2-40B4-BE49-F238E27FC236}">
+                      <a16:creationId xmlns:a16="http://schemas.microsoft.com/office/drawing/2014/main" id="{5D4480EF-C9A4-3E97-DBC4-0EF927CF859E}"/>
+                    </a:ext>
+                  </a:extLst>
+                </p:cNvPr>
+                <p:cNvPicPr/>
+                <p:nvPr/>
+              </p:nvPicPr>
+              <p:blipFill>
+                <a:blip r:embed="rId8"/>
+                <a:stretch>
+                  <a:fillRect/>
+                </a:stretch>
+              </p:blipFill>
+              <p:spPr>
+                <a:xfrm>
+                  <a:off x="6646320" y="5604323"/>
+                  <a:ext cx="217440" cy="201240"/>
+                </a:xfrm>
+                <a:prstGeom prst="rect">
+                  <a:avLst/>
+                </a:prstGeom>
+              </p:spPr>
+            </p:pic>
+          </mc:Fallback>
+        </mc:AlternateContent>
+        <mc:AlternateContent xmlns:mc="http://schemas.openxmlformats.org/markup-compatibility/2006" xmlns:p14="http://schemas.microsoft.com/office/powerpoint/2010/main">
+          <mc:Choice Requires="p14">
+            <p:contentPart p14:bwMode="auto" r:id="rId9">
+              <p14:nvContentPartPr>
+                <p14:cNvPr id="9" name="Ink 8">
+                  <a:extLst>
+                    <a:ext uri="{FF2B5EF4-FFF2-40B4-BE49-F238E27FC236}">
+                      <a16:creationId xmlns:a16="http://schemas.microsoft.com/office/drawing/2014/main" id="{9AD891B8-14D8-CACB-ABF2-1B84702D6408}"/>
+                    </a:ext>
+                  </a:extLst>
+                </p14:cNvPr>
+                <p14:cNvContentPartPr/>
+                <p14:nvPr/>
+              </p14:nvContentPartPr>
+              <p14:xfrm>
+                <a:off x="6750000" y="5557883"/>
+                <a:ext cx="1241280" cy="494280"/>
+              </p14:xfrm>
+            </p:contentPart>
+          </mc:Choice>
+          <mc:Fallback xmlns="">
+            <p:pic>
+              <p:nvPicPr>
+                <p:cNvPr id="9" name="Ink 8">
+                  <a:extLst>
+                    <a:ext uri="{FF2B5EF4-FFF2-40B4-BE49-F238E27FC236}">
+                      <a16:creationId xmlns:a16="http://schemas.microsoft.com/office/drawing/2014/main" id="{9AD891B8-14D8-CACB-ABF2-1B84702D6408}"/>
+                    </a:ext>
+                  </a:extLst>
+                </p:cNvPr>
+                <p:cNvPicPr/>
+                <p:nvPr/>
+              </p:nvPicPr>
+              <p:blipFill>
+                <a:blip r:embed="rId10"/>
+                <a:stretch>
+                  <a:fillRect/>
+                </a:stretch>
+              </p:blipFill>
+              <p:spPr>
+                <a:xfrm>
+                  <a:off x="6741000" y="5548883"/>
+                  <a:ext cx="1258920" cy="511920"/>
+                </a:xfrm>
+                <a:prstGeom prst="rect">
+                  <a:avLst/>
+                </a:prstGeom>
+              </p:spPr>
+            </p:pic>
+          </mc:Fallback>
+        </mc:AlternateContent>
+      </p:grpSp>
+      <p:grpSp>
+        <p:nvGrpSpPr>
+          <p:cNvPr id="13" name="Group 12">
+            <a:extLst>
+              <a:ext uri="{FF2B5EF4-FFF2-40B4-BE49-F238E27FC236}">
+                <a16:creationId xmlns:a16="http://schemas.microsoft.com/office/drawing/2014/main" id="{846B8430-03D9-17FF-B183-1ED5B9EF784B}"/>
+              </a:ext>
+            </a:extLst>
+          </p:cNvPr>
+          <p:cNvGrpSpPr/>
+          <p:nvPr/>
+        </p:nvGrpSpPr>
+        <p:grpSpPr>
+          <a:xfrm>
+            <a:off x="5351040" y="5510003"/>
+            <a:ext cx="225360" cy="199800"/>
+            <a:chOff x="5351040" y="5510003"/>
+            <a:chExt cx="225360" cy="199800"/>
+          </a:xfrm>
+        </p:grpSpPr>
+        <mc:AlternateContent xmlns:mc="http://schemas.openxmlformats.org/markup-compatibility/2006" xmlns:p14="http://schemas.microsoft.com/office/powerpoint/2010/main">
+          <mc:Choice Requires="p14">
+            <p:contentPart p14:bwMode="auto" r:id="rId11">
+              <p14:nvContentPartPr>
+                <p14:cNvPr id="11" name="Ink 10">
+                  <a:extLst>
+                    <a:ext uri="{FF2B5EF4-FFF2-40B4-BE49-F238E27FC236}">
+                      <a16:creationId xmlns:a16="http://schemas.microsoft.com/office/drawing/2014/main" id="{7CA7792B-DF06-CDEE-235D-96246337F8B9}"/>
+                    </a:ext>
+                  </a:extLst>
+                </p14:cNvPr>
+                <p14:cNvContentPartPr/>
+                <p14:nvPr/>
+              </p14:nvContentPartPr>
+              <p14:xfrm>
+                <a:off x="5388120" y="5510003"/>
+                <a:ext cx="143640" cy="199800"/>
+              </p14:xfrm>
+            </p:contentPart>
+          </mc:Choice>
+          <mc:Fallback xmlns="">
+            <p:pic>
+              <p:nvPicPr>
+                <p:cNvPr id="11" name="Ink 10">
+                  <a:extLst>
+                    <a:ext uri="{FF2B5EF4-FFF2-40B4-BE49-F238E27FC236}">
+                      <a16:creationId xmlns:a16="http://schemas.microsoft.com/office/drawing/2014/main" id="{7CA7792B-DF06-CDEE-235D-96246337F8B9}"/>
+                    </a:ext>
+                  </a:extLst>
+                </p:cNvPr>
+                <p:cNvPicPr/>
+                <p:nvPr/>
+              </p:nvPicPr>
+              <p:blipFill>
+                <a:blip r:embed="rId12"/>
+                <a:stretch>
+                  <a:fillRect/>
+                </a:stretch>
+              </p:blipFill>
+              <p:spPr>
+                <a:xfrm>
+                  <a:off x="5379480" y="5501363"/>
+                  <a:ext cx="161280" cy="217440"/>
+                </a:xfrm>
+                <a:prstGeom prst="rect">
+                  <a:avLst/>
+                </a:prstGeom>
+              </p:spPr>
+            </p:pic>
+          </mc:Fallback>
+        </mc:AlternateContent>
+        <mc:AlternateContent xmlns:mc="http://schemas.openxmlformats.org/markup-compatibility/2006" xmlns:p14="http://schemas.microsoft.com/office/powerpoint/2010/main">
+          <mc:Choice Requires="p14">
+            <p:contentPart p14:bwMode="auto" r:id="rId13">
+              <p14:nvContentPartPr>
+                <p14:cNvPr id="12" name="Ink 11">
+                  <a:extLst>
+                    <a:ext uri="{FF2B5EF4-FFF2-40B4-BE49-F238E27FC236}">
+                      <a16:creationId xmlns:a16="http://schemas.microsoft.com/office/drawing/2014/main" id="{5B0A3CCE-1C05-640E-1B57-AE45224DD326}"/>
+                    </a:ext>
+                  </a:extLst>
+                </p14:cNvPr>
+                <p14:cNvContentPartPr/>
+                <p14:nvPr/>
+              </p14:nvContentPartPr>
+              <p14:xfrm>
+                <a:off x="5351040" y="5565443"/>
+                <a:ext cx="225360" cy="106920"/>
+              </p14:xfrm>
+            </p:contentPart>
+          </mc:Choice>
+          <mc:Fallback xmlns="">
+            <p:pic>
+              <p:nvPicPr>
+                <p:cNvPr id="12" name="Ink 11">
+                  <a:extLst>
+                    <a:ext uri="{FF2B5EF4-FFF2-40B4-BE49-F238E27FC236}">
+                      <a16:creationId xmlns:a16="http://schemas.microsoft.com/office/drawing/2014/main" id="{5B0A3CCE-1C05-640E-1B57-AE45224DD326}"/>
+                    </a:ext>
+                  </a:extLst>
+                </p:cNvPr>
+                <p:cNvPicPr/>
+                <p:nvPr/>
+              </p:nvPicPr>
+              <p:blipFill>
+                <a:blip r:embed="rId14"/>
+                <a:stretch>
+                  <a:fillRect/>
+                </a:stretch>
+              </p:blipFill>
+              <p:spPr>
+                <a:xfrm>
+                  <a:off x="5342400" y="5556803"/>
+                  <a:ext cx="243000" cy="124560"/>
+                </a:xfrm>
+                <a:prstGeom prst="rect">
+                  <a:avLst/>
+                </a:prstGeom>
+              </p:spPr>
+            </p:pic>
+          </mc:Fallback>
+        </mc:AlternateContent>
+      </p:grpSp>
+      <p:sp>
+        <p:nvSpPr>
+          <p:cNvPr id="4" name="TextBox 3">
+            <a:extLst>
+              <a:ext uri="{FF2B5EF4-FFF2-40B4-BE49-F238E27FC236}">
+                <a16:creationId xmlns:a16="http://schemas.microsoft.com/office/drawing/2014/main" id="{B7A3FB0A-E248-7B10-3B19-8BF9BA7A53AD}"/>
+              </a:ext>
+            </a:extLst>
+          </p:cNvPr>
+          <p:cNvSpPr txBox="1"/>
+          <p:nvPr/>
+        </p:nvSpPr>
+        <p:spPr>
+          <a:xfrm>
+            <a:off x="2164961" y="2433852"/>
+            <a:ext cx="7862077" cy="923330"/>
+          </a:xfrm>
+          <a:prstGeom prst="rect">
+            <a:avLst/>
+          </a:prstGeom>
+          <a:noFill/>
+        </p:spPr>
+        <p:txBody>
+          <a:bodyPr wrap="square" rtlCol="0">
+            <a:spAutoFit/>
+          </a:bodyPr>
+          <a:lstStyle/>
+          <a:p>
+            <a:r>
+              <a:rPr lang="en-GB" dirty="0">
+                <a:solidFill>
+                  <a:srgbClr val="FF0000"/>
+                </a:solidFill>
+              </a:rPr>
+              <a:t>Ideally, all uncertainty can be encoded using the minimum number of bits corresponding to the true distribution. If we use an incorrect distribution, we must use more bits to represent that uncertainty. Cross-entropy is # min bits + extra bits</a:t>
+            </a:r>
+            <a:endParaRPr lang="en-US" dirty="0">
+              <a:solidFill>
+                <a:srgbClr val="FF0000"/>
+              </a:solidFill>
+            </a:endParaRPr>
+          </a:p>
+        </p:txBody>
+      </p:sp>
+    </p:spTree>
+    <p:extLst>
+      <p:ext uri="{BB962C8B-B14F-4D97-AF65-F5344CB8AC3E}">
+        <p14:creationId xmlns:p14="http://schemas.microsoft.com/office/powerpoint/2010/main" val="4277838149"/>
+      </p:ext>
+    </p:extLst>
+  </p:cSld>
+  <p:clrMapOvr>
+    <a:masterClrMapping/>
+  </p:clrMapOvr>
+</p:sld>
+</file>
+
+<file path=ppt/slides/slide32.xml><?xml version="1.0" encoding="utf-8"?>
+<p:sld xmlns:a="http://schemas.openxmlformats.org/drawingml/2006/main" xmlns:r="http://schemas.openxmlformats.org/officeDocument/2006/relationships" xmlns:p="http://schemas.openxmlformats.org/presentationml/2006/main">
+  <p:cSld>
+    <p:spTree>
+      <p:nvGrpSpPr>
+        <p:cNvPr id="1" name=""/>
+        <p:cNvGrpSpPr/>
+        <p:nvPr/>
+      </p:nvGrpSpPr>
+      <p:grpSpPr>
+        <a:xfrm>
+          <a:off x="0" y="0"/>
+          <a:ext cx="0" cy="0"/>
+          <a:chOff x="0" y="0"/>
+          <a:chExt cx="0" cy="0"/>
+        </a:xfrm>
+      </p:grpSpPr>
+      <p:pic>
+        <p:nvPicPr>
+          <p:cNvPr id="5" name="Picture 4">
+            <a:extLst>
+              <a:ext uri="{FF2B5EF4-FFF2-40B4-BE49-F238E27FC236}">
                 <a16:creationId xmlns:a16="http://schemas.microsoft.com/office/drawing/2014/main" id="{13AC492A-0F0C-5583-4E32-C395EACCED5C}"/>
               </a:ext>
             </a:extLst>
@@ -15807,8 +17473,8 @@
             <a:chExt cx="5361840" cy="644760"/>
           </a:xfrm>
         </p:grpSpPr>
-        <mc:AlternateContent xmlns:mc="http://schemas.openxmlformats.org/markup-compatibility/2006">
-          <mc:Choice xmlns:p14="http://schemas.microsoft.com/office/powerpoint/2010/main" Requires="p14">
+        <mc:AlternateContent xmlns:mc="http://schemas.openxmlformats.org/markup-compatibility/2006" xmlns:p14="http://schemas.microsoft.com/office/powerpoint/2010/main">
+          <mc:Choice Requires="p14">
             <p:contentPart p14:bwMode="auto" r:id="rId4">
               <p14:nvContentPartPr>
                 <p14:cNvPr id="13" name="Ink 12">
@@ -15827,7 +17493,7 @@
               </p14:xfrm>
             </p:contentPart>
           </mc:Choice>
-          <mc:Fallback>
+          <mc:Fallback xmlns="">
             <p:pic>
               <p:nvPicPr>
                 <p:cNvPr id="13" name="Ink 12">
@@ -15858,8 +17524,8 @@
             </p:pic>
           </mc:Fallback>
         </mc:AlternateContent>
-        <mc:AlternateContent xmlns:mc="http://schemas.openxmlformats.org/markup-compatibility/2006">
-          <mc:Choice xmlns:p14="http://schemas.microsoft.com/office/powerpoint/2010/main" Requires="p14">
+        <mc:AlternateContent xmlns:mc="http://schemas.openxmlformats.org/markup-compatibility/2006" xmlns:p14="http://schemas.microsoft.com/office/powerpoint/2010/main">
+          <mc:Choice Requires="p14">
             <p:contentPart p14:bwMode="auto" r:id="rId6">
               <p14:nvContentPartPr>
                 <p14:cNvPr id="14" name="Ink 13">
@@ -15878,7 +17544,7 @@
               </p14:xfrm>
             </p:contentPart>
           </mc:Choice>
-          <mc:Fallback>
+          <mc:Fallback xmlns="">
             <p:pic>
               <p:nvPicPr>
                 <p:cNvPr id="14" name="Ink 13">
@@ -15909,8 +17575,8 @@
             </p:pic>
           </mc:Fallback>
         </mc:AlternateContent>
-        <mc:AlternateContent xmlns:mc="http://schemas.openxmlformats.org/markup-compatibility/2006">
-          <mc:Choice xmlns:p14="http://schemas.microsoft.com/office/powerpoint/2010/main" Requires="p14">
+        <mc:AlternateContent xmlns:mc="http://schemas.openxmlformats.org/markup-compatibility/2006" xmlns:p14="http://schemas.microsoft.com/office/powerpoint/2010/main">
+          <mc:Choice Requires="p14">
             <p:contentPart p14:bwMode="auto" r:id="rId8">
               <p14:nvContentPartPr>
                 <p14:cNvPr id="15" name="Ink 14">
@@ -15929,7 +17595,7 @@
               </p14:xfrm>
             </p:contentPart>
           </mc:Choice>
-          <mc:Fallback>
+          <mc:Fallback xmlns="">
             <p:pic>
               <p:nvPicPr>
                 <p:cNvPr id="15" name="Ink 14">
@@ -15974,7 +17640,7 @@
 </p:sld>
 </file>
 
-<file path=ppt/slides/slide31.xml><?xml version="1.0" encoding="utf-8"?>
+<file path=ppt/slides/slide33.xml><?xml version="1.0" encoding="utf-8"?>
 <p:sld xmlns:a="http://schemas.openxmlformats.org/drawingml/2006/main" xmlns:r="http://schemas.openxmlformats.org/officeDocument/2006/relationships" xmlns:p="http://schemas.openxmlformats.org/presentationml/2006/main">
   <p:cSld>
     <p:spTree>
@@ -16725,7 +18391,7 @@
 </p:sld>
 </file>
 
-<file path=ppt/slides/slide32.xml><?xml version="1.0" encoding="utf-8"?>
+<file path=ppt/slides/slide34.xml><?xml version="1.0" encoding="utf-8"?>
 <p:sld xmlns:a="http://schemas.openxmlformats.org/drawingml/2006/main" xmlns:r="http://schemas.openxmlformats.org/officeDocument/2006/relationships" xmlns:p="http://schemas.openxmlformats.org/presentationml/2006/main">
   <p:cSld>
     <p:spTree>
@@ -17717,7 +19383,7 @@
 </p:sld>
 </file>
 
-<file path=ppt/slides/slide33.xml><?xml version="1.0" encoding="utf-8"?>
+<file path=ppt/slides/slide35.xml><?xml version="1.0" encoding="utf-8"?>
 <p:sld xmlns:a="http://schemas.openxmlformats.org/drawingml/2006/main" xmlns:r="http://schemas.openxmlformats.org/officeDocument/2006/relationships" xmlns:p="http://schemas.openxmlformats.org/presentationml/2006/main">
   <p:cSld>
     <p:spTree>
@@ -17794,274 +19460,6 @@
     <p:extLst>
       <p:ext uri="{BB962C8B-B14F-4D97-AF65-F5344CB8AC3E}">
         <p14:creationId xmlns:p14="http://schemas.microsoft.com/office/powerpoint/2010/main" val="495228592"/>
-      </p:ext>
-    </p:extLst>
-  </p:cSld>
-  <p:clrMapOvr>
-    <a:masterClrMapping/>
-  </p:clrMapOvr>
-</p:sld>
-</file>
-
-<file path=ppt/slides/slide34.xml><?xml version="1.0" encoding="utf-8"?>
-<p:sld xmlns:a="http://schemas.openxmlformats.org/drawingml/2006/main" xmlns:r="http://schemas.openxmlformats.org/officeDocument/2006/relationships" xmlns:p="http://schemas.openxmlformats.org/presentationml/2006/main">
-  <p:cSld>
-    <p:spTree>
-      <p:nvGrpSpPr>
-        <p:cNvPr id="1" name=""/>
-        <p:cNvGrpSpPr/>
-        <p:nvPr/>
-      </p:nvGrpSpPr>
-      <p:grpSpPr>
-        <a:xfrm>
-          <a:off x="0" y="0"/>
-          <a:ext cx="0" cy="0"/>
-          <a:chOff x="0" y="0"/>
-          <a:chExt cx="0" cy="0"/>
-        </a:xfrm>
-      </p:grpSpPr>
-      <p:sp>
-        <p:nvSpPr>
-          <p:cNvPr id="4" name="Title 3">
-            <a:extLst>
-              <a:ext uri="{FF2B5EF4-FFF2-40B4-BE49-F238E27FC236}">
-                <a16:creationId xmlns:a16="http://schemas.microsoft.com/office/drawing/2014/main" id="{78DE5A5C-2BEA-53EE-62A6-79CEBC804C34}"/>
-              </a:ext>
-            </a:extLst>
-          </p:cNvPr>
-          <p:cNvSpPr>
-            <a:spLocks noGrp="1"/>
-          </p:cNvSpPr>
-          <p:nvPr>
-            <p:ph type="title"/>
-          </p:nvPr>
-        </p:nvSpPr>
-        <p:spPr/>
-        <p:txBody>
-          <a:bodyPr/>
-          <a:lstStyle/>
-          <a:p>
-            <a:r>
-              <a:rPr lang="en-US" dirty="0"/>
-              <a:t>Activation Function: </a:t>
-            </a:r>
-            <a:r>
-              <a:rPr lang="en-GB" dirty="0"/>
-              <a:t>Introduces non-linearity in neural networks</a:t>
-            </a:r>
-            <a:endParaRPr lang="en-US" dirty="0"/>
-          </a:p>
-        </p:txBody>
-      </p:sp>
-      <p:pic>
-        <p:nvPicPr>
-          <p:cNvPr id="7170" name="Picture 2">
-            <a:extLst>
-              <a:ext uri="{FF2B5EF4-FFF2-40B4-BE49-F238E27FC236}">
-                <a16:creationId xmlns:a16="http://schemas.microsoft.com/office/drawing/2014/main" id="{9939C3CF-F287-FD7F-6342-6E44F6F67D74}"/>
-              </a:ext>
-            </a:extLst>
-          </p:cNvPr>
-          <p:cNvPicPr>
-            <a:picLocks noChangeAspect="1" noChangeArrowheads="1"/>
-          </p:cNvPicPr>
-          <p:nvPr/>
-        </p:nvPicPr>
-        <p:blipFill>
-          <a:blip r:embed="rId2">
-            <a:extLst>
-              <a:ext uri="{28A0092B-C50C-407E-A947-70E740481C1C}">
-                <a14:useLocalDpi xmlns:a14="http://schemas.microsoft.com/office/drawing/2010/main" val="0"/>
-              </a:ext>
-            </a:extLst>
-          </a:blip>
-          <a:srcRect/>
-          <a:stretch>
-            <a:fillRect/>
-          </a:stretch>
-        </p:blipFill>
-        <p:spPr bwMode="auto">
-          <a:xfrm>
-            <a:off x="2849880" y="1845464"/>
-            <a:ext cx="8334375" cy="4191000"/>
-          </a:xfrm>
-          <a:prstGeom prst="rect">
-            <a:avLst/>
-          </a:prstGeom>
-          <a:noFill/>
-          <a:extLst>
-            <a:ext uri="{909E8E84-426E-40DD-AFC4-6F175D3DCCD1}">
-              <a14:hiddenFill xmlns:a14="http://schemas.microsoft.com/office/drawing/2010/main">
-                <a:solidFill>
-                  <a:srgbClr val="FFFFFF"/>
-                </a:solidFill>
-              </a14:hiddenFill>
-            </a:ext>
-          </a:extLst>
-        </p:spPr>
-      </p:pic>
-      <p:pic>
-        <p:nvPicPr>
-          <p:cNvPr id="11" name="Picture 10">
-            <a:extLst>
-              <a:ext uri="{FF2B5EF4-FFF2-40B4-BE49-F238E27FC236}">
-                <a16:creationId xmlns:a16="http://schemas.microsoft.com/office/drawing/2014/main" id="{ECC42EAF-B437-09A6-8D3D-80D9C0EDC8B4}"/>
-              </a:ext>
-            </a:extLst>
-          </p:cNvPr>
-          <p:cNvPicPr>
-            <a:picLocks noChangeAspect="1"/>
-          </p:cNvPicPr>
-          <p:nvPr/>
-        </p:nvPicPr>
-        <p:blipFill>
-          <a:blip r:embed="rId3"/>
-          <a:stretch>
-            <a:fillRect/>
-          </a:stretch>
-        </p:blipFill>
-        <p:spPr>
-          <a:xfrm>
-            <a:off x="281940" y="6040423"/>
-            <a:ext cx="3340314" cy="301634"/>
-          </a:xfrm>
-          <a:prstGeom prst="rect">
-            <a:avLst/>
-          </a:prstGeom>
-        </p:spPr>
-      </p:pic>
-      <p:sp>
-        <p:nvSpPr>
-          <p:cNvPr id="13" name="TextBox 12">
-            <a:extLst>
-              <a:ext uri="{FF2B5EF4-FFF2-40B4-BE49-F238E27FC236}">
-                <a16:creationId xmlns:a16="http://schemas.microsoft.com/office/drawing/2014/main" id="{37FA6BE3-3B85-A390-6584-2C7884915F61}"/>
-              </a:ext>
-            </a:extLst>
-          </p:cNvPr>
-          <p:cNvSpPr txBox="1"/>
-          <p:nvPr/>
-        </p:nvSpPr>
-        <p:spPr>
-          <a:xfrm>
-            <a:off x="281940" y="5144356"/>
-            <a:ext cx="2451100" cy="646331"/>
-          </a:xfrm>
-          <a:prstGeom prst="rect">
-            <a:avLst/>
-          </a:prstGeom>
-          <a:solidFill>
-            <a:schemeClr val="accent4">
-              <a:lumMod val="20000"/>
-              <a:lumOff val="80000"/>
-            </a:schemeClr>
-          </a:solidFill>
-        </p:spPr>
-        <p:txBody>
-          <a:bodyPr wrap="square">
-            <a:spAutoFit/>
-          </a:bodyPr>
-          <a:lstStyle/>
-          <a:p>
-            <a:r>
-              <a:rPr lang="en-GB" dirty="0" err="1"/>
-              <a:t>ReLU’s</a:t>
-            </a:r>
-            <a:r>
-              <a:rPr lang="en-GB" dirty="0"/>
-              <a:t> simplicity makes training faster</a:t>
-            </a:r>
-            <a:endParaRPr lang="en-US" dirty="0"/>
-          </a:p>
-        </p:txBody>
-      </p:sp>
-    </p:spTree>
-    <p:extLst>
-      <p:ext uri="{BB962C8B-B14F-4D97-AF65-F5344CB8AC3E}">
-        <p14:creationId xmlns:p14="http://schemas.microsoft.com/office/powerpoint/2010/main" val="3629368376"/>
-      </p:ext>
-    </p:extLst>
-  </p:cSld>
-  <p:clrMapOvr>
-    <a:masterClrMapping/>
-  </p:clrMapOvr>
-</p:sld>
-</file>
-
-<file path=ppt/slides/slide35.xml><?xml version="1.0" encoding="utf-8"?>
-<p:sld xmlns:a="http://schemas.openxmlformats.org/drawingml/2006/main" xmlns:r="http://schemas.openxmlformats.org/officeDocument/2006/relationships" xmlns:p="http://schemas.openxmlformats.org/presentationml/2006/main">
-  <p:cSld>
-    <p:spTree>
-      <p:nvGrpSpPr>
-        <p:cNvPr id="1" name=""/>
-        <p:cNvGrpSpPr/>
-        <p:nvPr/>
-      </p:nvGrpSpPr>
-      <p:grpSpPr>
-        <a:xfrm>
-          <a:off x="0" y="0"/>
-          <a:ext cx="0" cy="0"/>
-          <a:chOff x="0" y="0"/>
-          <a:chExt cx="0" cy="0"/>
-        </a:xfrm>
-      </p:grpSpPr>
-      <p:sp>
-        <p:nvSpPr>
-          <p:cNvPr id="3" name="Title 2">
-            <a:extLst>
-              <a:ext uri="{FF2B5EF4-FFF2-40B4-BE49-F238E27FC236}">
-                <a16:creationId xmlns:a16="http://schemas.microsoft.com/office/drawing/2014/main" id="{78287D52-35B6-0CF8-6F95-5C063852C261}"/>
-              </a:ext>
-            </a:extLst>
-          </p:cNvPr>
-          <p:cNvSpPr>
-            <a:spLocks noGrp="1"/>
-          </p:cNvSpPr>
-          <p:nvPr>
-            <p:ph type="title"/>
-          </p:nvPr>
-        </p:nvSpPr>
-        <p:spPr/>
-        <p:txBody>
-          <a:bodyPr/>
-          <a:lstStyle/>
-          <a:p>
-            <a:r>
-              <a:rPr lang="en-US" dirty="0"/>
-              <a:t>Optimizer</a:t>
-            </a:r>
-          </a:p>
-        </p:txBody>
-      </p:sp>
-      <p:sp>
-        <p:nvSpPr>
-          <p:cNvPr id="4" name="Text Placeholder 3">
-            <a:extLst>
-              <a:ext uri="{FF2B5EF4-FFF2-40B4-BE49-F238E27FC236}">
-                <a16:creationId xmlns:a16="http://schemas.microsoft.com/office/drawing/2014/main" id="{360DA14D-F7C3-EE03-8532-6A311AFC313B}"/>
-              </a:ext>
-            </a:extLst>
-          </p:cNvPr>
-          <p:cNvSpPr>
-            <a:spLocks noGrp="1"/>
-          </p:cNvSpPr>
-          <p:nvPr>
-            <p:ph type="body" idx="1"/>
-          </p:nvPr>
-        </p:nvSpPr>
-        <p:spPr/>
-        <p:txBody>
-          <a:bodyPr/>
-          <a:lstStyle/>
-          <a:p>
-            <a:endParaRPr lang="en-US"/>
-          </a:p>
-        </p:txBody>
-      </p:sp>
-    </p:spTree>
-    <p:extLst>
-      <p:ext uri="{BB962C8B-B14F-4D97-AF65-F5344CB8AC3E}">
-        <p14:creationId xmlns:p14="http://schemas.microsoft.com/office/powerpoint/2010/main" val="1472723351"/>
       </p:ext>
     </p:extLst>
   </p:cSld>
@@ -18088,12 +19486,45 @@
           <a:chExt cx="0" cy="0"/>
         </a:xfrm>
       </p:grpSpPr>
+      <p:sp>
+        <p:nvSpPr>
+          <p:cNvPr id="4" name="Title 3">
+            <a:extLst>
+              <a:ext uri="{FF2B5EF4-FFF2-40B4-BE49-F238E27FC236}">
+                <a16:creationId xmlns:a16="http://schemas.microsoft.com/office/drawing/2014/main" id="{78DE5A5C-2BEA-53EE-62A6-79CEBC804C34}"/>
+              </a:ext>
+            </a:extLst>
+          </p:cNvPr>
+          <p:cNvSpPr>
+            <a:spLocks noGrp="1"/>
+          </p:cNvSpPr>
+          <p:nvPr>
+            <p:ph type="title"/>
+          </p:nvPr>
+        </p:nvSpPr>
+        <p:spPr/>
+        <p:txBody>
+          <a:bodyPr/>
+          <a:lstStyle/>
+          <a:p>
+            <a:r>
+              <a:rPr lang="en-US" dirty="0"/>
+              <a:t>Activation Function: </a:t>
+            </a:r>
+            <a:r>
+              <a:rPr lang="en-GB" dirty="0"/>
+              <a:t>Introduces non-linearity in neural networks</a:t>
+            </a:r>
+            <a:endParaRPr lang="en-US" dirty="0"/>
+          </a:p>
+        </p:txBody>
+      </p:sp>
       <p:pic>
         <p:nvPicPr>
-          <p:cNvPr id="10242" name="Picture 2">
-            <a:extLst>
-              <a:ext uri="{FF2B5EF4-FFF2-40B4-BE49-F238E27FC236}">
-                <a16:creationId xmlns:a16="http://schemas.microsoft.com/office/drawing/2014/main" id="{1343F3F4-E3B1-3117-3F37-E0CF745DFFA4}"/>
+          <p:cNvPr id="7170" name="Picture 2">
+            <a:extLst>
+              <a:ext uri="{FF2B5EF4-FFF2-40B4-BE49-F238E27FC236}">
+                <a16:creationId xmlns:a16="http://schemas.microsoft.com/office/drawing/2014/main" id="{9939C3CF-F287-FD7F-6342-6E44F6F67D74}"/>
               </a:ext>
             </a:extLst>
           </p:cNvPr>
@@ -18117,8 +19548,8 @@
         </p:blipFill>
         <p:spPr bwMode="auto">
           <a:xfrm>
-            <a:off x="2067560" y="285750"/>
-            <a:ext cx="8056880" cy="6042660"/>
+            <a:off x="2849880" y="1845464"/>
+            <a:ext cx="8334375" cy="4191000"/>
           </a:xfrm>
           <a:prstGeom prst="rect">
             <a:avLst/>
@@ -18135,12 +19566,42 @@
           </a:extLst>
         </p:spPr>
       </p:pic>
+      <p:pic>
+        <p:nvPicPr>
+          <p:cNvPr id="11" name="Picture 10">
+            <a:extLst>
+              <a:ext uri="{FF2B5EF4-FFF2-40B4-BE49-F238E27FC236}">
+                <a16:creationId xmlns:a16="http://schemas.microsoft.com/office/drawing/2014/main" id="{ECC42EAF-B437-09A6-8D3D-80D9C0EDC8B4}"/>
+              </a:ext>
+            </a:extLst>
+          </p:cNvPr>
+          <p:cNvPicPr>
+            <a:picLocks noChangeAspect="1"/>
+          </p:cNvPicPr>
+          <p:nvPr/>
+        </p:nvPicPr>
+        <p:blipFill>
+          <a:blip r:embed="rId3"/>
+          <a:stretch>
+            <a:fillRect/>
+          </a:stretch>
+        </p:blipFill>
+        <p:spPr>
+          <a:xfrm>
+            <a:off x="281940" y="6040423"/>
+            <a:ext cx="3340314" cy="301634"/>
+          </a:xfrm>
+          <a:prstGeom prst="rect">
+            <a:avLst/>
+          </a:prstGeom>
+        </p:spPr>
+      </p:pic>
       <p:sp>
         <p:nvSpPr>
-          <p:cNvPr id="5" name="TextBox 4">
-            <a:extLst>
-              <a:ext uri="{FF2B5EF4-FFF2-40B4-BE49-F238E27FC236}">
-                <a16:creationId xmlns:a16="http://schemas.microsoft.com/office/drawing/2014/main" id="{4E39BB3D-B79B-AFD4-E6B8-3B02084EEF65}"/>
+          <p:cNvPr id="13" name="TextBox 12">
+            <a:extLst>
+              <a:ext uri="{FF2B5EF4-FFF2-40B4-BE49-F238E27FC236}">
+                <a16:creationId xmlns:a16="http://schemas.microsoft.com/office/drawing/2014/main" id="{37FA6BE3-3B85-A390-6584-2C7884915F61}"/>
               </a:ext>
             </a:extLst>
           </p:cNvPr>
@@ -18149,13 +19610,18 @@
         </p:nvSpPr>
         <p:spPr>
           <a:xfrm>
-            <a:off x="2506980" y="6328410"/>
-            <a:ext cx="6525260" cy="338554"/>
+            <a:off x="281940" y="4989498"/>
+            <a:ext cx="2451100" cy="923330"/>
           </a:xfrm>
           <a:prstGeom prst="rect">
             <a:avLst/>
           </a:prstGeom>
-          <a:noFill/>
+          <a:solidFill>
+            <a:schemeClr val="accent4">
+              <a:lumMod val="20000"/>
+              <a:lumOff val="80000"/>
+            </a:schemeClr>
+          </a:solidFill>
         </p:spPr>
         <p:txBody>
           <a:bodyPr wrap="square">
@@ -18164,16 +19630,62 @@
           <a:lstStyle/>
           <a:p>
             <a:r>
-              <a:rPr lang="en-US" sz="1600" dirty="0"/>
-              <a:t>https://community.deeplearning.ai/t/optimization-algorithms/305154/3</a:t>
-            </a:r>
+              <a:rPr lang="en-GB" dirty="0" err="1"/>
+              <a:t>ReLU’s</a:t>
+            </a:r>
+            <a:r>
+              <a:rPr lang="en-GB" dirty="0"/>
+              <a:t> simplicity makes training faster (inner layers)</a:t>
+            </a:r>
+            <a:endParaRPr lang="en-US" dirty="0"/>
+          </a:p>
+        </p:txBody>
+      </p:sp>
+      <p:sp>
+        <p:nvSpPr>
+          <p:cNvPr id="2" name="TextBox 1">
+            <a:extLst>
+              <a:ext uri="{FF2B5EF4-FFF2-40B4-BE49-F238E27FC236}">
+                <a16:creationId xmlns:a16="http://schemas.microsoft.com/office/drawing/2014/main" id="{7A9ACF23-B9F0-E618-44D6-98D3F6481412}"/>
+              </a:ext>
+            </a:extLst>
+          </p:cNvPr>
+          <p:cNvSpPr txBox="1"/>
+          <p:nvPr/>
+        </p:nvSpPr>
+        <p:spPr>
+          <a:xfrm>
+            <a:off x="198366" y="2642047"/>
+            <a:ext cx="2451100" cy="1200329"/>
+          </a:xfrm>
+          <a:prstGeom prst="rect">
+            <a:avLst/>
+          </a:prstGeom>
+          <a:solidFill>
+            <a:schemeClr val="accent4">
+              <a:lumMod val="20000"/>
+              <a:lumOff val="80000"/>
+            </a:schemeClr>
+          </a:solidFill>
+        </p:spPr>
+        <p:txBody>
+          <a:bodyPr wrap="square">
+            <a:spAutoFit/>
+          </a:bodyPr>
+          <a:lstStyle/>
+          <a:p>
+            <a:r>
+              <a:rPr lang="en-GB" dirty="0"/>
+              <a:t>Sigmoid is only used in the output layer (a final neuron) as a binary prediction</a:t>
+            </a:r>
+            <a:endParaRPr lang="en-US" dirty="0"/>
           </a:p>
         </p:txBody>
       </p:sp>
     </p:spTree>
     <p:extLst>
       <p:ext uri="{BB962C8B-B14F-4D97-AF65-F5344CB8AC3E}">
-        <p14:creationId xmlns:p14="http://schemas.microsoft.com/office/powerpoint/2010/main" val="545826806"/>
+        <p14:creationId xmlns:p14="http://schemas.microsoft.com/office/powerpoint/2010/main" val="3629368376"/>
       </p:ext>
     </p:extLst>
   </p:cSld>
@@ -18202,10 +19714,10 @@
       </p:grpSpPr>
       <p:sp>
         <p:nvSpPr>
-          <p:cNvPr id="2" name="Title 1">
-            <a:extLst>
-              <a:ext uri="{FF2B5EF4-FFF2-40B4-BE49-F238E27FC236}">
-                <a16:creationId xmlns:a16="http://schemas.microsoft.com/office/drawing/2014/main" id="{96D7FC87-E36A-D83A-96C4-A01CC08B16F6}"/>
+          <p:cNvPr id="3" name="Title 2">
+            <a:extLst>
+              <a:ext uri="{FF2B5EF4-FFF2-40B4-BE49-F238E27FC236}">
+                <a16:creationId xmlns:a16="http://schemas.microsoft.com/office/drawing/2014/main" id="{78287D52-35B6-0CF8-6F95-5C063852C261}"/>
               </a:ext>
             </a:extLst>
           </p:cNvPr>
@@ -18223,17 +19735,17 @@
           <a:p>
             <a:r>
               <a:rPr lang="en-US" dirty="0"/>
-              <a:t>Adam Optimizer</a:t>
+              <a:t>Optimizer</a:t>
             </a:r>
           </a:p>
         </p:txBody>
       </p:sp>
       <p:sp>
         <p:nvSpPr>
-          <p:cNvPr id="3" name="Content Placeholder 2">
-            <a:extLst>
-              <a:ext uri="{FF2B5EF4-FFF2-40B4-BE49-F238E27FC236}">
-                <a16:creationId xmlns:a16="http://schemas.microsoft.com/office/drawing/2014/main" id="{78F9E78F-53B4-E732-923B-ECCB30D08BED}"/>
+          <p:cNvPr id="4" name="Text Placeholder 3">
+            <a:extLst>
+              <a:ext uri="{FF2B5EF4-FFF2-40B4-BE49-F238E27FC236}">
+                <a16:creationId xmlns:a16="http://schemas.microsoft.com/office/drawing/2014/main" id="{360DA14D-F7C3-EE03-8532-6A311AFC313B}"/>
               </a:ext>
             </a:extLst>
           </p:cNvPr>
@@ -18241,205 +19753,22 @@
             <a:spLocks noGrp="1"/>
           </p:cNvSpPr>
           <p:nvPr>
-            <p:ph idx="1"/>
+            <p:ph type="body" idx="1"/>
           </p:nvPr>
         </p:nvSpPr>
         <p:spPr/>
         <p:txBody>
-          <a:bodyPr>
-            <a:normAutofit fontScale="92500" lnSpcReduction="10000"/>
-          </a:bodyPr>
+          <a:bodyPr/>
           <a:lstStyle/>
           <a:p>
-            <a:pPr rtl="0">
-              <a:buFont typeface="Arial" panose="020B0604020202020204" pitchFamily="34" charset="0"/>
-              <a:buChar char="•"/>
-            </a:pPr>
-            <a:r>
-              <a:rPr lang="en-US" dirty="0"/>
-              <a:t>Definition: Adaptive Moment Estimation, a gradient-based optimization algorithm</a:t>
-            </a:r>
-          </a:p>
-          <a:p>
-            <a:pPr rtl="0">
-              <a:buFont typeface="Arial" panose="020B0604020202020204" pitchFamily="34" charset="0"/>
-              <a:buChar char="•"/>
-            </a:pPr>
-            <a:r>
-              <a:rPr lang="en-US" dirty="0"/>
-              <a:t>How It Works:</a:t>
-            </a:r>
-          </a:p>
-          <a:p>
-            <a:pPr marL="742950" lvl="1" indent="-285750" rtl="0">
-              <a:buFont typeface="Arial" panose="020B0604020202020204" pitchFamily="34" charset="0"/>
-              <a:buChar char="•"/>
-            </a:pPr>
-            <a:r>
-              <a:rPr lang="en-US" dirty="0"/>
-              <a:t>Combines momentum (moving average of gradients) and </a:t>
-            </a:r>
-            <a:r>
-              <a:rPr lang="en-US" dirty="0" err="1"/>
-              <a:t>RMSProp</a:t>
-            </a:r>
-            <a:r>
-              <a:rPr lang="en-US" dirty="0"/>
-              <a:t> (adaptive learning rates)</a:t>
-            </a:r>
-          </a:p>
-          <a:p>
-            <a:pPr marL="742950" lvl="1" indent="-285750" rtl="0">
-              <a:buFont typeface="Arial" panose="020B0604020202020204" pitchFamily="34" charset="0"/>
-              <a:buChar char="•"/>
-            </a:pPr>
-            <a:r>
-              <a:rPr lang="en-US" dirty="0"/>
-              <a:t>Updates weights to minimize cross-entropy loss</a:t>
-            </a:r>
-          </a:p>
-          <a:p>
-            <a:pPr rtl="0">
-              <a:buFont typeface="Arial" panose="020B0604020202020204" pitchFamily="34" charset="0"/>
-              <a:buChar char="•"/>
-            </a:pPr>
-            <a:r>
-              <a:rPr lang="en-US" dirty="0"/>
-              <a:t>In </a:t>
-            </a:r>
-            <a:r>
-              <a:rPr lang="en-US" dirty="0" err="1"/>
-              <a:t>PyTorch</a:t>
-            </a:r>
-            <a:r>
-              <a:rPr lang="en-US" dirty="0"/>
-              <a:t> Code:</a:t>
-            </a:r>
-          </a:p>
-          <a:p>
-            <a:pPr marL="742950" lvl="1" indent="-285750" rtl="0">
-              <a:buFont typeface="Arial" panose="020B0604020202020204" pitchFamily="34" charset="0"/>
-              <a:buChar char="•"/>
-            </a:pPr>
-            <a:r>
-              <a:rPr lang="en-US" dirty="0">
-                <a:solidFill>
-                  <a:schemeClr val="accent2"/>
-                </a:solidFill>
-              </a:rPr>
-              <a:t>optimizer = </a:t>
-            </a:r>
-            <a:r>
-              <a:rPr lang="en-US" dirty="0" err="1">
-                <a:solidFill>
-                  <a:schemeClr val="accent2"/>
-                </a:solidFill>
-              </a:rPr>
-              <a:t>optim.Adam</a:t>
-            </a:r>
-            <a:r>
-              <a:rPr lang="en-US" dirty="0">
-                <a:solidFill>
-                  <a:schemeClr val="accent2"/>
-                </a:solidFill>
-              </a:rPr>
-              <a:t>(</a:t>
-            </a:r>
-            <a:r>
-              <a:rPr lang="en-US" dirty="0" err="1">
-                <a:solidFill>
-                  <a:schemeClr val="accent2"/>
-                </a:solidFill>
-              </a:rPr>
-              <a:t>model.parameters</a:t>
-            </a:r>
-            <a:r>
-              <a:rPr lang="en-US" dirty="0">
-                <a:solidFill>
-                  <a:schemeClr val="accent2"/>
-                </a:solidFill>
-              </a:rPr>
-              <a:t>(), </a:t>
-            </a:r>
-            <a:r>
-              <a:rPr lang="en-US" dirty="0" err="1">
-                <a:solidFill>
-                  <a:schemeClr val="accent2"/>
-                </a:solidFill>
-              </a:rPr>
-              <a:t>lr</a:t>
-            </a:r>
-            <a:r>
-              <a:rPr lang="en-US" dirty="0">
-                <a:solidFill>
-                  <a:schemeClr val="accent2"/>
-                </a:solidFill>
-              </a:rPr>
-              <a:t>=0.001)</a:t>
-            </a:r>
-          </a:p>
-          <a:p>
-            <a:pPr marL="742950" lvl="1" indent="-285750" rtl="0">
-              <a:buFont typeface="Arial" panose="020B0604020202020204" pitchFamily="34" charset="0"/>
-              <a:buChar char="•"/>
-            </a:pPr>
-            <a:r>
-              <a:rPr lang="en-US" dirty="0" err="1">
-                <a:solidFill>
-                  <a:schemeClr val="accent2"/>
-                </a:solidFill>
-              </a:rPr>
-              <a:t>optimizer.step</a:t>
-            </a:r>
-            <a:r>
-              <a:rPr lang="en-US" dirty="0">
-                <a:solidFill>
-                  <a:schemeClr val="accent2"/>
-                </a:solidFill>
-              </a:rPr>
-              <a:t>() </a:t>
-            </a:r>
-            <a:r>
-              <a:rPr lang="en-US" dirty="0"/>
-              <a:t>updates weights after backpropagation</a:t>
-            </a:r>
-          </a:p>
-          <a:p>
-            <a:pPr rtl="0">
-              <a:buFont typeface="Arial" panose="020B0604020202020204" pitchFamily="34" charset="0"/>
-              <a:buChar char="•"/>
-            </a:pPr>
-            <a:r>
-              <a:rPr lang="en-US" dirty="0"/>
-              <a:t>Benefits:</a:t>
-            </a:r>
-          </a:p>
-          <a:p>
-            <a:pPr marL="742950" lvl="1" indent="-285750" rtl="0">
-              <a:buFont typeface="Arial" panose="020B0604020202020204" pitchFamily="34" charset="0"/>
-              <a:buChar char="•"/>
-            </a:pPr>
-            <a:r>
-              <a:rPr lang="en-US" dirty="0"/>
-              <a:t>Fast convergence</a:t>
-            </a:r>
-          </a:p>
-          <a:p>
-            <a:pPr marL="742950" lvl="1" indent="-285750" rtl="0">
-              <a:buFont typeface="Arial" panose="020B0604020202020204" pitchFamily="34" charset="0"/>
-              <a:buChar char="•"/>
-            </a:pPr>
-            <a:r>
-              <a:rPr lang="en-US" dirty="0"/>
-              <a:t>Adapts to different features (e.g., Iris’s varying scales)</a:t>
-            </a:r>
+            <a:endParaRPr lang="en-US"/>
           </a:p>
         </p:txBody>
       </p:sp>
     </p:spTree>
     <p:extLst>
       <p:ext uri="{BB962C8B-B14F-4D97-AF65-F5344CB8AC3E}">
-        <p14:creationId xmlns:p14="http://schemas.microsoft.com/office/powerpoint/2010/main" val="1846476847"/>
+        <p14:creationId xmlns:p14="http://schemas.microsoft.com/office/powerpoint/2010/main" val="1472723351"/>
       </p:ext>
     </p:extLst>
   </p:cSld>
@@ -18468,38 +19797,90 @@
       </p:grpSpPr>
       <p:pic>
         <p:nvPicPr>
-          <p:cNvPr id="5" name="Picture 4">
-            <a:extLst>
-              <a:ext uri="{FF2B5EF4-FFF2-40B4-BE49-F238E27FC236}">
-                <a16:creationId xmlns:a16="http://schemas.microsoft.com/office/drawing/2014/main" id="{B1E92E06-8E6E-750D-CDA6-9714052C3FF6}"/>
+          <p:cNvPr id="10242" name="Picture 2">
+            <a:extLst>
+              <a:ext uri="{FF2B5EF4-FFF2-40B4-BE49-F238E27FC236}">
+                <a16:creationId xmlns:a16="http://schemas.microsoft.com/office/drawing/2014/main" id="{1343F3F4-E3B1-3117-3F37-E0CF745DFFA4}"/>
               </a:ext>
             </a:extLst>
           </p:cNvPr>
           <p:cNvPicPr>
-            <a:picLocks noChangeAspect="1"/>
+            <a:picLocks noChangeAspect="1" noChangeArrowheads="1"/>
           </p:cNvPicPr>
           <p:nvPr/>
         </p:nvPicPr>
         <p:blipFill>
-          <a:blip r:embed="rId2"/>
+          <a:blip r:embed="rId2">
+            <a:extLst>
+              <a:ext uri="{28A0092B-C50C-407E-A947-70E740481C1C}">
+                <a14:useLocalDpi xmlns:a14="http://schemas.microsoft.com/office/drawing/2010/main" val="0"/>
+              </a:ext>
+            </a:extLst>
+          </a:blip>
+          <a:srcRect/>
           <a:stretch>
             <a:fillRect/>
           </a:stretch>
         </p:blipFill>
+        <p:spPr bwMode="auto">
+          <a:xfrm>
+            <a:off x="2067560" y="285750"/>
+            <a:ext cx="8056880" cy="6042660"/>
+          </a:xfrm>
+          <a:prstGeom prst="rect">
+            <a:avLst/>
+          </a:prstGeom>
+          <a:noFill/>
+          <a:extLst>
+            <a:ext uri="{909E8E84-426E-40DD-AFC4-6F175D3DCCD1}">
+              <a14:hiddenFill xmlns:a14="http://schemas.microsoft.com/office/drawing/2010/main">
+                <a:solidFill>
+                  <a:srgbClr val="FFFFFF"/>
+                </a:solidFill>
+              </a14:hiddenFill>
+            </a:ext>
+          </a:extLst>
+        </p:spPr>
+      </p:pic>
+      <p:sp>
+        <p:nvSpPr>
+          <p:cNvPr id="5" name="TextBox 4">
+            <a:extLst>
+              <a:ext uri="{FF2B5EF4-FFF2-40B4-BE49-F238E27FC236}">
+                <a16:creationId xmlns:a16="http://schemas.microsoft.com/office/drawing/2014/main" id="{4E39BB3D-B79B-AFD4-E6B8-3B02084EEF65}"/>
+              </a:ext>
+            </a:extLst>
+          </p:cNvPr>
+          <p:cNvSpPr txBox="1"/>
+          <p:nvPr/>
+        </p:nvSpPr>
         <p:spPr>
           <a:xfrm>
-            <a:off x="1153300" y="0"/>
-            <a:ext cx="10196888" cy="6858000"/>
+            <a:off x="2506980" y="6328410"/>
+            <a:ext cx="6525260" cy="338554"/>
           </a:xfrm>
           <a:prstGeom prst="rect">
             <a:avLst/>
           </a:prstGeom>
-        </p:spPr>
-      </p:pic>
+          <a:noFill/>
+        </p:spPr>
+        <p:txBody>
+          <a:bodyPr wrap="square">
+            <a:spAutoFit/>
+          </a:bodyPr>
+          <a:lstStyle/>
+          <a:p>
+            <a:r>
+              <a:rPr lang="en-US" sz="1600" dirty="0"/>
+              <a:t>https://community.deeplearning.ai/t/optimization-algorithms/305154/3</a:t>
+            </a:r>
+          </a:p>
+        </p:txBody>
+      </p:sp>
     </p:spTree>
     <p:extLst>
       <p:ext uri="{BB962C8B-B14F-4D97-AF65-F5344CB8AC3E}">
-        <p14:creationId xmlns:p14="http://schemas.microsoft.com/office/powerpoint/2010/main" val="1740457000"/>
+        <p14:creationId xmlns:p14="http://schemas.microsoft.com/office/powerpoint/2010/main" val="545826806"/>
       </p:ext>
     </p:extLst>
   </p:cSld>
@@ -18531,7 +19912,7 @@
           <p:cNvPr id="2" name="Title 1">
             <a:extLst>
               <a:ext uri="{FF2B5EF4-FFF2-40B4-BE49-F238E27FC236}">
-                <a16:creationId xmlns:a16="http://schemas.microsoft.com/office/drawing/2014/main" id="{3A7D6A03-A22D-46EE-F960-A431154FCEC2}"/>
+                <a16:creationId xmlns:a16="http://schemas.microsoft.com/office/drawing/2014/main" id="{96D7FC87-E36A-D83A-96C4-A01CC08B16F6}"/>
               </a:ext>
             </a:extLst>
           </p:cNvPr>
@@ -18549,7 +19930,7 @@
           <a:p>
             <a:r>
               <a:rPr lang="en-US" dirty="0"/>
-              <a:t>Which optimizer to use</a:t>
+              <a:t>Adam Optimizer</a:t>
             </a:r>
           </a:p>
         </p:txBody>
@@ -18559,7 +19940,7 @@
           <p:cNvPr id="3" name="Content Placeholder 2">
             <a:extLst>
               <a:ext uri="{FF2B5EF4-FFF2-40B4-BE49-F238E27FC236}">
-                <a16:creationId xmlns:a16="http://schemas.microsoft.com/office/drawing/2014/main" id="{3E281087-FD8D-D04A-DEA2-DB7F598F989B}"/>
+                <a16:creationId xmlns:a16="http://schemas.microsoft.com/office/drawing/2014/main" id="{78F9E78F-53B4-E732-923B-ECCB30D08BED}"/>
               </a:ext>
             </a:extLst>
           </p:cNvPr>
@@ -18572,43 +19953,200 @@
         </p:nvSpPr>
         <p:spPr/>
         <p:txBody>
-          <a:bodyPr/>
+          <a:bodyPr>
+            <a:normAutofit fontScale="92500" lnSpcReduction="10000"/>
+          </a:bodyPr>
           <a:lstStyle/>
           <a:p>
-            <a:r>
-              <a:rPr lang="en-GB" dirty="0"/>
-              <a:t>Use Adam when you want good performance quickly and don't want to worry too much about hyperparameter tuning.</a:t>
-            </a:r>
-          </a:p>
-          <a:p>
-            <a:r>
-              <a:rPr lang="en-GB" dirty="0"/>
-              <a:t>Use SGD (with momentum) when training very large models, fine-tuning pre-trained networks, or when you want tighter control over optimization </a:t>
-            </a:r>
-            <a:r>
-              <a:rPr lang="en-GB" dirty="0" err="1"/>
-              <a:t>behavior</a:t>
-            </a:r>
-            <a:r>
-              <a:rPr lang="en-GB" dirty="0"/>
-              <a:t>.</a:t>
-            </a:r>
-          </a:p>
-          <a:p>
+            <a:pPr rtl="0">
+              <a:buFont typeface="Arial" panose="020B0604020202020204" pitchFamily="34" charset="0"/>
+              <a:buChar char="•"/>
+            </a:pPr>
             <a:r>
               <a:rPr lang="en-US" dirty="0"/>
-              <a:t>Compare both optimizers for Iris training with 100 epochs (150 samples) </a:t>
-            </a:r>
-          </a:p>
-          <a:p>
-            <a:endParaRPr lang="en-GB" dirty="0"/>
+              <a:t>Definition: Adaptive Moment Estimation, a gradient-based optimization algorithm</a:t>
+            </a:r>
+          </a:p>
+          <a:p>
+            <a:pPr rtl="0">
+              <a:buFont typeface="Arial" panose="020B0604020202020204" pitchFamily="34" charset="0"/>
+              <a:buChar char="•"/>
+            </a:pPr>
+            <a:r>
+              <a:rPr lang="en-US" dirty="0"/>
+              <a:t>How It Works:</a:t>
+            </a:r>
+          </a:p>
+          <a:p>
+            <a:pPr marL="742950" lvl="1" indent="-285750" rtl="0">
+              <a:buFont typeface="Arial" panose="020B0604020202020204" pitchFamily="34" charset="0"/>
+              <a:buChar char="•"/>
+            </a:pPr>
+            <a:r>
+              <a:rPr lang="en-US" dirty="0"/>
+              <a:t>Combines momentum (moving average of gradients) and </a:t>
+            </a:r>
+            <a:r>
+              <a:rPr lang="en-US" dirty="0" err="1"/>
+              <a:t>RMSProp</a:t>
+            </a:r>
+            <a:r>
+              <a:rPr lang="en-US" dirty="0"/>
+              <a:t> (adaptive learning rates)</a:t>
+            </a:r>
+          </a:p>
+          <a:p>
+            <a:pPr marL="742950" lvl="1" indent="-285750" rtl="0">
+              <a:buFont typeface="Arial" panose="020B0604020202020204" pitchFamily="34" charset="0"/>
+              <a:buChar char="•"/>
+            </a:pPr>
+            <a:r>
+              <a:rPr lang="en-US" dirty="0"/>
+              <a:t>Updates weights to minimize cross-entropy loss</a:t>
+            </a:r>
+          </a:p>
+          <a:p>
+            <a:pPr rtl="0">
+              <a:buFont typeface="Arial" panose="020B0604020202020204" pitchFamily="34" charset="0"/>
+              <a:buChar char="•"/>
+            </a:pPr>
+            <a:r>
+              <a:rPr lang="en-US" dirty="0"/>
+              <a:t>In </a:t>
+            </a:r>
+            <a:r>
+              <a:rPr lang="en-US" dirty="0" err="1"/>
+              <a:t>PyTorch</a:t>
+            </a:r>
+            <a:r>
+              <a:rPr lang="en-US" dirty="0"/>
+              <a:t> Code:</a:t>
+            </a:r>
+          </a:p>
+          <a:p>
+            <a:pPr marL="742950" lvl="1" indent="-285750" rtl="0">
+              <a:buFont typeface="Arial" panose="020B0604020202020204" pitchFamily="34" charset="0"/>
+              <a:buChar char="•"/>
+            </a:pPr>
+            <a:r>
+              <a:rPr lang="en-US" dirty="0">
+                <a:solidFill>
+                  <a:schemeClr val="accent2"/>
+                </a:solidFill>
+              </a:rPr>
+              <a:t>optimizer = </a:t>
+            </a:r>
+            <a:r>
+              <a:rPr lang="en-US" dirty="0" err="1">
+                <a:solidFill>
+                  <a:schemeClr val="accent2"/>
+                </a:solidFill>
+              </a:rPr>
+              <a:t>optim.Adam</a:t>
+            </a:r>
+            <a:r>
+              <a:rPr lang="en-US" dirty="0">
+                <a:solidFill>
+                  <a:schemeClr val="accent2"/>
+                </a:solidFill>
+              </a:rPr>
+              <a:t>(</a:t>
+            </a:r>
+            <a:r>
+              <a:rPr lang="en-US" dirty="0" err="1">
+                <a:solidFill>
+                  <a:schemeClr val="accent2"/>
+                </a:solidFill>
+              </a:rPr>
+              <a:t>model.parameters</a:t>
+            </a:r>
+            <a:r>
+              <a:rPr lang="en-US" dirty="0">
+                <a:solidFill>
+                  <a:schemeClr val="accent2"/>
+                </a:solidFill>
+              </a:rPr>
+              <a:t>(), </a:t>
+            </a:r>
+            <a:r>
+              <a:rPr lang="en-US" dirty="0" err="1">
+                <a:solidFill>
+                  <a:schemeClr val="accent2"/>
+                </a:solidFill>
+              </a:rPr>
+              <a:t>lr</a:t>
+            </a:r>
+            <a:r>
+              <a:rPr lang="en-US" dirty="0">
+                <a:solidFill>
+                  <a:schemeClr val="accent2"/>
+                </a:solidFill>
+              </a:rPr>
+              <a:t>=0.001)</a:t>
+            </a:r>
+          </a:p>
+          <a:p>
+            <a:pPr marL="742950" lvl="1" indent="-285750" rtl="0">
+              <a:buFont typeface="Arial" panose="020B0604020202020204" pitchFamily="34" charset="0"/>
+              <a:buChar char="•"/>
+            </a:pPr>
+            <a:r>
+              <a:rPr lang="en-US" dirty="0" err="1">
+                <a:solidFill>
+                  <a:schemeClr val="accent2"/>
+                </a:solidFill>
+              </a:rPr>
+              <a:t>optimizer.step</a:t>
+            </a:r>
+            <a:r>
+              <a:rPr lang="en-US" dirty="0">
+                <a:solidFill>
+                  <a:schemeClr val="accent2"/>
+                </a:solidFill>
+              </a:rPr>
+              <a:t>() </a:t>
+            </a:r>
+            <a:r>
+              <a:rPr lang="en-US" dirty="0"/>
+              <a:t>updates weights after backpropagation</a:t>
+            </a:r>
+          </a:p>
+          <a:p>
+            <a:pPr rtl="0">
+              <a:buFont typeface="Arial" panose="020B0604020202020204" pitchFamily="34" charset="0"/>
+              <a:buChar char="•"/>
+            </a:pPr>
+            <a:r>
+              <a:rPr lang="en-US" dirty="0"/>
+              <a:t>Benefits:</a:t>
+            </a:r>
+          </a:p>
+          <a:p>
+            <a:pPr marL="742950" lvl="1" indent="-285750" rtl="0">
+              <a:buFont typeface="Arial" panose="020B0604020202020204" pitchFamily="34" charset="0"/>
+              <a:buChar char="•"/>
+            </a:pPr>
+            <a:r>
+              <a:rPr lang="en-US" dirty="0"/>
+              <a:t>Fast convergence</a:t>
+            </a:r>
+          </a:p>
+          <a:p>
+            <a:pPr marL="742950" lvl="1" indent="-285750" rtl="0">
+              <a:buFont typeface="Arial" panose="020B0604020202020204" pitchFamily="34" charset="0"/>
+              <a:buChar char="•"/>
+            </a:pPr>
+            <a:r>
+              <a:rPr lang="en-US" dirty="0"/>
+              <a:t>Adapts to different features (e.g., Iris’s varying scales)</a:t>
+            </a:r>
           </a:p>
         </p:txBody>
       </p:sp>
     </p:spTree>
     <p:extLst>
       <p:ext uri="{BB962C8B-B14F-4D97-AF65-F5344CB8AC3E}">
-        <p14:creationId xmlns:p14="http://schemas.microsoft.com/office/powerpoint/2010/main" val="1312178182"/>
+        <p14:creationId xmlns:p14="http://schemas.microsoft.com/office/powerpoint/2010/main" val="1846476847"/>
       </p:ext>
     </p:extLst>
   </p:cSld>
@@ -20500,6 +22038,175 @@
           <a:chExt cx="0" cy="0"/>
         </a:xfrm>
       </p:grpSpPr>
+      <p:pic>
+        <p:nvPicPr>
+          <p:cNvPr id="5" name="Picture 4">
+            <a:extLst>
+              <a:ext uri="{FF2B5EF4-FFF2-40B4-BE49-F238E27FC236}">
+                <a16:creationId xmlns:a16="http://schemas.microsoft.com/office/drawing/2014/main" id="{B1E92E06-8E6E-750D-CDA6-9714052C3FF6}"/>
+              </a:ext>
+            </a:extLst>
+          </p:cNvPr>
+          <p:cNvPicPr>
+            <a:picLocks noChangeAspect="1"/>
+          </p:cNvPicPr>
+          <p:nvPr/>
+        </p:nvPicPr>
+        <p:blipFill>
+          <a:blip r:embed="rId2"/>
+          <a:stretch>
+            <a:fillRect/>
+          </a:stretch>
+        </p:blipFill>
+        <p:spPr>
+          <a:xfrm>
+            <a:off x="1153300" y="0"/>
+            <a:ext cx="10196888" cy="6858000"/>
+          </a:xfrm>
+          <a:prstGeom prst="rect">
+            <a:avLst/>
+          </a:prstGeom>
+        </p:spPr>
+      </p:pic>
+    </p:spTree>
+    <p:extLst>
+      <p:ext uri="{BB962C8B-B14F-4D97-AF65-F5344CB8AC3E}">
+        <p14:creationId xmlns:p14="http://schemas.microsoft.com/office/powerpoint/2010/main" val="1740457000"/>
+      </p:ext>
+    </p:extLst>
+  </p:cSld>
+  <p:clrMapOvr>
+    <a:masterClrMapping/>
+  </p:clrMapOvr>
+</p:sld>
+</file>
+
+<file path=ppt/slides/slide41.xml><?xml version="1.0" encoding="utf-8"?>
+<p:sld xmlns:a="http://schemas.openxmlformats.org/drawingml/2006/main" xmlns:r="http://schemas.openxmlformats.org/officeDocument/2006/relationships" xmlns:p="http://schemas.openxmlformats.org/presentationml/2006/main">
+  <p:cSld>
+    <p:spTree>
+      <p:nvGrpSpPr>
+        <p:cNvPr id="1" name=""/>
+        <p:cNvGrpSpPr/>
+        <p:nvPr/>
+      </p:nvGrpSpPr>
+      <p:grpSpPr>
+        <a:xfrm>
+          <a:off x="0" y="0"/>
+          <a:ext cx="0" cy="0"/>
+          <a:chOff x="0" y="0"/>
+          <a:chExt cx="0" cy="0"/>
+        </a:xfrm>
+      </p:grpSpPr>
+      <p:sp>
+        <p:nvSpPr>
+          <p:cNvPr id="2" name="Title 1">
+            <a:extLst>
+              <a:ext uri="{FF2B5EF4-FFF2-40B4-BE49-F238E27FC236}">
+                <a16:creationId xmlns:a16="http://schemas.microsoft.com/office/drawing/2014/main" id="{3A7D6A03-A22D-46EE-F960-A431154FCEC2}"/>
+              </a:ext>
+            </a:extLst>
+          </p:cNvPr>
+          <p:cNvSpPr>
+            <a:spLocks noGrp="1"/>
+          </p:cNvSpPr>
+          <p:nvPr>
+            <p:ph type="title"/>
+          </p:nvPr>
+        </p:nvSpPr>
+        <p:spPr/>
+        <p:txBody>
+          <a:bodyPr/>
+          <a:lstStyle/>
+          <a:p>
+            <a:r>
+              <a:rPr lang="en-US" dirty="0"/>
+              <a:t>Which optimizer to use</a:t>
+            </a:r>
+          </a:p>
+        </p:txBody>
+      </p:sp>
+      <p:sp>
+        <p:nvSpPr>
+          <p:cNvPr id="3" name="Content Placeholder 2">
+            <a:extLst>
+              <a:ext uri="{FF2B5EF4-FFF2-40B4-BE49-F238E27FC236}">
+                <a16:creationId xmlns:a16="http://schemas.microsoft.com/office/drawing/2014/main" id="{3E281087-FD8D-D04A-DEA2-DB7F598F989B}"/>
+              </a:ext>
+            </a:extLst>
+          </p:cNvPr>
+          <p:cNvSpPr>
+            <a:spLocks noGrp="1"/>
+          </p:cNvSpPr>
+          <p:nvPr>
+            <p:ph idx="1"/>
+          </p:nvPr>
+        </p:nvSpPr>
+        <p:spPr/>
+        <p:txBody>
+          <a:bodyPr/>
+          <a:lstStyle/>
+          <a:p>
+            <a:r>
+              <a:rPr lang="en-GB" dirty="0"/>
+              <a:t>Use Adam when you want good performance quickly and don't want to worry too much about hyperparameter tuning.</a:t>
+            </a:r>
+          </a:p>
+          <a:p>
+            <a:r>
+              <a:rPr lang="en-GB" dirty="0"/>
+              <a:t>Use SGD (with momentum) when training very large models, fine-tuning pre-trained networks, or when you want tighter control over optimization </a:t>
+            </a:r>
+            <a:r>
+              <a:rPr lang="en-GB" dirty="0" err="1"/>
+              <a:t>behavior</a:t>
+            </a:r>
+            <a:r>
+              <a:rPr lang="en-GB" dirty="0"/>
+              <a:t>.</a:t>
+            </a:r>
+          </a:p>
+          <a:p>
+            <a:r>
+              <a:rPr lang="en-US" dirty="0"/>
+              <a:t>Compare both optimizers for Iris training with 100 epochs (150 samples) </a:t>
+            </a:r>
+          </a:p>
+          <a:p>
+            <a:endParaRPr lang="en-GB" dirty="0"/>
+          </a:p>
+        </p:txBody>
+      </p:sp>
+    </p:spTree>
+    <p:extLst>
+      <p:ext uri="{BB962C8B-B14F-4D97-AF65-F5344CB8AC3E}">
+        <p14:creationId xmlns:p14="http://schemas.microsoft.com/office/powerpoint/2010/main" val="1312178182"/>
+      </p:ext>
+    </p:extLst>
+  </p:cSld>
+  <p:clrMapOvr>
+    <a:masterClrMapping/>
+  </p:clrMapOvr>
+</p:sld>
+</file>
+
+<file path=ppt/slides/slide42.xml><?xml version="1.0" encoding="utf-8"?>
+<p:sld xmlns:a="http://schemas.openxmlformats.org/drawingml/2006/main" xmlns:r="http://schemas.openxmlformats.org/officeDocument/2006/relationships" xmlns:p="http://schemas.openxmlformats.org/presentationml/2006/main">
+  <p:cSld>
+    <p:spTree>
+      <p:nvGrpSpPr>
+        <p:cNvPr id="1" name=""/>
+        <p:cNvGrpSpPr/>
+        <p:nvPr/>
+      </p:nvGrpSpPr>
+      <p:grpSpPr>
+        <a:xfrm>
+          <a:off x="0" y="0"/>
+          <a:ext cx="0" cy="0"/>
+          <a:chOff x="0" y="0"/>
+          <a:chExt cx="0" cy="0"/>
+        </a:xfrm>
+      </p:grpSpPr>
       <p:sp>
         <p:nvSpPr>
           <p:cNvPr id="2" name="Title 1">
@@ -20654,7 +22361,7 @@
 </p:sld>
 </file>
 
-<file path=ppt/slides/slide41.xml><?xml version="1.0" encoding="utf-8"?>
+<file path=ppt/slides/slide43.xml><?xml version="1.0" encoding="utf-8"?>
 <p:sld xmlns:a="http://schemas.openxmlformats.org/drawingml/2006/main" xmlns:r="http://schemas.openxmlformats.org/officeDocument/2006/relationships" xmlns:p="http://schemas.openxmlformats.org/presentationml/2006/main">
   <p:cSld>
     <p:spTree>

--- a/CYFI445/lectures/08_multiclass_classification_n_to_n_2hidden/0_ML_concepts_multiclass.pptx
+++ b/CYFI445/lectures/08_multiclass_classification_n_to_n_2hidden/0_ML_concepts_multiclass.pptx
@@ -1294,30 +1294,6 @@
     </pc:docChg>
   </pc:docChgLst>
   <pc:docChgLst>
-    <pc:chgData name="Weifeng Xu" userId="e7aed605-a3dd-4d5a-a692-a87037af107b" providerId="ADAL" clId="{F99F8FFF-BA20-43EA-924B-4DF5D2A785F3}"/>
-    <pc:docChg chg="modSld">
-      <pc:chgData name="Weifeng Xu" userId="e7aed605-a3dd-4d5a-a692-a87037af107b" providerId="ADAL" clId="{F99F8FFF-BA20-43EA-924B-4DF5D2A785F3}" dt="2025-10-02T12:38:57.572" v="1" actId="6549"/>
-      <pc:docMkLst>
-        <pc:docMk/>
-      </pc:docMkLst>
-      <pc:sldChg chg="modSp mod">
-        <pc:chgData name="Weifeng Xu" userId="e7aed605-a3dd-4d5a-a692-a87037af107b" providerId="ADAL" clId="{F99F8FFF-BA20-43EA-924B-4DF5D2A785F3}" dt="2025-10-02T12:38:57.572" v="1" actId="6549"/>
-        <pc:sldMkLst>
-          <pc:docMk/>
-          <pc:sldMk cId="1783593539" sldId="274"/>
-        </pc:sldMkLst>
-        <pc:spChg chg="mod">
-          <ac:chgData name="Weifeng Xu" userId="e7aed605-a3dd-4d5a-a692-a87037af107b" providerId="ADAL" clId="{F99F8FFF-BA20-43EA-924B-4DF5D2A785F3}" dt="2025-10-02T12:38:57.572" v="1" actId="6549"/>
-          <ac:spMkLst>
-            <pc:docMk/>
-            <pc:sldMk cId="1783593539" sldId="274"/>
-            <ac:spMk id="9" creationId="{B78EE82E-AFD6-3A62-4FE9-DD348A53F6E7}"/>
-          </ac:spMkLst>
-        </pc:spChg>
-      </pc:sldChg>
-    </pc:docChg>
-  </pc:docChgLst>
-  <pc:docChgLst>
     <pc:chgData name="Weifeng Xu" userId="e7aed605-a3dd-4d5a-a692-a87037af107b" providerId="ADAL" clId="{30C724EF-4842-4D28-AD5E-F8ADBCCE7FC4}"/>
     <pc:docChg chg="undo custSel addSld delSld modSld">
       <pc:chgData name="Weifeng Xu" userId="e7aed605-a3dd-4d5a-a692-a87037af107b" providerId="ADAL" clId="{30C724EF-4842-4D28-AD5E-F8ADBCCE7FC4}" dt="2025-05-02T15:10:40.316" v="141" actId="1076"/>
@@ -1575,6 +1551,30 @@
           <pc:docMk/>
           <pc:sldMk cId="1572050356" sldId="277"/>
         </pc:sldMkLst>
+      </pc:sldChg>
+    </pc:docChg>
+  </pc:docChgLst>
+  <pc:docChgLst>
+    <pc:chgData name="Weifeng Xu" userId="e7aed605-a3dd-4d5a-a692-a87037af107b" providerId="ADAL" clId="{F99F8FFF-BA20-43EA-924B-4DF5D2A785F3}"/>
+    <pc:docChg chg="modSld">
+      <pc:chgData name="Weifeng Xu" userId="e7aed605-a3dd-4d5a-a692-a87037af107b" providerId="ADAL" clId="{F99F8FFF-BA20-43EA-924B-4DF5D2A785F3}" dt="2025-10-02T12:38:57.572" v="1" actId="6549"/>
+      <pc:docMkLst>
+        <pc:docMk/>
+      </pc:docMkLst>
+      <pc:sldChg chg="modSp mod">
+        <pc:chgData name="Weifeng Xu" userId="e7aed605-a3dd-4d5a-a692-a87037af107b" providerId="ADAL" clId="{F99F8FFF-BA20-43EA-924B-4DF5D2A785F3}" dt="2025-10-02T12:38:57.572" v="1" actId="6549"/>
+        <pc:sldMkLst>
+          <pc:docMk/>
+          <pc:sldMk cId="1783593539" sldId="274"/>
+        </pc:sldMkLst>
+        <pc:spChg chg="mod">
+          <ac:chgData name="Weifeng Xu" userId="e7aed605-a3dd-4d5a-a692-a87037af107b" providerId="ADAL" clId="{F99F8FFF-BA20-43EA-924B-4DF5D2A785F3}" dt="2025-10-02T12:38:57.572" v="1" actId="6549"/>
+          <ac:spMkLst>
+            <pc:docMk/>
+            <pc:sldMk cId="1783593539" sldId="274"/>
+            <ac:spMk id="9" creationId="{B78EE82E-AFD6-3A62-4FE9-DD348A53F6E7}"/>
+          </ac:spMkLst>
+        </pc:spChg>
       </pc:sldChg>
     </pc:docChg>
   </pc:docChgLst>
@@ -2447,7 +2447,7 @@
           <a:p>
             <a:fld id="{2A59A54D-A59E-4D85-AEC9-D5AFF867AB55}" type="datetimeFigureOut">
               <a:rPr lang="en-US" smtClean="0"/>
-              <a:t>10/15/2025</a:t>
+              <a:t>10/22/2025</a:t>
             </a:fld>
             <a:endParaRPr lang="en-US"/>
           </a:p>
@@ -4079,7 +4079,7 @@
           <a:p>
             <a:fld id="{4263717A-E3C1-4BED-ABE0-B7069385E023}" type="datetimeFigureOut">
               <a:rPr lang="en-US" smtClean="0"/>
-              <a:t>10/15/2025</a:t>
+              <a:t>10/22/2025</a:t>
             </a:fld>
             <a:endParaRPr lang="en-US"/>
           </a:p>
@@ -4252,7 +4252,7 @@
           <a:p>
             <a:fld id="{4263717A-E3C1-4BED-ABE0-B7069385E023}" type="datetimeFigureOut">
               <a:rPr lang="en-US" smtClean="0"/>
-              <a:t>10/15/2025</a:t>
+              <a:t>10/22/2025</a:t>
             </a:fld>
             <a:endParaRPr lang="en-US"/>
           </a:p>
@@ -4430,7 +4430,7 @@
           <a:p>
             <a:fld id="{4263717A-E3C1-4BED-ABE0-B7069385E023}" type="datetimeFigureOut">
               <a:rPr lang="en-US" smtClean="0"/>
-              <a:t>10/15/2025</a:t>
+              <a:t>10/22/2025</a:t>
             </a:fld>
             <a:endParaRPr lang="en-US"/>
           </a:p>
@@ -4598,7 +4598,7 @@
           <a:p>
             <a:fld id="{4263717A-E3C1-4BED-ABE0-B7069385E023}" type="datetimeFigureOut">
               <a:rPr lang="en-US" smtClean="0"/>
-              <a:t>10/15/2025</a:t>
+              <a:t>10/22/2025</a:t>
             </a:fld>
             <a:endParaRPr lang="en-US"/>
           </a:p>
@@ -4843,7 +4843,7 @@
           <a:p>
             <a:fld id="{4263717A-E3C1-4BED-ABE0-B7069385E023}" type="datetimeFigureOut">
               <a:rPr lang="en-US" smtClean="0"/>
-              <a:t>10/15/2025</a:t>
+              <a:t>10/22/2025</a:t>
             </a:fld>
             <a:endParaRPr lang="en-US"/>
           </a:p>
@@ -5072,7 +5072,7 @@
           <a:p>
             <a:fld id="{4263717A-E3C1-4BED-ABE0-B7069385E023}" type="datetimeFigureOut">
               <a:rPr lang="en-US" smtClean="0"/>
-              <a:t>10/15/2025</a:t>
+              <a:t>10/22/2025</a:t>
             </a:fld>
             <a:endParaRPr lang="en-US"/>
           </a:p>
@@ -5436,7 +5436,7 @@
           <a:p>
             <a:fld id="{4263717A-E3C1-4BED-ABE0-B7069385E023}" type="datetimeFigureOut">
               <a:rPr lang="en-US" smtClean="0"/>
-              <a:t>10/15/2025</a:t>
+              <a:t>10/22/2025</a:t>
             </a:fld>
             <a:endParaRPr lang="en-US"/>
           </a:p>
@@ -5553,7 +5553,7 @@
           <a:p>
             <a:fld id="{4263717A-E3C1-4BED-ABE0-B7069385E023}" type="datetimeFigureOut">
               <a:rPr lang="en-US" smtClean="0"/>
-              <a:t>10/15/2025</a:t>
+              <a:t>10/22/2025</a:t>
             </a:fld>
             <a:endParaRPr lang="en-US"/>
           </a:p>
@@ -5648,7 +5648,7 @@
           <a:p>
             <a:fld id="{4263717A-E3C1-4BED-ABE0-B7069385E023}" type="datetimeFigureOut">
               <a:rPr lang="en-US" smtClean="0"/>
-              <a:t>10/15/2025</a:t>
+              <a:t>10/22/2025</a:t>
             </a:fld>
             <a:endParaRPr lang="en-US"/>
           </a:p>
@@ -5923,7 +5923,7 @@
           <a:p>
             <a:fld id="{4263717A-E3C1-4BED-ABE0-B7069385E023}" type="datetimeFigureOut">
               <a:rPr lang="en-US" smtClean="0"/>
-              <a:t>10/15/2025</a:t>
+              <a:t>10/22/2025</a:t>
             </a:fld>
             <a:endParaRPr lang="en-US"/>
           </a:p>
@@ -6175,7 +6175,7 @@
           <a:p>
             <a:fld id="{4263717A-E3C1-4BED-ABE0-B7069385E023}" type="datetimeFigureOut">
               <a:rPr lang="en-US" smtClean="0"/>
-              <a:t>10/15/2025</a:t>
+              <a:t>10/22/2025</a:t>
             </a:fld>
             <a:endParaRPr lang="en-US"/>
           </a:p>
@@ -6394,7 +6394,7 @@
           <a:p>
             <a:fld id="{4263717A-E3C1-4BED-ABE0-B7069385E023}" type="datetimeFigureOut">
               <a:rPr lang="en-US" smtClean="0"/>
-              <a:t>10/15/2025</a:t>
+              <a:t>10/22/2025</a:t>
             </a:fld>
             <a:endParaRPr lang="en-US"/>
           </a:p>
@@ -8019,11 +8019,11 @@
           <a:lstStyle/>
           <a:p>
             <a:r>
-              <a:rPr lang="en-US" b="1" dirty="0"/>
-              <a:t>Sunn</a:t>
-            </a:r>
-            <a:r>
-              <a:rPr lang="en-US" dirty="0"/>
+              <a:rPr lang="en-US" b="1"/>
+              <a:t>Sunny</a:t>
+            </a:r>
+            <a:r>
+              <a:rPr lang="en-US"/>
               <a:t>: </a:t>
             </a:r>
             <a:r>
